--- a/Presentation TA.pptx
+++ b/Presentation TA.pptx
@@ -6,30 +6,33 @@
   </p:sldMasterIdLst>
   <p:sldIdLst>
     <p:sldId id="256" r:id="rId2"/>
-    <p:sldId id="259" r:id="rId3"/>
-    <p:sldId id="257" r:id="rId4"/>
-    <p:sldId id="258" r:id="rId5"/>
-    <p:sldId id="273" r:id="rId6"/>
-    <p:sldId id="261" r:id="rId7"/>
-    <p:sldId id="260" r:id="rId8"/>
-    <p:sldId id="262" r:id="rId9"/>
-    <p:sldId id="275" r:id="rId10"/>
-    <p:sldId id="274" r:id="rId11"/>
-    <p:sldId id="276" r:id="rId12"/>
-    <p:sldId id="263" r:id="rId13"/>
-    <p:sldId id="264" r:id="rId14"/>
-    <p:sldId id="271" r:id="rId15"/>
-    <p:sldId id="265" r:id="rId16"/>
-    <p:sldId id="277" r:id="rId17"/>
-    <p:sldId id="267" r:id="rId18"/>
-    <p:sldId id="278" r:id="rId19"/>
-    <p:sldId id="279" r:id="rId20"/>
-    <p:sldId id="266" r:id="rId21"/>
-    <p:sldId id="268" r:id="rId22"/>
-    <p:sldId id="269" r:id="rId23"/>
-    <p:sldId id="280" r:id="rId24"/>
-    <p:sldId id="281" r:id="rId25"/>
-    <p:sldId id="270" r:id="rId26"/>
+    <p:sldId id="283" r:id="rId3"/>
+    <p:sldId id="282" r:id="rId4"/>
+    <p:sldId id="259" r:id="rId5"/>
+    <p:sldId id="284" r:id="rId6"/>
+    <p:sldId id="257" r:id="rId7"/>
+    <p:sldId id="258" r:id="rId8"/>
+    <p:sldId id="273" r:id="rId9"/>
+    <p:sldId id="261" r:id="rId10"/>
+    <p:sldId id="260" r:id="rId11"/>
+    <p:sldId id="262" r:id="rId12"/>
+    <p:sldId id="275" r:id="rId13"/>
+    <p:sldId id="274" r:id="rId14"/>
+    <p:sldId id="276" r:id="rId15"/>
+    <p:sldId id="263" r:id="rId16"/>
+    <p:sldId id="264" r:id="rId17"/>
+    <p:sldId id="271" r:id="rId18"/>
+    <p:sldId id="265" r:id="rId19"/>
+    <p:sldId id="277" r:id="rId20"/>
+    <p:sldId id="267" r:id="rId21"/>
+    <p:sldId id="278" r:id="rId22"/>
+    <p:sldId id="279" r:id="rId23"/>
+    <p:sldId id="266" r:id="rId24"/>
+    <p:sldId id="268" r:id="rId25"/>
+    <p:sldId id="269" r:id="rId26"/>
+    <p:sldId id="280" r:id="rId27"/>
+    <p:sldId id="281" r:id="rId28"/>
+    <p:sldId id="270" r:id="rId29"/>
   </p:sldIdLst>
   <p:sldSz cx="9144000" cy="6858000" type="screen4x3"/>
   <p:notesSz cx="6858000" cy="9144000"/>
@@ -134,7 +137,10 @@
         <p14:section name="Default Section" id="{9A03C43C-9678-4C54-9603-D42620EDC6A9}">
           <p14:sldIdLst>
             <p14:sldId id="256"/>
+            <p14:sldId id="283"/>
+            <p14:sldId id="282"/>
             <p14:sldId id="259"/>
+            <p14:sldId id="284"/>
             <p14:sldId id="257"/>
             <p14:sldId id="258"/>
             <p14:sldId id="273"/>
@@ -315,7 +321,7 @@
           <a:p>
             <a:fld id="{0B107168-8A0E-4E76-A05C-29DFBBD8B549}" type="datetimeFigureOut">
               <a:rPr lang="id-ID" smtClean="0"/>
-              <a:t>05/12/2019</a:t>
+              <a:t>06/12/2019</a:t>
             </a:fld>
             <a:endParaRPr lang="id-ID"/>
           </a:p>
@@ -1183,7 +1189,7 @@
           <a:p>
             <a:fld id="{0B107168-8A0E-4E76-A05C-29DFBBD8B549}" type="datetimeFigureOut">
               <a:rPr lang="id-ID" smtClean="0"/>
-              <a:t>05/12/2019</a:t>
+              <a:t>06/12/2019</a:t>
             </a:fld>
             <a:endParaRPr lang="id-ID"/>
           </a:p>
@@ -1357,7 +1363,7 @@
           <a:p>
             <a:fld id="{0B107168-8A0E-4E76-A05C-29DFBBD8B549}" type="datetimeFigureOut">
               <a:rPr lang="id-ID" smtClean="0"/>
-              <a:t>05/12/2019</a:t>
+              <a:t>06/12/2019</a:t>
             </a:fld>
             <a:endParaRPr lang="id-ID"/>
           </a:p>
@@ -1526,7 +1532,7 @@
           <a:p>
             <a:fld id="{0B107168-8A0E-4E76-A05C-29DFBBD8B549}" type="datetimeFigureOut">
               <a:rPr lang="id-ID" smtClean="0"/>
-              <a:t>05/12/2019</a:t>
+              <a:t>06/12/2019</a:t>
             </a:fld>
             <a:endParaRPr lang="id-ID"/>
           </a:p>
@@ -1735,7 +1741,7 @@
           <a:p>
             <a:fld id="{0B107168-8A0E-4E76-A05C-29DFBBD8B549}" type="datetimeFigureOut">
               <a:rPr lang="id-ID" smtClean="0"/>
-              <a:t>05/12/2019</a:t>
+              <a:t>06/12/2019</a:t>
             </a:fld>
             <a:endParaRPr lang="id-ID"/>
           </a:p>
@@ -2548,7 +2554,7 @@
           <a:p>
             <a:fld id="{0B107168-8A0E-4E76-A05C-29DFBBD8B549}" type="datetimeFigureOut">
               <a:rPr lang="id-ID" smtClean="0"/>
-              <a:t>05/12/2019</a:t>
+              <a:t>06/12/2019</a:t>
             </a:fld>
             <a:endParaRPr lang="id-ID"/>
           </a:p>
@@ -2783,7 +2789,7 @@
           <a:p>
             <a:fld id="{0B107168-8A0E-4E76-A05C-29DFBBD8B549}" type="datetimeFigureOut">
               <a:rPr lang="id-ID" smtClean="0"/>
-              <a:t>05/12/2019</a:t>
+              <a:t>06/12/2019</a:t>
             </a:fld>
             <a:endParaRPr lang="id-ID"/>
           </a:p>
@@ -3105,7 +3111,7 @@
           <a:p>
             <a:fld id="{0B107168-8A0E-4E76-A05C-29DFBBD8B549}" type="datetimeFigureOut">
               <a:rPr lang="id-ID" smtClean="0"/>
-              <a:t>05/12/2019</a:t>
+              <a:t>06/12/2019</a:t>
             </a:fld>
             <a:endParaRPr lang="id-ID"/>
           </a:p>
@@ -3195,7 +3201,7 @@
           <a:p>
             <a:fld id="{0B107168-8A0E-4E76-A05C-29DFBBD8B549}" type="datetimeFigureOut">
               <a:rPr lang="id-ID" smtClean="0"/>
-              <a:t>05/12/2019</a:t>
+              <a:t>06/12/2019</a:t>
             </a:fld>
             <a:endParaRPr lang="id-ID"/>
           </a:p>
@@ -3711,7 +3717,7 @@
           <a:p>
             <a:fld id="{0B107168-8A0E-4E76-A05C-29DFBBD8B549}" type="datetimeFigureOut">
               <a:rPr lang="id-ID" smtClean="0"/>
-              <a:t>05/12/2019</a:t>
+              <a:t>06/12/2019</a:t>
             </a:fld>
             <a:endParaRPr lang="id-ID"/>
           </a:p>
@@ -4221,7 +4227,7 @@
           <a:p>
             <a:fld id="{0B107168-8A0E-4E76-A05C-29DFBBD8B549}" type="datetimeFigureOut">
               <a:rPr lang="id-ID" smtClean="0"/>
-              <a:t>05/12/2019</a:t>
+              <a:t>06/12/2019</a:t>
             </a:fld>
             <a:endParaRPr lang="id-ID"/>
           </a:p>
@@ -4464,7 +4470,7 @@
           <a:p>
             <a:fld id="{0B107168-8A0E-4E76-A05C-29DFBBD8B549}" type="datetimeFigureOut">
               <a:rPr lang="id-ID" smtClean="0"/>
-              <a:t>05/12/2019</a:t>
+              <a:t>06/12/2019</a:t>
             </a:fld>
             <a:endParaRPr lang="id-ID"/>
           </a:p>
@@ -5971,13 +5977,13 @@
   <p:clrMapOvr>
     <a:masterClrMapping/>
   </p:clrMapOvr>
-  <mc:AlternateContent xmlns:mc="http://schemas.openxmlformats.org/markup-compatibility/2006">
-    <mc:Choice xmlns:p14="http://schemas.microsoft.com/office/powerpoint/2010/main" Requires="p14">
+  <mc:AlternateContent xmlns:mc="http://schemas.openxmlformats.org/markup-compatibility/2006" xmlns:p14="http://schemas.microsoft.com/office/powerpoint/2010/main">
+    <mc:Choice Requires="p14">
       <p:transition spd="slow" p14:dur="800">
         <p:circle/>
       </p:transition>
     </mc:Choice>
-    <mc:Fallback>
+    <mc:Fallback xmlns="">
       <p:transition spd="slow">
         <p:circle/>
       </p:transition>
@@ -6035,7 +6041,7 @@
         </p:nvSpPr>
         <p:spPr>
           <a:xfrm>
-            <a:off x="683568" y="260648"/>
+            <a:off x="838200" y="-32246"/>
             <a:ext cx="7467600" cy="580926"/>
           </a:xfrm>
         </p:spPr>
@@ -6043,13 +6049,14 @@
           <a:bodyPr/>
           <a:lstStyle/>
           <a:p>
+            <a:pPr algn="ctr"/>
             <a:r>
               <a:rPr lang="en-US" dirty="0" err="1">
                 <a:solidFill>
                   <a:schemeClr val="tx1"/>
                 </a:solidFill>
               </a:rPr>
-              <a:t>Metode</a:t>
+              <a:t>Tujuan</a:t>
             </a:r>
             <a:r>
               <a:rPr lang="en-US" dirty="0">
@@ -6065,7 +6072,7 @@
                   <a:schemeClr val="tx1"/>
                 </a:solidFill>
               </a:rPr>
-              <a:t>Pengumpulan</a:t>
+              <a:t>Tugas</a:t>
             </a:r>
             <a:r>
               <a:rPr lang="en-US" dirty="0">
@@ -6073,8 +6080,21 @@
                   <a:schemeClr val="tx1"/>
                 </a:solidFill>
               </a:rPr>
-              <a:t> Data</a:t>
-            </a:r>
+              <a:t> </a:t>
+            </a:r>
+            <a:r>
+              <a:rPr lang="en-US" dirty="0" err="1">
+                <a:solidFill>
+                  <a:schemeClr val="tx1"/>
+                </a:solidFill>
+              </a:rPr>
+              <a:t>Akhir</a:t>
+            </a:r>
+            <a:endParaRPr lang="en-US" dirty="0">
+              <a:solidFill>
+                <a:schemeClr val="tx1"/>
+              </a:solidFill>
+            </a:endParaRPr>
           </a:p>
         </p:txBody>
       </p:sp>
@@ -6096,246 +6116,309 @@
         </p:nvSpPr>
         <p:spPr>
           <a:xfrm>
-            <a:off x="793883" y="975866"/>
-            <a:ext cx="7467600" cy="5621486"/>
+            <a:off x="838200" y="715488"/>
+            <a:ext cx="7467600" cy="4873752"/>
           </a:xfrm>
         </p:spPr>
         <p:txBody>
           <a:bodyPr>
-            <a:normAutofit fontScale="92500" lnSpcReduction="10000"/>
+            <a:normAutofit lnSpcReduction="10000"/>
           </a:bodyPr>
           <a:lstStyle/>
           <a:p>
-            <a:pPr marL="0" indent="0">
+            <a:pPr algn="just"/>
+            <a:r>
+              <a:rPr lang="en-US" dirty="0" err="1"/>
+              <a:t>Membangun</a:t>
+            </a:r>
+            <a:r>
+              <a:rPr lang="en-US" dirty="0"/>
+              <a:t> </a:t>
+            </a:r>
+            <a:r>
+              <a:rPr lang="en-US" dirty="0" err="1"/>
+              <a:t>sebuah</a:t>
+            </a:r>
+            <a:r>
+              <a:rPr lang="en-US" dirty="0"/>
+              <a:t> </a:t>
+            </a:r>
+            <a:r>
+              <a:rPr lang="en-US" dirty="0" err="1"/>
+              <a:t>sistem</a:t>
+            </a:r>
+            <a:r>
+              <a:rPr lang="en-US" dirty="0"/>
+              <a:t> yang </a:t>
+            </a:r>
+            <a:r>
+              <a:rPr lang="en-US" dirty="0" err="1"/>
+              <a:t>dapat</a:t>
+            </a:r>
+            <a:r>
+              <a:rPr lang="en-US" dirty="0"/>
+              <a:t> </a:t>
+            </a:r>
+            <a:r>
+              <a:rPr lang="en-US" dirty="0" err="1"/>
+              <a:t>menentukan</a:t>
+            </a:r>
+            <a:r>
+              <a:rPr lang="en-US" dirty="0"/>
+              <a:t> </a:t>
+            </a:r>
+            <a:r>
+              <a:rPr lang="en-US" dirty="0" err="1"/>
+              <a:t>siapa</a:t>
+            </a:r>
+            <a:r>
+              <a:rPr lang="en-US" dirty="0"/>
+              <a:t> yang </a:t>
+            </a:r>
+            <a:r>
+              <a:rPr lang="en-US" dirty="0" err="1"/>
+              <a:t>mendapatkan</a:t>
+            </a:r>
+            <a:r>
+              <a:rPr lang="en-US" dirty="0"/>
+              <a:t> </a:t>
+            </a:r>
+            <a:r>
+              <a:rPr lang="en-US" dirty="0" err="1"/>
+              <a:t>bantuan</a:t>
+            </a:r>
+            <a:r>
+              <a:rPr lang="en-US" dirty="0"/>
+              <a:t> </a:t>
+            </a:r>
+            <a:r>
+              <a:rPr lang="en-US" dirty="0" err="1"/>
+              <a:t>bedah</a:t>
+            </a:r>
+            <a:r>
+              <a:rPr lang="en-US" dirty="0"/>
+              <a:t> </a:t>
+            </a:r>
+            <a:r>
+              <a:rPr lang="en-US" dirty="0" err="1"/>
+              <a:t>rumah</a:t>
+            </a:r>
+            <a:r>
+              <a:rPr lang="en-US" dirty="0"/>
+              <a:t> (RTLH) di Kelurahan </a:t>
+            </a:r>
+            <a:r>
+              <a:rPr lang="en-US" dirty="0" err="1"/>
+              <a:t>Krapyak</a:t>
+            </a:r>
+            <a:r>
+              <a:rPr lang="en-US" dirty="0"/>
+              <a:t> </a:t>
+            </a:r>
+            <a:r>
+              <a:rPr lang="en-US" dirty="0" err="1"/>
+              <a:t>dengan</a:t>
+            </a:r>
+            <a:r>
+              <a:rPr lang="en-US" dirty="0"/>
+              <a:t> </a:t>
+            </a:r>
+            <a:r>
+              <a:rPr lang="en-US" dirty="0" err="1"/>
+              <a:t>mengklasifikasikan</a:t>
+            </a:r>
+            <a:r>
+              <a:rPr lang="en-US" dirty="0"/>
+              <a:t> </a:t>
+            </a:r>
+            <a:r>
+              <a:rPr lang="en-US" dirty="0" err="1"/>
+              <a:t>hasil</a:t>
+            </a:r>
+            <a:r>
+              <a:rPr lang="en-US" dirty="0"/>
+              <a:t> “</a:t>
+            </a:r>
+            <a:r>
+              <a:rPr lang="en-US" dirty="0" err="1"/>
+              <a:t>Dapat</a:t>
+            </a:r>
+            <a:r>
+              <a:rPr lang="en-US" dirty="0"/>
+              <a:t>” dan “</a:t>
+            </a:r>
+            <a:r>
+              <a:rPr lang="en-US" dirty="0" err="1"/>
+              <a:t>Tidak</a:t>
+            </a:r>
+            <a:r>
+              <a:rPr lang="en-US" dirty="0"/>
+              <a:t> </a:t>
+            </a:r>
+            <a:r>
+              <a:rPr lang="en-US" dirty="0" err="1"/>
+              <a:t>Dapat</a:t>
+            </a:r>
+            <a:r>
+              <a:rPr lang="en-US" dirty="0"/>
+              <a:t>” </a:t>
+            </a:r>
+            <a:r>
+              <a:rPr lang="en-US" dirty="0" err="1"/>
+              <a:t>menggunakan</a:t>
+            </a:r>
+            <a:r>
+              <a:rPr lang="en-US" dirty="0"/>
+              <a:t> data </a:t>
+            </a:r>
+            <a:r>
+              <a:rPr lang="en-US" dirty="0" err="1"/>
+              <a:t>sebelumnya</a:t>
+            </a:r>
+            <a:r>
+              <a:rPr lang="en-US" dirty="0"/>
+              <a:t> di Kelurahan </a:t>
+            </a:r>
+            <a:r>
+              <a:rPr lang="en-US" dirty="0" err="1"/>
+              <a:t>Krapyak</a:t>
+            </a:r>
+            <a:r>
+              <a:rPr lang="en-US" dirty="0"/>
+              <a:t>, </a:t>
+            </a:r>
+            <a:r>
+              <a:rPr lang="en-US" dirty="0" err="1"/>
+              <a:t>sehingga</a:t>
+            </a:r>
+            <a:r>
+              <a:rPr lang="en-US" dirty="0"/>
+              <a:t> </a:t>
+            </a:r>
+            <a:r>
+              <a:rPr lang="en-US" dirty="0" err="1"/>
+              <a:t>bisa</a:t>
+            </a:r>
+            <a:r>
+              <a:rPr lang="en-US" dirty="0"/>
+              <a:t> </a:t>
+            </a:r>
+            <a:r>
+              <a:rPr lang="en-US" dirty="0" err="1"/>
+              <a:t>mempermudah</a:t>
+            </a:r>
+            <a:r>
+              <a:rPr lang="en-US" dirty="0"/>
+              <a:t> </a:t>
+            </a:r>
+            <a:r>
+              <a:rPr lang="en-US" dirty="0" err="1"/>
+              <a:t>menentukan</a:t>
+            </a:r>
+            <a:r>
+              <a:rPr lang="en-US" dirty="0"/>
+              <a:t> </a:t>
+            </a:r>
+            <a:r>
+              <a:rPr lang="en-US" dirty="0" err="1"/>
+              <a:t>warga</a:t>
+            </a:r>
+            <a:r>
+              <a:rPr lang="en-US" dirty="0"/>
+              <a:t> yang </a:t>
+            </a:r>
+            <a:r>
+              <a:rPr lang="en-US" dirty="0" err="1"/>
+              <a:t>berhak</a:t>
+            </a:r>
+            <a:r>
+              <a:rPr lang="en-US" dirty="0"/>
+              <a:t> </a:t>
+            </a:r>
+            <a:r>
+              <a:rPr lang="en-US" dirty="0" err="1"/>
+              <a:t>menerima</a:t>
+            </a:r>
+            <a:r>
+              <a:rPr lang="en-US" dirty="0"/>
+              <a:t> </a:t>
+            </a:r>
+            <a:r>
+              <a:rPr lang="en-US" dirty="0" err="1"/>
+              <a:t>bantuan</a:t>
+            </a:r>
+            <a:r>
+              <a:rPr lang="en-US" dirty="0"/>
+              <a:t> dan </a:t>
+            </a:r>
+            <a:r>
+              <a:rPr lang="en-US" dirty="0" err="1"/>
+              <a:t>tepat</a:t>
+            </a:r>
+            <a:r>
+              <a:rPr lang="en-US" dirty="0"/>
+              <a:t> </a:t>
+            </a:r>
+            <a:r>
+              <a:rPr lang="en-US" dirty="0" err="1"/>
+              <a:t>sasaran</a:t>
+            </a:r>
+            <a:r>
+              <a:rPr lang="en-US" dirty="0"/>
+              <a:t> </a:t>
+            </a:r>
+            <a:r>
+              <a:rPr lang="en-US" dirty="0" err="1"/>
+              <a:t>dengan</a:t>
+            </a:r>
+            <a:r>
+              <a:rPr lang="en-US" dirty="0"/>
+              <a:t> </a:t>
+            </a:r>
+            <a:r>
+              <a:rPr lang="en-US" dirty="0" err="1"/>
+              <a:t>menggunakan</a:t>
+            </a:r>
+            <a:r>
+              <a:rPr lang="en-US" dirty="0"/>
+              <a:t> </a:t>
+            </a:r>
+            <a:r>
+              <a:rPr lang="en-US" dirty="0" err="1"/>
+              <a:t>metode</a:t>
+            </a:r>
+            <a:r>
+              <a:rPr lang="en-US" dirty="0"/>
+              <a:t> </a:t>
+            </a:r>
+            <a:r>
+              <a:rPr lang="en-US" dirty="0" err="1"/>
+              <a:t>klasifikasi</a:t>
+            </a:r>
+            <a:r>
+              <a:rPr lang="en-US" dirty="0"/>
+              <a:t> </a:t>
+            </a:r>
+            <a:r>
+              <a:rPr lang="en-US" i="1" dirty="0"/>
+              <a:t>Naïve Bayes.</a:t>
+            </a:r>
+          </a:p>
+          <a:p>
+            <a:pPr marL="0" indent="0" algn="just">
               <a:buNone/>
             </a:pPr>
-            <a:endParaRPr lang="en-US" dirty="0"/>
-          </a:p>
-          <a:p>
-            <a:pPr lvl="0"/>
-            <a:r>
-              <a:rPr lang="en-US" dirty="0"/>
-              <a:t>1. </a:t>
-            </a:r>
-            <a:r>
-              <a:rPr lang="id-ID" dirty="0"/>
-              <a:t>Wawancara</a:t>
-            </a:r>
-            <a:endParaRPr lang="en-US" dirty="0"/>
-          </a:p>
-          <a:p>
-            <a:pPr marL="627063" indent="-288925" algn="just"/>
-            <a:r>
-              <a:rPr lang="en-US" dirty="0" err="1"/>
-              <a:t>metode</a:t>
-            </a:r>
-            <a:r>
-              <a:rPr lang="en-US" dirty="0"/>
-              <a:t> </a:t>
-            </a:r>
-            <a:r>
-              <a:rPr lang="en-US" dirty="0" err="1"/>
-              <a:t>pengumpulan</a:t>
-            </a:r>
-            <a:r>
-              <a:rPr lang="en-US" dirty="0"/>
-              <a:t> data </a:t>
-            </a:r>
-            <a:r>
-              <a:rPr lang="en-US" dirty="0" err="1"/>
-              <a:t>dengan</a:t>
-            </a:r>
-            <a:r>
-              <a:rPr lang="en-US" dirty="0"/>
-              <a:t> </a:t>
-            </a:r>
-            <a:r>
-              <a:rPr lang="en-US" dirty="0" err="1"/>
-              <a:t>melakukan</a:t>
-            </a:r>
-            <a:r>
-              <a:rPr lang="en-US" dirty="0"/>
-              <a:t> </a:t>
-            </a:r>
-            <a:r>
-              <a:rPr lang="en-US" dirty="0" err="1"/>
-              <a:t>wawancara</a:t>
-            </a:r>
-            <a:r>
-              <a:rPr lang="en-US" dirty="0"/>
-              <a:t> </a:t>
-            </a:r>
-            <a:r>
-              <a:rPr lang="en-US" dirty="0" err="1"/>
-              <a:t>langsung</a:t>
-            </a:r>
-            <a:r>
-              <a:rPr lang="en-US" dirty="0"/>
-              <a:t> </a:t>
-            </a:r>
-            <a:r>
-              <a:rPr lang="en-US" dirty="0" err="1"/>
-              <a:t>dengan</a:t>
-            </a:r>
-            <a:r>
-              <a:rPr lang="en-US" dirty="0"/>
-              <a:t> </a:t>
-            </a:r>
-            <a:r>
-              <a:rPr lang="en-US" dirty="0" err="1"/>
-              <a:t>Lurah</a:t>
-            </a:r>
-            <a:r>
-              <a:rPr lang="en-US" dirty="0"/>
-              <a:t> Kelurahan </a:t>
-            </a:r>
-            <a:r>
-              <a:rPr lang="en-US" dirty="0" err="1"/>
-              <a:t>krapyak</a:t>
-            </a:r>
-            <a:r>
-              <a:rPr lang="en-US" dirty="0"/>
-              <a:t>, </a:t>
-            </a:r>
-            <a:r>
-              <a:rPr lang="en-US" dirty="0" err="1"/>
-              <a:t>Sekertaris</a:t>
-            </a:r>
-            <a:r>
-              <a:rPr lang="en-US" dirty="0"/>
-              <a:t> dan IT </a:t>
-            </a:r>
-            <a:r>
-              <a:rPr lang="en-US" dirty="0" err="1"/>
-              <a:t>kelurahan</a:t>
-            </a:r>
-            <a:r>
-              <a:rPr lang="en-US" dirty="0"/>
-              <a:t> </a:t>
-            </a:r>
-            <a:r>
-              <a:rPr lang="en-US" dirty="0" err="1"/>
-              <a:t>Krapyak</a:t>
-            </a:r>
-            <a:r>
-              <a:rPr lang="en-US" dirty="0"/>
-              <a:t> </a:t>
-            </a:r>
-            <a:r>
-              <a:rPr lang="en-US" dirty="0" err="1"/>
-              <a:t>mengenai</a:t>
-            </a:r>
-            <a:r>
-              <a:rPr lang="en-US" dirty="0"/>
-              <a:t> data-data yang </a:t>
-            </a:r>
-            <a:r>
-              <a:rPr lang="en-US" dirty="0" err="1"/>
-              <a:t>dibutuhkan</a:t>
-            </a:r>
-            <a:r>
-              <a:rPr lang="en-US" dirty="0"/>
-              <a:t> </a:t>
-            </a:r>
-            <a:r>
-              <a:rPr lang="en-US" dirty="0" err="1"/>
-              <a:t>untuk</a:t>
-            </a:r>
-            <a:r>
-              <a:rPr lang="en-US" dirty="0"/>
-              <a:t> proses </a:t>
-            </a:r>
-            <a:r>
-              <a:rPr lang="en-US" dirty="0" err="1"/>
-              <a:t>penelitian</a:t>
-            </a:r>
-            <a:endParaRPr lang="en-US" dirty="0"/>
-          </a:p>
-          <a:p>
-            <a:pPr lvl="0"/>
-            <a:r>
-              <a:rPr lang="en-US" dirty="0"/>
-              <a:t>2. </a:t>
-            </a:r>
-            <a:r>
-              <a:rPr lang="id-ID" dirty="0"/>
-              <a:t>Observasi</a:t>
-            </a:r>
-            <a:endParaRPr lang="en-US" dirty="0"/>
-          </a:p>
-          <a:p>
-            <a:pPr marL="576263" indent="-273050" algn="just"/>
-            <a:r>
-              <a:rPr lang="en-US" dirty="0" err="1"/>
-              <a:t>Metode</a:t>
-            </a:r>
-            <a:r>
-              <a:rPr lang="en-US" dirty="0"/>
-              <a:t> </a:t>
-            </a:r>
-            <a:r>
-              <a:rPr lang="en-US" dirty="0" err="1"/>
-              <a:t>untuk</a:t>
-            </a:r>
-            <a:r>
-              <a:rPr lang="en-US" dirty="0"/>
-              <a:t> </a:t>
-            </a:r>
-            <a:r>
-              <a:rPr lang="en-US" dirty="0" err="1"/>
-              <a:t>memperoleh</a:t>
-            </a:r>
-            <a:r>
-              <a:rPr lang="en-US" dirty="0"/>
-              <a:t> data </a:t>
-            </a:r>
-            <a:r>
-              <a:rPr lang="en-US" dirty="0" err="1"/>
-              <a:t>dengan</a:t>
-            </a:r>
-            <a:r>
-              <a:rPr lang="en-US" dirty="0"/>
-              <a:t> </a:t>
-            </a:r>
-            <a:r>
-              <a:rPr lang="en-US" dirty="0" err="1"/>
-              <a:t>cara</a:t>
-            </a:r>
-            <a:r>
-              <a:rPr lang="en-US" dirty="0"/>
-              <a:t> </a:t>
-            </a:r>
-            <a:r>
-              <a:rPr lang="en-US" dirty="0" err="1"/>
-              <a:t>melakukan</a:t>
-            </a:r>
-            <a:r>
-              <a:rPr lang="en-US" dirty="0"/>
-              <a:t> </a:t>
-            </a:r>
-            <a:r>
-              <a:rPr lang="en-US" dirty="0" err="1"/>
-              <a:t>pengamatan</a:t>
-            </a:r>
-            <a:r>
-              <a:rPr lang="en-US" dirty="0"/>
-              <a:t> </a:t>
-            </a:r>
-            <a:r>
-              <a:rPr lang="en-US" dirty="0" err="1"/>
-              <a:t>langsung</a:t>
-            </a:r>
-            <a:r>
-              <a:rPr lang="en-US" dirty="0"/>
-              <a:t> data </a:t>
-            </a:r>
-            <a:r>
-              <a:rPr lang="en-US" dirty="0" err="1"/>
-              <a:t>induk</a:t>
-            </a:r>
-            <a:r>
-              <a:rPr lang="en-US" dirty="0"/>
-              <a:t> dan data </a:t>
+            <a:endParaRPr lang="en-US" i="1" dirty="0"/>
+          </a:p>
+          <a:p>
+            <a:pPr algn="just"/>
+            <a:r>
+              <a:rPr lang="en-US" dirty="0" err="1"/>
+              <a:t>Mempermudah</a:t>
+            </a:r>
+            <a:r>
+              <a:rPr lang="en-US" dirty="0"/>
+              <a:t> </a:t>
             </a:r>
             <a:r>
               <a:rPr lang="en-US" dirty="0" err="1"/>
@@ -6343,11 +6426,19 @@
             </a:r>
             <a:r>
               <a:rPr lang="en-US" dirty="0"/>
-              <a:t> miskin yang </a:t>
-            </a:r>
-            <a:r>
-              <a:rPr lang="en-US" dirty="0" err="1"/>
-              <a:t>mendapat</a:t>
+              <a:t> </a:t>
+            </a:r>
+            <a:r>
+              <a:rPr lang="en-US" dirty="0" err="1"/>
+              <a:t>dalam</a:t>
+            </a:r>
+            <a:r>
+              <a:rPr lang="en-US" dirty="0"/>
+              <a:t> </a:t>
+            </a:r>
+            <a:r>
+              <a:rPr lang="en-US" dirty="0" err="1"/>
+              <a:t>memantau</a:t>
             </a:r>
             <a:r>
               <a:rPr lang="en-US" dirty="0"/>
@@ -6359,35 +6450,35 @@
             </a:r>
             <a:r>
               <a:rPr lang="en-US" dirty="0"/>
-              <a:t>  </a:t>
-            </a:r>
-            <a:r>
-              <a:rPr lang="en-US" dirty="0" err="1"/>
-              <a:t>berupa</a:t>
-            </a:r>
-            <a:r>
-              <a:rPr lang="en-US" dirty="0"/>
-              <a:t> file </a:t>
-            </a:r>
-            <a:r>
-              <a:rPr lang="en-US" dirty="0" err="1"/>
-              <a:t>dengan</a:t>
-            </a:r>
-            <a:r>
-              <a:rPr lang="en-US" dirty="0"/>
-              <a:t> format .xlsx dan file form </a:t>
-            </a:r>
-            <a:r>
-              <a:rPr lang="en-US" dirty="0" err="1"/>
-              <a:t>kriteria-kriteria</a:t>
-            </a:r>
-            <a:r>
-              <a:rPr lang="en-US" dirty="0"/>
               <a:t> yang </a:t>
             </a:r>
             <a:r>
               <a:rPr lang="en-US" dirty="0" err="1"/>
-              <a:t>memperoleh</a:t>
+              <a:t>sudah</a:t>
+            </a:r>
+            <a:r>
+              <a:rPr lang="en-US" dirty="0"/>
+              <a:t> </a:t>
+            </a:r>
+            <a:r>
+              <a:rPr lang="en-US" dirty="0" err="1"/>
+              <a:t>diajukan</a:t>
+            </a:r>
+            <a:r>
+              <a:rPr lang="en-US" dirty="0"/>
+              <a:t> dan </a:t>
+            </a:r>
+            <a:r>
+              <a:rPr lang="en-US" dirty="0" err="1"/>
+              <a:t>mengetahui</a:t>
+            </a:r>
+            <a:r>
+              <a:rPr lang="en-US" dirty="0"/>
+              <a:t> </a:t>
+            </a:r>
+            <a:r>
+              <a:rPr lang="en-US" dirty="0" err="1"/>
+              <a:t>perkembangan</a:t>
             </a:r>
             <a:r>
               <a:rPr lang="en-US" dirty="0"/>
@@ -6399,114 +6490,15 @@
             </a:r>
             <a:r>
               <a:rPr lang="en-US" dirty="0"/>
-              <a:t> </a:t>
-            </a:r>
-            <a:r>
-              <a:rPr lang="en-US" dirty="0" err="1"/>
-              <a:t>dari</a:t>
-            </a:r>
-            <a:r>
-              <a:rPr lang="en-US" dirty="0"/>
-              <a:t> </a:t>
-            </a:r>
-            <a:r>
-              <a:rPr lang="en-US" dirty="0" err="1"/>
-              <a:t>bagian</a:t>
-            </a:r>
-            <a:r>
-              <a:rPr lang="en-US" dirty="0"/>
-              <a:t> </a:t>
-            </a:r>
-            <a:r>
-              <a:rPr lang="en-US" dirty="0" err="1"/>
-              <a:t>pusat</a:t>
-            </a:r>
-            <a:r>
-              <a:rPr lang="en-US" dirty="0"/>
-              <a:t> data </a:t>
-            </a:r>
-            <a:r>
-              <a:rPr lang="en-US" dirty="0" err="1"/>
-              <a:t>induk</a:t>
-            </a:r>
-            <a:r>
-              <a:rPr lang="en-US" dirty="0"/>
-              <a:t> </a:t>
-            </a:r>
-            <a:r>
-              <a:rPr lang="en-US" dirty="0" err="1"/>
-              <a:t>warga</a:t>
-            </a:r>
-            <a:r>
-              <a:rPr lang="en-US" dirty="0"/>
-              <a:t> miskin yang </a:t>
-            </a:r>
-            <a:r>
-              <a:rPr lang="en-US" dirty="0" err="1"/>
-              <a:t>diberikan</a:t>
-            </a:r>
-            <a:r>
-              <a:rPr lang="en-US" dirty="0"/>
-              <a:t> oleh IT Kelurahan </a:t>
-            </a:r>
-            <a:r>
-              <a:rPr lang="en-US" dirty="0" err="1"/>
-              <a:t>Krapyak</a:t>
-            </a:r>
-            <a:r>
-              <a:rPr lang="en-US" dirty="0"/>
-              <a:t> </a:t>
-            </a:r>
-            <a:r>
-              <a:rPr lang="en-US" dirty="0" err="1"/>
-              <a:t>setelah</a:t>
-            </a:r>
-            <a:r>
-              <a:rPr lang="en-US" dirty="0"/>
-              <a:t> </a:t>
-            </a:r>
-            <a:r>
-              <a:rPr lang="en-US" dirty="0" err="1"/>
-              <a:t>mendapat</a:t>
-            </a:r>
-            <a:r>
-              <a:rPr lang="en-US" dirty="0"/>
-              <a:t> </a:t>
-            </a:r>
-            <a:r>
-              <a:rPr lang="en-US" dirty="0" err="1"/>
-              <a:t>persetujuan</a:t>
-            </a:r>
-            <a:r>
-              <a:rPr lang="en-US" dirty="0"/>
-              <a:t> Dari </a:t>
-            </a:r>
-            <a:r>
-              <a:rPr lang="en-US" dirty="0" err="1"/>
-              <a:t>Lurah</a:t>
-            </a:r>
-            <a:r>
-              <a:rPr lang="en-US" dirty="0"/>
-              <a:t> </a:t>
-            </a:r>
-            <a:r>
-              <a:rPr lang="en-US" dirty="0" err="1"/>
-              <a:t>Krapyak</a:t>
-            </a:r>
-            <a:r>
-              <a:rPr lang="en-US" dirty="0"/>
               <a:t>.</a:t>
             </a:r>
-          </a:p>
-          <a:p>
-            <a:endParaRPr lang="en-US" dirty="0"/>
           </a:p>
         </p:txBody>
       </p:sp>
     </p:spTree>
     <p:extLst>
       <p:ext uri="{BB962C8B-B14F-4D97-AF65-F5344CB8AC3E}">
-        <p14:creationId xmlns:p14="http://schemas.microsoft.com/office/powerpoint/2010/main" val="662305774"/>
+        <p14:creationId xmlns:p14="http://schemas.microsoft.com/office/powerpoint/2010/main" val="1001676686"/>
       </p:ext>
     </p:extLst>
   </p:cSld>
@@ -6582,7 +6574,7 @@
                   <a:schemeClr val="tx1"/>
                 </a:solidFill>
               </a:rPr>
-              <a:t>Metode</a:t>
+              <a:t>Metodologi</a:t>
             </a:r>
             <a:r>
               <a:rPr lang="en-US" dirty="0">
@@ -6598,16 +6590,13 @@
                   <a:schemeClr val="tx1"/>
                 </a:solidFill>
               </a:rPr>
-              <a:t>Pengumpulan</a:t>
-            </a:r>
-            <a:r>
-              <a:rPr lang="en-US" dirty="0">
-                <a:solidFill>
-                  <a:schemeClr val="tx1"/>
-                </a:solidFill>
-              </a:rPr>
-              <a:t> Data</a:t>
-            </a:r>
+              <a:t>Penelitian</a:t>
+            </a:r>
+            <a:endParaRPr lang="en-US" dirty="0">
+              <a:solidFill>
+                <a:schemeClr val="tx1"/>
+              </a:solidFill>
+            </a:endParaRPr>
           </a:p>
         </p:txBody>
       </p:sp>
@@ -6629,6 +6618,1339 @@
         </p:nvSpPr>
         <p:spPr>
           <a:xfrm>
+            <a:off x="971600" y="2132856"/>
+            <a:ext cx="7467600" cy="4797152"/>
+          </a:xfrm>
+        </p:spPr>
+        <p:txBody>
+          <a:bodyPr>
+            <a:normAutofit/>
+          </a:bodyPr>
+          <a:lstStyle/>
+          <a:p>
+            <a:pPr marL="338138" indent="0" algn="just">
+              <a:buNone/>
+            </a:pPr>
+            <a:endParaRPr lang="en-US" dirty="0"/>
+          </a:p>
+          <a:p>
+            <a:pPr lvl="0"/>
+            <a:r>
+              <a:rPr lang="en-US" dirty="0"/>
+              <a:t>1. </a:t>
+            </a:r>
+            <a:r>
+              <a:rPr lang="en-US" dirty="0" err="1"/>
+              <a:t>Jenis</a:t>
+            </a:r>
+            <a:r>
+              <a:rPr lang="en-US" dirty="0"/>
+              <a:t> dan </a:t>
+            </a:r>
+            <a:r>
+              <a:rPr lang="en-US" dirty="0" err="1"/>
+              <a:t>sumber</a:t>
+            </a:r>
+            <a:r>
+              <a:rPr lang="en-US" dirty="0"/>
+              <a:t> data </a:t>
+            </a:r>
+          </a:p>
+          <a:p>
+            <a:pPr marL="576263" indent="-273050" algn="just"/>
+            <a:r>
+              <a:rPr lang="en-US" sz="2800" dirty="0"/>
+              <a:t>Data Primer, </a:t>
+            </a:r>
+            <a:r>
+              <a:rPr lang="en-US" sz="2800" dirty="0" err="1"/>
+              <a:t>suatu</a:t>
+            </a:r>
+            <a:r>
+              <a:rPr lang="en-US" sz="2800" dirty="0"/>
+              <a:t> data yang </a:t>
+            </a:r>
+            <a:r>
+              <a:rPr lang="en-US" sz="2800" dirty="0" err="1"/>
+              <a:t>diperoleh</a:t>
+            </a:r>
+            <a:r>
+              <a:rPr lang="en-US" sz="2800" dirty="0"/>
+              <a:t> </a:t>
+            </a:r>
+            <a:r>
+              <a:rPr lang="en-US" sz="2800" dirty="0" err="1"/>
+              <a:t>langsung</a:t>
+            </a:r>
+            <a:r>
+              <a:rPr lang="en-US" sz="2800" dirty="0"/>
+              <a:t> </a:t>
+            </a:r>
+            <a:r>
+              <a:rPr lang="en-US" sz="2800" dirty="0" err="1"/>
+              <a:t>dari</a:t>
+            </a:r>
+            <a:r>
+              <a:rPr lang="en-US" sz="2800" dirty="0"/>
+              <a:t> </a:t>
+            </a:r>
+            <a:r>
+              <a:rPr lang="en-US" sz="2800" dirty="0" err="1"/>
+              <a:t>pihak</a:t>
+            </a:r>
+            <a:r>
+              <a:rPr lang="en-US" sz="2800" dirty="0"/>
+              <a:t> </a:t>
+            </a:r>
+            <a:r>
+              <a:rPr lang="en-US" sz="2800" dirty="0" err="1"/>
+              <a:t>institusi</a:t>
+            </a:r>
+            <a:r>
+              <a:rPr lang="en-US" sz="2800" dirty="0"/>
+              <a:t> yang </a:t>
+            </a:r>
+            <a:r>
+              <a:rPr lang="en-US" sz="2800" dirty="0" err="1"/>
+              <a:t>bersangkutan</a:t>
+            </a:r>
+            <a:r>
+              <a:rPr lang="en-US" sz="2800" dirty="0"/>
+              <a:t>, </a:t>
+            </a:r>
+            <a:r>
+              <a:rPr lang="en-US" sz="2800" dirty="0" err="1"/>
+              <a:t>yakni</a:t>
+            </a:r>
+            <a:r>
+              <a:rPr lang="en-US" sz="2800" dirty="0"/>
+              <a:t> di </a:t>
+            </a:r>
+            <a:r>
+              <a:rPr lang="en-US" sz="2800" dirty="0" err="1"/>
+              <a:t>pusat</a:t>
+            </a:r>
+            <a:r>
+              <a:rPr lang="en-US" sz="2800" dirty="0"/>
+              <a:t> data </a:t>
+            </a:r>
+            <a:r>
+              <a:rPr lang="en-US" sz="2800" dirty="0" err="1"/>
+              <a:t>terpadu</a:t>
+            </a:r>
+            <a:r>
+              <a:rPr lang="en-US" sz="2800" dirty="0"/>
+              <a:t> </a:t>
+            </a:r>
+            <a:r>
+              <a:rPr lang="en-US" sz="2800" dirty="0" err="1"/>
+              <a:t>warga</a:t>
+            </a:r>
+            <a:r>
+              <a:rPr lang="en-US" sz="2800" dirty="0"/>
+              <a:t> miskin </a:t>
+            </a:r>
+            <a:r>
+              <a:rPr lang="en-US" sz="2800" dirty="0" err="1"/>
+              <a:t>dinas</a:t>
+            </a:r>
+            <a:r>
+              <a:rPr lang="en-US" sz="2800" dirty="0"/>
+              <a:t> </a:t>
+            </a:r>
+            <a:r>
+              <a:rPr lang="en-US" sz="2800" dirty="0" err="1"/>
+              <a:t>sosial</a:t>
+            </a:r>
+            <a:r>
+              <a:rPr lang="en-US" sz="2800" dirty="0"/>
+              <a:t> Kelurahan </a:t>
+            </a:r>
+            <a:r>
+              <a:rPr lang="en-US" sz="2800" dirty="0" err="1"/>
+              <a:t>Krapyak</a:t>
+            </a:r>
+            <a:r>
+              <a:rPr lang="en-US" sz="2800" dirty="0"/>
+              <a:t> </a:t>
+            </a:r>
+            <a:r>
+              <a:rPr lang="en-US" sz="2800" dirty="0" err="1"/>
+              <a:t>Kecamatan</a:t>
+            </a:r>
+            <a:r>
+              <a:rPr lang="en-US" sz="2800" dirty="0"/>
+              <a:t> Semarang Barat </a:t>
+            </a:r>
+            <a:r>
+              <a:rPr lang="en-US" sz="2800" dirty="0" err="1"/>
+              <a:t>berupa</a:t>
+            </a:r>
+            <a:r>
+              <a:rPr lang="en-US" sz="2800" dirty="0"/>
+              <a:t> data </a:t>
+            </a:r>
+            <a:r>
+              <a:rPr lang="en-US" sz="2800" dirty="0" err="1"/>
+              <a:t>induk</a:t>
+            </a:r>
+            <a:r>
+              <a:rPr lang="en-US" sz="2800" dirty="0"/>
+              <a:t> dan data </a:t>
+            </a:r>
+            <a:r>
+              <a:rPr lang="en-US" sz="2800" dirty="0" err="1"/>
+              <a:t>warga</a:t>
+            </a:r>
+            <a:r>
+              <a:rPr lang="en-US" sz="2800" dirty="0"/>
+              <a:t> miskin yang </a:t>
+            </a:r>
+            <a:r>
+              <a:rPr lang="en-US" sz="2800" dirty="0" err="1"/>
+              <a:t>mendapatkan</a:t>
+            </a:r>
+            <a:r>
+              <a:rPr lang="en-US" sz="2800" dirty="0"/>
+              <a:t> </a:t>
+            </a:r>
+            <a:r>
+              <a:rPr lang="en-US" sz="2800" dirty="0" err="1"/>
+              <a:t>bantuan</a:t>
+            </a:r>
+            <a:r>
+              <a:rPr lang="en-US" sz="2800" dirty="0"/>
+              <a:t> .</a:t>
+            </a:r>
+          </a:p>
+          <a:p>
+            <a:endParaRPr lang="en-US" dirty="0"/>
+          </a:p>
+        </p:txBody>
+      </p:sp>
+      <p:sp>
+        <p:nvSpPr>
+          <p:cNvPr id="4" name="Content Placeholder 2">
+            <a:extLst>
+              <a:ext uri="{FF2B5EF4-FFF2-40B4-BE49-F238E27FC236}">
+                <a16:creationId xmlns:a16="http://schemas.microsoft.com/office/drawing/2014/main" id="{5BF753F4-FE55-4B48-88A6-9D118B294B63}"/>
+              </a:ext>
+            </a:extLst>
+          </p:cNvPr>
+          <p:cNvSpPr txBox="1">
+            <a:spLocks/>
+          </p:cNvSpPr>
+          <p:nvPr/>
+        </p:nvSpPr>
+        <p:spPr>
+          <a:xfrm>
+            <a:off x="500260" y="404664"/>
+            <a:ext cx="7992888" cy="2376264"/>
+          </a:xfrm>
+          <a:prstGeom prst="rect">
+            <a:avLst/>
+          </a:prstGeom>
+        </p:spPr>
+        <p:txBody>
+          <a:bodyPr vert="horz">
+            <a:normAutofit/>
+          </a:bodyPr>
+          <a:lstStyle>
+            <a:lvl1pPr marL="274320" indent="-274320" algn="l" rtl="0" eaLnBrk="1" latinLnBrk="0" hangingPunct="1">
+              <a:spcBef>
+                <a:spcPts val="600"/>
+              </a:spcBef>
+              <a:buClr>
+                <a:schemeClr val="accent1"/>
+              </a:buClr>
+              <a:buSzPct val="70000"/>
+              <a:buFont typeface="Wingdings"/>
+              <a:buChar char=""/>
+              <a:defRPr kumimoji="0" sz="2400" kern="1200">
+                <a:solidFill>
+                  <a:schemeClr val="tx1"/>
+                </a:solidFill>
+                <a:latin typeface="+mn-lt"/>
+                <a:ea typeface="+mn-ea"/>
+                <a:cs typeface="+mn-cs"/>
+              </a:defRPr>
+            </a:lvl1pPr>
+            <a:lvl2pPr marL="640080" indent="-274320" algn="l" rtl="0" eaLnBrk="1" latinLnBrk="0" hangingPunct="1">
+              <a:spcBef>
+                <a:spcPct val="20000"/>
+              </a:spcBef>
+              <a:buClr>
+                <a:schemeClr val="accent1"/>
+              </a:buClr>
+              <a:buSzPct val="80000"/>
+              <a:buFont typeface="Wingdings 2"/>
+              <a:buChar char=""/>
+              <a:defRPr kumimoji="0" sz="2100" kern="1200">
+                <a:solidFill>
+                  <a:schemeClr val="tx1"/>
+                </a:solidFill>
+                <a:latin typeface="+mn-lt"/>
+                <a:ea typeface="+mn-ea"/>
+                <a:cs typeface="+mn-cs"/>
+              </a:defRPr>
+            </a:lvl2pPr>
+            <a:lvl3pPr marL="914400" indent="-182880" algn="l" rtl="0" eaLnBrk="1" latinLnBrk="0" hangingPunct="1">
+              <a:spcBef>
+                <a:spcPct val="20000"/>
+              </a:spcBef>
+              <a:buClr>
+                <a:schemeClr val="accent1">
+                  <a:shade val="75000"/>
+                </a:schemeClr>
+              </a:buClr>
+              <a:buSzPct val="60000"/>
+              <a:buFont typeface="Wingdings"/>
+              <a:buChar char=""/>
+              <a:defRPr kumimoji="0" sz="1800" kern="1200">
+                <a:solidFill>
+                  <a:schemeClr val="tx1"/>
+                </a:solidFill>
+                <a:latin typeface="+mn-lt"/>
+                <a:ea typeface="+mn-ea"/>
+                <a:cs typeface="+mn-cs"/>
+              </a:defRPr>
+            </a:lvl3pPr>
+            <a:lvl4pPr marL="1188720" indent="-182880" algn="l" rtl="0" eaLnBrk="1" latinLnBrk="0" hangingPunct="1">
+              <a:spcBef>
+                <a:spcPct val="20000"/>
+              </a:spcBef>
+              <a:buClr>
+                <a:schemeClr val="accent1">
+                  <a:tint val="60000"/>
+                </a:schemeClr>
+              </a:buClr>
+              <a:buSzPct val="60000"/>
+              <a:buFont typeface="Wingdings"/>
+              <a:buChar char=""/>
+              <a:defRPr kumimoji="0" sz="1800" kern="1200">
+                <a:solidFill>
+                  <a:schemeClr val="tx1"/>
+                </a:solidFill>
+                <a:latin typeface="+mn-lt"/>
+                <a:ea typeface="+mn-ea"/>
+                <a:cs typeface="+mn-cs"/>
+              </a:defRPr>
+            </a:lvl4pPr>
+            <a:lvl5pPr marL="1463040" indent="-182880" algn="l" rtl="0" eaLnBrk="1" latinLnBrk="0" hangingPunct="1">
+              <a:spcBef>
+                <a:spcPct val="20000"/>
+              </a:spcBef>
+              <a:buClr>
+                <a:schemeClr val="accent2">
+                  <a:tint val="60000"/>
+                </a:schemeClr>
+              </a:buClr>
+              <a:buSzPct val="68000"/>
+              <a:buFont typeface="Wingdings 2"/>
+              <a:buChar char=""/>
+              <a:defRPr kumimoji="0" sz="1600" kern="1200">
+                <a:solidFill>
+                  <a:schemeClr val="tx1"/>
+                </a:solidFill>
+                <a:latin typeface="+mn-lt"/>
+                <a:ea typeface="+mn-ea"/>
+                <a:cs typeface="+mn-cs"/>
+              </a:defRPr>
+            </a:lvl5pPr>
+            <a:lvl6pPr marL="1737360" indent="-182880" algn="l" rtl="0" eaLnBrk="1" latinLnBrk="0" hangingPunct="1">
+              <a:spcBef>
+                <a:spcPct val="20000"/>
+              </a:spcBef>
+              <a:buClr>
+                <a:schemeClr val="accent1"/>
+              </a:buClr>
+              <a:buChar char="•"/>
+              <a:defRPr kumimoji="0" sz="1600" kern="1200">
+                <a:solidFill>
+                  <a:schemeClr val="tx2"/>
+                </a:solidFill>
+                <a:latin typeface="+mn-lt"/>
+                <a:ea typeface="+mn-ea"/>
+                <a:cs typeface="+mn-cs"/>
+              </a:defRPr>
+            </a:lvl6pPr>
+            <a:lvl7pPr marL="2011680" indent="-182880" algn="l" rtl="0" eaLnBrk="1" latinLnBrk="0" hangingPunct="1">
+              <a:spcBef>
+                <a:spcPct val="20000"/>
+              </a:spcBef>
+              <a:buClr>
+                <a:schemeClr val="accent1">
+                  <a:tint val="60000"/>
+                </a:schemeClr>
+              </a:buClr>
+              <a:buSzPct val="60000"/>
+              <a:buFont typeface="Wingdings"/>
+              <a:buChar char=""/>
+              <a:defRPr kumimoji="0" sz="1400" kern="1200" baseline="0">
+                <a:solidFill>
+                  <a:schemeClr val="tx2"/>
+                </a:solidFill>
+                <a:latin typeface="+mn-lt"/>
+                <a:ea typeface="+mn-ea"/>
+                <a:cs typeface="+mn-cs"/>
+              </a:defRPr>
+            </a:lvl7pPr>
+            <a:lvl8pPr marL="2286000" indent="-182880" algn="l" rtl="0" eaLnBrk="1" latinLnBrk="0" hangingPunct="1">
+              <a:spcBef>
+                <a:spcPct val="20000"/>
+              </a:spcBef>
+              <a:buClr>
+                <a:schemeClr val="accent2"/>
+              </a:buClr>
+              <a:buChar char="•"/>
+              <a:defRPr kumimoji="0" sz="1400" kern="1200" cap="small" baseline="0">
+                <a:solidFill>
+                  <a:schemeClr val="tx2"/>
+                </a:solidFill>
+                <a:latin typeface="+mn-lt"/>
+                <a:ea typeface="+mn-ea"/>
+                <a:cs typeface="+mn-cs"/>
+              </a:defRPr>
+            </a:lvl8pPr>
+            <a:lvl9pPr marL="2560320" indent="-182880" algn="l" rtl="0" eaLnBrk="1" latinLnBrk="0" hangingPunct="1">
+              <a:spcBef>
+                <a:spcPct val="20000"/>
+              </a:spcBef>
+              <a:buClr>
+                <a:schemeClr val="accent1">
+                  <a:shade val="75000"/>
+                </a:schemeClr>
+              </a:buClr>
+              <a:buChar char="•"/>
+              <a:defRPr kumimoji="0" sz="1400" kern="1200" baseline="0">
+                <a:solidFill>
+                  <a:schemeClr val="tx2"/>
+                </a:solidFill>
+                <a:latin typeface="+mn-lt"/>
+                <a:ea typeface="+mn-ea"/>
+                <a:cs typeface="+mn-cs"/>
+              </a:defRPr>
+            </a:lvl9pPr>
+          </a:lstStyle>
+          <a:p>
+            <a:pPr marL="0" indent="0">
+              <a:buFont typeface="Wingdings"/>
+              <a:buNone/>
+            </a:pPr>
+            <a:endParaRPr lang="en-US" dirty="0"/>
+          </a:p>
+          <a:p>
+            <a:pPr marL="627063" indent="-288925" algn="just"/>
+            <a:r>
+              <a:rPr lang="id-ID" dirty="0"/>
+              <a:t>Dalam</a:t>
+            </a:r>
+            <a:r>
+              <a:rPr lang="en-US" dirty="0"/>
+              <a:t> </a:t>
+            </a:r>
+            <a:r>
+              <a:rPr lang="id-ID" dirty="0"/>
+              <a:t>penelitian ini penulis menggunakan beberapa metode penelitian, meliputi jenis dan sumber data, pengumpulan data, dan metode pengembangan perangkat lunak.</a:t>
+            </a:r>
+            <a:endParaRPr lang="en-US" dirty="0"/>
+          </a:p>
+          <a:p>
+            <a:endParaRPr lang="en-US" dirty="0"/>
+          </a:p>
+        </p:txBody>
+      </p:sp>
+    </p:spTree>
+    <p:extLst>
+      <p:ext uri="{BB962C8B-B14F-4D97-AF65-F5344CB8AC3E}">
+        <p14:creationId xmlns:p14="http://schemas.microsoft.com/office/powerpoint/2010/main" val="3704982830"/>
+      </p:ext>
+    </p:extLst>
+  </p:cSld>
+  <p:clrMapOvr>
+    <a:masterClrMapping/>
+  </p:clrMapOvr>
+  <p:transition spd="slow">
+    <p:randomBar dir="vert"/>
+  </p:transition>
+</p:sld>
+</file>
+
+<file path=ppt/slides/slide12.xml><?xml version="1.0" encoding="utf-8"?>
+<p:sld xmlns:a="http://schemas.openxmlformats.org/drawingml/2006/main" xmlns:r="http://schemas.openxmlformats.org/officeDocument/2006/relationships" xmlns:p="http://schemas.openxmlformats.org/presentationml/2006/main">
+  <p:cSld>
+    <p:bg>
+      <p:bgPr>
+        <a:blipFill dpi="0" rotWithShape="1">
+          <a:blip r:embed="rId2">
+            <a:lum/>
+          </a:blip>
+          <a:srcRect/>
+          <a:stretch>
+            <a:fillRect/>
+          </a:stretch>
+        </a:blipFill>
+        <a:effectLst/>
+      </p:bgPr>
+    </p:bg>
+    <p:spTree>
+      <p:nvGrpSpPr>
+        <p:cNvPr id="1" name=""/>
+        <p:cNvGrpSpPr/>
+        <p:nvPr/>
+      </p:nvGrpSpPr>
+      <p:grpSpPr>
+        <a:xfrm>
+          <a:off x="0" y="0"/>
+          <a:ext cx="0" cy="0"/>
+          <a:chOff x="0" y="0"/>
+          <a:chExt cx="0" cy="0"/>
+        </a:xfrm>
+      </p:grpSpPr>
+      <p:sp>
+        <p:nvSpPr>
+          <p:cNvPr id="2" name="Title 1">
+            <a:extLst>
+              <a:ext uri="{FF2B5EF4-FFF2-40B4-BE49-F238E27FC236}">
+                <a16:creationId xmlns:a16="http://schemas.microsoft.com/office/drawing/2014/main" id="{A304A63C-2AB2-43E2-81C7-98E9A901DFBA}"/>
+              </a:ext>
+            </a:extLst>
+          </p:cNvPr>
+          <p:cNvSpPr>
+            <a:spLocks noGrp="1"/>
+          </p:cNvSpPr>
+          <p:nvPr>
+            <p:ph type="title"/>
+          </p:nvPr>
+        </p:nvSpPr>
+        <p:spPr>
+          <a:xfrm>
+            <a:off x="683568" y="260648"/>
+            <a:ext cx="7467600" cy="580926"/>
+          </a:xfrm>
+        </p:spPr>
+        <p:txBody>
+          <a:bodyPr/>
+          <a:lstStyle/>
+          <a:p>
+            <a:r>
+              <a:rPr lang="en-US" dirty="0" err="1">
+                <a:solidFill>
+                  <a:schemeClr val="tx1"/>
+                </a:solidFill>
+              </a:rPr>
+              <a:t>Metodologi</a:t>
+            </a:r>
+            <a:r>
+              <a:rPr lang="en-US" dirty="0">
+                <a:solidFill>
+                  <a:schemeClr val="tx1"/>
+                </a:solidFill>
+              </a:rPr>
+              <a:t> </a:t>
+            </a:r>
+            <a:r>
+              <a:rPr lang="en-US" dirty="0" err="1">
+                <a:solidFill>
+                  <a:schemeClr val="tx1"/>
+                </a:solidFill>
+              </a:rPr>
+              <a:t>Penelitian</a:t>
+            </a:r>
+            <a:endParaRPr lang="en-US" dirty="0">
+              <a:solidFill>
+                <a:schemeClr val="tx1"/>
+              </a:solidFill>
+            </a:endParaRPr>
+          </a:p>
+        </p:txBody>
+      </p:sp>
+      <p:sp>
+        <p:nvSpPr>
+          <p:cNvPr id="3" name="Content Placeholder 2">
+            <a:extLst>
+              <a:ext uri="{FF2B5EF4-FFF2-40B4-BE49-F238E27FC236}">
+                <a16:creationId xmlns:a16="http://schemas.microsoft.com/office/drawing/2014/main" id="{4E1730CF-3E1D-4937-A06C-C4802EC6ED4A}"/>
+              </a:ext>
+            </a:extLst>
+          </p:cNvPr>
+          <p:cNvSpPr>
+            <a:spLocks noGrp="1"/>
+          </p:cNvSpPr>
+          <p:nvPr>
+            <p:ph sz="quarter" idx="1"/>
+          </p:nvPr>
+        </p:nvSpPr>
+        <p:spPr>
+          <a:xfrm>
+            <a:off x="992404" y="572534"/>
+            <a:ext cx="7467600" cy="1920362"/>
+          </a:xfrm>
+        </p:spPr>
+        <p:txBody>
+          <a:bodyPr>
+            <a:normAutofit/>
+          </a:bodyPr>
+          <a:lstStyle/>
+          <a:p>
+            <a:pPr marL="0" lvl="0" indent="0">
+              <a:buNone/>
+            </a:pPr>
+            <a:endParaRPr lang="en-US" dirty="0"/>
+          </a:p>
+          <a:p>
+            <a:pPr marL="576263" indent="-273050" algn="just"/>
+            <a:r>
+              <a:rPr lang="en-US" sz="2800" dirty="0"/>
+              <a:t>Data </a:t>
+            </a:r>
+            <a:r>
+              <a:rPr lang="en-US" sz="2800" dirty="0" err="1"/>
+              <a:t>Sekunder</a:t>
+            </a:r>
+            <a:r>
+              <a:rPr lang="en-US" sz="2800" dirty="0"/>
+              <a:t>, data yang </a:t>
+            </a:r>
+            <a:r>
+              <a:rPr lang="en-US" sz="2800" dirty="0" err="1"/>
+              <a:t>diperoleh</a:t>
+            </a:r>
+            <a:r>
+              <a:rPr lang="en-US" sz="2800" dirty="0"/>
+              <a:t> </a:t>
+            </a:r>
+            <a:r>
+              <a:rPr lang="en-US" sz="2800" dirty="0" err="1"/>
+              <a:t>dari</a:t>
+            </a:r>
+            <a:r>
+              <a:rPr lang="en-US" sz="2800" dirty="0"/>
+              <a:t> </a:t>
+            </a:r>
+            <a:r>
+              <a:rPr lang="en-US" sz="2800" dirty="0" err="1"/>
+              <a:t>buku-buku</a:t>
+            </a:r>
+            <a:r>
+              <a:rPr lang="en-US" sz="2800" dirty="0"/>
+              <a:t> </a:t>
+            </a:r>
+            <a:r>
+              <a:rPr lang="en-US" sz="2800" dirty="0" err="1"/>
+              <a:t>penunjang</a:t>
+            </a:r>
+            <a:r>
+              <a:rPr lang="en-US" sz="2800" dirty="0"/>
+              <a:t> </a:t>
+            </a:r>
+            <a:r>
+              <a:rPr lang="en-US" sz="2800" dirty="0" err="1"/>
+              <a:t>maupun</a:t>
+            </a:r>
+            <a:r>
+              <a:rPr lang="en-US" sz="2800" dirty="0"/>
+              <a:t> </a:t>
+            </a:r>
+            <a:r>
+              <a:rPr lang="en-US" sz="2800" dirty="0" err="1"/>
+              <a:t>keterangan</a:t>
+            </a:r>
+            <a:r>
+              <a:rPr lang="en-US" sz="2800" dirty="0"/>
+              <a:t> </a:t>
+            </a:r>
+            <a:r>
+              <a:rPr lang="en-US" sz="2800" dirty="0" err="1"/>
+              <a:t>dari</a:t>
+            </a:r>
+            <a:r>
+              <a:rPr lang="en-US" sz="2800" dirty="0"/>
+              <a:t> </a:t>
+            </a:r>
+            <a:r>
+              <a:rPr lang="en-US" sz="2800" dirty="0" err="1"/>
+              <a:t>berbagai</a:t>
+            </a:r>
+            <a:r>
+              <a:rPr lang="en-US" sz="2800" dirty="0"/>
+              <a:t> </a:t>
+            </a:r>
+            <a:r>
+              <a:rPr lang="en-US" sz="2800" dirty="0" err="1"/>
+              <a:t>pihak</a:t>
+            </a:r>
+            <a:r>
+              <a:rPr lang="en-US" sz="2800" dirty="0"/>
+              <a:t>.</a:t>
+            </a:r>
+            <a:endParaRPr lang="en-ID" sz="2800" dirty="0"/>
+          </a:p>
+          <a:p>
+            <a:pPr marL="576263" indent="-273050" algn="just"/>
+            <a:endParaRPr lang="en-US" dirty="0"/>
+          </a:p>
+        </p:txBody>
+      </p:sp>
+    </p:spTree>
+    <p:extLst>
+      <p:ext uri="{BB962C8B-B14F-4D97-AF65-F5344CB8AC3E}">
+        <p14:creationId xmlns:p14="http://schemas.microsoft.com/office/powerpoint/2010/main" val="9564731"/>
+      </p:ext>
+    </p:extLst>
+  </p:cSld>
+  <p:clrMapOvr>
+    <a:masterClrMapping/>
+  </p:clrMapOvr>
+  <p:transition spd="slow">
+    <p:randomBar dir="vert"/>
+  </p:transition>
+</p:sld>
+</file>
+
+<file path=ppt/slides/slide13.xml><?xml version="1.0" encoding="utf-8"?>
+<p:sld xmlns:a="http://schemas.openxmlformats.org/drawingml/2006/main" xmlns:r="http://schemas.openxmlformats.org/officeDocument/2006/relationships" xmlns:p="http://schemas.openxmlformats.org/presentationml/2006/main">
+  <p:cSld>
+    <p:bg>
+      <p:bgPr>
+        <a:blipFill dpi="0" rotWithShape="1">
+          <a:blip r:embed="rId2">
+            <a:lum/>
+          </a:blip>
+          <a:srcRect/>
+          <a:stretch>
+            <a:fillRect/>
+          </a:stretch>
+        </a:blipFill>
+        <a:effectLst/>
+      </p:bgPr>
+    </p:bg>
+    <p:spTree>
+      <p:nvGrpSpPr>
+        <p:cNvPr id="1" name=""/>
+        <p:cNvGrpSpPr/>
+        <p:nvPr/>
+      </p:nvGrpSpPr>
+      <p:grpSpPr>
+        <a:xfrm>
+          <a:off x="0" y="0"/>
+          <a:ext cx="0" cy="0"/>
+          <a:chOff x="0" y="0"/>
+          <a:chExt cx="0" cy="0"/>
+        </a:xfrm>
+      </p:grpSpPr>
+      <p:sp>
+        <p:nvSpPr>
+          <p:cNvPr id="2" name="Title 1">
+            <a:extLst>
+              <a:ext uri="{FF2B5EF4-FFF2-40B4-BE49-F238E27FC236}">
+                <a16:creationId xmlns:a16="http://schemas.microsoft.com/office/drawing/2014/main" id="{A304A63C-2AB2-43E2-81C7-98E9A901DFBA}"/>
+              </a:ext>
+            </a:extLst>
+          </p:cNvPr>
+          <p:cNvSpPr>
+            <a:spLocks noGrp="1"/>
+          </p:cNvSpPr>
+          <p:nvPr>
+            <p:ph type="title"/>
+          </p:nvPr>
+        </p:nvSpPr>
+        <p:spPr>
+          <a:xfrm>
+            <a:off x="683568" y="260648"/>
+            <a:ext cx="7467600" cy="580926"/>
+          </a:xfrm>
+        </p:spPr>
+        <p:txBody>
+          <a:bodyPr/>
+          <a:lstStyle/>
+          <a:p>
+            <a:r>
+              <a:rPr lang="en-US" dirty="0" err="1">
+                <a:solidFill>
+                  <a:schemeClr val="tx1"/>
+                </a:solidFill>
+              </a:rPr>
+              <a:t>Metode</a:t>
+            </a:r>
+            <a:r>
+              <a:rPr lang="en-US" dirty="0">
+                <a:solidFill>
+                  <a:schemeClr val="tx1"/>
+                </a:solidFill>
+              </a:rPr>
+              <a:t> </a:t>
+            </a:r>
+            <a:r>
+              <a:rPr lang="en-US" dirty="0" err="1">
+                <a:solidFill>
+                  <a:schemeClr val="tx1"/>
+                </a:solidFill>
+              </a:rPr>
+              <a:t>Pengumpulan</a:t>
+            </a:r>
+            <a:r>
+              <a:rPr lang="en-US" dirty="0">
+                <a:solidFill>
+                  <a:schemeClr val="tx1"/>
+                </a:solidFill>
+              </a:rPr>
+              <a:t> Data</a:t>
+            </a:r>
+          </a:p>
+        </p:txBody>
+      </p:sp>
+      <p:sp>
+        <p:nvSpPr>
+          <p:cNvPr id="3" name="Content Placeholder 2">
+            <a:extLst>
+              <a:ext uri="{FF2B5EF4-FFF2-40B4-BE49-F238E27FC236}">
+                <a16:creationId xmlns:a16="http://schemas.microsoft.com/office/drawing/2014/main" id="{4E1730CF-3E1D-4937-A06C-C4802EC6ED4A}"/>
+              </a:ext>
+            </a:extLst>
+          </p:cNvPr>
+          <p:cNvSpPr>
+            <a:spLocks noGrp="1"/>
+          </p:cNvSpPr>
+          <p:nvPr>
+            <p:ph sz="quarter" idx="1"/>
+          </p:nvPr>
+        </p:nvSpPr>
+        <p:spPr>
+          <a:xfrm>
+            <a:off x="793883" y="975866"/>
+            <a:ext cx="7467600" cy="5621486"/>
+          </a:xfrm>
+        </p:spPr>
+        <p:txBody>
+          <a:bodyPr>
+            <a:normAutofit fontScale="92500" lnSpcReduction="10000"/>
+          </a:bodyPr>
+          <a:lstStyle/>
+          <a:p>
+            <a:pPr marL="0" indent="0">
+              <a:buNone/>
+            </a:pPr>
+            <a:endParaRPr lang="en-US" dirty="0"/>
+          </a:p>
+          <a:p>
+            <a:pPr lvl="0"/>
+            <a:r>
+              <a:rPr lang="en-US" dirty="0"/>
+              <a:t>1. </a:t>
+            </a:r>
+            <a:r>
+              <a:rPr lang="id-ID" dirty="0"/>
+              <a:t>Wawancara</a:t>
+            </a:r>
+            <a:endParaRPr lang="en-US" dirty="0"/>
+          </a:p>
+          <a:p>
+            <a:pPr marL="627063" indent="-288925" algn="just"/>
+            <a:r>
+              <a:rPr lang="en-US" dirty="0" err="1"/>
+              <a:t>metode</a:t>
+            </a:r>
+            <a:r>
+              <a:rPr lang="en-US" dirty="0"/>
+              <a:t> </a:t>
+            </a:r>
+            <a:r>
+              <a:rPr lang="en-US" dirty="0" err="1"/>
+              <a:t>pengumpulan</a:t>
+            </a:r>
+            <a:r>
+              <a:rPr lang="en-US" dirty="0"/>
+              <a:t> data </a:t>
+            </a:r>
+            <a:r>
+              <a:rPr lang="en-US" dirty="0" err="1"/>
+              <a:t>dengan</a:t>
+            </a:r>
+            <a:r>
+              <a:rPr lang="en-US" dirty="0"/>
+              <a:t> </a:t>
+            </a:r>
+            <a:r>
+              <a:rPr lang="en-US" dirty="0" err="1"/>
+              <a:t>melakukan</a:t>
+            </a:r>
+            <a:r>
+              <a:rPr lang="en-US" dirty="0"/>
+              <a:t> </a:t>
+            </a:r>
+            <a:r>
+              <a:rPr lang="en-US" dirty="0" err="1"/>
+              <a:t>wawancara</a:t>
+            </a:r>
+            <a:r>
+              <a:rPr lang="en-US" dirty="0"/>
+              <a:t> </a:t>
+            </a:r>
+            <a:r>
+              <a:rPr lang="en-US" dirty="0" err="1"/>
+              <a:t>langsung</a:t>
+            </a:r>
+            <a:r>
+              <a:rPr lang="en-US" dirty="0"/>
+              <a:t> </a:t>
+            </a:r>
+            <a:r>
+              <a:rPr lang="en-US" dirty="0" err="1"/>
+              <a:t>dengan</a:t>
+            </a:r>
+            <a:r>
+              <a:rPr lang="en-US" dirty="0"/>
+              <a:t> </a:t>
+            </a:r>
+            <a:r>
+              <a:rPr lang="en-US" dirty="0" err="1"/>
+              <a:t>Lurah</a:t>
+            </a:r>
+            <a:r>
+              <a:rPr lang="en-US" dirty="0"/>
+              <a:t> Kelurahan </a:t>
+            </a:r>
+            <a:r>
+              <a:rPr lang="en-US" dirty="0" err="1"/>
+              <a:t>krapyak</a:t>
+            </a:r>
+            <a:r>
+              <a:rPr lang="en-US" dirty="0"/>
+              <a:t>, </a:t>
+            </a:r>
+            <a:r>
+              <a:rPr lang="en-US" dirty="0" err="1"/>
+              <a:t>Sekertaris</a:t>
+            </a:r>
+            <a:r>
+              <a:rPr lang="en-US" dirty="0"/>
+              <a:t> dan IT </a:t>
+            </a:r>
+            <a:r>
+              <a:rPr lang="en-US" dirty="0" err="1"/>
+              <a:t>kelurahan</a:t>
+            </a:r>
+            <a:r>
+              <a:rPr lang="en-US" dirty="0"/>
+              <a:t> </a:t>
+            </a:r>
+            <a:r>
+              <a:rPr lang="en-US" dirty="0" err="1"/>
+              <a:t>Krapyak</a:t>
+            </a:r>
+            <a:r>
+              <a:rPr lang="en-US" dirty="0"/>
+              <a:t> </a:t>
+            </a:r>
+            <a:r>
+              <a:rPr lang="en-US" dirty="0" err="1"/>
+              <a:t>mengenai</a:t>
+            </a:r>
+            <a:r>
+              <a:rPr lang="en-US" dirty="0"/>
+              <a:t> data-data yang </a:t>
+            </a:r>
+            <a:r>
+              <a:rPr lang="en-US" dirty="0" err="1"/>
+              <a:t>dibutuhkan</a:t>
+            </a:r>
+            <a:r>
+              <a:rPr lang="en-US" dirty="0"/>
+              <a:t> </a:t>
+            </a:r>
+            <a:r>
+              <a:rPr lang="en-US" dirty="0" err="1"/>
+              <a:t>untuk</a:t>
+            </a:r>
+            <a:r>
+              <a:rPr lang="en-US" dirty="0"/>
+              <a:t> proses </a:t>
+            </a:r>
+            <a:r>
+              <a:rPr lang="en-US" dirty="0" err="1"/>
+              <a:t>penelitian</a:t>
+            </a:r>
+            <a:endParaRPr lang="en-US" dirty="0"/>
+          </a:p>
+          <a:p>
+            <a:pPr lvl="0"/>
+            <a:r>
+              <a:rPr lang="en-US" dirty="0"/>
+              <a:t>2. </a:t>
+            </a:r>
+            <a:r>
+              <a:rPr lang="id-ID" dirty="0"/>
+              <a:t>Observasi</a:t>
+            </a:r>
+            <a:endParaRPr lang="en-US" dirty="0"/>
+          </a:p>
+          <a:p>
+            <a:pPr marL="576263" indent="-273050" algn="just"/>
+            <a:r>
+              <a:rPr lang="en-US" dirty="0" err="1"/>
+              <a:t>Metode</a:t>
+            </a:r>
+            <a:r>
+              <a:rPr lang="en-US" dirty="0"/>
+              <a:t> </a:t>
+            </a:r>
+            <a:r>
+              <a:rPr lang="en-US" dirty="0" err="1"/>
+              <a:t>untuk</a:t>
+            </a:r>
+            <a:r>
+              <a:rPr lang="en-US" dirty="0"/>
+              <a:t> </a:t>
+            </a:r>
+            <a:r>
+              <a:rPr lang="en-US" dirty="0" err="1"/>
+              <a:t>memperoleh</a:t>
+            </a:r>
+            <a:r>
+              <a:rPr lang="en-US" dirty="0"/>
+              <a:t> data </a:t>
+            </a:r>
+            <a:r>
+              <a:rPr lang="en-US" dirty="0" err="1"/>
+              <a:t>dengan</a:t>
+            </a:r>
+            <a:r>
+              <a:rPr lang="en-US" dirty="0"/>
+              <a:t> </a:t>
+            </a:r>
+            <a:r>
+              <a:rPr lang="en-US" dirty="0" err="1"/>
+              <a:t>cara</a:t>
+            </a:r>
+            <a:r>
+              <a:rPr lang="en-US" dirty="0"/>
+              <a:t> </a:t>
+            </a:r>
+            <a:r>
+              <a:rPr lang="en-US" dirty="0" err="1"/>
+              <a:t>melakukan</a:t>
+            </a:r>
+            <a:r>
+              <a:rPr lang="en-US" dirty="0"/>
+              <a:t> </a:t>
+            </a:r>
+            <a:r>
+              <a:rPr lang="en-US" dirty="0" err="1"/>
+              <a:t>pengamatan</a:t>
+            </a:r>
+            <a:r>
+              <a:rPr lang="en-US" dirty="0"/>
+              <a:t> </a:t>
+            </a:r>
+            <a:r>
+              <a:rPr lang="en-US" dirty="0" err="1"/>
+              <a:t>langsung</a:t>
+            </a:r>
+            <a:r>
+              <a:rPr lang="en-US" dirty="0"/>
+              <a:t> data </a:t>
+            </a:r>
+            <a:r>
+              <a:rPr lang="en-US" dirty="0" err="1"/>
+              <a:t>induk</a:t>
+            </a:r>
+            <a:r>
+              <a:rPr lang="en-US" dirty="0"/>
+              <a:t> dan data </a:t>
+            </a:r>
+            <a:r>
+              <a:rPr lang="en-US" dirty="0" err="1"/>
+              <a:t>warga</a:t>
+            </a:r>
+            <a:r>
+              <a:rPr lang="en-US" dirty="0"/>
+              <a:t> miskin yang </a:t>
+            </a:r>
+            <a:r>
+              <a:rPr lang="en-US" dirty="0" err="1"/>
+              <a:t>mendapat</a:t>
+            </a:r>
+            <a:r>
+              <a:rPr lang="en-US" dirty="0"/>
+              <a:t> </a:t>
+            </a:r>
+            <a:r>
+              <a:rPr lang="en-US" dirty="0" err="1"/>
+              <a:t>bantuan</a:t>
+            </a:r>
+            <a:r>
+              <a:rPr lang="en-US" dirty="0"/>
+              <a:t>  </a:t>
+            </a:r>
+            <a:r>
+              <a:rPr lang="en-US" dirty="0" err="1"/>
+              <a:t>berupa</a:t>
+            </a:r>
+            <a:r>
+              <a:rPr lang="en-US" dirty="0"/>
+              <a:t> file </a:t>
+            </a:r>
+            <a:r>
+              <a:rPr lang="en-US" dirty="0" err="1"/>
+              <a:t>dengan</a:t>
+            </a:r>
+            <a:r>
+              <a:rPr lang="en-US" dirty="0"/>
+              <a:t> format .xlsx dan file form </a:t>
+            </a:r>
+            <a:r>
+              <a:rPr lang="en-US" dirty="0" err="1"/>
+              <a:t>kriteria-kriteria</a:t>
+            </a:r>
+            <a:r>
+              <a:rPr lang="en-US" dirty="0"/>
+              <a:t> yang </a:t>
+            </a:r>
+            <a:r>
+              <a:rPr lang="en-US" dirty="0" err="1"/>
+              <a:t>memperoleh</a:t>
+            </a:r>
+            <a:r>
+              <a:rPr lang="en-US" dirty="0"/>
+              <a:t> </a:t>
+            </a:r>
+            <a:r>
+              <a:rPr lang="en-US" dirty="0" err="1"/>
+              <a:t>bantuan</a:t>
+            </a:r>
+            <a:r>
+              <a:rPr lang="en-US" dirty="0"/>
+              <a:t> </a:t>
+            </a:r>
+            <a:r>
+              <a:rPr lang="en-US" dirty="0" err="1"/>
+              <a:t>dari</a:t>
+            </a:r>
+            <a:r>
+              <a:rPr lang="en-US" dirty="0"/>
+              <a:t> </a:t>
+            </a:r>
+            <a:r>
+              <a:rPr lang="en-US" dirty="0" err="1"/>
+              <a:t>bagian</a:t>
+            </a:r>
+            <a:r>
+              <a:rPr lang="en-US" dirty="0"/>
+              <a:t> </a:t>
+            </a:r>
+            <a:r>
+              <a:rPr lang="en-US" dirty="0" err="1"/>
+              <a:t>pusat</a:t>
+            </a:r>
+            <a:r>
+              <a:rPr lang="en-US" dirty="0"/>
+              <a:t> data </a:t>
+            </a:r>
+            <a:r>
+              <a:rPr lang="en-US" dirty="0" err="1"/>
+              <a:t>induk</a:t>
+            </a:r>
+            <a:r>
+              <a:rPr lang="en-US" dirty="0"/>
+              <a:t> </a:t>
+            </a:r>
+            <a:r>
+              <a:rPr lang="en-US" dirty="0" err="1"/>
+              <a:t>warga</a:t>
+            </a:r>
+            <a:r>
+              <a:rPr lang="en-US" dirty="0"/>
+              <a:t> miskin yang </a:t>
+            </a:r>
+            <a:r>
+              <a:rPr lang="en-US" dirty="0" err="1"/>
+              <a:t>diberikan</a:t>
+            </a:r>
+            <a:r>
+              <a:rPr lang="en-US" dirty="0"/>
+              <a:t> oleh IT Kelurahan </a:t>
+            </a:r>
+            <a:r>
+              <a:rPr lang="en-US" dirty="0" err="1"/>
+              <a:t>Krapyak</a:t>
+            </a:r>
+            <a:r>
+              <a:rPr lang="en-US" dirty="0"/>
+              <a:t> </a:t>
+            </a:r>
+            <a:r>
+              <a:rPr lang="en-US" dirty="0" err="1"/>
+              <a:t>setelah</a:t>
+            </a:r>
+            <a:r>
+              <a:rPr lang="en-US" dirty="0"/>
+              <a:t> </a:t>
+            </a:r>
+            <a:r>
+              <a:rPr lang="en-US" dirty="0" err="1"/>
+              <a:t>mendapat</a:t>
+            </a:r>
+            <a:r>
+              <a:rPr lang="en-US" dirty="0"/>
+              <a:t> </a:t>
+            </a:r>
+            <a:r>
+              <a:rPr lang="en-US" dirty="0" err="1"/>
+              <a:t>persetujuan</a:t>
+            </a:r>
+            <a:r>
+              <a:rPr lang="en-US" dirty="0"/>
+              <a:t> Dari </a:t>
+            </a:r>
+            <a:r>
+              <a:rPr lang="en-US" dirty="0" err="1"/>
+              <a:t>Lurah</a:t>
+            </a:r>
+            <a:r>
+              <a:rPr lang="en-US" dirty="0"/>
+              <a:t> </a:t>
+            </a:r>
+            <a:r>
+              <a:rPr lang="en-US" dirty="0" err="1"/>
+              <a:t>Krapyak</a:t>
+            </a:r>
+            <a:r>
+              <a:rPr lang="en-US" dirty="0"/>
+              <a:t>.</a:t>
+            </a:r>
+          </a:p>
+          <a:p>
+            <a:endParaRPr lang="en-US" dirty="0"/>
+          </a:p>
+        </p:txBody>
+      </p:sp>
+    </p:spTree>
+    <p:extLst>
+      <p:ext uri="{BB962C8B-B14F-4D97-AF65-F5344CB8AC3E}">
+        <p14:creationId xmlns:p14="http://schemas.microsoft.com/office/powerpoint/2010/main" val="662305774"/>
+      </p:ext>
+    </p:extLst>
+  </p:cSld>
+  <p:clrMapOvr>
+    <a:masterClrMapping/>
+  </p:clrMapOvr>
+  <p:transition spd="slow">
+    <p:randomBar dir="vert"/>
+  </p:transition>
+</p:sld>
+</file>
+
+<file path=ppt/slides/slide14.xml><?xml version="1.0" encoding="utf-8"?>
+<p:sld xmlns:a="http://schemas.openxmlformats.org/drawingml/2006/main" xmlns:r="http://schemas.openxmlformats.org/officeDocument/2006/relationships" xmlns:p="http://schemas.openxmlformats.org/presentationml/2006/main">
+  <p:cSld>
+    <p:bg>
+      <p:bgPr>
+        <a:blipFill dpi="0" rotWithShape="1">
+          <a:blip r:embed="rId2">
+            <a:lum/>
+          </a:blip>
+          <a:srcRect/>
+          <a:stretch>
+            <a:fillRect/>
+          </a:stretch>
+        </a:blipFill>
+        <a:effectLst/>
+      </p:bgPr>
+    </p:bg>
+    <p:spTree>
+      <p:nvGrpSpPr>
+        <p:cNvPr id="1" name=""/>
+        <p:cNvGrpSpPr/>
+        <p:nvPr/>
+      </p:nvGrpSpPr>
+      <p:grpSpPr>
+        <a:xfrm>
+          <a:off x="0" y="0"/>
+          <a:ext cx="0" cy="0"/>
+          <a:chOff x="0" y="0"/>
+          <a:chExt cx="0" cy="0"/>
+        </a:xfrm>
+      </p:grpSpPr>
+      <p:sp>
+        <p:nvSpPr>
+          <p:cNvPr id="2" name="Title 1">
+            <a:extLst>
+              <a:ext uri="{FF2B5EF4-FFF2-40B4-BE49-F238E27FC236}">
+                <a16:creationId xmlns:a16="http://schemas.microsoft.com/office/drawing/2014/main" id="{A304A63C-2AB2-43E2-81C7-98E9A901DFBA}"/>
+              </a:ext>
+            </a:extLst>
+          </p:cNvPr>
+          <p:cNvSpPr>
+            <a:spLocks noGrp="1"/>
+          </p:cNvSpPr>
+          <p:nvPr>
+            <p:ph type="title"/>
+          </p:nvPr>
+        </p:nvSpPr>
+        <p:spPr>
+          <a:xfrm>
+            <a:off x="683568" y="260648"/>
+            <a:ext cx="7467600" cy="580926"/>
+          </a:xfrm>
+        </p:spPr>
+        <p:txBody>
+          <a:bodyPr/>
+          <a:lstStyle/>
+          <a:p>
+            <a:r>
+              <a:rPr lang="en-US" dirty="0" err="1">
+                <a:solidFill>
+                  <a:schemeClr val="tx1"/>
+                </a:solidFill>
+              </a:rPr>
+              <a:t>Metode</a:t>
+            </a:r>
+            <a:r>
+              <a:rPr lang="en-US" dirty="0">
+                <a:solidFill>
+                  <a:schemeClr val="tx1"/>
+                </a:solidFill>
+              </a:rPr>
+              <a:t> </a:t>
+            </a:r>
+            <a:r>
+              <a:rPr lang="en-US" dirty="0" err="1">
+                <a:solidFill>
+                  <a:schemeClr val="tx1"/>
+                </a:solidFill>
+              </a:rPr>
+              <a:t>Pengumpulan</a:t>
+            </a:r>
+            <a:r>
+              <a:rPr lang="en-US" dirty="0">
+                <a:solidFill>
+                  <a:schemeClr val="tx1"/>
+                </a:solidFill>
+              </a:rPr>
+              <a:t> Data</a:t>
+            </a:r>
+          </a:p>
+        </p:txBody>
+      </p:sp>
+      <p:sp>
+        <p:nvSpPr>
+          <p:cNvPr id="3" name="Content Placeholder 2">
+            <a:extLst>
+              <a:ext uri="{FF2B5EF4-FFF2-40B4-BE49-F238E27FC236}">
+                <a16:creationId xmlns:a16="http://schemas.microsoft.com/office/drawing/2014/main" id="{4E1730CF-3E1D-4937-A06C-C4802EC6ED4A}"/>
+              </a:ext>
+            </a:extLst>
+          </p:cNvPr>
+          <p:cNvSpPr>
+            <a:spLocks noGrp="1"/>
+          </p:cNvSpPr>
+          <p:nvPr>
+            <p:ph sz="quarter" idx="1"/>
+          </p:nvPr>
+        </p:nvSpPr>
+        <p:spPr>
+          <a:xfrm>
             <a:off x="793883" y="975866"/>
             <a:ext cx="7467600" cy="5621486"/>
           </a:xfrm>
@@ -6826,13 +8148,13 @@
   <p:clrMapOvr>
     <a:masterClrMapping/>
   </p:clrMapOvr>
-  <mc:AlternateContent xmlns:mc="http://schemas.openxmlformats.org/markup-compatibility/2006">
-    <mc:Choice xmlns:p14="http://schemas.microsoft.com/office/powerpoint/2010/main" Requires="p14">
+  <mc:AlternateContent xmlns:mc="http://schemas.openxmlformats.org/markup-compatibility/2006" xmlns:p14="http://schemas.microsoft.com/office/powerpoint/2010/main">
+    <mc:Choice Requires="p14">
       <p:transition spd="slow" p14:dur="3900">
         <p14:glitter pattern="hexagon"/>
       </p:transition>
     </mc:Choice>
-    <mc:Fallback>
+    <mc:Fallback xmlns="">
       <p:transition spd="slow">
         <p:fade/>
       </p:transition>
@@ -6841,7 +8163,7 @@
 </p:sld>
 </file>
 
-<file path=ppt/slides/slide12.xml><?xml version="1.0" encoding="utf-8"?>
+<file path=ppt/slides/slide15.xml><?xml version="1.0" encoding="utf-8"?>
 <p:sld xmlns:a="http://schemas.openxmlformats.org/drawingml/2006/main" xmlns:r="http://schemas.openxmlformats.org/officeDocument/2006/relationships" xmlns:p="http://schemas.openxmlformats.org/presentationml/2006/main">
   <p:cSld>
     <p:bg>
@@ -7199,13 +8521,13 @@
   <p:clrMapOvr>
     <a:masterClrMapping/>
   </p:clrMapOvr>
-  <mc:AlternateContent xmlns:mc="http://schemas.openxmlformats.org/markup-compatibility/2006">
-    <mc:Choice xmlns:p14="http://schemas.microsoft.com/office/powerpoint/2010/main" Requires="p14">
+  <mc:AlternateContent xmlns:mc="http://schemas.openxmlformats.org/markup-compatibility/2006" xmlns:p14="http://schemas.microsoft.com/office/powerpoint/2010/main">
+    <mc:Choice Requires="p14">
       <p:transition spd="slow" p14:dur="2500">
         <p:checker/>
       </p:transition>
     </mc:Choice>
-    <mc:Fallback>
+    <mc:Fallback xmlns="">
       <p:transition spd="slow">
         <p:checker/>
       </p:transition>
@@ -7214,7 +8536,7 @@
 </p:sld>
 </file>
 
-<file path=ppt/slides/slide13.xml><?xml version="1.0" encoding="utf-8"?>
+<file path=ppt/slides/slide16.xml><?xml version="1.0" encoding="utf-8"?>
 <p:sld xmlns:a="http://schemas.openxmlformats.org/drawingml/2006/main" xmlns:r="http://schemas.openxmlformats.org/officeDocument/2006/relationships" xmlns:p="http://schemas.openxmlformats.org/presentationml/2006/main">
   <p:cSld>
     <p:bg>
@@ -7321,436 +8643,13 @@
   <p:clrMapOvr>
     <a:masterClrMapping/>
   </p:clrMapOvr>
-  <mc:AlternateContent xmlns:mc="http://schemas.openxmlformats.org/markup-compatibility/2006">
-    <mc:Choice xmlns:p14="http://schemas.microsoft.com/office/powerpoint/2010/main" Requires="p14">
+  <mc:AlternateContent xmlns:mc="http://schemas.openxmlformats.org/markup-compatibility/2006" xmlns:p14="http://schemas.microsoft.com/office/powerpoint/2010/main">
+    <mc:Choice Requires="p14">
       <p:transition spd="slow" p14:dur="1600">
         <p:blinds dir="vert"/>
       </p:transition>
     </mc:Choice>
-    <mc:Fallback>
-      <p:transition spd="slow">
-        <p:blinds dir="vert"/>
-      </p:transition>
-    </mc:Fallback>
-  </mc:AlternateContent>
-</p:sld>
-</file>
-
-<file path=ppt/slides/slide14.xml><?xml version="1.0" encoding="utf-8"?>
-<p:sld xmlns:a="http://schemas.openxmlformats.org/drawingml/2006/main" xmlns:r="http://schemas.openxmlformats.org/officeDocument/2006/relationships" xmlns:p="http://schemas.openxmlformats.org/presentationml/2006/main">
-  <p:cSld>
-    <p:bg>
-      <p:bgPr>
-        <a:blipFill dpi="0" rotWithShape="1">
-          <a:blip r:embed="rId2">
-            <a:lum/>
-          </a:blip>
-          <a:srcRect/>
-          <a:stretch>
-            <a:fillRect/>
-          </a:stretch>
-        </a:blipFill>
-        <a:effectLst/>
-      </p:bgPr>
-    </p:bg>
-    <p:spTree>
-      <p:nvGrpSpPr>
-        <p:cNvPr id="1" name=""/>
-        <p:cNvGrpSpPr/>
-        <p:nvPr/>
-      </p:nvGrpSpPr>
-      <p:grpSpPr>
-        <a:xfrm>
-          <a:off x="0" y="0"/>
-          <a:ext cx="0" cy="0"/>
-          <a:chOff x="0" y="0"/>
-          <a:chExt cx="0" cy="0"/>
-        </a:xfrm>
-      </p:grpSpPr>
-      <p:sp>
-        <p:nvSpPr>
-          <p:cNvPr id="2" name="Title 1">
-            <a:extLst>
-              <a:ext uri="{FF2B5EF4-FFF2-40B4-BE49-F238E27FC236}">
-                <a16:creationId xmlns:a16="http://schemas.microsoft.com/office/drawing/2014/main" id="{A304A63C-2AB2-43E2-81C7-98E9A901DFBA}"/>
-              </a:ext>
-            </a:extLst>
-          </p:cNvPr>
-          <p:cNvSpPr>
-            <a:spLocks noGrp="1"/>
-          </p:cNvSpPr>
-          <p:nvPr>
-            <p:ph type="title"/>
-          </p:nvPr>
-        </p:nvSpPr>
-        <p:spPr>
-          <a:xfrm>
-            <a:off x="838200" y="188640"/>
-            <a:ext cx="7467600" cy="652934"/>
-          </a:xfrm>
-        </p:spPr>
-        <p:txBody>
-          <a:bodyPr>
-            <a:normAutofit fontScale="90000"/>
-          </a:bodyPr>
-          <a:lstStyle/>
-          <a:p>
-            <a:pPr algn="ctr"/>
-            <a:r>
-              <a:rPr lang="en-US" i="1" dirty="0"/>
-              <a:t>Activity Diagram </a:t>
-            </a:r>
-            <a:r>
-              <a:rPr lang="en-US" dirty="0" err="1"/>
-              <a:t>Penentuan</a:t>
-            </a:r>
-            <a:r>
-              <a:rPr lang="en-US" dirty="0"/>
-              <a:t> </a:t>
-            </a:r>
-            <a:r>
-              <a:rPr lang="en-US" dirty="0" err="1"/>
-              <a:t>Bantuan</a:t>
-            </a:r>
-            <a:r>
-              <a:rPr lang="en-US" dirty="0"/>
-              <a:t> Banyak data dan </a:t>
-            </a:r>
-            <a:r>
-              <a:rPr lang="en-US" dirty="0" err="1"/>
-              <a:t>Individu</a:t>
-            </a:r>
-            <a:r>
-              <a:rPr lang="en-US" i="1" dirty="0"/>
-              <a:t> </a:t>
-            </a:r>
-            <a:endParaRPr lang="en-US" dirty="0">
-              <a:solidFill>
-                <a:schemeClr val="tx1"/>
-              </a:solidFill>
-            </a:endParaRPr>
-          </a:p>
-        </p:txBody>
-      </p:sp>
-      <p:pic>
-        <p:nvPicPr>
-          <p:cNvPr id="4" name="Picture 3">
-            <a:extLst>
-              <a:ext uri="{FF2B5EF4-FFF2-40B4-BE49-F238E27FC236}">
-                <a16:creationId xmlns:a16="http://schemas.microsoft.com/office/drawing/2014/main" id="{7758729F-8A77-4834-B5CC-4251A7417E21}"/>
-              </a:ext>
-            </a:extLst>
-          </p:cNvPr>
-          <p:cNvPicPr/>
-          <p:nvPr/>
-        </p:nvPicPr>
-        <p:blipFill>
-          <a:blip r:embed="rId3"/>
-          <a:stretch>
-            <a:fillRect/>
-          </a:stretch>
-        </p:blipFill>
-        <p:spPr>
-          <a:xfrm>
-            <a:off x="1799833" y="841574"/>
-            <a:ext cx="5544334" cy="6181090"/>
-          </a:xfrm>
-          <a:prstGeom prst="rect">
-            <a:avLst/>
-          </a:prstGeom>
-        </p:spPr>
-      </p:pic>
-    </p:spTree>
-    <p:extLst>
-      <p:ext uri="{BB962C8B-B14F-4D97-AF65-F5344CB8AC3E}">
-        <p14:creationId xmlns:p14="http://schemas.microsoft.com/office/powerpoint/2010/main" val="1356623841"/>
-      </p:ext>
-    </p:extLst>
-  </p:cSld>
-  <p:clrMapOvr>
-    <a:masterClrMapping/>
-  </p:clrMapOvr>
-  <mc:AlternateContent xmlns:mc="http://schemas.openxmlformats.org/markup-compatibility/2006">
-    <mc:Choice xmlns:p14="http://schemas.microsoft.com/office/powerpoint/2010/main" Requires="p14">
-      <p:transition spd="slow" p14:dur="1600">
-        <p:blinds dir="vert"/>
-      </p:transition>
-    </mc:Choice>
-    <mc:Fallback>
-      <p:transition spd="slow">
-        <p:blinds dir="vert"/>
-      </p:transition>
-    </mc:Fallback>
-  </mc:AlternateContent>
-</p:sld>
-</file>
-
-<file path=ppt/slides/slide15.xml><?xml version="1.0" encoding="utf-8"?>
-<p:sld xmlns:a="http://schemas.openxmlformats.org/drawingml/2006/main" xmlns:r="http://schemas.openxmlformats.org/officeDocument/2006/relationships" xmlns:p="http://schemas.openxmlformats.org/presentationml/2006/main">
-  <p:cSld>
-    <p:bg>
-      <p:bgPr>
-        <a:blipFill dpi="0" rotWithShape="1">
-          <a:blip r:embed="rId2">
-            <a:lum/>
-          </a:blip>
-          <a:srcRect/>
-          <a:stretch>
-            <a:fillRect/>
-          </a:stretch>
-        </a:blipFill>
-        <a:effectLst/>
-      </p:bgPr>
-    </p:bg>
-    <p:spTree>
-      <p:nvGrpSpPr>
-        <p:cNvPr id="1" name=""/>
-        <p:cNvGrpSpPr/>
-        <p:nvPr/>
-      </p:nvGrpSpPr>
-      <p:grpSpPr>
-        <a:xfrm>
-          <a:off x="0" y="0"/>
-          <a:ext cx="0" cy="0"/>
-          <a:chOff x="0" y="0"/>
-          <a:chExt cx="0" cy="0"/>
-        </a:xfrm>
-      </p:grpSpPr>
-      <p:sp>
-        <p:nvSpPr>
-          <p:cNvPr id="3" name="Content Placeholder 2">
-            <a:extLst>
-              <a:ext uri="{FF2B5EF4-FFF2-40B4-BE49-F238E27FC236}">
-                <a16:creationId xmlns:a16="http://schemas.microsoft.com/office/drawing/2014/main" id="{4E1730CF-3E1D-4937-A06C-C4802EC6ED4A}"/>
-              </a:ext>
-            </a:extLst>
-          </p:cNvPr>
-          <p:cNvSpPr>
-            <a:spLocks noGrp="1"/>
-          </p:cNvSpPr>
-          <p:nvPr>
-            <p:ph sz="quarter" idx="1"/>
-          </p:nvPr>
-        </p:nvSpPr>
-        <p:spPr>
-          <a:xfrm>
-            <a:off x="748253" y="116632"/>
-            <a:ext cx="7467600" cy="604664"/>
-          </a:xfrm>
-        </p:spPr>
-        <p:txBody>
-          <a:bodyPr>
-            <a:normAutofit/>
-          </a:bodyPr>
-          <a:lstStyle/>
-          <a:p>
-            <a:pPr algn="ctr"/>
-            <a:r>
-              <a:rPr lang="en-US" sz="2600" i="1" dirty="0"/>
-              <a:t>Activity Diagram</a:t>
-            </a:r>
-            <a:r>
-              <a:rPr lang="en-US" sz="2600" dirty="0"/>
-              <a:t> </a:t>
-            </a:r>
-            <a:r>
-              <a:rPr lang="en-US" sz="2600" i="1" dirty="0"/>
-              <a:t>Approve</a:t>
-            </a:r>
-            <a:r>
-              <a:rPr lang="en-US" sz="2600" dirty="0"/>
-              <a:t> </a:t>
-            </a:r>
-            <a:r>
-              <a:rPr lang="en-US" sz="2600" dirty="0" err="1"/>
-              <a:t>Bantuan</a:t>
-            </a:r>
-            <a:endParaRPr lang="en-US" sz="2600" dirty="0"/>
-          </a:p>
-        </p:txBody>
-      </p:sp>
-      <p:pic>
-        <p:nvPicPr>
-          <p:cNvPr id="4" name="Picture 3">
-            <a:extLst>
-              <a:ext uri="{FF2B5EF4-FFF2-40B4-BE49-F238E27FC236}">
-                <a16:creationId xmlns:a16="http://schemas.microsoft.com/office/drawing/2014/main" id="{392CCADB-BCDC-464C-A750-40BC58A0A32C}"/>
-              </a:ext>
-            </a:extLst>
-          </p:cNvPr>
-          <p:cNvPicPr/>
-          <p:nvPr/>
-        </p:nvPicPr>
-        <p:blipFill>
-          <a:blip r:embed="rId3"/>
-          <a:stretch>
-            <a:fillRect/>
-          </a:stretch>
-        </p:blipFill>
-        <p:spPr>
-          <a:xfrm>
-            <a:off x="3491880" y="748012"/>
-            <a:ext cx="3257897" cy="5849340"/>
-          </a:xfrm>
-          <a:prstGeom prst="rect">
-            <a:avLst/>
-          </a:prstGeom>
-        </p:spPr>
-      </p:pic>
-    </p:spTree>
-    <p:extLst>
-      <p:ext uri="{BB962C8B-B14F-4D97-AF65-F5344CB8AC3E}">
-        <p14:creationId xmlns:p14="http://schemas.microsoft.com/office/powerpoint/2010/main" val="2267884583"/>
-      </p:ext>
-    </p:extLst>
-  </p:cSld>
-  <p:clrMapOvr>
-    <a:masterClrMapping/>
-  </p:clrMapOvr>
-  <mc:AlternateContent xmlns:mc="http://schemas.openxmlformats.org/markup-compatibility/2006">
-    <mc:Choice xmlns:p14="http://schemas.microsoft.com/office/powerpoint/2010/main" Requires="p14">
-      <p:transition spd="slow" p14:dur="1600">
-        <p:blinds dir="vert"/>
-      </p:transition>
-    </mc:Choice>
-    <mc:Fallback>
-      <p:transition spd="slow">
-        <p:blinds dir="vert"/>
-      </p:transition>
-    </mc:Fallback>
-  </mc:AlternateContent>
-</p:sld>
-</file>
-
-<file path=ppt/slides/slide16.xml><?xml version="1.0" encoding="utf-8"?>
-<p:sld xmlns:a="http://schemas.openxmlformats.org/drawingml/2006/main" xmlns:r="http://schemas.openxmlformats.org/officeDocument/2006/relationships" xmlns:p="http://schemas.openxmlformats.org/presentationml/2006/main">
-  <p:cSld>
-    <p:bg>
-      <p:bgPr>
-        <a:blipFill dpi="0" rotWithShape="1">
-          <a:blip r:embed="rId2">
-            <a:lum/>
-          </a:blip>
-          <a:srcRect/>
-          <a:stretch>
-            <a:fillRect/>
-          </a:stretch>
-        </a:blipFill>
-        <a:effectLst/>
-      </p:bgPr>
-    </p:bg>
-    <p:spTree>
-      <p:nvGrpSpPr>
-        <p:cNvPr id="1" name=""/>
-        <p:cNvGrpSpPr/>
-        <p:nvPr/>
-      </p:nvGrpSpPr>
-      <p:grpSpPr>
-        <a:xfrm>
-          <a:off x="0" y="0"/>
-          <a:ext cx="0" cy="0"/>
-          <a:chOff x="0" y="0"/>
-          <a:chExt cx="0" cy="0"/>
-        </a:xfrm>
-      </p:grpSpPr>
-      <p:sp>
-        <p:nvSpPr>
-          <p:cNvPr id="3" name="Content Placeholder 2">
-            <a:extLst>
-              <a:ext uri="{FF2B5EF4-FFF2-40B4-BE49-F238E27FC236}">
-                <a16:creationId xmlns:a16="http://schemas.microsoft.com/office/drawing/2014/main" id="{4E1730CF-3E1D-4937-A06C-C4802EC6ED4A}"/>
-              </a:ext>
-            </a:extLst>
-          </p:cNvPr>
-          <p:cNvSpPr>
-            <a:spLocks noGrp="1"/>
-          </p:cNvSpPr>
-          <p:nvPr>
-            <p:ph sz="quarter" idx="1"/>
-          </p:nvPr>
-        </p:nvSpPr>
-        <p:spPr>
-          <a:xfrm>
-            <a:off x="748253" y="116632"/>
-            <a:ext cx="7467600" cy="604664"/>
-          </a:xfrm>
-        </p:spPr>
-        <p:txBody>
-          <a:bodyPr>
-            <a:normAutofit/>
-          </a:bodyPr>
-          <a:lstStyle/>
-          <a:p>
-            <a:pPr algn="ctr"/>
-            <a:r>
-              <a:rPr lang="en-US" sz="2600" i="1" dirty="0"/>
-              <a:t>Activity Diagram</a:t>
-            </a:r>
-            <a:r>
-              <a:rPr lang="en-US" sz="2600" dirty="0"/>
-              <a:t> </a:t>
-            </a:r>
-            <a:r>
-              <a:rPr lang="en-US" sz="2600" i="1" dirty="0"/>
-              <a:t>Approve</a:t>
-            </a:r>
-            <a:r>
-              <a:rPr lang="en-US" sz="2600" dirty="0"/>
-              <a:t> </a:t>
-            </a:r>
-            <a:r>
-              <a:rPr lang="en-US" sz="2600" dirty="0" err="1"/>
-              <a:t>Bantuan</a:t>
-            </a:r>
-            <a:endParaRPr lang="en-US" sz="2600" dirty="0"/>
-          </a:p>
-        </p:txBody>
-      </p:sp>
-      <p:pic>
-        <p:nvPicPr>
-          <p:cNvPr id="5" name="Picture 4">
-            <a:extLst>
-              <a:ext uri="{FF2B5EF4-FFF2-40B4-BE49-F238E27FC236}">
-                <a16:creationId xmlns:a16="http://schemas.microsoft.com/office/drawing/2014/main" id="{01519C1A-7840-4F35-88F6-55ACC967C9CE}"/>
-              </a:ext>
-            </a:extLst>
-          </p:cNvPr>
-          <p:cNvPicPr/>
-          <p:nvPr/>
-        </p:nvPicPr>
-        <p:blipFill>
-          <a:blip r:embed="rId3"/>
-          <a:stretch>
-            <a:fillRect/>
-          </a:stretch>
-        </p:blipFill>
-        <p:spPr>
-          <a:xfrm>
-            <a:off x="1627157" y="633972"/>
-            <a:ext cx="5609139" cy="6179404"/>
-          </a:xfrm>
-          <a:prstGeom prst="rect">
-            <a:avLst/>
-          </a:prstGeom>
-        </p:spPr>
-      </p:pic>
-    </p:spTree>
-    <p:extLst>
-      <p:ext uri="{BB962C8B-B14F-4D97-AF65-F5344CB8AC3E}">
-        <p14:creationId xmlns:p14="http://schemas.microsoft.com/office/powerpoint/2010/main" val="2427539296"/>
-      </p:ext>
-    </p:extLst>
-  </p:cSld>
-  <p:clrMapOvr>
-    <a:masterClrMapping/>
-  </p:clrMapOvr>
-  <mc:AlternateContent xmlns:mc="http://schemas.openxmlformats.org/markup-compatibility/2006">
-    <mc:Choice xmlns:p14="http://schemas.microsoft.com/office/powerpoint/2010/main" Requires="p14">
-      <p:transition spd="slow" p14:dur="1600">
-        <p:blinds dir="vert"/>
-      </p:transition>
-    </mc:Choice>
-    <mc:Fallback>
+    <mc:Fallback xmlns="">
       <p:transition spd="slow">
         <p:blinds dir="vert"/>
       </p:transition>
@@ -7792,10 +8691,10 @@
       </p:grpSpPr>
       <p:sp>
         <p:nvSpPr>
-          <p:cNvPr id="3" name="Content Placeholder 2">
+          <p:cNvPr id="2" name="Title 1">
             <a:extLst>
               <a:ext uri="{FF2B5EF4-FFF2-40B4-BE49-F238E27FC236}">
-                <a16:creationId xmlns:a16="http://schemas.microsoft.com/office/drawing/2014/main" id="{4E1730CF-3E1D-4937-A06C-C4802EC6ED4A}"/>
+                <a16:creationId xmlns:a16="http://schemas.microsoft.com/office/drawing/2014/main" id="{A304A63C-2AB2-43E2-81C7-98E9A901DFBA}"/>
               </a:ext>
             </a:extLst>
           </p:cNvPr>
@@ -7803,51 +8702,55 @@
             <a:spLocks noGrp="1"/>
           </p:cNvSpPr>
           <p:nvPr>
-            <p:ph sz="quarter" idx="1"/>
+            <p:ph type="title"/>
           </p:nvPr>
         </p:nvSpPr>
         <p:spPr>
           <a:xfrm>
-            <a:off x="539552" y="-99392"/>
-            <a:ext cx="8352928" cy="936104"/>
+            <a:off x="838200" y="188640"/>
+            <a:ext cx="7467600" cy="652934"/>
           </a:xfrm>
         </p:spPr>
         <p:txBody>
           <a:bodyPr>
-            <a:noAutofit/>
+            <a:normAutofit fontScale="90000"/>
           </a:bodyPr>
           <a:lstStyle/>
           <a:p>
             <a:pPr algn="ctr"/>
             <a:r>
-              <a:rPr lang="en-US" sz="2600" i="1" dirty="0"/>
-              <a:t>Sequence Diagram</a:t>
-            </a:r>
-            <a:r>
-              <a:rPr lang="en-US" sz="2600" dirty="0"/>
-              <a:t> </a:t>
-            </a:r>
-            <a:r>
-              <a:rPr lang="en-US" sz="2600" dirty="0" err="1"/>
+              <a:rPr lang="en-US" i="1" dirty="0"/>
+              <a:t>Activity Diagram </a:t>
+            </a:r>
+            <a:r>
+              <a:rPr lang="en-US" dirty="0" err="1"/>
               <a:t>Penentuan</a:t>
             </a:r>
             <a:r>
-              <a:rPr lang="en-US" sz="2600" dirty="0"/>
-              <a:t> </a:t>
-            </a:r>
-            <a:r>
-              <a:rPr lang="en-US" sz="2600" dirty="0" err="1"/>
+              <a:rPr lang="en-US" dirty="0"/>
+              <a:t> </a:t>
+            </a:r>
+            <a:r>
+              <a:rPr lang="en-US" dirty="0" err="1"/>
               <a:t>Bantuan</a:t>
             </a:r>
             <a:r>
-              <a:rPr lang="en-US" sz="2600" dirty="0"/>
+              <a:rPr lang="en-US" dirty="0"/>
               <a:t> Banyak data dan </a:t>
             </a:r>
             <a:r>
-              <a:rPr lang="en-US" sz="2600" dirty="0" err="1"/>
+              <a:rPr lang="en-US" dirty="0" err="1"/>
               <a:t>Individu</a:t>
             </a:r>
-            <a:endParaRPr lang="en-US" sz="2600" dirty="0"/>
+            <a:r>
+              <a:rPr lang="en-US" i="1" dirty="0"/>
+              <a:t> </a:t>
+            </a:r>
+            <a:endParaRPr lang="en-US" dirty="0">
+              <a:solidFill>
+                <a:schemeClr val="tx1"/>
+              </a:solidFill>
+            </a:endParaRPr>
           </a:p>
         </p:txBody>
       </p:sp>
@@ -7856,7 +8759,7 @@
           <p:cNvPr id="4" name="Picture 3">
             <a:extLst>
               <a:ext uri="{FF2B5EF4-FFF2-40B4-BE49-F238E27FC236}">
-                <a16:creationId xmlns:a16="http://schemas.microsoft.com/office/drawing/2014/main" id="{C5C42730-1CAF-4D03-800E-3154DA1F23F9}"/>
+                <a16:creationId xmlns:a16="http://schemas.microsoft.com/office/drawing/2014/main" id="{7758729F-8A77-4834-B5CC-4251A7417E21}"/>
               </a:ext>
             </a:extLst>
           </p:cNvPr>
@@ -7871,8 +8774,8 @@
         </p:blipFill>
         <p:spPr>
           <a:xfrm>
-            <a:off x="632792" y="692696"/>
-            <a:ext cx="7467600" cy="6043166"/>
+            <a:off x="1799833" y="841574"/>
+            <a:ext cx="5544334" cy="6181090"/>
           </a:xfrm>
           <a:prstGeom prst="rect">
             <a:avLst/>
@@ -7882,20 +8785,20 @@
     </p:spTree>
     <p:extLst>
       <p:ext uri="{BB962C8B-B14F-4D97-AF65-F5344CB8AC3E}">
-        <p14:creationId xmlns:p14="http://schemas.microsoft.com/office/powerpoint/2010/main" val="83687982"/>
+        <p14:creationId xmlns:p14="http://schemas.microsoft.com/office/powerpoint/2010/main" val="1356623841"/>
       </p:ext>
     </p:extLst>
   </p:cSld>
   <p:clrMapOvr>
     <a:masterClrMapping/>
   </p:clrMapOvr>
-  <mc:AlternateContent xmlns:mc="http://schemas.openxmlformats.org/markup-compatibility/2006">
-    <mc:Choice xmlns:p14="http://schemas.microsoft.com/office/powerpoint/2010/main" Requires="p14">
+  <mc:AlternateContent xmlns:mc="http://schemas.openxmlformats.org/markup-compatibility/2006" xmlns:p14="http://schemas.microsoft.com/office/powerpoint/2010/main">
+    <mc:Choice Requires="p14">
       <p:transition spd="slow" p14:dur="1600">
         <p:blinds dir="vert"/>
       </p:transition>
     </mc:Choice>
-    <mc:Fallback>
+    <mc:Fallback xmlns="">
       <p:transition spd="slow">
         <p:blinds dir="vert"/>
       </p:transition>
@@ -7953,6 +8856,1051 @@
         </p:nvSpPr>
         <p:spPr>
           <a:xfrm>
+            <a:off x="748253" y="116632"/>
+            <a:ext cx="7467600" cy="604664"/>
+          </a:xfrm>
+        </p:spPr>
+        <p:txBody>
+          <a:bodyPr>
+            <a:normAutofit/>
+          </a:bodyPr>
+          <a:lstStyle/>
+          <a:p>
+            <a:pPr algn="ctr"/>
+            <a:r>
+              <a:rPr lang="en-US" sz="2600" i="1" dirty="0"/>
+              <a:t>Activity Diagram</a:t>
+            </a:r>
+            <a:r>
+              <a:rPr lang="en-US" sz="2600" dirty="0"/>
+              <a:t> </a:t>
+            </a:r>
+            <a:r>
+              <a:rPr lang="en-US" sz="2600" i="1" dirty="0"/>
+              <a:t>Approve</a:t>
+            </a:r>
+            <a:r>
+              <a:rPr lang="en-US" sz="2600" dirty="0"/>
+              <a:t> </a:t>
+            </a:r>
+            <a:r>
+              <a:rPr lang="en-US" sz="2600" dirty="0" err="1"/>
+              <a:t>Bantuan</a:t>
+            </a:r>
+            <a:endParaRPr lang="en-US" sz="2600" dirty="0"/>
+          </a:p>
+        </p:txBody>
+      </p:sp>
+      <p:pic>
+        <p:nvPicPr>
+          <p:cNvPr id="4" name="Picture 3">
+            <a:extLst>
+              <a:ext uri="{FF2B5EF4-FFF2-40B4-BE49-F238E27FC236}">
+                <a16:creationId xmlns:a16="http://schemas.microsoft.com/office/drawing/2014/main" id="{392CCADB-BCDC-464C-A750-40BC58A0A32C}"/>
+              </a:ext>
+            </a:extLst>
+          </p:cNvPr>
+          <p:cNvPicPr/>
+          <p:nvPr/>
+        </p:nvPicPr>
+        <p:blipFill>
+          <a:blip r:embed="rId3"/>
+          <a:stretch>
+            <a:fillRect/>
+          </a:stretch>
+        </p:blipFill>
+        <p:spPr>
+          <a:xfrm>
+            <a:off x="3491880" y="748012"/>
+            <a:ext cx="3257897" cy="5849340"/>
+          </a:xfrm>
+          <a:prstGeom prst="rect">
+            <a:avLst/>
+          </a:prstGeom>
+        </p:spPr>
+      </p:pic>
+    </p:spTree>
+    <p:extLst>
+      <p:ext uri="{BB962C8B-B14F-4D97-AF65-F5344CB8AC3E}">
+        <p14:creationId xmlns:p14="http://schemas.microsoft.com/office/powerpoint/2010/main" val="2267884583"/>
+      </p:ext>
+    </p:extLst>
+  </p:cSld>
+  <p:clrMapOvr>
+    <a:masterClrMapping/>
+  </p:clrMapOvr>
+  <mc:AlternateContent xmlns:mc="http://schemas.openxmlformats.org/markup-compatibility/2006" xmlns:p14="http://schemas.microsoft.com/office/powerpoint/2010/main">
+    <mc:Choice Requires="p14">
+      <p:transition spd="slow" p14:dur="1600">
+        <p:blinds dir="vert"/>
+      </p:transition>
+    </mc:Choice>
+    <mc:Fallback xmlns="">
+      <p:transition spd="slow">
+        <p:blinds dir="vert"/>
+      </p:transition>
+    </mc:Fallback>
+  </mc:AlternateContent>
+</p:sld>
+</file>
+
+<file path=ppt/slides/slide19.xml><?xml version="1.0" encoding="utf-8"?>
+<p:sld xmlns:a="http://schemas.openxmlformats.org/drawingml/2006/main" xmlns:r="http://schemas.openxmlformats.org/officeDocument/2006/relationships" xmlns:p="http://schemas.openxmlformats.org/presentationml/2006/main">
+  <p:cSld>
+    <p:bg>
+      <p:bgPr>
+        <a:blipFill dpi="0" rotWithShape="1">
+          <a:blip r:embed="rId2">
+            <a:lum/>
+          </a:blip>
+          <a:srcRect/>
+          <a:stretch>
+            <a:fillRect/>
+          </a:stretch>
+        </a:blipFill>
+        <a:effectLst/>
+      </p:bgPr>
+    </p:bg>
+    <p:spTree>
+      <p:nvGrpSpPr>
+        <p:cNvPr id="1" name=""/>
+        <p:cNvGrpSpPr/>
+        <p:nvPr/>
+      </p:nvGrpSpPr>
+      <p:grpSpPr>
+        <a:xfrm>
+          <a:off x="0" y="0"/>
+          <a:ext cx="0" cy="0"/>
+          <a:chOff x="0" y="0"/>
+          <a:chExt cx="0" cy="0"/>
+        </a:xfrm>
+      </p:grpSpPr>
+      <p:sp>
+        <p:nvSpPr>
+          <p:cNvPr id="3" name="Content Placeholder 2">
+            <a:extLst>
+              <a:ext uri="{FF2B5EF4-FFF2-40B4-BE49-F238E27FC236}">
+                <a16:creationId xmlns:a16="http://schemas.microsoft.com/office/drawing/2014/main" id="{4E1730CF-3E1D-4937-A06C-C4802EC6ED4A}"/>
+              </a:ext>
+            </a:extLst>
+          </p:cNvPr>
+          <p:cNvSpPr>
+            <a:spLocks noGrp="1"/>
+          </p:cNvSpPr>
+          <p:nvPr>
+            <p:ph sz="quarter" idx="1"/>
+          </p:nvPr>
+        </p:nvSpPr>
+        <p:spPr>
+          <a:xfrm>
+            <a:off x="748253" y="116632"/>
+            <a:ext cx="7467600" cy="604664"/>
+          </a:xfrm>
+        </p:spPr>
+        <p:txBody>
+          <a:bodyPr>
+            <a:normAutofit/>
+          </a:bodyPr>
+          <a:lstStyle/>
+          <a:p>
+            <a:pPr algn="ctr"/>
+            <a:r>
+              <a:rPr lang="en-US" sz="2600" i="1" dirty="0"/>
+              <a:t>Activity Diagram</a:t>
+            </a:r>
+            <a:r>
+              <a:rPr lang="en-US" sz="2600" dirty="0"/>
+              <a:t> </a:t>
+            </a:r>
+            <a:r>
+              <a:rPr lang="en-US" sz="2600" i="1" dirty="0"/>
+              <a:t>Approve</a:t>
+            </a:r>
+            <a:r>
+              <a:rPr lang="en-US" sz="2600" dirty="0"/>
+              <a:t> </a:t>
+            </a:r>
+            <a:r>
+              <a:rPr lang="en-US" sz="2600" dirty="0" err="1"/>
+              <a:t>Bantuan</a:t>
+            </a:r>
+            <a:endParaRPr lang="en-US" sz="2600" dirty="0"/>
+          </a:p>
+        </p:txBody>
+      </p:sp>
+      <p:pic>
+        <p:nvPicPr>
+          <p:cNvPr id="5" name="Picture 4">
+            <a:extLst>
+              <a:ext uri="{FF2B5EF4-FFF2-40B4-BE49-F238E27FC236}">
+                <a16:creationId xmlns:a16="http://schemas.microsoft.com/office/drawing/2014/main" id="{01519C1A-7840-4F35-88F6-55ACC967C9CE}"/>
+              </a:ext>
+            </a:extLst>
+          </p:cNvPr>
+          <p:cNvPicPr/>
+          <p:nvPr/>
+        </p:nvPicPr>
+        <p:blipFill>
+          <a:blip r:embed="rId3"/>
+          <a:stretch>
+            <a:fillRect/>
+          </a:stretch>
+        </p:blipFill>
+        <p:spPr>
+          <a:xfrm>
+            <a:off x="1627157" y="633972"/>
+            <a:ext cx="5609139" cy="6179404"/>
+          </a:xfrm>
+          <a:prstGeom prst="rect">
+            <a:avLst/>
+          </a:prstGeom>
+        </p:spPr>
+      </p:pic>
+    </p:spTree>
+    <p:extLst>
+      <p:ext uri="{BB962C8B-B14F-4D97-AF65-F5344CB8AC3E}">
+        <p14:creationId xmlns:p14="http://schemas.microsoft.com/office/powerpoint/2010/main" val="2427539296"/>
+      </p:ext>
+    </p:extLst>
+  </p:cSld>
+  <p:clrMapOvr>
+    <a:masterClrMapping/>
+  </p:clrMapOvr>
+  <mc:AlternateContent xmlns:mc="http://schemas.openxmlformats.org/markup-compatibility/2006" xmlns:p14="http://schemas.microsoft.com/office/powerpoint/2010/main">
+    <mc:Choice Requires="p14">
+      <p:transition spd="slow" p14:dur="1600">
+        <p:blinds dir="vert"/>
+      </p:transition>
+    </mc:Choice>
+    <mc:Fallback xmlns="">
+      <p:transition spd="slow">
+        <p:blinds dir="vert"/>
+      </p:transition>
+    </mc:Fallback>
+  </mc:AlternateContent>
+</p:sld>
+</file>
+
+<file path=ppt/slides/slide2.xml><?xml version="1.0" encoding="utf-8"?>
+<p:sld xmlns:a="http://schemas.openxmlformats.org/drawingml/2006/main" xmlns:r="http://schemas.openxmlformats.org/officeDocument/2006/relationships" xmlns:p="http://schemas.openxmlformats.org/presentationml/2006/main">
+  <p:cSld>
+    <p:bg>
+      <p:bgPr>
+        <a:blipFill dpi="0" rotWithShape="1">
+          <a:blip r:embed="rId2">
+            <a:lum/>
+          </a:blip>
+          <a:srcRect/>
+          <a:stretch>
+            <a:fillRect/>
+          </a:stretch>
+        </a:blipFill>
+        <a:effectLst/>
+      </p:bgPr>
+    </p:bg>
+    <p:spTree>
+      <p:nvGrpSpPr>
+        <p:cNvPr id="1" name=""/>
+        <p:cNvGrpSpPr/>
+        <p:nvPr/>
+      </p:nvGrpSpPr>
+      <p:grpSpPr>
+        <a:xfrm>
+          <a:off x="0" y="0"/>
+          <a:ext cx="0" cy="0"/>
+          <a:chOff x="0" y="0"/>
+          <a:chExt cx="0" cy="0"/>
+        </a:xfrm>
+      </p:grpSpPr>
+      <p:sp>
+        <p:nvSpPr>
+          <p:cNvPr id="2" name="Title 1">
+            <a:extLst>
+              <a:ext uri="{FF2B5EF4-FFF2-40B4-BE49-F238E27FC236}">
+                <a16:creationId xmlns:a16="http://schemas.microsoft.com/office/drawing/2014/main" id="{A304A63C-2AB2-43E2-81C7-98E9A901DFBA}"/>
+              </a:ext>
+            </a:extLst>
+          </p:cNvPr>
+          <p:cNvSpPr>
+            <a:spLocks noGrp="1"/>
+          </p:cNvSpPr>
+          <p:nvPr>
+            <p:ph type="title"/>
+          </p:nvPr>
+        </p:nvSpPr>
+        <p:spPr>
+          <a:xfrm>
+            <a:off x="683568" y="57581"/>
+            <a:ext cx="7467600" cy="652934"/>
+          </a:xfrm>
+        </p:spPr>
+        <p:txBody>
+          <a:bodyPr>
+            <a:normAutofit/>
+          </a:bodyPr>
+          <a:lstStyle/>
+          <a:p>
+            <a:r>
+              <a:rPr lang="en-US" sz="3600" dirty="0" err="1">
+                <a:solidFill>
+                  <a:schemeClr val="tx1"/>
+                </a:solidFill>
+                <a:latin typeface="Times New Roman" panose="02020603050405020304" pitchFamily="18" charset="0"/>
+                <a:cs typeface="Times New Roman" panose="02020603050405020304" pitchFamily="18" charset="0"/>
+              </a:rPr>
+              <a:t>Latar</a:t>
+            </a:r>
+            <a:r>
+              <a:rPr lang="en-US" sz="3600" dirty="0">
+                <a:solidFill>
+                  <a:schemeClr val="tx1"/>
+                </a:solidFill>
+                <a:latin typeface="Times New Roman" panose="02020603050405020304" pitchFamily="18" charset="0"/>
+                <a:cs typeface="Times New Roman" panose="02020603050405020304" pitchFamily="18" charset="0"/>
+              </a:rPr>
+              <a:t> </a:t>
+            </a:r>
+            <a:r>
+              <a:rPr lang="en-US" sz="3600" dirty="0" err="1">
+                <a:solidFill>
+                  <a:schemeClr val="tx1"/>
+                </a:solidFill>
+                <a:latin typeface="Times New Roman" panose="02020603050405020304" pitchFamily="18" charset="0"/>
+                <a:cs typeface="Times New Roman" panose="02020603050405020304" pitchFamily="18" charset="0"/>
+              </a:rPr>
+              <a:t>Belakang</a:t>
+            </a:r>
+            <a:r>
+              <a:rPr lang="en-US" sz="3600" dirty="0">
+                <a:solidFill>
+                  <a:schemeClr val="tx1"/>
+                </a:solidFill>
+                <a:latin typeface="Times New Roman" panose="02020603050405020304" pitchFamily="18" charset="0"/>
+                <a:cs typeface="Times New Roman" panose="02020603050405020304" pitchFamily="18" charset="0"/>
+              </a:rPr>
+              <a:t> </a:t>
+            </a:r>
+            <a:r>
+              <a:rPr lang="en-US" sz="3600" dirty="0" err="1">
+                <a:solidFill>
+                  <a:schemeClr val="tx1"/>
+                </a:solidFill>
+                <a:latin typeface="Times New Roman" panose="02020603050405020304" pitchFamily="18" charset="0"/>
+                <a:cs typeface="Times New Roman" panose="02020603050405020304" pitchFamily="18" charset="0"/>
+              </a:rPr>
+              <a:t>Masalah</a:t>
+            </a:r>
+            <a:endParaRPr lang="en-US" sz="3600" dirty="0">
+              <a:solidFill>
+                <a:schemeClr val="tx1"/>
+              </a:solidFill>
+              <a:latin typeface="Times New Roman" panose="02020603050405020304" pitchFamily="18" charset="0"/>
+              <a:cs typeface="Times New Roman" panose="02020603050405020304" pitchFamily="18" charset="0"/>
+            </a:endParaRPr>
+          </a:p>
+        </p:txBody>
+      </p:sp>
+      <p:sp>
+        <p:nvSpPr>
+          <p:cNvPr id="3" name="Content Placeholder 2">
+            <a:extLst>
+              <a:ext uri="{FF2B5EF4-FFF2-40B4-BE49-F238E27FC236}">
+                <a16:creationId xmlns:a16="http://schemas.microsoft.com/office/drawing/2014/main" id="{4E1730CF-3E1D-4937-A06C-C4802EC6ED4A}"/>
+              </a:ext>
+            </a:extLst>
+          </p:cNvPr>
+          <p:cNvSpPr>
+            <a:spLocks noGrp="1"/>
+          </p:cNvSpPr>
+          <p:nvPr>
+            <p:ph sz="quarter" idx="1"/>
+          </p:nvPr>
+        </p:nvSpPr>
+        <p:spPr>
+          <a:xfrm>
+            <a:off x="683568" y="992124"/>
+            <a:ext cx="7467600" cy="5677236"/>
+          </a:xfrm>
+        </p:spPr>
+        <p:txBody>
+          <a:bodyPr>
+            <a:normAutofit/>
+          </a:bodyPr>
+          <a:lstStyle/>
+          <a:p>
+            <a:pPr algn="just"/>
+            <a:r>
+              <a:rPr lang="en-US" dirty="0"/>
+              <a:t>Di Kelurahan </a:t>
+            </a:r>
+            <a:r>
+              <a:rPr lang="en-US" dirty="0" err="1"/>
+              <a:t>Krapyak</a:t>
+            </a:r>
+            <a:r>
+              <a:rPr lang="en-US" dirty="0"/>
+              <a:t> </a:t>
+            </a:r>
+            <a:r>
+              <a:rPr lang="en-US" dirty="0" err="1"/>
+              <a:t>bantuan</a:t>
+            </a:r>
+            <a:r>
+              <a:rPr lang="en-US" dirty="0"/>
+              <a:t> </a:t>
+            </a:r>
+            <a:r>
+              <a:rPr lang="en-US" dirty="0" err="1"/>
+              <a:t>ini</a:t>
+            </a:r>
+            <a:r>
+              <a:rPr lang="en-US" dirty="0"/>
+              <a:t> </a:t>
+            </a:r>
+            <a:r>
+              <a:rPr lang="en-US" dirty="0" err="1"/>
+              <a:t>diberikan</a:t>
+            </a:r>
+            <a:r>
+              <a:rPr lang="en-US" dirty="0"/>
+              <a:t> </a:t>
+            </a:r>
+            <a:r>
+              <a:rPr lang="en-US" dirty="0" err="1"/>
+              <a:t>apabila</a:t>
+            </a:r>
+            <a:r>
+              <a:rPr lang="en-US" dirty="0"/>
+              <a:t> </a:t>
+            </a:r>
+            <a:r>
+              <a:rPr lang="en-US" dirty="0" err="1"/>
+              <a:t>calon</a:t>
+            </a:r>
+            <a:r>
+              <a:rPr lang="en-US" dirty="0"/>
+              <a:t> </a:t>
+            </a:r>
+            <a:r>
+              <a:rPr lang="en-US" dirty="0" err="1"/>
+              <a:t>penerima</a:t>
+            </a:r>
+            <a:r>
+              <a:rPr lang="en-US" dirty="0"/>
+              <a:t> </a:t>
+            </a:r>
+            <a:r>
+              <a:rPr lang="en-US" dirty="0" err="1"/>
+              <a:t>dinilai</a:t>
+            </a:r>
+            <a:r>
+              <a:rPr lang="en-US" dirty="0"/>
+              <a:t> </a:t>
+            </a:r>
+            <a:r>
+              <a:rPr lang="en-US" dirty="0" err="1"/>
+              <a:t>memenuhi</a:t>
+            </a:r>
+            <a:r>
+              <a:rPr lang="en-US" dirty="0"/>
+              <a:t> </a:t>
+            </a:r>
+            <a:r>
+              <a:rPr lang="en-US" dirty="0" err="1"/>
+              <a:t>syarat</a:t>
+            </a:r>
+            <a:r>
+              <a:rPr lang="en-US" dirty="0"/>
+              <a:t> </a:t>
+            </a:r>
+            <a:r>
+              <a:rPr lang="en-US" dirty="0" err="1"/>
+              <a:t>serta</a:t>
+            </a:r>
+            <a:r>
+              <a:rPr lang="en-US" dirty="0"/>
+              <a:t> </a:t>
+            </a:r>
+            <a:r>
+              <a:rPr lang="en-US" dirty="0" err="1"/>
+              <a:t>kriteria</a:t>
+            </a:r>
+            <a:r>
+              <a:rPr lang="en-US" dirty="0"/>
+              <a:t> yang </a:t>
+            </a:r>
+            <a:r>
+              <a:rPr lang="en-US" dirty="0" err="1"/>
+              <a:t>ditentukan</a:t>
+            </a:r>
+            <a:r>
+              <a:rPr lang="en-US" dirty="0"/>
+              <a:t> </a:t>
+            </a:r>
+            <a:r>
+              <a:rPr lang="en-US" dirty="0" err="1"/>
+              <a:t>contoh</a:t>
+            </a:r>
+            <a:r>
+              <a:rPr lang="en-US" dirty="0"/>
+              <a:t>: </a:t>
+            </a:r>
+            <a:r>
+              <a:rPr lang="en-US" dirty="0" err="1"/>
+              <a:t>lantai</a:t>
+            </a:r>
+            <a:r>
+              <a:rPr lang="en-US" dirty="0"/>
+              <a:t> </a:t>
+            </a:r>
+            <a:r>
+              <a:rPr lang="en-US" dirty="0" err="1"/>
+              <a:t>masih</a:t>
+            </a:r>
+            <a:r>
+              <a:rPr lang="en-US" dirty="0"/>
+              <a:t> </a:t>
+            </a:r>
+            <a:r>
+              <a:rPr lang="en-US" dirty="0" err="1"/>
+              <a:t>tanah</a:t>
+            </a:r>
+            <a:r>
+              <a:rPr lang="en-US" dirty="0"/>
+              <a:t>, </a:t>
+            </a:r>
+            <a:r>
+              <a:rPr lang="en-US" dirty="0" err="1"/>
+              <a:t>dinding</a:t>
+            </a:r>
+            <a:r>
+              <a:rPr lang="en-US" dirty="0"/>
+              <a:t> </a:t>
+            </a:r>
+            <a:r>
+              <a:rPr lang="en-US" dirty="0" err="1"/>
+              <a:t>masih</a:t>
+            </a:r>
+            <a:r>
+              <a:rPr lang="en-US" dirty="0"/>
+              <a:t> </a:t>
+            </a:r>
+            <a:r>
+              <a:rPr lang="en-US" dirty="0" err="1"/>
+              <a:t>bambu</a:t>
+            </a:r>
+            <a:r>
+              <a:rPr lang="en-US" dirty="0"/>
+              <a:t>, </a:t>
+            </a:r>
+            <a:r>
+              <a:rPr lang="en-US" dirty="0" err="1"/>
+              <a:t>struktur</a:t>
+            </a:r>
+            <a:r>
+              <a:rPr lang="en-US" dirty="0"/>
+              <a:t> </a:t>
+            </a:r>
+            <a:r>
+              <a:rPr lang="en-US" dirty="0" err="1"/>
+              <a:t>atap</a:t>
+            </a:r>
+            <a:r>
+              <a:rPr lang="en-US" dirty="0"/>
+              <a:t> </a:t>
+            </a:r>
+            <a:r>
+              <a:rPr lang="en-US" dirty="0" err="1"/>
+              <a:t>membahayakan</a:t>
+            </a:r>
+            <a:r>
+              <a:rPr lang="en-US" dirty="0"/>
+              <a:t>, status </a:t>
+            </a:r>
+            <a:r>
+              <a:rPr lang="en-US" dirty="0" err="1"/>
+              <a:t>penguasaan</a:t>
+            </a:r>
+            <a:r>
+              <a:rPr lang="en-US" dirty="0"/>
+              <a:t> </a:t>
+            </a:r>
+            <a:r>
+              <a:rPr lang="en-US" dirty="0" err="1"/>
+              <a:t>bangunan</a:t>
+            </a:r>
+            <a:r>
+              <a:rPr lang="en-US" dirty="0"/>
+              <a:t>, </a:t>
+            </a:r>
+            <a:r>
+              <a:rPr lang="en-US" dirty="0" err="1"/>
+              <a:t>sumber</a:t>
+            </a:r>
+            <a:r>
+              <a:rPr lang="en-US" dirty="0"/>
+              <a:t> air, </a:t>
+            </a:r>
+            <a:r>
+              <a:rPr lang="en-US" dirty="0" err="1"/>
+              <a:t>serta</a:t>
+            </a:r>
+            <a:r>
+              <a:rPr lang="en-US" dirty="0"/>
+              <a:t> </a:t>
+            </a:r>
+            <a:r>
+              <a:rPr lang="en-US" dirty="0" err="1"/>
+              <a:t>daya</a:t>
+            </a:r>
+            <a:r>
+              <a:rPr lang="en-US" dirty="0"/>
+              <a:t> </a:t>
+            </a:r>
+            <a:r>
+              <a:rPr lang="en-US" dirty="0" err="1"/>
+              <a:t>listrik</a:t>
+            </a:r>
+            <a:r>
+              <a:rPr lang="en-US" dirty="0"/>
+              <a:t>.</a:t>
+            </a:r>
+            <a:endParaRPr lang="en-US" sz="2000" dirty="0"/>
+          </a:p>
+          <a:p>
+            <a:pPr algn="just"/>
+            <a:r>
+              <a:rPr lang="en-US" dirty="0" err="1"/>
+              <a:t>Penelitian</a:t>
+            </a:r>
+            <a:r>
+              <a:rPr lang="en-US" dirty="0"/>
+              <a:t> </a:t>
+            </a:r>
+            <a:r>
+              <a:rPr lang="en-US" dirty="0" err="1"/>
+              <a:t>ini</a:t>
+            </a:r>
+            <a:r>
+              <a:rPr lang="en-US" dirty="0"/>
+              <a:t> </a:t>
+            </a:r>
+            <a:r>
+              <a:rPr lang="en-US" dirty="0" err="1"/>
+              <a:t>dilakukan</a:t>
+            </a:r>
+            <a:r>
+              <a:rPr lang="en-US" dirty="0"/>
+              <a:t> </a:t>
+            </a:r>
+            <a:r>
+              <a:rPr lang="en-US" dirty="0" err="1"/>
+              <a:t>karena</a:t>
+            </a:r>
+            <a:r>
+              <a:rPr lang="en-US" dirty="0"/>
+              <a:t> </a:t>
+            </a:r>
+            <a:r>
+              <a:rPr lang="en-US" dirty="0" err="1"/>
+              <a:t>melatar</a:t>
+            </a:r>
+            <a:r>
+              <a:rPr lang="en-US" dirty="0"/>
+              <a:t> </a:t>
+            </a:r>
+            <a:r>
+              <a:rPr lang="en-US" dirty="0" err="1"/>
+              <a:t>belakangi</a:t>
+            </a:r>
+            <a:r>
+              <a:rPr lang="en-US" dirty="0"/>
+              <a:t> </a:t>
+            </a:r>
+            <a:r>
+              <a:rPr lang="en-US" dirty="0" err="1"/>
+              <a:t>banyaknya</a:t>
+            </a:r>
+            <a:r>
+              <a:rPr lang="en-US" dirty="0"/>
+              <a:t> </a:t>
+            </a:r>
+            <a:r>
+              <a:rPr lang="en-US" dirty="0" err="1"/>
+              <a:t>kelemahan</a:t>
+            </a:r>
+            <a:r>
+              <a:rPr lang="en-US" dirty="0"/>
+              <a:t> </a:t>
+            </a:r>
+            <a:r>
+              <a:rPr lang="en-US" dirty="0" err="1"/>
+              <a:t>sistem</a:t>
+            </a:r>
+            <a:r>
+              <a:rPr lang="en-US" dirty="0"/>
+              <a:t> </a:t>
+            </a:r>
+            <a:r>
+              <a:rPr lang="en-US" dirty="0" err="1"/>
+              <a:t>atau</a:t>
+            </a:r>
+            <a:r>
+              <a:rPr lang="en-US" dirty="0"/>
+              <a:t> proses </a:t>
+            </a:r>
+            <a:r>
+              <a:rPr lang="en-US" dirty="0" err="1"/>
+              <a:t>penilaian</a:t>
+            </a:r>
+            <a:r>
+              <a:rPr lang="en-US" dirty="0"/>
+              <a:t> yang </a:t>
+            </a:r>
+            <a:r>
+              <a:rPr lang="en-US" dirty="0" err="1"/>
+              <a:t>digunakan</a:t>
+            </a:r>
+            <a:r>
+              <a:rPr lang="en-US" dirty="0"/>
+              <a:t>. </a:t>
+            </a:r>
+          </a:p>
+          <a:p>
+            <a:pPr algn="just"/>
+            <a:r>
+              <a:rPr lang="en-US" dirty="0" err="1"/>
+              <a:t>Seperti</a:t>
+            </a:r>
+            <a:r>
+              <a:rPr lang="en-US" dirty="0"/>
+              <a:t> proses </a:t>
+            </a:r>
+            <a:r>
+              <a:rPr lang="en-US" dirty="0" err="1"/>
+              <a:t>penyeleksian</a:t>
+            </a:r>
+            <a:r>
+              <a:rPr lang="en-US" dirty="0"/>
+              <a:t> </a:t>
+            </a:r>
+            <a:r>
+              <a:rPr lang="en-US" dirty="0" err="1"/>
+              <a:t>kadang</a:t>
+            </a:r>
+            <a:r>
+              <a:rPr lang="en-US" dirty="0"/>
+              <a:t> </a:t>
+            </a:r>
+            <a:r>
+              <a:rPr lang="en-US" dirty="0" err="1"/>
+              <a:t>didak</a:t>
+            </a:r>
+            <a:r>
+              <a:rPr lang="en-US" dirty="0"/>
+              <a:t> </a:t>
+            </a:r>
+            <a:r>
+              <a:rPr lang="en-US" dirty="0" err="1"/>
+              <a:t>sesuai</a:t>
+            </a:r>
+            <a:r>
+              <a:rPr lang="en-US" dirty="0"/>
+              <a:t> </a:t>
+            </a:r>
+            <a:r>
+              <a:rPr lang="en-US" dirty="0" err="1"/>
+              <a:t>sasaran</a:t>
+            </a:r>
+            <a:r>
+              <a:rPr lang="en-US" dirty="0"/>
+              <a:t>, </a:t>
+            </a:r>
+            <a:r>
+              <a:rPr lang="en-US" dirty="0" err="1"/>
+              <a:t>setelah</a:t>
+            </a:r>
+            <a:r>
+              <a:rPr lang="en-US" dirty="0"/>
+              <a:t> </a:t>
+            </a:r>
+            <a:r>
+              <a:rPr lang="en-US" dirty="0" err="1"/>
+              <a:t>warga</a:t>
+            </a:r>
+            <a:r>
+              <a:rPr lang="en-US" dirty="0"/>
+              <a:t> </a:t>
+            </a:r>
+            <a:r>
+              <a:rPr lang="en-US" dirty="0" err="1"/>
+              <a:t>dinyatakan</a:t>
+            </a:r>
+            <a:r>
+              <a:rPr lang="en-US" dirty="0"/>
+              <a:t> </a:t>
+            </a:r>
+            <a:r>
+              <a:rPr lang="en-US" dirty="0" err="1"/>
+              <a:t>lolos</a:t>
+            </a:r>
+            <a:r>
+              <a:rPr lang="en-US" dirty="0"/>
+              <a:t> </a:t>
+            </a:r>
+            <a:r>
+              <a:rPr lang="en-US" dirty="0" err="1"/>
+              <a:t>seleksi</a:t>
+            </a:r>
+            <a:r>
+              <a:rPr lang="en-US" dirty="0"/>
+              <a:t> </a:t>
+            </a:r>
+            <a:r>
+              <a:rPr lang="en-US" dirty="0" err="1"/>
+              <a:t>warga</a:t>
+            </a:r>
+            <a:r>
+              <a:rPr lang="en-US" dirty="0"/>
+              <a:t> </a:t>
+            </a:r>
+            <a:r>
+              <a:rPr lang="en-US" dirty="0" err="1"/>
+              <a:t>harus</a:t>
+            </a:r>
+            <a:r>
+              <a:rPr lang="en-US" dirty="0"/>
+              <a:t> </a:t>
+            </a:r>
+            <a:r>
+              <a:rPr lang="en-US" dirty="0" err="1"/>
+              <a:t>menunggu</a:t>
+            </a:r>
+            <a:r>
+              <a:rPr lang="en-US" dirty="0"/>
+              <a:t> </a:t>
+            </a:r>
+            <a:r>
+              <a:rPr lang="en-US" dirty="0" err="1"/>
+              <a:t>lagi</a:t>
+            </a:r>
+            <a:r>
+              <a:rPr lang="en-US" dirty="0"/>
+              <a:t>.</a:t>
+            </a:r>
+          </a:p>
+        </p:txBody>
+      </p:sp>
+    </p:spTree>
+    <p:extLst>
+      <p:ext uri="{BB962C8B-B14F-4D97-AF65-F5344CB8AC3E}">
+        <p14:creationId xmlns:p14="http://schemas.microsoft.com/office/powerpoint/2010/main" val="4044784985"/>
+      </p:ext>
+    </p:extLst>
+  </p:cSld>
+  <p:clrMapOvr>
+    <a:masterClrMapping/>
+  </p:clrMapOvr>
+  <p:transition spd="med">
+    <p:pull/>
+  </p:transition>
+</p:sld>
+</file>
+
+<file path=ppt/slides/slide20.xml><?xml version="1.0" encoding="utf-8"?>
+<p:sld xmlns:a="http://schemas.openxmlformats.org/drawingml/2006/main" xmlns:r="http://schemas.openxmlformats.org/officeDocument/2006/relationships" xmlns:p="http://schemas.openxmlformats.org/presentationml/2006/main">
+  <p:cSld>
+    <p:bg>
+      <p:bgPr>
+        <a:blipFill dpi="0" rotWithShape="1">
+          <a:blip r:embed="rId2">
+            <a:lum/>
+          </a:blip>
+          <a:srcRect/>
+          <a:stretch>
+            <a:fillRect/>
+          </a:stretch>
+        </a:blipFill>
+        <a:effectLst/>
+      </p:bgPr>
+    </p:bg>
+    <p:spTree>
+      <p:nvGrpSpPr>
+        <p:cNvPr id="1" name=""/>
+        <p:cNvGrpSpPr/>
+        <p:nvPr/>
+      </p:nvGrpSpPr>
+      <p:grpSpPr>
+        <a:xfrm>
+          <a:off x="0" y="0"/>
+          <a:ext cx="0" cy="0"/>
+          <a:chOff x="0" y="0"/>
+          <a:chExt cx="0" cy="0"/>
+        </a:xfrm>
+      </p:grpSpPr>
+      <p:sp>
+        <p:nvSpPr>
+          <p:cNvPr id="3" name="Content Placeholder 2">
+            <a:extLst>
+              <a:ext uri="{FF2B5EF4-FFF2-40B4-BE49-F238E27FC236}">
+                <a16:creationId xmlns:a16="http://schemas.microsoft.com/office/drawing/2014/main" id="{4E1730CF-3E1D-4937-A06C-C4802EC6ED4A}"/>
+              </a:ext>
+            </a:extLst>
+          </p:cNvPr>
+          <p:cNvSpPr>
+            <a:spLocks noGrp="1"/>
+          </p:cNvSpPr>
+          <p:nvPr>
+            <p:ph sz="quarter" idx="1"/>
+          </p:nvPr>
+        </p:nvSpPr>
+        <p:spPr>
+          <a:xfrm>
+            <a:off x="539552" y="-99392"/>
+            <a:ext cx="8352928" cy="936104"/>
+          </a:xfrm>
+        </p:spPr>
+        <p:txBody>
+          <a:bodyPr>
+            <a:noAutofit/>
+          </a:bodyPr>
+          <a:lstStyle/>
+          <a:p>
+            <a:pPr algn="ctr"/>
+            <a:r>
+              <a:rPr lang="en-US" sz="2600" i="1" dirty="0"/>
+              <a:t>Sequence Diagram</a:t>
+            </a:r>
+            <a:r>
+              <a:rPr lang="en-US" sz="2600" dirty="0"/>
+              <a:t> </a:t>
+            </a:r>
+            <a:r>
+              <a:rPr lang="en-US" sz="2600" dirty="0" err="1"/>
+              <a:t>Penentuan</a:t>
+            </a:r>
+            <a:r>
+              <a:rPr lang="en-US" sz="2600" dirty="0"/>
+              <a:t> </a:t>
+            </a:r>
+            <a:r>
+              <a:rPr lang="en-US" sz="2600" dirty="0" err="1"/>
+              <a:t>Bantuan</a:t>
+            </a:r>
+            <a:r>
+              <a:rPr lang="en-US" sz="2600" dirty="0"/>
+              <a:t> Banyak data dan </a:t>
+            </a:r>
+            <a:r>
+              <a:rPr lang="en-US" sz="2600" dirty="0" err="1"/>
+              <a:t>Individu</a:t>
+            </a:r>
+            <a:endParaRPr lang="en-US" sz="2600" dirty="0"/>
+          </a:p>
+        </p:txBody>
+      </p:sp>
+      <p:pic>
+        <p:nvPicPr>
+          <p:cNvPr id="4" name="Picture 3">
+            <a:extLst>
+              <a:ext uri="{FF2B5EF4-FFF2-40B4-BE49-F238E27FC236}">
+                <a16:creationId xmlns:a16="http://schemas.microsoft.com/office/drawing/2014/main" id="{C5C42730-1CAF-4D03-800E-3154DA1F23F9}"/>
+              </a:ext>
+            </a:extLst>
+          </p:cNvPr>
+          <p:cNvPicPr/>
+          <p:nvPr/>
+        </p:nvPicPr>
+        <p:blipFill>
+          <a:blip r:embed="rId3"/>
+          <a:stretch>
+            <a:fillRect/>
+          </a:stretch>
+        </p:blipFill>
+        <p:spPr>
+          <a:xfrm>
+            <a:off x="632792" y="692696"/>
+            <a:ext cx="7467600" cy="6043166"/>
+          </a:xfrm>
+          <a:prstGeom prst="rect">
+            <a:avLst/>
+          </a:prstGeom>
+        </p:spPr>
+      </p:pic>
+    </p:spTree>
+    <p:extLst>
+      <p:ext uri="{BB962C8B-B14F-4D97-AF65-F5344CB8AC3E}">
+        <p14:creationId xmlns:p14="http://schemas.microsoft.com/office/powerpoint/2010/main" val="83687982"/>
+      </p:ext>
+    </p:extLst>
+  </p:cSld>
+  <p:clrMapOvr>
+    <a:masterClrMapping/>
+  </p:clrMapOvr>
+  <mc:AlternateContent xmlns:mc="http://schemas.openxmlformats.org/markup-compatibility/2006" xmlns:p14="http://schemas.microsoft.com/office/powerpoint/2010/main">
+    <mc:Choice Requires="p14">
+      <p:transition spd="slow" p14:dur="1600">
+        <p:blinds dir="vert"/>
+      </p:transition>
+    </mc:Choice>
+    <mc:Fallback xmlns="">
+      <p:transition spd="slow">
+        <p:blinds dir="vert"/>
+      </p:transition>
+    </mc:Fallback>
+  </mc:AlternateContent>
+</p:sld>
+</file>
+
+<file path=ppt/slides/slide21.xml><?xml version="1.0" encoding="utf-8"?>
+<p:sld xmlns:a="http://schemas.openxmlformats.org/drawingml/2006/main" xmlns:r="http://schemas.openxmlformats.org/officeDocument/2006/relationships" xmlns:p="http://schemas.openxmlformats.org/presentationml/2006/main">
+  <p:cSld>
+    <p:bg>
+      <p:bgPr>
+        <a:blipFill dpi="0" rotWithShape="1">
+          <a:blip r:embed="rId2">
+            <a:lum/>
+          </a:blip>
+          <a:srcRect/>
+          <a:stretch>
+            <a:fillRect/>
+          </a:stretch>
+        </a:blipFill>
+        <a:effectLst/>
+      </p:bgPr>
+    </p:bg>
+    <p:spTree>
+      <p:nvGrpSpPr>
+        <p:cNvPr id="1" name=""/>
+        <p:cNvGrpSpPr/>
+        <p:nvPr/>
+      </p:nvGrpSpPr>
+      <p:grpSpPr>
+        <a:xfrm>
+          <a:off x="0" y="0"/>
+          <a:ext cx="0" cy="0"/>
+          <a:chOff x="0" y="0"/>
+          <a:chExt cx="0" cy="0"/>
+        </a:xfrm>
+      </p:grpSpPr>
+      <p:sp>
+        <p:nvSpPr>
+          <p:cNvPr id="3" name="Content Placeholder 2">
+            <a:extLst>
+              <a:ext uri="{FF2B5EF4-FFF2-40B4-BE49-F238E27FC236}">
+                <a16:creationId xmlns:a16="http://schemas.microsoft.com/office/drawing/2014/main" id="{4E1730CF-3E1D-4937-A06C-C4802EC6ED4A}"/>
+              </a:ext>
+            </a:extLst>
+          </p:cNvPr>
+          <p:cNvSpPr>
+            <a:spLocks noGrp="1"/>
+          </p:cNvSpPr>
+          <p:nvPr>
+            <p:ph sz="quarter" idx="1"/>
+          </p:nvPr>
+        </p:nvSpPr>
+        <p:spPr>
+          <a:xfrm>
             <a:off x="539552" y="-99392"/>
             <a:ext cx="8352928" cy="648072"/>
           </a:xfrm>
@@ -8026,13 +9974,13 @@
   <p:clrMapOvr>
     <a:masterClrMapping/>
   </p:clrMapOvr>
-  <mc:AlternateContent xmlns:mc="http://schemas.openxmlformats.org/markup-compatibility/2006">
-    <mc:Choice xmlns:p14="http://schemas.microsoft.com/office/powerpoint/2010/main" Requires="p14">
+  <mc:AlternateContent xmlns:mc="http://schemas.openxmlformats.org/markup-compatibility/2006" xmlns:p14="http://schemas.microsoft.com/office/powerpoint/2010/main">
+    <mc:Choice Requires="p14">
       <p:transition spd="slow" p14:dur="800">
         <p:circle/>
       </p:transition>
     </mc:Choice>
-    <mc:Fallback>
+    <mc:Fallback xmlns="">
       <p:transition spd="slow">
         <p:circle/>
       </p:transition>
@@ -8041,7 +9989,7 @@
 </p:sld>
 </file>
 
-<file path=ppt/slides/slide19.xml><?xml version="1.0" encoding="utf-8"?>
+<file path=ppt/slides/slide22.xml><?xml version="1.0" encoding="utf-8"?>
 <p:sld xmlns:a="http://schemas.openxmlformats.org/drawingml/2006/main" xmlns:r="http://schemas.openxmlformats.org/officeDocument/2006/relationships" xmlns:p="http://schemas.openxmlformats.org/presentationml/2006/main">
   <p:cSld>
     <p:bg>
@@ -8179,13 +10127,13 @@
   <p:clrMapOvr>
     <a:masterClrMapping/>
   </p:clrMapOvr>
-  <mc:AlternateContent xmlns:mc="http://schemas.openxmlformats.org/markup-compatibility/2006">
-    <mc:Choice xmlns:p14="http://schemas.microsoft.com/office/powerpoint/2010/main" Requires="p14">
+  <mc:AlternateContent xmlns:mc="http://schemas.openxmlformats.org/markup-compatibility/2006" xmlns:p14="http://schemas.microsoft.com/office/powerpoint/2010/main">
+    <mc:Choice Requires="p14">
       <p:transition spd="slow" p14:dur="800">
         <p:circle/>
       </p:transition>
     </mc:Choice>
-    <mc:Fallback>
+    <mc:Fallback xmlns="">
       <p:transition spd="slow">
         <p:circle/>
       </p:transition>
@@ -8194,200 +10142,7 @@
 </p:sld>
 </file>
 
-<file path=ppt/slides/slide2.xml><?xml version="1.0" encoding="utf-8"?>
-<p:sld xmlns:a="http://schemas.openxmlformats.org/drawingml/2006/main" xmlns:r="http://schemas.openxmlformats.org/officeDocument/2006/relationships" xmlns:p="http://schemas.openxmlformats.org/presentationml/2006/main">
-  <p:cSld>
-    <p:bg>
-      <p:bgPr>
-        <a:blipFill dpi="0" rotWithShape="1">
-          <a:blip r:embed="rId2">
-            <a:lum/>
-          </a:blip>
-          <a:srcRect/>
-          <a:stretch>
-            <a:fillRect/>
-          </a:stretch>
-        </a:blipFill>
-        <a:effectLst/>
-      </p:bgPr>
-    </p:bg>
-    <p:spTree>
-      <p:nvGrpSpPr>
-        <p:cNvPr id="1" name=""/>
-        <p:cNvGrpSpPr/>
-        <p:nvPr/>
-      </p:nvGrpSpPr>
-      <p:grpSpPr>
-        <a:xfrm>
-          <a:off x="0" y="0"/>
-          <a:ext cx="0" cy="0"/>
-          <a:chOff x="0" y="0"/>
-          <a:chExt cx="0" cy="0"/>
-        </a:xfrm>
-      </p:grpSpPr>
-      <p:sp>
-        <p:nvSpPr>
-          <p:cNvPr id="2" name="Title 1">
-            <a:extLst>
-              <a:ext uri="{FF2B5EF4-FFF2-40B4-BE49-F238E27FC236}">
-                <a16:creationId xmlns:a16="http://schemas.microsoft.com/office/drawing/2014/main" id="{A304A63C-2AB2-43E2-81C7-98E9A901DFBA}"/>
-              </a:ext>
-            </a:extLst>
-          </p:cNvPr>
-          <p:cNvSpPr>
-            <a:spLocks noGrp="1"/>
-          </p:cNvSpPr>
-          <p:nvPr>
-            <p:ph type="title"/>
-          </p:nvPr>
-        </p:nvSpPr>
-        <p:spPr>
-          <a:xfrm>
-            <a:off x="683568" y="57581"/>
-            <a:ext cx="7467600" cy="652934"/>
-          </a:xfrm>
-        </p:spPr>
-        <p:txBody>
-          <a:bodyPr>
-            <a:normAutofit/>
-          </a:bodyPr>
-          <a:lstStyle/>
-          <a:p>
-            <a:r>
-              <a:rPr lang="en-US" sz="3600" dirty="0" err="1">
-                <a:solidFill>
-                  <a:schemeClr val="tx1"/>
-                </a:solidFill>
-                <a:latin typeface="Times New Roman" panose="02020603050405020304" pitchFamily="18" charset="0"/>
-                <a:cs typeface="Times New Roman" panose="02020603050405020304" pitchFamily="18" charset="0"/>
-              </a:rPr>
-              <a:t>Latar</a:t>
-            </a:r>
-            <a:r>
-              <a:rPr lang="en-US" sz="3600" dirty="0">
-                <a:solidFill>
-                  <a:schemeClr val="tx1"/>
-                </a:solidFill>
-                <a:latin typeface="Times New Roman" panose="02020603050405020304" pitchFamily="18" charset="0"/>
-                <a:cs typeface="Times New Roman" panose="02020603050405020304" pitchFamily="18" charset="0"/>
-              </a:rPr>
-              <a:t> </a:t>
-            </a:r>
-            <a:r>
-              <a:rPr lang="en-US" sz="3600" dirty="0" err="1">
-                <a:solidFill>
-                  <a:schemeClr val="tx1"/>
-                </a:solidFill>
-                <a:latin typeface="Times New Roman" panose="02020603050405020304" pitchFamily="18" charset="0"/>
-                <a:cs typeface="Times New Roman" panose="02020603050405020304" pitchFamily="18" charset="0"/>
-              </a:rPr>
-              <a:t>Belakang</a:t>
-            </a:r>
-            <a:r>
-              <a:rPr lang="en-US" sz="3600" dirty="0">
-                <a:solidFill>
-                  <a:schemeClr val="tx1"/>
-                </a:solidFill>
-                <a:latin typeface="Times New Roman" panose="02020603050405020304" pitchFamily="18" charset="0"/>
-                <a:cs typeface="Times New Roman" panose="02020603050405020304" pitchFamily="18" charset="0"/>
-              </a:rPr>
-              <a:t> </a:t>
-            </a:r>
-            <a:r>
-              <a:rPr lang="en-US" sz="3600" dirty="0" err="1">
-                <a:solidFill>
-                  <a:schemeClr val="tx1"/>
-                </a:solidFill>
-                <a:latin typeface="Times New Roman" panose="02020603050405020304" pitchFamily="18" charset="0"/>
-                <a:cs typeface="Times New Roman" panose="02020603050405020304" pitchFamily="18" charset="0"/>
-              </a:rPr>
-              <a:t>Masalah</a:t>
-            </a:r>
-            <a:endParaRPr lang="en-US" sz="3600" dirty="0">
-              <a:solidFill>
-                <a:schemeClr val="tx1"/>
-              </a:solidFill>
-              <a:latin typeface="Times New Roman" panose="02020603050405020304" pitchFamily="18" charset="0"/>
-              <a:cs typeface="Times New Roman" panose="02020603050405020304" pitchFamily="18" charset="0"/>
-            </a:endParaRPr>
-          </a:p>
-        </p:txBody>
-      </p:sp>
-      <p:sp>
-        <p:nvSpPr>
-          <p:cNvPr id="3" name="Content Placeholder 2">
-            <a:extLst>
-              <a:ext uri="{FF2B5EF4-FFF2-40B4-BE49-F238E27FC236}">
-                <a16:creationId xmlns:a16="http://schemas.microsoft.com/office/drawing/2014/main" id="{4E1730CF-3E1D-4937-A06C-C4802EC6ED4A}"/>
-              </a:ext>
-            </a:extLst>
-          </p:cNvPr>
-          <p:cNvSpPr>
-            <a:spLocks noGrp="1"/>
-          </p:cNvSpPr>
-          <p:nvPr>
-            <p:ph sz="quarter" idx="1"/>
-          </p:nvPr>
-        </p:nvSpPr>
-        <p:spPr>
-          <a:xfrm>
-            <a:off x="683568" y="992124"/>
-            <a:ext cx="7467600" cy="5677236"/>
-          </a:xfrm>
-        </p:spPr>
-        <p:txBody>
-          <a:bodyPr>
-            <a:normAutofit/>
-          </a:bodyPr>
-          <a:lstStyle/>
-          <a:p>
-            <a:pPr algn="just"/>
-            <a:r>
-              <a:rPr lang="en-US" sz="2000" dirty="0"/>
-              <a:t>.</a:t>
-            </a:r>
-          </a:p>
-          <a:p>
-            <a:pPr algn="just"/>
-            <a:endParaRPr lang="en-US" sz="2000" dirty="0"/>
-          </a:p>
-          <a:p>
-            <a:pPr algn="just"/>
-            <a:r>
-              <a:rPr lang="en-US" sz="2000" dirty="0"/>
-              <a:t>.</a:t>
-            </a:r>
-          </a:p>
-          <a:p>
-            <a:pPr algn="just"/>
-            <a:endParaRPr lang="en-US" sz="2000" dirty="0"/>
-          </a:p>
-          <a:p>
-            <a:pPr algn="just"/>
-            <a:r>
-              <a:rPr lang="en-US" sz="2000" dirty="0"/>
-              <a:t>.</a:t>
-            </a:r>
-          </a:p>
-        </p:txBody>
-      </p:sp>
-    </p:spTree>
-    <p:extLst>
-      <p:ext uri="{BB962C8B-B14F-4D97-AF65-F5344CB8AC3E}">
-        <p14:creationId xmlns:p14="http://schemas.microsoft.com/office/powerpoint/2010/main" val="2331359095"/>
-      </p:ext>
-    </p:extLst>
-  </p:cSld>
-  <p:clrMapOvr>
-    <a:masterClrMapping/>
-  </p:clrMapOvr>
-  <p:transition spd="med">
-    <p:pull/>
-  </p:transition>
-</p:sld>
-</file>
-
-<file path=ppt/slides/slide20.xml><?xml version="1.0" encoding="utf-8"?>
+<file path=ppt/slides/slide23.xml><?xml version="1.0" encoding="utf-8"?>
 <p:sld xmlns:a="http://schemas.openxmlformats.org/drawingml/2006/main" xmlns:r="http://schemas.openxmlformats.org/officeDocument/2006/relationships" xmlns:p="http://schemas.openxmlformats.org/presentationml/2006/main">
   <p:cSld>
     <p:bg>
@@ -8500,13 +10255,13 @@
   <p:clrMapOvr>
     <a:masterClrMapping/>
   </p:clrMapOvr>
-  <mc:AlternateContent xmlns:mc="http://schemas.openxmlformats.org/markup-compatibility/2006">
-    <mc:Choice xmlns:p14="http://schemas.microsoft.com/office/powerpoint/2010/main" Requires="p14">
+  <mc:AlternateContent xmlns:mc="http://schemas.openxmlformats.org/markup-compatibility/2006" xmlns:p14="http://schemas.microsoft.com/office/powerpoint/2010/main">
+    <mc:Choice Requires="p14">
       <p:transition spd="slow" p14:dur="800">
         <p:circle/>
       </p:transition>
     </mc:Choice>
-    <mc:Fallback>
+    <mc:Fallback xmlns="">
       <p:transition spd="slow">
         <p:circle/>
       </p:transition>
@@ -8515,7 +10270,7 @@
 </p:sld>
 </file>
 
-<file path=ppt/slides/slide21.xml><?xml version="1.0" encoding="utf-8"?>
+<file path=ppt/slides/slide24.xml><?xml version="1.0" encoding="utf-8"?>
 <p:sld xmlns:a="http://schemas.openxmlformats.org/drawingml/2006/main" xmlns:r="http://schemas.openxmlformats.org/officeDocument/2006/relationships" xmlns:p="http://schemas.openxmlformats.org/presentationml/2006/main">
   <p:cSld>
     <p:bg>
@@ -8891,13 +10646,13 @@
   <p:clrMapOvr>
     <a:masterClrMapping/>
   </p:clrMapOvr>
-  <mc:AlternateContent xmlns:mc="http://schemas.openxmlformats.org/markup-compatibility/2006">
-    <mc:Choice xmlns:p14="http://schemas.microsoft.com/office/powerpoint/2010/main" Requires="p14">
+  <mc:AlternateContent xmlns:mc="http://schemas.openxmlformats.org/markup-compatibility/2006" xmlns:p14="http://schemas.microsoft.com/office/powerpoint/2010/main">
+    <mc:Choice Requires="p14">
       <p:transition spd="slow" p14:dur="800">
         <p:circle/>
       </p:transition>
     </mc:Choice>
-    <mc:Fallback>
+    <mc:Fallback xmlns="">
       <p:transition spd="slow">
         <p:circle/>
       </p:transition>
@@ -8906,7 +10661,7 @@
 </p:sld>
 </file>
 
-<file path=ppt/slides/slide22.xml><?xml version="1.0" encoding="utf-8"?>
+<file path=ppt/slides/slide25.xml><?xml version="1.0" encoding="utf-8"?>
 <p:sld xmlns:a="http://schemas.openxmlformats.org/drawingml/2006/main" xmlns:r="http://schemas.openxmlformats.org/officeDocument/2006/relationships" xmlns:p="http://schemas.openxmlformats.org/presentationml/2006/main">
   <p:cSld>
     <p:bg>
@@ -9016,8 +10771,8 @@
           </a:p>
         </p:txBody>
       </p:sp>
-      <mc:AlternateContent xmlns:mc="http://schemas.openxmlformats.org/markup-compatibility/2006">
-        <mc:Choice xmlns:a14="http://schemas.microsoft.com/office/drawing/2010/main" Requires="a14">
+      <mc:AlternateContent xmlns:mc="http://schemas.openxmlformats.org/markup-compatibility/2006" xmlns:a14="http://schemas.microsoft.com/office/drawing/2010/main">
+        <mc:Choice Requires="a14">
           <p:sp>
             <p:nvSpPr>
               <p:cNvPr id="5" name="Content Placeholder 2">
@@ -9373,7 +11128,9 @@
                     <m:f>
                       <m:fPr>
                         <m:ctrlPr>
-                          <a:rPr lang="en-ID" i="1"/>
+                          <a:rPr lang="en-ID" i="1">
+                            <a:latin typeface="Cambria Math" panose="02040503050406030204" pitchFamily="18" charset="0"/>
+                          </a:rPr>
                         </m:ctrlPr>
                       </m:fPr>
                       <m:num>
@@ -9381,7 +11138,9 @@
                           <m:rPr>
                             <m:sty m:val="p"/>
                           </m:rPr>
-                          <a:rPr lang="en-US"/>
+                          <a:rPr lang="en-US">
+                            <a:latin typeface="Cambria Math" panose="02040503050406030204" pitchFamily="18" charset="0"/>
+                          </a:rPr>
                           <m:t>TP</m:t>
                         </m:r>
                       </m:num>
@@ -9390,18 +11149,24 @@
                           <m:rPr>
                             <m:sty m:val="p"/>
                           </m:rPr>
-                          <a:rPr lang="en-US"/>
+                          <a:rPr lang="en-US">
+                            <a:latin typeface="Cambria Math" panose="02040503050406030204" pitchFamily="18" charset="0"/>
+                          </a:rPr>
                           <m:t>TP</m:t>
                         </m:r>
                         <m:r>
-                          <a:rPr lang="en-US"/>
+                          <a:rPr lang="en-US">
+                            <a:latin typeface="Cambria Math" panose="02040503050406030204" pitchFamily="18" charset="0"/>
+                          </a:rPr>
                           <m:t>+</m:t>
                         </m:r>
                         <m:r>
                           <m:rPr>
                             <m:sty m:val="p"/>
                           </m:rPr>
-                          <a:rPr lang="en-US"/>
+                          <a:rPr lang="en-US">
+                            <a:latin typeface="Cambria Math" panose="02040503050406030204" pitchFamily="18" charset="0"/>
+                          </a:rPr>
                           <m:t>FP</m:t>
                         </m:r>
                       </m:den>
@@ -9417,18 +11182,24 @@
                     <m:f>
                       <m:fPr>
                         <m:ctrlPr>
-                          <a:rPr lang="en-ID" i="1" smtClean="0"/>
+                          <a:rPr lang="en-ID" i="1" smtClean="0">
+                            <a:latin typeface="Cambria Math" panose="02040503050406030204" pitchFamily="18" charset="0"/>
+                          </a:rPr>
                         </m:ctrlPr>
                       </m:fPr>
                       <m:num>
                         <m:r>
-                          <a:rPr lang="en-US"/>
+                          <a:rPr lang="en-US">
+                            <a:latin typeface="Cambria Math" panose="02040503050406030204" pitchFamily="18" charset="0"/>
+                          </a:rPr>
                           <m:t>3</m:t>
                         </m:r>
                       </m:num>
                       <m:den>
                         <m:r>
-                          <a:rPr lang="en-US"/>
+                          <a:rPr lang="en-US">
+                            <a:latin typeface="Cambria Math" panose="02040503050406030204" pitchFamily="18" charset="0"/>
+                          </a:rPr>
                           <m:t>3+0</m:t>
                         </m:r>
                       </m:den>
@@ -9700,7 +11471,7 @@
             </p:txBody>
           </p:sp>
         </mc:Choice>
-        <mc:Fallback>
+        <mc:Fallback xmlns="">
           <p:sp>
             <p:nvSpPr>
               <p:cNvPr id="5" name="Content Placeholder 2">
@@ -9755,13 +11526,13 @@
   <p:clrMapOvr>
     <a:masterClrMapping/>
   </p:clrMapOvr>
-  <mc:AlternateContent xmlns:mc="http://schemas.openxmlformats.org/markup-compatibility/2006">
-    <mc:Choice xmlns:p14="http://schemas.microsoft.com/office/powerpoint/2010/main" Requires="p14">
+  <mc:AlternateContent xmlns:mc="http://schemas.openxmlformats.org/markup-compatibility/2006" xmlns:p14="http://schemas.microsoft.com/office/powerpoint/2010/main">
+    <mc:Choice Requires="p14">
       <p:transition spd="slow" p14:dur="800">
         <p:circle/>
       </p:transition>
     </mc:Choice>
-    <mc:Fallback>
+    <mc:Fallback xmlns="">
       <p:transition spd="slow">
         <p:circle/>
       </p:transition>
@@ -9770,7 +11541,7 @@
 </p:sld>
 </file>
 
-<file path=ppt/slides/slide23.xml><?xml version="1.0" encoding="utf-8"?>
+<file path=ppt/slides/slide26.xml><?xml version="1.0" encoding="utf-8"?>
 <p:sld xmlns:a="http://schemas.openxmlformats.org/drawingml/2006/main" xmlns:r="http://schemas.openxmlformats.org/officeDocument/2006/relationships" xmlns:p="http://schemas.openxmlformats.org/presentationml/2006/main">
   <p:cSld>
     <p:bg>
@@ -10362,13 +12133,13 @@
   <p:clrMapOvr>
     <a:masterClrMapping/>
   </p:clrMapOvr>
-  <mc:AlternateContent xmlns:mc="http://schemas.openxmlformats.org/markup-compatibility/2006">
-    <mc:Choice xmlns:p14="http://schemas.microsoft.com/office/powerpoint/2010/main" Requires="p14">
+  <mc:AlternateContent xmlns:mc="http://schemas.openxmlformats.org/markup-compatibility/2006" xmlns:p14="http://schemas.microsoft.com/office/powerpoint/2010/main">
+    <mc:Choice Requires="p14">
       <p:transition spd="slow" p14:dur="800">
         <p:circle/>
       </p:transition>
     </mc:Choice>
-    <mc:Fallback>
+    <mc:Fallback xmlns="">
       <p:transition spd="slow">
         <p:circle/>
       </p:transition>
@@ -10377,7 +12148,7 @@
 </p:sld>
 </file>
 
-<file path=ppt/slides/slide24.xml><?xml version="1.0" encoding="utf-8"?>
+<file path=ppt/slides/slide27.xml><?xml version="1.0" encoding="utf-8"?>
 <p:sld xmlns:a="http://schemas.openxmlformats.org/drawingml/2006/main" xmlns:r="http://schemas.openxmlformats.org/officeDocument/2006/relationships" xmlns:p="http://schemas.openxmlformats.org/presentationml/2006/main">
   <p:cSld>
     <p:bg>
@@ -11146,13 +12917,13 @@
   <p:clrMapOvr>
     <a:masterClrMapping/>
   </p:clrMapOvr>
-  <mc:AlternateContent xmlns:mc="http://schemas.openxmlformats.org/markup-compatibility/2006">
-    <mc:Choice xmlns:p14="http://schemas.microsoft.com/office/powerpoint/2010/main" Requires="p14">
+  <mc:AlternateContent xmlns:mc="http://schemas.openxmlformats.org/markup-compatibility/2006" xmlns:p14="http://schemas.microsoft.com/office/powerpoint/2010/main">
+    <mc:Choice Requires="p14">
       <p:transition spd="slow" p14:dur="800">
         <p:circle/>
       </p:transition>
     </mc:Choice>
-    <mc:Fallback>
+    <mc:Fallback xmlns="">
       <p:transition spd="slow">
         <p:circle/>
       </p:transition>
@@ -11161,7 +12932,7 @@
 </p:sld>
 </file>
 
-<file path=ppt/slides/slide25.xml><?xml version="1.0" encoding="utf-8"?>
+<file path=ppt/slides/slide28.xml><?xml version="1.0" encoding="utf-8"?>
 <p:sld xmlns:a="http://schemas.openxmlformats.org/drawingml/2006/main" xmlns:r="http://schemas.openxmlformats.org/officeDocument/2006/relationships" xmlns:p="http://schemas.openxmlformats.org/presentationml/2006/main">
   <p:cSld>
     <p:bg>
@@ -11254,449 +13025,6 @@
 </file>
 
 <file path=ppt/slides/slide3.xml><?xml version="1.0" encoding="utf-8"?>
-<p:sld xmlns:a="http://schemas.openxmlformats.org/drawingml/2006/main" xmlns:r="http://schemas.openxmlformats.org/officeDocument/2006/relationships" xmlns:p="http://schemas.openxmlformats.org/presentationml/2006/main" showMasterSp="0">
-  <p:cSld>
-    <p:bg>
-      <p:bgPr>
-        <a:blipFill dpi="0" rotWithShape="1">
-          <a:blip r:embed="rId2">
-            <a:lum/>
-          </a:blip>
-          <a:srcRect/>
-          <a:stretch>
-            <a:fillRect/>
-          </a:stretch>
-        </a:blipFill>
-        <a:effectLst/>
-      </p:bgPr>
-    </p:bg>
-    <p:spTree>
-      <p:nvGrpSpPr>
-        <p:cNvPr id="1" name=""/>
-        <p:cNvGrpSpPr/>
-        <p:nvPr/>
-      </p:nvGrpSpPr>
-      <p:grpSpPr>
-        <a:xfrm>
-          <a:off x="0" y="0"/>
-          <a:ext cx="0" cy="0"/>
-          <a:chOff x="0" y="0"/>
-          <a:chExt cx="0" cy="0"/>
-        </a:xfrm>
-      </p:grpSpPr>
-      <p:sp>
-        <p:nvSpPr>
-          <p:cNvPr id="2" name="Title 1">
-            <a:extLst>
-              <a:ext uri="{FF2B5EF4-FFF2-40B4-BE49-F238E27FC236}">
-                <a16:creationId xmlns:a16="http://schemas.microsoft.com/office/drawing/2014/main" id="{0E0C70B4-4644-4A76-B2C8-3690D0EBDA7D}"/>
-              </a:ext>
-            </a:extLst>
-          </p:cNvPr>
-          <p:cNvSpPr>
-            <a:spLocks noGrp="1"/>
-          </p:cNvSpPr>
-          <p:nvPr>
-            <p:ph type="title"/>
-          </p:nvPr>
-        </p:nvSpPr>
-        <p:spPr>
-          <a:xfrm>
-            <a:off x="611560" y="57581"/>
-            <a:ext cx="7467600" cy="652934"/>
-          </a:xfrm>
-        </p:spPr>
-        <p:txBody>
-          <a:bodyPr/>
-          <a:lstStyle/>
-          <a:p>
-            <a:r>
-              <a:rPr lang="en-US" dirty="0" err="1"/>
-              <a:t>Profil</a:t>
-            </a:r>
-            <a:r>
-              <a:rPr lang="en-US" dirty="0"/>
-              <a:t> Kelurahan </a:t>
-            </a:r>
-            <a:r>
-              <a:rPr lang="en-US"/>
-              <a:t>Krapyak</a:t>
-            </a:r>
-            <a:endParaRPr lang="en-US" dirty="0"/>
-          </a:p>
-        </p:txBody>
-      </p:sp>
-      <p:sp>
-        <p:nvSpPr>
-          <p:cNvPr id="3" name="Content Placeholder 2">
-            <a:extLst>
-              <a:ext uri="{FF2B5EF4-FFF2-40B4-BE49-F238E27FC236}">
-                <a16:creationId xmlns:a16="http://schemas.microsoft.com/office/drawing/2014/main" id="{4909DF68-4B1C-433E-8982-98261B421102}"/>
-              </a:ext>
-            </a:extLst>
-          </p:cNvPr>
-          <p:cNvSpPr>
-            <a:spLocks noGrp="1"/>
-          </p:cNvSpPr>
-          <p:nvPr>
-            <p:ph sz="quarter" idx="1"/>
-          </p:nvPr>
-        </p:nvSpPr>
-        <p:spPr>
-          <a:xfrm>
-            <a:off x="603176" y="730648"/>
-            <a:ext cx="7467600" cy="3525094"/>
-          </a:xfrm>
-        </p:spPr>
-        <p:txBody>
-          <a:bodyPr>
-            <a:normAutofit/>
-          </a:bodyPr>
-          <a:lstStyle/>
-          <a:p>
-            <a:r>
-              <a:rPr lang="en-US" sz="2000" dirty="0"/>
-              <a:t>Alamat		: </a:t>
-            </a:r>
-            <a:r>
-              <a:rPr lang="en-US" sz="2000" dirty="0" err="1"/>
-              <a:t>Jl.Subali</a:t>
-            </a:r>
-            <a:r>
-              <a:rPr lang="en-US" sz="2000" dirty="0"/>
-              <a:t> Raya </a:t>
-            </a:r>
-          </a:p>
-          <a:p>
-            <a:r>
-              <a:rPr lang="en-US" sz="2000" dirty="0"/>
-              <a:t>Luas Wilayah	: 119 Ha. ( 9 RW dan 48 RT)</a:t>
-            </a:r>
-          </a:p>
-          <a:p>
-            <a:r>
-              <a:rPr lang="en-US" sz="2000" dirty="0" err="1"/>
-              <a:t>Jumlah</a:t>
-            </a:r>
-            <a:r>
-              <a:rPr lang="en-US" sz="2000" dirty="0"/>
-              <a:t> </a:t>
-            </a:r>
-            <a:r>
-              <a:rPr lang="en-US" sz="2000" dirty="0" err="1"/>
-              <a:t>Penduduk</a:t>
-            </a:r>
-            <a:r>
-              <a:rPr lang="en-US" sz="2000" dirty="0"/>
-              <a:t>	: 6550 / </a:t>
-            </a:r>
-            <a:r>
-              <a:rPr lang="en-US" sz="2000" dirty="0" err="1"/>
-              <a:t>Agustus</a:t>
-            </a:r>
-            <a:r>
-              <a:rPr lang="en-US" sz="2000" dirty="0"/>
-              <a:t> 2018</a:t>
-            </a:r>
-          </a:p>
-          <a:p>
-            <a:endParaRPr lang="en-US" sz="2000" dirty="0"/>
-          </a:p>
-          <a:p>
-            <a:r>
-              <a:rPr lang="en-US" sz="2000" dirty="0"/>
-              <a:t>Batas Wilayah	:</a:t>
-            </a:r>
-          </a:p>
-          <a:p>
-            <a:r>
-              <a:rPr lang="en-US" sz="2000" dirty="0"/>
-              <a:t>1. </a:t>
-            </a:r>
-            <a:r>
-              <a:rPr lang="en-US" sz="2000" dirty="0" err="1"/>
-              <a:t>Sebelah</a:t>
-            </a:r>
-            <a:r>
-              <a:rPr lang="en-US" sz="2000" dirty="0"/>
-              <a:t> Utara	: Kelurahan </a:t>
-            </a:r>
-            <a:r>
-              <a:rPr lang="en-US" sz="2000" dirty="0" err="1"/>
-              <a:t>Tambakharjo</a:t>
-            </a:r>
-            <a:endParaRPr lang="en-US" sz="2000" dirty="0"/>
-          </a:p>
-          <a:p>
-            <a:r>
-              <a:rPr lang="en-US" sz="2000" dirty="0"/>
-              <a:t>2. </a:t>
-            </a:r>
-            <a:r>
-              <a:rPr lang="en-US" sz="2000" dirty="0" err="1"/>
-              <a:t>Sebelah</a:t>
-            </a:r>
-            <a:r>
-              <a:rPr lang="en-US" sz="2000" dirty="0"/>
-              <a:t> Selatan	: Kelurahan </a:t>
-            </a:r>
-            <a:r>
-              <a:rPr lang="en-US" sz="2000" dirty="0" err="1"/>
-              <a:t>Kembang</a:t>
-            </a:r>
-            <a:r>
-              <a:rPr lang="en-US" sz="2000" dirty="0"/>
-              <a:t> Arum</a:t>
-            </a:r>
-          </a:p>
-          <a:p>
-            <a:r>
-              <a:rPr lang="en-US" sz="2000" dirty="0"/>
-              <a:t>3. </a:t>
-            </a:r>
-            <a:r>
-              <a:rPr lang="en-US" sz="2000" dirty="0" err="1"/>
-              <a:t>Sebelah</a:t>
-            </a:r>
-            <a:r>
-              <a:rPr lang="en-US" sz="2000" dirty="0"/>
-              <a:t> Barat	: Kelurahan </a:t>
-            </a:r>
-            <a:r>
-              <a:rPr lang="en-US" sz="2000" dirty="0" err="1"/>
-              <a:t>Jrakah</a:t>
-            </a:r>
-            <a:r>
-              <a:rPr lang="en-US" sz="2000" dirty="0"/>
-              <a:t> </a:t>
-            </a:r>
-            <a:r>
-              <a:rPr lang="en-US" sz="2000" dirty="0" err="1"/>
-              <a:t>Kecamatan</a:t>
-            </a:r>
-            <a:r>
-              <a:rPr lang="en-US" sz="2000" dirty="0"/>
-              <a:t> </a:t>
-            </a:r>
-            <a:r>
-              <a:rPr lang="en-US" sz="2000" dirty="0" err="1"/>
-              <a:t>Tugu</a:t>
-            </a:r>
-            <a:endParaRPr lang="en-US" sz="2000" dirty="0"/>
-          </a:p>
-          <a:p>
-            <a:r>
-              <a:rPr lang="en-US" sz="2000" dirty="0"/>
-              <a:t>4. </a:t>
-            </a:r>
-            <a:r>
-              <a:rPr lang="en-US" sz="2000" dirty="0" err="1"/>
-              <a:t>Sebelah</a:t>
-            </a:r>
-            <a:r>
-              <a:rPr lang="en-US" sz="2000" dirty="0"/>
-              <a:t> Timur	: Kelurahan </a:t>
-            </a:r>
-            <a:r>
-              <a:rPr lang="en-US" sz="2000" dirty="0" err="1"/>
-              <a:t>Kalibanteng</a:t>
-            </a:r>
-            <a:r>
-              <a:rPr lang="en-US" sz="2000" dirty="0"/>
-              <a:t> </a:t>
-            </a:r>
-            <a:r>
-              <a:rPr lang="en-US" sz="2000" dirty="0" err="1"/>
-              <a:t>Kulon</a:t>
-            </a:r>
-            <a:endParaRPr lang="en-US" sz="2000" dirty="0"/>
-          </a:p>
-        </p:txBody>
-      </p:sp>
-      <p:pic>
-        <p:nvPicPr>
-          <p:cNvPr id="4" name="Picture 3">
-            <a:extLst>
-              <a:ext uri="{FF2B5EF4-FFF2-40B4-BE49-F238E27FC236}">
-                <a16:creationId xmlns:a16="http://schemas.microsoft.com/office/drawing/2014/main" id="{E957B51B-FC2B-4E7C-805D-E35097EDEBC1}"/>
-              </a:ext>
-            </a:extLst>
-          </p:cNvPr>
-          <p:cNvPicPr/>
-          <p:nvPr/>
-        </p:nvPicPr>
-        <p:blipFill>
-          <a:blip r:embed="rId3" cstate="print">
-            <a:extLst>
-              <a:ext uri="{28A0092B-C50C-407E-A947-70E740481C1C}">
-                <a14:useLocalDpi xmlns:a14="http://schemas.microsoft.com/office/drawing/2010/main" val="0"/>
-              </a:ext>
-            </a:extLst>
-          </a:blip>
-          <a:stretch>
-            <a:fillRect/>
-          </a:stretch>
-        </p:blipFill>
-        <p:spPr>
-          <a:xfrm>
-            <a:off x="2883312" y="4255742"/>
-            <a:ext cx="3377375" cy="2533137"/>
-          </a:xfrm>
-          <a:prstGeom prst="rect">
-            <a:avLst/>
-          </a:prstGeom>
-        </p:spPr>
-      </p:pic>
-    </p:spTree>
-    <p:extLst>
-      <p:ext uri="{BB962C8B-B14F-4D97-AF65-F5344CB8AC3E}">
-        <p14:creationId xmlns:p14="http://schemas.microsoft.com/office/powerpoint/2010/main" val="2518053953"/>
-      </p:ext>
-    </p:extLst>
-  </p:cSld>
-  <p:clrMapOvr>
-    <a:masterClrMapping/>
-  </p:clrMapOvr>
-  <mc:AlternateContent xmlns:mc="http://schemas.openxmlformats.org/markup-compatibility/2006">
-    <mc:Choice xmlns:p14="http://schemas.microsoft.com/office/powerpoint/2010/main" Requires="p14">
-      <p:transition spd="slow" p14:dur="3400">
-        <p14:reveal/>
-      </p:transition>
-    </mc:Choice>
-    <mc:Fallback>
-      <p:transition spd="slow">
-        <p:fade/>
-      </p:transition>
-    </mc:Fallback>
-  </mc:AlternateContent>
-</p:sld>
-</file>
-
-<file path=ppt/slides/slide4.xml><?xml version="1.0" encoding="utf-8"?>
-<p:sld xmlns:a="http://schemas.openxmlformats.org/drawingml/2006/main" xmlns:r="http://schemas.openxmlformats.org/officeDocument/2006/relationships" xmlns:p="http://schemas.openxmlformats.org/presentationml/2006/main" showMasterSp="0">
-  <p:cSld>
-    <p:bg>
-      <p:bgPr>
-        <a:blipFill dpi="0" rotWithShape="1">
-          <a:blip r:embed="rId2">
-            <a:lum/>
-          </a:blip>
-          <a:srcRect/>
-          <a:stretch>
-            <a:fillRect/>
-          </a:stretch>
-        </a:blipFill>
-        <a:effectLst/>
-      </p:bgPr>
-    </p:bg>
-    <p:spTree>
-      <p:nvGrpSpPr>
-        <p:cNvPr id="1" name=""/>
-        <p:cNvGrpSpPr/>
-        <p:nvPr/>
-      </p:nvGrpSpPr>
-      <p:grpSpPr>
-        <a:xfrm>
-          <a:off x="0" y="0"/>
-          <a:ext cx="0" cy="0"/>
-          <a:chOff x="0" y="0"/>
-          <a:chExt cx="0" cy="0"/>
-        </a:xfrm>
-      </p:grpSpPr>
-      <p:sp>
-        <p:nvSpPr>
-          <p:cNvPr id="2" name="Title 1">
-            <a:extLst>
-              <a:ext uri="{FF2B5EF4-FFF2-40B4-BE49-F238E27FC236}">
-                <a16:creationId xmlns:a16="http://schemas.microsoft.com/office/drawing/2014/main" id="{E9C185EF-1F08-4AAC-8B0A-599C057E2E25}"/>
-              </a:ext>
-            </a:extLst>
-          </p:cNvPr>
-          <p:cNvSpPr>
-            <a:spLocks noGrp="1"/>
-          </p:cNvSpPr>
-          <p:nvPr>
-            <p:ph type="title"/>
-          </p:nvPr>
-        </p:nvSpPr>
-        <p:spPr>
-          <a:xfrm>
-            <a:off x="457200" y="-27384"/>
-            <a:ext cx="7467600" cy="652934"/>
-          </a:xfrm>
-        </p:spPr>
-        <p:txBody>
-          <a:bodyPr/>
-          <a:lstStyle/>
-          <a:p>
-            <a:r>
-              <a:rPr lang="en-US" dirty="0" err="1"/>
-              <a:t>Struktur</a:t>
-            </a:r>
-            <a:r>
-              <a:rPr lang="en-US" dirty="0"/>
-              <a:t> </a:t>
-            </a:r>
-            <a:r>
-              <a:rPr lang="en-US" dirty="0" err="1"/>
-              <a:t>Organisasi</a:t>
-            </a:r>
-            <a:endParaRPr lang="en-US" dirty="0"/>
-          </a:p>
-        </p:txBody>
-      </p:sp>
-      <p:pic>
-        <p:nvPicPr>
-          <p:cNvPr id="5" name="Content Placeholder 4">
-            <a:extLst>
-              <a:ext uri="{FF2B5EF4-FFF2-40B4-BE49-F238E27FC236}">
-                <a16:creationId xmlns:a16="http://schemas.microsoft.com/office/drawing/2014/main" id="{85B716EC-EDBF-47FC-A01E-20C485532A03}"/>
-              </a:ext>
-            </a:extLst>
-          </p:cNvPr>
-          <p:cNvPicPr>
-            <a:picLocks noGrp="1" noChangeAspect="1"/>
-          </p:cNvPicPr>
-          <p:nvPr>
-            <p:ph sz="quarter" idx="1"/>
-          </p:nvPr>
-        </p:nvPicPr>
-        <p:blipFill>
-          <a:blip r:embed="rId3">
-            <a:extLst>
-              <a:ext uri="{28A0092B-C50C-407E-A947-70E740481C1C}">
-                <a14:useLocalDpi xmlns:a14="http://schemas.microsoft.com/office/drawing/2010/main" val="0"/>
-              </a:ext>
-            </a:extLst>
-          </a:blip>
-          <a:stretch>
-            <a:fillRect/>
-          </a:stretch>
-        </p:blipFill>
-        <p:spPr>
-          <a:xfrm>
-            <a:off x="635000" y="697144"/>
-            <a:ext cx="8509000" cy="4752528"/>
-          </a:xfrm>
-        </p:spPr>
-      </p:pic>
-    </p:spTree>
-    <p:extLst>
-      <p:ext uri="{BB962C8B-B14F-4D97-AF65-F5344CB8AC3E}">
-        <p14:creationId xmlns:p14="http://schemas.microsoft.com/office/powerpoint/2010/main" val="3268644119"/>
-      </p:ext>
-    </p:extLst>
-  </p:cSld>
-  <p:clrMapOvr>
-    <a:masterClrMapping/>
-  </p:clrMapOvr>
-  <p:transition spd="slow">
-    <p:randomBar dir="vert"/>
-  </p:transition>
-</p:sld>
-</file>
-
-<file path=ppt/slides/slide5.xml><?xml version="1.0" encoding="utf-8"?>
 <p:sld xmlns:a="http://schemas.openxmlformats.org/drawingml/2006/main" xmlns:r="http://schemas.openxmlformats.org/officeDocument/2006/relationships" xmlns:p="http://schemas.openxmlformats.org/presentationml/2006/main">
   <p:cSld>
     <p:bg>
@@ -11745,30 +13073,72 @@
         </p:nvSpPr>
         <p:spPr>
           <a:xfrm>
-            <a:off x="683568" y="365544"/>
+            <a:off x="683568" y="57581"/>
             <a:ext cx="7467600" cy="652934"/>
           </a:xfrm>
         </p:spPr>
         <p:txBody>
-          <a:bodyPr/>
+          <a:bodyPr>
+            <a:normAutofit/>
+          </a:bodyPr>
           <a:lstStyle/>
           <a:p>
             <a:r>
-              <a:rPr lang="en-US" sz="3200" dirty="0" err="1"/>
-              <a:t>Perumusan</a:t>
-            </a:r>
-            <a:r>
-              <a:rPr lang="en-US" sz="3200" dirty="0"/>
-              <a:t> </a:t>
-            </a:r>
-            <a:r>
-              <a:rPr lang="en-US" sz="3200" dirty="0" err="1"/>
+              <a:rPr lang="en-US" sz="3600" dirty="0" err="1">
+                <a:solidFill>
+                  <a:schemeClr val="tx1"/>
+                </a:solidFill>
+                <a:latin typeface="Times New Roman" panose="02020603050405020304" pitchFamily="18" charset="0"/>
+                <a:cs typeface="Times New Roman" panose="02020603050405020304" pitchFamily="18" charset="0"/>
+              </a:rPr>
+              <a:t>Latar</a:t>
+            </a:r>
+            <a:r>
+              <a:rPr lang="en-US" sz="3600" dirty="0">
+                <a:solidFill>
+                  <a:schemeClr val="tx1"/>
+                </a:solidFill>
+                <a:latin typeface="Times New Roman" panose="02020603050405020304" pitchFamily="18" charset="0"/>
+                <a:cs typeface="Times New Roman" panose="02020603050405020304" pitchFamily="18" charset="0"/>
+              </a:rPr>
+              <a:t> </a:t>
+            </a:r>
+            <a:r>
+              <a:rPr lang="en-US" sz="3600" dirty="0" err="1">
+                <a:solidFill>
+                  <a:schemeClr val="tx1"/>
+                </a:solidFill>
+                <a:latin typeface="Times New Roman" panose="02020603050405020304" pitchFamily="18" charset="0"/>
+                <a:cs typeface="Times New Roman" panose="02020603050405020304" pitchFamily="18" charset="0"/>
+              </a:rPr>
+              <a:t>Belakang</a:t>
+            </a:r>
+            <a:r>
+              <a:rPr lang="en-US" sz="3600" dirty="0">
+                <a:solidFill>
+                  <a:schemeClr val="tx1"/>
+                </a:solidFill>
+                <a:latin typeface="Times New Roman" panose="02020603050405020304" pitchFamily="18" charset="0"/>
+                <a:cs typeface="Times New Roman" panose="02020603050405020304" pitchFamily="18" charset="0"/>
+              </a:rPr>
+              <a:t> </a:t>
+            </a:r>
+            <a:r>
+              <a:rPr lang="en-US" sz="3600" dirty="0" err="1">
+                <a:solidFill>
+                  <a:schemeClr val="tx1"/>
+                </a:solidFill>
+                <a:latin typeface="Times New Roman" panose="02020603050405020304" pitchFamily="18" charset="0"/>
+                <a:cs typeface="Times New Roman" panose="02020603050405020304" pitchFamily="18" charset="0"/>
+              </a:rPr>
               <a:t>Masalah</a:t>
             </a:r>
-            <a:endParaRPr lang="en-US" dirty="0">
+            <a:endParaRPr lang="en-US" sz="3600" dirty="0">
               <a:solidFill>
                 <a:schemeClr val="tx1"/>
               </a:solidFill>
+              <a:latin typeface="Times New Roman" panose="02020603050405020304" pitchFamily="18" charset="0"/>
+              <a:cs typeface="Times New Roman" panose="02020603050405020304" pitchFamily="18" charset="0"/>
             </a:endParaRPr>
           </a:p>
         </p:txBody>
@@ -11791,286 +13161,8 @@
         </p:nvSpPr>
         <p:spPr>
           <a:xfrm>
-            <a:off x="683568" y="1196752"/>
-            <a:ext cx="7992888" cy="4873752"/>
-          </a:xfrm>
-        </p:spPr>
-        <p:txBody>
-          <a:bodyPr/>
-          <a:lstStyle/>
-          <a:p>
-            <a:pPr lvl="0" algn="just"/>
-            <a:r>
-              <a:rPr lang="id-ID" dirty="0"/>
-              <a:t>Berdasarkan latar belakang yang telah diuraikan, maka perumusan masalah yang dapat diambil dalam penelitian ini adalah “Bagaimana menerapkan Algoritma Naïve Bayes untuk</a:t>
-            </a:r>
-            <a:r>
-              <a:rPr lang="en-US" dirty="0"/>
-              <a:t> </a:t>
-            </a:r>
-            <a:r>
-              <a:rPr lang="en-US" dirty="0" err="1"/>
-              <a:t>penentuan</a:t>
-            </a:r>
-            <a:r>
-              <a:rPr lang="en-US" dirty="0"/>
-              <a:t> </a:t>
-            </a:r>
-            <a:r>
-              <a:rPr lang="en-US" dirty="0" err="1"/>
-              <a:t>bantuan</a:t>
-            </a:r>
-            <a:r>
-              <a:rPr lang="en-US" dirty="0"/>
-              <a:t> </a:t>
-            </a:r>
-            <a:r>
-              <a:rPr lang="en-US" dirty="0" err="1"/>
-              <a:t>bedah</a:t>
-            </a:r>
-            <a:r>
-              <a:rPr lang="en-US" dirty="0"/>
-              <a:t> </a:t>
-            </a:r>
-            <a:r>
-              <a:rPr lang="en-US" dirty="0" err="1"/>
-              <a:t>rumah</a:t>
-            </a:r>
-            <a:r>
-              <a:rPr lang="en-US" dirty="0"/>
-              <a:t> (RTLH) di KELURAHAN KRAPYAK</a:t>
-            </a:r>
-            <a:r>
-              <a:rPr lang="id-ID" dirty="0"/>
-              <a:t> berdasarkan data induk</a:t>
-            </a:r>
-            <a:r>
-              <a:rPr lang="en-US" dirty="0"/>
-              <a:t> </a:t>
-            </a:r>
-            <a:r>
-              <a:rPr lang="en-US" dirty="0" err="1"/>
-              <a:t>warga</a:t>
-            </a:r>
-            <a:r>
-              <a:rPr lang="en-US" dirty="0"/>
-              <a:t> miskin</a:t>
-            </a:r>
-            <a:r>
-              <a:rPr lang="id-ID" dirty="0"/>
-              <a:t> dan data </a:t>
-            </a:r>
-            <a:r>
-              <a:rPr lang="en-US" dirty="0" err="1"/>
-              <a:t>sebelumnya</a:t>
-            </a:r>
-            <a:r>
-              <a:rPr lang="id-ID" dirty="0"/>
-              <a:t>?”</a:t>
-            </a:r>
-            <a:r>
-              <a:rPr lang="en-US" dirty="0"/>
-              <a:t> </a:t>
-            </a:r>
-            <a:r>
-              <a:rPr lang="en-US" dirty="0" err="1"/>
-              <a:t>Sehingga</a:t>
-            </a:r>
-            <a:r>
-              <a:rPr lang="en-US" dirty="0"/>
-              <a:t> </a:t>
-            </a:r>
-            <a:r>
-              <a:rPr lang="en-US" dirty="0" err="1"/>
-              <a:t>perlu</a:t>
-            </a:r>
-            <a:r>
-              <a:rPr lang="en-US" dirty="0"/>
-              <a:t> di </a:t>
-            </a:r>
-            <a:r>
-              <a:rPr lang="en-US" dirty="0" err="1"/>
-              <a:t>buatkan</a:t>
-            </a:r>
-            <a:r>
-              <a:rPr lang="en-US" dirty="0"/>
-              <a:t> </a:t>
-            </a:r>
-            <a:r>
-              <a:rPr lang="en-US" dirty="0" err="1"/>
-              <a:t>sistem</a:t>
-            </a:r>
-            <a:r>
-              <a:rPr lang="en-US" dirty="0"/>
-              <a:t> agar </a:t>
-            </a:r>
-            <a:r>
-              <a:rPr lang="en-US" dirty="0" err="1"/>
-              <a:t>mempermudah</a:t>
-            </a:r>
-            <a:r>
-              <a:rPr lang="en-US" dirty="0"/>
-              <a:t> </a:t>
-            </a:r>
-            <a:r>
-              <a:rPr lang="en-US" dirty="0" err="1"/>
-              <a:t>menentukan</a:t>
-            </a:r>
-            <a:r>
-              <a:rPr lang="en-US" dirty="0"/>
-              <a:t> </a:t>
-            </a:r>
-            <a:r>
-              <a:rPr lang="en-US" dirty="0" err="1"/>
-              <a:t>bantuan</a:t>
-            </a:r>
-            <a:r>
-              <a:rPr lang="en-US" dirty="0"/>
-              <a:t> </a:t>
-            </a:r>
-            <a:r>
-              <a:rPr lang="en-US" dirty="0" err="1"/>
-              <a:t>bedah</a:t>
-            </a:r>
-            <a:r>
-              <a:rPr lang="en-US" dirty="0"/>
-              <a:t> </a:t>
-            </a:r>
-            <a:r>
-              <a:rPr lang="en-US" dirty="0" err="1"/>
-              <a:t>rumah</a:t>
-            </a:r>
-            <a:r>
-              <a:rPr lang="id-ID" dirty="0"/>
-              <a:t>.</a:t>
-            </a:r>
-            <a:endParaRPr lang="en-US" dirty="0"/>
-          </a:p>
-          <a:p>
-            <a:pPr marL="0" indent="0">
-              <a:buNone/>
-            </a:pPr>
-            <a:endParaRPr lang="en-US" dirty="0"/>
-          </a:p>
-        </p:txBody>
-      </p:sp>
-    </p:spTree>
-    <p:extLst>
-      <p:ext uri="{BB962C8B-B14F-4D97-AF65-F5344CB8AC3E}">
-        <p14:creationId xmlns:p14="http://schemas.microsoft.com/office/powerpoint/2010/main" val="3917719572"/>
-      </p:ext>
-    </p:extLst>
-  </p:cSld>
-  <p:clrMapOvr>
-    <a:masterClrMapping/>
-  </p:clrMapOvr>
-  <p:transition spd="slow">
-    <p:randomBar dir="vert"/>
-  </p:transition>
-</p:sld>
-</file>
-
-<file path=ppt/slides/slide6.xml><?xml version="1.0" encoding="utf-8"?>
-<p:sld xmlns:a="http://schemas.openxmlformats.org/drawingml/2006/main" xmlns:r="http://schemas.openxmlformats.org/officeDocument/2006/relationships" xmlns:p="http://schemas.openxmlformats.org/presentationml/2006/main">
-  <p:cSld>
-    <p:bg>
-      <p:bgPr>
-        <a:blipFill dpi="0" rotWithShape="1">
-          <a:blip r:embed="rId2">
-            <a:lum/>
-          </a:blip>
-          <a:srcRect/>
-          <a:stretch>
-            <a:fillRect/>
-          </a:stretch>
-        </a:blipFill>
-        <a:effectLst/>
-      </p:bgPr>
-    </p:bg>
-    <p:spTree>
-      <p:nvGrpSpPr>
-        <p:cNvPr id="1" name=""/>
-        <p:cNvGrpSpPr/>
-        <p:nvPr/>
-      </p:nvGrpSpPr>
-      <p:grpSpPr>
-        <a:xfrm>
-          <a:off x="0" y="0"/>
-          <a:ext cx="0" cy="0"/>
-          <a:chOff x="0" y="0"/>
-          <a:chExt cx="0" cy="0"/>
-        </a:xfrm>
-      </p:grpSpPr>
-      <p:sp>
-        <p:nvSpPr>
-          <p:cNvPr id="2" name="Title 1">
-            <a:extLst>
-              <a:ext uri="{FF2B5EF4-FFF2-40B4-BE49-F238E27FC236}">
-                <a16:creationId xmlns:a16="http://schemas.microsoft.com/office/drawing/2014/main" id="{A304A63C-2AB2-43E2-81C7-98E9A901DFBA}"/>
-              </a:ext>
-            </a:extLst>
-          </p:cNvPr>
-          <p:cNvSpPr>
-            <a:spLocks noGrp="1"/>
-          </p:cNvSpPr>
-          <p:nvPr>
-            <p:ph type="title"/>
-          </p:nvPr>
-        </p:nvSpPr>
-        <p:spPr>
-          <a:xfrm>
-            <a:off x="683568" y="-32246"/>
-            <a:ext cx="7467600" cy="652934"/>
-          </a:xfrm>
-        </p:spPr>
-        <p:txBody>
-          <a:bodyPr/>
-          <a:lstStyle/>
-          <a:p>
-            <a:r>
-              <a:rPr lang="en-US" dirty="0">
-                <a:solidFill>
-                  <a:schemeClr val="tx1"/>
-                </a:solidFill>
-              </a:rPr>
-              <a:t>Batasan </a:t>
-            </a:r>
-            <a:r>
-              <a:rPr lang="en-US" dirty="0" err="1">
-                <a:solidFill>
-                  <a:schemeClr val="tx1"/>
-                </a:solidFill>
-              </a:rPr>
-              <a:t>Masalah</a:t>
-            </a:r>
-            <a:endParaRPr lang="en-US" dirty="0">
-              <a:solidFill>
-                <a:schemeClr val="tx1"/>
-              </a:solidFill>
-            </a:endParaRPr>
-          </a:p>
-        </p:txBody>
-      </p:sp>
-      <p:sp>
-        <p:nvSpPr>
-          <p:cNvPr id="3" name="Content Placeholder 2">
-            <a:extLst>
-              <a:ext uri="{FF2B5EF4-FFF2-40B4-BE49-F238E27FC236}">
-                <a16:creationId xmlns:a16="http://schemas.microsoft.com/office/drawing/2014/main" id="{4E1730CF-3E1D-4937-A06C-C4802EC6ED4A}"/>
-              </a:ext>
-            </a:extLst>
-          </p:cNvPr>
-          <p:cNvSpPr>
-            <a:spLocks noGrp="1"/>
-          </p:cNvSpPr>
-          <p:nvPr>
-            <p:ph sz="quarter" idx="1"/>
-          </p:nvPr>
-        </p:nvSpPr>
-        <p:spPr>
-          <a:xfrm>
-            <a:off x="539552" y="620688"/>
-            <a:ext cx="8064896" cy="6120680"/>
+            <a:off x="683568" y="710515"/>
+            <a:ext cx="7467600" cy="3510573"/>
           </a:xfrm>
         </p:spPr>
         <p:txBody>
@@ -12079,865 +13171,24 @@
           </a:bodyPr>
           <a:lstStyle/>
           <a:p>
-            <a:pPr algn="just"/>
-            <a:r>
-              <a:rPr lang="en-US" dirty="0"/>
-              <a:t>Data yang </a:t>
-            </a:r>
-            <a:r>
-              <a:rPr lang="en-US" dirty="0" err="1"/>
-              <a:t>akan</a:t>
-            </a:r>
-            <a:r>
-              <a:rPr lang="en-US" dirty="0"/>
-              <a:t> </a:t>
-            </a:r>
-            <a:r>
-              <a:rPr lang="en-US" dirty="0" err="1"/>
-              <a:t>digunakan</a:t>
-            </a:r>
-            <a:r>
-              <a:rPr lang="en-US" dirty="0"/>
-              <a:t> </a:t>
-            </a:r>
-            <a:r>
-              <a:rPr lang="en-US" dirty="0" err="1"/>
-              <a:t>adalah</a:t>
-            </a:r>
-            <a:r>
-              <a:rPr lang="en-US" dirty="0"/>
-              <a:t> data yang </a:t>
-            </a:r>
-            <a:r>
-              <a:rPr lang="en-US" dirty="0" err="1"/>
-              <a:t>sudah</a:t>
-            </a:r>
-            <a:r>
-              <a:rPr lang="en-US" dirty="0"/>
-              <a:t> </a:t>
-            </a:r>
-            <a:r>
-              <a:rPr lang="en-US" dirty="0" err="1"/>
-              <a:t>ada</a:t>
-            </a:r>
-            <a:r>
-              <a:rPr lang="en-US" dirty="0"/>
-              <a:t> </a:t>
-            </a:r>
-            <a:r>
-              <a:rPr lang="en-US" dirty="0" err="1"/>
-              <a:t>sebelumnya</a:t>
-            </a:r>
-            <a:r>
-              <a:rPr lang="en-US" dirty="0"/>
-              <a:t> dan </a:t>
-            </a:r>
-            <a:r>
-              <a:rPr lang="en-US" dirty="0" err="1"/>
-              <a:t>warga</a:t>
-            </a:r>
-            <a:r>
-              <a:rPr lang="en-US" dirty="0"/>
-              <a:t> miskin di Kelurahan </a:t>
-            </a:r>
-            <a:r>
-              <a:rPr lang="en-US" dirty="0" err="1"/>
-              <a:t>Krapyak</a:t>
-            </a:r>
-            <a:r>
-              <a:rPr lang="en-US" dirty="0"/>
-              <a:t> Semarang Barat.</a:t>
-            </a:r>
-            <a:endParaRPr lang="en-ID" dirty="0"/>
-          </a:p>
-          <a:p>
-            <a:pPr algn="just"/>
-            <a:r>
-              <a:rPr lang="en-US" dirty="0"/>
-              <a:t>Status </a:t>
-            </a:r>
-            <a:r>
-              <a:rPr lang="en-US" dirty="0" err="1"/>
-              <a:t>rumah</a:t>
-            </a:r>
-            <a:r>
-              <a:rPr lang="en-US" dirty="0"/>
-              <a:t> yang </a:t>
-            </a:r>
-            <a:r>
-              <a:rPr lang="en-US" dirty="0" err="1"/>
-              <a:t>akan</a:t>
-            </a:r>
-            <a:r>
-              <a:rPr lang="en-US" dirty="0"/>
-              <a:t> </a:t>
-            </a:r>
-            <a:r>
-              <a:rPr lang="en-US" dirty="0" err="1"/>
-              <a:t>menerima</a:t>
-            </a:r>
-            <a:r>
-              <a:rPr lang="en-US" dirty="0"/>
-              <a:t> </a:t>
-            </a:r>
-            <a:r>
-              <a:rPr lang="en-US" dirty="0" err="1"/>
-              <a:t>bantuan</a:t>
-            </a:r>
-            <a:r>
-              <a:rPr lang="en-US" dirty="0"/>
-              <a:t> </a:t>
-            </a:r>
-            <a:r>
-              <a:rPr lang="en-US" dirty="0" err="1"/>
-              <a:t>bedah</a:t>
-            </a:r>
-            <a:r>
-              <a:rPr lang="en-US" dirty="0"/>
-              <a:t> </a:t>
-            </a:r>
-            <a:r>
-              <a:rPr lang="en-US" dirty="0" err="1"/>
-              <a:t>rumah</a:t>
-            </a:r>
-            <a:r>
-              <a:rPr lang="en-US" dirty="0"/>
-              <a:t> </a:t>
-            </a:r>
-            <a:r>
-              <a:rPr lang="en-US" dirty="0" err="1"/>
-              <a:t>adalah</a:t>
-            </a:r>
-            <a:r>
-              <a:rPr lang="en-US" dirty="0"/>
-              <a:t> </a:t>
-            </a:r>
-            <a:r>
-              <a:rPr lang="en-US" dirty="0" err="1"/>
-              <a:t>milik</a:t>
-            </a:r>
-            <a:r>
-              <a:rPr lang="en-US" dirty="0"/>
-              <a:t> </a:t>
-            </a:r>
-            <a:r>
-              <a:rPr lang="en-US" dirty="0" err="1"/>
-              <a:t>sendiri</a:t>
-            </a:r>
-            <a:r>
-              <a:rPr lang="en-US" dirty="0"/>
-              <a:t>.</a:t>
-            </a:r>
-            <a:endParaRPr lang="en-ID" dirty="0"/>
-          </a:p>
-          <a:p>
-            <a:pPr algn="just"/>
-            <a:r>
-              <a:rPr lang="en-US" dirty="0" err="1"/>
-              <a:t>Metode</a:t>
-            </a:r>
-            <a:r>
-              <a:rPr lang="en-US" dirty="0"/>
-              <a:t> yang </a:t>
-            </a:r>
-            <a:r>
-              <a:rPr lang="en-US" dirty="0" err="1"/>
-              <a:t>digunakan</a:t>
-            </a:r>
-            <a:r>
-              <a:rPr lang="en-US" dirty="0"/>
-              <a:t> </a:t>
-            </a:r>
-            <a:r>
-              <a:rPr lang="en-US" dirty="0" err="1"/>
-              <a:t>adalah</a:t>
-            </a:r>
-            <a:r>
-              <a:rPr lang="en-US" dirty="0"/>
-              <a:t> </a:t>
-            </a:r>
-            <a:r>
-              <a:rPr lang="en-US" dirty="0" err="1"/>
-              <a:t>metode</a:t>
-            </a:r>
-            <a:r>
-              <a:rPr lang="en-US" dirty="0"/>
-              <a:t> </a:t>
-            </a:r>
-            <a:r>
-              <a:rPr lang="en-US" dirty="0" err="1"/>
-              <a:t>klasifikasi</a:t>
-            </a:r>
-            <a:r>
-              <a:rPr lang="en-US" dirty="0"/>
-              <a:t> </a:t>
-            </a:r>
-            <a:r>
-              <a:rPr lang="en-US" dirty="0" err="1"/>
-              <a:t>dengan</a:t>
-            </a:r>
-            <a:r>
-              <a:rPr lang="en-US" dirty="0"/>
-              <a:t> </a:t>
-            </a:r>
-            <a:r>
-              <a:rPr lang="en-US" dirty="0" err="1"/>
-              <a:t>algoritma</a:t>
-            </a:r>
-            <a:r>
-              <a:rPr lang="en-US" dirty="0"/>
-              <a:t> Naïve Bayes.</a:t>
-            </a:r>
-            <a:endParaRPr lang="en-ID" dirty="0"/>
-          </a:p>
-          <a:p>
-            <a:pPr algn="just"/>
-            <a:r>
-              <a:rPr lang="en-US" dirty="0" err="1"/>
-              <a:t>Penelitian</a:t>
-            </a:r>
-            <a:r>
-              <a:rPr lang="en-US" dirty="0"/>
-              <a:t> </a:t>
-            </a:r>
-            <a:r>
-              <a:rPr lang="en-US" dirty="0" err="1"/>
-              <a:t>ini</a:t>
-            </a:r>
-            <a:r>
-              <a:rPr lang="en-US" dirty="0"/>
-              <a:t> </a:t>
-            </a:r>
-            <a:r>
-              <a:rPr lang="en-US" dirty="0" err="1"/>
-              <a:t>hanya</a:t>
-            </a:r>
-            <a:r>
-              <a:rPr lang="en-US" dirty="0"/>
-              <a:t> </a:t>
-            </a:r>
-            <a:r>
-              <a:rPr lang="en-US" dirty="0" err="1"/>
-              <a:t>mengklasifikasikan</a:t>
-            </a:r>
-            <a:r>
-              <a:rPr lang="en-US" dirty="0"/>
-              <a:t> </a:t>
-            </a:r>
-            <a:r>
-              <a:rPr lang="en-US" dirty="0" err="1"/>
-              <a:t>penentuan</a:t>
-            </a:r>
-            <a:r>
-              <a:rPr lang="en-US" dirty="0"/>
-              <a:t> </a:t>
-            </a:r>
-            <a:r>
-              <a:rPr lang="en-US" dirty="0" err="1"/>
-              <a:t>bantuan</a:t>
-            </a:r>
-            <a:r>
-              <a:rPr lang="en-US" dirty="0"/>
-              <a:t> </a:t>
-            </a:r>
-            <a:r>
-              <a:rPr lang="en-US" dirty="0" err="1"/>
-              <a:t>bedah</a:t>
-            </a:r>
-            <a:r>
-              <a:rPr lang="en-US" dirty="0"/>
-              <a:t> </a:t>
-            </a:r>
-            <a:r>
-              <a:rPr lang="en-US" dirty="0" err="1"/>
-              <a:t>rumah</a:t>
-            </a:r>
-            <a:r>
-              <a:rPr lang="en-US" dirty="0"/>
-              <a:t> yang </a:t>
-            </a:r>
-            <a:r>
-              <a:rPr lang="en-US" dirty="0" err="1"/>
-              <a:t>menghasilkan</a:t>
-            </a:r>
-            <a:r>
-              <a:rPr lang="en-US" dirty="0"/>
-              <a:t> label </a:t>
-            </a:r>
-            <a:r>
-              <a:rPr lang="en-US" dirty="0" err="1"/>
-              <a:t>berupa</a:t>
-            </a:r>
-            <a:r>
-              <a:rPr lang="en-US" dirty="0"/>
-              <a:t> </a:t>
-            </a:r>
-            <a:r>
-              <a:rPr lang="en-US" dirty="0" err="1"/>
-              <a:t>dapat</a:t>
-            </a:r>
-            <a:r>
-              <a:rPr lang="en-US" dirty="0"/>
-              <a:t> dan </a:t>
-            </a:r>
-            <a:r>
-              <a:rPr lang="en-US" dirty="0" err="1"/>
-              <a:t>tidak</a:t>
-            </a:r>
-            <a:r>
-              <a:rPr lang="en-US" dirty="0"/>
-              <a:t> </a:t>
-            </a:r>
-            <a:r>
-              <a:rPr lang="en-US" dirty="0" err="1"/>
-              <a:t>dapat</a:t>
-            </a:r>
-            <a:r>
-              <a:rPr lang="en-US" dirty="0"/>
-              <a:t> </a:t>
-            </a:r>
-            <a:r>
-              <a:rPr lang="en-US" dirty="0" err="1"/>
-              <a:t>serta</a:t>
-            </a:r>
-            <a:r>
-              <a:rPr lang="en-US" dirty="0"/>
-              <a:t> approved </a:t>
-            </a:r>
-            <a:r>
-              <a:rPr lang="en-US" dirty="0" err="1"/>
-              <a:t>dari</a:t>
-            </a:r>
-            <a:r>
-              <a:rPr lang="en-US" dirty="0"/>
-              <a:t> DINSOS dan </a:t>
-            </a:r>
-            <a:r>
-              <a:rPr lang="en-US" dirty="0" err="1"/>
-              <a:t>kapan</a:t>
-            </a:r>
-            <a:r>
-              <a:rPr lang="en-US" dirty="0"/>
-              <a:t> </a:t>
-            </a:r>
-            <a:r>
-              <a:rPr lang="en-US" dirty="0" err="1"/>
-              <a:t>bantuan</a:t>
-            </a:r>
-            <a:r>
-              <a:rPr lang="en-US" dirty="0"/>
-              <a:t> </a:t>
-            </a:r>
-            <a:r>
-              <a:rPr lang="en-US" dirty="0" err="1"/>
-              <a:t>tersebut</a:t>
-            </a:r>
-            <a:r>
-              <a:rPr lang="en-US" dirty="0"/>
-              <a:t> </a:t>
-            </a:r>
-            <a:r>
-              <a:rPr lang="en-US" dirty="0" err="1"/>
-              <a:t>disalurkan</a:t>
-            </a:r>
-            <a:r>
-              <a:rPr lang="en-US" dirty="0"/>
-              <a:t> </a:t>
-            </a:r>
-            <a:r>
-              <a:rPr lang="en-US" dirty="0" err="1"/>
-              <a:t>kepada</a:t>
-            </a:r>
-            <a:r>
-              <a:rPr lang="en-US" dirty="0"/>
-              <a:t> yang </a:t>
-            </a:r>
-            <a:r>
-              <a:rPr lang="en-US" dirty="0" err="1"/>
-              <a:t>mendapat</a:t>
-            </a:r>
-            <a:r>
-              <a:rPr lang="en-US" dirty="0"/>
-              <a:t>.</a:t>
-            </a:r>
-          </a:p>
-          <a:p>
-            <a:pPr algn="just"/>
-            <a:r>
-              <a:rPr lang="id-ID" dirty="0"/>
-              <a:t>S</a:t>
-            </a:r>
-            <a:r>
-              <a:rPr lang="en-US" dirty="0"/>
-              <a:t>y</a:t>
-            </a:r>
-            <a:r>
-              <a:rPr lang="id-ID" dirty="0"/>
-              <a:t>stem akan diimplementasi dan dikembangkan menggunakan </a:t>
-            </a:r>
-            <a:r>
-              <a:rPr lang="id-ID" i="1" dirty="0"/>
-              <a:t>Framework Codeigniter </a:t>
-            </a:r>
-            <a:r>
-              <a:rPr lang="id-ID" dirty="0"/>
-              <a:t>dan MySql sebagai database penyimpanannya.</a:t>
-            </a:r>
-            <a:endParaRPr lang="en-ID" dirty="0"/>
-          </a:p>
-          <a:p>
-            <a:pPr lvl="0"/>
-            <a:endParaRPr lang="en-US" dirty="0"/>
-          </a:p>
-          <a:p>
-            <a:pPr lvl="0"/>
-            <a:endParaRPr lang="en-US" dirty="0"/>
-          </a:p>
-          <a:p>
-            <a:pPr lvl="0"/>
-            <a:endParaRPr lang="en-US" dirty="0"/>
-          </a:p>
-        </p:txBody>
-      </p:sp>
-    </p:spTree>
-    <p:extLst>
-      <p:ext uri="{BB962C8B-B14F-4D97-AF65-F5344CB8AC3E}">
-        <p14:creationId xmlns:p14="http://schemas.microsoft.com/office/powerpoint/2010/main" val="3693442085"/>
-      </p:ext>
-    </p:extLst>
-  </p:cSld>
-  <p:clrMapOvr>
-    <a:masterClrMapping/>
-  </p:clrMapOvr>
-  <p:transition spd="slow">
-    <p:randomBar dir="vert"/>
-  </p:transition>
-</p:sld>
-</file>
-
-<file path=ppt/slides/slide7.xml><?xml version="1.0" encoding="utf-8"?>
-<p:sld xmlns:a="http://schemas.openxmlformats.org/drawingml/2006/main" xmlns:r="http://schemas.openxmlformats.org/officeDocument/2006/relationships" xmlns:p="http://schemas.openxmlformats.org/presentationml/2006/main">
-  <p:cSld>
-    <p:bg>
-      <p:bgPr>
-        <a:blipFill dpi="0" rotWithShape="1">
-          <a:blip r:embed="rId2">
-            <a:lum/>
-          </a:blip>
-          <a:srcRect/>
-          <a:stretch>
-            <a:fillRect/>
-          </a:stretch>
-        </a:blipFill>
-        <a:effectLst/>
-      </p:bgPr>
-    </p:bg>
-    <p:spTree>
-      <p:nvGrpSpPr>
-        <p:cNvPr id="1" name=""/>
-        <p:cNvGrpSpPr/>
-        <p:nvPr/>
-      </p:nvGrpSpPr>
-      <p:grpSpPr>
-        <a:xfrm>
-          <a:off x="0" y="0"/>
-          <a:ext cx="0" cy="0"/>
-          <a:chOff x="0" y="0"/>
-          <a:chExt cx="0" cy="0"/>
-        </a:xfrm>
-      </p:grpSpPr>
-      <p:sp>
-        <p:nvSpPr>
-          <p:cNvPr id="2" name="Title 1">
-            <a:extLst>
-              <a:ext uri="{FF2B5EF4-FFF2-40B4-BE49-F238E27FC236}">
-                <a16:creationId xmlns:a16="http://schemas.microsoft.com/office/drawing/2014/main" id="{A304A63C-2AB2-43E2-81C7-98E9A901DFBA}"/>
-              </a:ext>
-            </a:extLst>
-          </p:cNvPr>
-          <p:cNvSpPr>
-            <a:spLocks noGrp="1"/>
-          </p:cNvSpPr>
-          <p:nvPr>
-            <p:ph type="title"/>
-          </p:nvPr>
-        </p:nvSpPr>
-        <p:spPr>
-          <a:xfrm>
-            <a:off x="838200" y="-32246"/>
-            <a:ext cx="7467600" cy="580926"/>
-          </a:xfrm>
-        </p:spPr>
-        <p:txBody>
-          <a:bodyPr/>
-          <a:lstStyle/>
-          <a:p>
-            <a:pPr algn="ctr"/>
-            <a:r>
-              <a:rPr lang="en-US" dirty="0" err="1">
-                <a:solidFill>
-                  <a:schemeClr val="tx1"/>
-                </a:solidFill>
-              </a:rPr>
-              <a:t>Tujuan</a:t>
-            </a:r>
-            <a:r>
-              <a:rPr lang="en-US" dirty="0">
-                <a:solidFill>
-                  <a:schemeClr val="tx1"/>
-                </a:solidFill>
-              </a:rPr>
-              <a:t> </a:t>
-            </a:r>
-            <a:r>
-              <a:rPr lang="en-US" dirty="0" err="1">
-                <a:solidFill>
-                  <a:schemeClr val="tx1"/>
-                </a:solidFill>
-              </a:rPr>
-              <a:t>Tugas</a:t>
-            </a:r>
-            <a:r>
-              <a:rPr lang="en-US" dirty="0">
-                <a:solidFill>
-                  <a:schemeClr val="tx1"/>
-                </a:solidFill>
-              </a:rPr>
-              <a:t> </a:t>
-            </a:r>
-            <a:r>
-              <a:rPr lang="en-US" dirty="0" err="1">
-                <a:solidFill>
-                  <a:schemeClr val="tx1"/>
-                </a:solidFill>
-              </a:rPr>
-              <a:t>Akhir</a:t>
-            </a:r>
-            <a:endParaRPr lang="en-US" dirty="0">
-              <a:solidFill>
-                <a:schemeClr val="tx1"/>
-              </a:solidFill>
-            </a:endParaRPr>
-          </a:p>
-        </p:txBody>
-      </p:sp>
-      <p:sp>
-        <p:nvSpPr>
-          <p:cNvPr id="3" name="Content Placeholder 2">
-            <a:extLst>
-              <a:ext uri="{FF2B5EF4-FFF2-40B4-BE49-F238E27FC236}">
-                <a16:creationId xmlns:a16="http://schemas.microsoft.com/office/drawing/2014/main" id="{4E1730CF-3E1D-4937-A06C-C4802EC6ED4A}"/>
-              </a:ext>
-            </a:extLst>
-          </p:cNvPr>
-          <p:cNvSpPr>
-            <a:spLocks noGrp="1"/>
-          </p:cNvSpPr>
-          <p:nvPr>
-            <p:ph sz="quarter" idx="1"/>
-          </p:nvPr>
-        </p:nvSpPr>
-        <p:spPr>
-          <a:xfrm>
-            <a:off x="838200" y="715488"/>
-            <a:ext cx="7467600" cy="4873752"/>
-          </a:xfrm>
-        </p:spPr>
-        <p:txBody>
-          <a:bodyPr>
-            <a:normAutofit lnSpcReduction="10000"/>
-          </a:bodyPr>
-          <a:lstStyle/>
-          <a:p>
-            <a:pPr algn="just"/>
-            <a:r>
-              <a:rPr lang="en-US" dirty="0" err="1"/>
-              <a:t>Membangun</a:t>
-            </a:r>
-            <a:r>
-              <a:rPr lang="en-US" dirty="0"/>
-              <a:t> </a:t>
-            </a:r>
-            <a:r>
-              <a:rPr lang="en-US" dirty="0" err="1"/>
-              <a:t>sebuah</a:t>
-            </a:r>
-            <a:r>
-              <a:rPr lang="en-US" dirty="0"/>
-              <a:t> </a:t>
-            </a:r>
-            <a:r>
-              <a:rPr lang="en-US" dirty="0" err="1"/>
-              <a:t>sistem</a:t>
-            </a:r>
-            <a:r>
-              <a:rPr lang="en-US" dirty="0"/>
-              <a:t> yang </a:t>
-            </a:r>
-            <a:r>
-              <a:rPr lang="en-US" dirty="0" err="1"/>
-              <a:t>dapat</a:t>
-            </a:r>
-            <a:r>
-              <a:rPr lang="en-US" dirty="0"/>
-              <a:t> </a:t>
-            </a:r>
-            <a:r>
-              <a:rPr lang="en-US" dirty="0" err="1"/>
-              <a:t>menentukan</a:t>
-            </a:r>
-            <a:r>
-              <a:rPr lang="en-US" dirty="0"/>
-              <a:t> </a:t>
-            </a:r>
-            <a:r>
-              <a:rPr lang="en-US" dirty="0" err="1"/>
-              <a:t>siapa</a:t>
-            </a:r>
-            <a:r>
-              <a:rPr lang="en-US" dirty="0"/>
-              <a:t> yang </a:t>
-            </a:r>
-            <a:r>
-              <a:rPr lang="en-US" dirty="0" err="1"/>
-              <a:t>mendapatkan</a:t>
-            </a:r>
-            <a:r>
-              <a:rPr lang="en-US" dirty="0"/>
-              <a:t> </a:t>
-            </a:r>
-            <a:r>
-              <a:rPr lang="en-US" dirty="0" err="1"/>
-              <a:t>bantuan</a:t>
-            </a:r>
-            <a:r>
-              <a:rPr lang="en-US" dirty="0"/>
-              <a:t> </a:t>
-            </a:r>
-            <a:r>
-              <a:rPr lang="en-US" dirty="0" err="1"/>
-              <a:t>bedah</a:t>
-            </a:r>
-            <a:r>
-              <a:rPr lang="en-US" dirty="0"/>
-              <a:t> </a:t>
-            </a:r>
-            <a:r>
-              <a:rPr lang="en-US" dirty="0" err="1"/>
-              <a:t>rumah</a:t>
-            </a:r>
-            <a:r>
-              <a:rPr lang="en-US" dirty="0"/>
-              <a:t> (RTLH) di Kelurahan </a:t>
-            </a:r>
-            <a:r>
-              <a:rPr lang="en-US" dirty="0" err="1"/>
-              <a:t>Krapyak</a:t>
-            </a:r>
-            <a:r>
-              <a:rPr lang="en-US" dirty="0"/>
-              <a:t> </a:t>
-            </a:r>
-            <a:r>
-              <a:rPr lang="en-US" dirty="0" err="1"/>
-              <a:t>dengan</a:t>
-            </a:r>
-            <a:r>
-              <a:rPr lang="en-US" dirty="0"/>
-              <a:t> </a:t>
-            </a:r>
-            <a:r>
-              <a:rPr lang="en-US" dirty="0" err="1"/>
-              <a:t>mengklasifikasikan</a:t>
-            </a:r>
-            <a:r>
-              <a:rPr lang="en-US" dirty="0"/>
-              <a:t> </a:t>
-            </a:r>
-            <a:r>
-              <a:rPr lang="en-US" dirty="0" err="1"/>
-              <a:t>hasil</a:t>
-            </a:r>
-            <a:r>
-              <a:rPr lang="en-US" dirty="0"/>
-              <a:t> “</a:t>
-            </a:r>
-            <a:r>
-              <a:rPr lang="en-US" dirty="0" err="1"/>
-              <a:t>Dapat</a:t>
-            </a:r>
-            <a:r>
-              <a:rPr lang="en-US" dirty="0"/>
-              <a:t>” dan “</a:t>
-            </a:r>
-            <a:r>
-              <a:rPr lang="en-US" dirty="0" err="1"/>
-              <a:t>Tidak</a:t>
-            </a:r>
-            <a:r>
-              <a:rPr lang="en-US" dirty="0"/>
-              <a:t> </a:t>
-            </a:r>
-            <a:r>
-              <a:rPr lang="en-US" dirty="0" err="1"/>
-              <a:t>Dapat</a:t>
-            </a:r>
-            <a:r>
-              <a:rPr lang="en-US" dirty="0"/>
-              <a:t>” </a:t>
-            </a:r>
-            <a:r>
-              <a:rPr lang="en-US" dirty="0" err="1"/>
-              <a:t>menggunakan</a:t>
-            </a:r>
-            <a:r>
-              <a:rPr lang="en-US" dirty="0"/>
-              <a:t> data </a:t>
-            </a:r>
-            <a:r>
-              <a:rPr lang="en-US" dirty="0" err="1"/>
-              <a:t>sebelumnya</a:t>
-            </a:r>
-            <a:r>
-              <a:rPr lang="en-US" dirty="0"/>
-              <a:t> di Kelurahan </a:t>
-            </a:r>
-            <a:r>
-              <a:rPr lang="en-US" dirty="0" err="1"/>
-              <a:t>Krapyak</a:t>
-            </a:r>
-            <a:r>
-              <a:rPr lang="en-US" dirty="0"/>
-              <a:t>, </a:t>
-            </a:r>
-            <a:r>
-              <a:rPr lang="en-US" dirty="0" err="1"/>
-              <a:t>sehingga</a:t>
-            </a:r>
-            <a:r>
-              <a:rPr lang="en-US" dirty="0"/>
-              <a:t> </a:t>
-            </a:r>
-            <a:r>
-              <a:rPr lang="en-US" dirty="0" err="1"/>
-              <a:t>bisa</a:t>
-            </a:r>
-            <a:r>
-              <a:rPr lang="en-US" dirty="0"/>
-              <a:t> </a:t>
-            </a:r>
-            <a:r>
-              <a:rPr lang="en-US" dirty="0" err="1"/>
-              <a:t>mempermudah</a:t>
-            </a:r>
-            <a:r>
-              <a:rPr lang="en-US" dirty="0"/>
-              <a:t> </a:t>
-            </a:r>
-            <a:r>
-              <a:rPr lang="en-US" dirty="0" err="1"/>
-              <a:t>menentukan</a:t>
-            </a:r>
-            <a:r>
-              <a:rPr lang="en-US" dirty="0"/>
-              <a:t> </a:t>
-            </a:r>
-            <a:r>
-              <a:rPr lang="en-US" dirty="0" err="1"/>
-              <a:t>warga</a:t>
-            </a:r>
-            <a:r>
-              <a:rPr lang="en-US" dirty="0"/>
-              <a:t> yang </a:t>
-            </a:r>
-            <a:r>
-              <a:rPr lang="en-US" dirty="0" err="1"/>
-              <a:t>berhak</a:t>
-            </a:r>
-            <a:r>
-              <a:rPr lang="en-US" dirty="0"/>
-              <a:t> </a:t>
-            </a:r>
-            <a:r>
-              <a:rPr lang="en-US" dirty="0" err="1"/>
-              <a:t>menerima</a:t>
-            </a:r>
-            <a:r>
-              <a:rPr lang="en-US" dirty="0"/>
-              <a:t> </a:t>
-            </a:r>
-            <a:r>
-              <a:rPr lang="en-US" dirty="0" err="1"/>
-              <a:t>bantuan</a:t>
-            </a:r>
-            <a:r>
-              <a:rPr lang="en-US" dirty="0"/>
-              <a:t> dan </a:t>
-            </a:r>
-            <a:r>
-              <a:rPr lang="en-US" dirty="0" err="1"/>
-              <a:t>tepat</a:t>
-            </a:r>
-            <a:r>
-              <a:rPr lang="en-US" dirty="0"/>
-              <a:t> </a:t>
-            </a:r>
-            <a:r>
-              <a:rPr lang="en-US" dirty="0" err="1"/>
-              <a:t>sasaran</a:t>
-            </a:r>
-            <a:r>
-              <a:rPr lang="en-US" dirty="0"/>
-              <a:t> </a:t>
-            </a:r>
-            <a:r>
-              <a:rPr lang="en-US" dirty="0" err="1"/>
-              <a:t>dengan</a:t>
-            </a:r>
-            <a:r>
-              <a:rPr lang="en-US" dirty="0"/>
-              <a:t> </a:t>
-            </a:r>
-            <a:r>
-              <a:rPr lang="en-US" dirty="0" err="1"/>
-              <a:t>menggunakan</a:t>
-            </a:r>
-            <a:r>
-              <a:rPr lang="en-US" dirty="0"/>
-              <a:t> </a:t>
-            </a:r>
-            <a:r>
-              <a:rPr lang="en-US" dirty="0" err="1"/>
-              <a:t>metode</a:t>
-            </a:r>
-            <a:r>
-              <a:rPr lang="en-US" dirty="0"/>
-              <a:t> </a:t>
-            </a:r>
-            <a:r>
-              <a:rPr lang="en-US" dirty="0" err="1"/>
-              <a:t>klasifikasi</a:t>
-            </a:r>
-            <a:r>
-              <a:rPr lang="en-US" dirty="0"/>
-              <a:t> </a:t>
-            </a:r>
-            <a:r>
-              <a:rPr lang="en-US" i="1" dirty="0"/>
-              <a:t>Naïve Bayes.</a:t>
-            </a:r>
-          </a:p>
-          <a:p>
             <a:pPr marL="0" indent="0" algn="just">
               <a:buNone/>
             </a:pPr>
-            <a:endParaRPr lang="en-US" i="1" dirty="0"/>
+            <a:endParaRPr lang="en-ID" dirty="0"/>
           </a:p>
           <a:p>
             <a:pPr algn="just"/>
             <a:r>
               <a:rPr lang="en-US" dirty="0" err="1"/>
-              <a:t>Mempermudah</a:t>
+              <a:t>Untuk</a:t>
+            </a:r>
+            <a:r>
+              <a:rPr lang="en-US" dirty="0"/>
+              <a:t> </a:t>
+            </a:r>
+            <a:r>
+              <a:rPr lang="en-US" dirty="0" err="1"/>
+              <a:t>mengetahui</a:t>
             </a:r>
             <a:r>
               <a:rPr lang="en-US" dirty="0"/>
@@ -12953,15 +13204,7 @@
             </a:r>
             <a:r>
               <a:rPr lang="en-US" dirty="0" err="1"/>
-              <a:t>dalam</a:t>
-            </a:r>
-            <a:r>
-              <a:rPr lang="en-US" dirty="0"/>
-              <a:t> </a:t>
-            </a:r>
-            <a:r>
-              <a:rPr lang="en-US" dirty="0" err="1"/>
-              <a:t>memantau</a:t>
+              <a:t>mendapatkan</a:t>
             </a:r>
             <a:r>
               <a:rPr lang="en-US" dirty="0"/>
@@ -12973,19 +13216,75 @@
             </a:r>
             <a:r>
               <a:rPr lang="en-US" dirty="0"/>
-              <a:t> yang </a:t>
-            </a:r>
-            <a:r>
-              <a:rPr lang="en-US" dirty="0" err="1"/>
-              <a:t>sudah</a:t>
-            </a:r>
-            <a:r>
-              <a:rPr lang="en-US" dirty="0"/>
-              <a:t> </a:t>
-            </a:r>
-            <a:r>
-              <a:rPr lang="en-US" dirty="0" err="1"/>
-              <a:t>diajukan</a:t>
+              <a:t> </a:t>
+            </a:r>
+            <a:r>
+              <a:rPr lang="en-US" dirty="0" err="1"/>
+              <a:t>bedah</a:t>
+            </a:r>
+            <a:r>
+              <a:rPr lang="en-US" dirty="0"/>
+              <a:t> </a:t>
+            </a:r>
+            <a:r>
+              <a:rPr lang="en-US" dirty="0" err="1"/>
+              <a:t>rumah</a:t>
+            </a:r>
+            <a:r>
+              <a:rPr lang="en-US" dirty="0"/>
+              <a:t> </a:t>
+            </a:r>
+            <a:r>
+              <a:rPr lang="en-US" dirty="0" err="1"/>
+              <a:t>biasana</a:t>
+            </a:r>
+            <a:r>
+              <a:rPr lang="en-US" dirty="0"/>
+              <a:t> </a:t>
+            </a:r>
+            <a:r>
+              <a:rPr lang="en-US" dirty="0" err="1"/>
+              <a:t>diberitahu</a:t>
+            </a:r>
+            <a:r>
+              <a:rPr lang="en-US" dirty="0"/>
+              <a:t> oleh </a:t>
+            </a:r>
+            <a:r>
+              <a:rPr lang="en-US" dirty="0" err="1"/>
+              <a:t>Ketua</a:t>
+            </a:r>
+            <a:r>
+              <a:rPr lang="en-US" dirty="0"/>
+              <a:t> RT dan </a:t>
+            </a:r>
+            <a:r>
+              <a:rPr lang="en-US" dirty="0" err="1"/>
+              <a:t>untuk</a:t>
+            </a:r>
+            <a:r>
+              <a:rPr lang="en-US" dirty="0"/>
+              <a:t> </a:t>
+            </a:r>
+            <a:r>
+              <a:rPr lang="en-US" dirty="0" err="1"/>
+              <a:t>kejelasan</a:t>
+            </a:r>
+            <a:r>
+              <a:rPr lang="en-US" dirty="0"/>
+              <a:t> dana </a:t>
+            </a:r>
+            <a:r>
+              <a:rPr lang="en-US" dirty="0" err="1"/>
+              <a:t>akan</a:t>
+            </a:r>
+            <a:r>
+              <a:rPr lang="en-US" dirty="0"/>
+              <a:t> di </a:t>
+            </a:r>
+            <a:r>
+              <a:rPr lang="en-US" dirty="0" err="1"/>
+              <a:t>salurkan</a:t>
             </a:r>
             <a:r>
               <a:rPr lang="en-US" dirty="0"/>
@@ -12993,361 +13292,205 @@
             </a:r>
             <a:r>
               <a:rPr lang="en-US" dirty="0" err="1"/>
-              <a:t>mengetahui</a:t>
-            </a:r>
-            <a:r>
-              <a:rPr lang="en-US" dirty="0"/>
-              <a:t> </a:t>
-            </a:r>
-            <a:r>
-              <a:rPr lang="en-US" dirty="0" err="1"/>
-              <a:t>perkembangan</a:t>
-            </a:r>
-            <a:r>
-              <a:rPr lang="en-US" dirty="0"/>
-              <a:t> </a:t>
-            </a:r>
-            <a:r>
-              <a:rPr lang="en-US" dirty="0" err="1"/>
-              <a:t>bantuan</a:t>
+              <a:t>kapan</a:t>
+            </a:r>
+            <a:r>
+              <a:rPr lang="en-US" dirty="0"/>
+              <a:t> </a:t>
+            </a:r>
+            <a:r>
+              <a:rPr lang="en-US" dirty="0" err="1"/>
+              <a:t>rumah</a:t>
+            </a:r>
+            <a:r>
+              <a:rPr lang="en-US" dirty="0"/>
+              <a:t> </a:t>
+            </a:r>
+            <a:r>
+              <a:rPr lang="en-US" dirty="0" err="1"/>
+              <a:t>mulai</a:t>
+            </a:r>
+            <a:r>
+              <a:rPr lang="en-US" dirty="0"/>
+              <a:t> di </a:t>
+            </a:r>
+            <a:r>
+              <a:rPr lang="en-US" dirty="0" err="1"/>
+              <a:t>kerjakan</a:t>
+            </a:r>
+            <a:r>
+              <a:rPr lang="en-US" dirty="0"/>
+              <a:t> </a:t>
+            </a:r>
+            <a:r>
+              <a:rPr lang="en-US" dirty="0" err="1"/>
+              <a:t>renovasinya</a:t>
+            </a:r>
+            <a:r>
+              <a:rPr lang="en-US" dirty="0"/>
+              <a:t> </a:t>
+            </a:r>
+            <a:r>
+              <a:rPr lang="en-US" dirty="0" err="1"/>
+              <a:t>warga</a:t>
+            </a:r>
+            <a:r>
+              <a:rPr lang="en-US" dirty="0"/>
+              <a:t> </a:t>
+            </a:r>
+            <a:r>
+              <a:rPr lang="en-US" dirty="0" err="1"/>
+              <a:t>harus</a:t>
+            </a:r>
+            <a:r>
+              <a:rPr lang="en-US" dirty="0"/>
+              <a:t> </a:t>
+            </a:r>
+            <a:r>
+              <a:rPr lang="en-US" dirty="0" err="1"/>
+              <a:t>menunggu</a:t>
+            </a:r>
+            <a:r>
+              <a:rPr lang="en-US" dirty="0"/>
+              <a:t> </a:t>
+            </a:r>
+            <a:r>
+              <a:rPr lang="en-US" dirty="0" err="1"/>
+              <a:t>dari</a:t>
+            </a:r>
+            <a:r>
+              <a:rPr lang="en-US" dirty="0"/>
+              <a:t> DINSOS yang </a:t>
+            </a:r>
+            <a:r>
+              <a:rPr lang="en-US" dirty="0" err="1"/>
+              <a:t>tidak</a:t>
+            </a:r>
+            <a:r>
+              <a:rPr lang="en-US" dirty="0"/>
+              <a:t> </a:t>
+            </a:r>
+            <a:r>
+              <a:rPr lang="en-US" dirty="0" err="1"/>
+              <a:t>tahu</a:t>
+            </a:r>
+            <a:r>
+              <a:rPr lang="en-US" dirty="0"/>
+              <a:t> </a:t>
+            </a:r>
+            <a:r>
+              <a:rPr lang="en-US" dirty="0" err="1"/>
+              <a:t>kapan</a:t>
+            </a:r>
+            <a:r>
+              <a:rPr lang="en-US" dirty="0"/>
+              <a:t> </a:t>
+            </a:r>
+            <a:r>
+              <a:rPr lang="en-US" dirty="0" err="1"/>
+              <a:t>kepastianya</a:t>
+            </a:r>
+            <a:r>
+              <a:rPr lang="en-US" dirty="0"/>
+              <a:t>. </a:t>
+            </a:r>
+            <a:r>
+              <a:rPr lang="en-US" dirty="0" err="1"/>
+              <a:t>Menurut</a:t>
+            </a:r>
+            <a:r>
+              <a:rPr lang="en-US" dirty="0"/>
+              <a:t> </a:t>
+            </a:r>
+            <a:r>
+              <a:rPr lang="en-US" dirty="0" err="1"/>
+              <a:t>kasus</a:t>
+            </a:r>
+            <a:r>
+              <a:rPr lang="en-US" dirty="0"/>
+              <a:t> di </a:t>
+            </a:r>
+            <a:r>
+              <a:rPr lang="en-US" dirty="0" err="1"/>
+              <a:t>lapangan</a:t>
+            </a:r>
+            <a:r>
+              <a:rPr lang="en-US" dirty="0"/>
+              <a:t> </a:t>
+            </a:r>
+            <a:r>
+              <a:rPr lang="en-US" dirty="0" err="1"/>
+              <a:t>warga</a:t>
+            </a:r>
+            <a:r>
+              <a:rPr lang="en-US" dirty="0"/>
+              <a:t> </a:t>
+            </a:r>
+            <a:r>
+              <a:rPr lang="en-US" dirty="0" err="1"/>
+              <a:t>bisa</a:t>
+            </a:r>
+            <a:r>
+              <a:rPr lang="en-US" dirty="0"/>
+              <a:t> </a:t>
+            </a:r>
+            <a:r>
+              <a:rPr lang="en-US" dirty="0" err="1"/>
+              <a:t>menunggu</a:t>
+            </a:r>
+            <a:r>
+              <a:rPr lang="en-US" dirty="0"/>
+              <a:t> </a:t>
+            </a:r>
+            <a:r>
+              <a:rPr lang="en-US" dirty="0" err="1"/>
+              <a:t>beberapa</a:t>
+            </a:r>
+            <a:r>
+              <a:rPr lang="en-US" dirty="0"/>
+              <a:t> </a:t>
+            </a:r>
+            <a:r>
+              <a:rPr lang="en-US" dirty="0" err="1"/>
+              <a:t>bulan</a:t>
+            </a:r>
+            <a:r>
+              <a:rPr lang="en-US" dirty="0"/>
+              <a:t> </a:t>
+            </a:r>
+            <a:r>
+              <a:rPr lang="en-US" dirty="0" err="1"/>
+              <a:t>ada</a:t>
+            </a:r>
+            <a:r>
+              <a:rPr lang="en-US" dirty="0"/>
+              <a:t> juga </a:t>
+            </a:r>
+            <a:r>
+              <a:rPr lang="en-US" dirty="0" err="1"/>
+              <a:t>yg</a:t>
+            </a:r>
+            <a:r>
+              <a:rPr lang="en-US" dirty="0"/>
+              <a:t> </a:t>
+            </a:r>
+            <a:r>
+              <a:rPr lang="en-US" dirty="0" err="1"/>
+              <a:t>selama</a:t>
+            </a:r>
+            <a:r>
+              <a:rPr lang="en-US" dirty="0"/>
+              <a:t> 1 </a:t>
+            </a:r>
+            <a:r>
+              <a:rPr lang="en-US" dirty="0" err="1"/>
+              <a:t>tahun</a:t>
             </a:r>
             <a:r>
               <a:rPr lang="en-US" dirty="0"/>
               <a:t>.</a:t>
             </a:r>
-          </a:p>
-        </p:txBody>
-      </p:sp>
-    </p:spTree>
-    <p:extLst>
-      <p:ext uri="{BB962C8B-B14F-4D97-AF65-F5344CB8AC3E}">
-        <p14:creationId xmlns:p14="http://schemas.microsoft.com/office/powerpoint/2010/main" val="1001676686"/>
-      </p:ext>
-    </p:extLst>
-  </p:cSld>
-  <p:clrMapOvr>
-    <a:masterClrMapping/>
-  </p:clrMapOvr>
-  <p:transition spd="slow">
-    <p:randomBar dir="vert"/>
-  </p:transition>
-</p:sld>
-</file>
-
-<file path=ppt/slides/slide8.xml><?xml version="1.0" encoding="utf-8"?>
-<p:sld xmlns:a="http://schemas.openxmlformats.org/drawingml/2006/main" xmlns:r="http://schemas.openxmlformats.org/officeDocument/2006/relationships" xmlns:p="http://schemas.openxmlformats.org/presentationml/2006/main">
-  <p:cSld>
-    <p:bg>
-      <p:bgPr>
-        <a:blipFill dpi="0" rotWithShape="1">
-          <a:blip r:embed="rId2">
-            <a:lum/>
-          </a:blip>
-          <a:srcRect/>
-          <a:stretch>
-            <a:fillRect/>
-          </a:stretch>
-        </a:blipFill>
-        <a:effectLst/>
-      </p:bgPr>
-    </p:bg>
-    <p:spTree>
-      <p:nvGrpSpPr>
-        <p:cNvPr id="1" name=""/>
-        <p:cNvGrpSpPr/>
-        <p:nvPr/>
-      </p:nvGrpSpPr>
-      <p:grpSpPr>
-        <a:xfrm>
-          <a:off x="0" y="0"/>
-          <a:ext cx="0" cy="0"/>
-          <a:chOff x="0" y="0"/>
-          <a:chExt cx="0" cy="0"/>
-        </a:xfrm>
-      </p:grpSpPr>
-      <p:sp>
-        <p:nvSpPr>
-          <p:cNvPr id="2" name="Title 1">
-            <a:extLst>
-              <a:ext uri="{FF2B5EF4-FFF2-40B4-BE49-F238E27FC236}">
-                <a16:creationId xmlns:a16="http://schemas.microsoft.com/office/drawing/2014/main" id="{A304A63C-2AB2-43E2-81C7-98E9A901DFBA}"/>
-              </a:ext>
-            </a:extLst>
-          </p:cNvPr>
-          <p:cNvSpPr>
-            <a:spLocks noGrp="1"/>
-          </p:cNvSpPr>
-          <p:nvPr>
-            <p:ph type="title"/>
-          </p:nvPr>
-        </p:nvSpPr>
-        <p:spPr>
-          <a:xfrm>
-            <a:off x="683568" y="260648"/>
-            <a:ext cx="7467600" cy="580926"/>
-          </a:xfrm>
-        </p:spPr>
-        <p:txBody>
-          <a:bodyPr/>
-          <a:lstStyle/>
-          <a:p>
-            <a:r>
-              <a:rPr lang="en-US" dirty="0" err="1">
-                <a:solidFill>
-                  <a:schemeClr val="tx1"/>
-                </a:solidFill>
-              </a:rPr>
-              <a:t>Metodologi</a:t>
-            </a:r>
-            <a:r>
-              <a:rPr lang="en-US" dirty="0">
-                <a:solidFill>
-                  <a:schemeClr val="tx1"/>
-                </a:solidFill>
-              </a:rPr>
-              <a:t> </a:t>
-            </a:r>
-            <a:r>
-              <a:rPr lang="en-US" dirty="0" err="1">
-                <a:solidFill>
-                  <a:schemeClr val="tx1"/>
-                </a:solidFill>
-              </a:rPr>
-              <a:t>Penelitian</a:t>
-            </a:r>
-            <a:endParaRPr lang="en-US" dirty="0">
-              <a:solidFill>
-                <a:schemeClr val="tx1"/>
-              </a:solidFill>
-            </a:endParaRPr>
-          </a:p>
-        </p:txBody>
-      </p:sp>
-      <p:sp>
-        <p:nvSpPr>
-          <p:cNvPr id="3" name="Content Placeholder 2">
-            <a:extLst>
-              <a:ext uri="{FF2B5EF4-FFF2-40B4-BE49-F238E27FC236}">
-                <a16:creationId xmlns:a16="http://schemas.microsoft.com/office/drawing/2014/main" id="{4E1730CF-3E1D-4937-A06C-C4802EC6ED4A}"/>
-              </a:ext>
-            </a:extLst>
-          </p:cNvPr>
-          <p:cNvSpPr>
-            <a:spLocks noGrp="1"/>
-          </p:cNvSpPr>
-          <p:nvPr>
-            <p:ph sz="quarter" idx="1"/>
-          </p:nvPr>
-        </p:nvSpPr>
-        <p:spPr>
-          <a:xfrm>
-            <a:off x="971600" y="2132856"/>
-            <a:ext cx="7467600" cy="4797152"/>
-          </a:xfrm>
-        </p:spPr>
-        <p:txBody>
-          <a:bodyPr>
-            <a:normAutofit/>
-          </a:bodyPr>
-          <a:lstStyle/>
-          <a:p>
-            <a:pPr marL="338138" indent="0" algn="just">
-              <a:buNone/>
-            </a:pPr>
-            <a:endParaRPr lang="en-US" dirty="0"/>
-          </a:p>
-          <a:p>
-            <a:pPr lvl="0"/>
-            <a:r>
-              <a:rPr lang="en-US" dirty="0"/>
-              <a:t>1. </a:t>
-            </a:r>
-            <a:r>
-              <a:rPr lang="en-US" dirty="0" err="1"/>
-              <a:t>Jenis</a:t>
-            </a:r>
-            <a:r>
-              <a:rPr lang="en-US" dirty="0"/>
-              <a:t> dan </a:t>
-            </a:r>
-            <a:r>
-              <a:rPr lang="en-US" dirty="0" err="1"/>
-              <a:t>sumber</a:t>
-            </a:r>
-            <a:r>
-              <a:rPr lang="en-US" dirty="0"/>
-              <a:t> data </a:t>
-            </a:r>
-          </a:p>
-          <a:p>
-            <a:pPr marL="576263" indent="-273050" algn="just"/>
-            <a:r>
-              <a:rPr lang="en-US" sz="2800" dirty="0"/>
-              <a:t>Data Primer, </a:t>
-            </a:r>
-            <a:r>
-              <a:rPr lang="en-US" sz="2800" dirty="0" err="1"/>
-              <a:t>suatu</a:t>
-            </a:r>
-            <a:r>
-              <a:rPr lang="en-US" sz="2800" dirty="0"/>
-              <a:t> data yang </a:t>
-            </a:r>
-            <a:r>
-              <a:rPr lang="en-US" sz="2800" dirty="0" err="1"/>
-              <a:t>diperoleh</a:t>
-            </a:r>
-            <a:r>
-              <a:rPr lang="en-US" sz="2800" dirty="0"/>
-              <a:t> </a:t>
-            </a:r>
-            <a:r>
-              <a:rPr lang="en-US" sz="2800" dirty="0" err="1"/>
-              <a:t>langsung</a:t>
-            </a:r>
-            <a:r>
-              <a:rPr lang="en-US" sz="2800" dirty="0"/>
-              <a:t> </a:t>
-            </a:r>
-            <a:r>
-              <a:rPr lang="en-US" sz="2800" dirty="0" err="1"/>
-              <a:t>dari</a:t>
-            </a:r>
-            <a:r>
-              <a:rPr lang="en-US" sz="2800" dirty="0"/>
-              <a:t> </a:t>
-            </a:r>
-            <a:r>
-              <a:rPr lang="en-US" sz="2800" dirty="0" err="1"/>
-              <a:t>pihak</a:t>
-            </a:r>
-            <a:r>
-              <a:rPr lang="en-US" sz="2800" dirty="0"/>
-              <a:t> </a:t>
-            </a:r>
-            <a:r>
-              <a:rPr lang="en-US" sz="2800" dirty="0" err="1"/>
-              <a:t>institusi</a:t>
-            </a:r>
-            <a:r>
-              <a:rPr lang="en-US" sz="2800" dirty="0"/>
-              <a:t> yang </a:t>
-            </a:r>
-            <a:r>
-              <a:rPr lang="en-US" sz="2800" dirty="0" err="1"/>
-              <a:t>bersangkutan</a:t>
-            </a:r>
-            <a:r>
-              <a:rPr lang="en-US" sz="2800" dirty="0"/>
-              <a:t>, </a:t>
-            </a:r>
-            <a:r>
-              <a:rPr lang="en-US" sz="2800" dirty="0" err="1"/>
-              <a:t>yakni</a:t>
-            </a:r>
-            <a:r>
-              <a:rPr lang="en-US" sz="2800" dirty="0"/>
-              <a:t> di </a:t>
-            </a:r>
-            <a:r>
-              <a:rPr lang="en-US" sz="2800" dirty="0" err="1"/>
-              <a:t>pusat</a:t>
-            </a:r>
-            <a:r>
-              <a:rPr lang="en-US" sz="2800" dirty="0"/>
-              <a:t> data </a:t>
-            </a:r>
-            <a:r>
-              <a:rPr lang="en-US" sz="2800" dirty="0" err="1"/>
-              <a:t>terpadu</a:t>
-            </a:r>
-            <a:r>
-              <a:rPr lang="en-US" sz="2800" dirty="0"/>
-              <a:t> </a:t>
-            </a:r>
-            <a:r>
-              <a:rPr lang="en-US" sz="2800" dirty="0" err="1"/>
-              <a:t>warga</a:t>
-            </a:r>
-            <a:r>
-              <a:rPr lang="en-US" sz="2800" dirty="0"/>
-              <a:t> miskin </a:t>
-            </a:r>
-            <a:r>
-              <a:rPr lang="en-US" sz="2800" dirty="0" err="1"/>
-              <a:t>dinas</a:t>
-            </a:r>
-            <a:r>
-              <a:rPr lang="en-US" sz="2800" dirty="0"/>
-              <a:t> </a:t>
-            </a:r>
-            <a:r>
-              <a:rPr lang="en-US" sz="2800" dirty="0" err="1"/>
-              <a:t>sosial</a:t>
-            </a:r>
-            <a:r>
-              <a:rPr lang="en-US" sz="2800" dirty="0"/>
-              <a:t> Kelurahan </a:t>
-            </a:r>
-            <a:r>
-              <a:rPr lang="en-US" sz="2800" dirty="0" err="1"/>
-              <a:t>Krapyak</a:t>
-            </a:r>
-            <a:r>
-              <a:rPr lang="en-US" sz="2800" dirty="0"/>
-              <a:t> </a:t>
-            </a:r>
-            <a:r>
-              <a:rPr lang="en-US" sz="2800" dirty="0" err="1"/>
-              <a:t>Kecamatan</a:t>
-            </a:r>
-            <a:r>
-              <a:rPr lang="en-US" sz="2800" dirty="0"/>
-              <a:t> Semarang Barat </a:t>
-            </a:r>
-            <a:r>
-              <a:rPr lang="en-US" sz="2800" dirty="0" err="1"/>
-              <a:t>berupa</a:t>
-            </a:r>
-            <a:r>
-              <a:rPr lang="en-US" sz="2800" dirty="0"/>
-              <a:t> data </a:t>
-            </a:r>
-            <a:r>
-              <a:rPr lang="en-US" sz="2800" dirty="0" err="1"/>
-              <a:t>induk</a:t>
-            </a:r>
-            <a:r>
-              <a:rPr lang="en-US" sz="2800" dirty="0"/>
-              <a:t> dan data </a:t>
-            </a:r>
-            <a:r>
-              <a:rPr lang="en-US" sz="2800" dirty="0" err="1"/>
-              <a:t>warga</a:t>
-            </a:r>
-            <a:r>
-              <a:rPr lang="en-US" sz="2800" dirty="0"/>
-              <a:t> miskin yang </a:t>
-            </a:r>
-            <a:r>
-              <a:rPr lang="en-US" sz="2800" dirty="0" err="1"/>
-              <a:t>mendapatkan</a:t>
-            </a:r>
-            <a:r>
-              <a:rPr lang="en-US" sz="2800" dirty="0"/>
-              <a:t> </a:t>
-            </a:r>
-            <a:r>
-              <a:rPr lang="en-US" sz="2800" dirty="0" err="1"/>
-              <a:t>bantuan</a:t>
-            </a:r>
-            <a:r>
-              <a:rPr lang="en-US" sz="2800" dirty="0"/>
-              <a:t> .</a:t>
-            </a:r>
-          </a:p>
-          <a:p>
-            <a:endParaRPr lang="en-US" dirty="0"/>
+            <a:endParaRPr lang="en-US" sz="2000" dirty="0"/>
           </a:p>
         </p:txBody>
       </p:sp>
@@ -13356,7 +13499,7 @@
           <p:cNvPr id="4" name="Content Placeholder 2">
             <a:extLst>
               <a:ext uri="{FF2B5EF4-FFF2-40B4-BE49-F238E27FC236}">
-                <a16:creationId xmlns:a16="http://schemas.microsoft.com/office/drawing/2014/main" id="{5BF753F4-FE55-4B48-88A6-9D118B294B63}"/>
+                <a16:creationId xmlns:a16="http://schemas.microsoft.com/office/drawing/2014/main" id="{B0260381-BF6F-4A97-A594-1E07C7A22457}"/>
               </a:ext>
             </a:extLst>
           </p:cNvPr>
@@ -13367,8 +13510,8 @@
         </p:nvSpPr>
         <p:spPr>
           <a:xfrm>
-            <a:off x="500260" y="404664"/>
-            <a:ext cx="7992888" cy="2376264"/>
+            <a:off x="683568" y="710515"/>
+            <a:ext cx="7467600" cy="4734709"/>
           </a:xfrm>
           <a:prstGeom prst="rect">
             <a:avLst/>
@@ -13556,37 +13699,2224 @@
             </a:lvl9pPr>
           </a:lstStyle>
           <a:p>
-            <a:pPr marL="0" indent="0">
+            <a:pPr marL="0" indent="0" algn="just">
               <a:buFont typeface="Wingdings"/>
               <a:buNone/>
             </a:pPr>
-            <a:endParaRPr lang="en-US" dirty="0"/>
-          </a:p>
-          <a:p>
-            <a:pPr marL="627063" indent="-288925" algn="just"/>
-            <a:r>
-              <a:rPr lang="id-ID" dirty="0"/>
-              <a:t>Dalam</a:t>
-            </a:r>
-            <a:r>
-              <a:rPr lang="en-US" dirty="0"/>
-              <a:t> </a:t>
-            </a:r>
-            <a:r>
-              <a:rPr lang="id-ID" dirty="0"/>
-              <a:t>penelitian ini penulis menggunakan beberapa metode penelitian, meliputi jenis dan sumber data, pengumpulan data, dan metode pengembangan perangkat lunak.</a:t>
-            </a:r>
-            <a:endParaRPr lang="en-US" dirty="0"/>
-          </a:p>
-          <a:p>
-            <a:endParaRPr lang="en-US" dirty="0"/>
+            <a:endParaRPr lang="en-ID" dirty="0"/>
+          </a:p>
+          <a:p>
+            <a:pPr algn="just"/>
+            <a:r>
+              <a:rPr lang="en-US" dirty="0"/>
+              <a:t>.</a:t>
+            </a:r>
+            <a:endParaRPr lang="en-US" sz="2000" dirty="0"/>
+          </a:p>
+        </p:txBody>
+      </p:sp>
+      <p:sp>
+        <p:nvSpPr>
+          <p:cNvPr id="5" name="Content Placeholder 2">
+            <a:extLst>
+              <a:ext uri="{FF2B5EF4-FFF2-40B4-BE49-F238E27FC236}">
+                <a16:creationId xmlns:a16="http://schemas.microsoft.com/office/drawing/2014/main" id="{9E8B56F5-A6E5-41AA-B513-D51394A83DDB}"/>
+              </a:ext>
+            </a:extLst>
+          </p:cNvPr>
+          <p:cNvSpPr txBox="1">
+            <a:spLocks/>
+          </p:cNvSpPr>
+          <p:nvPr/>
+        </p:nvSpPr>
+        <p:spPr>
+          <a:xfrm>
+            <a:off x="838200" y="4090029"/>
+            <a:ext cx="7467600" cy="2291299"/>
+          </a:xfrm>
+          <a:prstGeom prst="rect">
+            <a:avLst/>
+          </a:prstGeom>
+        </p:spPr>
+        <p:txBody>
+          <a:bodyPr vert="horz">
+            <a:normAutofit/>
+          </a:bodyPr>
+          <a:lstStyle>
+            <a:lvl1pPr marL="274320" indent="-274320" algn="l" rtl="0" eaLnBrk="1" latinLnBrk="0" hangingPunct="1">
+              <a:spcBef>
+                <a:spcPts val="600"/>
+              </a:spcBef>
+              <a:buClr>
+                <a:schemeClr val="accent1"/>
+              </a:buClr>
+              <a:buSzPct val="70000"/>
+              <a:buFont typeface="Wingdings"/>
+              <a:buChar char=""/>
+              <a:defRPr kumimoji="0" sz="2400" kern="1200">
+                <a:solidFill>
+                  <a:schemeClr val="tx1"/>
+                </a:solidFill>
+                <a:latin typeface="+mn-lt"/>
+                <a:ea typeface="+mn-ea"/>
+                <a:cs typeface="+mn-cs"/>
+              </a:defRPr>
+            </a:lvl1pPr>
+            <a:lvl2pPr marL="640080" indent="-274320" algn="l" rtl="0" eaLnBrk="1" latinLnBrk="0" hangingPunct="1">
+              <a:spcBef>
+                <a:spcPct val="20000"/>
+              </a:spcBef>
+              <a:buClr>
+                <a:schemeClr val="accent1"/>
+              </a:buClr>
+              <a:buSzPct val="80000"/>
+              <a:buFont typeface="Wingdings 2"/>
+              <a:buChar char=""/>
+              <a:defRPr kumimoji="0" sz="2100" kern="1200">
+                <a:solidFill>
+                  <a:schemeClr val="tx1"/>
+                </a:solidFill>
+                <a:latin typeface="+mn-lt"/>
+                <a:ea typeface="+mn-ea"/>
+                <a:cs typeface="+mn-cs"/>
+              </a:defRPr>
+            </a:lvl2pPr>
+            <a:lvl3pPr marL="914400" indent="-182880" algn="l" rtl="0" eaLnBrk="1" latinLnBrk="0" hangingPunct="1">
+              <a:spcBef>
+                <a:spcPct val="20000"/>
+              </a:spcBef>
+              <a:buClr>
+                <a:schemeClr val="accent1">
+                  <a:shade val="75000"/>
+                </a:schemeClr>
+              </a:buClr>
+              <a:buSzPct val="60000"/>
+              <a:buFont typeface="Wingdings"/>
+              <a:buChar char=""/>
+              <a:defRPr kumimoji="0" sz="1800" kern="1200">
+                <a:solidFill>
+                  <a:schemeClr val="tx1"/>
+                </a:solidFill>
+                <a:latin typeface="+mn-lt"/>
+                <a:ea typeface="+mn-ea"/>
+                <a:cs typeface="+mn-cs"/>
+              </a:defRPr>
+            </a:lvl3pPr>
+            <a:lvl4pPr marL="1188720" indent="-182880" algn="l" rtl="0" eaLnBrk="1" latinLnBrk="0" hangingPunct="1">
+              <a:spcBef>
+                <a:spcPct val="20000"/>
+              </a:spcBef>
+              <a:buClr>
+                <a:schemeClr val="accent1">
+                  <a:tint val="60000"/>
+                </a:schemeClr>
+              </a:buClr>
+              <a:buSzPct val="60000"/>
+              <a:buFont typeface="Wingdings"/>
+              <a:buChar char=""/>
+              <a:defRPr kumimoji="0" sz="1800" kern="1200">
+                <a:solidFill>
+                  <a:schemeClr val="tx1"/>
+                </a:solidFill>
+                <a:latin typeface="+mn-lt"/>
+                <a:ea typeface="+mn-ea"/>
+                <a:cs typeface="+mn-cs"/>
+              </a:defRPr>
+            </a:lvl4pPr>
+            <a:lvl5pPr marL="1463040" indent="-182880" algn="l" rtl="0" eaLnBrk="1" latinLnBrk="0" hangingPunct="1">
+              <a:spcBef>
+                <a:spcPct val="20000"/>
+              </a:spcBef>
+              <a:buClr>
+                <a:schemeClr val="accent2">
+                  <a:tint val="60000"/>
+                </a:schemeClr>
+              </a:buClr>
+              <a:buSzPct val="68000"/>
+              <a:buFont typeface="Wingdings 2"/>
+              <a:buChar char=""/>
+              <a:defRPr kumimoji="0" sz="1600" kern="1200">
+                <a:solidFill>
+                  <a:schemeClr val="tx1"/>
+                </a:solidFill>
+                <a:latin typeface="+mn-lt"/>
+                <a:ea typeface="+mn-ea"/>
+                <a:cs typeface="+mn-cs"/>
+              </a:defRPr>
+            </a:lvl5pPr>
+            <a:lvl6pPr marL="1737360" indent="-182880" algn="l" rtl="0" eaLnBrk="1" latinLnBrk="0" hangingPunct="1">
+              <a:spcBef>
+                <a:spcPct val="20000"/>
+              </a:spcBef>
+              <a:buClr>
+                <a:schemeClr val="accent1"/>
+              </a:buClr>
+              <a:buChar char="•"/>
+              <a:defRPr kumimoji="0" sz="1600" kern="1200">
+                <a:solidFill>
+                  <a:schemeClr val="tx2"/>
+                </a:solidFill>
+                <a:latin typeface="+mn-lt"/>
+                <a:ea typeface="+mn-ea"/>
+                <a:cs typeface="+mn-cs"/>
+              </a:defRPr>
+            </a:lvl6pPr>
+            <a:lvl7pPr marL="2011680" indent="-182880" algn="l" rtl="0" eaLnBrk="1" latinLnBrk="0" hangingPunct="1">
+              <a:spcBef>
+                <a:spcPct val="20000"/>
+              </a:spcBef>
+              <a:buClr>
+                <a:schemeClr val="accent1">
+                  <a:tint val="60000"/>
+                </a:schemeClr>
+              </a:buClr>
+              <a:buSzPct val="60000"/>
+              <a:buFont typeface="Wingdings"/>
+              <a:buChar char=""/>
+              <a:defRPr kumimoji="0" sz="1400" kern="1200" baseline="0">
+                <a:solidFill>
+                  <a:schemeClr val="tx2"/>
+                </a:solidFill>
+                <a:latin typeface="+mn-lt"/>
+                <a:ea typeface="+mn-ea"/>
+                <a:cs typeface="+mn-cs"/>
+              </a:defRPr>
+            </a:lvl7pPr>
+            <a:lvl8pPr marL="2286000" indent="-182880" algn="l" rtl="0" eaLnBrk="1" latinLnBrk="0" hangingPunct="1">
+              <a:spcBef>
+                <a:spcPct val="20000"/>
+              </a:spcBef>
+              <a:buClr>
+                <a:schemeClr val="accent2"/>
+              </a:buClr>
+              <a:buChar char="•"/>
+              <a:defRPr kumimoji="0" sz="1400" kern="1200" cap="small" baseline="0">
+                <a:solidFill>
+                  <a:schemeClr val="tx2"/>
+                </a:solidFill>
+                <a:latin typeface="+mn-lt"/>
+                <a:ea typeface="+mn-ea"/>
+                <a:cs typeface="+mn-cs"/>
+              </a:defRPr>
+            </a:lvl8pPr>
+            <a:lvl9pPr marL="2560320" indent="-182880" algn="l" rtl="0" eaLnBrk="1" latinLnBrk="0" hangingPunct="1">
+              <a:spcBef>
+                <a:spcPct val="20000"/>
+              </a:spcBef>
+              <a:buClr>
+                <a:schemeClr val="accent1">
+                  <a:shade val="75000"/>
+                </a:schemeClr>
+              </a:buClr>
+              <a:buChar char="•"/>
+              <a:defRPr kumimoji="0" sz="1400" kern="1200" baseline="0">
+                <a:solidFill>
+                  <a:schemeClr val="tx2"/>
+                </a:solidFill>
+                <a:latin typeface="+mn-lt"/>
+                <a:ea typeface="+mn-ea"/>
+                <a:cs typeface="+mn-cs"/>
+              </a:defRPr>
+            </a:lvl9pPr>
+          </a:lstStyle>
+          <a:p>
+            <a:pPr marL="0" indent="0" algn="just">
+              <a:buFont typeface="Wingdings"/>
+              <a:buNone/>
+            </a:pPr>
+            <a:endParaRPr lang="en-ID" dirty="0"/>
+          </a:p>
+          <a:p>
+            <a:pPr algn="just"/>
+            <a:r>
+              <a:rPr lang="en-US" dirty="0" err="1"/>
+              <a:t>Dengan</a:t>
+            </a:r>
+            <a:r>
+              <a:rPr lang="en-US" dirty="0"/>
+              <a:t> </a:t>
+            </a:r>
+            <a:r>
+              <a:rPr lang="en-US" dirty="0" err="1"/>
+              <a:t>adanya</a:t>
+            </a:r>
+            <a:r>
+              <a:rPr lang="en-US" dirty="0"/>
+              <a:t> </a:t>
+            </a:r>
+            <a:r>
+              <a:rPr lang="en-US" dirty="0" err="1"/>
+              <a:t>masalah</a:t>
+            </a:r>
+            <a:r>
+              <a:rPr lang="en-US" dirty="0"/>
+              <a:t> </a:t>
+            </a:r>
+            <a:r>
+              <a:rPr lang="en-US" dirty="0" err="1"/>
+              <a:t>tersebut</a:t>
+            </a:r>
+            <a:r>
+              <a:rPr lang="en-US" dirty="0"/>
+              <a:t> </a:t>
+            </a:r>
+            <a:r>
+              <a:rPr lang="en-US" dirty="0" err="1"/>
+              <a:t>maka</a:t>
+            </a:r>
+            <a:r>
+              <a:rPr lang="en-US" dirty="0"/>
+              <a:t> </a:t>
+            </a:r>
+            <a:r>
+              <a:rPr lang="en-US" dirty="0" err="1"/>
+              <a:t>dibuatlah</a:t>
+            </a:r>
+            <a:r>
+              <a:rPr lang="en-US" dirty="0"/>
+              <a:t> </a:t>
+            </a:r>
+            <a:r>
+              <a:rPr lang="en-US" dirty="0" err="1"/>
+              <a:t>sistem</a:t>
+            </a:r>
+            <a:r>
+              <a:rPr lang="en-US" dirty="0"/>
+              <a:t> </a:t>
+            </a:r>
+            <a:r>
+              <a:rPr lang="en-US" dirty="0" err="1"/>
+              <a:t>untuk</a:t>
+            </a:r>
+            <a:r>
+              <a:rPr lang="en-US" dirty="0"/>
+              <a:t> </a:t>
+            </a:r>
+            <a:r>
+              <a:rPr lang="en-US" dirty="0" err="1"/>
+              <a:t>menyelesaikannya</a:t>
+            </a:r>
+            <a:r>
+              <a:rPr lang="en-US" dirty="0"/>
+              <a:t>.</a:t>
+            </a:r>
+            <a:endParaRPr lang="en-US" sz="2000" dirty="0"/>
           </a:p>
         </p:txBody>
       </p:sp>
     </p:spTree>
     <p:extLst>
       <p:ext uri="{BB962C8B-B14F-4D97-AF65-F5344CB8AC3E}">
-        <p14:creationId xmlns:p14="http://schemas.microsoft.com/office/powerpoint/2010/main" val="3704982830"/>
+        <p14:creationId xmlns:p14="http://schemas.microsoft.com/office/powerpoint/2010/main" val="949675119"/>
+      </p:ext>
+    </p:extLst>
+  </p:cSld>
+  <p:clrMapOvr>
+    <a:masterClrMapping/>
+  </p:clrMapOvr>
+  <p:transition spd="med">
+    <p:pull/>
+  </p:transition>
+</p:sld>
+</file>
+
+<file path=ppt/slides/slide4.xml><?xml version="1.0" encoding="utf-8"?>
+<p:sld xmlns:a="http://schemas.openxmlformats.org/drawingml/2006/main" xmlns:r="http://schemas.openxmlformats.org/officeDocument/2006/relationships" xmlns:p="http://schemas.openxmlformats.org/presentationml/2006/main">
+  <p:cSld>
+    <p:bg>
+      <p:bgPr>
+        <a:blipFill dpi="0" rotWithShape="1">
+          <a:blip r:embed="rId2">
+            <a:lum/>
+          </a:blip>
+          <a:srcRect/>
+          <a:stretch>
+            <a:fillRect/>
+          </a:stretch>
+        </a:blipFill>
+        <a:effectLst/>
+      </p:bgPr>
+    </p:bg>
+    <p:spTree>
+      <p:nvGrpSpPr>
+        <p:cNvPr id="1" name=""/>
+        <p:cNvGrpSpPr/>
+        <p:nvPr/>
+      </p:nvGrpSpPr>
+      <p:grpSpPr>
+        <a:xfrm>
+          <a:off x="0" y="0"/>
+          <a:ext cx="0" cy="0"/>
+          <a:chOff x="0" y="0"/>
+          <a:chExt cx="0" cy="0"/>
+        </a:xfrm>
+      </p:grpSpPr>
+      <p:sp>
+        <p:nvSpPr>
+          <p:cNvPr id="2" name="Title 1">
+            <a:extLst>
+              <a:ext uri="{FF2B5EF4-FFF2-40B4-BE49-F238E27FC236}">
+                <a16:creationId xmlns:a16="http://schemas.microsoft.com/office/drawing/2014/main" id="{A304A63C-2AB2-43E2-81C7-98E9A901DFBA}"/>
+              </a:ext>
+            </a:extLst>
+          </p:cNvPr>
+          <p:cNvSpPr>
+            <a:spLocks noGrp="1"/>
+          </p:cNvSpPr>
+          <p:nvPr>
+            <p:ph type="title"/>
+          </p:nvPr>
+        </p:nvSpPr>
+        <p:spPr>
+          <a:xfrm>
+            <a:off x="683568" y="57581"/>
+            <a:ext cx="7467600" cy="652934"/>
+          </a:xfrm>
+        </p:spPr>
+        <p:txBody>
+          <a:bodyPr>
+            <a:normAutofit/>
+          </a:bodyPr>
+          <a:lstStyle/>
+          <a:p>
+            <a:r>
+              <a:rPr lang="en-US" sz="3600" dirty="0" err="1">
+                <a:solidFill>
+                  <a:schemeClr val="tx1"/>
+                </a:solidFill>
+                <a:latin typeface="Times New Roman" panose="02020603050405020304" pitchFamily="18" charset="0"/>
+                <a:cs typeface="Times New Roman" panose="02020603050405020304" pitchFamily="18" charset="0"/>
+              </a:rPr>
+              <a:t>Latar</a:t>
+            </a:r>
+            <a:r>
+              <a:rPr lang="en-US" sz="3600" dirty="0">
+                <a:solidFill>
+                  <a:schemeClr val="tx1"/>
+                </a:solidFill>
+                <a:latin typeface="Times New Roman" panose="02020603050405020304" pitchFamily="18" charset="0"/>
+                <a:cs typeface="Times New Roman" panose="02020603050405020304" pitchFamily="18" charset="0"/>
+              </a:rPr>
+              <a:t> </a:t>
+            </a:r>
+            <a:r>
+              <a:rPr lang="en-US" sz="3600" dirty="0" err="1">
+                <a:solidFill>
+                  <a:schemeClr val="tx1"/>
+                </a:solidFill>
+                <a:latin typeface="Times New Roman" panose="02020603050405020304" pitchFamily="18" charset="0"/>
+                <a:cs typeface="Times New Roman" panose="02020603050405020304" pitchFamily="18" charset="0"/>
+              </a:rPr>
+              <a:t>Belakang</a:t>
+            </a:r>
+            <a:r>
+              <a:rPr lang="en-US" sz="3600" dirty="0">
+                <a:solidFill>
+                  <a:schemeClr val="tx1"/>
+                </a:solidFill>
+                <a:latin typeface="Times New Roman" panose="02020603050405020304" pitchFamily="18" charset="0"/>
+                <a:cs typeface="Times New Roman" panose="02020603050405020304" pitchFamily="18" charset="0"/>
+              </a:rPr>
+              <a:t> </a:t>
+            </a:r>
+            <a:r>
+              <a:rPr lang="en-US" sz="3600" dirty="0" err="1">
+                <a:solidFill>
+                  <a:schemeClr val="tx1"/>
+                </a:solidFill>
+                <a:latin typeface="Times New Roman" panose="02020603050405020304" pitchFamily="18" charset="0"/>
+                <a:cs typeface="Times New Roman" panose="02020603050405020304" pitchFamily="18" charset="0"/>
+              </a:rPr>
+              <a:t>Masalah</a:t>
+            </a:r>
+            <a:endParaRPr lang="en-US" sz="3600" dirty="0">
+              <a:solidFill>
+                <a:schemeClr val="tx1"/>
+              </a:solidFill>
+              <a:latin typeface="Times New Roman" panose="02020603050405020304" pitchFamily="18" charset="0"/>
+              <a:cs typeface="Times New Roman" panose="02020603050405020304" pitchFamily="18" charset="0"/>
+            </a:endParaRPr>
+          </a:p>
+        </p:txBody>
+      </p:sp>
+      <p:sp>
+        <p:nvSpPr>
+          <p:cNvPr id="3" name="Content Placeholder 2">
+            <a:extLst>
+              <a:ext uri="{FF2B5EF4-FFF2-40B4-BE49-F238E27FC236}">
+                <a16:creationId xmlns:a16="http://schemas.microsoft.com/office/drawing/2014/main" id="{4E1730CF-3E1D-4937-A06C-C4802EC6ED4A}"/>
+              </a:ext>
+            </a:extLst>
+          </p:cNvPr>
+          <p:cNvSpPr>
+            <a:spLocks noGrp="1"/>
+          </p:cNvSpPr>
+          <p:nvPr>
+            <p:ph sz="quarter" idx="1"/>
+          </p:nvPr>
+        </p:nvSpPr>
+        <p:spPr>
+          <a:xfrm>
+            <a:off x="683568" y="992124"/>
+            <a:ext cx="7467600" cy="5677236"/>
+          </a:xfrm>
+        </p:spPr>
+        <p:txBody>
+          <a:bodyPr>
+            <a:normAutofit/>
+          </a:bodyPr>
+          <a:lstStyle/>
+          <a:p>
+            <a:pPr algn="just"/>
+            <a:r>
+              <a:rPr lang="en-US" dirty="0" err="1"/>
+              <a:t>Sistem</a:t>
+            </a:r>
+            <a:r>
+              <a:rPr lang="en-US" dirty="0"/>
+              <a:t> yang </a:t>
+            </a:r>
+            <a:r>
+              <a:rPr lang="en-US" dirty="0" err="1"/>
+              <a:t>akan</a:t>
+            </a:r>
+            <a:r>
+              <a:rPr lang="en-US" dirty="0"/>
+              <a:t> </a:t>
+            </a:r>
+            <a:r>
+              <a:rPr lang="en-US" dirty="0" err="1"/>
+              <a:t>dibuat</a:t>
+            </a:r>
+            <a:r>
+              <a:rPr lang="en-US" dirty="0"/>
+              <a:t> </a:t>
+            </a:r>
+            <a:r>
+              <a:rPr lang="en-US" dirty="0" err="1"/>
+              <a:t>nantinya</a:t>
+            </a:r>
+            <a:r>
+              <a:rPr lang="en-US" dirty="0"/>
+              <a:t> </a:t>
+            </a:r>
+            <a:r>
+              <a:rPr lang="en-US" dirty="0" err="1"/>
+              <a:t>penyeleksian</a:t>
+            </a:r>
+            <a:r>
+              <a:rPr lang="en-US" dirty="0"/>
+              <a:t> </a:t>
+            </a:r>
+            <a:r>
+              <a:rPr lang="en-US" dirty="0" err="1"/>
+              <a:t>akan</a:t>
+            </a:r>
+            <a:r>
+              <a:rPr lang="en-US" dirty="0"/>
+              <a:t> </a:t>
+            </a:r>
+            <a:r>
+              <a:rPr lang="en-US" dirty="0" err="1"/>
+              <a:t>dilakukan</a:t>
+            </a:r>
+            <a:r>
+              <a:rPr lang="en-US" dirty="0"/>
+              <a:t> oleh </a:t>
+            </a:r>
+            <a:r>
+              <a:rPr lang="en-US" dirty="0" err="1"/>
+              <a:t>pehak</a:t>
+            </a:r>
+            <a:r>
+              <a:rPr lang="en-US" dirty="0"/>
+              <a:t> Kelurahan </a:t>
+            </a:r>
+            <a:r>
+              <a:rPr lang="en-US" dirty="0" err="1"/>
+              <a:t>dengan</a:t>
+            </a:r>
+            <a:r>
+              <a:rPr lang="en-US" dirty="0"/>
+              <a:t> </a:t>
+            </a:r>
+            <a:r>
+              <a:rPr lang="en-US" dirty="0" err="1"/>
+              <a:t>menggunakan</a:t>
+            </a:r>
+            <a:r>
+              <a:rPr lang="en-US" dirty="0"/>
+              <a:t> data </a:t>
+            </a:r>
+            <a:r>
+              <a:rPr lang="en-US" dirty="0" err="1"/>
+              <a:t>warga</a:t>
+            </a:r>
+            <a:r>
+              <a:rPr lang="en-US" dirty="0"/>
+              <a:t> miskin </a:t>
+            </a:r>
+            <a:r>
+              <a:rPr lang="en-US" dirty="0" err="1"/>
+              <a:t>sehingga</a:t>
+            </a:r>
+            <a:r>
+              <a:rPr lang="en-US" dirty="0"/>
+              <a:t> </a:t>
+            </a:r>
+            <a:r>
+              <a:rPr lang="en-US" dirty="0" err="1"/>
+              <a:t>tidak</a:t>
+            </a:r>
+            <a:r>
+              <a:rPr lang="en-US" dirty="0"/>
+              <a:t> </a:t>
+            </a:r>
+            <a:r>
+              <a:rPr lang="en-US" dirty="0" err="1"/>
+              <a:t>ada</a:t>
+            </a:r>
+            <a:r>
+              <a:rPr lang="en-US" dirty="0"/>
+              <a:t> </a:t>
+            </a:r>
+            <a:r>
+              <a:rPr lang="en-US" dirty="0" err="1"/>
+              <a:t>bantuan</a:t>
+            </a:r>
+            <a:r>
+              <a:rPr lang="en-US" dirty="0"/>
+              <a:t> yang salah </a:t>
+            </a:r>
+            <a:r>
+              <a:rPr lang="en-US" dirty="0" err="1"/>
+              <a:t>sasaran</a:t>
+            </a:r>
+            <a:r>
+              <a:rPr lang="en-US" dirty="0"/>
+              <a:t> dan </a:t>
+            </a:r>
+            <a:r>
+              <a:rPr lang="en-US" dirty="0" err="1"/>
+              <a:t>korupsi</a:t>
+            </a:r>
+            <a:r>
+              <a:rPr lang="en-US" dirty="0"/>
+              <a:t>.</a:t>
+            </a:r>
+          </a:p>
+          <a:p>
+            <a:pPr algn="just"/>
+            <a:endParaRPr lang="en-US" dirty="0"/>
+          </a:p>
+          <a:p>
+            <a:pPr algn="just"/>
+            <a:r>
+              <a:rPr lang="en-US" dirty="0" err="1"/>
+              <a:t>Bagi</a:t>
+            </a:r>
+            <a:r>
+              <a:rPr lang="en-US" dirty="0"/>
+              <a:t> </a:t>
+            </a:r>
+            <a:r>
+              <a:rPr lang="en-US" dirty="0" err="1"/>
+              <a:t>warga</a:t>
+            </a:r>
+            <a:r>
+              <a:rPr lang="en-US" dirty="0"/>
+              <a:t> yang </a:t>
+            </a:r>
+            <a:r>
+              <a:rPr lang="en-US" dirty="0" err="1"/>
+              <a:t>tidak</a:t>
+            </a:r>
+            <a:r>
+              <a:rPr lang="en-US" dirty="0"/>
+              <a:t> </a:t>
+            </a:r>
+            <a:r>
+              <a:rPr lang="en-US" dirty="0" err="1"/>
+              <a:t>lolos</a:t>
+            </a:r>
+            <a:r>
+              <a:rPr lang="en-US" dirty="0"/>
+              <a:t> </a:t>
+            </a:r>
+            <a:r>
+              <a:rPr lang="en-US" dirty="0" err="1"/>
+              <a:t>seleksi</a:t>
+            </a:r>
+            <a:r>
+              <a:rPr lang="en-US" dirty="0"/>
+              <a:t> </a:t>
+            </a:r>
+            <a:r>
+              <a:rPr lang="en-US" dirty="0" err="1"/>
+              <a:t>dari</a:t>
+            </a:r>
+            <a:r>
+              <a:rPr lang="en-US" dirty="0"/>
+              <a:t> data Kelurahan, </a:t>
+            </a:r>
+            <a:r>
+              <a:rPr lang="en-US" dirty="0" err="1"/>
+              <a:t>warga</a:t>
+            </a:r>
+            <a:r>
+              <a:rPr lang="en-US" dirty="0"/>
+              <a:t> yang </a:t>
+            </a:r>
+            <a:r>
+              <a:rPr lang="en-US" dirty="0" err="1"/>
+              <a:t>dirasa</a:t>
+            </a:r>
+            <a:r>
+              <a:rPr lang="en-US" dirty="0"/>
+              <a:t> </a:t>
+            </a:r>
+            <a:r>
+              <a:rPr lang="en-US" dirty="0" err="1"/>
+              <a:t>memiliki</a:t>
+            </a:r>
+            <a:r>
+              <a:rPr lang="en-US" dirty="0"/>
+              <a:t> </a:t>
+            </a:r>
+            <a:r>
+              <a:rPr lang="en-US" dirty="0" err="1"/>
+              <a:t>rumah</a:t>
+            </a:r>
+            <a:r>
+              <a:rPr lang="en-US" dirty="0"/>
+              <a:t> </a:t>
+            </a:r>
+            <a:r>
+              <a:rPr lang="en-US" dirty="0" err="1"/>
+              <a:t>yg</a:t>
+            </a:r>
+            <a:r>
+              <a:rPr lang="en-US" dirty="0"/>
+              <a:t> </a:t>
+            </a:r>
+            <a:r>
+              <a:rPr lang="en-US" dirty="0" err="1"/>
+              <a:t>tidak</a:t>
+            </a:r>
+            <a:r>
+              <a:rPr lang="en-US" dirty="0"/>
+              <a:t> </a:t>
+            </a:r>
+            <a:r>
+              <a:rPr lang="en-US" dirty="0" err="1"/>
+              <a:t>layak</a:t>
+            </a:r>
+            <a:r>
+              <a:rPr lang="en-US" dirty="0"/>
+              <a:t> </a:t>
+            </a:r>
+            <a:r>
+              <a:rPr lang="en-US" dirty="0" err="1"/>
+              <a:t>bisa</a:t>
+            </a:r>
+            <a:r>
+              <a:rPr lang="en-US" dirty="0"/>
+              <a:t> </a:t>
+            </a:r>
+            <a:r>
+              <a:rPr lang="en-US" dirty="0" err="1"/>
+              <a:t>mengajukan</a:t>
+            </a:r>
+            <a:r>
+              <a:rPr lang="en-US" dirty="0"/>
+              <a:t> </a:t>
+            </a:r>
+            <a:r>
+              <a:rPr lang="en-US" dirty="0" err="1"/>
+              <a:t>langsung</a:t>
+            </a:r>
+            <a:r>
+              <a:rPr lang="en-US" dirty="0"/>
+              <a:t> </a:t>
+            </a:r>
+            <a:r>
+              <a:rPr lang="en-US" dirty="0" err="1"/>
+              <a:t>bantuan</a:t>
+            </a:r>
+            <a:r>
+              <a:rPr lang="en-US" dirty="0"/>
+              <a:t> </a:t>
+            </a:r>
+            <a:r>
+              <a:rPr lang="en-US" dirty="0" err="1"/>
+              <a:t>ke</a:t>
+            </a:r>
+            <a:r>
+              <a:rPr lang="en-US" dirty="0"/>
+              <a:t> Kelurahan </a:t>
+            </a:r>
+            <a:r>
+              <a:rPr lang="en-US" dirty="0" err="1"/>
+              <a:t>atau</a:t>
+            </a:r>
+            <a:r>
+              <a:rPr lang="en-US" dirty="0"/>
+              <a:t> </a:t>
+            </a:r>
+            <a:r>
+              <a:rPr lang="en-US" dirty="0" err="1"/>
+              <a:t>lewat</a:t>
+            </a:r>
+            <a:r>
+              <a:rPr lang="en-US" dirty="0"/>
+              <a:t> </a:t>
+            </a:r>
+            <a:r>
+              <a:rPr lang="en-US" dirty="0" err="1"/>
+              <a:t>Ketua</a:t>
+            </a:r>
+            <a:r>
+              <a:rPr lang="en-US" dirty="0"/>
+              <a:t> RT.</a:t>
+            </a:r>
+          </a:p>
+          <a:p>
+            <a:pPr algn="just"/>
+            <a:endParaRPr lang="en-US" dirty="0"/>
+          </a:p>
+          <a:p>
+            <a:pPr algn="just"/>
+            <a:r>
+              <a:rPr lang="en-US" dirty="0" err="1"/>
+              <a:t>Selanjutnya</a:t>
+            </a:r>
+            <a:r>
+              <a:rPr lang="en-US" dirty="0"/>
+              <a:t> </a:t>
+            </a:r>
+            <a:r>
+              <a:rPr lang="en-US" dirty="0" err="1"/>
+              <a:t>warga</a:t>
+            </a:r>
+            <a:r>
+              <a:rPr lang="en-US" dirty="0"/>
+              <a:t> </a:t>
+            </a:r>
+            <a:r>
+              <a:rPr lang="en-US" dirty="0" err="1"/>
+              <a:t>bisa</a:t>
+            </a:r>
+            <a:r>
+              <a:rPr lang="en-US" dirty="0"/>
+              <a:t> </a:t>
+            </a:r>
+            <a:r>
+              <a:rPr lang="en-US" dirty="0" err="1"/>
+              <a:t>mengecek</a:t>
+            </a:r>
+            <a:r>
+              <a:rPr lang="en-US" dirty="0"/>
+              <a:t> </a:t>
+            </a:r>
+            <a:r>
+              <a:rPr lang="en-US" dirty="0" err="1"/>
+              <a:t>langsung</a:t>
+            </a:r>
+            <a:r>
+              <a:rPr lang="en-US" dirty="0"/>
+              <a:t> status </a:t>
+            </a:r>
+            <a:r>
+              <a:rPr lang="en-US" dirty="0" err="1"/>
+              <a:t>bantuan</a:t>
+            </a:r>
+            <a:r>
+              <a:rPr lang="en-US" dirty="0"/>
+              <a:t> di </a:t>
+            </a:r>
+            <a:r>
+              <a:rPr lang="en-US" i="1" dirty="0"/>
+              <a:t>system</a:t>
+            </a:r>
+            <a:r>
+              <a:rPr lang="en-US" dirty="0"/>
+              <a:t> </a:t>
+            </a:r>
+            <a:r>
+              <a:rPr lang="en-US" dirty="0" err="1"/>
+              <a:t>secara</a:t>
+            </a:r>
+            <a:r>
+              <a:rPr lang="en-US" i="1" dirty="0"/>
+              <a:t> real time </a:t>
+            </a:r>
+            <a:r>
+              <a:rPr lang="en-US" dirty="0"/>
+              <a:t>dan </a:t>
+            </a:r>
+            <a:r>
+              <a:rPr lang="en-US" dirty="0" err="1"/>
+              <a:t>dapat</a:t>
+            </a:r>
+            <a:r>
+              <a:rPr lang="en-US" dirty="0"/>
+              <a:t> </a:t>
+            </a:r>
+            <a:r>
+              <a:rPr lang="en-US" dirty="0" err="1"/>
+              <a:t>mengetahui</a:t>
+            </a:r>
+            <a:r>
+              <a:rPr lang="en-US" dirty="0"/>
+              <a:t> </a:t>
+            </a:r>
+            <a:r>
+              <a:rPr lang="en-US" dirty="0" err="1"/>
+              <a:t>kabar</a:t>
+            </a:r>
+            <a:r>
+              <a:rPr lang="en-US" dirty="0"/>
+              <a:t> </a:t>
+            </a:r>
+            <a:r>
+              <a:rPr lang="en-US" dirty="0" err="1"/>
+              <a:t>dari</a:t>
+            </a:r>
+            <a:r>
+              <a:rPr lang="en-US" dirty="0"/>
+              <a:t> </a:t>
+            </a:r>
+            <a:r>
+              <a:rPr lang="en-US" dirty="0" err="1"/>
+              <a:t>sistem</a:t>
+            </a:r>
+            <a:r>
+              <a:rPr lang="en-US" i="1" dirty="0"/>
+              <a:t>.</a:t>
+            </a:r>
+          </a:p>
+          <a:p>
+            <a:pPr algn="just"/>
+            <a:endParaRPr lang="en-US" sz="2000" dirty="0"/>
+          </a:p>
+        </p:txBody>
+      </p:sp>
+    </p:spTree>
+    <p:extLst>
+      <p:ext uri="{BB962C8B-B14F-4D97-AF65-F5344CB8AC3E}">
+        <p14:creationId xmlns:p14="http://schemas.microsoft.com/office/powerpoint/2010/main" val="2331359095"/>
+      </p:ext>
+    </p:extLst>
+  </p:cSld>
+  <p:clrMapOvr>
+    <a:masterClrMapping/>
+  </p:clrMapOvr>
+  <p:transition spd="med">
+    <p:pull/>
+  </p:transition>
+</p:sld>
+</file>
+
+<file path=ppt/slides/slide5.xml><?xml version="1.0" encoding="utf-8"?>
+<p:sld xmlns:a="http://schemas.openxmlformats.org/drawingml/2006/main" xmlns:r="http://schemas.openxmlformats.org/officeDocument/2006/relationships" xmlns:p="http://schemas.openxmlformats.org/presentationml/2006/main">
+  <p:cSld>
+    <p:bg>
+      <p:bgPr>
+        <a:blipFill dpi="0" rotWithShape="1">
+          <a:blip r:embed="rId2">
+            <a:lum/>
+          </a:blip>
+          <a:srcRect/>
+          <a:stretch>
+            <a:fillRect/>
+          </a:stretch>
+        </a:blipFill>
+        <a:effectLst/>
+      </p:bgPr>
+    </p:bg>
+    <p:spTree>
+      <p:nvGrpSpPr>
+        <p:cNvPr id="1" name=""/>
+        <p:cNvGrpSpPr/>
+        <p:nvPr/>
+      </p:nvGrpSpPr>
+      <p:grpSpPr>
+        <a:xfrm>
+          <a:off x="0" y="0"/>
+          <a:ext cx="0" cy="0"/>
+          <a:chOff x="0" y="0"/>
+          <a:chExt cx="0" cy="0"/>
+        </a:xfrm>
+      </p:grpSpPr>
+      <p:sp>
+        <p:nvSpPr>
+          <p:cNvPr id="2" name="Title 1">
+            <a:extLst>
+              <a:ext uri="{FF2B5EF4-FFF2-40B4-BE49-F238E27FC236}">
+                <a16:creationId xmlns:a16="http://schemas.microsoft.com/office/drawing/2014/main" id="{A304A63C-2AB2-43E2-81C7-98E9A901DFBA}"/>
+              </a:ext>
+            </a:extLst>
+          </p:cNvPr>
+          <p:cNvSpPr>
+            <a:spLocks noGrp="1"/>
+          </p:cNvSpPr>
+          <p:nvPr>
+            <p:ph type="title"/>
+          </p:nvPr>
+        </p:nvSpPr>
+        <p:spPr>
+          <a:xfrm>
+            <a:off x="683568" y="57581"/>
+            <a:ext cx="7467600" cy="652934"/>
+          </a:xfrm>
+        </p:spPr>
+        <p:txBody>
+          <a:bodyPr>
+            <a:normAutofit/>
+          </a:bodyPr>
+          <a:lstStyle/>
+          <a:p>
+            <a:r>
+              <a:rPr lang="en-US" sz="3600" dirty="0" err="1">
+                <a:solidFill>
+                  <a:schemeClr val="tx1"/>
+                </a:solidFill>
+                <a:latin typeface="Times New Roman" panose="02020603050405020304" pitchFamily="18" charset="0"/>
+                <a:cs typeface="Times New Roman" panose="02020603050405020304" pitchFamily="18" charset="0"/>
+              </a:rPr>
+              <a:t>Latar</a:t>
+            </a:r>
+            <a:r>
+              <a:rPr lang="en-US" sz="3600" dirty="0">
+                <a:solidFill>
+                  <a:schemeClr val="tx1"/>
+                </a:solidFill>
+                <a:latin typeface="Times New Roman" panose="02020603050405020304" pitchFamily="18" charset="0"/>
+                <a:cs typeface="Times New Roman" panose="02020603050405020304" pitchFamily="18" charset="0"/>
+              </a:rPr>
+              <a:t> </a:t>
+            </a:r>
+            <a:r>
+              <a:rPr lang="en-US" sz="3600" dirty="0" err="1">
+                <a:solidFill>
+                  <a:schemeClr val="tx1"/>
+                </a:solidFill>
+                <a:latin typeface="Times New Roman" panose="02020603050405020304" pitchFamily="18" charset="0"/>
+                <a:cs typeface="Times New Roman" panose="02020603050405020304" pitchFamily="18" charset="0"/>
+              </a:rPr>
+              <a:t>Belakang</a:t>
+            </a:r>
+            <a:r>
+              <a:rPr lang="en-US" sz="3600" dirty="0">
+                <a:solidFill>
+                  <a:schemeClr val="tx1"/>
+                </a:solidFill>
+                <a:latin typeface="Times New Roman" panose="02020603050405020304" pitchFamily="18" charset="0"/>
+                <a:cs typeface="Times New Roman" panose="02020603050405020304" pitchFamily="18" charset="0"/>
+              </a:rPr>
+              <a:t> </a:t>
+            </a:r>
+            <a:r>
+              <a:rPr lang="en-US" sz="3600" dirty="0" err="1">
+                <a:solidFill>
+                  <a:schemeClr val="tx1"/>
+                </a:solidFill>
+                <a:latin typeface="Times New Roman" panose="02020603050405020304" pitchFamily="18" charset="0"/>
+                <a:cs typeface="Times New Roman" panose="02020603050405020304" pitchFamily="18" charset="0"/>
+              </a:rPr>
+              <a:t>Masalah</a:t>
+            </a:r>
+            <a:endParaRPr lang="en-US" sz="3600" dirty="0">
+              <a:solidFill>
+                <a:schemeClr val="tx1"/>
+              </a:solidFill>
+              <a:latin typeface="Times New Roman" panose="02020603050405020304" pitchFamily="18" charset="0"/>
+              <a:cs typeface="Times New Roman" panose="02020603050405020304" pitchFamily="18" charset="0"/>
+            </a:endParaRPr>
+          </a:p>
+        </p:txBody>
+      </p:sp>
+      <p:sp>
+        <p:nvSpPr>
+          <p:cNvPr id="3" name="Content Placeholder 2">
+            <a:extLst>
+              <a:ext uri="{FF2B5EF4-FFF2-40B4-BE49-F238E27FC236}">
+                <a16:creationId xmlns:a16="http://schemas.microsoft.com/office/drawing/2014/main" id="{4E1730CF-3E1D-4937-A06C-C4802EC6ED4A}"/>
+              </a:ext>
+            </a:extLst>
+          </p:cNvPr>
+          <p:cNvSpPr>
+            <a:spLocks noGrp="1"/>
+          </p:cNvSpPr>
+          <p:nvPr>
+            <p:ph sz="quarter" idx="1"/>
+          </p:nvPr>
+        </p:nvSpPr>
+        <p:spPr>
+          <a:xfrm>
+            <a:off x="683568" y="710515"/>
+            <a:ext cx="7467600" cy="3510573"/>
+          </a:xfrm>
+        </p:spPr>
+        <p:txBody>
+          <a:bodyPr>
+            <a:normAutofit/>
+          </a:bodyPr>
+          <a:lstStyle/>
+          <a:p>
+            <a:pPr marL="0" indent="0" algn="just">
+              <a:buNone/>
+            </a:pPr>
+            <a:endParaRPr lang="en-ID" dirty="0"/>
+          </a:p>
+          <a:p>
+            <a:pPr algn="just"/>
+            <a:r>
+              <a:rPr lang="en-US" dirty="0"/>
+              <a:t>.</a:t>
+            </a:r>
+            <a:endParaRPr lang="en-US" sz="2000" dirty="0"/>
+          </a:p>
+        </p:txBody>
+      </p:sp>
+      <p:sp>
+        <p:nvSpPr>
+          <p:cNvPr id="4" name="Content Placeholder 2">
+            <a:extLst>
+              <a:ext uri="{FF2B5EF4-FFF2-40B4-BE49-F238E27FC236}">
+                <a16:creationId xmlns:a16="http://schemas.microsoft.com/office/drawing/2014/main" id="{B0260381-BF6F-4A97-A594-1E07C7A22457}"/>
+              </a:ext>
+            </a:extLst>
+          </p:cNvPr>
+          <p:cNvSpPr txBox="1">
+            <a:spLocks/>
+          </p:cNvSpPr>
+          <p:nvPr/>
+        </p:nvSpPr>
+        <p:spPr>
+          <a:xfrm>
+            <a:off x="683568" y="710515"/>
+            <a:ext cx="7467600" cy="4734709"/>
+          </a:xfrm>
+          <a:prstGeom prst="rect">
+            <a:avLst/>
+          </a:prstGeom>
+        </p:spPr>
+        <p:txBody>
+          <a:bodyPr vert="horz">
+            <a:normAutofit/>
+          </a:bodyPr>
+          <a:lstStyle>
+            <a:lvl1pPr marL="274320" indent="-274320" algn="l" rtl="0" eaLnBrk="1" latinLnBrk="0" hangingPunct="1">
+              <a:spcBef>
+                <a:spcPts val="600"/>
+              </a:spcBef>
+              <a:buClr>
+                <a:schemeClr val="accent1"/>
+              </a:buClr>
+              <a:buSzPct val="70000"/>
+              <a:buFont typeface="Wingdings"/>
+              <a:buChar char=""/>
+              <a:defRPr kumimoji="0" sz="2400" kern="1200">
+                <a:solidFill>
+                  <a:schemeClr val="tx1"/>
+                </a:solidFill>
+                <a:latin typeface="+mn-lt"/>
+                <a:ea typeface="+mn-ea"/>
+                <a:cs typeface="+mn-cs"/>
+              </a:defRPr>
+            </a:lvl1pPr>
+            <a:lvl2pPr marL="640080" indent="-274320" algn="l" rtl="0" eaLnBrk="1" latinLnBrk="0" hangingPunct="1">
+              <a:spcBef>
+                <a:spcPct val="20000"/>
+              </a:spcBef>
+              <a:buClr>
+                <a:schemeClr val="accent1"/>
+              </a:buClr>
+              <a:buSzPct val="80000"/>
+              <a:buFont typeface="Wingdings 2"/>
+              <a:buChar char=""/>
+              <a:defRPr kumimoji="0" sz="2100" kern="1200">
+                <a:solidFill>
+                  <a:schemeClr val="tx1"/>
+                </a:solidFill>
+                <a:latin typeface="+mn-lt"/>
+                <a:ea typeface="+mn-ea"/>
+                <a:cs typeface="+mn-cs"/>
+              </a:defRPr>
+            </a:lvl2pPr>
+            <a:lvl3pPr marL="914400" indent="-182880" algn="l" rtl="0" eaLnBrk="1" latinLnBrk="0" hangingPunct="1">
+              <a:spcBef>
+                <a:spcPct val="20000"/>
+              </a:spcBef>
+              <a:buClr>
+                <a:schemeClr val="accent1">
+                  <a:shade val="75000"/>
+                </a:schemeClr>
+              </a:buClr>
+              <a:buSzPct val="60000"/>
+              <a:buFont typeface="Wingdings"/>
+              <a:buChar char=""/>
+              <a:defRPr kumimoji="0" sz="1800" kern="1200">
+                <a:solidFill>
+                  <a:schemeClr val="tx1"/>
+                </a:solidFill>
+                <a:latin typeface="+mn-lt"/>
+                <a:ea typeface="+mn-ea"/>
+                <a:cs typeface="+mn-cs"/>
+              </a:defRPr>
+            </a:lvl3pPr>
+            <a:lvl4pPr marL="1188720" indent="-182880" algn="l" rtl="0" eaLnBrk="1" latinLnBrk="0" hangingPunct="1">
+              <a:spcBef>
+                <a:spcPct val="20000"/>
+              </a:spcBef>
+              <a:buClr>
+                <a:schemeClr val="accent1">
+                  <a:tint val="60000"/>
+                </a:schemeClr>
+              </a:buClr>
+              <a:buSzPct val="60000"/>
+              <a:buFont typeface="Wingdings"/>
+              <a:buChar char=""/>
+              <a:defRPr kumimoji="0" sz="1800" kern="1200">
+                <a:solidFill>
+                  <a:schemeClr val="tx1"/>
+                </a:solidFill>
+                <a:latin typeface="+mn-lt"/>
+                <a:ea typeface="+mn-ea"/>
+                <a:cs typeface="+mn-cs"/>
+              </a:defRPr>
+            </a:lvl4pPr>
+            <a:lvl5pPr marL="1463040" indent="-182880" algn="l" rtl="0" eaLnBrk="1" latinLnBrk="0" hangingPunct="1">
+              <a:spcBef>
+                <a:spcPct val="20000"/>
+              </a:spcBef>
+              <a:buClr>
+                <a:schemeClr val="accent2">
+                  <a:tint val="60000"/>
+                </a:schemeClr>
+              </a:buClr>
+              <a:buSzPct val="68000"/>
+              <a:buFont typeface="Wingdings 2"/>
+              <a:buChar char=""/>
+              <a:defRPr kumimoji="0" sz="1600" kern="1200">
+                <a:solidFill>
+                  <a:schemeClr val="tx1"/>
+                </a:solidFill>
+                <a:latin typeface="+mn-lt"/>
+                <a:ea typeface="+mn-ea"/>
+                <a:cs typeface="+mn-cs"/>
+              </a:defRPr>
+            </a:lvl5pPr>
+            <a:lvl6pPr marL="1737360" indent="-182880" algn="l" rtl="0" eaLnBrk="1" latinLnBrk="0" hangingPunct="1">
+              <a:spcBef>
+                <a:spcPct val="20000"/>
+              </a:spcBef>
+              <a:buClr>
+                <a:schemeClr val="accent1"/>
+              </a:buClr>
+              <a:buChar char="•"/>
+              <a:defRPr kumimoji="0" sz="1600" kern="1200">
+                <a:solidFill>
+                  <a:schemeClr val="tx2"/>
+                </a:solidFill>
+                <a:latin typeface="+mn-lt"/>
+                <a:ea typeface="+mn-ea"/>
+                <a:cs typeface="+mn-cs"/>
+              </a:defRPr>
+            </a:lvl6pPr>
+            <a:lvl7pPr marL="2011680" indent="-182880" algn="l" rtl="0" eaLnBrk="1" latinLnBrk="0" hangingPunct="1">
+              <a:spcBef>
+                <a:spcPct val="20000"/>
+              </a:spcBef>
+              <a:buClr>
+                <a:schemeClr val="accent1">
+                  <a:tint val="60000"/>
+                </a:schemeClr>
+              </a:buClr>
+              <a:buSzPct val="60000"/>
+              <a:buFont typeface="Wingdings"/>
+              <a:buChar char=""/>
+              <a:defRPr kumimoji="0" sz="1400" kern="1200" baseline="0">
+                <a:solidFill>
+                  <a:schemeClr val="tx2"/>
+                </a:solidFill>
+                <a:latin typeface="+mn-lt"/>
+                <a:ea typeface="+mn-ea"/>
+                <a:cs typeface="+mn-cs"/>
+              </a:defRPr>
+            </a:lvl7pPr>
+            <a:lvl8pPr marL="2286000" indent="-182880" algn="l" rtl="0" eaLnBrk="1" latinLnBrk="0" hangingPunct="1">
+              <a:spcBef>
+                <a:spcPct val="20000"/>
+              </a:spcBef>
+              <a:buClr>
+                <a:schemeClr val="accent2"/>
+              </a:buClr>
+              <a:buChar char="•"/>
+              <a:defRPr kumimoji="0" sz="1400" kern="1200" cap="small" baseline="0">
+                <a:solidFill>
+                  <a:schemeClr val="tx2"/>
+                </a:solidFill>
+                <a:latin typeface="+mn-lt"/>
+                <a:ea typeface="+mn-ea"/>
+                <a:cs typeface="+mn-cs"/>
+              </a:defRPr>
+            </a:lvl8pPr>
+            <a:lvl9pPr marL="2560320" indent="-182880" algn="l" rtl="0" eaLnBrk="1" latinLnBrk="0" hangingPunct="1">
+              <a:spcBef>
+                <a:spcPct val="20000"/>
+              </a:spcBef>
+              <a:buClr>
+                <a:schemeClr val="accent1">
+                  <a:shade val="75000"/>
+                </a:schemeClr>
+              </a:buClr>
+              <a:buChar char="•"/>
+              <a:defRPr kumimoji="0" sz="1400" kern="1200" baseline="0">
+                <a:solidFill>
+                  <a:schemeClr val="tx2"/>
+                </a:solidFill>
+                <a:latin typeface="+mn-lt"/>
+                <a:ea typeface="+mn-ea"/>
+                <a:cs typeface="+mn-cs"/>
+              </a:defRPr>
+            </a:lvl9pPr>
+          </a:lstStyle>
+          <a:p>
+            <a:pPr marL="0" indent="0" algn="just">
+              <a:buFont typeface="Wingdings"/>
+              <a:buNone/>
+            </a:pPr>
+            <a:endParaRPr lang="en-ID" dirty="0"/>
+          </a:p>
+          <a:p>
+            <a:pPr algn="just"/>
+            <a:r>
+              <a:rPr lang="en-US" dirty="0" err="1"/>
+              <a:t>Sistem</a:t>
+            </a:r>
+            <a:r>
+              <a:rPr lang="en-US" dirty="0"/>
+              <a:t> </a:t>
+            </a:r>
+            <a:r>
+              <a:rPr lang="en-US" dirty="0" err="1"/>
+              <a:t>ini</a:t>
+            </a:r>
+            <a:r>
+              <a:rPr lang="en-US" dirty="0"/>
+              <a:t> </a:t>
+            </a:r>
+            <a:r>
+              <a:rPr lang="en-US" dirty="0" err="1"/>
+              <a:t>akan</a:t>
+            </a:r>
+            <a:r>
+              <a:rPr lang="en-US" dirty="0"/>
+              <a:t> </a:t>
+            </a:r>
+            <a:r>
+              <a:rPr lang="en-US" dirty="0" err="1"/>
+              <a:t>memiliki</a:t>
+            </a:r>
+            <a:r>
+              <a:rPr lang="en-US" dirty="0"/>
+              <a:t> 1 </a:t>
+            </a:r>
+            <a:r>
+              <a:rPr lang="en-US" dirty="0" err="1"/>
+              <a:t>halaman</a:t>
+            </a:r>
+            <a:r>
+              <a:rPr lang="en-US" dirty="0"/>
+              <a:t> </a:t>
+            </a:r>
+            <a:r>
+              <a:rPr lang="en-US" i="1" dirty="0"/>
+              <a:t>client</a:t>
+            </a:r>
+            <a:r>
+              <a:rPr lang="en-US" dirty="0"/>
+              <a:t> </a:t>
+            </a:r>
+            <a:r>
+              <a:rPr lang="en-US" dirty="0" err="1"/>
+              <a:t>untuk</a:t>
+            </a:r>
+            <a:r>
+              <a:rPr lang="en-US" dirty="0"/>
+              <a:t> </a:t>
+            </a:r>
+            <a:r>
+              <a:rPr lang="en-US" dirty="0" err="1"/>
+              <a:t>warga</a:t>
+            </a:r>
+            <a:r>
+              <a:rPr lang="en-US" dirty="0"/>
+              <a:t> </a:t>
+            </a:r>
+            <a:r>
+              <a:rPr lang="en-US" dirty="0" err="1"/>
+              <a:t>mengetahui</a:t>
+            </a:r>
+            <a:r>
+              <a:rPr lang="en-US" dirty="0"/>
+              <a:t> status dan </a:t>
+            </a:r>
+            <a:r>
+              <a:rPr lang="en-US" dirty="0" err="1"/>
+              <a:t>perkembangan</a:t>
+            </a:r>
+            <a:r>
+              <a:rPr lang="en-US" dirty="0"/>
+              <a:t> </a:t>
+            </a:r>
+            <a:r>
+              <a:rPr lang="en-US" dirty="0" err="1"/>
+              <a:t>bantuan</a:t>
+            </a:r>
+            <a:r>
+              <a:rPr lang="en-US" dirty="0"/>
+              <a:t>, dan 2 </a:t>
+            </a:r>
+            <a:r>
+              <a:rPr lang="en-US" dirty="0" err="1"/>
+              <a:t>akses</a:t>
+            </a:r>
+            <a:r>
+              <a:rPr lang="en-US" dirty="0"/>
+              <a:t> admin yang </a:t>
+            </a:r>
+            <a:r>
+              <a:rPr lang="en-US" dirty="0" err="1"/>
+              <a:t>digunakan</a:t>
+            </a:r>
+            <a:r>
+              <a:rPr lang="en-US" dirty="0"/>
+              <a:t> </a:t>
+            </a:r>
+            <a:r>
+              <a:rPr lang="en-US" dirty="0" err="1"/>
+              <a:t>untuk</a:t>
+            </a:r>
+            <a:r>
+              <a:rPr lang="en-US" dirty="0"/>
+              <a:t> proses </a:t>
+            </a:r>
+            <a:r>
+              <a:rPr lang="en-US" dirty="0" err="1"/>
+              <a:t>seleksi</a:t>
+            </a:r>
+            <a:r>
+              <a:rPr lang="en-US" dirty="0"/>
+              <a:t> </a:t>
+            </a:r>
+            <a:r>
+              <a:rPr lang="en-US" dirty="0" err="1"/>
+              <a:t>penerimaan</a:t>
+            </a:r>
+            <a:r>
+              <a:rPr lang="en-US" dirty="0"/>
+              <a:t> </a:t>
+            </a:r>
+            <a:r>
+              <a:rPr lang="en-US" dirty="0" err="1"/>
+              <a:t>bantuan</a:t>
+            </a:r>
+            <a:r>
+              <a:rPr lang="en-US" dirty="0"/>
+              <a:t> </a:t>
+            </a:r>
+            <a:r>
+              <a:rPr lang="en-US" dirty="0" err="1"/>
+              <a:t>bedah</a:t>
+            </a:r>
+            <a:r>
+              <a:rPr lang="en-US" dirty="0"/>
+              <a:t> </a:t>
+            </a:r>
+            <a:r>
+              <a:rPr lang="en-US" dirty="0" err="1"/>
+              <a:t>rumah</a:t>
+            </a:r>
+            <a:r>
+              <a:rPr lang="en-US" dirty="0"/>
+              <a:t> dan approved </a:t>
+            </a:r>
+            <a:r>
+              <a:rPr lang="en-US" dirty="0" err="1"/>
+              <a:t>kapan</a:t>
+            </a:r>
+            <a:r>
+              <a:rPr lang="en-US" dirty="0"/>
+              <a:t> dana </a:t>
+            </a:r>
+            <a:r>
+              <a:rPr lang="en-US" dirty="0" err="1"/>
+              <a:t>diberikan</a:t>
+            </a:r>
+            <a:r>
+              <a:rPr lang="en-US" dirty="0"/>
+              <a:t> dan </a:t>
+            </a:r>
+            <a:r>
+              <a:rPr lang="en-US" dirty="0" err="1"/>
+              <a:t>tanggal</a:t>
+            </a:r>
+            <a:r>
+              <a:rPr lang="en-US" dirty="0"/>
+              <a:t> </a:t>
+            </a:r>
+            <a:r>
+              <a:rPr lang="en-US" dirty="0" err="1"/>
+              <a:t>eksekusi</a:t>
+            </a:r>
+            <a:r>
+              <a:rPr lang="en-US" dirty="0"/>
+              <a:t> </a:t>
+            </a:r>
+            <a:r>
+              <a:rPr lang="en-US" dirty="0" err="1"/>
+              <a:t>renovasi</a:t>
+            </a:r>
+            <a:r>
+              <a:rPr lang="en-US" dirty="0"/>
+              <a:t> </a:t>
+            </a:r>
+            <a:r>
+              <a:rPr lang="en-US" dirty="0" err="1"/>
+              <a:t>rumah</a:t>
+            </a:r>
+            <a:r>
+              <a:rPr lang="en-US" dirty="0"/>
+              <a:t>, </a:t>
+            </a:r>
+            <a:endParaRPr lang="en-US" sz="2000" dirty="0"/>
+          </a:p>
+        </p:txBody>
+      </p:sp>
+    </p:spTree>
+    <p:extLst>
+      <p:ext uri="{BB962C8B-B14F-4D97-AF65-F5344CB8AC3E}">
+        <p14:creationId xmlns:p14="http://schemas.microsoft.com/office/powerpoint/2010/main" val="3465885090"/>
+      </p:ext>
+    </p:extLst>
+  </p:cSld>
+  <p:clrMapOvr>
+    <a:masterClrMapping/>
+  </p:clrMapOvr>
+  <p:transition spd="med">
+    <p:pull/>
+  </p:transition>
+</p:sld>
+</file>
+
+<file path=ppt/slides/slide6.xml><?xml version="1.0" encoding="utf-8"?>
+<p:sld xmlns:a="http://schemas.openxmlformats.org/drawingml/2006/main" xmlns:r="http://schemas.openxmlformats.org/officeDocument/2006/relationships" xmlns:p="http://schemas.openxmlformats.org/presentationml/2006/main" showMasterSp="0">
+  <p:cSld>
+    <p:bg>
+      <p:bgPr>
+        <a:blipFill dpi="0" rotWithShape="1">
+          <a:blip r:embed="rId2">
+            <a:lum/>
+          </a:blip>
+          <a:srcRect/>
+          <a:stretch>
+            <a:fillRect/>
+          </a:stretch>
+        </a:blipFill>
+        <a:effectLst/>
+      </p:bgPr>
+    </p:bg>
+    <p:spTree>
+      <p:nvGrpSpPr>
+        <p:cNvPr id="1" name=""/>
+        <p:cNvGrpSpPr/>
+        <p:nvPr/>
+      </p:nvGrpSpPr>
+      <p:grpSpPr>
+        <a:xfrm>
+          <a:off x="0" y="0"/>
+          <a:ext cx="0" cy="0"/>
+          <a:chOff x="0" y="0"/>
+          <a:chExt cx="0" cy="0"/>
+        </a:xfrm>
+      </p:grpSpPr>
+      <p:sp>
+        <p:nvSpPr>
+          <p:cNvPr id="2" name="Title 1">
+            <a:extLst>
+              <a:ext uri="{FF2B5EF4-FFF2-40B4-BE49-F238E27FC236}">
+                <a16:creationId xmlns:a16="http://schemas.microsoft.com/office/drawing/2014/main" id="{0E0C70B4-4644-4A76-B2C8-3690D0EBDA7D}"/>
+              </a:ext>
+            </a:extLst>
+          </p:cNvPr>
+          <p:cNvSpPr>
+            <a:spLocks noGrp="1"/>
+          </p:cNvSpPr>
+          <p:nvPr>
+            <p:ph type="title"/>
+          </p:nvPr>
+        </p:nvSpPr>
+        <p:spPr>
+          <a:xfrm>
+            <a:off x="611560" y="57581"/>
+            <a:ext cx="7467600" cy="652934"/>
+          </a:xfrm>
+        </p:spPr>
+        <p:txBody>
+          <a:bodyPr/>
+          <a:lstStyle/>
+          <a:p>
+            <a:r>
+              <a:rPr lang="en-US" dirty="0" err="1"/>
+              <a:t>Profil</a:t>
+            </a:r>
+            <a:r>
+              <a:rPr lang="en-US" dirty="0"/>
+              <a:t> Kelurahan </a:t>
+            </a:r>
+            <a:r>
+              <a:rPr lang="en-US"/>
+              <a:t>Krapyak</a:t>
+            </a:r>
+            <a:endParaRPr lang="en-US" dirty="0"/>
+          </a:p>
+        </p:txBody>
+      </p:sp>
+      <p:sp>
+        <p:nvSpPr>
+          <p:cNvPr id="3" name="Content Placeholder 2">
+            <a:extLst>
+              <a:ext uri="{FF2B5EF4-FFF2-40B4-BE49-F238E27FC236}">
+                <a16:creationId xmlns:a16="http://schemas.microsoft.com/office/drawing/2014/main" id="{4909DF68-4B1C-433E-8982-98261B421102}"/>
+              </a:ext>
+            </a:extLst>
+          </p:cNvPr>
+          <p:cNvSpPr>
+            <a:spLocks noGrp="1"/>
+          </p:cNvSpPr>
+          <p:nvPr>
+            <p:ph sz="quarter" idx="1"/>
+          </p:nvPr>
+        </p:nvSpPr>
+        <p:spPr>
+          <a:xfrm>
+            <a:off x="603176" y="730648"/>
+            <a:ext cx="7467600" cy="3525094"/>
+          </a:xfrm>
+        </p:spPr>
+        <p:txBody>
+          <a:bodyPr>
+            <a:normAutofit/>
+          </a:bodyPr>
+          <a:lstStyle/>
+          <a:p>
+            <a:r>
+              <a:rPr lang="en-US" sz="2000" dirty="0"/>
+              <a:t>Alamat		: </a:t>
+            </a:r>
+            <a:r>
+              <a:rPr lang="en-US" sz="2000" dirty="0" err="1"/>
+              <a:t>Jl.Subali</a:t>
+            </a:r>
+            <a:r>
+              <a:rPr lang="en-US" sz="2000" dirty="0"/>
+              <a:t> Raya </a:t>
+            </a:r>
+          </a:p>
+          <a:p>
+            <a:r>
+              <a:rPr lang="en-US" sz="2000" dirty="0"/>
+              <a:t>Luas Wilayah	: 119 Ha. ( 9 RW dan 48 RT)</a:t>
+            </a:r>
+          </a:p>
+          <a:p>
+            <a:r>
+              <a:rPr lang="en-US" sz="2000" dirty="0" err="1"/>
+              <a:t>Jumlah</a:t>
+            </a:r>
+            <a:r>
+              <a:rPr lang="en-US" sz="2000" dirty="0"/>
+              <a:t> </a:t>
+            </a:r>
+            <a:r>
+              <a:rPr lang="en-US" sz="2000" dirty="0" err="1"/>
+              <a:t>Penduduk</a:t>
+            </a:r>
+            <a:r>
+              <a:rPr lang="en-US" sz="2000" dirty="0"/>
+              <a:t>	: 6550 / </a:t>
+            </a:r>
+            <a:r>
+              <a:rPr lang="en-US" sz="2000" dirty="0" err="1"/>
+              <a:t>Agustus</a:t>
+            </a:r>
+            <a:r>
+              <a:rPr lang="en-US" sz="2000" dirty="0"/>
+              <a:t> 2018</a:t>
+            </a:r>
+          </a:p>
+          <a:p>
+            <a:endParaRPr lang="en-US" sz="2000" dirty="0"/>
+          </a:p>
+          <a:p>
+            <a:r>
+              <a:rPr lang="en-US" sz="2000" dirty="0"/>
+              <a:t>Batas Wilayah	:</a:t>
+            </a:r>
+          </a:p>
+          <a:p>
+            <a:r>
+              <a:rPr lang="en-US" sz="2000" dirty="0"/>
+              <a:t>1. </a:t>
+            </a:r>
+            <a:r>
+              <a:rPr lang="en-US" sz="2000" dirty="0" err="1"/>
+              <a:t>Sebelah</a:t>
+            </a:r>
+            <a:r>
+              <a:rPr lang="en-US" sz="2000" dirty="0"/>
+              <a:t> Utara	: Kelurahan </a:t>
+            </a:r>
+            <a:r>
+              <a:rPr lang="en-US" sz="2000" dirty="0" err="1"/>
+              <a:t>Tambakharjo</a:t>
+            </a:r>
+            <a:endParaRPr lang="en-US" sz="2000" dirty="0"/>
+          </a:p>
+          <a:p>
+            <a:r>
+              <a:rPr lang="en-US" sz="2000" dirty="0"/>
+              <a:t>2. </a:t>
+            </a:r>
+            <a:r>
+              <a:rPr lang="en-US" sz="2000" dirty="0" err="1"/>
+              <a:t>Sebelah</a:t>
+            </a:r>
+            <a:r>
+              <a:rPr lang="en-US" sz="2000" dirty="0"/>
+              <a:t> Selatan	: Kelurahan </a:t>
+            </a:r>
+            <a:r>
+              <a:rPr lang="en-US" sz="2000" dirty="0" err="1"/>
+              <a:t>Kembang</a:t>
+            </a:r>
+            <a:r>
+              <a:rPr lang="en-US" sz="2000" dirty="0"/>
+              <a:t> Arum</a:t>
+            </a:r>
+          </a:p>
+          <a:p>
+            <a:r>
+              <a:rPr lang="en-US" sz="2000" dirty="0"/>
+              <a:t>3. </a:t>
+            </a:r>
+            <a:r>
+              <a:rPr lang="en-US" sz="2000" dirty="0" err="1"/>
+              <a:t>Sebelah</a:t>
+            </a:r>
+            <a:r>
+              <a:rPr lang="en-US" sz="2000" dirty="0"/>
+              <a:t> Barat	: Kelurahan </a:t>
+            </a:r>
+            <a:r>
+              <a:rPr lang="en-US" sz="2000" dirty="0" err="1"/>
+              <a:t>Jrakah</a:t>
+            </a:r>
+            <a:r>
+              <a:rPr lang="en-US" sz="2000" dirty="0"/>
+              <a:t> </a:t>
+            </a:r>
+            <a:r>
+              <a:rPr lang="en-US" sz="2000" dirty="0" err="1"/>
+              <a:t>Kecamatan</a:t>
+            </a:r>
+            <a:r>
+              <a:rPr lang="en-US" sz="2000" dirty="0"/>
+              <a:t> </a:t>
+            </a:r>
+            <a:r>
+              <a:rPr lang="en-US" sz="2000" dirty="0" err="1"/>
+              <a:t>Tugu</a:t>
+            </a:r>
+            <a:endParaRPr lang="en-US" sz="2000" dirty="0"/>
+          </a:p>
+          <a:p>
+            <a:r>
+              <a:rPr lang="en-US" sz="2000" dirty="0"/>
+              <a:t>4. </a:t>
+            </a:r>
+            <a:r>
+              <a:rPr lang="en-US" sz="2000" dirty="0" err="1"/>
+              <a:t>Sebelah</a:t>
+            </a:r>
+            <a:r>
+              <a:rPr lang="en-US" sz="2000" dirty="0"/>
+              <a:t> Timur	: Kelurahan </a:t>
+            </a:r>
+            <a:r>
+              <a:rPr lang="en-US" sz="2000" dirty="0" err="1"/>
+              <a:t>Kalibanteng</a:t>
+            </a:r>
+            <a:r>
+              <a:rPr lang="en-US" sz="2000" dirty="0"/>
+              <a:t> </a:t>
+            </a:r>
+            <a:r>
+              <a:rPr lang="en-US" sz="2000" dirty="0" err="1"/>
+              <a:t>Kulon</a:t>
+            </a:r>
+            <a:endParaRPr lang="en-US" sz="2000" dirty="0"/>
+          </a:p>
+        </p:txBody>
+      </p:sp>
+      <p:pic>
+        <p:nvPicPr>
+          <p:cNvPr id="4" name="Picture 3">
+            <a:extLst>
+              <a:ext uri="{FF2B5EF4-FFF2-40B4-BE49-F238E27FC236}">
+                <a16:creationId xmlns:a16="http://schemas.microsoft.com/office/drawing/2014/main" id="{E957B51B-FC2B-4E7C-805D-E35097EDEBC1}"/>
+              </a:ext>
+            </a:extLst>
+          </p:cNvPr>
+          <p:cNvPicPr/>
+          <p:nvPr/>
+        </p:nvPicPr>
+        <p:blipFill>
+          <a:blip r:embed="rId3" cstate="print">
+            <a:extLst>
+              <a:ext uri="{28A0092B-C50C-407E-A947-70E740481C1C}">
+                <a14:useLocalDpi xmlns:a14="http://schemas.microsoft.com/office/drawing/2010/main" val="0"/>
+              </a:ext>
+            </a:extLst>
+          </a:blip>
+          <a:stretch>
+            <a:fillRect/>
+          </a:stretch>
+        </p:blipFill>
+        <p:spPr>
+          <a:xfrm>
+            <a:off x="2883312" y="4255742"/>
+            <a:ext cx="3377375" cy="2533137"/>
+          </a:xfrm>
+          <a:prstGeom prst="rect">
+            <a:avLst/>
+          </a:prstGeom>
+        </p:spPr>
+      </p:pic>
+    </p:spTree>
+    <p:extLst>
+      <p:ext uri="{BB962C8B-B14F-4D97-AF65-F5344CB8AC3E}">
+        <p14:creationId xmlns:p14="http://schemas.microsoft.com/office/powerpoint/2010/main" val="2518053953"/>
+      </p:ext>
+    </p:extLst>
+  </p:cSld>
+  <p:clrMapOvr>
+    <a:masterClrMapping/>
+  </p:clrMapOvr>
+  <mc:AlternateContent xmlns:mc="http://schemas.openxmlformats.org/markup-compatibility/2006" xmlns:p14="http://schemas.microsoft.com/office/powerpoint/2010/main">
+    <mc:Choice Requires="p14">
+      <p:transition spd="slow" p14:dur="3400">
+        <p14:reveal/>
+      </p:transition>
+    </mc:Choice>
+    <mc:Fallback xmlns="">
+      <p:transition spd="slow">
+        <p:fade/>
+      </p:transition>
+    </mc:Fallback>
+  </mc:AlternateContent>
+</p:sld>
+</file>
+
+<file path=ppt/slides/slide7.xml><?xml version="1.0" encoding="utf-8"?>
+<p:sld xmlns:a="http://schemas.openxmlformats.org/drawingml/2006/main" xmlns:r="http://schemas.openxmlformats.org/officeDocument/2006/relationships" xmlns:p="http://schemas.openxmlformats.org/presentationml/2006/main" showMasterSp="0">
+  <p:cSld>
+    <p:bg>
+      <p:bgPr>
+        <a:blipFill dpi="0" rotWithShape="1">
+          <a:blip r:embed="rId2">
+            <a:lum/>
+          </a:blip>
+          <a:srcRect/>
+          <a:stretch>
+            <a:fillRect/>
+          </a:stretch>
+        </a:blipFill>
+        <a:effectLst/>
+      </p:bgPr>
+    </p:bg>
+    <p:spTree>
+      <p:nvGrpSpPr>
+        <p:cNvPr id="1" name=""/>
+        <p:cNvGrpSpPr/>
+        <p:nvPr/>
+      </p:nvGrpSpPr>
+      <p:grpSpPr>
+        <a:xfrm>
+          <a:off x="0" y="0"/>
+          <a:ext cx="0" cy="0"/>
+          <a:chOff x="0" y="0"/>
+          <a:chExt cx="0" cy="0"/>
+        </a:xfrm>
+      </p:grpSpPr>
+      <p:sp>
+        <p:nvSpPr>
+          <p:cNvPr id="2" name="Title 1">
+            <a:extLst>
+              <a:ext uri="{FF2B5EF4-FFF2-40B4-BE49-F238E27FC236}">
+                <a16:creationId xmlns:a16="http://schemas.microsoft.com/office/drawing/2014/main" id="{E9C185EF-1F08-4AAC-8B0A-599C057E2E25}"/>
+              </a:ext>
+            </a:extLst>
+          </p:cNvPr>
+          <p:cNvSpPr>
+            <a:spLocks noGrp="1"/>
+          </p:cNvSpPr>
+          <p:nvPr>
+            <p:ph type="title"/>
+          </p:nvPr>
+        </p:nvSpPr>
+        <p:spPr>
+          <a:xfrm>
+            <a:off x="457200" y="-27384"/>
+            <a:ext cx="7467600" cy="652934"/>
+          </a:xfrm>
+        </p:spPr>
+        <p:txBody>
+          <a:bodyPr/>
+          <a:lstStyle/>
+          <a:p>
+            <a:r>
+              <a:rPr lang="en-US" dirty="0" err="1"/>
+              <a:t>Struktur</a:t>
+            </a:r>
+            <a:r>
+              <a:rPr lang="en-US" dirty="0"/>
+              <a:t> </a:t>
+            </a:r>
+            <a:r>
+              <a:rPr lang="en-US" dirty="0" err="1"/>
+              <a:t>Organisasi</a:t>
+            </a:r>
+            <a:endParaRPr lang="en-US" dirty="0"/>
+          </a:p>
+        </p:txBody>
+      </p:sp>
+      <p:pic>
+        <p:nvPicPr>
+          <p:cNvPr id="5" name="Content Placeholder 4">
+            <a:extLst>
+              <a:ext uri="{FF2B5EF4-FFF2-40B4-BE49-F238E27FC236}">
+                <a16:creationId xmlns:a16="http://schemas.microsoft.com/office/drawing/2014/main" id="{85B716EC-EDBF-47FC-A01E-20C485532A03}"/>
+              </a:ext>
+            </a:extLst>
+          </p:cNvPr>
+          <p:cNvPicPr>
+            <a:picLocks noGrp="1" noChangeAspect="1"/>
+          </p:cNvPicPr>
+          <p:nvPr>
+            <p:ph sz="quarter" idx="1"/>
+          </p:nvPr>
+        </p:nvPicPr>
+        <p:blipFill>
+          <a:blip r:embed="rId3">
+            <a:extLst>
+              <a:ext uri="{28A0092B-C50C-407E-A947-70E740481C1C}">
+                <a14:useLocalDpi xmlns:a14="http://schemas.microsoft.com/office/drawing/2010/main" val="0"/>
+              </a:ext>
+            </a:extLst>
+          </a:blip>
+          <a:stretch>
+            <a:fillRect/>
+          </a:stretch>
+        </p:blipFill>
+        <p:spPr>
+          <a:xfrm>
+            <a:off x="635000" y="697144"/>
+            <a:ext cx="8509000" cy="4752528"/>
+          </a:xfrm>
+        </p:spPr>
+      </p:pic>
+    </p:spTree>
+    <p:extLst>
+      <p:ext uri="{BB962C8B-B14F-4D97-AF65-F5344CB8AC3E}">
+        <p14:creationId xmlns:p14="http://schemas.microsoft.com/office/powerpoint/2010/main" val="3268644119"/>
+      </p:ext>
+    </p:extLst>
+  </p:cSld>
+  <p:clrMapOvr>
+    <a:masterClrMapping/>
+  </p:clrMapOvr>
+  <p:transition spd="slow">
+    <p:randomBar dir="vert"/>
+  </p:transition>
+</p:sld>
+</file>
+
+<file path=ppt/slides/slide8.xml><?xml version="1.0" encoding="utf-8"?>
+<p:sld xmlns:a="http://schemas.openxmlformats.org/drawingml/2006/main" xmlns:r="http://schemas.openxmlformats.org/officeDocument/2006/relationships" xmlns:p="http://schemas.openxmlformats.org/presentationml/2006/main">
+  <p:cSld>
+    <p:bg>
+      <p:bgPr>
+        <a:blipFill dpi="0" rotWithShape="1">
+          <a:blip r:embed="rId2">
+            <a:lum/>
+          </a:blip>
+          <a:srcRect/>
+          <a:stretch>
+            <a:fillRect/>
+          </a:stretch>
+        </a:blipFill>
+        <a:effectLst/>
+      </p:bgPr>
+    </p:bg>
+    <p:spTree>
+      <p:nvGrpSpPr>
+        <p:cNvPr id="1" name=""/>
+        <p:cNvGrpSpPr/>
+        <p:nvPr/>
+      </p:nvGrpSpPr>
+      <p:grpSpPr>
+        <a:xfrm>
+          <a:off x="0" y="0"/>
+          <a:ext cx="0" cy="0"/>
+          <a:chOff x="0" y="0"/>
+          <a:chExt cx="0" cy="0"/>
+        </a:xfrm>
+      </p:grpSpPr>
+      <p:sp>
+        <p:nvSpPr>
+          <p:cNvPr id="2" name="Title 1">
+            <a:extLst>
+              <a:ext uri="{FF2B5EF4-FFF2-40B4-BE49-F238E27FC236}">
+                <a16:creationId xmlns:a16="http://schemas.microsoft.com/office/drawing/2014/main" id="{A304A63C-2AB2-43E2-81C7-98E9A901DFBA}"/>
+              </a:ext>
+            </a:extLst>
+          </p:cNvPr>
+          <p:cNvSpPr>
+            <a:spLocks noGrp="1"/>
+          </p:cNvSpPr>
+          <p:nvPr>
+            <p:ph type="title"/>
+          </p:nvPr>
+        </p:nvSpPr>
+        <p:spPr>
+          <a:xfrm>
+            <a:off x="683568" y="365544"/>
+            <a:ext cx="7467600" cy="652934"/>
+          </a:xfrm>
+        </p:spPr>
+        <p:txBody>
+          <a:bodyPr/>
+          <a:lstStyle/>
+          <a:p>
+            <a:r>
+              <a:rPr lang="en-US" sz="3200" dirty="0" err="1"/>
+              <a:t>Perumusan</a:t>
+            </a:r>
+            <a:r>
+              <a:rPr lang="en-US" sz="3200" dirty="0"/>
+              <a:t> </a:t>
+            </a:r>
+            <a:r>
+              <a:rPr lang="en-US" sz="3200" dirty="0" err="1"/>
+              <a:t>Masalah</a:t>
+            </a:r>
+            <a:endParaRPr lang="en-US" dirty="0">
+              <a:solidFill>
+                <a:schemeClr val="tx1"/>
+              </a:solidFill>
+            </a:endParaRPr>
+          </a:p>
+        </p:txBody>
+      </p:sp>
+      <p:sp>
+        <p:nvSpPr>
+          <p:cNvPr id="3" name="Content Placeholder 2">
+            <a:extLst>
+              <a:ext uri="{FF2B5EF4-FFF2-40B4-BE49-F238E27FC236}">
+                <a16:creationId xmlns:a16="http://schemas.microsoft.com/office/drawing/2014/main" id="{4E1730CF-3E1D-4937-A06C-C4802EC6ED4A}"/>
+              </a:ext>
+            </a:extLst>
+          </p:cNvPr>
+          <p:cNvSpPr>
+            <a:spLocks noGrp="1"/>
+          </p:cNvSpPr>
+          <p:nvPr>
+            <p:ph sz="quarter" idx="1"/>
+          </p:nvPr>
+        </p:nvSpPr>
+        <p:spPr>
+          <a:xfrm>
+            <a:off x="683568" y="1196752"/>
+            <a:ext cx="7992888" cy="4873752"/>
+          </a:xfrm>
+        </p:spPr>
+        <p:txBody>
+          <a:bodyPr/>
+          <a:lstStyle/>
+          <a:p>
+            <a:pPr lvl="0" algn="just"/>
+            <a:r>
+              <a:rPr lang="id-ID" dirty="0"/>
+              <a:t>Berdasarkan latar belakang yang telah diuraikan, maka perumusan masalah yang dapat diambil dalam penelitian ini adalah “Bagaimana menerapkan Algoritma Naïve Bayes untuk</a:t>
+            </a:r>
+            <a:r>
+              <a:rPr lang="en-US" dirty="0"/>
+              <a:t> </a:t>
+            </a:r>
+            <a:r>
+              <a:rPr lang="en-US" dirty="0" err="1"/>
+              <a:t>penentuan</a:t>
+            </a:r>
+            <a:r>
+              <a:rPr lang="en-US" dirty="0"/>
+              <a:t> </a:t>
+            </a:r>
+            <a:r>
+              <a:rPr lang="en-US" dirty="0" err="1"/>
+              <a:t>bantuan</a:t>
+            </a:r>
+            <a:r>
+              <a:rPr lang="en-US" dirty="0"/>
+              <a:t> </a:t>
+            </a:r>
+            <a:r>
+              <a:rPr lang="en-US" dirty="0" err="1"/>
+              <a:t>bedah</a:t>
+            </a:r>
+            <a:r>
+              <a:rPr lang="en-US" dirty="0"/>
+              <a:t> </a:t>
+            </a:r>
+            <a:r>
+              <a:rPr lang="en-US" dirty="0" err="1"/>
+              <a:t>rumah</a:t>
+            </a:r>
+            <a:r>
+              <a:rPr lang="en-US" dirty="0"/>
+              <a:t> (RTLH) di KELURAHAN KRAPYAK</a:t>
+            </a:r>
+            <a:r>
+              <a:rPr lang="id-ID" dirty="0"/>
+              <a:t> berdasarkan data induk</a:t>
+            </a:r>
+            <a:r>
+              <a:rPr lang="en-US" dirty="0"/>
+              <a:t> </a:t>
+            </a:r>
+            <a:r>
+              <a:rPr lang="en-US" dirty="0" err="1"/>
+              <a:t>warga</a:t>
+            </a:r>
+            <a:r>
+              <a:rPr lang="en-US" dirty="0"/>
+              <a:t> miskin</a:t>
+            </a:r>
+            <a:r>
+              <a:rPr lang="id-ID" dirty="0"/>
+              <a:t> dan data </a:t>
+            </a:r>
+            <a:r>
+              <a:rPr lang="en-US" dirty="0" err="1"/>
+              <a:t>sebelumnya</a:t>
+            </a:r>
+            <a:r>
+              <a:rPr lang="id-ID" dirty="0"/>
+              <a:t>?”</a:t>
+            </a:r>
+            <a:r>
+              <a:rPr lang="en-US" dirty="0"/>
+              <a:t> </a:t>
+            </a:r>
+            <a:r>
+              <a:rPr lang="en-US" dirty="0" err="1"/>
+              <a:t>Sehingga</a:t>
+            </a:r>
+            <a:r>
+              <a:rPr lang="en-US" dirty="0"/>
+              <a:t> </a:t>
+            </a:r>
+            <a:r>
+              <a:rPr lang="en-US" dirty="0" err="1"/>
+              <a:t>perlu</a:t>
+            </a:r>
+            <a:r>
+              <a:rPr lang="en-US" dirty="0"/>
+              <a:t> di </a:t>
+            </a:r>
+            <a:r>
+              <a:rPr lang="en-US" dirty="0" err="1"/>
+              <a:t>buatkan</a:t>
+            </a:r>
+            <a:r>
+              <a:rPr lang="en-US" dirty="0"/>
+              <a:t> </a:t>
+            </a:r>
+            <a:r>
+              <a:rPr lang="en-US" dirty="0" err="1"/>
+              <a:t>sistem</a:t>
+            </a:r>
+            <a:r>
+              <a:rPr lang="en-US" dirty="0"/>
+              <a:t> agar </a:t>
+            </a:r>
+            <a:r>
+              <a:rPr lang="en-US" dirty="0" err="1"/>
+              <a:t>mempermudah</a:t>
+            </a:r>
+            <a:r>
+              <a:rPr lang="en-US" dirty="0"/>
+              <a:t> </a:t>
+            </a:r>
+            <a:r>
+              <a:rPr lang="en-US" dirty="0" err="1"/>
+              <a:t>menentukan</a:t>
+            </a:r>
+            <a:r>
+              <a:rPr lang="en-US" dirty="0"/>
+              <a:t> </a:t>
+            </a:r>
+            <a:r>
+              <a:rPr lang="en-US" dirty="0" err="1"/>
+              <a:t>bantuan</a:t>
+            </a:r>
+            <a:r>
+              <a:rPr lang="en-US" dirty="0"/>
+              <a:t> </a:t>
+            </a:r>
+            <a:r>
+              <a:rPr lang="en-US" dirty="0" err="1"/>
+              <a:t>bedah</a:t>
+            </a:r>
+            <a:r>
+              <a:rPr lang="en-US" dirty="0"/>
+              <a:t> </a:t>
+            </a:r>
+            <a:r>
+              <a:rPr lang="en-US" dirty="0" err="1"/>
+              <a:t>rumah</a:t>
+            </a:r>
+            <a:r>
+              <a:rPr lang="id-ID" dirty="0"/>
+              <a:t>.</a:t>
+            </a:r>
+            <a:endParaRPr lang="en-US" dirty="0"/>
+          </a:p>
+          <a:p>
+            <a:pPr marL="0" indent="0">
+              <a:buNone/>
+            </a:pPr>
+            <a:endParaRPr lang="en-US" dirty="0"/>
+          </a:p>
+        </p:txBody>
+      </p:sp>
+    </p:spTree>
+    <p:extLst>
+      <p:ext uri="{BB962C8B-B14F-4D97-AF65-F5344CB8AC3E}">
+        <p14:creationId xmlns:p14="http://schemas.microsoft.com/office/powerpoint/2010/main" val="3917719572"/>
       </p:ext>
     </p:extLst>
   </p:cSld>
@@ -13648,37 +15978,29 @@
         </p:nvSpPr>
         <p:spPr>
           <a:xfrm>
-            <a:off x="683568" y="260648"/>
-            <a:ext cx="7467600" cy="580926"/>
+            <a:off x="683568" y="-32246"/>
+            <a:ext cx="7467600" cy="652934"/>
           </a:xfrm>
         </p:spPr>
         <p:txBody>
           <a:bodyPr/>
           <a:lstStyle/>
           <a:p>
+            <a:r>
+              <a:rPr lang="en-US" dirty="0">
+                <a:solidFill>
+                  <a:schemeClr val="tx1"/>
+                </a:solidFill>
+              </a:rPr>
+              <a:t>Batasan </a:t>
+            </a:r>
             <a:r>
               <a:rPr lang="en-US" dirty="0" err="1">
                 <a:solidFill>
                   <a:schemeClr val="tx1"/>
                 </a:solidFill>
               </a:rPr>
-              <a:t>Metodologi</a:t>
-            </a:r>
-            <a:r>
-              <a:rPr lang="en-US" dirty="0">
-                <a:solidFill>
-                  <a:schemeClr val="tx1"/>
-                </a:solidFill>
-              </a:rPr>
-              <a:t> </a:t>
-            </a:r>
-            <a:r>
-              <a:rPr lang="en-US" dirty="0" err="1">
-                <a:solidFill>
-                  <a:schemeClr val="tx1"/>
-                </a:solidFill>
-              </a:rPr>
-              <a:t>Penelitian</a:t>
+              <a:t>Masalah</a:t>
             </a:r>
             <a:endParaRPr lang="en-US" dirty="0">
               <a:solidFill>
@@ -13706,8 +16028,8 @@
         </p:nvSpPr>
         <p:spPr>
           <a:xfrm>
-            <a:off x="992404" y="572534"/>
-            <a:ext cx="7467600" cy="1920362"/>
+            <a:off x="539552" y="620688"/>
+            <a:ext cx="8064896" cy="6120680"/>
           </a:xfrm>
         </p:spPr>
         <p:txBody>
@@ -13716,101 +16038,422 @@
           </a:bodyPr>
           <a:lstStyle/>
           <a:p>
-            <a:pPr marL="0" lvl="0" indent="0">
-              <a:buNone/>
-            </a:pPr>
+            <a:pPr algn="just"/>
+            <a:r>
+              <a:rPr lang="en-US" dirty="0"/>
+              <a:t>Data yang </a:t>
+            </a:r>
+            <a:r>
+              <a:rPr lang="en-US" dirty="0" err="1"/>
+              <a:t>akan</a:t>
+            </a:r>
+            <a:r>
+              <a:rPr lang="en-US" dirty="0"/>
+              <a:t> </a:t>
+            </a:r>
+            <a:r>
+              <a:rPr lang="en-US" dirty="0" err="1"/>
+              <a:t>digunakan</a:t>
+            </a:r>
+            <a:r>
+              <a:rPr lang="en-US" dirty="0"/>
+              <a:t> </a:t>
+            </a:r>
+            <a:r>
+              <a:rPr lang="en-US" dirty="0" err="1"/>
+              <a:t>adalah</a:t>
+            </a:r>
+            <a:r>
+              <a:rPr lang="en-US" dirty="0"/>
+              <a:t> data yang </a:t>
+            </a:r>
+            <a:r>
+              <a:rPr lang="en-US" dirty="0" err="1"/>
+              <a:t>sudah</a:t>
+            </a:r>
+            <a:r>
+              <a:rPr lang="en-US" dirty="0"/>
+              <a:t> </a:t>
+            </a:r>
+            <a:r>
+              <a:rPr lang="en-US" dirty="0" err="1"/>
+              <a:t>ada</a:t>
+            </a:r>
+            <a:r>
+              <a:rPr lang="en-US" dirty="0"/>
+              <a:t> </a:t>
+            </a:r>
+            <a:r>
+              <a:rPr lang="en-US" dirty="0" err="1"/>
+              <a:t>sebelumnya</a:t>
+            </a:r>
+            <a:r>
+              <a:rPr lang="en-US" dirty="0"/>
+              <a:t> dan </a:t>
+            </a:r>
+            <a:r>
+              <a:rPr lang="en-US" dirty="0" err="1"/>
+              <a:t>warga</a:t>
+            </a:r>
+            <a:r>
+              <a:rPr lang="en-US" dirty="0"/>
+              <a:t> miskin di Kelurahan </a:t>
+            </a:r>
+            <a:r>
+              <a:rPr lang="en-US" dirty="0" err="1"/>
+              <a:t>Krapyak</a:t>
+            </a:r>
+            <a:r>
+              <a:rPr lang="en-US" dirty="0"/>
+              <a:t> Semarang Barat.</a:t>
+            </a:r>
+            <a:endParaRPr lang="en-ID" dirty="0"/>
+          </a:p>
+          <a:p>
+            <a:pPr algn="just"/>
+            <a:r>
+              <a:rPr lang="en-US" dirty="0"/>
+              <a:t>Status </a:t>
+            </a:r>
+            <a:r>
+              <a:rPr lang="en-US" dirty="0" err="1"/>
+              <a:t>rumah</a:t>
+            </a:r>
+            <a:r>
+              <a:rPr lang="en-US" dirty="0"/>
+              <a:t> yang </a:t>
+            </a:r>
+            <a:r>
+              <a:rPr lang="en-US" dirty="0" err="1"/>
+              <a:t>akan</a:t>
+            </a:r>
+            <a:r>
+              <a:rPr lang="en-US" dirty="0"/>
+              <a:t> </a:t>
+            </a:r>
+            <a:r>
+              <a:rPr lang="en-US" dirty="0" err="1"/>
+              <a:t>menerima</a:t>
+            </a:r>
+            <a:r>
+              <a:rPr lang="en-US" dirty="0"/>
+              <a:t> </a:t>
+            </a:r>
+            <a:r>
+              <a:rPr lang="en-US" dirty="0" err="1"/>
+              <a:t>bantuan</a:t>
+            </a:r>
+            <a:r>
+              <a:rPr lang="en-US" dirty="0"/>
+              <a:t> </a:t>
+            </a:r>
+            <a:r>
+              <a:rPr lang="en-US" dirty="0" err="1"/>
+              <a:t>bedah</a:t>
+            </a:r>
+            <a:r>
+              <a:rPr lang="en-US" dirty="0"/>
+              <a:t> </a:t>
+            </a:r>
+            <a:r>
+              <a:rPr lang="en-US" dirty="0" err="1"/>
+              <a:t>rumah</a:t>
+            </a:r>
+            <a:r>
+              <a:rPr lang="en-US" dirty="0"/>
+              <a:t> </a:t>
+            </a:r>
+            <a:r>
+              <a:rPr lang="en-US" dirty="0" err="1"/>
+              <a:t>adalah</a:t>
+            </a:r>
+            <a:r>
+              <a:rPr lang="en-US" dirty="0"/>
+              <a:t> </a:t>
+            </a:r>
+            <a:r>
+              <a:rPr lang="en-US" dirty="0" err="1"/>
+              <a:t>milik</a:t>
+            </a:r>
+            <a:r>
+              <a:rPr lang="en-US" dirty="0"/>
+              <a:t> </a:t>
+            </a:r>
+            <a:r>
+              <a:rPr lang="en-US" dirty="0" err="1"/>
+              <a:t>sendiri</a:t>
+            </a:r>
+            <a:r>
+              <a:rPr lang="en-US" dirty="0"/>
+              <a:t>.</a:t>
+            </a:r>
+            <a:endParaRPr lang="en-ID" dirty="0"/>
+          </a:p>
+          <a:p>
+            <a:pPr algn="just"/>
+            <a:r>
+              <a:rPr lang="en-US" dirty="0" err="1"/>
+              <a:t>Metode</a:t>
+            </a:r>
+            <a:r>
+              <a:rPr lang="en-US" dirty="0"/>
+              <a:t> yang </a:t>
+            </a:r>
+            <a:r>
+              <a:rPr lang="en-US" dirty="0" err="1"/>
+              <a:t>digunakan</a:t>
+            </a:r>
+            <a:r>
+              <a:rPr lang="en-US" dirty="0"/>
+              <a:t> </a:t>
+            </a:r>
+            <a:r>
+              <a:rPr lang="en-US" dirty="0" err="1"/>
+              <a:t>adalah</a:t>
+            </a:r>
+            <a:r>
+              <a:rPr lang="en-US" dirty="0"/>
+              <a:t> </a:t>
+            </a:r>
+            <a:r>
+              <a:rPr lang="en-US" dirty="0" err="1"/>
+              <a:t>metode</a:t>
+            </a:r>
+            <a:r>
+              <a:rPr lang="en-US" dirty="0"/>
+              <a:t> </a:t>
+            </a:r>
+            <a:r>
+              <a:rPr lang="en-US" dirty="0" err="1"/>
+              <a:t>klasifikasi</a:t>
+            </a:r>
+            <a:r>
+              <a:rPr lang="en-US" dirty="0"/>
+              <a:t> </a:t>
+            </a:r>
+            <a:r>
+              <a:rPr lang="en-US" dirty="0" err="1"/>
+              <a:t>dengan</a:t>
+            </a:r>
+            <a:r>
+              <a:rPr lang="en-US" dirty="0"/>
+              <a:t> </a:t>
+            </a:r>
+            <a:r>
+              <a:rPr lang="en-US" dirty="0" err="1"/>
+              <a:t>algoritma</a:t>
+            </a:r>
+            <a:r>
+              <a:rPr lang="en-US" dirty="0"/>
+              <a:t> Naïve Bayes.</a:t>
+            </a:r>
+            <a:endParaRPr lang="en-ID" dirty="0"/>
+          </a:p>
+          <a:p>
+            <a:pPr algn="just"/>
+            <a:r>
+              <a:rPr lang="en-US" dirty="0" err="1"/>
+              <a:t>Penelitian</a:t>
+            </a:r>
+            <a:r>
+              <a:rPr lang="en-US" dirty="0"/>
+              <a:t> </a:t>
+            </a:r>
+            <a:r>
+              <a:rPr lang="en-US" dirty="0" err="1"/>
+              <a:t>ini</a:t>
+            </a:r>
+            <a:r>
+              <a:rPr lang="en-US" dirty="0"/>
+              <a:t> </a:t>
+            </a:r>
+            <a:r>
+              <a:rPr lang="en-US" dirty="0" err="1"/>
+              <a:t>hanya</a:t>
+            </a:r>
+            <a:r>
+              <a:rPr lang="en-US" dirty="0"/>
+              <a:t> </a:t>
+            </a:r>
+            <a:r>
+              <a:rPr lang="en-US" dirty="0" err="1"/>
+              <a:t>mengklasifikasikan</a:t>
+            </a:r>
+            <a:r>
+              <a:rPr lang="en-US" dirty="0"/>
+              <a:t> </a:t>
+            </a:r>
+            <a:r>
+              <a:rPr lang="en-US" dirty="0" err="1"/>
+              <a:t>penentuan</a:t>
+            </a:r>
+            <a:r>
+              <a:rPr lang="en-US" dirty="0"/>
+              <a:t> </a:t>
+            </a:r>
+            <a:r>
+              <a:rPr lang="en-US" dirty="0" err="1"/>
+              <a:t>bantuan</a:t>
+            </a:r>
+            <a:r>
+              <a:rPr lang="en-US" dirty="0"/>
+              <a:t> </a:t>
+            </a:r>
+            <a:r>
+              <a:rPr lang="en-US" dirty="0" err="1"/>
+              <a:t>bedah</a:t>
+            </a:r>
+            <a:r>
+              <a:rPr lang="en-US" dirty="0"/>
+              <a:t> </a:t>
+            </a:r>
+            <a:r>
+              <a:rPr lang="en-US" dirty="0" err="1"/>
+              <a:t>rumah</a:t>
+            </a:r>
+            <a:r>
+              <a:rPr lang="en-US" dirty="0"/>
+              <a:t> yang </a:t>
+            </a:r>
+            <a:r>
+              <a:rPr lang="en-US" dirty="0" err="1"/>
+              <a:t>menghasilkan</a:t>
+            </a:r>
+            <a:r>
+              <a:rPr lang="en-US" dirty="0"/>
+              <a:t> label </a:t>
+            </a:r>
+            <a:r>
+              <a:rPr lang="en-US" dirty="0" err="1"/>
+              <a:t>berupa</a:t>
+            </a:r>
+            <a:r>
+              <a:rPr lang="en-US" dirty="0"/>
+              <a:t> </a:t>
+            </a:r>
+            <a:r>
+              <a:rPr lang="en-US" dirty="0" err="1"/>
+              <a:t>dapat</a:t>
+            </a:r>
+            <a:r>
+              <a:rPr lang="en-US" dirty="0"/>
+              <a:t> dan </a:t>
+            </a:r>
+            <a:r>
+              <a:rPr lang="en-US" dirty="0" err="1"/>
+              <a:t>tidak</a:t>
+            </a:r>
+            <a:r>
+              <a:rPr lang="en-US" dirty="0"/>
+              <a:t> </a:t>
+            </a:r>
+            <a:r>
+              <a:rPr lang="en-US" dirty="0" err="1"/>
+              <a:t>dapat</a:t>
+            </a:r>
+            <a:r>
+              <a:rPr lang="en-US" dirty="0"/>
+              <a:t> </a:t>
+            </a:r>
+            <a:r>
+              <a:rPr lang="en-US" dirty="0" err="1"/>
+              <a:t>serta</a:t>
+            </a:r>
+            <a:r>
+              <a:rPr lang="en-US" dirty="0"/>
+              <a:t> approved </a:t>
+            </a:r>
+            <a:r>
+              <a:rPr lang="en-US" dirty="0" err="1"/>
+              <a:t>dari</a:t>
+            </a:r>
+            <a:r>
+              <a:rPr lang="en-US" dirty="0"/>
+              <a:t> DINSOS dan </a:t>
+            </a:r>
+            <a:r>
+              <a:rPr lang="en-US" dirty="0" err="1"/>
+              <a:t>kapan</a:t>
+            </a:r>
+            <a:r>
+              <a:rPr lang="en-US" dirty="0"/>
+              <a:t> </a:t>
+            </a:r>
+            <a:r>
+              <a:rPr lang="en-US" dirty="0" err="1"/>
+              <a:t>bantuan</a:t>
+            </a:r>
+            <a:r>
+              <a:rPr lang="en-US" dirty="0"/>
+              <a:t> </a:t>
+            </a:r>
+            <a:r>
+              <a:rPr lang="en-US" dirty="0" err="1"/>
+              <a:t>tersebut</a:t>
+            </a:r>
+            <a:r>
+              <a:rPr lang="en-US" dirty="0"/>
+              <a:t> </a:t>
+            </a:r>
+            <a:r>
+              <a:rPr lang="en-US" dirty="0" err="1"/>
+              <a:t>disalurkan</a:t>
+            </a:r>
+            <a:r>
+              <a:rPr lang="en-US" dirty="0"/>
+              <a:t> </a:t>
+            </a:r>
+            <a:r>
+              <a:rPr lang="en-US" dirty="0" err="1"/>
+              <a:t>kepada</a:t>
+            </a:r>
+            <a:r>
+              <a:rPr lang="en-US" dirty="0"/>
+              <a:t> yang </a:t>
+            </a:r>
+            <a:r>
+              <a:rPr lang="en-US" dirty="0" err="1"/>
+              <a:t>mendapat</a:t>
+            </a:r>
+            <a:r>
+              <a:rPr lang="en-US" dirty="0"/>
+              <a:t>.</a:t>
+            </a:r>
+          </a:p>
+          <a:p>
+            <a:pPr algn="just"/>
+            <a:r>
+              <a:rPr lang="id-ID" dirty="0"/>
+              <a:t>S</a:t>
+            </a:r>
+            <a:r>
+              <a:rPr lang="en-US" dirty="0"/>
+              <a:t>y</a:t>
+            </a:r>
+            <a:r>
+              <a:rPr lang="id-ID" dirty="0"/>
+              <a:t>stem akan diimplementasi dan dikembangkan menggunakan </a:t>
+            </a:r>
+            <a:r>
+              <a:rPr lang="id-ID" i="1" dirty="0"/>
+              <a:t>Framework Codeigniter </a:t>
+            </a:r>
+            <a:r>
+              <a:rPr lang="id-ID" dirty="0"/>
+              <a:t>dan MySql sebagai database penyimpanannya.</a:t>
+            </a:r>
+            <a:endParaRPr lang="en-ID" dirty="0"/>
+          </a:p>
+          <a:p>
+            <a:pPr lvl="0"/>
             <a:endParaRPr lang="en-US" dirty="0"/>
           </a:p>
           <a:p>
-            <a:pPr marL="576263" indent="-273050" algn="just"/>
-            <a:r>
-              <a:rPr lang="en-US" sz="2800" dirty="0"/>
-              <a:t>Data </a:t>
-            </a:r>
-            <a:r>
-              <a:rPr lang="en-US" sz="2800" dirty="0" err="1"/>
-              <a:t>Sekunder</a:t>
-            </a:r>
-            <a:r>
-              <a:rPr lang="en-US" sz="2800" dirty="0"/>
-              <a:t>, data yang </a:t>
-            </a:r>
-            <a:r>
-              <a:rPr lang="en-US" sz="2800" dirty="0" err="1"/>
-              <a:t>diperoleh</a:t>
-            </a:r>
-            <a:r>
-              <a:rPr lang="en-US" sz="2800" dirty="0"/>
-              <a:t> </a:t>
-            </a:r>
-            <a:r>
-              <a:rPr lang="en-US" sz="2800" dirty="0" err="1"/>
-              <a:t>dari</a:t>
-            </a:r>
-            <a:r>
-              <a:rPr lang="en-US" sz="2800" dirty="0"/>
-              <a:t> </a:t>
-            </a:r>
-            <a:r>
-              <a:rPr lang="en-US" sz="2800" dirty="0" err="1"/>
-              <a:t>buku-buku</a:t>
-            </a:r>
-            <a:r>
-              <a:rPr lang="en-US" sz="2800" dirty="0"/>
-              <a:t> </a:t>
-            </a:r>
-            <a:r>
-              <a:rPr lang="en-US" sz="2800" dirty="0" err="1"/>
-              <a:t>penunjang</a:t>
-            </a:r>
-            <a:r>
-              <a:rPr lang="en-US" sz="2800" dirty="0"/>
-              <a:t> </a:t>
-            </a:r>
-            <a:r>
-              <a:rPr lang="en-US" sz="2800" dirty="0" err="1"/>
-              <a:t>maupun</a:t>
-            </a:r>
-            <a:r>
-              <a:rPr lang="en-US" sz="2800" dirty="0"/>
-              <a:t> </a:t>
-            </a:r>
-            <a:r>
-              <a:rPr lang="en-US" sz="2800" dirty="0" err="1"/>
-              <a:t>keterangan</a:t>
-            </a:r>
-            <a:r>
-              <a:rPr lang="en-US" sz="2800" dirty="0"/>
-              <a:t> </a:t>
-            </a:r>
-            <a:r>
-              <a:rPr lang="en-US" sz="2800" dirty="0" err="1"/>
-              <a:t>dari</a:t>
-            </a:r>
-            <a:r>
-              <a:rPr lang="en-US" sz="2800" dirty="0"/>
-              <a:t> </a:t>
-            </a:r>
-            <a:r>
-              <a:rPr lang="en-US" sz="2800" dirty="0" err="1"/>
-              <a:t>berbagai</a:t>
-            </a:r>
-            <a:r>
-              <a:rPr lang="en-US" sz="2800" dirty="0"/>
-              <a:t> </a:t>
-            </a:r>
-            <a:r>
-              <a:rPr lang="en-US" sz="2800" dirty="0" err="1"/>
-              <a:t>pihak</a:t>
-            </a:r>
-            <a:r>
-              <a:rPr lang="en-US" sz="2800" dirty="0"/>
-              <a:t>.</a:t>
-            </a:r>
-            <a:endParaRPr lang="en-ID" sz="2800" dirty="0"/>
-          </a:p>
-          <a:p>
-            <a:pPr marL="576263" indent="-273050" algn="just"/>
+            <a:pPr lvl="0"/>
+            <a:endParaRPr lang="en-US" dirty="0"/>
+          </a:p>
+          <a:p>
+            <a:pPr lvl="0"/>
             <a:endParaRPr lang="en-US" dirty="0"/>
           </a:p>
         </p:txBody>
@@ -13818,7 +16461,7 @@
     </p:spTree>
     <p:extLst>
       <p:ext uri="{BB962C8B-B14F-4D97-AF65-F5344CB8AC3E}">
-        <p14:creationId xmlns:p14="http://schemas.microsoft.com/office/powerpoint/2010/main" val="9564731"/>
+        <p14:creationId xmlns:p14="http://schemas.microsoft.com/office/powerpoint/2010/main" val="3693442085"/>
       </p:ext>
     </p:extLst>
   </p:cSld>

--- a/Presentation TA.pptx
+++ b/Presentation TA.pptx
@@ -4,6 +4,9 @@
   <p:sldMasterIdLst>
     <p:sldMasterId id="2147483720" r:id="rId1"/>
   </p:sldMasterIdLst>
+  <p:notesMasterIdLst>
+    <p:notesMasterId r:id="rId31"/>
+  </p:notesMasterIdLst>
   <p:sldIdLst>
     <p:sldId id="256" r:id="rId2"/>
     <p:sldId id="283" r:id="rId3"/>
@@ -28,11 +31,12 @@
     <p:sldId id="278" r:id="rId22"/>
     <p:sldId id="279" r:id="rId23"/>
     <p:sldId id="266" r:id="rId24"/>
-    <p:sldId id="268" r:id="rId25"/>
-    <p:sldId id="269" r:id="rId26"/>
-    <p:sldId id="280" r:id="rId27"/>
-    <p:sldId id="281" r:id="rId28"/>
-    <p:sldId id="270" r:id="rId29"/>
+    <p:sldId id="285" r:id="rId25"/>
+    <p:sldId id="268" r:id="rId26"/>
+    <p:sldId id="269" r:id="rId27"/>
+    <p:sldId id="280" r:id="rId28"/>
+    <p:sldId id="281" r:id="rId29"/>
+    <p:sldId id="270" r:id="rId30"/>
   </p:sldIdLst>
   <p:sldSz cx="9144000" cy="6858000" type="screen4x3"/>
   <p:notesSz cx="6858000" cy="9144000"/>
@@ -159,6 +163,7 @@
             <p14:sldId id="278"/>
             <p14:sldId id="279"/>
             <p14:sldId id="266"/>
+            <p14:sldId id="285"/>
             <p14:sldId id="268"/>
             <p14:sldId id="269"/>
             <p14:sldId id="280"/>
@@ -184,6 +189,440 @@
     </p:ext>
   </p:extLst>
 </p:presentation>
+</file>
+
+<file path=ppt/notesMasters/notesMaster1.xml><?xml version="1.0" encoding="utf-8"?>
+<p:notesMaster xmlns:a="http://schemas.openxmlformats.org/drawingml/2006/main" xmlns:r="http://schemas.openxmlformats.org/officeDocument/2006/relationships" xmlns:p="http://schemas.openxmlformats.org/presentationml/2006/main">
+  <p:cSld>
+    <p:bg>
+      <p:bgRef idx="1001">
+        <a:schemeClr val="bg1"/>
+      </p:bgRef>
+    </p:bg>
+    <p:spTree>
+      <p:nvGrpSpPr>
+        <p:cNvPr id="1" name=""/>
+        <p:cNvGrpSpPr/>
+        <p:nvPr/>
+      </p:nvGrpSpPr>
+      <p:grpSpPr>
+        <a:xfrm>
+          <a:off x="0" y="0"/>
+          <a:ext cx="0" cy="0"/>
+          <a:chOff x="0" y="0"/>
+          <a:chExt cx="0" cy="0"/>
+        </a:xfrm>
+      </p:grpSpPr>
+      <p:sp>
+        <p:nvSpPr>
+          <p:cNvPr id="2" name="Header Placeholder 1"/>
+          <p:cNvSpPr>
+            <a:spLocks noGrp="1"/>
+          </p:cNvSpPr>
+          <p:nvPr>
+            <p:ph type="hdr" sz="quarter"/>
+          </p:nvPr>
+        </p:nvSpPr>
+        <p:spPr>
+          <a:xfrm>
+            <a:off x="0" y="0"/>
+            <a:ext cx="2971800" cy="458788"/>
+          </a:xfrm>
+          <a:prstGeom prst="rect">
+            <a:avLst/>
+          </a:prstGeom>
+        </p:spPr>
+        <p:txBody>
+          <a:bodyPr vert="horz" lIns="91440" tIns="45720" rIns="91440" bIns="45720" rtlCol="0"/>
+          <a:lstStyle>
+            <a:lvl1pPr algn="l">
+              <a:defRPr sz="1200"/>
+            </a:lvl1pPr>
+          </a:lstStyle>
+          <a:p>
+            <a:endParaRPr lang="en-ID"/>
+          </a:p>
+        </p:txBody>
+      </p:sp>
+      <p:sp>
+        <p:nvSpPr>
+          <p:cNvPr id="3" name="Date Placeholder 2"/>
+          <p:cNvSpPr>
+            <a:spLocks noGrp="1"/>
+          </p:cNvSpPr>
+          <p:nvPr>
+            <p:ph type="dt" idx="1"/>
+          </p:nvPr>
+        </p:nvSpPr>
+        <p:spPr>
+          <a:xfrm>
+            <a:off x="3884613" y="0"/>
+            <a:ext cx="2971800" cy="458788"/>
+          </a:xfrm>
+          <a:prstGeom prst="rect">
+            <a:avLst/>
+          </a:prstGeom>
+        </p:spPr>
+        <p:txBody>
+          <a:bodyPr vert="horz" lIns="91440" tIns="45720" rIns="91440" bIns="45720" rtlCol="0"/>
+          <a:lstStyle>
+            <a:lvl1pPr algn="r">
+              <a:defRPr sz="1200"/>
+            </a:lvl1pPr>
+          </a:lstStyle>
+          <a:p>
+            <a:fld id="{C9A9459A-73FD-4618-8D50-BE417A3DC833}" type="datetimeFigureOut">
+              <a:rPr lang="en-ID" smtClean="0"/>
+              <a:t>06/12/2019</a:t>
+            </a:fld>
+            <a:endParaRPr lang="en-ID"/>
+          </a:p>
+        </p:txBody>
+      </p:sp>
+      <p:sp>
+        <p:nvSpPr>
+          <p:cNvPr id="4" name="Slide Image Placeholder 3"/>
+          <p:cNvSpPr>
+            <a:spLocks noGrp="1" noRot="1" noChangeAspect="1"/>
+          </p:cNvSpPr>
+          <p:nvPr>
+            <p:ph type="sldImg" idx="2"/>
+          </p:nvPr>
+        </p:nvSpPr>
+        <p:spPr>
+          <a:xfrm>
+            <a:off x="1371600" y="1143000"/>
+            <a:ext cx="4114800" cy="3086100"/>
+          </a:xfrm>
+          <a:prstGeom prst="rect">
+            <a:avLst/>
+          </a:prstGeom>
+          <a:noFill/>
+          <a:ln w="12700">
+            <a:solidFill>
+              <a:prstClr val="black"/>
+            </a:solidFill>
+          </a:ln>
+        </p:spPr>
+        <p:txBody>
+          <a:bodyPr vert="horz" lIns="91440" tIns="45720" rIns="91440" bIns="45720" rtlCol="0" anchor="ctr"/>
+          <a:lstStyle/>
+          <a:p>
+            <a:endParaRPr lang="en-ID"/>
+          </a:p>
+        </p:txBody>
+      </p:sp>
+      <p:sp>
+        <p:nvSpPr>
+          <p:cNvPr id="5" name="Notes Placeholder 4"/>
+          <p:cNvSpPr>
+            <a:spLocks noGrp="1"/>
+          </p:cNvSpPr>
+          <p:nvPr>
+            <p:ph type="body" sz="quarter" idx="3"/>
+          </p:nvPr>
+        </p:nvSpPr>
+        <p:spPr>
+          <a:xfrm>
+            <a:off x="685800" y="4400550"/>
+            <a:ext cx="5486400" cy="3600450"/>
+          </a:xfrm>
+          <a:prstGeom prst="rect">
+            <a:avLst/>
+          </a:prstGeom>
+        </p:spPr>
+        <p:txBody>
+          <a:bodyPr vert="horz" lIns="91440" tIns="45720" rIns="91440" bIns="45720" rtlCol="0"/>
+          <a:lstStyle/>
+          <a:p>
+            <a:pPr lvl="0"/>
+            <a:r>
+              <a:rPr lang="en-US"/>
+              <a:t>Click to edit Master text styles</a:t>
+            </a:r>
+          </a:p>
+          <a:p>
+            <a:pPr lvl="1"/>
+            <a:r>
+              <a:rPr lang="en-US"/>
+              <a:t>Second level</a:t>
+            </a:r>
+          </a:p>
+          <a:p>
+            <a:pPr lvl="2"/>
+            <a:r>
+              <a:rPr lang="en-US"/>
+              <a:t>Third level</a:t>
+            </a:r>
+          </a:p>
+          <a:p>
+            <a:pPr lvl="3"/>
+            <a:r>
+              <a:rPr lang="en-US"/>
+              <a:t>Fourth level</a:t>
+            </a:r>
+          </a:p>
+          <a:p>
+            <a:pPr lvl="4"/>
+            <a:r>
+              <a:rPr lang="en-US"/>
+              <a:t>Fifth level</a:t>
+            </a:r>
+            <a:endParaRPr lang="en-ID"/>
+          </a:p>
+        </p:txBody>
+      </p:sp>
+      <p:sp>
+        <p:nvSpPr>
+          <p:cNvPr id="6" name="Footer Placeholder 5"/>
+          <p:cNvSpPr>
+            <a:spLocks noGrp="1"/>
+          </p:cNvSpPr>
+          <p:nvPr>
+            <p:ph type="ftr" sz="quarter" idx="4"/>
+          </p:nvPr>
+        </p:nvSpPr>
+        <p:spPr>
+          <a:xfrm>
+            <a:off x="0" y="8685213"/>
+            <a:ext cx="2971800" cy="458787"/>
+          </a:xfrm>
+          <a:prstGeom prst="rect">
+            <a:avLst/>
+          </a:prstGeom>
+        </p:spPr>
+        <p:txBody>
+          <a:bodyPr vert="horz" lIns="91440" tIns="45720" rIns="91440" bIns="45720" rtlCol="0" anchor="b"/>
+          <a:lstStyle>
+            <a:lvl1pPr algn="l">
+              <a:defRPr sz="1200"/>
+            </a:lvl1pPr>
+          </a:lstStyle>
+          <a:p>
+            <a:endParaRPr lang="en-ID"/>
+          </a:p>
+        </p:txBody>
+      </p:sp>
+      <p:sp>
+        <p:nvSpPr>
+          <p:cNvPr id="7" name="Slide Number Placeholder 6"/>
+          <p:cNvSpPr>
+            <a:spLocks noGrp="1"/>
+          </p:cNvSpPr>
+          <p:nvPr>
+            <p:ph type="sldNum" sz="quarter" idx="5"/>
+          </p:nvPr>
+        </p:nvSpPr>
+        <p:spPr>
+          <a:xfrm>
+            <a:off x="3884613" y="8685213"/>
+            <a:ext cx="2971800" cy="458787"/>
+          </a:xfrm>
+          <a:prstGeom prst="rect">
+            <a:avLst/>
+          </a:prstGeom>
+        </p:spPr>
+        <p:txBody>
+          <a:bodyPr vert="horz" lIns="91440" tIns="45720" rIns="91440" bIns="45720" rtlCol="0" anchor="b"/>
+          <a:lstStyle>
+            <a:lvl1pPr algn="r">
+              <a:defRPr sz="1200"/>
+            </a:lvl1pPr>
+          </a:lstStyle>
+          <a:p>
+            <a:fld id="{8083A4A7-B37F-4393-98DF-EDCCF53A7B52}" type="slidenum">
+              <a:rPr lang="en-ID" smtClean="0"/>
+              <a:t>‹#›</a:t>
+            </a:fld>
+            <a:endParaRPr lang="en-ID"/>
+          </a:p>
+        </p:txBody>
+      </p:sp>
+    </p:spTree>
+    <p:extLst>
+      <p:ext uri="{BB962C8B-B14F-4D97-AF65-F5344CB8AC3E}">
+        <p14:creationId xmlns:p14="http://schemas.microsoft.com/office/powerpoint/2010/main" val="612494659"/>
+      </p:ext>
+    </p:extLst>
+  </p:cSld>
+  <p:clrMap bg1="lt1" tx1="dk1" bg2="lt2" tx2="dk2" accent1="accent1" accent2="accent2" accent3="accent3" accent4="accent4" accent5="accent5" accent6="accent6" hlink="hlink" folHlink="folHlink"/>
+  <p:notesStyle>
+    <a:lvl1pPr marL="0" algn="l" defTabSz="914400" rtl="0" eaLnBrk="1" latinLnBrk="0" hangingPunct="1">
+      <a:defRPr sz="1200" kern="1200">
+        <a:solidFill>
+          <a:schemeClr val="tx1"/>
+        </a:solidFill>
+        <a:latin typeface="+mn-lt"/>
+        <a:ea typeface="+mn-ea"/>
+        <a:cs typeface="+mn-cs"/>
+      </a:defRPr>
+    </a:lvl1pPr>
+    <a:lvl2pPr marL="457200" algn="l" defTabSz="914400" rtl="0" eaLnBrk="1" latinLnBrk="0" hangingPunct="1">
+      <a:defRPr sz="1200" kern="1200">
+        <a:solidFill>
+          <a:schemeClr val="tx1"/>
+        </a:solidFill>
+        <a:latin typeface="+mn-lt"/>
+        <a:ea typeface="+mn-ea"/>
+        <a:cs typeface="+mn-cs"/>
+      </a:defRPr>
+    </a:lvl2pPr>
+    <a:lvl3pPr marL="914400" algn="l" defTabSz="914400" rtl="0" eaLnBrk="1" latinLnBrk="0" hangingPunct="1">
+      <a:defRPr sz="1200" kern="1200">
+        <a:solidFill>
+          <a:schemeClr val="tx1"/>
+        </a:solidFill>
+        <a:latin typeface="+mn-lt"/>
+        <a:ea typeface="+mn-ea"/>
+        <a:cs typeface="+mn-cs"/>
+      </a:defRPr>
+    </a:lvl3pPr>
+    <a:lvl4pPr marL="1371600" algn="l" defTabSz="914400" rtl="0" eaLnBrk="1" latinLnBrk="0" hangingPunct="1">
+      <a:defRPr sz="1200" kern="1200">
+        <a:solidFill>
+          <a:schemeClr val="tx1"/>
+        </a:solidFill>
+        <a:latin typeface="+mn-lt"/>
+        <a:ea typeface="+mn-ea"/>
+        <a:cs typeface="+mn-cs"/>
+      </a:defRPr>
+    </a:lvl4pPr>
+    <a:lvl5pPr marL="1828800" algn="l" defTabSz="914400" rtl="0" eaLnBrk="1" latinLnBrk="0" hangingPunct="1">
+      <a:defRPr sz="1200" kern="1200">
+        <a:solidFill>
+          <a:schemeClr val="tx1"/>
+        </a:solidFill>
+        <a:latin typeface="+mn-lt"/>
+        <a:ea typeface="+mn-ea"/>
+        <a:cs typeface="+mn-cs"/>
+      </a:defRPr>
+    </a:lvl5pPr>
+    <a:lvl6pPr marL="2286000" algn="l" defTabSz="914400" rtl="0" eaLnBrk="1" latinLnBrk="0" hangingPunct="1">
+      <a:defRPr sz="1200" kern="1200">
+        <a:solidFill>
+          <a:schemeClr val="tx1"/>
+        </a:solidFill>
+        <a:latin typeface="+mn-lt"/>
+        <a:ea typeface="+mn-ea"/>
+        <a:cs typeface="+mn-cs"/>
+      </a:defRPr>
+    </a:lvl6pPr>
+    <a:lvl7pPr marL="2743200" algn="l" defTabSz="914400" rtl="0" eaLnBrk="1" latinLnBrk="0" hangingPunct="1">
+      <a:defRPr sz="1200" kern="1200">
+        <a:solidFill>
+          <a:schemeClr val="tx1"/>
+        </a:solidFill>
+        <a:latin typeface="+mn-lt"/>
+        <a:ea typeface="+mn-ea"/>
+        <a:cs typeface="+mn-cs"/>
+      </a:defRPr>
+    </a:lvl7pPr>
+    <a:lvl8pPr marL="3200400" algn="l" defTabSz="914400" rtl="0" eaLnBrk="1" latinLnBrk="0" hangingPunct="1">
+      <a:defRPr sz="1200" kern="1200">
+        <a:solidFill>
+          <a:schemeClr val="tx1"/>
+        </a:solidFill>
+        <a:latin typeface="+mn-lt"/>
+        <a:ea typeface="+mn-ea"/>
+        <a:cs typeface="+mn-cs"/>
+      </a:defRPr>
+    </a:lvl8pPr>
+    <a:lvl9pPr marL="3657600" algn="l" defTabSz="914400" rtl="0" eaLnBrk="1" latinLnBrk="0" hangingPunct="1">
+      <a:defRPr sz="1200" kern="1200">
+        <a:solidFill>
+          <a:schemeClr val="tx1"/>
+        </a:solidFill>
+        <a:latin typeface="+mn-lt"/>
+        <a:ea typeface="+mn-ea"/>
+        <a:cs typeface="+mn-cs"/>
+      </a:defRPr>
+    </a:lvl9pPr>
+  </p:notesStyle>
+</p:notesMaster>
+</file>
+
+<file path=ppt/notesSlides/notesSlide1.xml><?xml version="1.0" encoding="utf-8"?>
+<p:notes xmlns:a="http://schemas.openxmlformats.org/drawingml/2006/main" xmlns:r="http://schemas.openxmlformats.org/officeDocument/2006/relationships" xmlns:p="http://schemas.openxmlformats.org/presentationml/2006/main">
+  <p:cSld>
+    <p:spTree>
+      <p:nvGrpSpPr>
+        <p:cNvPr id="1" name=""/>
+        <p:cNvGrpSpPr/>
+        <p:nvPr/>
+      </p:nvGrpSpPr>
+      <p:grpSpPr>
+        <a:xfrm>
+          <a:off x="0" y="0"/>
+          <a:ext cx="0" cy="0"/>
+          <a:chOff x="0" y="0"/>
+          <a:chExt cx="0" cy="0"/>
+        </a:xfrm>
+      </p:grpSpPr>
+      <p:sp>
+        <p:nvSpPr>
+          <p:cNvPr id="2" name="Slide Image Placeholder 1"/>
+          <p:cNvSpPr>
+            <a:spLocks noGrp="1" noRot="1" noChangeAspect="1"/>
+          </p:cNvSpPr>
+          <p:nvPr>
+            <p:ph type="sldImg"/>
+          </p:nvPr>
+        </p:nvSpPr>
+        <p:spPr/>
+      </p:sp>
+      <p:sp>
+        <p:nvSpPr>
+          <p:cNvPr id="3" name="Notes Placeholder 2"/>
+          <p:cNvSpPr>
+            <a:spLocks noGrp="1"/>
+          </p:cNvSpPr>
+          <p:nvPr>
+            <p:ph type="body" idx="1"/>
+          </p:nvPr>
+        </p:nvSpPr>
+        <p:spPr/>
+        <p:txBody>
+          <a:bodyPr/>
+          <a:lstStyle/>
+          <a:p>
+            <a:endParaRPr lang="en-ID" dirty="0"/>
+          </a:p>
+        </p:txBody>
+      </p:sp>
+      <p:sp>
+        <p:nvSpPr>
+          <p:cNvPr id="4" name="Slide Number Placeholder 3"/>
+          <p:cNvSpPr>
+            <a:spLocks noGrp="1"/>
+          </p:cNvSpPr>
+          <p:nvPr>
+            <p:ph type="sldNum" sz="quarter" idx="5"/>
+          </p:nvPr>
+        </p:nvSpPr>
+        <p:spPr/>
+        <p:txBody>
+          <a:bodyPr/>
+          <a:lstStyle/>
+          <a:p>
+            <a:fld id="{8083A4A7-B37F-4393-98DF-EDCCF53A7B52}" type="slidenum">
+              <a:rPr lang="en-ID" smtClean="0"/>
+              <a:t>24</a:t>
+            </a:fld>
+            <a:endParaRPr lang="en-ID"/>
+          </a:p>
+        </p:txBody>
+      </p:sp>
+    </p:spTree>
+    <p:extLst>
+      <p:ext uri="{BB962C8B-B14F-4D97-AF65-F5344CB8AC3E}">
+        <p14:creationId xmlns:p14="http://schemas.microsoft.com/office/powerpoint/2010/main" val="1963089112"/>
+      </p:ext>
+    </p:extLst>
+  </p:cSld>
+  <p:clrMapOvr>
+    <a:masterClrMapping/>
+  </p:clrMapOvr>
+</p:notes>
 </file>
 
 <file path=ppt/slideLayouts/slideLayout1.xml><?xml version="1.0" encoding="utf-8"?>
@@ -10276,6 +10715,707 @@
     <p:bg>
       <p:bgPr>
         <a:blipFill dpi="0" rotWithShape="1">
+          <a:blip r:embed="rId3">
+            <a:lum/>
+          </a:blip>
+          <a:srcRect/>
+          <a:stretch>
+            <a:fillRect/>
+          </a:stretch>
+        </a:blipFill>
+        <a:effectLst/>
+      </p:bgPr>
+    </p:bg>
+    <p:spTree>
+      <p:nvGrpSpPr>
+        <p:cNvPr id="1" name=""/>
+        <p:cNvGrpSpPr/>
+        <p:nvPr/>
+      </p:nvGrpSpPr>
+      <p:grpSpPr>
+        <a:xfrm>
+          <a:off x="0" y="0"/>
+          <a:ext cx="0" cy="0"/>
+          <a:chOff x="0" y="0"/>
+          <a:chExt cx="0" cy="0"/>
+        </a:xfrm>
+      </p:grpSpPr>
+      <p:sp>
+        <p:nvSpPr>
+          <p:cNvPr id="2" name="Title 1">
+            <a:extLst>
+              <a:ext uri="{FF2B5EF4-FFF2-40B4-BE49-F238E27FC236}">
+                <a16:creationId xmlns:a16="http://schemas.microsoft.com/office/drawing/2014/main" id="{A304A63C-2AB2-43E2-81C7-98E9A901DFBA}"/>
+              </a:ext>
+            </a:extLst>
+          </p:cNvPr>
+          <p:cNvSpPr>
+            <a:spLocks noGrp="1"/>
+          </p:cNvSpPr>
+          <p:nvPr>
+            <p:ph type="title"/>
+          </p:nvPr>
+        </p:nvSpPr>
+        <p:spPr>
+          <a:xfrm>
+            <a:off x="762000" y="0"/>
+            <a:ext cx="7543800" cy="1143000"/>
+          </a:xfrm>
+        </p:spPr>
+        <p:txBody>
+          <a:bodyPr/>
+          <a:lstStyle/>
+          <a:p>
+            <a:pPr algn="ctr"/>
+            <a:r>
+              <a:rPr lang="en-US" dirty="0" err="1">
+                <a:solidFill>
+                  <a:schemeClr val="tx1"/>
+                </a:solidFill>
+              </a:rPr>
+              <a:t>Perhitungan</a:t>
+            </a:r>
+            <a:r>
+              <a:rPr lang="en-US" dirty="0">
+                <a:solidFill>
+                  <a:schemeClr val="tx1"/>
+                </a:solidFill>
+              </a:rPr>
+              <a:t> naïve </a:t>
+            </a:r>
+            <a:r>
+              <a:rPr lang="en-US" dirty="0" err="1">
+                <a:solidFill>
+                  <a:schemeClr val="tx1"/>
+                </a:solidFill>
+              </a:rPr>
+              <a:t>bayes</a:t>
+            </a:r>
+            <a:endParaRPr lang="en-US" dirty="0">
+              <a:solidFill>
+                <a:schemeClr val="tx1"/>
+              </a:solidFill>
+            </a:endParaRPr>
+          </a:p>
+        </p:txBody>
+      </p:sp>
+      <p:pic>
+        <p:nvPicPr>
+          <p:cNvPr id="8" name="Content Placeholder 7">
+            <a:extLst>
+              <a:ext uri="{FF2B5EF4-FFF2-40B4-BE49-F238E27FC236}">
+                <a16:creationId xmlns:a16="http://schemas.microsoft.com/office/drawing/2014/main" id="{5841FB6D-811E-4CEF-8638-C906CEC91EB7}"/>
+              </a:ext>
+            </a:extLst>
+          </p:cNvPr>
+          <p:cNvPicPr>
+            <a:picLocks noGrp="1" noChangeAspect="1"/>
+          </p:cNvPicPr>
+          <p:nvPr>
+            <p:ph sz="quarter" idx="2"/>
+          </p:nvPr>
+        </p:nvPicPr>
+        <p:blipFill>
+          <a:blip r:embed="rId4"/>
+          <a:stretch>
+            <a:fillRect/>
+          </a:stretch>
+        </p:blipFill>
+        <p:spPr>
+          <a:xfrm>
+            <a:off x="683568" y="1680477"/>
+            <a:ext cx="8064896" cy="1316475"/>
+          </a:xfrm>
+          <a:prstGeom prst="rect">
+            <a:avLst/>
+          </a:prstGeom>
+        </p:spPr>
+      </p:pic>
+      <p:sp>
+        <p:nvSpPr>
+          <p:cNvPr id="20" name="Content Placeholder 2">
+            <a:extLst>
+              <a:ext uri="{FF2B5EF4-FFF2-40B4-BE49-F238E27FC236}">
+                <a16:creationId xmlns:a16="http://schemas.microsoft.com/office/drawing/2014/main" id="{CC6C5797-F162-41B1-B4B2-1171E8D14DF2}"/>
+              </a:ext>
+            </a:extLst>
+          </p:cNvPr>
+          <p:cNvSpPr txBox="1">
+            <a:spLocks/>
+          </p:cNvSpPr>
+          <p:nvPr/>
+        </p:nvSpPr>
+        <p:spPr>
+          <a:xfrm>
+            <a:off x="548072" y="3536184"/>
+            <a:ext cx="8290050" cy="3205184"/>
+          </a:xfrm>
+          <a:prstGeom prst="rect">
+            <a:avLst/>
+          </a:prstGeom>
+        </p:spPr>
+        <p:txBody>
+          <a:bodyPr vert="horz">
+            <a:normAutofit/>
+          </a:bodyPr>
+          <a:lstStyle>
+            <a:lvl1pPr marL="274320" indent="-274320" algn="l" rtl="0" eaLnBrk="1" latinLnBrk="0" hangingPunct="1">
+              <a:spcBef>
+                <a:spcPts val="600"/>
+              </a:spcBef>
+              <a:buClr>
+                <a:schemeClr val="accent1"/>
+              </a:buClr>
+              <a:buSzPct val="70000"/>
+              <a:buFont typeface="Wingdings"/>
+              <a:buChar char=""/>
+              <a:defRPr kumimoji="0" sz="2400" kern="1200">
+                <a:solidFill>
+                  <a:schemeClr val="tx1"/>
+                </a:solidFill>
+                <a:latin typeface="+mn-lt"/>
+                <a:ea typeface="+mn-ea"/>
+                <a:cs typeface="+mn-cs"/>
+              </a:defRPr>
+            </a:lvl1pPr>
+            <a:lvl2pPr marL="640080" indent="-274320" algn="l" rtl="0" eaLnBrk="1" latinLnBrk="0" hangingPunct="1">
+              <a:spcBef>
+                <a:spcPct val="20000"/>
+              </a:spcBef>
+              <a:buClr>
+                <a:schemeClr val="accent1"/>
+              </a:buClr>
+              <a:buSzPct val="80000"/>
+              <a:buFont typeface="Wingdings 2"/>
+              <a:buChar char=""/>
+              <a:defRPr kumimoji="0" sz="2100" kern="1200">
+                <a:solidFill>
+                  <a:schemeClr val="tx1"/>
+                </a:solidFill>
+                <a:latin typeface="+mn-lt"/>
+                <a:ea typeface="+mn-ea"/>
+                <a:cs typeface="+mn-cs"/>
+              </a:defRPr>
+            </a:lvl2pPr>
+            <a:lvl3pPr marL="914400" indent="-182880" algn="l" rtl="0" eaLnBrk="1" latinLnBrk="0" hangingPunct="1">
+              <a:spcBef>
+                <a:spcPct val="20000"/>
+              </a:spcBef>
+              <a:buClr>
+                <a:schemeClr val="accent1">
+                  <a:shade val="75000"/>
+                </a:schemeClr>
+              </a:buClr>
+              <a:buSzPct val="60000"/>
+              <a:buFont typeface="Wingdings"/>
+              <a:buChar char=""/>
+              <a:defRPr kumimoji="0" sz="1800" kern="1200">
+                <a:solidFill>
+                  <a:schemeClr val="tx1"/>
+                </a:solidFill>
+                <a:latin typeface="+mn-lt"/>
+                <a:ea typeface="+mn-ea"/>
+                <a:cs typeface="+mn-cs"/>
+              </a:defRPr>
+            </a:lvl3pPr>
+            <a:lvl4pPr marL="1188720" indent="-182880" algn="l" rtl="0" eaLnBrk="1" latinLnBrk="0" hangingPunct="1">
+              <a:spcBef>
+                <a:spcPct val="20000"/>
+              </a:spcBef>
+              <a:buClr>
+                <a:schemeClr val="accent1">
+                  <a:tint val="60000"/>
+                </a:schemeClr>
+              </a:buClr>
+              <a:buSzPct val="60000"/>
+              <a:buFont typeface="Wingdings"/>
+              <a:buChar char=""/>
+              <a:defRPr kumimoji="0" sz="1800" kern="1200">
+                <a:solidFill>
+                  <a:schemeClr val="tx1"/>
+                </a:solidFill>
+                <a:latin typeface="+mn-lt"/>
+                <a:ea typeface="+mn-ea"/>
+                <a:cs typeface="+mn-cs"/>
+              </a:defRPr>
+            </a:lvl4pPr>
+            <a:lvl5pPr marL="1463040" indent="-182880" algn="l" rtl="0" eaLnBrk="1" latinLnBrk="0" hangingPunct="1">
+              <a:spcBef>
+                <a:spcPct val="20000"/>
+              </a:spcBef>
+              <a:buClr>
+                <a:schemeClr val="accent2">
+                  <a:tint val="60000"/>
+                </a:schemeClr>
+              </a:buClr>
+              <a:buSzPct val="68000"/>
+              <a:buFont typeface="Wingdings 2"/>
+              <a:buChar char=""/>
+              <a:defRPr kumimoji="0" sz="1600" kern="1200">
+                <a:solidFill>
+                  <a:schemeClr val="tx1"/>
+                </a:solidFill>
+                <a:latin typeface="+mn-lt"/>
+                <a:ea typeface="+mn-ea"/>
+                <a:cs typeface="+mn-cs"/>
+              </a:defRPr>
+            </a:lvl5pPr>
+            <a:lvl6pPr marL="1737360" indent="-182880" algn="l" rtl="0" eaLnBrk="1" latinLnBrk="0" hangingPunct="1">
+              <a:spcBef>
+                <a:spcPct val="20000"/>
+              </a:spcBef>
+              <a:buClr>
+                <a:schemeClr val="accent1"/>
+              </a:buClr>
+              <a:buChar char="•"/>
+              <a:defRPr kumimoji="0" sz="1600" kern="1200">
+                <a:solidFill>
+                  <a:schemeClr val="tx2"/>
+                </a:solidFill>
+                <a:latin typeface="+mn-lt"/>
+                <a:ea typeface="+mn-ea"/>
+                <a:cs typeface="+mn-cs"/>
+              </a:defRPr>
+            </a:lvl6pPr>
+            <a:lvl7pPr marL="2011680" indent="-182880" algn="l" rtl="0" eaLnBrk="1" latinLnBrk="0" hangingPunct="1">
+              <a:spcBef>
+                <a:spcPct val="20000"/>
+              </a:spcBef>
+              <a:buClr>
+                <a:schemeClr val="accent1">
+                  <a:tint val="60000"/>
+                </a:schemeClr>
+              </a:buClr>
+              <a:buSzPct val="60000"/>
+              <a:buFont typeface="Wingdings"/>
+              <a:buChar char=""/>
+              <a:defRPr kumimoji="0" sz="1400" kern="1200" baseline="0">
+                <a:solidFill>
+                  <a:schemeClr val="tx2"/>
+                </a:solidFill>
+                <a:latin typeface="+mn-lt"/>
+                <a:ea typeface="+mn-ea"/>
+                <a:cs typeface="+mn-cs"/>
+              </a:defRPr>
+            </a:lvl7pPr>
+            <a:lvl8pPr marL="2286000" indent="-182880" algn="l" rtl="0" eaLnBrk="1" latinLnBrk="0" hangingPunct="1">
+              <a:spcBef>
+                <a:spcPct val="20000"/>
+              </a:spcBef>
+              <a:buClr>
+                <a:schemeClr val="accent2"/>
+              </a:buClr>
+              <a:buChar char="•"/>
+              <a:defRPr kumimoji="0" sz="1400" kern="1200" cap="small" baseline="0">
+                <a:solidFill>
+                  <a:schemeClr val="tx2"/>
+                </a:solidFill>
+                <a:latin typeface="+mn-lt"/>
+                <a:ea typeface="+mn-ea"/>
+                <a:cs typeface="+mn-cs"/>
+              </a:defRPr>
+            </a:lvl8pPr>
+            <a:lvl9pPr marL="2560320" indent="-182880" algn="l" rtl="0" eaLnBrk="1" latinLnBrk="0" hangingPunct="1">
+              <a:spcBef>
+                <a:spcPct val="20000"/>
+              </a:spcBef>
+              <a:buClr>
+                <a:schemeClr val="accent1">
+                  <a:shade val="75000"/>
+                </a:schemeClr>
+              </a:buClr>
+              <a:buChar char="•"/>
+              <a:defRPr kumimoji="0" sz="1400" kern="1200" baseline="0">
+                <a:solidFill>
+                  <a:schemeClr val="tx2"/>
+                </a:solidFill>
+                <a:latin typeface="+mn-lt"/>
+                <a:ea typeface="+mn-ea"/>
+                <a:cs typeface="+mn-cs"/>
+              </a:defRPr>
+            </a:lvl9pPr>
+          </a:lstStyle>
+          <a:p>
+            <a:pPr lvl="0" algn="just"/>
+            <a:r>
+              <a:rPr lang="en-US" sz="2200" dirty="0">
+                <a:latin typeface="Times New Roman" panose="02020603050405020304" pitchFamily="18" charset="0"/>
+                <a:cs typeface="Times New Roman" panose="02020603050405020304" pitchFamily="18" charset="0"/>
+              </a:rPr>
+              <a:t>X	     = Data </a:t>
+            </a:r>
+            <a:r>
+              <a:rPr lang="en-US" sz="2200" dirty="0" err="1">
+                <a:latin typeface="Times New Roman" panose="02020603050405020304" pitchFamily="18" charset="0"/>
+                <a:cs typeface="Times New Roman" panose="02020603050405020304" pitchFamily="18" charset="0"/>
+              </a:rPr>
+              <a:t>dari</a:t>
+            </a:r>
+            <a:r>
+              <a:rPr lang="en-US" sz="2200" dirty="0">
+                <a:latin typeface="Times New Roman" panose="02020603050405020304" pitchFamily="18" charset="0"/>
+                <a:cs typeface="Times New Roman" panose="02020603050405020304" pitchFamily="18" charset="0"/>
+              </a:rPr>
+              <a:t> class </a:t>
+            </a:r>
+            <a:r>
+              <a:rPr lang="en-US" sz="2200" dirty="0" err="1">
+                <a:latin typeface="Times New Roman" panose="02020603050405020304" pitchFamily="18" charset="0"/>
+                <a:cs typeface="Times New Roman" panose="02020603050405020304" pitchFamily="18" charset="0"/>
+              </a:rPr>
+              <a:t>yg</a:t>
+            </a:r>
+            <a:r>
+              <a:rPr lang="en-US" sz="2200" dirty="0">
+                <a:latin typeface="Times New Roman" panose="02020603050405020304" pitchFamily="18" charset="0"/>
+                <a:cs typeface="Times New Roman" panose="02020603050405020304" pitchFamily="18" charset="0"/>
+              </a:rPr>
+              <a:t> </a:t>
+            </a:r>
+            <a:r>
+              <a:rPr lang="en-US" sz="2200" dirty="0" err="1">
+                <a:latin typeface="Times New Roman" panose="02020603050405020304" pitchFamily="18" charset="0"/>
+                <a:cs typeface="Times New Roman" panose="02020603050405020304" pitchFamily="18" charset="0"/>
+              </a:rPr>
+              <a:t>belum</a:t>
+            </a:r>
+            <a:r>
+              <a:rPr lang="en-US" sz="2200" dirty="0">
+                <a:latin typeface="Times New Roman" panose="02020603050405020304" pitchFamily="18" charset="0"/>
+                <a:cs typeface="Times New Roman" panose="02020603050405020304" pitchFamily="18" charset="0"/>
+              </a:rPr>
+              <a:t> di </a:t>
+            </a:r>
+            <a:r>
+              <a:rPr lang="en-US" sz="2200" dirty="0" err="1">
+                <a:latin typeface="Times New Roman" panose="02020603050405020304" pitchFamily="18" charset="0"/>
+                <a:cs typeface="Times New Roman" panose="02020603050405020304" pitchFamily="18" charset="0"/>
+              </a:rPr>
+              <a:t>ketahui</a:t>
+            </a:r>
+            <a:endParaRPr lang="en-US" sz="2200" dirty="0">
+              <a:latin typeface="Times New Roman" panose="02020603050405020304" pitchFamily="18" charset="0"/>
+              <a:cs typeface="Times New Roman" panose="02020603050405020304" pitchFamily="18" charset="0"/>
+            </a:endParaRPr>
+          </a:p>
+          <a:p>
+            <a:pPr algn="just"/>
+            <a:r>
+              <a:rPr lang="en-US" sz="2200" dirty="0">
+                <a:latin typeface="Times New Roman" panose="02020603050405020304" pitchFamily="18" charset="0"/>
+                <a:cs typeface="Times New Roman" panose="02020603050405020304" pitchFamily="18" charset="0"/>
+              </a:rPr>
+              <a:t>H	     = </a:t>
+            </a:r>
+            <a:r>
+              <a:rPr lang="en-US" sz="2200" dirty="0" err="1">
+                <a:latin typeface="Times New Roman" panose="02020603050405020304" pitchFamily="18" charset="0"/>
+                <a:cs typeface="Times New Roman" panose="02020603050405020304" pitchFamily="18" charset="0"/>
+              </a:rPr>
+              <a:t>Hipotesis</a:t>
+            </a:r>
+            <a:r>
+              <a:rPr lang="en-US" sz="2200" dirty="0">
+                <a:latin typeface="Times New Roman" panose="02020603050405020304" pitchFamily="18" charset="0"/>
+                <a:cs typeface="Times New Roman" panose="02020603050405020304" pitchFamily="18" charset="0"/>
+              </a:rPr>
+              <a:t> data x </a:t>
+            </a:r>
+            <a:r>
+              <a:rPr lang="en-US" sz="2200" dirty="0" err="1">
+                <a:latin typeface="Times New Roman" panose="02020603050405020304" pitchFamily="18" charset="0"/>
+                <a:cs typeface="Times New Roman" panose="02020603050405020304" pitchFamily="18" charset="0"/>
+              </a:rPr>
+              <a:t>yg</a:t>
+            </a:r>
+            <a:r>
+              <a:rPr lang="en-US" sz="2200" dirty="0">
+                <a:latin typeface="Times New Roman" panose="02020603050405020304" pitchFamily="18" charset="0"/>
+                <a:cs typeface="Times New Roman" panose="02020603050405020304" pitchFamily="18" charset="0"/>
+              </a:rPr>
+              <a:t> </a:t>
+            </a:r>
+            <a:r>
+              <a:rPr lang="en-US" sz="2200" dirty="0" err="1">
+                <a:latin typeface="Times New Roman" panose="02020603050405020304" pitchFamily="18" charset="0"/>
+                <a:cs typeface="Times New Roman" panose="02020603050405020304" pitchFamily="18" charset="0"/>
+              </a:rPr>
+              <a:t>merupakan</a:t>
+            </a:r>
+            <a:r>
+              <a:rPr lang="en-US" sz="2200" dirty="0">
+                <a:latin typeface="Times New Roman" panose="02020603050405020304" pitchFamily="18" charset="0"/>
+                <a:cs typeface="Times New Roman" panose="02020603050405020304" pitchFamily="18" charset="0"/>
+              </a:rPr>
+              <a:t> </a:t>
+            </a:r>
+            <a:r>
+              <a:rPr lang="en-US" sz="2200" dirty="0" err="1">
+                <a:latin typeface="Times New Roman" panose="02020603050405020304" pitchFamily="18" charset="0"/>
+                <a:cs typeface="Times New Roman" panose="02020603050405020304" pitchFamily="18" charset="0"/>
+              </a:rPr>
+              <a:t>suatu</a:t>
+            </a:r>
+            <a:r>
+              <a:rPr lang="en-US" sz="2200" dirty="0">
+                <a:latin typeface="Times New Roman" panose="02020603050405020304" pitchFamily="18" charset="0"/>
+                <a:cs typeface="Times New Roman" panose="02020603050405020304" pitchFamily="18" charset="0"/>
+              </a:rPr>
+              <a:t> class </a:t>
+            </a:r>
+            <a:r>
+              <a:rPr lang="en-US" sz="2200" dirty="0" err="1">
+                <a:latin typeface="Times New Roman" panose="02020603050405020304" pitchFamily="18" charset="0"/>
+                <a:cs typeface="Times New Roman" panose="02020603050405020304" pitchFamily="18" charset="0"/>
+              </a:rPr>
+              <a:t>yg</a:t>
+            </a:r>
+            <a:r>
+              <a:rPr lang="en-US" sz="2200" dirty="0">
+                <a:latin typeface="Times New Roman" panose="02020603050405020304" pitchFamily="18" charset="0"/>
+                <a:cs typeface="Times New Roman" panose="02020603050405020304" pitchFamily="18" charset="0"/>
+              </a:rPr>
+              <a:t>    </a:t>
+            </a:r>
+            <a:r>
+              <a:rPr lang="en-US" sz="2200" dirty="0" err="1">
+                <a:latin typeface="Times New Roman" panose="02020603050405020304" pitchFamily="18" charset="0"/>
+                <a:cs typeface="Times New Roman" panose="02020603050405020304" pitchFamily="18" charset="0"/>
+              </a:rPr>
+              <a:t>spesifik</a:t>
+            </a:r>
+            <a:endParaRPr lang="en-US" sz="2200" dirty="0">
+              <a:latin typeface="Times New Roman" panose="02020603050405020304" pitchFamily="18" charset="0"/>
+              <a:cs typeface="Times New Roman" panose="02020603050405020304" pitchFamily="18" charset="0"/>
+            </a:endParaRPr>
+          </a:p>
+          <a:p>
+            <a:pPr algn="just"/>
+            <a:r>
+              <a:rPr lang="en-US" sz="2200" dirty="0">
+                <a:latin typeface="Times New Roman" panose="02020603050405020304" pitchFamily="18" charset="0"/>
+                <a:cs typeface="Times New Roman" panose="02020603050405020304" pitchFamily="18" charset="0"/>
+              </a:rPr>
+              <a:t>P(H|X    = </a:t>
+            </a:r>
+            <a:r>
+              <a:rPr lang="en-US" sz="2200" dirty="0" err="1">
+                <a:latin typeface="Times New Roman" panose="02020603050405020304" pitchFamily="18" charset="0"/>
+                <a:cs typeface="Times New Roman" panose="02020603050405020304" pitchFamily="18" charset="0"/>
+              </a:rPr>
+              <a:t>Probabilitas</a:t>
+            </a:r>
+            <a:r>
+              <a:rPr lang="en-US" sz="2200" dirty="0">
+                <a:latin typeface="Times New Roman" panose="02020603050405020304" pitchFamily="18" charset="0"/>
+                <a:cs typeface="Times New Roman" panose="02020603050405020304" pitchFamily="18" charset="0"/>
+              </a:rPr>
+              <a:t> </a:t>
+            </a:r>
+            <a:r>
+              <a:rPr lang="en-US" sz="2200" dirty="0" err="1">
+                <a:latin typeface="Times New Roman" panose="02020603050405020304" pitchFamily="18" charset="0"/>
+                <a:cs typeface="Times New Roman" panose="02020603050405020304" pitchFamily="18" charset="0"/>
+              </a:rPr>
+              <a:t>hipotesis</a:t>
+            </a:r>
+            <a:r>
+              <a:rPr lang="en-US" sz="2200" dirty="0">
+                <a:latin typeface="Times New Roman" panose="02020603050405020304" pitchFamily="18" charset="0"/>
+                <a:cs typeface="Times New Roman" panose="02020603050405020304" pitchFamily="18" charset="0"/>
+              </a:rPr>
+              <a:t> H </a:t>
+            </a:r>
+            <a:r>
+              <a:rPr lang="en-US" sz="2200" dirty="0" err="1">
+                <a:latin typeface="Times New Roman" panose="02020603050405020304" pitchFamily="18" charset="0"/>
+                <a:cs typeface="Times New Roman" panose="02020603050405020304" pitchFamily="18" charset="0"/>
+              </a:rPr>
+              <a:t>berdasarkan</a:t>
+            </a:r>
+            <a:r>
+              <a:rPr lang="en-US" sz="2200" dirty="0">
+                <a:latin typeface="Times New Roman" panose="02020603050405020304" pitchFamily="18" charset="0"/>
+                <a:cs typeface="Times New Roman" panose="02020603050405020304" pitchFamily="18" charset="0"/>
+              </a:rPr>
+              <a:t> </a:t>
+            </a:r>
+            <a:r>
+              <a:rPr lang="en-US" sz="2200" dirty="0" err="1">
+                <a:latin typeface="Times New Roman" panose="02020603050405020304" pitchFamily="18" charset="0"/>
+                <a:cs typeface="Times New Roman" panose="02020603050405020304" pitchFamily="18" charset="0"/>
+              </a:rPr>
+              <a:t>kondisi</a:t>
+            </a:r>
+            <a:r>
+              <a:rPr lang="en-US" sz="2200" dirty="0">
+                <a:latin typeface="Times New Roman" panose="02020603050405020304" pitchFamily="18" charset="0"/>
+                <a:cs typeface="Times New Roman" panose="02020603050405020304" pitchFamily="18" charset="0"/>
+              </a:rPr>
+              <a:t> X</a:t>
+            </a:r>
+          </a:p>
+          <a:p>
+            <a:pPr algn="just"/>
+            <a:r>
+              <a:rPr lang="en-US" sz="2200" dirty="0">
+                <a:latin typeface="Times New Roman" panose="02020603050405020304" pitchFamily="18" charset="0"/>
+                <a:cs typeface="Times New Roman" panose="02020603050405020304" pitchFamily="18" charset="0"/>
+              </a:rPr>
+              <a:t>P(H)	     = </a:t>
+            </a:r>
+            <a:r>
+              <a:rPr lang="en-US" sz="2200" dirty="0" err="1">
+                <a:latin typeface="Times New Roman" panose="02020603050405020304" pitchFamily="18" charset="0"/>
+                <a:cs typeface="Times New Roman" panose="02020603050405020304" pitchFamily="18" charset="0"/>
+              </a:rPr>
+              <a:t>Probabilitas</a:t>
+            </a:r>
+            <a:r>
+              <a:rPr lang="en-US" sz="2200" dirty="0">
+                <a:latin typeface="Times New Roman" panose="02020603050405020304" pitchFamily="18" charset="0"/>
+                <a:cs typeface="Times New Roman" panose="02020603050405020304" pitchFamily="18" charset="0"/>
+              </a:rPr>
+              <a:t> </a:t>
+            </a:r>
+            <a:r>
+              <a:rPr lang="en-US" sz="2200" dirty="0" err="1">
+                <a:latin typeface="Times New Roman" panose="02020603050405020304" pitchFamily="18" charset="0"/>
+                <a:cs typeface="Times New Roman" panose="02020603050405020304" pitchFamily="18" charset="0"/>
+              </a:rPr>
+              <a:t>hipotesis</a:t>
+            </a:r>
+            <a:r>
+              <a:rPr lang="en-US" sz="2200" dirty="0">
+                <a:latin typeface="Times New Roman" panose="02020603050405020304" pitchFamily="18" charset="0"/>
+                <a:cs typeface="Times New Roman" panose="02020603050405020304" pitchFamily="18" charset="0"/>
+              </a:rPr>
+              <a:t> H</a:t>
+            </a:r>
+          </a:p>
+          <a:p>
+            <a:pPr algn="just"/>
+            <a:r>
+              <a:rPr lang="en-US" sz="2200" dirty="0">
+                <a:latin typeface="Times New Roman" panose="02020603050405020304" pitchFamily="18" charset="0"/>
+                <a:cs typeface="Times New Roman" panose="02020603050405020304" pitchFamily="18" charset="0"/>
+              </a:rPr>
+              <a:t>P(X|H    = </a:t>
+            </a:r>
+            <a:r>
+              <a:rPr lang="en-US" sz="2200" dirty="0" err="1">
+                <a:latin typeface="Times New Roman" panose="02020603050405020304" pitchFamily="18" charset="0"/>
+                <a:cs typeface="Times New Roman" panose="02020603050405020304" pitchFamily="18" charset="0"/>
+              </a:rPr>
+              <a:t>Probabilitas</a:t>
+            </a:r>
+            <a:r>
+              <a:rPr lang="en-US" sz="2200" dirty="0">
+                <a:latin typeface="Times New Roman" panose="02020603050405020304" pitchFamily="18" charset="0"/>
+                <a:cs typeface="Times New Roman" panose="02020603050405020304" pitchFamily="18" charset="0"/>
+              </a:rPr>
+              <a:t> </a:t>
+            </a:r>
+            <a:r>
+              <a:rPr lang="en-US" sz="2200" dirty="0" err="1">
+                <a:latin typeface="Times New Roman" panose="02020603050405020304" pitchFamily="18" charset="0"/>
+                <a:cs typeface="Times New Roman" panose="02020603050405020304" pitchFamily="18" charset="0"/>
+              </a:rPr>
+              <a:t>hipotesis</a:t>
+            </a:r>
+            <a:r>
+              <a:rPr lang="en-US" sz="2200" dirty="0">
+                <a:latin typeface="Times New Roman" panose="02020603050405020304" pitchFamily="18" charset="0"/>
+                <a:cs typeface="Times New Roman" panose="02020603050405020304" pitchFamily="18" charset="0"/>
+              </a:rPr>
+              <a:t> X </a:t>
+            </a:r>
+            <a:r>
+              <a:rPr lang="en-US" sz="2200" dirty="0" err="1">
+                <a:latin typeface="Times New Roman" panose="02020603050405020304" pitchFamily="18" charset="0"/>
+                <a:cs typeface="Times New Roman" panose="02020603050405020304" pitchFamily="18" charset="0"/>
+              </a:rPr>
+              <a:t>berdasarkan</a:t>
+            </a:r>
+            <a:r>
+              <a:rPr lang="en-US" sz="2200" dirty="0">
+                <a:latin typeface="Times New Roman" panose="02020603050405020304" pitchFamily="18" charset="0"/>
+                <a:cs typeface="Times New Roman" panose="02020603050405020304" pitchFamily="18" charset="0"/>
+              </a:rPr>
+              <a:t> </a:t>
+            </a:r>
+            <a:r>
+              <a:rPr lang="en-US" sz="2200" dirty="0" err="1">
+                <a:latin typeface="Times New Roman" panose="02020603050405020304" pitchFamily="18" charset="0"/>
+                <a:cs typeface="Times New Roman" panose="02020603050405020304" pitchFamily="18" charset="0"/>
+              </a:rPr>
+              <a:t>kondisi</a:t>
+            </a:r>
+            <a:r>
+              <a:rPr lang="en-US" sz="2200" dirty="0">
+                <a:latin typeface="Times New Roman" panose="02020603050405020304" pitchFamily="18" charset="0"/>
+                <a:cs typeface="Times New Roman" panose="02020603050405020304" pitchFamily="18" charset="0"/>
+              </a:rPr>
+              <a:t> H</a:t>
+            </a:r>
+          </a:p>
+          <a:p>
+            <a:pPr algn="just"/>
+            <a:r>
+              <a:rPr lang="en-US" sz="2200" dirty="0">
+                <a:latin typeface="Times New Roman" panose="02020603050405020304" pitchFamily="18" charset="0"/>
+                <a:cs typeface="Times New Roman" panose="02020603050405020304" pitchFamily="18" charset="0"/>
+              </a:rPr>
+              <a:t>P(X)      = </a:t>
+            </a:r>
+            <a:r>
+              <a:rPr lang="en-US" sz="2200" dirty="0" err="1">
+                <a:latin typeface="Times New Roman" panose="02020603050405020304" pitchFamily="18" charset="0"/>
+                <a:cs typeface="Times New Roman" panose="02020603050405020304" pitchFamily="18" charset="0"/>
+              </a:rPr>
+              <a:t>Probabilitas</a:t>
+            </a:r>
+            <a:r>
+              <a:rPr lang="en-US" sz="2200" dirty="0">
+                <a:latin typeface="Times New Roman" panose="02020603050405020304" pitchFamily="18" charset="0"/>
+                <a:cs typeface="Times New Roman" panose="02020603050405020304" pitchFamily="18" charset="0"/>
+              </a:rPr>
+              <a:t> X</a:t>
+            </a:r>
+          </a:p>
+        </p:txBody>
+      </p:sp>
+    </p:spTree>
+    <p:extLst>
+      <p:ext uri="{BB962C8B-B14F-4D97-AF65-F5344CB8AC3E}">
+        <p14:creationId xmlns:p14="http://schemas.microsoft.com/office/powerpoint/2010/main" val="1447694835"/>
+      </p:ext>
+    </p:extLst>
+  </p:cSld>
+  <p:clrMapOvr>
+    <a:masterClrMapping/>
+  </p:clrMapOvr>
+  <mc:AlternateContent xmlns:mc="http://schemas.openxmlformats.org/markup-compatibility/2006" xmlns:p14="http://schemas.microsoft.com/office/powerpoint/2010/main">
+    <mc:Choice Requires="p14">
+      <p:transition spd="slow" p14:dur="800">
+        <p:circle/>
+      </p:transition>
+    </mc:Choice>
+    <mc:Fallback xmlns="">
+      <p:transition spd="slow">
+        <p:circle/>
+      </p:transition>
+    </mc:Fallback>
+  </mc:AlternateContent>
+</p:sld>
+</file>
+
+<file path=ppt/slides/slide25.xml><?xml version="1.0" encoding="utf-8"?>
+<p:sld xmlns:a="http://schemas.openxmlformats.org/drawingml/2006/main" xmlns:r="http://schemas.openxmlformats.org/officeDocument/2006/relationships" xmlns:p="http://schemas.openxmlformats.org/presentationml/2006/main">
+  <p:cSld>
+    <p:bg>
+      <p:bgPr>
+        <a:blipFill dpi="0" rotWithShape="1">
           <a:blip r:embed="rId2">
             <a:lum/>
           </a:blip>
@@ -10661,7 +11801,7 @@
 </p:sld>
 </file>
 
-<file path=ppt/slides/slide25.xml><?xml version="1.0" encoding="utf-8"?>
+<file path=ppt/slides/slide26.xml><?xml version="1.0" encoding="utf-8"?>
 <p:sld xmlns:a="http://schemas.openxmlformats.org/drawingml/2006/main" xmlns:r="http://schemas.openxmlformats.org/officeDocument/2006/relationships" xmlns:p="http://schemas.openxmlformats.org/presentationml/2006/main">
   <p:cSld>
     <p:bg>
@@ -11541,7 +12681,7 @@
 </p:sld>
 </file>
 
-<file path=ppt/slides/slide26.xml><?xml version="1.0" encoding="utf-8"?>
+<file path=ppt/slides/slide27.xml><?xml version="1.0" encoding="utf-8"?>
 <p:sld xmlns:a="http://schemas.openxmlformats.org/drawingml/2006/main" xmlns:r="http://schemas.openxmlformats.org/officeDocument/2006/relationships" xmlns:p="http://schemas.openxmlformats.org/presentationml/2006/main">
   <p:cSld>
     <p:bg>
@@ -12148,7 +13288,7 @@
 </p:sld>
 </file>
 
-<file path=ppt/slides/slide27.xml><?xml version="1.0" encoding="utf-8"?>
+<file path=ppt/slides/slide28.xml><?xml version="1.0" encoding="utf-8"?>
 <p:sld xmlns:a="http://schemas.openxmlformats.org/drawingml/2006/main" xmlns:r="http://schemas.openxmlformats.org/officeDocument/2006/relationships" xmlns:p="http://schemas.openxmlformats.org/presentationml/2006/main">
   <p:cSld>
     <p:bg>
@@ -12932,7 +14072,7 @@
 </p:sld>
 </file>
 
-<file path=ppt/slides/slide28.xml><?xml version="1.0" encoding="utf-8"?>
+<file path=ppt/slides/slide29.xml><?xml version="1.0" encoding="utf-8"?>
 <p:sld xmlns:a="http://schemas.openxmlformats.org/drawingml/2006/main" xmlns:r="http://schemas.openxmlformats.org/officeDocument/2006/relationships" xmlns:p="http://schemas.openxmlformats.org/presentationml/2006/main">
   <p:cSld>
     <p:bg>
@@ -16767,4 +17907,299 @@
   <a:objectDefaults/>
   <a:extraClrSchemeLst/>
 </a:theme>
+</file>
+
+<file path=ppt/theme/theme2.xml><?xml version="1.0" encoding="utf-8"?>
+<a:theme xmlns:a="http://schemas.openxmlformats.org/drawingml/2006/main" name="Office Theme">
+  <a:themeElements>
+    <a:clrScheme name="Office">
+      <a:dk1>
+        <a:sysClr val="windowText" lastClr="000000"/>
+      </a:dk1>
+      <a:lt1>
+        <a:sysClr val="window" lastClr="FFFFFF"/>
+      </a:lt1>
+      <a:dk2>
+        <a:srgbClr val="44546A"/>
+      </a:dk2>
+      <a:lt2>
+        <a:srgbClr val="E7E6E6"/>
+      </a:lt2>
+      <a:accent1>
+        <a:srgbClr val="4472C4"/>
+      </a:accent1>
+      <a:accent2>
+        <a:srgbClr val="ED7D31"/>
+      </a:accent2>
+      <a:accent3>
+        <a:srgbClr val="A5A5A5"/>
+      </a:accent3>
+      <a:accent4>
+        <a:srgbClr val="FFC000"/>
+      </a:accent4>
+      <a:accent5>
+        <a:srgbClr val="5B9BD5"/>
+      </a:accent5>
+      <a:accent6>
+        <a:srgbClr val="70AD47"/>
+      </a:accent6>
+      <a:hlink>
+        <a:srgbClr val="0563C1"/>
+      </a:hlink>
+      <a:folHlink>
+        <a:srgbClr val="954F72"/>
+      </a:folHlink>
+    </a:clrScheme>
+    <a:fontScheme name="Office">
+      <a:majorFont>
+        <a:latin typeface="Calibri Light" panose="020F0302020204030204"/>
+        <a:ea typeface=""/>
+        <a:cs typeface=""/>
+        <a:font script="Jpan" typeface="游ゴシック Light"/>
+        <a:font script="Hang" typeface="맑은 고딕"/>
+        <a:font script="Hans" typeface="等线 Light"/>
+        <a:font script="Hant" typeface="新細明體"/>
+        <a:font script="Arab" typeface="Times New Roman"/>
+        <a:font script="Hebr" typeface="Times New Roman"/>
+        <a:font script="Thai" typeface="Angsana New"/>
+        <a:font script="Ethi" typeface="Nyala"/>
+        <a:font script="Beng" typeface="Vrinda"/>
+        <a:font script="Gujr" typeface="Shruti"/>
+        <a:font script="Khmr" typeface="MoolBoran"/>
+        <a:font script="Knda" typeface="Tunga"/>
+        <a:font script="Guru" typeface="Raavi"/>
+        <a:font script="Cans" typeface="Euphemia"/>
+        <a:font script="Cher" typeface="Plantagenet Cherokee"/>
+        <a:font script="Yiii" typeface="Microsoft Yi Baiti"/>
+        <a:font script="Tibt" typeface="Microsoft Himalaya"/>
+        <a:font script="Thaa" typeface="MV Boli"/>
+        <a:font script="Deva" typeface="Mangal"/>
+        <a:font script="Telu" typeface="Gautami"/>
+        <a:font script="Taml" typeface="Latha"/>
+        <a:font script="Syrc" typeface="Estrangelo Edessa"/>
+        <a:font script="Orya" typeface="Kalinga"/>
+        <a:font script="Mlym" typeface="Kartika"/>
+        <a:font script="Laoo" typeface="DokChampa"/>
+        <a:font script="Sinh" typeface="Iskoola Pota"/>
+        <a:font script="Mong" typeface="Mongolian Baiti"/>
+        <a:font script="Viet" typeface="Times New Roman"/>
+        <a:font script="Uigh" typeface="Microsoft Uighur"/>
+        <a:font script="Geor" typeface="Sylfaen"/>
+        <a:font script="Armn" typeface="Arial"/>
+        <a:font script="Bugi" typeface="Leelawadee UI"/>
+        <a:font script="Bopo" typeface="Microsoft JhengHei"/>
+        <a:font script="Java" typeface="Javanese Text"/>
+        <a:font script="Lisu" typeface="Segoe UI"/>
+        <a:font script="Mymr" typeface="Myanmar Text"/>
+        <a:font script="Nkoo" typeface="Ebrima"/>
+        <a:font script="Olck" typeface="Nirmala UI"/>
+        <a:font script="Osma" typeface="Ebrima"/>
+        <a:font script="Phag" typeface="Phagspa"/>
+        <a:font script="Syrn" typeface="Estrangelo Edessa"/>
+        <a:font script="Syrj" typeface="Estrangelo Edessa"/>
+        <a:font script="Syre" typeface="Estrangelo Edessa"/>
+        <a:font script="Sora" typeface="Nirmala UI"/>
+        <a:font script="Tale" typeface="Microsoft Tai Le"/>
+        <a:font script="Talu" typeface="Microsoft New Tai Lue"/>
+        <a:font script="Tfng" typeface="Ebrima"/>
+      </a:majorFont>
+      <a:minorFont>
+        <a:latin typeface="Calibri" panose="020F0502020204030204"/>
+        <a:ea typeface=""/>
+        <a:cs typeface=""/>
+        <a:font script="Jpan" typeface="游ゴシック"/>
+        <a:font script="Hang" typeface="맑은 고딕"/>
+        <a:font script="Hans" typeface="等线"/>
+        <a:font script="Hant" typeface="新細明體"/>
+        <a:font script="Arab" typeface="Arial"/>
+        <a:font script="Hebr" typeface="Arial"/>
+        <a:font script="Thai" typeface="Cordia New"/>
+        <a:font script="Ethi" typeface="Nyala"/>
+        <a:font script="Beng" typeface="Vrinda"/>
+        <a:font script="Gujr" typeface="Shruti"/>
+        <a:font script="Khmr" typeface="DaunPenh"/>
+        <a:font script="Knda" typeface="Tunga"/>
+        <a:font script="Guru" typeface="Raavi"/>
+        <a:font script="Cans" typeface="Euphemia"/>
+        <a:font script="Cher" typeface="Plantagenet Cherokee"/>
+        <a:font script="Yiii" typeface="Microsoft Yi Baiti"/>
+        <a:font script="Tibt" typeface="Microsoft Himalaya"/>
+        <a:font script="Thaa" typeface="MV Boli"/>
+        <a:font script="Deva" typeface="Mangal"/>
+        <a:font script="Telu" typeface="Gautami"/>
+        <a:font script="Taml" typeface="Latha"/>
+        <a:font script="Syrc" typeface="Estrangelo Edessa"/>
+        <a:font script="Orya" typeface="Kalinga"/>
+        <a:font script="Mlym" typeface="Kartika"/>
+        <a:font script="Laoo" typeface="DokChampa"/>
+        <a:font script="Sinh" typeface="Iskoola Pota"/>
+        <a:font script="Mong" typeface="Mongolian Baiti"/>
+        <a:font script="Viet" typeface="Arial"/>
+        <a:font script="Uigh" typeface="Microsoft Uighur"/>
+        <a:font script="Geor" typeface="Sylfaen"/>
+        <a:font script="Armn" typeface="Arial"/>
+        <a:font script="Bugi" typeface="Leelawadee UI"/>
+        <a:font script="Bopo" typeface="Microsoft JhengHei"/>
+        <a:font script="Java" typeface="Javanese Text"/>
+        <a:font script="Lisu" typeface="Segoe UI"/>
+        <a:font script="Mymr" typeface="Myanmar Text"/>
+        <a:font script="Nkoo" typeface="Ebrima"/>
+        <a:font script="Olck" typeface="Nirmala UI"/>
+        <a:font script="Osma" typeface="Ebrima"/>
+        <a:font script="Phag" typeface="Phagspa"/>
+        <a:font script="Syrn" typeface="Estrangelo Edessa"/>
+        <a:font script="Syrj" typeface="Estrangelo Edessa"/>
+        <a:font script="Syre" typeface="Estrangelo Edessa"/>
+        <a:font script="Sora" typeface="Nirmala UI"/>
+        <a:font script="Tale" typeface="Microsoft Tai Le"/>
+        <a:font script="Talu" typeface="Microsoft New Tai Lue"/>
+        <a:font script="Tfng" typeface="Ebrima"/>
+      </a:minorFont>
+    </a:fontScheme>
+    <a:fmtScheme name="Office">
+      <a:fillStyleLst>
+        <a:solidFill>
+          <a:schemeClr val="phClr"/>
+        </a:solidFill>
+        <a:gradFill rotWithShape="1">
+          <a:gsLst>
+            <a:gs pos="0">
+              <a:schemeClr val="phClr">
+                <a:lumMod val="110000"/>
+                <a:satMod val="105000"/>
+                <a:tint val="67000"/>
+              </a:schemeClr>
+            </a:gs>
+            <a:gs pos="50000">
+              <a:schemeClr val="phClr">
+                <a:lumMod val="105000"/>
+                <a:satMod val="103000"/>
+                <a:tint val="73000"/>
+              </a:schemeClr>
+            </a:gs>
+            <a:gs pos="100000">
+              <a:schemeClr val="phClr">
+                <a:lumMod val="105000"/>
+                <a:satMod val="109000"/>
+                <a:tint val="81000"/>
+              </a:schemeClr>
+            </a:gs>
+          </a:gsLst>
+          <a:lin ang="5400000" scaled="0"/>
+        </a:gradFill>
+        <a:gradFill rotWithShape="1">
+          <a:gsLst>
+            <a:gs pos="0">
+              <a:schemeClr val="phClr">
+                <a:satMod val="103000"/>
+                <a:lumMod val="102000"/>
+                <a:tint val="94000"/>
+              </a:schemeClr>
+            </a:gs>
+            <a:gs pos="50000">
+              <a:schemeClr val="phClr">
+                <a:satMod val="110000"/>
+                <a:lumMod val="100000"/>
+                <a:shade val="100000"/>
+              </a:schemeClr>
+            </a:gs>
+            <a:gs pos="100000">
+              <a:schemeClr val="phClr">
+                <a:lumMod val="99000"/>
+                <a:satMod val="120000"/>
+                <a:shade val="78000"/>
+              </a:schemeClr>
+            </a:gs>
+          </a:gsLst>
+          <a:lin ang="5400000" scaled="0"/>
+        </a:gradFill>
+      </a:fillStyleLst>
+      <a:lnStyleLst>
+        <a:ln w="6350" cap="flat" cmpd="sng" algn="ctr">
+          <a:solidFill>
+            <a:schemeClr val="phClr"/>
+          </a:solidFill>
+          <a:prstDash val="solid"/>
+          <a:miter lim="800000"/>
+        </a:ln>
+        <a:ln w="12700" cap="flat" cmpd="sng" algn="ctr">
+          <a:solidFill>
+            <a:schemeClr val="phClr"/>
+          </a:solidFill>
+          <a:prstDash val="solid"/>
+          <a:miter lim="800000"/>
+        </a:ln>
+        <a:ln w="19050" cap="flat" cmpd="sng" algn="ctr">
+          <a:solidFill>
+            <a:schemeClr val="phClr"/>
+          </a:solidFill>
+          <a:prstDash val="solid"/>
+          <a:miter lim="800000"/>
+        </a:ln>
+      </a:lnStyleLst>
+      <a:effectStyleLst>
+        <a:effectStyle>
+          <a:effectLst/>
+        </a:effectStyle>
+        <a:effectStyle>
+          <a:effectLst/>
+        </a:effectStyle>
+        <a:effectStyle>
+          <a:effectLst>
+            <a:outerShdw blurRad="57150" dist="19050" dir="5400000" algn="ctr" rotWithShape="0">
+              <a:srgbClr val="000000">
+                <a:alpha val="63000"/>
+              </a:srgbClr>
+            </a:outerShdw>
+          </a:effectLst>
+        </a:effectStyle>
+      </a:effectStyleLst>
+      <a:bgFillStyleLst>
+        <a:solidFill>
+          <a:schemeClr val="phClr"/>
+        </a:solidFill>
+        <a:solidFill>
+          <a:schemeClr val="phClr">
+            <a:tint val="95000"/>
+            <a:satMod val="170000"/>
+          </a:schemeClr>
+        </a:solidFill>
+        <a:gradFill rotWithShape="1">
+          <a:gsLst>
+            <a:gs pos="0">
+              <a:schemeClr val="phClr">
+                <a:tint val="93000"/>
+                <a:satMod val="150000"/>
+                <a:shade val="98000"/>
+                <a:lumMod val="102000"/>
+              </a:schemeClr>
+            </a:gs>
+            <a:gs pos="50000">
+              <a:schemeClr val="phClr">
+                <a:tint val="98000"/>
+                <a:satMod val="130000"/>
+                <a:shade val="90000"/>
+                <a:lumMod val="103000"/>
+              </a:schemeClr>
+            </a:gs>
+            <a:gs pos="100000">
+              <a:schemeClr val="phClr">
+                <a:shade val="63000"/>
+                <a:satMod val="120000"/>
+              </a:schemeClr>
+            </a:gs>
+          </a:gsLst>
+          <a:lin ang="5400000" scaled="0"/>
+        </a:gradFill>
+      </a:bgFillStyleLst>
+    </a:fmtScheme>
+  </a:themeElements>
+  <a:objectDefaults/>
+  <a:extraClrSchemeLst/>
+  <a:extLst>
+    <a:ext uri="{05A4C25C-085E-4340-85A3-A5531E510DB2}">
+      <thm15:themeFamily xmlns:thm15="http://schemas.microsoft.com/office/thememl/2012/main" name="Office Theme" id="{62F939B6-93AF-4DB8-9C6B-D6C7DFDC589F}" vid="{4A3C46E8-61CC-4603-A589-7422A47A8E4A}"/>
+    </a:ext>
+  </a:extLst>
+</a:theme>
 </file>
--- a/Presentation TA.pptx
+++ b/Presentation TA.pptx
@@ -5,7 +5,7 @@
     <p:sldMasterId id="2147483720" r:id="rId1"/>
   </p:sldMasterIdLst>
   <p:notesMasterIdLst>
-    <p:notesMasterId r:id="rId31"/>
+    <p:notesMasterId r:id="rId34"/>
   </p:notesMasterIdLst>
   <p:sldIdLst>
     <p:sldId id="256" r:id="rId2"/>
@@ -33,10 +33,13 @@
     <p:sldId id="266" r:id="rId24"/>
     <p:sldId id="285" r:id="rId25"/>
     <p:sldId id="268" r:id="rId26"/>
-    <p:sldId id="269" r:id="rId27"/>
-    <p:sldId id="280" r:id="rId28"/>
-    <p:sldId id="281" r:id="rId29"/>
-    <p:sldId id="270" r:id="rId30"/>
+    <p:sldId id="287" r:id="rId27"/>
+    <p:sldId id="286" r:id="rId28"/>
+    <p:sldId id="288" r:id="rId29"/>
+    <p:sldId id="269" r:id="rId30"/>
+    <p:sldId id="280" r:id="rId31"/>
+    <p:sldId id="281" r:id="rId32"/>
+    <p:sldId id="270" r:id="rId33"/>
   </p:sldIdLst>
   <p:sldSz cx="9144000" cy="6858000" type="screen4x3"/>
   <p:notesSz cx="6858000" cy="9144000"/>
@@ -165,6 +168,9 @@
             <p14:sldId id="266"/>
             <p14:sldId id="285"/>
             <p14:sldId id="268"/>
+            <p14:sldId id="287"/>
+            <p14:sldId id="286"/>
+            <p14:sldId id="288"/>
             <p14:sldId id="269"/>
             <p14:sldId id="280"/>
             <p14:sldId id="281"/>
@@ -273,7 +279,7 @@
           <a:p>
             <a:fld id="{C9A9459A-73FD-4618-8D50-BE417A3DC833}" type="datetimeFigureOut">
               <a:rPr lang="en-ID" smtClean="0"/>
-              <a:t>06/12/2019</a:t>
+              <a:t>07/12/2019</a:t>
             </a:fld>
             <a:endParaRPr lang="en-ID"/>
           </a:p>
@@ -760,7 +766,7 @@
           <a:p>
             <a:fld id="{0B107168-8A0E-4E76-A05C-29DFBBD8B549}" type="datetimeFigureOut">
               <a:rPr lang="id-ID" smtClean="0"/>
-              <a:t>06/12/2019</a:t>
+              <a:t>07/12/2019</a:t>
             </a:fld>
             <a:endParaRPr lang="id-ID"/>
           </a:p>
@@ -1628,7 +1634,7 @@
           <a:p>
             <a:fld id="{0B107168-8A0E-4E76-A05C-29DFBBD8B549}" type="datetimeFigureOut">
               <a:rPr lang="id-ID" smtClean="0"/>
-              <a:t>06/12/2019</a:t>
+              <a:t>07/12/2019</a:t>
             </a:fld>
             <a:endParaRPr lang="id-ID"/>
           </a:p>
@@ -1802,7 +1808,7 @@
           <a:p>
             <a:fld id="{0B107168-8A0E-4E76-A05C-29DFBBD8B549}" type="datetimeFigureOut">
               <a:rPr lang="id-ID" smtClean="0"/>
-              <a:t>06/12/2019</a:t>
+              <a:t>07/12/2019</a:t>
             </a:fld>
             <a:endParaRPr lang="id-ID"/>
           </a:p>
@@ -1971,7 +1977,7 @@
           <a:p>
             <a:fld id="{0B107168-8A0E-4E76-A05C-29DFBBD8B549}" type="datetimeFigureOut">
               <a:rPr lang="id-ID" smtClean="0"/>
-              <a:t>06/12/2019</a:t>
+              <a:t>07/12/2019</a:t>
             </a:fld>
             <a:endParaRPr lang="id-ID"/>
           </a:p>
@@ -2180,7 +2186,7 @@
           <a:p>
             <a:fld id="{0B107168-8A0E-4E76-A05C-29DFBBD8B549}" type="datetimeFigureOut">
               <a:rPr lang="id-ID" smtClean="0"/>
-              <a:t>06/12/2019</a:t>
+              <a:t>07/12/2019</a:t>
             </a:fld>
             <a:endParaRPr lang="id-ID"/>
           </a:p>
@@ -2993,7 +2999,7 @@
           <a:p>
             <a:fld id="{0B107168-8A0E-4E76-A05C-29DFBBD8B549}" type="datetimeFigureOut">
               <a:rPr lang="id-ID" smtClean="0"/>
-              <a:t>06/12/2019</a:t>
+              <a:t>07/12/2019</a:t>
             </a:fld>
             <a:endParaRPr lang="id-ID"/>
           </a:p>
@@ -3228,7 +3234,7 @@
           <a:p>
             <a:fld id="{0B107168-8A0E-4E76-A05C-29DFBBD8B549}" type="datetimeFigureOut">
               <a:rPr lang="id-ID" smtClean="0"/>
-              <a:t>06/12/2019</a:t>
+              <a:t>07/12/2019</a:t>
             </a:fld>
             <a:endParaRPr lang="id-ID"/>
           </a:p>
@@ -3550,7 +3556,7 @@
           <a:p>
             <a:fld id="{0B107168-8A0E-4E76-A05C-29DFBBD8B549}" type="datetimeFigureOut">
               <a:rPr lang="id-ID" smtClean="0"/>
-              <a:t>06/12/2019</a:t>
+              <a:t>07/12/2019</a:t>
             </a:fld>
             <a:endParaRPr lang="id-ID"/>
           </a:p>
@@ -3640,7 +3646,7 @@
           <a:p>
             <a:fld id="{0B107168-8A0E-4E76-A05C-29DFBBD8B549}" type="datetimeFigureOut">
               <a:rPr lang="id-ID" smtClean="0"/>
-              <a:t>06/12/2019</a:t>
+              <a:t>07/12/2019</a:t>
             </a:fld>
             <a:endParaRPr lang="id-ID"/>
           </a:p>
@@ -4156,7 +4162,7 @@
           <a:p>
             <a:fld id="{0B107168-8A0E-4E76-A05C-29DFBBD8B549}" type="datetimeFigureOut">
               <a:rPr lang="id-ID" smtClean="0"/>
-              <a:t>06/12/2019</a:t>
+              <a:t>07/12/2019</a:t>
             </a:fld>
             <a:endParaRPr lang="id-ID"/>
           </a:p>
@@ -4666,7 +4672,7 @@
           <a:p>
             <a:fld id="{0B107168-8A0E-4E76-A05C-29DFBBD8B549}" type="datetimeFigureOut">
               <a:rPr lang="id-ID" smtClean="0"/>
-              <a:t>06/12/2019</a:t>
+              <a:t>07/12/2019</a:t>
             </a:fld>
             <a:endParaRPr lang="id-ID"/>
           </a:p>
@@ -4909,7 +4915,7 @@
           <a:p>
             <a:fld id="{0B107168-8A0E-4E76-A05C-29DFBBD8B549}" type="datetimeFigureOut">
               <a:rPr lang="id-ID" smtClean="0"/>
-              <a:t>06/12/2019</a:t>
+              <a:t>07/12/2019</a:t>
             </a:fld>
             <a:endParaRPr lang="id-ID"/>
           </a:p>
@@ -11802,6 +11808,4148 @@
 </file>
 
 <file path=ppt/slides/slide26.xml><?xml version="1.0" encoding="utf-8"?>
+<p:sld xmlns:a="http://schemas.openxmlformats.org/drawingml/2006/main" xmlns:r="http://schemas.openxmlformats.org/officeDocument/2006/relationships" xmlns:p="http://schemas.openxmlformats.org/presentationml/2006/main">
+  <p:cSld>
+    <p:bg>
+      <p:bgPr>
+        <a:blipFill dpi="0" rotWithShape="1">
+          <a:blip r:embed="rId2">
+            <a:lum/>
+          </a:blip>
+          <a:srcRect/>
+          <a:stretch>
+            <a:fillRect/>
+          </a:stretch>
+        </a:blipFill>
+        <a:effectLst/>
+      </p:bgPr>
+    </p:bg>
+    <p:spTree>
+      <p:nvGrpSpPr>
+        <p:cNvPr id="1" name=""/>
+        <p:cNvGrpSpPr/>
+        <p:nvPr/>
+      </p:nvGrpSpPr>
+      <p:grpSpPr>
+        <a:xfrm>
+          <a:off x="0" y="0"/>
+          <a:ext cx="0" cy="0"/>
+          <a:chOff x="0" y="0"/>
+          <a:chExt cx="0" cy="0"/>
+        </a:xfrm>
+      </p:grpSpPr>
+      <p:sp>
+        <p:nvSpPr>
+          <p:cNvPr id="2" name="Title 1">
+            <a:extLst>
+              <a:ext uri="{FF2B5EF4-FFF2-40B4-BE49-F238E27FC236}">
+                <a16:creationId xmlns:a16="http://schemas.microsoft.com/office/drawing/2014/main" id="{A304A63C-2AB2-43E2-81C7-98E9A901DFBA}"/>
+              </a:ext>
+            </a:extLst>
+          </p:cNvPr>
+          <p:cNvSpPr>
+            <a:spLocks noGrp="1"/>
+          </p:cNvSpPr>
+          <p:nvPr>
+            <p:ph type="title"/>
+          </p:nvPr>
+        </p:nvSpPr>
+        <p:spPr>
+          <a:xfrm>
+            <a:off x="426368" y="188640"/>
+            <a:ext cx="8291264" cy="1143000"/>
+          </a:xfrm>
+        </p:spPr>
+        <p:txBody>
+          <a:bodyPr/>
+          <a:lstStyle/>
+          <a:p>
+            <a:pPr algn="ctr"/>
+            <a:r>
+              <a:rPr lang="en-US" dirty="0" err="1"/>
+              <a:t>Perhitungan</a:t>
+            </a:r>
+            <a:r>
+              <a:rPr lang="en-US" dirty="0"/>
+              <a:t> </a:t>
+            </a:r>
+            <a:r>
+              <a:rPr lang="en-US" dirty="0" err="1"/>
+              <a:t>akurasi</a:t>
+            </a:r>
+            <a:r>
+              <a:rPr lang="en-US" dirty="0"/>
+              <a:t> </a:t>
+            </a:r>
+            <a:r>
+              <a:rPr lang="en-US" dirty="0" err="1"/>
+              <a:t>perbandingan</a:t>
+            </a:r>
+            <a:r>
+              <a:rPr lang="en-US" dirty="0"/>
+              <a:t> </a:t>
+            </a:r>
+            <a:r>
+              <a:rPr lang="en-US" dirty="0" err="1"/>
+              <a:t>sistem</a:t>
+            </a:r>
+            <a:r>
+              <a:rPr lang="en-US" dirty="0"/>
+              <a:t> dan manual</a:t>
+            </a:r>
+          </a:p>
+        </p:txBody>
+      </p:sp>
+      <p:sp>
+        <p:nvSpPr>
+          <p:cNvPr id="3" name="Content Placeholder 2">
+            <a:extLst>
+              <a:ext uri="{FF2B5EF4-FFF2-40B4-BE49-F238E27FC236}">
+                <a16:creationId xmlns:a16="http://schemas.microsoft.com/office/drawing/2014/main" id="{4E1730CF-3E1D-4937-A06C-C4802EC6ED4A}"/>
+              </a:ext>
+            </a:extLst>
+          </p:cNvPr>
+          <p:cNvSpPr>
+            <a:spLocks noGrp="1"/>
+          </p:cNvSpPr>
+          <p:nvPr>
+            <p:ph sz="quarter" idx="1"/>
+          </p:nvPr>
+        </p:nvSpPr>
+        <p:spPr>
+          <a:xfrm>
+            <a:off x="838200" y="1456184"/>
+            <a:ext cx="7467600" cy="892696"/>
+          </a:xfrm>
+        </p:spPr>
+        <p:txBody>
+          <a:bodyPr>
+            <a:normAutofit/>
+          </a:bodyPr>
+          <a:lstStyle/>
+          <a:p>
+            <a:r>
+              <a:rPr lang="en-US" dirty="0"/>
+              <a:t>Hasil </a:t>
+            </a:r>
+            <a:r>
+              <a:rPr lang="en-US" dirty="0" err="1"/>
+              <a:t>perhitungan</a:t>
+            </a:r>
+            <a:r>
+              <a:rPr lang="en-US" dirty="0"/>
+              <a:t> manual</a:t>
+            </a:r>
+          </a:p>
+          <a:p>
+            <a:endParaRPr lang="en-US" dirty="0"/>
+          </a:p>
+          <a:p>
+            <a:endParaRPr lang="en-US" dirty="0"/>
+          </a:p>
+        </p:txBody>
+      </p:sp>
+      <p:sp>
+        <p:nvSpPr>
+          <p:cNvPr id="4" name="Content Placeholder 2">
+            <a:extLst>
+              <a:ext uri="{FF2B5EF4-FFF2-40B4-BE49-F238E27FC236}">
+                <a16:creationId xmlns:a16="http://schemas.microsoft.com/office/drawing/2014/main" id="{7E298379-547F-4489-B9BC-E8A302A4FEB5}"/>
+              </a:ext>
+            </a:extLst>
+          </p:cNvPr>
+          <p:cNvSpPr txBox="1">
+            <a:spLocks/>
+          </p:cNvSpPr>
+          <p:nvPr/>
+        </p:nvSpPr>
+        <p:spPr>
+          <a:xfrm>
+            <a:off x="838200" y="2824336"/>
+            <a:ext cx="7467600" cy="892696"/>
+          </a:xfrm>
+          <a:prstGeom prst="rect">
+            <a:avLst/>
+          </a:prstGeom>
+        </p:spPr>
+        <p:txBody>
+          <a:bodyPr vert="horz">
+            <a:normAutofit/>
+          </a:bodyPr>
+          <a:lstStyle>
+            <a:lvl1pPr marL="274320" indent="-274320" algn="l" rtl="0" eaLnBrk="1" latinLnBrk="0" hangingPunct="1">
+              <a:spcBef>
+                <a:spcPts val="600"/>
+              </a:spcBef>
+              <a:buClr>
+                <a:schemeClr val="accent1"/>
+              </a:buClr>
+              <a:buSzPct val="70000"/>
+              <a:buFont typeface="Wingdings"/>
+              <a:buChar char=""/>
+              <a:defRPr kumimoji="0" sz="2400" kern="1200">
+                <a:solidFill>
+                  <a:schemeClr val="tx1"/>
+                </a:solidFill>
+                <a:latin typeface="+mn-lt"/>
+                <a:ea typeface="+mn-ea"/>
+                <a:cs typeface="+mn-cs"/>
+              </a:defRPr>
+            </a:lvl1pPr>
+            <a:lvl2pPr marL="640080" indent="-274320" algn="l" rtl="0" eaLnBrk="1" latinLnBrk="0" hangingPunct="1">
+              <a:spcBef>
+                <a:spcPct val="20000"/>
+              </a:spcBef>
+              <a:buClr>
+                <a:schemeClr val="accent1"/>
+              </a:buClr>
+              <a:buSzPct val="80000"/>
+              <a:buFont typeface="Wingdings 2"/>
+              <a:buChar char=""/>
+              <a:defRPr kumimoji="0" sz="2100" kern="1200">
+                <a:solidFill>
+                  <a:schemeClr val="tx1"/>
+                </a:solidFill>
+                <a:latin typeface="+mn-lt"/>
+                <a:ea typeface="+mn-ea"/>
+                <a:cs typeface="+mn-cs"/>
+              </a:defRPr>
+            </a:lvl2pPr>
+            <a:lvl3pPr marL="914400" indent="-182880" algn="l" rtl="0" eaLnBrk="1" latinLnBrk="0" hangingPunct="1">
+              <a:spcBef>
+                <a:spcPct val="20000"/>
+              </a:spcBef>
+              <a:buClr>
+                <a:schemeClr val="accent1">
+                  <a:shade val="75000"/>
+                </a:schemeClr>
+              </a:buClr>
+              <a:buSzPct val="60000"/>
+              <a:buFont typeface="Wingdings"/>
+              <a:buChar char=""/>
+              <a:defRPr kumimoji="0" sz="1800" kern="1200">
+                <a:solidFill>
+                  <a:schemeClr val="tx1"/>
+                </a:solidFill>
+                <a:latin typeface="+mn-lt"/>
+                <a:ea typeface="+mn-ea"/>
+                <a:cs typeface="+mn-cs"/>
+              </a:defRPr>
+            </a:lvl3pPr>
+            <a:lvl4pPr marL="1188720" indent="-182880" algn="l" rtl="0" eaLnBrk="1" latinLnBrk="0" hangingPunct="1">
+              <a:spcBef>
+                <a:spcPct val="20000"/>
+              </a:spcBef>
+              <a:buClr>
+                <a:schemeClr val="accent1">
+                  <a:tint val="60000"/>
+                </a:schemeClr>
+              </a:buClr>
+              <a:buSzPct val="60000"/>
+              <a:buFont typeface="Wingdings"/>
+              <a:buChar char=""/>
+              <a:defRPr kumimoji="0" sz="1800" kern="1200">
+                <a:solidFill>
+                  <a:schemeClr val="tx1"/>
+                </a:solidFill>
+                <a:latin typeface="+mn-lt"/>
+                <a:ea typeface="+mn-ea"/>
+                <a:cs typeface="+mn-cs"/>
+              </a:defRPr>
+            </a:lvl4pPr>
+            <a:lvl5pPr marL="1463040" indent="-182880" algn="l" rtl="0" eaLnBrk="1" latinLnBrk="0" hangingPunct="1">
+              <a:spcBef>
+                <a:spcPct val="20000"/>
+              </a:spcBef>
+              <a:buClr>
+                <a:schemeClr val="accent2">
+                  <a:tint val="60000"/>
+                </a:schemeClr>
+              </a:buClr>
+              <a:buSzPct val="68000"/>
+              <a:buFont typeface="Wingdings 2"/>
+              <a:buChar char=""/>
+              <a:defRPr kumimoji="0" sz="1600" kern="1200">
+                <a:solidFill>
+                  <a:schemeClr val="tx1"/>
+                </a:solidFill>
+                <a:latin typeface="+mn-lt"/>
+                <a:ea typeface="+mn-ea"/>
+                <a:cs typeface="+mn-cs"/>
+              </a:defRPr>
+            </a:lvl5pPr>
+            <a:lvl6pPr marL="1737360" indent="-182880" algn="l" rtl="0" eaLnBrk="1" latinLnBrk="0" hangingPunct="1">
+              <a:spcBef>
+                <a:spcPct val="20000"/>
+              </a:spcBef>
+              <a:buClr>
+                <a:schemeClr val="accent1"/>
+              </a:buClr>
+              <a:buChar char="•"/>
+              <a:defRPr kumimoji="0" sz="1600" kern="1200">
+                <a:solidFill>
+                  <a:schemeClr val="tx2"/>
+                </a:solidFill>
+                <a:latin typeface="+mn-lt"/>
+                <a:ea typeface="+mn-ea"/>
+                <a:cs typeface="+mn-cs"/>
+              </a:defRPr>
+            </a:lvl6pPr>
+            <a:lvl7pPr marL="2011680" indent="-182880" algn="l" rtl="0" eaLnBrk="1" latinLnBrk="0" hangingPunct="1">
+              <a:spcBef>
+                <a:spcPct val="20000"/>
+              </a:spcBef>
+              <a:buClr>
+                <a:schemeClr val="accent1">
+                  <a:tint val="60000"/>
+                </a:schemeClr>
+              </a:buClr>
+              <a:buSzPct val="60000"/>
+              <a:buFont typeface="Wingdings"/>
+              <a:buChar char=""/>
+              <a:defRPr kumimoji="0" sz="1400" kern="1200" baseline="0">
+                <a:solidFill>
+                  <a:schemeClr val="tx2"/>
+                </a:solidFill>
+                <a:latin typeface="+mn-lt"/>
+                <a:ea typeface="+mn-ea"/>
+                <a:cs typeface="+mn-cs"/>
+              </a:defRPr>
+            </a:lvl7pPr>
+            <a:lvl8pPr marL="2286000" indent="-182880" algn="l" rtl="0" eaLnBrk="1" latinLnBrk="0" hangingPunct="1">
+              <a:spcBef>
+                <a:spcPct val="20000"/>
+              </a:spcBef>
+              <a:buClr>
+                <a:schemeClr val="accent2"/>
+              </a:buClr>
+              <a:buChar char="•"/>
+              <a:defRPr kumimoji="0" sz="1400" kern="1200" cap="small" baseline="0">
+                <a:solidFill>
+                  <a:schemeClr val="tx2"/>
+                </a:solidFill>
+                <a:latin typeface="+mn-lt"/>
+                <a:ea typeface="+mn-ea"/>
+                <a:cs typeface="+mn-cs"/>
+              </a:defRPr>
+            </a:lvl8pPr>
+            <a:lvl9pPr marL="2560320" indent="-182880" algn="l" rtl="0" eaLnBrk="1" latinLnBrk="0" hangingPunct="1">
+              <a:spcBef>
+                <a:spcPct val="20000"/>
+              </a:spcBef>
+              <a:buClr>
+                <a:schemeClr val="accent1">
+                  <a:shade val="75000"/>
+                </a:schemeClr>
+              </a:buClr>
+              <a:buChar char="•"/>
+              <a:defRPr kumimoji="0" sz="1400" kern="1200" baseline="0">
+                <a:solidFill>
+                  <a:schemeClr val="tx2"/>
+                </a:solidFill>
+                <a:latin typeface="+mn-lt"/>
+                <a:ea typeface="+mn-ea"/>
+                <a:cs typeface="+mn-cs"/>
+              </a:defRPr>
+            </a:lvl9pPr>
+          </a:lstStyle>
+          <a:p>
+            <a:endParaRPr lang="en-US" dirty="0"/>
+          </a:p>
+          <a:p>
+            <a:endParaRPr lang="en-US" dirty="0"/>
+          </a:p>
+        </p:txBody>
+      </p:sp>
+      <p:graphicFrame>
+        <p:nvGraphicFramePr>
+          <p:cNvPr id="5" name="Table 4">
+            <a:extLst>
+              <a:ext uri="{FF2B5EF4-FFF2-40B4-BE49-F238E27FC236}">
+                <a16:creationId xmlns:a16="http://schemas.microsoft.com/office/drawing/2014/main" id="{1CF29399-AE30-4666-82B3-4C56270EFB08}"/>
+              </a:ext>
+            </a:extLst>
+          </p:cNvPr>
+          <p:cNvGraphicFramePr>
+            <a:graphicFrameLocks noGrp="1"/>
+          </p:cNvGraphicFramePr>
+          <p:nvPr/>
+        </p:nvGraphicFramePr>
+        <p:xfrm>
+          <a:off x="935595" y="1988840"/>
+          <a:ext cx="7272809" cy="3749915"/>
+        </p:xfrm>
+        <a:graphic>
+          <a:graphicData uri="http://schemas.openxmlformats.org/drawingml/2006/table">
+            <a:tbl>
+              <a:tblPr firstRow="1" firstCol="1" bandRow="1">
+                <a:tableStyleId>{5C22544A-7EE6-4342-B048-85BDC9FD1C3A}</a:tableStyleId>
+              </a:tblPr>
+              <a:tblGrid>
+                <a:gridCol w="591675">
+                  <a:extLst>
+                    <a:ext uri="{9D8B030D-6E8A-4147-A177-3AD203B41FA5}">
+                      <a16:colId xmlns:a16="http://schemas.microsoft.com/office/drawing/2014/main" val="1383858926"/>
+                    </a:ext>
+                  </a:extLst>
+                </a:gridCol>
+                <a:gridCol w="1672847">
+                  <a:extLst>
+                    <a:ext uri="{9D8B030D-6E8A-4147-A177-3AD203B41FA5}">
+                      <a16:colId xmlns:a16="http://schemas.microsoft.com/office/drawing/2014/main" val="4074496309"/>
+                    </a:ext>
+                  </a:extLst>
+                </a:gridCol>
+                <a:gridCol w="2020118">
+                  <a:extLst>
+                    <a:ext uri="{9D8B030D-6E8A-4147-A177-3AD203B41FA5}">
+                      <a16:colId xmlns:a16="http://schemas.microsoft.com/office/drawing/2014/main" val="2078960953"/>
+                    </a:ext>
+                  </a:extLst>
+                </a:gridCol>
+                <a:gridCol w="700631">
+                  <a:extLst>
+                    <a:ext uri="{9D8B030D-6E8A-4147-A177-3AD203B41FA5}">
+                      <a16:colId xmlns:a16="http://schemas.microsoft.com/office/drawing/2014/main" val="2194615989"/>
+                    </a:ext>
+                  </a:extLst>
+                </a:gridCol>
+                <a:gridCol w="1077536">
+                  <a:extLst>
+                    <a:ext uri="{9D8B030D-6E8A-4147-A177-3AD203B41FA5}">
+                      <a16:colId xmlns:a16="http://schemas.microsoft.com/office/drawing/2014/main" val="1862902499"/>
+                    </a:ext>
+                  </a:extLst>
+                </a:gridCol>
+                <a:gridCol w="1210002">
+                  <a:extLst>
+                    <a:ext uri="{9D8B030D-6E8A-4147-A177-3AD203B41FA5}">
+                      <a16:colId xmlns:a16="http://schemas.microsoft.com/office/drawing/2014/main" val="4196587921"/>
+                    </a:ext>
+                  </a:extLst>
+                </a:gridCol>
+              </a:tblGrid>
+              <a:tr h="312510">
+                <a:tc rowSpan="2">
+                  <a:txBody>
+                    <a:bodyPr/>
+                    <a:lstStyle/>
+                    <a:p>
+                      <a:pPr algn="ctr">
+                        <a:lnSpc>
+                          <a:spcPct val="115000"/>
+                        </a:lnSpc>
+                        <a:spcAft>
+                          <a:spcPts val="0"/>
+                        </a:spcAft>
+                      </a:pPr>
+                      <a:r>
+                        <a:rPr lang="en-US" sz="1200">
+                          <a:effectLst/>
+                        </a:rPr>
+                        <a:t>No</a:t>
+                      </a:r>
+                      <a:endParaRPr lang="en-ID" sz="1200">
+                        <a:effectLst/>
+                        <a:latin typeface="Times New Roman" panose="02020603050405020304" pitchFamily="18" charset="0"/>
+                        <a:ea typeface="Times New Roman" panose="02020603050405020304" pitchFamily="18" charset="0"/>
+                      </a:endParaRPr>
+                    </a:p>
+                  </a:txBody>
+                  <a:tcPr marL="68580" marR="68580" marT="0" marB="0" anchor="ctr"/>
+                </a:tc>
+                <a:tc rowSpan="2">
+                  <a:txBody>
+                    <a:bodyPr/>
+                    <a:lstStyle/>
+                    <a:p>
+                      <a:pPr algn="ctr">
+                        <a:lnSpc>
+                          <a:spcPct val="115000"/>
+                        </a:lnSpc>
+                        <a:spcAft>
+                          <a:spcPts val="0"/>
+                        </a:spcAft>
+                      </a:pPr>
+                      <a:r>
+                        <a:rPr lang="en-US" sz="1200">
+                          <a:effectLst/>
+                        </a:rPr>
+                        <a:t>No. KK</a:t>
+                      </a:r>
+                      <a:endParaRPr lang="en-ID" sz="1200">
+                        <a:effectLst/>
+                        <a:latin typeface="Times New Roman" panose="02020603050405020304" pitchFamily="18" charset="0"/>
+                        <a:ea typeface="Times New Roman" panose="02020603050405020304" pitchFamily="18" charset="0"/>
+                      </a:endParaRPr>
+                    </a:p>
+                  </a:txBody>
+                  <a:tcPr marL="68580" marR="68580" marT="0" marB="0" anchor="ctr"/>
+                </a:tc>
+                <a:tc rowSpan="2">
+                  <a:txBody>
+                    <a:bodyPr/>
+                    <a:lstStyle/>
+                    <a:p>
+                      <a:pPr algn="ctr">
+                        <a:lnSpc>
+                          <a:spcPct val="115000"/>
+                        </a:lnSpc>
+                        <a:spcAft>
+                          <a:spcPts val="0"/>
+                        </a:spcAft>
+                      </a:pPr>
+                      <a:r>
+                        <a:rPr lang="en-US" sz="1200">
+                          <a:effectLst/>
+                        </a:rPr>
+                        <a:t>Nama</a:t>
+                      </a:r>
+                      <a:endParaRPr lang="en-ID" sz="1200">
+                        <a:effectLst/>
+                        <a:latin typeface="Times New Roman" panose="02020603050405020304" pitchFamily="18" charset="0"/>
+                        <a:ea typeface="Times New Roman" panose="02020603050405020304" pitchFamily="18" charset="0"/>
+                      </a:endParaRPr>
+                    </a:p>
+                  </a:txBody>
+                  <a:tcPr marL="68580" marR="68580" marT="0" marB="0" anchor="ctr"/>
+                </a:tc>
+                <a:tc gridSpan="2">
+                  <a:txBody>
+                    <a:bodyPr/>
+                    <a:lstStyle/>
+                    <a:p>
+                      <a:pPr algn="ctr">
+                        <a:lnSpc>
+                          <a:spcPct val="115000"/>
+                        </a:lnSpc>
+                        <a:spcAft>
+                          <a:spcPts val="0"/>
+                        </a:spcAft>
+                      </a:pPr>
+                      <a:r>
+                        <a:rPr lang="en-US" sz="1200">
+                          <a:effectLst/>
+                        </a:rPr>
+                        <a:t>Nilai Probabilitas</a:t>
+                      </a:r>
+                      <a:endParaRPr lang="en-ID" sz="1200">
+                        <a:effectLst/>
+                        <a:latin typeface="Times New Roman" panose="02020603050405020304" pitchFamily="18" charset="0"/>
+                        <a:ea typeface="Times New Roman" panose="02020603050405020304" pitchFamily="18" charset="0"/>
+                      </a:endParaRPr>
+                    </a:p>
+                  </a:txBody>
+                  <a:tcPr marL="68580" marR="68580" marT="0" marB="0" anchor="ctr"/>
+                </a:tc>
+                <a:tc hMerge="1">
+                  <a:txBody>
+                    <a:bodyPr/>
+                    <a:lstStyle/>
+                    <a:p>
+                      <a:endParaRPr lang="en-ID"/>
+                    </a:p>
+                  </a:txBody>
+                  <a:tcPr/>
+                </a:tc>
+                <a:tc rowSpan="2">
+                  <a:txBody>
+                    <a:bodyPr/>
+                    <a:lstStyle/>
+                    <a:p>
+                      <a:pPr algn="ctr">
+                        <a:lnSpc>
+                          <a:spcPct val="115000"/>
+                        </a:lnSpc>
+                        <a:spcAft>
+                          <a:spcPts val="0"/>
+                        </a:spcAft>
+                      </a:pPr>
+                      <a:r>
+                        <a:rPr lang="en-US" sz="1200">
+                          <a:effectLst/>
+                        </a:rPr>
+                        <a:t>Kesimpulan</a:t>
+                      </a:r>
+                      <a:endParaRPr lang="en-ID" sz="1200">
+                        <a:effectLst/>
+                        <a:latin typeface="Times New Roman" panose="02020603050405020304" pitchFamily="18" charset="0"/>
+                        <a:ea typeface="Times New Roman" panose="02020603050405020304" pitchFamily="18" charset="0"/>
+                      </a:endParaRPr>
+                    </a:p>
+                  </a:txBody>
+                  <a:tcPr marL="68580" marR="68580" marT="0" marB="0" anchor="ctr"/>
+                </a:tc>
+                <a:extLst>
+                  <a:ext uri="{0D108BD9-81ED-4DB2-BD59-A6C34878D82A}">
+                    <a16:rowId xmlns:a16="http://schemas.microsoft.com/office/drawing/2014/main" val="939339039"/>
+                  </a:ext>
+                </a:extLst>
+              </a:tr>
+              <a:tr h="312305">
+                <a:tc vMerge="1">
+                  <a:txBody>
+                    <a:bodyPr/>
+                    <a:lstStyle/>
+                    <a:p>
+                      <a:endParaRPr lang="en-ID"/>
+                    </a:p>
+                  </a:txBody>
+                  <a:tcPr/>
+                </a:tc>
+                <a:tc vMerge="1">
+                  <a:txBody>
+                    <a:bodyPr/>
+                    <a:lstStyle/>
+                    <a:p>
+                      <a:endParaRPr lang="en-ID"/>
+                    </a:p>
+                  </a:txBody>
+                  <a:tcPr/>
+                </a:tc>
+                <a:tc vMerge="1">
+                  <a:txBody>
+                    <a:bodyPr/>
+                    <a:lstStyle/>
+                    <a:p>
+                      <a:endParaRPr lang="en-ID"/>
+                    </a:p>
+                  </a:txBody>
+                  <a:tcPr/>
+                </a:tc>
+                <a:tc>
+                  <a:txBody>
+                    <a:bodyPr/>
+                    <a:lstStyle/>
+                    <a:p>
+                      <a:pPr>
+                        <a:lnSpc>
+                          <a:spcPct val="115000"/>
+                        </a:lnSpc>
+                        <a:spcAft>
+                          <a:spcPts val="0"/>
+                        </a:spcAft>
+                      </a:pPr>
+                      <a:r>
+                        <a:rPr lang="en-US" sz="1200" dirty="0" err="1">
+                          <a:effectLst/>
+                        </a:rPr>
+                        <a:t>Dapat</a:t>
+                      </a:r>
+                      <a:endParaRPr lang="en-ID" sz="1200" dirty="0">
+                        <a:effectLst/>
+                        <a:latin typeface="Times New Roman" panose="02020603050405020304" pitchFamily="18" charset="0"/>
+                        <a:ea typeface="Times New Roman" panose="02020603050405020304" pitchFamily="18" charset="0"/>
+                      </a:endParaRPr>
+                    </a:p>
+                  </a:txBody>
+                  <a:tcPr marL="68580" marR="68580" marT="0" marB="0"/>
+                </a:tc>
+                <a:tc>
+                  <a:txBody>
+                    <a:bodyPr/>
+                    <a:lstStyle/>
+                    <a:p>
+                      <a:pPr>
+                        <a:lnSpc>
+                          <a:spcPct val="115000"/>
+                        </a:lnSpc>
+                        <a:spcAft>
+                          <a:spcPts val="0"/>
+                        </a:spcAft>
+                      </a:pPr>
+                      <a:r>
+                        <a:rPr lang="en-US" sz="1200">
+                          <a:effectLst/>
+                        </a:rPr>
+                        <a:t>Tidak Dapat</a:t>
+                      </a:r>
+                      <a:endParaRPr lang="en-ID" sz="1200">
+                        <a:effectLst/>
+                        <a:latin typeface="Times New Roman" panose="02020603050405020304" pitchFamily="18" charset="0"/>
+                        <a:ea typeface="Times New Roman" panose="02020603050405020304" pitchFamily="18" charset="0"/>
+                      </a:endParaRPr>
+                    </a:p>
+                  </a:txBody>
+                  <a:tcPr marL="68580" marR="68580" marT="0" marB="0"/>
+                </a:tc>
+                <a:tc vMerge="1">
+                  <a:txBody>
+                    <a:bodyPr/>
+                    <a:lstStyle/>
+                    <a:p>
+                      <a:endParaRPr lang="en-ID"/>
+                    </a:p>
+                  </a:txBody>
+                  <a:tcPr/>
+                </a:tc>
+                <a:extLst>
+                  <a:ext uri="{0D108BD9-81ED-4DB2-BD59-A6C34878D82A}">
+                    <a16:rowId xmlns:a16="http://schemas.microsoft.com/office/drawing/2014/main" val="2192929321"/>
+                  </a:ext>
+                </a:extLst>
+              </a:tr>
+              <a:tr h="312510">
+                <a:tc>
+                  <a:txBody>
+                    <a:bodyPr/>
+                    <a:lstStyle/>
+                    <a:p>
+                      <a:pPr>
+                        <a:lnSpc>
+                          <a:spcPct val="115000"/>
+                        </a:lnSpc>
+                        <a:spcAft>
+                          <a:spcPts val="0"/>
+                        </a:spcAft>
+                      </a:pPr>
+                      <a:r>
+                        <a:rPr lang="en-US" sz="1200">
+                          <a:effectLst/>
+                        </a:rPr>
+                        <a:t>1</a:t>
+                      </a:r>
+                      <a:endParaRPr lang="en-ID" sz="1200">
+                        <a:effectLst/>
+                        <a:latin typeface="Times New Roman" panose="02020603050405020304" pitchFamily="18" charset="0"/>
+                        <a:ea typeface="Times New Roman" panose="02020603050405020304" pitchFamily="18" charset="0"/>
+                      </a:endParaRPr>
+                    </a:p>
+                  </a:txBody>
+                  <a:tcPr marL="68580" marR="68580" marT="0" marB="0"/>
+                </a:tc>
+                <a:tc>
+                  <a:txBody>
+                    <a:bodyPr/>
+                    <a:lstStyle/>
+                    <a:p>
+                      <a:pPr>
+                        <a:lnSpc>
+                          <a:spcPct val="115000"/>
+                        </a:lnSpc>
+                        <a:spcAft>
+                          <a:spcPts val="0"/>
+                        </a:spcAft>
+                      </a:pPr>
+                      <a:r>
+                        <a:rPr lang="en-US" sz="1200">
+                          <a:effectLst/>
+                        </a:rPr>
+                        <a:t>3374131412052490</a:t>
+                      </a:r>
+                      <a:endParaRPr lang="en-ID" sz="1200">
+                        <a:effectLst/>
+                        <a:latin typeface="Times New Roman" panose="02020603050405020304" pitchFamily="18" charset="0"/>
+                        <a:ea typeface="Times New Roman" panose="02020603050405020304" pitchFamily="18" charset="0"/>
+                      </a:endParaRPr>
+                    </a:p>
+                  </a:txBody>
+                  <a:tcPr marL="68580" marR="68580" marT="0" marB="0" anchor="b"/>
+                </a:tc>
+                <a:tc>
+                  <a:txBody>
+                    <a:bodyPr/>
+                    <a:lstStyle/>
+                    <a:p>
+                      <a:pPr>
+                        <a:lnSpc>
+                          <a:spcPct val="115000"/>
+                        </a:lnSpc>
+                        <a:spcAft>
+                          <a:spcPts val="0"/>
+                        </a:spcAft>
+                      </a:pPr>
+                      <a:r>
+                        <a:rPr lang="en-US" sz="1200">
+                          <a:effectLst/>
+                        </a:rPr>
+                        <a:t>BAMBANG PRAYITNO</a:t>
+                      </a:r>
+                      <a:endParaRPr lang="en-ID" sz="1200">
+                        <a:effectLst/>
+                        <a:latin typeface="Times New Roman" panose="02020603050405020304" pitchFamily="18" charset="0"/>
+                        <a:ea typeface="Times New Roman" panose="02020603050405020304" pitchFamily="18" charset="0"/>
+                      </a:endParaRPr>
+                    </a:p>
+                  </a:txBody>
+                  <a:tcPr marL="68580" marR="68580" marT="0" marB="0" anchor="b"/>
+                </a:tc>
+                <a:tc>
+                  <a:txBody>
+                    <a:bodyPr/>
+                    <a:lstStyle/>
+                    <a:p>
+                      <a:pPr>
+                        <a:lnSpc>
+                          <a:spcPct val="115000"/>
+                        </a:lnSpc>
+                        <a:spcAft>
+                          <a:spcPts val="0"/>
+                        </a:spcAft>
+                      </a:pPr>
+                      <a:r>
+                        <a:rPr lang="en-US" sz="1200">
+                          <a:effectLst/>
+                        </a:rPr>
+                        <a:t>0,00368</a:t>
+                      </a:r>
+                      <a:endParaRPr lang="en-ID" sz="1200">
+                        <a:effectLst/>
+                        <a:latin typeface="Times New Roman" panose="02020603050405020304" pitchFamily="18" charset="0"/>
+                        <a:ea typeface="Times New Roman" panose="02020603050405020304" pitchFamily="18" charset="0"/>
+                      </a:endParaRPr>
+                    </a:p>
+                  </a:txBody>
+                  <a:tcPr marL="68580" marR="68580" marT="0" marB="0"/>
+                </a:tc>
+                <a:tc>
+                  <a:txBody>
+                    <a:bodyPr/>
+                    <a:lstStyle/>
+                    <a:p>
+                      <a:pPr>
+                        <a:lnSpc>
+                          <a:spcPct val="115000"/>
+                        </a:lnSpc>
+                        <a:spcAft>
+                          <a:spcPts val="0"/>
+                        </a:spcAft>
+                      </a:pPr>
+                      <a:r>
+                        <a:rPr lang="en-US" sz="1200">
+                          <a:effectLst/>
+                        </a:rPr>
+                        <a:t>0,00155</a:t>
+                      </a:r>
+                      <a:endParaRPr lang="en-ID" sz="1200">
+                        <a:effectLst/>
+                        <a:latin typeface="Times New Roman" panose="02020603050405020304" pitchFamily="18" charset="0"/>
+                        <a:ea typeface="Times New Roman" panose="02020603050405020304" pitchFamily="18" charset="0"/>
+                      </a:endParaRPr>
+                    </a:p>
+                  </a:txBody>
+                  <a:tcPr marL="68580" marR="68580" marT="0" marB="0"/>
+                </a:tc>
+                <a:tc>
+                  <a:txBody>
+                    <a:bodyPr/>
+                    <a:lstStyle/>
+                    <a:p>
+                      <a:pPr>
+                        <a:lnSpc>
+                          <a:spcPct val="115000"/>
+                        </a:lnSpc>
+                        <a:spcAft>
+                          <a:spcPts val="0"/>
+                        </a:spcAft>
+                      </a:pPr>
+                      <a:r>
+                        <a:rPr lang="en-US" sz="1200">
+                          <a:effectLst/>
+                        </a:rPr>
+                        <a:t>Dapat</a:t>
+                      </a:r>
+                      <a:endParaRPr lang="en-ID" sz="1200">
+                        <a:effectLst/>
+                        <a:latin typeface="Times New Roman" panose="02020603050405020304" pitchFamily="18" charset="0"/>
+                        <a:ea typeface="Times New Roman" panose="02020603050405020304" pitchFamily="18" charset="0"/>
+                      </a:endParaRPr>
+                    </a:p>
+                  </a:txBody>
+                  <a:tcPr marL="68580" marR="68580" marT="0" marB="0" anchor="b"/>
+                </a:tc>
+                <a:extLst>
+                  <a:ext uri="{0D108BD9-81ED-4DB2-BD59-A6C34878D82A}">
+                    <a16:rowId xmlns:a16="http://schemas.microsoft.com/office/drawing/2014/main" val="2378641390"/>
+                  </a:ext>
+                </a:extLst>
+              </a:tr>
+              <a:tr h="312510">
+                <a:tc>
+                  <a:txBody>
+                    <a:bodyPr/>
+                    <a:lstStyle/>
+                    <a:p>
+                      <a:pPr>
+                        <a:lnSpc>
+                          <a:spcPct val="115000"/>
+                        </a:lnSpc>
+                        <a:spcAft>
+                          <a:spcPts val="0"/>
+                        </a:spcAft>
+                      </a:pPr>
+                      <a:r>
+                        <a:rPr lang="en-US" sz="1200">
+                          <a:effectLst/>
+                        </a:rPr>
+                        <a:t>2</a:t>
+                      </a:r>
+                      <a:endParaRPr lang="en-ID" sz="1200">
+                        <a:effectLst/>
+                        <a:latin typeface="Times New Roman" panose="02020603050405020304" pitchFamily="18" charset="0"/>
+                        <a:ea typeface="Times New Roman" panose="02020603050405020304" pitchFamily="18" charset="0"/>
+                      </a:endParaRPr>
+                    </a:p>
+                  </a:txBody>
+                  <a:tcPr marL="68580" marR="68580" marT="0" marB="0"/>
+                </a:tc>
+                <a:tc>
+                  <a:txBody>
+                    <a:bodyPr/>
+                    <a:lstStyle/>
+                    <a:p>
+                      <a:pPr>
+                        <a:lnSpc>
+                          <a:spcPct val="115000"/>
+                        </a:lnSpc>
+                        <a:spcAft>
+                          <a:spcPts val="0"/>
+                        </a:spcAft>
+                      </a:pPr>
+                      <a:r>
+                        <a:rPr lang="en-US" sz="1200">
+                          <a:effectLst/>
+                        </a:rPr>
+                        <a:t>3374131312053980</a:t>
+                      </a:r>
+                      <a:endParaRPr lang="en-ID" sz="1200">
+                        <a:effectLst/>
+                        <a:latin typeface="Times New Roman" panose="02020603050405020304" pitchFamily="18" charset="0"/>
+                        <a:ea typeface="Times New Roman" panose="02020603050405020304" pitchFamily="18" charset="0"/>
+                      </a:endParaRPr>
+                    </a:p>
+                  </a:txBody>
+                  <a:tcPr marL="68580" marR="68580" marT="0" marB="0" anchor="b"/>
+                </a:tc>
+                <a:tc>
+                  <a:txBody>
+                    <a:bodyPr/>
+                    <a:lstStyle/>
+                    <a:p>
+                      <a:pPr>
+                        <a:lnSpc>
+                          <a:spcPct val="115000"/>
+                        </a:lnSpc>
+                        <a:spcAft>
+                          <a:spcPts val="0"/>
+                        </a:spcAft>
+                      </a:pPr>
+                      <a:r>
+                        <a:rPr lang="en-US" sz="1200">
+                          <a:effectLst/>
+                        </a:rPr>
+                        <a:t>ZAINAL ABIDIN</a:t>
+                      </a:r>
+                      <a:endParaRPr lang="en-ID" sz="1200">
+                        <a:effectLst/>
+                        <a:latin typeface="Times New Roman" panose="02020603050405020304" pitchFamily="18" charset="0"/>
+                        <a:ea typeface="Times New Roman" panose="02020603050405020304" pitchFamily="18" charset="0"/>
+                      </a:endParaRPr>
+                    </a:p>
+                  </a:txBody>
+                  <a:tcPr marL="68580" marR="68580" marT="0" marB="0" anchor="b"/>
+                </a:tc>
+                <a:tc>
+                  <a:txBody>
+                    <a:bodyPr/>
+                    <a:lstStyle/>
+                    <a:p>
+                      <a:pPr>
+                        <a:lnSpc>
+                          <a:spcPct val="115000"/>
+                        </a:lnSpc>
+                        <a:spcAft>
+                          <a:spcPts val="0"/>
+                        </a:spcAft>
+                      </a:pPr>
+                      <a:r>
+                        <a:rPr lang="en-US" sz="1200">
+                          <a:effectLst/>
+                        </a:rPr>
+                        <a:t>0,00000</a:t>
+                      </a:r>
+                      <a:endParaRPr lang="en-ID" sz="1200">
+                        <a:effectLst/>
+                        <a:latin typeface="Times New Roman" panose="02020603050405020304" pitchFamily="18" charset="0"/>
+                        <a:ea typeface="Times New Roman" panose="02020603050405020304" pitchFamily="18" charset="0"/>
+                      </a:endParaRPr>
+                    </a:p>
+                  </a:txBody>
+                  <a:tcPr marL="68580" marR="68580" marT="0" marB="0"/>
+                </a:tc>
+                <a:tc>
+                  <a:txBody>
+                    <a:bodyPr/>
+                    <a:lstStyle/>
+                    <a:p>
+                      <a:pPr>
+                        <a:lnSpc>
+                          <a:spcPct val="115000"/>
+                        </a:lnSpc>
+                        <a:spcAft>
+                          <a:spcPts val="0"/>
+                        </a:spcAft>
+                      </a:pPr>
+                      <a:r>
+                        <a:rPr lang="en-US" sz="1200">
+                          <a:effectLst/>
+                        </a:rPr>
+                        <a:t>0,00130</a:t>
+                      </a:r>
+                      <a:endParaRPr lang="en-ID" sz="1200">
+                        <a:effectLst/>
+                        <a:latin typeface="Times New Roman" panose="02020603050405020304" pitchFamily="18" charset="0"/>
+                        <a:ea typeface="Times New Roman" panose="02020603050405020304" pitchFamily="18" charset="0"/>
+                      </a:endParaRPr>
+                    </a:p>
+                  </a:txBody>
+                  <a:tcPr marL="68580" marR="68580" marT="0" marB="0"/>
+                </a:tc>
+                <a:tc>
+                  <a:txBody>
+                    <a:bodyPr/>
+                    <a:lstStyle/>
+                    <a:p>
+                      <a:pPr>
+                        <a:lnSpc>
+                          <a:spcPct val="115000"/>
+                        </a:lnSpc>
+                        <a:spcAft>
+                          <a:spcPts val="0"/>
+                        </a:spcAft>
+                      </a:pPr>
+                      <a:r>
+                        <a:rPr lang="en-US" sz="1200">
+                          <a:effectLst/>
+                        </a:rPr>
+                        <a:t>Tidak Dapat</a:t>
+                      </a:r>
+                      <a:endParaRPr lang="en-ID" sz="1200">
+                        <a:effectLst/>
+                        <a:latin typeface="Times New Roman" panose="02020603050405020304" pitchFamily="18" charset="0"/>
+                        <a:ea typeface="Times New Roman" panose="02020603050405020304" pitchFamily="18" charset="0"/>
+                      </a:endParaRPr>
+                    </a:p>
+                  </a:txBody>
+                  <a:tcPr marL="68580" marR="68580" marT="0" marB="0" anchor="b"/>
+                </a:tc>
+                <a:extLst>
+                  <a:ext uri="{0D108BD9-81ED-4DB2-BD59-A6C34878D82A}">
+                    <a16:rowId xmlns:a16="http://schemas.microsoft.com/office/drawing/2014/main" val="2352949343"/>
+                  </a:ext>
+                </a:extLst>
+              </a:tr>
+              <a:tr h="312510">
+                <a:tc>
+                  <a:txBody>
+                    <a:bodyPr/>
+                    <a:lstStyle/>
+                    <a:p>
+                      <a:pPr>
+                        <a:lnSpc>
+                          <a:spcPct val="115000"/>
+                        </a:lnSpc>
+                        <a:spcAft>
+                          <a:spcPts val="0"/>
+                        </a:spcAft>
+                      </a:pPr>
+                      <a:r>
+                        <a:rPr lang="en-US" sz="1200">
+                          <a:effectLst/>
+                        </a:rPr>
+                        <a:t>3</a:t>
+                      </a:r>
+                      <a:endParaRPr lang="en-ID" sz="1200">
+                        <a:effectLst/>
+                        <a:latin typeface="Times New Roman" panose="02020603050405020304" pitchFamily="18" charset="0"/>
+                        <a:ea typeface="Times New Roman" panose="02020603050405020304" pitchFamily="18" charset="0"/>
+                      </a:endParaRPr>
+                    </a:p>
+                  </a:txBody>
+                  <a:tcPr marL="68580" marR="68580" marT="0" marB="0"/>
+                </a:tc>
+                <a:tc>
+                  <a:txBody>
+                    <a:bodyPr/>
+                    <a:lstStyle/>
+                    <a:p>
+                      <a:pPr>
+                        <a:lnSpc>
+                          <a:spcPct val="115000"/>
+                        </a:lnSpc>
+                        <a:spcAft>
+                          <a:spcPts val="0"/>
+                        </a:spcAft>
+                      </a:pPr>
+                      <a:r>
+                        <a:rPr lang="en-US" sz="1200">
+                          <a:effectLst/>
+                        </a:rPr>
+                        <a:t>3374131212057300</a:t>
+                      </a:r>
+                      <a:endParaRPr lang="en-ID" sz="1200">
+                        <a:effectLst/>
+                        <a:latin typeface="Times New Roman" panose="02020603050405020304" pitchFamily="18" charset="0"/>
+                        <a:ea typeface="Times New Roman" panose="02020603050405020304" pitchFamily="18" charset="0"/>
+                      </a:endParaRPr>
+                    </a:p>
+                  </a:txBody>
+                  <a:tcPr marL="68580" marR="68580" marT="0" marB="0" anchor="b"/>
+                </a:tc>
+                <a:tc>
+                  <a:txBody>
+                    <a:bodyPr/>
+                    <a:lstStyle/>
+                    <a:p>
+                      <a:pPr>
+                        <a:lnSpc>
+                          <a:spcPct val="115000"/>
+                        </a:lnSpc>
+                        <a:spcAft>
+                          <a:spcPts val="0"/>
+                        </a:spcAft>
+                      </a:pPr>
+                      <a:r>
+                        <a:rPr lang="en-US" sz="1200">
+                          <a:effectLst/>
+                        </a:rPr>
+                        <a:t>REKNO</a:t>
+                      </a:r>
+                      <a:endParaRPr lang="en-ID" sz="1200">
+                        <a:effectLst/>
+                        <a:latin typeface="Times New Roman" panose="02020603050405020304" pitchFamily="18" charset="0"/>
+                        <a:ea typeface="Times New Roman" panose="02020603050405020304" pitchFamily="18" charset="0"/>
+                      </a:endParaRPr>
+                    </a:p>
+                  </a:txBody>
+                  <a:tcPr marL="68580" marR="68580" marT="0" marB="0" anchor="b"/>
+                </a:tc>
+                <a:tc>
+                  <a:txBody>
+                    <a:bodyPr/>
+                    <a:lstStyle/>
+                    <a:p>
+                      <a:pPr>
+                        <a:lnSpc>
+                          <a:spcPct val="115000"/>
+                        </a:lnSpc>
+                        <a:spcAft>
+                          <a:spcPts val="0"/>
+                        </a:spcAft>
+                      </a:pPr>
+                      <a:r>
+                        <a:rPr lang="en-US" sz="1200">
+                          <a:effectLst/>
+                        </a:rPr>
+                        <a:t>0,00034</a:t>
+                      </a:r>
+                      <a:endParaRPr lang="en-ID" sz="1200">
+                        <a:effectLst/>
+                        <a:latin typeface="Times New Roman" panose="02020603050405020304" pitchFamily="18" charset="0"/>
+                        <a:ea typeface="Times New Roman" panose="02020603050405020304" pitchFamily="18" charset="0"/>
+                      </a:endParaRPr>
+                    </a:p>
+                  </a:txBody>
+                  <a:tcPr marL="68580" marR="68580" marT="0" marB="0"/>
+                </a:tc>
+                <a:tc>
+                  <a:txBody>
+                    <a:bodyPr/>
+                    <a:lstStyle/>
+                    <a:p>
+                      <a:pPr>
+                        <a:lnSpc>
+                          <a:spcPct val="115000"/>
+                        </a:lnSpc>
+                        <a:spcAft>
+                          <a:spcPts val="0"/>
+                        </a:spcAft>
+                      </a:pPr>
+                      <a:r>
+                        <a:rPr lang="en-US" sz="1200">
+                          <a:effectLst/>
+                        </a:rPr>
+                        <a:t>0,00278</a:t>
+                      </a:r>
+                      <a:endParaRPr lang="en-ID" sz="1200">
+                        <a:effectLst/>
+                        <a:latin typeface="Times New Roman" panose="02020603050405020304" pitchFamily="18" charset="0"/>
+                        <a:ea typeface="Times New Roman" panose="02020603050405020304" pitchFamily="18" charset="0"/>
+                      </a:endParaRPr>
+                    </a:p>
+                  </a:txBody>
+                  <a:tcPr marL="68580" marR="68580" marT="0" marB="0"/>
+                </a:tc>
+                <a:tc>
+                  <a:txBody>
+                    <a:bodyPr/>
+                    <a:lstStyle/>
+                    <a:p>
+                      <a:pPr>
+                        <a:lnSpc>
+                          <a:spcPct val="115000"/>
+                        </a:lnSpc>
+                        <a:spcAft>
+                          <a:spcPts val="0"/>
+                        </a:spcAft>
+                      </a:pPr>
+                      <a:r>
+                        <a:rPr lang="en-US" sz="1200">
+                          <a:effectLst/>
+                        </a:rPr>
+                        <a:t>Tidak Dapat</a:t>
+                      </a:r>
+                      <a:endParaRPr lang="en-ID" sz="1200">
+                        <a:effectLst/>
+                        <a:latin typeface="Times New Roman" panose="02020603050405020304" pitchFamily="18" charset="0"/>
+                        <a:ea typeface="Times New Roman" panose="02020603050405020304" pitchFamily="18" charset="0"/>
+                      </a:endParaRPr>
+                    </a:p>
+                  </a:txBody>
+                  <a:tcPr marL="68580" marR="68580" marT="0" marB="0" anchor="b"/>
+                </a:tc>
+                <a:extLst>
+                  <a:ext uri="{0D108BD9-81ED-4DB2-BD59-A6C34878D82A}">
+                    <a16:rowId xmlns:a16="http://schemas.microsoft.com/office/drawing/2014/main" val="4223753237"/>
+                  </a:ext>
+                </a:extLst>
+              </a:tr>
+              <a:tr h="312510">
+                <a:tc>
+                  <a:txBody>
+                    <a:bodyPr/>
+                    <a:lstStyle/>
+                    <a:p>
+                      <a:pPr>
+                        <a:lnSpc>
+                          <a:spcPct val="115000"/>
+                        </a:lnSpc>
+                        <a:spcAft>
+                          <a:spcPts val="0"/>
+                        </a:spcAft>
+                      </a:pPr>
+                      <a:r>
+                        <a:rPr lang="en-US" sz="1200">
+                          <a:effectLst/>
+                        </a:rPr>
+                        <a:t>4</a:t>
+                      </a:r>
+                      <a:endParaRPr lang="en-ID" sz="1200">
+                        <a:effectLst/>
+                        <a:latin typeface="Times New Roman" panose="02020603050405020304" pitchFamily="18" charset="0"/>
+                        <a:ea typeface="Times New Roman" panose="02020603050405020304" pitchFamily="18" charset="0"/>
+                      </a:endParaRPr>
+                    </a:p>
+                  </a:txBody>
+                  <a:tcPr marL="68580" marR="68580" marT="0" marB="0"/>
+                </a:tc>
+                <a:tc>
+                  <a:txBody>
+                    <a:bodyPr/>
+                    <a:lstStyle/>
+                    <a:p>
+                      <a:pPr>
+                        <a:lnSpc>
+                          <a:spcPct val="115000"/>
+                        </a:lnSpc>
+                        <a:spcAft>
+                          <a:spcPts val="0"/>
+                        </a:spcAft>
+                      </a:pPr>
+                      <a:r>
+                        <a:rPr lang="en-US" sz="1200">
+                          <a:effectLst/>
+                        </a:rPr>
+                        <a:t>3374131412057300</a:t>
+                      </a:r>
+                      <a:endParaRPr lang="en-ID" sz="1200">
+                        <a:effectLst/>
+                        <a:latin typeface="Times New Roman" panose="02020603050405020304" pitchFamily="18" charset="0"/>
+                        <a:ea typeface="Times New Roman" panose="02020603050405020304" pitchFamily="18" charset="0"/>
+                      </a:endParaRPr>
+                    </a:p>
+                  </a:txBody>
+                  <a:tcPr marL="68580" marR="68580" marT="0" marB="0" anchor="b"/>
+                </a:tc>
+                <a:tc>
+                  <a:txBody>
+                    <a:bodyPr/>
+                    <a:lstStyle/>
+                    <a:p>
+                      <a:pPr>
+                        <a:lnSpc>
+                          <a:spcPct val="115000"/>
+                        </a:lnSpc>
+                        <a:spcAft>
+                          <a:spcPts val="0"/>
+                        </a:spcAft>
+                      </a:pPr>
+                      <a:r>
+                        <a:rPr lang="en-US" sz="1200">
+                          <a:effectLst/>
+                        </a:rPr>
+                        <a:t>BASIR</a:t>
+                      </a:r>
+                      <a:endParaRPr lang="en-ID" sz="1200">
+                        <a:effectLst/>
+                        <a:latin typeface="Times New Roman" panose="02020603050405020304" pitchFamily="18" charset="0"/>
+                        <a:ea typeface="Times New Roman" panose="02020603050405020304" pitchFamily="18" charset="0"/>
+                      </a:endParaRPr>
+                    </a:p>
+                  </a:txBody>
+                  <a:tcPr marL="68580" marR="68580" marT="0" marB="0" anchor="b"/>
+                </a:tc>
+                <a:tc>
+                  <a:txBody>
+                    <a:bodyPr/>
+                    <a:lstStyle/>
+                    <a:p>
+                      <a:pPr>
+                        <a:lnSpc>
+                          <a:spcPct val="115000"/>
+                        </a:lnSpc>
+                        <a:spcAft>
+                          <a:spcPts val="0"/>
+                        </a:spcAft>
+                      </a:pPr>
+                      <a:r>
+                        <a:rPr lang="en-US" sz="1200">
+                          <a:effectLst/>
+                        </a:rPr>
+                        <a:t>0,00000</a:t>
+                      </a:r>
+                      <a:endParaRPr lang="en-ID" sz="1200">
+                        <a:effectLst/>
+                        <a:latin typeface="Times New Roman" panose="02020603050405020304" pitchFamily="18" charset="0"/>
+                        <a:ea typeface="Times New Roman" panose="02020603050405020304" pitchFamily="18" charset="0"/>
+                      </a:endParaRPr>
+                    </a:p>
+                  </a:txBody>
+                  <a:tcPr marL="68580" marR="68580" marT="0" marB="0"/>
+                </a:tc>
+                <a:tc>
+                  <a:txBody>
+                    <a:bodyPr/>
+                    <a:lstStyle/>
+                    <a:p>
+                      <a:pPr>
+                        <a:lnSpc>
+                          <a:spcPct val="115000"/>
+                        </a:lnSpc>
+                        <a:spcAft>
+                          <a:spcPts val="0"/>
+                        </a:spcAft>
+                      </a:pPr>
+                      <a:r>
+                        <a:rPr lang="en-US" sz="1200">
+                          <a:effectLst/>
+                        </a:rPr>
+                        <a:t>0,00065</a:t>
+                      </a:r>
+                      <a:endParaRPr lang="en-ID" sz="1200">
+                        <a:effectLst/>
+                        <a:latin typeface="Times New Roman" panose="02020603050405020304" pitchFamily="18" charset="0"/>
+                        <a:ea typeface="Times New Roman" panose="02020603050405020304" pitchFamily="18" charset="0"/>
+                      </a:endParaRPr>
+                    </a:p>
+                  </a:txBody>
+                  <a:tcPr marL="68580" marR="68580" marT="0" marB="0"/>
+                </a:tc>
+                <a:tc>
+                  <a:txBody>
+                    <a:bodyPr/>
+                    <a:lstStyle/>
+                    <a:p>
+                      <a:pPr>
+                        <a:lnSpc>
+                          <a:spcPct val="115000"/>
+                        </a:lnSpc>
+                        <a:spcAft>
+                          <a:spcPts val="0"/>
+                        </a:spcAft>
+                      </a:pPr>
+                      <a:r>
+                        <a:rPr lang="en-US" sz="1200">
+                          <a:effectLst/>
+                        </a:rPr>
+                        <a:t>Tidak Dapat</a:t>
+                      </a:r>
+                      <a:endParaRPr lang="en-ID" sz="1200">
+                        <a:effectLst/>
+                        <a:latin typeface="Times New Roman" panose="02020603050405020304" pitchFamily="18" charset="0"/>
+                        <a:ea typeface="Times New Roman" panose="02020603050405020304" pitchFamily="18" charset="0"/>
+                      </a:endParaRPr>
+                    </a:p>
+                  </a:txBody>
+                  <a:tcPr marL="68580" marR="68580" marT="0" marB="0" anchor="b"/>
+                </a:tc>
+                <a:extLst>
+                  <a:ext uri="{0D108BD9-81ED-4DB2-BD59-A6C34878D82A}">
+                    <a16:rowId xmlns:a16="http://schemas.microsoft.com/office/drawing/2014/main" val="1864739353"/>
+                  </a:ext>
+                </a:extLst>
+              </a:tr>
+              <a:tr h="312510">
+                <a:tc>
+                  <a:txBody>
+                    <a:bodyPr/>
+                    <a:lstStyle/>
+                    <a:p>
+                      <a:pPr>
+                        <a:lnSpc>
+                          <a:spcPct val="115000"/>
+                        </a:lnSpc>
+                        <a:spcAft>
+                          <a:spcPts val="0"/>
+                        </a:spcAft>
+                      </a:pPr>
+                      <a:r>
+                        <a:rPr lang="en-US" sz="1200">
+                          <a:effectLst/>
+                        </a:rPr>
+                        <a:t>5</a:t>
+                      </a:r>
+                      <a:endParaRPr lang="en-ID" sz="1200">
+                        <a:effectLst/>
+                        <a:latin typeface="Times New Roman" panose="02020603050405020304" pitchFamily="18" charset="0"/>
+                        <a:ea typeface="Times New Roman" panose="02020603050405020304" pitchFamily="18" charset="0"/>
+                      </a:endParaRPr>
+                    </a:p>
+                  </a:txBody>
+                  <a:tcPr marL="68580" marR="68580" marT="0" marB="0"/>
+                </a:tc>
+                <a:tc>
+                  <a:txBody>
+                    <a:bodyPr/>
+                    <a:lstStyle/>
+                    <a:p>
+                      <a:pPr>
+                        <a:lnSpc>
+                          <a:spcPct val="115000"/>
+                        </a:lnSpc>
+                        <a:spcAft>
+                          <a:spcPts val="0"/>
+                        </a:spcAft>
+                      </a:pPr>
+                      <a:r>
+                        <a:rPr lang="en-US" sz="1200">
+                          <a:effectLst/>
+                        </a:rPr>
+                        <a:t>3374131512057890</a:t>
+                      </a:r>
+                      <a:endParaRPr lang="en-ID" sz="1200">
+                        <a:effectLst/>
+                        <a:latin typeface="Times New Roman" panose="02020603050405020304" pitchFamily="18" charset="0"/>
+                        <a:ea typeface="Times New Roman" panose="02020603050405020304" pitchFamily="18" charset="0"/>
+                      </a:endParaRPr>
+                    </a:p>
+                  </a:txBody>
+                  <a:tcPr marL="68580" marR="68580" marT="0" marB="0" anchor="b"/>
+                </a:tc>
+                <a:tc>
+                  <a:txBody>
+                    <a:bodyPr/>
+                    <a:lstStyle/>
+                    <a:p>
+                      <a:pPr>
+                        <a:lnSpc>
+                          <a:spcPct val="115000"/>
+                        </a:lnSpc>
+                        <a:spcAft>
+                          <a:spcPts val="0"/>
+                        </a:spcAft>
+                      </a:pPr>
+                      <a:r>
+                        <a:rPr lang="en-US" sz="1200">
+                          <a:effectLst/>
+                        </a:rPr>
+                        <a:t>RASMIDJAN</a:t>
+                      </a:r>
+                      <a:endParaRPr lang="en-ID" sz="1200">
+                        <a:effectLst/>
+                        <a:latin typeface="Times New Roman" panose="02020603050405020304" pitchFamily="18" charset="0"/>
+                        <a:ea typeface="Times New Roman" panose="02020603050405020304" pitchFamily="18" charset="0"/>
+                      </a:endParaRPr>
+                    </a:p>
+                  </a:txBody>
+                  <a:tcPr marL="68580" marR="68580" marT="0" marB="0" anchor="b"/>
+                </a:tc>
+                <a:tc>
+                  <a:txBody>
+                    <a:bodyPr/>
+                    <a:lstStyle/>
+                    <a:p>
+                      <a:pPr>
+                        <a:lnSpc>
+                          <a:spcPct val="115000"/>
+                        </a:lnSpc>
+                        <a:spcAft>
+                          <a:spcPts val="0"/>
+                        </a:spcAft>
+                      </a:pPr>
+                      <a:r>
+                        <a:rPr lang="en-US" sz="1200">
+                          <a:effectLst/>
+                        </a:rPr>
+                        <a:t>0,00000</a:t>
+                      </a:r>
+                      <a:endParaRPr lang="en-ID" sz="1200">
+                        <a:effectLst/>
+                        <a:latin typeface="Times New Roman" panose="02020603050405020304" pitchFamily="18" charset="0"/>
+                        <a:ea typeface="Times New Roman" panose="02020603050405020304" pitchFamily="18" charset="0"/>
+                      </a:endParaRPr>
+                    </a:p>
+                  </a:txBody>
+                  <a:tcPr marL="68580" marR="68580" marT="0" marB="0"/>
+                </a:tc>
+                <a:tc>
+                  <a:txBody>
+                    <a:bodyPr/>
+                    <a:lstStyle/>
+                    <a:p>
+                      <a:pPr>
+                        <a:lnSpc>
+                          <a:spcPct val="115000"/>
+                        </a:lnSpc>
+                        <a:spcAft>
+                          <a:spcPts val="0"/>
+                        </a:spcAft>
+                      </a:pPr>
+                      <a:r>
+                        <a:rPr lang="en-US" sz="1200">
+                          <a:effectLst/>
+                        </a:rPr>
+                        <a:t>0,00246</a:t>
+                      </a:r>
+                      <a:endParaRPr lang="en-ID" sz="1200">
+                        <a:effectLst/>
+                        <a:latin typeface="Times New Roman" panose="02020603050405020304" pitchFamily="18" charset="0"/>
+                        <a:ea typeface="Times New Roman" panose="02020603050405020304" pitchFamily="18" charset="0"/>
+                      </a:endParaRPr>
+                    </a:p>
+                  </a:txBody>
+                  <a:tcPr marL="68580" marR="68580" marT="0" marB="0"/>
+                </a:tc>
+                <a:tc>
+                  <a:txBody>
+                    <a:bodyPr/>
+                    <a:lstStyle/>
+                    <a:p>
+                      <a:pPr>
+                        <a:lnSpc>
+                          <a:spcPct val="115000"/>
+                        </a:lnSpc>
+                        <a:spcAft>
+                          <a:spcPts val="0"/>
+                        </a:spcAft>
+                      </a:pPr>
+                      <a:r>
+                        <a:rPr lang="en-US" sz="1200">
+                          <a:effectLst/>
+                        </a:rPr>
+                        <a:t>Tidak Dapat</a:t>
+                      </a:r>
+                      <a:endParaRPr lang="en-ID" sz="1200">
+                        <a:effectLst/>
+                        <a:latin typeface="Times New Roman" panose="02020603050405020304" pitchFamily="18" charset="0"/>
+                        <a:ea typeface="Times New Roman" panose="02020603050405020304" pitchFamily="18" charset="0"/>
+                      </a:endParaRPr>
+                    </a:p>
+                  </a:txBody>
+                  <a:tcPr marL="68580" marR="68580" marT="0" marB="0" anchor="b"/>
+                </a:tc>
+                <a:extLst>
+                  <a:ext uri="{0D108BD9-81ED-4DB2-BD59-A6C34878D82A}">
+                    <a16:rowId xmlns:a16="http://schemas.microsoft.com/office/drawing/2014/main" val="1425536250"/>
+                  </a:ext>
+                </a:extLst>
+              </a:tr>
+              <a:tr h="312510">
+                <a:tc>
+                  <a:txBody>
+                    <a:bodyPr/>
+                    <a:lstStyle/>
+                    <a:p>
+                      <a:pPr>
+                        <a:lnSpc>
+                          <a:spcPct val="115000"/>
+                        </a:lnSpc>
+                        <a:spcAft>
+                          <a:spcPts val="0"/>
+                        </a:spcAft>
+                      </a:pPr>
+                      <a:r>
+                        <a:rPr lang="en-US" sz="1200">
+                          <a:effectLst/>
+                        </a:rPr>
+                        <a:t>6</a:t>
+                      </a:r>
+                      <a:endParaRPr lang="en-ID" sz="1200">
+                        <a:effectLst/>
+                        <a:latin typeface="Times New Roman" panose="02020603050405020304" pitchFamily="18" charset="0"/>
+                        <a:ea typeface="Times New Roman" panose="02020603050405020304" pitchFamily="18" charset="0"/>
+                      </a:endParaRPr>
+                    </a:p>
+                  </a:txBody>
+                  <a:tcPr marL="68580" marR="68580" marT="0" marB="0"/>
+                </a:tc>
+                <a:tc>
+                  <a:txBody>
+                    <a:bodyPr/>
+                    <a:lstStyle/>
+                    <a:p>
+                      <a:pPr>
+                        <a:lnSpc>
+                          <a:spcPct val="115000"/>
+                        </a:lnSpc>
+                        <a:spcAft>
+                          <a:spcPts val="0"/>
+                        </a:spcAft>
+                      </a:pPr>
+                      <a:r>
+                        <a:rPr lang="en-US" sz="1200">
+                          <a:effectLst/>
+                        </a:rPr>
+                        <a:t>3374131412050750</a:t>
+                      </a:r>
+                      <a:endParaRPr lang="en-ID" sz="1200">
+                        <a:effectLst/>
+                        <a:latin typeface="Times New Roman" panose="02020603050405020304" pitchFamily="18" charset="0"/>
+                        <a:ea typeface="Times New Roman" panose="02020603050405020304" pitchFamily="18" charset="0"/>
+                      </a:endParaRPr>
+                    </a:p>
+                  </a:txBody>
+                  <a:tcPr marL="68580" marR="68580" marT="0" marB="0" anchor="b"/>
+                </a:tc>
+                <a:tc>
+                  <a:txBody>
+                    <a:bodyPr/>
+                    <a:lstStyle/>
+                    <a:p>
+                      <a:pPr>
+                        <a:lnSpc>
+                          <a:spcPct val="115000"/>
+                        </a:lnSpc>
+                        <a:spcAft>
+                          <a:spcPts val="0"/>
+                        </a:spcAft>
+                      </a:pPr>
+                      <a:r>
+                        <a:rPr lang="en-US" sz="1200">
+                          <a:effectLst/>
+                        </a:rPr>
+                        <a:t>SOEDADI</a:t>
+                      </a:r>
+                      <a:endParaRPr lang="en-ID" sz="1200">
+                        <a:effectLst/>
+                        <a:latin typeface="Times New Roman" panose="02020603050405020304" pitchFamily="18" charset="0"/>
+                        <a:ea typeface="Times New Roman" panose="02020603050405020304" pitchFamily="18" charset="0"/>
+                      </a:endParaRPr>
+                    </a:p>
+                  </a:txBody>
+                  <a:tcPr marL="68580" marR="68580" marT="0" marB="0" anchor="b"/>
+                </a:tc>
+                <a:tc>
+                  <a:txBody>
+                    <a:bodyPr/>
+                    <a:lstStyle/>
+                    <a:p>
+                      <a:pPr>
+                        <a:lnSpc>
+                          <a:spcPct val="115000"/>
+                        </a:lnSpc>
+                        <a:spcAft>
+                          <a:spcPts val="0"/>
+                        </a:spcAft>
+                      </a:pPr>
+                      <a:r>
+                        <a:rPr lang="en-US" sz="1200">
+                          <a:effectLst/>
+                        </a:rPr>
+                        <a:t>0,00000</a:t>
+                      </a:r>
+                      <a:endParaRPr lang="en-ID" sz="1200">
+                        <a:effectLst/>
+                        <a:latin typeface="Times New Roman" panose="02020603050405020304" pitchFamily="18" charset="0"/>
+                        <a:ea typeface="Times New Roman" panose="02020603050405020304" pitchFamily="18" charset="0"/>
+                      </a:endParaRPr>
+                    </a:p>
+                  </a:txBody>
+                  <a:tcPr marL="68580" marR="68580" marT="0" marB="0"/>
+                </a:tc>
+                <a:tc>
+                  <a:txBody>
+                    <a:bodyPr/>
+                    <a:lstStyle/>
+                    <a:p>
+                      <a:pPr>
+                        <a:lnSpc>
+                          <a:spcPct val="115000"/>
+                        </a:lnSpc>
+                        <a:spcAft>
+                          <a:spcPts val="0"/>
+                        </a:spcAft>
+                      </a:pPr>
+                      <a:r>
+                        <a:rPr lang="en-US" sz="1200">
+                          <a:effectLst/>
+                        </a:rPr>
+                        <a:t>0,00142</a:t>
+                      </a:r>
+                      <a:endParaRPr lang="en-ID" sz="1200">
+                        <a:effectLst/>
+                        <a:latin typeface="Times New Roman" panose="02020603050405020304" pitchFamily="18" charset="0"/>
+                        <a:ea typeface="Times New Roman" panose="02020603050405020304" pitchFamily="18" charset="0"/>
+                      </a:endParaRPr>
+                    </a:p>
+                  </a:txBody>
+                  <a:tcPr marL="68580" marR="68580" marT="0" marB="0"/>
+                </a:tc>
+                <a:tc>
+                  <a:txBody>
+                    <a:bodyPr/>
+                    <a:lstStyle/>
+                    <a:p>
+                      <a:pPr>
+                        <a:lnSpc>
+                          <a:spcPct val="115000"/>
+                        </a:lnSpc>
+                        <a:spcAft>
+                          <a:spcPts val="0"/>
+                        </a:spcAft>
+                      </a:pPr>
+                      <a:r>
+                        <a:rPr lang="en-US" sz="1200">
+                          <a:effectLst/>
+                        </a:rPr>
+                        <a:t>Tidak Dapat</a:t>
+                      </a:r>
+                      <a:endParaRPr lang="en-ID" sz="1200">
+                        <a:effectLst/>
+                        <a:latin typeface="Times New Roman" panose="02020603050405020304" pitchFamily="18" charset="0"/>
+                        <a:ea typeface="Times New Roman" panose="02020603050405020304" pitchFamily="18" charset="0"/>
+                      </a:endParaRPr>
+                    </a:p>
+                  </a:txBody>
+                  <a:tcPr marL="68580" marR="68580" marT="0" marB="0" anchor="b"/>
+                </a:tc>
+                <a:extLst>
+                  <a:ext uri="{0D108BD9-81ED-4DB2-BD59-A6C34878D82A}">
+                    <a16:rowId xmlns:a16="http://schemas.microsoft.com/office/drawing/2014/main" val="1648713271"/>
+                  </a:ext>
+                </a:extLst>
+              </a:tr>
+              <a:tr h="312510">
+                <a:tc>
+                  <a:txBody>
+                    <a:bodyPr/>
+                    <a:lstStyle/>
+                    <a:p>
+                      <a:pPr>
+                        <a:lnSpc>
+                          <a:spcPct val="115000"/>
+                        </a:lnSpc>
+                        <a:spcAft>
+                          <a:spcPts val="0"/>
+                        </a:spcAft>
+                      </a:pPr>
+                      <a:r>
+                        <a:rPr lang="en-US" sz="1200">
+                          <a:effectLst/>
+                        </a:rPr>
+                        <a:t>7</a:t>
+                      </a:r>
+                      <a:endParaRPr lang="en-ID" sz="1200">
+                        <a:effectLst/>
+                        <a:latin typeface="Times New Roman" panose="02020603050405020304" pitchFamily="18" charset="0"/>
+                        <a:ea typeface="Times New Roman" panose="02020603050405020304" pitchFamily="18" charset="0"/>
+                      </a:endParaRPr>
+                    </a:p>
+                  </a:txBody>
+                  <a:tcPr marL="68580" marR="68580" marT="0" marB="0"/>
+                </a:tc>
+                <a:tc>
+                  <a:txBody>
+                    <a:bodyPr/>
+                    <a:lstStyle/>
+                    <a:p>
+                      <a:pPr>
+                        <a:lnSpc>
+                          <a:spcPct val="115000"/>
+                        </a:lnSpc>
+                        <a:spcAft>
+                          <a:spcPts val="0"/>
+                        </a:spcAft>
+                      </a:pPr>
+                      <a:r>
+                        <a:rPr lang="en-US" sz="1200">
+                          <a:effectLst/>
+                        </a:rPr>
+                        <a:t>3374131612055320</a:t>
+                      </a:r>
+                      <a:endParaRPr lang="en-ID" sz="1200">
+                        <a:effectLst/>
+                        <a:latin typeface="Times New Roman" panose="02020603050405020304" pitchFamily="18" charset="0"/>
+                        <a:ea typeface="Times New Roman" panose="02020603050405020304" pitchFamily="18" charset="0"/>
+                      </a:endParaRPr>
+                    </a:p>
+                  </a:txBody>
+                  <a:tcPr marL="68580" marR="68580" marT="0" marB="0" anchor="b"/>
+                </a:tc>
+                <a:tc>
+                  <a:txBody>
+                    <a:bodyPr/>
+                    <a:lstStyle/>
+                    <a:p>
+                      <a:pPr>
+                        <a:lnSpc>
+                          <a:spcPct val="115000"/>
+                        </a:lnSpc>
+                        <a:spcAft>
+                          <a:spcPts val="0"/>
+                        </a:spcAft>
+                      </a:pPr>
+                      <a:r>
+                        <a:rPr lang="en-US" sz="1200">
+                          <a:effectLst/>
+                        </a:rPr>
+                        <a:t>AKHMAD USMAN</a:t>
+                      </a:r>
+                      <a:endParaRPr lang="en-ID" sz="1200">
+                        <a:effectLst/>
+                        <a:latin typeface="Times New Roman" panose="02020603050405020304" pitchFamily="18" charset="0"/>
+                        <a:ea typeface="Times New Roman" panose="02020603050405020304" pitchFamily="18" charset="0"/>
+                      </a:endParaRPr>
+                    </a:p>
+                  </a:txBody>
+                  <a:tcPr marL="68580" marR="68580" marT="0" marB="0" anchor="b"/>
+                </a:tc>
+                <a:tc>
+                  <a:txBody>
+                    <a:bodyPr/>
+                    <a:lstStyle/>
+                    <a:p>
+                      <a:pPr>
+                        <a:lnSpc>
+                          <a:spcPct val="115000"/>
+                        </a:lnSpc>
+                        <a:spcAft>
+                          <a:spcPts val="0"/>
+                        </a:spcAft>
+                      </a:pPr>
+                      <a:r>
+                        <a:rPr lang="en-US" sz="1200">
+                          <a:effectLst/>
+                        </a:rPr>
+                        <a:t>0,00843</a:t>
+                      </a:r>
+                      <a:endParaRPr lang="en-ID" sz="1200">
+                        <a:effectLst/>
+                        <a:latin typeface="Times New Roman" panose="02020603050405020304" pitchFamily="18" charset="0"/>
+                        <a:ea typeface="Times New Roman" panose="02020603050405020304" pitchFamily="18" charset="0"/>
+                      </a:endParaRPr>
+                    </a:p>
+                  </a:txBody>
+                  <a:tcPr marL="68580" marR="68580" marT="0" marB="0"/>
+                </a:tc>
+                <a:tc>
+                  <a:txBody>
+                    <a:bodyPr/>
+                    <a:lstStyle/>
+                    <a:p>
+                      <a:pPr>
+                        <a:lnSpc>
+                          <a:spcPct val="115000"/>
+                        </a:lnSpc>
+                        <a:spcAft>
+                          <a:spcPts val="0"/>
+                        </a:spcAft>
+                      </a:pPr>
+                      <a:r>
+                        <a:rPr lang="en-US" sz="1200">
+                          <a:effectLst/>
+                        </a:rPr>
+                        <a:t>0,00129</a:t>
+                      </a:r>
+                      <a:endParaRPr lang="en-ID" sz="1200">
+                        <a:effectLst/>
+                        <a:latin typeface="Times New Roman" panose="02020603050405020304" pitchFamily="18" charset="0"/>
+                        <a:ea typeface="Times New Roman" panose="02020603050405020304" pitchFamily="18" charset="0"/>
+                      </a:endParaRPr>
+                    </a:p>
+                  </a:txBody>
+                  <a:tcPr marL="68580" marR="68580" marT="0" marB="0"/>
+                </a:tc>
+                <a:tc>
+                  <a:txBody>
+                    <a:bodyPr/>
+                    <a:lstStyle/>
+                    <a:p>
+                      <a:pPr>
+                        <a:lnSpc>
+                          <a:spcPct val="115000"/>
+                        </a:lnSpc>
+                        <a:spcAft>
+                          <a:spcPts val="0"/>
+                        </a:spcAft>
+                      </a:pPr>
+                      <a:r>
+                        <a:rPr lang="en-US" sz="1200">
+                          <a:effectLst/>
+                        </a:rPr>
+                        <a:t>Dapat</a:t>
+                      </a:r>
+                      <a:endParaRPr lang="en-ID" sz="1200">
+                        <a:effectLst/>
+                        <a:latin typeface="Times New Roman" panose="02020603050405020304" pitchFamily="18" charset="0"/>
+                        <a:ea typeface="Times New Roman" panose="02020603050405020304" pitchFamily="18" charset="0"/>
+                      </a:endParaRPr>
+                    </a:p>
+                  </a:txBody>
+                  <a:tcPr marL="68580" marR="68580" marT="0" marB="0" anchor="b"/>
+                </a:tc>
+                <a:extLst>
+                  <a:ext uri="{0D108BD9-81ED-4DB2-BD59-A6C34878D82A}">
+                    <a16:rowId xmlns:a16="http://schemas.microsoft.com/office/drawing/2014/main" val="755359696"/>
+                  </a:ext>
+                </a:extLst>
+              </a:tr>
+              <a:tr h="312510">
+                <a:tc>
+                  <a:txBody>
+                    <a:bodyPr/>
+                    <a:lstStyle/>
+                    <a:p>
+                      <a:pPr>
+                        <a:lnSpc>
+                          <a:spcPct val="115000"/>
+                        </a:lnSpc>
+                        <a:spcAft>
+                          <a:spcPts val="0"/>
+                        </a:spcAft>
+                      </a:pPr>
+                      <a:r>
+                        <a:rPr lang="en-US" sz="1200">
+                          <a:effectLst/>
+                        </a:rPr>
+                        <a:t>8</a:t>
+                      </a:r>
+                      <a:endParaRPr lang="en-ID" sz="1200">
+                        <a:effectLst/>
+                        <a:latin typeface="Times New Roman" panose="02020603050405020304" pitchFamily="18" charset="0"/>
+                        <a:ea typeface="Times New Roman" panose="02020603050405020304" pitchFamily="18" charset="0"/>
+                      </a:endParaRPr>
+                    </a:p>
+                  </a:txBody>
+                  <a:tcPr marL="68580" marR="68580" marT="0" marB="0"/>
+                </a:tc>
+                <a:tc>
+                  <a:txBody>
+                    <a:bodyPr/>
+                    <a:lstStyle/>
+                    <a:p>
+                      <a:pPr>
+                        <a:lnSpc>
+                          <a:spcPct val="115000"/>
+                        </a:lnSpc>
+                        <a:spcAft>
+                          <a:spcPts val="0"/>
+                        </a:spcAft>
+                      </a:pPr>
+                      <a:r>
+                        <a:rPr lang="en-US" sz="1200">
+                          <a:effectLst/>
+                        </a:rPr>
+                        <a:t>3374022109645360</a:t>
+                      </a:r>
+                      <a:endParaRPr lang="en-ID" sz="1200">
+                        <a:effectLst/>
+                        <a:latin typeface="Times New Roman" panose="02020603050405020304" pitchFamily="18" charset="0"/>
+                        <a:ea typeface="Times New Roman" panose="02020603050405020304" pitchFamily="18" charset="0"/>
+                      </a:endParaRPr>
+                    </a:p>
+                  </a:txBody>
+                  <a:tcPr marL="68580" marR="68580" marT="0" marB="0" anchor="b"/>
+                </a:tc>
+                <a:tc>
+                  <a:txBody>
+                    <a:bodyPr/>
+                    <a:lstStyle/>
+                    <a:p>
+                      <a:pPr>
+                        <a:lnSpc>
+                          <a:spcPct val="115000"/>
+                        </a:lnSpc>
+                        <a:spcAft>
+                          <a:spcPts val="0"/>
+                        </a:spcAft>
+                      </a:pPr>
+                      <a:r>
+                        <a:rPr lang="en-US" sz="1200">
+                          <a:effectLst/>
+                        </a:rPr>
+                        <a:t>ACHMAD BARATA</a:t>
+                      </a:r>
+                      <a:endParaRPr lang="en-ID" sz="1200">
+                        <a:effectLst/>
+                        <a:latin typeface="Times New Roman" panose="02020603050405020304" pitchFamily="18" charset="0"/>
+                        <a:ea typeface="Times New Roman" panose="02020603050405020304" pitchFamily="18" charset="0"/>
+                      </a:endParaRPr>
+                    </a:p>
+                  </a:txBody>
+                  <a:tcPr marL="68580" marR="68580" marT="0" marB="0" anchor="b"/>
+                </a:tc>
+                <a:tc>
+                  <a:txBody>
+                    <a:bodyPr/>
+                    <a:lstStyle/>
+                    <a:p>
+                      <a:pPr>
+                        <a:lnSpc>
+                          <a:spcPct val="115000"/>
+                        </a:lnSpc>
+                        <a:spcAft>
+                          <a:spcPts val="0"/>
+                        </a:spcAft>
+                      </a:pPr>
+                      <a:r>
+                        <a:rPr lang="en-US" sz="1200">
+                          <a:effectLst/>
+                        </a:rPr>
+                        <a:t>0,00000</a:t>
+                      </a:r>
+                      <a:endParaRPr lang="en-ID" sz="1200">
+                        <a:effectLst/>
+                        <a:latin typeface="Times New Roman" panose="02020603050405020304" pitchFamily="18" charset="0"/>
+                        <a:ea typeface="Times New Roman" panose="02020603050405020304" pitchFamily="18" charset="0"/>
+                      </a:endParaRPr>
+                    </a:p>
+                  </a:txBody>
+                  <a:tcPr marL="68580" marR="68580" marT="0" marB="0"/>
+                </a:tc>
+                <a:tc>
+                  <a:txBody>
+                    <a:bodyPr/>
+                    <a:lstStyle/>
+                    <a:p>
+                      <a:pPr>
+                        <a:lnSpc>
+                          <a:spcPct val="115000"/>
+                        </a:lnSpc>
+                        <a:spcAft>
+                          <a:spcPts val="0"/>
+                        </a:spcAft>
+                      </a:pPr>
+                      <a:r>
+                        <a:rPr lang="en-US" sz="1200">
+                          <a:effectLst/>
+                        </a:rPr>
+                        <a:t>0,00028</a:t>
+                      </a:r>
+                      <a:endParaRPr lang="en-ID" sz="1200">
+                        <a:effectLst/>
+                        <a:latin typeface="Times New Roman" panose="02020603050405020304" pitchFamily="18" charset="0"/>
+                        <a:ea typeface="Times New Roman" panose="02020603050405020304" pitchFamily="18" charset="0"/>
+                      </a:endParaRPr>
+                    </a:p>
+                  </a:txBody>
+                  <a:tcPr marL="68580" marR="68580" marT="0" marB="0"/>
+                </a:tc>
+                <a:tc>
+                  <a:txBody>
+                    <a:bodyPr/>
+                    <a:lstStyle/>
+                    <a:p>
+                      <a:pPr>
+                        <a:lnSpc>
+                          <a:spcPct val="115000"/>
+                        </a:lnSpc>
+                        <a:spcAft>
+                          <a:spcPts val="0"/>
+                        </a:spcAft>
+                      </a:pPr>
+                      <a:r>
+                        <a:rPr lang="en-US" sz="1200">
+                          <a:effectLst/>
+                        </a:rPr>
+                        <a:t>Tidak Dapat</a:t>
+                      </a:r>
+                      <a:endParaRPr lang="en-ID" sz="1200">
+                        <a:effectLst/>
+                        <a:latin typeface="Times New Roman" panose="02020603050405020304" pitchFamily="18" charset="0"/>
+                        <a:ea typeface="Times New Roman" panose="02020603050405020304" pitchFamily="18" charset="0"/>
+                      </a:endParaRPr>
+                    </a:p>
+                  </a:txBody>
+                  <a:tcPr marL="68580" marR="68580" marT="0" marB="0" anchor="b"/>
+                </a:tc>
+                <a:extLst>
+                  <a:ext uri="{0D108BD9-81ED-4DB2-BD59-A6C34878D82A}">
+                    <a16:rowId xmlns:a16="http://schemas.microsoft.com/office/drawing/2014/main" val="2041988472"/>
+                  </a:ext>
+                </a:extLst>
+              </a:tr>
+              <a:tr h="312510">
+                <a:tc>
+                  <a:txBody>
+                    <a:bodyPr/>
+                    <a:lstStyle/>
+                    <a:p>
+                      <a:pPr>
+                        <a:lnSpc>
+                          <a:spcPct val="115000"/>
+                        </a:lnSpc>
+                        <a:spcAft>
+                          <a:spcPts val="0"/>
+                        </a:spcAft>
+                      </a:pPr>
+                      <a:r>
+                        <a:rPr lang="en-US" sz="1200">
+                          <a:effectLst/>
+                        </a:rPr>
+                        <a:t>9</a:t>
+                      </a:r>
+                      <a:endParaRPr lang="en-ID" sz="1200">
+                        <a:effectLst/>
+                        <a:latin typeface="Times New Roman" panose="02020603050405020304" pitchFamily="18" charset="0"/>
+                        <a:ea typeface="Times New Roman" panose="02020603050405020304" pitchFamily="18" charset="0"/>
+                      </a:endParaRPr>
+                    </a:p>
+                  </a:txBody>
+                  <a:tcPr marL="68580" marR="68580" marT="0" marB="0"/>
+                </a:tc>
+                <a:tc>
+                  <a:txBody>
+                    <a:bodyPr/>
+                    <a:lstStyle/>
+                    <a:p>
+                      <a:pPr>
+                        <a:lnSpc>
+                          <a:spcPct val="115000"/>
+                        </a:lnSpc>
+                        <a:spcAft>
+                          <a:spcPts val="0"/>
+                        </a:spcAft>
+                      </a:pPr>
+                      <a:r>
+                        <a:rPr lang="en-US" sz="1200">
+                          <a:effectLst/>
+                        </a:rPr>
+                        <a:t>3374131412052490</a:t>
+                      </a:r>
+                      <a:endParaRPr lang="en-ID" sz="1200">
+                        <a:effectLst/>
+                        <a:latin typeface="Times New Roman" panose="02020603050405020304" pitchFamily="18" charset="0"/>
+                        <a:ea typeface="Times New Roman" panose="02020603050405020304" pitchFamily="18" charset="0"/>
+                      </a:endParaRPr>
+                    </a:p>
+                  </a:txBody>
+                  <a:tcPr marL="68580" marR="68580" marT="0" marB="0" anchor="b"/>
+                </a:tc>
+                <a:tc>
+                  <a:txBody>
+                    <a:bodyPr/>
+                    <a:lstStyle/>
+                    <a:p>
+                      <a:pPr>
+                        <a:lnSpc>
+                          <a:spcPct val="115000"/>
+                        </a:lnSpc>
+                        <a:spcAft>
+                          <a:spcPts val="0"/>
+                        </a:spcAft>
+                      </a:pPr>
+                      <a:r>
+                        <a:rPr lang="en-US" sz="1200">
+                          <a:effectLst/>
+                        </a:rPr>
+                        <a:t>DELTA VIRGONITA</a:t>
+                      </a:r>
+                      <a:endParaRPr lang="en-ID" sz="1200">
+                        <a:effectLst/>
+                        <a:latin typeface="Times New Roman" panose="02020603050405020304" pitchFamily="18" charset="0"/>
+                        <a:ea typeface="Times New Roman" panose="02020603050405020304" pitchFamily="18" charset="0"/>
+                      </a:endParaRPr>
+                    </a:p>
+                  </a:txBody>
+                  <a:tcPr marL="68580" marR="68580" marT="0" marB="0" anchor="b"/>
+                </a:tc>
+                <a:tc>
+                  <a:txBody>
+                    <a:bodyPr/>
+                    <a:lstStyle/>
+                    <a:p>
+                      <a:pPr>
+                        <a:lnSpc>
+                          <a:spcPct val="115000"/>
+                        </a:lnSpc>
+                        <a:spcAft>
+                          <a:spcPts val="0"/>
+                        </a:spcAft>
+                      </a:pPr>
+                      <a:r>
+                        <a:rPr lang="en-US" sz="1200">
+                          <a:effectLst/>
+                        </a:rPr>
+                        <a:t>0,00000</a:t>
+                      </a:r>
+                      <a:endParaRPr lang="en-ID" sz="1200">
+                        <a:effectLst/>
+                        <a:latin typeface="Times New Roman" panose="02020603050405020304" pitchFamily="18" charset="0"/>
+                        <a:ea typeface="Times New Roman" panose="02020603050405020304" pitchFamily="18" charset="0"/>
+                      </a:endParaRPr>
+                    </a:p>
+                  </a:txBody>
+                  <a:tcPr marL="68580" marR="68580" marT="0" marB="0"/>
+                </a:tc>
+                <a:tc>
+                  <a:txBody>
+                    <a:bodyPr/>
+                    <a:lstStyle/>
+                    <a:p>
+                      <a:pPr>
+                        <a:lnSpc>
+                          <a:spcPct val="115000"/>
+                        </a:lnSpc>
+                        <a:spcAft>
+                          <a:spcPts val="0"/>
+                        </a:spcAft>
+                      </a:pPr>
+                      <a:r>
+                        <a:rPr lang="en-US" sz="1200">
+                          <a:effectLst/>
+                        </a:rPr>
+                        <a:t>0.00317</a:t>
+                      </a:r>
+                      <a:endParaRPr lang="en-ID" sz="1200">
+                        <a:effectLst/>
+                        <a:latin typeface="Times New Roman" panose="02020603050405020304" pitchFamily="18" charset="0"/>
+                        <a:ea typeface="Times New Roman" panose="02020603050405020304" pitchFamily="18" charset="0"/>
+                      </a:endParaRPr>
+                    </a:p>
+                  </a:txBody>
+                  <a:tcPr marL="68580" marR="68580" marT="0" marB="0"/>
+                </a:tc>
+                <a:tc>
+                  <a:txBody>
+                    <a:bodyPr/>
+                    <a:lstStyle/>
+                    <a:p>
+                      <a:pPr>
+                        <a:lnSpc>
+                          <a:spcPct val="115000"/>
+                        </a:lnSpc>
+                        <a:spcAft>
+                          <a:spcPts val="0"/>
+                        </a:spcAft>
+                      </a:pPr>
+                      <a:r>
+                        <a:rPr lang="en-US" sz="1200">
+                          <a:effectLst/>
+                        </a:rPr>
+                        <a:t>Tidak Dapat</a:t>
+                      </a:r>
+                      <a:endParaRPr lang="en-ID" sz="1200">
+                        <a:effectLst/>
+                        <a:latin typeface="Times New Roman" panose="02020603050405020304" pitchFamily="18" charset="0"/>
+                        <a:ea typeface="Times New Roman" panose="02020603050405020304" pitchFamily="18" charset="0"/>
+                      </a:endParaRPr>
+                    </a:p>
+                  </a:txBody>
+                  <a:tcPr marL="68580" marR="68580" marT="0" marB="0" anchor="b"/>
+                </a:tc>
+                <a:extLst>
+                  <a:ext uri="{0D108BD9-81ED-4DB2-BD59-A6C34878D82A}">
+                    <a16:rowId xmlns:a16="http://schemas.microsoft.com/office/drawing/2014/main" val="933034882"/>
+                  </a:ext>
+                </a:extLst>
+              </a:tr>
+              <a:tr h="312510">
+                <a:tc>
+                  <a:txBody>
+                    <a:bodyPr/>
+                    <a:lstStyle/>
+                    <a:p>
+                      <a:pPr>
+                        <a:lnSpc>
+                          <a:spcPct val="115000"/>
+                        </a:lnSpc>
+                        <a:spcAft>
+                          <a:spcPts val="0"/>
+                        </a:spcAft>
+                      </a:pPr>
+                      <a:r>
+                        <a:rPr lang="en-US" sz="1200">
+                          <a:effectLst/>
+                        </a:rPr>
+                        <a:t>10</a:t>
+                      </a:r>
+                      <a:endParaRPr lang="en-ID" sz="1200">
+                        <a:effectLst/>
+                        <a:latin typeface="Times New Roman" panose="02020603050405020304" pitchFamily="18" charset="0"/>
+                        <a:ea typeface="Times New Roman" panose="02020603050405020304" pitchFamily="18" charset="0"/>
+                      </a:endParaRPr>
+                    </a:p>
+                  </a:txBody>
+                  <a:tcPr marL="68580" marR="68580" marT="0" marB="0"/>
+                </a:tc>
+                <a:tc>
+                  <a:txBody>
+                    <a:bodyPr/>
+                    <a:lstStyle/>
+                    <a:p>
+                      <a:pPr>
+                        <a:lnSpc>
+                          <a:spcPct val="115000"/>
+                        </a:lnSpc>
+                        <a:spcAft>
+                          <a:spcPts val="0"/>
+                        </a:spcAft>
+                      </a:pPr>
+                      <a:r>
+                        <a:rPr lang="en-US" sz="1200">
+                          <a:effectLst/>
+                        </a:rPr>
+                        <a:t>3374131512050550</a:t>
+                      </a:r>
+                      <a:endParaRPr lang="en-ID" sz="1200">
+                        <a:effectLst/>
+                        <a:latin typeface="Times New Roman" panose="02020603050405020304" pitchFamily="18" charset="0"/>
+                        <a:ea typeface="Times New Roman" panose="02020603050405020304" pitchFamily="18" charset="0"/>
+                      </a:endParaRPr>
+                    </a:p>
+                  </a:txBody>
+                  <a:tcPr marL="68580" marR="68580" marT="0" marB="0" anchor="b"/>
+                </a:tc>
+                <a:tc>
+                  <a:txBody>
+                    <a:bodyPr/>
+                    <a:lstStyle/>
+                    <a:p>
+                      <a:pPr>
+                        <a:lnSpc>
+                          <a:spcPct val="115000"/>
+                        </a:lnSpc>
+                        <a:spcAft>
+                          <a:spcPts val="0"/>
+                        </a:spcAft>
+                      </a:pPr>
+                      <a:r>
+                        <a:rPr lang="en-US" sz="1200">
+                          <a:effectLst/>
+                        </a:rPr>
+                        <a:t>WASTODI</a:t>
+                      </a:r>
+                      <a:endParaRPr lang="en-ID" sz="1200">
+                        <a:effectLst/>
+                        <a:latin typeface="Times New Roman" panose="02020603050405020304" pitchFamily="18" charset="0"/>
+                        <a:ea typeface="Times New Roman" panose="02020603050405020304" pitchFamily="18" charset="0"/>
+                      </a:endParaRPr>
+                    </a:p>
+                  </a:txBody>
+                  <a:tcPr marL="68580" marR="68580" marT="0" marB="0" anchor="b"/>
+                </a:tc>
+                <a:tc>
+                  <a:txBody>
+                    <a:bodyPr/>
+                    <a:lstStyle/>
+                    <a:p>
+                      <a:pPr>
+                        <a:lnSpc>
+                          <a:spcPct val="115000"/>
+                        </a:lnSpc>
+                        <a:spcAft>
+                          <a:spcPts val="0"/>
+                        </a:spcAft>
+                      </a:pPr>
+                      <a:r>
+                        <a:rPr lang="en-US" sz="1200">
+                          <a:effectLst/>
+                        </a:rPr>
+                        <a:t>0,00607</a:t>
+                      </a:r>
+                      <a:endParaRPr lang="en-ID" sz="1200">
+                        <a:effectLst/>
+                        <a:latin typeface="Times New Roman" panose="02020603050405020304" pitchFamily="18" charset="0"/>
+                        <a:ea typeface="Times New Roman" panose="02020603050405020304" pitchFamily="18" charset="0"/>
+                      </a:endParaRPr>
+                    </a:p>
+                  </a:txBody>
+                  <a:tcPr marL="68580" marR="68580" marT="0" marB="0"/>
+                </a:tc>
+                <a:tc>
+                  <a:txBody>
+                    <a:bodyPr/>
+                    <a:lstStyle/>
+                    <a:p>
+                      <a:pPr>
+                        <a:lnSpc>
+                          <a:spcPct val="115000"/>
+                        </a:lnSpc>
+                        <a:spcAft>
+                          <a:spcPts val="0"/>
+                        </a:spcAft>
+                      </a:pPr>
+                      <a:r>
+                        <a:rPr lang="en-US" sz="1200">
+                          <a:effectLst/>
+                        </a:rPr>
+                        <a:t>0,00002</a:t>
+                      </a:r>
+                      <a:endParaRPr lang="en-ID" sz="1200">
+                        <a:effectLst/>
+                        <a:latin typeface="Times New Roman" panose="02020603050405020304" pitchFamily="18" charset="0"/>
+                        <a:ea typeface="Times New Roman" panose="02020603050405020304" pitchFamily="18" charset="0"/>
+                      </a:endParaRPr>
+                    </a:p>
+                  </a:txBody>
+                  <a:tcPr marL="68580" marR="68580" marT="0" marB="0"/>
+                </a:tc>
+                <a:tc>
+                  <a:txBody>
+                    <a:bodyPr/>
+                    <a:lstStyle/>
+                    <a:p>
+                      <a:pPr>
+                        <a:lnSpc>
+                          <a:spcPct val="115000"/>
+                        </a:lnSpc>
+                        <a:spcAft>
+                          <a:spcPts val="0"/>
+                        </a:spcAft>
+                      </a:pPr>
+                      <a:r>
+                        <a:rPr lang="en-US" sz="1200" dirty="0" err="1">
+                          <a:effectLst/>
+                        </a:rPr>
+                        <a:t>Dapat</a:t>
+                      </a:r>
+                      <a:endParaRPr lang="en-ID" sz="1200" dirty="0">
+                        <a:effectLst/>
+                        <a:latin typeface="Times New Roman" panose="02020603050405020304" pitchFamily="18" charset="0"/>
+                        <a:ea typeface="Times New Roman" panose="02020603050405020304" pitchFamily="18" charset="0"/>
+                      </a:endParaRPr>
+                    </a:p>
+                  </a:txBody>
+                  <a:tcPr marL="68580" marR="68580" marT="0" marB="0" anchor="b"/>
+                </a:tc>
+                <a:extLst>
+                  <a:ext uri="{0D108BD9-81ED-4DB2-BD59-A6C34878D82A}">
+                    <a16:rowId xmlns:a16="http://schemas.microsoft.com/office/drawing/2014/main" val="1335286361"/>
+                  </a:ext>
+                </a:extLst>
+              </a:tr>
+            </a:tbl>
+          </a:graphicData>
+        </a:graphic>
+      </p:graphicFrame>
+    </p:spTree>
+    <p:extLst>
+      <p:ext uri="{BB962C8B-B14F-4D97-AF65-F5344CB8AC3E}">
+        <p14:creationId xmlns:p14="http://schemas.microsoft.com/office/powerpoint/2010/main" val="143428"/>
+      </p:ext>
+    </p:extLst>
+  </p:cSld>
+  <p:clrMapOvr>
+    <a:masterClrMapping/>
+  </p:clrMapOvr>
+  <mc:AlternateContent xmlns:mc="http://schemas.openxmlformats.org/markup-compatibility/2006" xmlns:p14="http://schemas.microsoft.com/office/powerpoint/2010/main">
+    <mc:Choice Requires="p14">
+      <p:transition spd="slow" p14:dur="800">
+        <p:circle/>
+      </p:transition>
+    </mc:Choice>
+    <mc:Fallback xmlns="">
+      <p:transition spd="slow">
+        <p:circle/>
+      </p:transition>
+    </mc:Fallback>
+  </mc:AlternateContent>
+</p:sld>
+</file>
+
+<file path=ppt/slides/slide27.xml><?xml version="1.0" encoding="utf-8"?>
+<p:sld xmlns:a="http://schemas.openxmlformats.org/drawingml/2006/main" xmlns:r="http://schemas.openxmlformats.org/officeDocument/2006/relationships" xmlns:p="http://schemas.openxmlformats.org/presentationml/2006/main">
+  <p:cSld>
+    <p:bg>
+      <p:bgPr>
+        <a:blipFill dpi="0" rotWithShape="1">
+          <a:blip r:embed="rId2">
+            <a:lum/>
+          </a:blip>
+          <a:srcRect/>
+          <a:stretch>
+            <a:fillRect/>
+          </a:stretch>
+        </a:blipFill>
+        <a:effectLst/>
+      </p:bgPr>
+    </p:bg>
+    <p:spTree>
+      <p:nvGrpSpPr>
+        <p:cNvPr id="1" name=""/>
+        <p:cNvGrpSpPr/>
+        <p:nvPr/>
+      </p:nvGrpSpPr>
+      <p:grpSpPr>
+        <a:xfrm>
+          <a:off x="0" y="0"/>
+          <a:ext cx="0" cy="0"/>
+          <a:chOff x="0" y="0"/>
+          <a:chExt cx="0" cy="0"/>
+        </a:xfrm>
+      </p:grpSpPr>
+      <p:sp>
+        <p:nvSpPr>
+          <p:cNvPr id="2" name="Title 1">
+            <a:extLst>
+              <a:ext uri="{FF2B5EF4-FFF2-40B4-BE49-F238E27FC236}">
+                <a16:creationId xmlns:a16="http://schemas.microsoft.com/office/drawing/2014/main" id="{A304A63C-2AB2-43E2-81C7-98E9A901DFBA}"/>
+              </a:ext>
+            </a:extLst>
+          </p:cNvPr>
+          <p:cNvSpPr>
+            <a:spLocks noGrp="1"/>
+          </p:cNvSpPr>
+          <p:nvPr>
+            <p:ph type="title"/>
+          </p:nvPr>
+        </p:nvSpPr>
+        <p:spPr>
+          <a:xfrm>
+            <a:off x="426368" y="188640"/>
+            <a:ext cx="8291264" cy="1143000"/>
+          </a:xfrm>
+        </p:spPr>
+        <p:txBody>
+          <a:bodyPr/>
+          <a:lstStyle/>
+          <a:p>
+            <a:pPr algn="ctr"/>
+            <a:r>
+              <a:rPr lang="en-US" dirty="0" err="1"/>
+              <a:t>Perhitungan</a:t>
+            </a:r>
+            <a:r>
+              <a:rPr lang="en-US" dirty="0"/>
+              <a:t> </a:t>
+            </a:r>
+            <a:r>
+              <a:rPr lang="en-US" dirty="0" err="1"/>
+              <a:t>akurasi</a:t>
+            </a:r>
+            <a:r>
+              <a:rPr lang="en-US" dirty="0"/>
+              <a:t> </a:t>
+            </a:r>
+            <a:r>
+              <a:rPr lang="en-US" dirty="0" err="1"/>
+              <a:t>perbandingan</a:t>
+            </a:r>
+            <a:r>
+              <a:rPr lang="en-US" dirty="0"/>
+              <a:t> </a:t>
+            </a:r>
+            <a:r>
+              <a:rPr lang="en-US" dirty="0" err="1"/>
+              <a:t>sistem</a:t>
+            </a:r>
+            <a:r>
+              <a:rPr lang="en-US" dirty="0"/>
+              <a:t> dan manual</a:t>
+            </a:r>
+          </a:p>
+        </p:txBody>
+      </p:sp>
+      <p:sp>
+        <p:nvSpPr>
+          <p:cNvPr id="3" name="Content Placeholder 2">
+            <a:extLst>
+              <a:ext uri="{FF2B5EF4-FFF2-40B4-BE49-F238E27FC236}">
+                <a16:creationId xmlns:a16="http://schemas.microsoft.com/office/drawing/2014/main" id="{4E1730CF-3E1D-4937-A06C-C4802EC6ED4A}"/>
+              </a:ext>
+            </a:extLst>
+          </p:cNvPr>
+          <p:cNvSpPr>
+            <a:spLocks noGrp="1"/>
+          </p:cNvSpPr>
+          <p:nvPr>
+            <p:ph sz="quarter" idx="1"/>
+          </p:nvPr>
+        </p:nvSpPr>
+        <p:spPr>
+          <a:xfrm>
+            <a:off x="838200" y="1456184"/>
+            <a:ext cx="7467600" cy="892696"/>
+          </a:xfrm>
+        </p:spPr>
+        <p:txBody>
+          <a:bodyPr>
+            <a:normAutofit/>
+          </a:bodyPr>
+          <a:lstStyle/>
+          <a:p>
+            <a:r>
+              <a:rPr lang="en-US" dirty="0"/>
+              <a:t>Hasil </a:t>
+            </a:r>
+            <a:r>
+              <a:rPr lang="en-US" dirty="0" err="1"/>
+              <a:t>perhitungan</a:t>
+            </a:r>
+            <a:r>
+              <a:rPr lang="en-US" dirty="0"/>
+              <a:t> </a:t>
+            </a:r>
+            <a:r>
+              <a:rPr lang="en-US" dirty="0" err="1"/>
+              <a:t>menggunakan</a:t>
+            </a:r>
+            <a:r>
+              <a:rPr lang="en-US" dirty="0"/>
+              <a:t> </a:t>
+            </a:r>
+            <a:r>
+              <a:rPr lang="en-US" dirty="0" err="1"/>
+              <a:t>sistem</a:t>
+            </a:r>
+            <a:endParaRPr lang="en-US" dirty="0"/>
+          </a:p>
+          <a:p>
+            <a:endParaRPr lang="en-US" dirty="0"/>
+          </a:p>
+        </p:txBody>
+      </p:sp>
+      <p:sp>
+        <p:nvSpPr>
+          <p:cNvPr id="4" name="Content Placeholder 2">
+            <a:extLst>
+              <a:ext uri="{FF2B5EF4-FFF2-40B4-BE49-F238E27FC236}">
+                <a16:creationId xmlns:a16="http://schemas.microsoft.com/office/drawing/2014/main" id="{7E298379-547F-4489-B9BC-E8A302A4FEB5}"/>
+              </a:ext>
+            </a:extLst>
+          </p:cNvPr>
+          <p:cNvSpPr txBox="1">
+            <a:spLocks/>
+          </p:cNvSpPr>
+          <p:nvPr/>
+        </p:nvSpPr>
+        <p:spPr>
+          <a:xfrm>
+            <a:off x="838200" y="2824336"/>
+            <a:ext cx="7467600" cy="892696"/>
+          </a:xfrm>
+          <a:prstGeom prst="rect">
+            <a:avLst/>
+          </a:prstGeom>
+        </p:spPr>
+        <p:txBody>
+          <a:bodyPr vert="horz">
+            <a:normAutofit/>
+          </a:bodyPr>
+          <a:lstStyle>
+            <a:lvl1pPr marL="274320" indent="-274320" algn="l" rtl="0" eaLnBrk="1" latinLnBrk="0" hangingPunct="1">
+              <a:spcBef>
+                <a:spcPts val="600"/>
+              </a:spcBef>
+              <a:buClr>
+                <a:schemeClr val="accent1"/>
+              </a:buClr>
+              <a:buSzPct val="70000"/>
+              <a:buFont typeface="Wingdings"/>
+              <a:buChar char=""/>
+              <a:defRPr kumimoji="0" sz="2400" kern="1200">
+                <a:solidFill>
+                  <a:schemeClr val="tx1"/>
+                </a:solidFill>
+                <a:latin typeface="+mn-lt"/>
+                <a:ea typeface="+mn-ea"/>
+                <a:cs typeface="+mn-cs"/>
+              </a:defRPr>
+            </a:lvl1pPr>
+            <a:lvl2pPr marL="640080" indent="-274320" algn="l" rtl="0" eaLnBrk="1" latinLnBrk="0" hangingPunct="1">
+              <a:spcBef>
+                <a:spcPct val="20000"/>
+              </a:spcBef>
+              <a:buClr>
+                <a:schemeClr val="accent1"/>
+              </a:buClr>
+              <a:buSzPct val="80000"/>
+              <a:buFont typeface="Wingdings 2"/>
+              <a:buChar char=""/>
+              <a:defRPr kumimoji="0" sz="2100" kern="1200">
+                <a:solidFill>
+                  <a:schemeClr val="tx1"/>
+                </a:solidFill>
+                <a:latin typeface="+mn-lt"/>
+                <a:ea typeface="+mn-ea"/>
+                <a:cs typeface="+mn-cs"/>
+              </a:defRPr>
+            </a:lvl2pPr>
+            <a:lvl3pPr marL="914400" indent="-182880" algn="l" rtl="0" eaLnBrk="1" latinLnBrk="0" hangingPunct="1">
+              <a:spcBef>
+                <a:spcPct val="20000"/>
+              </a:spcBef>
+              <a:buClr>
+                <a:schemeClr val="accent1">
+                  <a:shade val="75000"/>
+                </a:schemeClr>
+              </a:buClr>
+              <a:buSzPct val="60000"/>
+              <a:buFont typeface="Wingdings"/>
+              <a:buChar char=""/>
+              <a:defRPr kumimoji="0" sz="1800" kern="1200">
+                <a:solidFill>
+                  <a:schemeClr val="tx1"/>
+                </a:solidFill>
+                <a:latin typeface="+mn-lt"/>
+                <a:ea typeface="+mn-ea"/>
+                <a:cs typeface="+mn-cs"/>
+              </a:defRPr>
+            </a:lvl3pPr>
+            <a:lvl4pPr marL="1188720" indent="-182880" algn="l" rtl="0" eaLnBrk="1" latinLnBrk="0" hangingPunct="1">
+              <a:spcBef>
+                <a:spcPct val="20000"/>
+              </a:spcBef>
+              <a:buClr>
+                <a:schemeClr val="accent1">
+                  <a:tint val="60000"/>
+                </a:schemeClr>
+              </a:buClr>
+              <a:buSzPct val="60000"/>
+              <a:buFont typeface="Wingdings"/>
+              <a:buChar char=""/>
+              <a:defRPr kumimoji="0" sz="1800" kern="1200">
+                <a:solidFill>
+                  <a:schemeClr val="tx1"/>
+                </a:solidFill>
+                <a:latin typeface="+mn-lt"/>
+                <a:ea typeface="+mn-ea"/>
+                <a:cs typeface="+mn-cs"/>
+              </a:defRPr>
+            </a:lvl4pPr>
+            <a:lvl5pPr marL="1463040" indent="-182880" algn="l" rtl="0" eaLnBrk="1" latinLnBrk="0" hangingPunct="1">
+              <a:spcBef>
+                <a:spcPct val="20000"/>
+              </a:spcBef>
+              <a:buClr>
+                <a:schemeClr val="accent2">
+                  <a:tint val="60000"/>
+                </a:schemeClr>
+              </a:buClr>
+              <a:buSzPct val="68000"/>
+              <a:buFont typeface="Wingdings 2"/>
+              <a:buChar char=""/>
+              <a:defRPr kumimoji="0" sz="1600" kern="1200">
+                <a:solidFill>
+                  <a:schemeClr val="tx1"/>
+                </a:solidFill>
+                <a:latin typeface="+mn-lt"/>
+                <a:ea typeface="+mn-ea"/>
+                <a:cs typeface="+mn-cs"/>
+              </a:defRPr>
+            </a:lvl5pPr>
+            <a:lvl6pPr marL="1737360" indent="-182880" algn="l" rtl="0" eaLnBrk="1" latinLnBrk="0" hangingPunct="1">
+              <a:spcBef>
+                <a:spcPct val="20000"/>
+              </a:spcBef>
+              <a:buClr>
+                <a:schemeClr val="accent1"/>
+              </a:buClr>
+              <a:buChar char="•"/>
+              <a:defRPr kumimoji="0" sz="1600" kern="1200">
+                <a:solidFill>
+                  <a:schemeClr val="tx2"/>
+                </a:solidFill>
+                <a:latin typeface="+mn-lt"/>
+                <a:ea typeface="+mn-ea"/>
+                <a:cs typeface="+mn-cs"/>
+              </a:defRPr>
+            </a:lvl6pPr>
+            <a:lvl7pPr marL="2011680" indent="-182880" algn="l" rtl="0" eaLnBrk="1" latinLnBrk="0" hangingPunct="1">
+              <a:spcBef>
+                <a:spcPct val="20000"/>
+              </a:spcBef>
+              <a:buClr>
+                <a:schemeClr val="accent1">
+                  <a:tint val="60000"/>
+                </a:schemeClr>
+              </a:buClr>
+              <a:buSzPct val="60000"/>
+              <a:buFont typeface="Wingdings"/>
+              <a:buChar char=""/>
+              <a:defRPr kumimoji="0" sz="1400" kern="1200" baseline="0">
+                <a:solidFill>
+                  <a:schemeClr val="tx2"/>
+                </a:solidFill>
+                <a:latin typeface="+mn-lt"/>
+                <a:ea typeface="+mn-ea"/>
+                <a:cs typeface="+mn-cs"/>
+              </a:defRPr>
+            </a:lvl7pPr>
+            <a:lvl8pPr marL="2286000" indent="-182880" algn="l" rtl="0" eaLnBrk="1" latinLnBrk="0" hangingPunct="1">
+              <a:spcBef>
+                <a:spcPct val="20000"/>
+              </a:spcBef>
+              <a:buClr>
+                <a:schemeClr val="accent2"/>
+              </a:buClr>
+              <a:buChar char="•"/>
+              <a:defRPr kumimoji="0" sz="1400" kern="1200" cap="small" baseline="0">
+                <a:solidFill>
+                  <a:schemeClr val="tx2"/>
+                </a:solidFill>
+                <a:latin typeface="+mn-lt"/>
+                <a:ea typeface="+mn-ea"/>
+                <a:cs typeface="+mn-cs"/>
+              </a:defRPr>
+            </a:lvl8pPr>
+            <a:lvl9pPr marL="2560320" indent="-182880" algn="l" rtl="0" eaLnBrk="1" latinLnBrk="0" hangingPunct="1">
+              <a:spcBef>
+                <a:spcPct val="20000"/>
+              </a:spcBef>
+              <a:buClr>
+                <a:schemeClr val="accent1">
+                  <a:shade val="75000"/>
+                </a:schemeClr>
+              </a:buClr>
+              <a:buChar char="•"/>
+              <a:defRPr kumimoji="0" sz="1400" kern="1200" baseline="0">
+                <a:solidFill>
+                  <a:schemeClr val="tx2"/>
+                </a:solidFill>
+                <a:latin typeface="+mn-lt"/>
+                <a:ea typeface="+mn-ea"/>
+                <a:cs typeface="+mn-cs"/>
+              </a:defRPr>
+            </a:lvl9pPr>
+          </a:lstStyle>
+          <a:p>
+            <a:endParaRPr lang="en-US" dirty="0"/>
+          </a:p>
+          <a:p>
+            <a:endParaRPr lang="en-US" dirty="0"/>
+          </a:p>
+        </p:txBody>
+      </p:sp>
+      <p:pic>
+        <p:nvPicPr>
+          <p:cNvPr id="6" name="Picture 5">
+            <a:extLst>
+              <a:ext uri="{FF2B5EF4-FFF2-40B4-BE49-F238E27FC236}">
+                <a16:creationId xmlns:a16="http://schemas.microsoft.com/office/drawing/2014/main" id="{4A22F249-F63F-494F-9E4A-AD7F43AB3992}"/>
+              </a:ext>
+            </a:extLst>
+          </p:cNvPr>
+          <p:cNvPicPr/>
+          <p:nvPr/>
+        </p:nvPicPr>
+        <p:blipFill>
+          <a:blip r:embed="rId3">
+            <a:extLst>
+              <a:ext uri="{28A0092B-C50C-407E-A947-70E740481C1C}">
+                <a14:useLocalDpi xmlns:a14="http://schemas.microsoft.com/office/drawing/2010/main" val="0"/>
+              </a:ext>
+            </a:extLst>
+          </a:blip>
+          <a:srcRect/>
+          <a:stretch>
+            <a:fillRect/>
+          </a:stretch>
+        </p:blipFill>
+        <p:spPr bwMode="auto">
+          <a:xfrm>
+            <a:off x="1043608" y="1988840"/>
+            <a:ext cx="6984776" cy="4680520"/>
+          </a:xfrm>
+          <a:prstGeom prst="rect">
+            <a:avLst/>
+          </a:prstGeom>
+          <a:noFill/>
+          <a:ln>
+            <a:noFill/>
+          </a:ln>
+        </p:spPr>
+      </p:pic>
+    </p:spTree>
+    <p:extLst>
+      <p:ext uri="{BB962C8B-B14F-4D97-AF65-F5344CB8AC3E}">
+        <p14:creationId xmlns:p14="http://schemas.microsoft.com/office/powerpoint/2010/main" val="21784448"/>
+      </p:ext>
+    </p:extLst>
+  </p:cSld>
+  <p:clrMapOvr>
+    <a:masterClrMapping/>
+  </p:clrMapOvr>
+  <mc:AlternateContent xmlns:mc="http://schemas.openxmlformats.org/markup-compatibility/2006" xmlns:p14="http://schemas.microsoft.com/office/powerpoint/2010/main">
+    <mc:Choice Requires="p14">
+      <p:transition spd="slow" p14:dur="800">
+        <p:circle/>
+      </p:transition>
+    </mc:Choice>
+    <mc:Fallback xmlns="">
+      <p:transition spd="slow">
+        <p:circle/>
+      </p:transition>
+    </mc:Fallback>
+  </mc:AlternateContent>
+</p:sld>
+</file>
+
+<file path=ppt/slides/slide28.xml><?xml version="1.0" encoding="utf-8"?>
+<p:sld xmlns:a="http://schemas.openxmlformats.org/drawingml/2006/main" xmlns:r="http://schemas.openxmlformats.org/officeDocument/2006/relationships" xmlns:p="http://schemas.openxmlformats.org/presentationml/2006/main">
+  <p:cSld>
+    <p:bg>
+      <p:bgPr>
+        <a:blipFill dpi="0" rotWithShape="1">
+          <a:blip r:embed="rId3">
+            <a:lum/>
+          </a:blip>
+          <a:srcRect/>
+          <a:stretch>
+            <a:fillRect/>
+          </a:stretch>
+        </a:blipFill>
+        <a:effectLst/>
+      </p:bgPr>
+    </p:bg>
+    <p:spTree>
+      <p:nvGrpSpPr>
+        <p:cNvPr id="1" name=""/>
+        <p:cNvGrpSpPr/>
+        <p:nvPr/>
+      </p:nvGrpSpPr>
+      <p:grpSpPr>
+        <a:xfrm>
+          <a:off x="0" y="0"/>
+          <a:ext cx="0" cy="0"/>
+          <a:chOff x="0" y="0"/>
+          <a:chExt cx="0" cy="0"/>
+        </a:xfrm>
+      </p:grpSpPr>
+      <p:sp>
+        <p:nvSpPr>
+          <p:cNvPr id="2" name="Title 1">
+            <a:extLst>
+              <a:ext uri="{FF2B5EF4-FFF2-40B4-BE49-F238E27FC236}">
+                <a16:creationId xmlns:a16="http://schemas.microsoft.com/office/drawing/2014/main" id="{A304A63C-2AB2-43E2-81C7-98E9A901DFBA}"/>
+              </a:ext>
+            </a:extLst>
+          </p:cNvPr>
+          <p:cNvSpPr>
+            <a:spLocks noGrp="1"/>
+          </p:cNvSpPr>
+          <p:nvPr>
+            <p:ph type="title"/>
+          </p:nvPr>
+        </p:nvSpPr>
+        <p:spPr>
+          <a:xfrm>
+            <a:off x="426368" y="188640"/>
+            <a:ext cx="8291264" cy="1143000"/>
+          </a:xfrm>
+        </p:spPr>
+        <p:txBody>
+          <a:bodyPr/>
+          <a:lstStyle/>
+          <a:p>
+            <a:pPr algn="ctr"/>
+            <a:r>
+              <a:rPr lang="en-US" dirty="0" err="1"/>
+              <a:t>Perhitungan</a:t>
+            </a:r>
+            <a:r>
+              <a:rPr lang="en-US" dirty="0"/>
+              <a:t> </a:t>
+            </a:r>
+            <a:r>
+              <a:rPr lang="en-US" dirty="0" err="1"/>
+              <a:t>akurasi</a:t>
+            </a:r>
+            <a:r>
+              <a:rPr lang="en-US" dirty="0"/>
+              <a:t> </a:t>
+            </a:r>
+            <a:r>
+              <a:rPr lang="en-US" dirty="0" err="1"/>
+              <a:t>perbandingan</a:t>
+            </a:r>
+            <a:r>
+              <a:rPr lang="en-US" dirty="0"/>
+              <a:t> </a:t>
+            </a:r>
+            <a:r>
+              <a:rPr lang="en-US" dirty="0" err="1"/>
+              <a:t>sistem</a:t>
+            </a:r>
+            <a:r>
+              <a:rPr lang="en-US" dirty="0"/>
+              <a:t> dan manual</a:t>
+            </a:r>
+          </a:p>
+        </p:txBody>
+      </p:sp>
+      <p:sp>
+        <p:nvSpPr>
+          <p:cNvPr id="3" name="Content Placeholder 2">
+            <a:extLst>
+              <a:ext uri="{FF2B5EF4-FFF2-40B4-BE49-F238E27FC236}">
+                <a16:creationId xmlns:a16="http://schemas.microsoft.com/office/drawing/2014/main" id="{4E1730CF-3E1D-4937-A06C-C4802EC6ED4A}"/>
+              </a:ext>
+            </a:extLst>
+          </p:cNvPr>
+          <p:cNvSpPr>
+            <a:spLocks noGrp="1"/>
+          </p:cNvSpPr>
+          <p:nvPr>
+            <p:ph sz="quarter" idx="1"/>
+          </p:nvPr>
+        </p:nvSpPr>
+        <p:spPr>
+          <a:xfrm>
+            <a:off x="838200" y="1456184"/>
+            <a:ext cx="7467600" cy="3917032"/>
+          </a:xfrm>
+        </p:spPr>
+        <p:txBody>
+          <a:bodyPr>
+            <a:normAutofit/>
+          </a:bodyPr>
+          <a:lstStyle/>
+          <a:p>
+            <a:r>
+              <a:rPr lang="en-US" dirty="0"/>
+              <a:t>Matrix </a:t>
+            </a:r>
+            <a:r>
+              <a:rPr lang="en-US" dirty="0" err="1"/>
+              <a:t>perhitungan</a:t>
+            </a:r>
+            <a:r>
+              <a:rPr lang="en-US" dirty="0"/>
+              <a:t> </a:t>
+            </a:r>
+            <a:r>
+              <a:rPr lang="en-US" dirty="0" err="1"/>
+              <a:t>Akurasi</a:t>
+            </a:r>
+            <a:endParaRPr lang="en-US" dirty="0"/>
+          </a:p>
+          <a:p>
+            <a:endParaRPr lang="en-US" dirty="0"/>
+          </a:p>
+        </p:txBody>
+      </p:sp>
+      <mc:AlternateContent xmlns:mc="http://schemas.openxmlformats.org/markup-compatibility/2006">
+        <mc:Choice xmlns:a14="http://schemas.microsoft.com/office/drawing/2010/main" Requires="a14">
+          <p:sp>
+            <p:nvSpPr>
+              <p:cNvPr id="4" name="Content Placeholder 2">
+                <a:extLst>
+                  <a:ext uri="{FF2B5EF4-FFF2-40B4-BE49-F238E27FC236}">
+                    <a16:creationId xmlns:a16="http://schemas.microsoft.com/office/drawing/2014/main" id="{7E298379-547F-4489-B9BC-E8A302A4FEB5}"/>
+                  </a:ext>
+                </a:extLst>
+              </p:cNvPr>
+              <p:cNvSpPr txBox="1">
+                <a:spLocks/>
+              </p:cNvSpPr>
+              <p:nvPr/>
+            </p:nvSpPr>
+            <p:spPr>
+              <a:xfrm>
+                <a:off x="838198" y="4695835"/>
+                <a:ext cx="7467600" cy="892696"/>
+              </a:xfrm>
+              <a:prstGeom prst="rect">
+                <a:avLst/>
+              </a:prstGeom>
+            </p:spPr>
+            <p:txBody>
+              <a:bodyPr vert="horz">
+                <a:normAutofit/>
+              </a:bodyPr>
+              <a:lstStyle>
+                <a:lvl1pPr marL="274320" indent="-274320" algn="l" rtl="0" eaLnBrk="1" latinLnBrk="0" hangingPunct="1">
+                  <a:spcBef>
+                    <a:spcPts val="600"/>
+                  </a:spcBef>
+                  <a:buClr>
+                    <a:schemeClr val="accent1"/>
+                  </a:buClr>
+                  <a:buSzPct val="70000"/>
+                  <a:buFont typeface="Wingdings"/>
+                  <a:buChar char=""/>
+                  <a:defRPr kumimoji="0" sz="2400" kern="1200">
+                    <a:solidFill>
+                      <a:schemeClr val="tx1"/>
+                    </a:solidFill>
+                    <a:latin typeface="+mn-lt"/>
+                    <a:ea typeface="+mn-ea"/>
+                    <a:cs typeface="+mn-cs"/>
+                  </a:defRPr>
+                </a:lvl1pPr>
+                <a:lvl2pPr marL="640080" indent="-274320" algn="l" rtl="0" eaLnBrk="1" latinLnBrk="0" hangingPunct="1">
+                  <a:spcBef>
+                    <a:spcPct val="20000"/>
+                  </a:spcBef>
+                  <a:buClr>
+                    <a:schemeClr val="accent1"/>
+                  </a:buClr>
+                  <a:buSzPct val="80000"/>
+                  <a:buFont typeface="Wingdings 2"/>
+                  <a:buChar char=""/>
+                  <a:defRPr kumimoji="0" sz="2100" kern="1200">
+                    <a:solidFill>
+                      <a:schemeClr val="tx1"/>
+                    </a:solidFill>
+                    <a:latin typeface="+mn-lt"/>
+                    <a:ea typeface="+mn-ea"/>
+                    <a:cs typeface="+mn-cs"/>
+                  </a:defRPr>
+                </a:lvl2pPr>
+                <a:lvl3pPr marL="914400" indent="-182880" algn="l" rtl="0" eaLnBrk="1" latinLnBrk="0" hangingPunct="1">
+                  <a:spcBef>
+                    <a:spcPct val="20000"/>
+                  </a:spcBef>
+                  <a:buClr>
+                    <a:schemeClr val="accent1">
+                      <a:shade val="75000"/>
+                    </a:schemeClr>
+                  </a:buClr>
+                  <a:buSzPct val="60000"/>
+                  <a:buFont typeface="Wingdings"/>
+                  <a:buChar char=""/>
+                  <a:defRPr kumimoji="0" sz="1800" kern="1200">
+                    <a:solidFill>
+                      <a:schemeClr val="tx1"/>
+                    </a:solidFill>
+                    <a:latin typeface="+mn-lt"/>
+                    <a:ea typeface="+mn-ea"/>
+                    <a:cs typeface="+mn-cs"/>
+                  </a:defRPr>
+                </a:lvl3pPr>
+                <a:lvl4pPr marL="1188720" indent="-182880" algn="l" rtl="0" eaLnBrk="1" latinLnBrk="0" hangingPunct="1">
+                  <a:spcBef>
+                    <a:spcPct val="20000"/>
+                  </a:spcBef>
+                  <a:buClr>
+                    <a:schemeClr val="accent1">
+                      <a:tint val="60000"/>
+                    </a:schemeClr>
+                  </a:buClr>
+                  <a:buSzPct val="60000"/>
+                  <a:buFont typeface="Wingdings"/>
+                  <a:buChar char=""/>
+                  <a:defRPr kumimoji="0" sz="1800" kern="1200">
+                    <a:solidFill>
+                      <a:schemeClr val="tx1"/>
+                    </a:solidFill>
+                    <a:latin typeface="+mn-lt"/>
+                    <a:ea typeface="+mn-ea"/>
+                    <a:cs typeface="+mn-cs"/>
+                  </a:defRPr>
+                </a:lvl4pPr>
+                <a:lvl5pPr marL="1463040" indent="-182880" algn="l" rtl="0" eaLnBrk="1" latinLnBrk="0" hangingPunct="1">
+                  <a:spcBef>
+                    <a:spcPct val="20000"/>
+                  </a:spcBef>
+                  <a:buClr>
+                    <a:schemeClr val="accent2">
+                      <a:tint val="60000"/>
+                    </a:schemeClr>
+                  </a:buClr>
+                  <a:buSzPct val="68000"/>
+                  <a:buFont typeface="Wingdings 2"/>
+                  <a:buChar char=""/>
+                  <a:defRPr kumimoji="0" sz="1600" kern="1200">
+                    <a:solidFill>
+                      <a:schemeClr val="tx1"/>
+                    </a:solidFill>
+                    <a:latin typeface="+mn-lt"/>
+                    <a:ea typeface="+mn-ea"/>
+                    <a:cs typeface="+mn-cs"/>
+                  </a:defRPr>
+                </a:lvl5pPr>
+                <a:lvl6pPr marL="1737360" indent="-182880" algn="l" rtl="0" eaLnBrk="1" latinLnBrk="0" hangingPunct="1">
+                  <a:spcBef>
+                    <a:spcPct val="20000"/>
+                  </a:spcBef>
+                  <a:buClr>
+                    <a:schemeClr val="accent1"/>
+                  </a:buClr>
+                  <a:buChar char="•"/>
+                  <a:defRPr kumimoji="0" sz="1600" kern="1200">
+                    <a:solidFill>
+                      <a:schemeClr val="tx2"/>
+                    </a:solidFill>
+                    <a:latin typeface="+mn-lt"/>
+                    <a:ea typeface="+mn-ea"/>
+                    <a:cs typeface="+mn-cs"/>
+                  </a:defRPr>
+                </a:lvl6pPr>
+                <a:lvl7pPr marL="2011680" indent="-182880" algn="l" rtl="0" eaLnBrk="1" latinLnBrk="0" hangingPunct="1">
+                  <a:spcBef>
+                    <a:spcPct val="20000"/>
+                  </a:spcBef>
+                  <a:buClr>
+                    <a:schemeClr val="accent1">
+                      <a:tint val="60000"/>
+                    </a:schemeClr>
+                  </a:buClr>
+                  <a:buSzPct val="60000"/>
+                  <a:buFont typeface="Wingdings"/>
+                  <a:buChar char=""/>
+                  <a:defRPr kumimoji="0" sz="1400" kern="1200" baseline="0">
+                    <a:solidFill>
+                      <a:schemeClr val="tx2"/>
+                    </a:solidFill>
+                    <a:latin typeface="+mn-lt"/>
+                    <a:ea typeface="+mn-ea"/>
+                    <a:cs typeface="+mn-cs"/>
+                  </a:defRPr>
+                </a:lvl7pPr>
+                <a:lvl8pPr marL="2286000" indent="-182880" algn="l" rtl="0" eaLnBrk="1" latinLnBrk="0" hangingPunct="1">
+                  <a:spcBef>
+                    <a:spcPct val="20000"/>
+                  </a:spcBef>
+                  <a:buClr>
+                    <a:schemeClr val="accent2"/>
+                  </a:buClr>
+                  <a:buChar char="•"/>
+                  <a:defRPr kumimoji="0" sz="1400" kern="1200" cap="small" baseline="0">
+                    <a:solidFill>
+                      <a:schemeClr val="tx2"/>
+                    </a:solidFill>
+                    <a:latin typeface="+mn-lt"/>
+                    <a:ea typeface="+mn-ea"/>
+                    <a:cs typeface="+mn-cs"/>
+                  </a:defRPr>
+                </a:lvl8pPr>
+                <a:lvl9pPr marL="2560320" indent="-182880" algn="l" rtl="0" eaLnBrk="1" latinLnBrk="0" hangingPunct="1">
+                  <a:spcBef>
+                    <a:spcPct val="20000"/>
+                  </a:spcBef>
+                  <a:buClr>
+                    <a:schemeClr val="accent1">
+                      <a:shade val="75000"/>
+                    </a:schemeClr>
+                  </a:buClr>
+                  <a:buChar char="•"/>
+                  <a:defRPr kumimoji="0" sz="1400" kern="1200" baseline="0">
+                    <a:solidFill>
+                      <a:schemeClr val="tx2"/>
+                    </a:solidFill>
+                    <a:latin typeface="+mn-lt"/>
+                    <a:ea typeface="+mn-ea"/>
+                    <a:cs typeface="+mn-cs"/>
+                  </a:defRPr>
+                </a:lvl9pPr>
+              </a:lstStyle>
+              <a:p>
+                <a:r>
+                  <a:rPr lang="en-US" dirty="0" err="1"/>
+                  <a:t>Akurasi</a:t>
+                </a:r>
+                <a:r>
+                  <a:rPr lang="en-US" dirty="0"/>
+                  <a:t> = </a:t>
+                </a:r>
+                <a14:m>
+                  <m:oMath xmlns:m="http://schemas.openxmlformats.org/officeDocument/2006/math">
+                    <m:f>
+                      <m:fPr>
+                        <m:ctrlPr>
+                          <a:rPr lang="en-ID" i="1"/>
+                        </m:ctrlPr>
+                      </m:fPr>
+                      <m:num>
+                        <m:r>
+                          <m:rPr>
+                            <m:sty m:val="p"/>
+                          </m:rPr>
+                          <a:rPr lang="en-US"/>
+                          <m:t>TP</m:t>
+                        </m:r>
+                      </m:num>
+                      <m:den>
+                        <m:r>
+                          <m:rPr>
+                            <m:sty m:val="p"/>
+                          </m:rPr>
+                          <a:rPr lang="en-US"/>
+                          <m:t>TP</m:t>
+                        </m:r>
+                        <m:r>
+                          <a:rPr lang="en-US"/>
+                          <m:t>+</m:t>
+                        </m:r>
+                        <m:r>
+                          <m:rPr>
+                            <m:sty m:val="p"/>
+                          </m:rPr>
+                          <a:rPr lang="en-US"/>
+                          <m:t>FP</m:t>
+                        </m:r>
+                      </m:den>
+                    </m:f>
+                  </m:oMath>
+                </a14:m>
+                <a:r>
+                  <a:rPr lang="en-US" dirty="0"/>
+                  <a:t>  = </a:t>
+                </a:r>
+                <a14:m>
+                  <m:oMath xmlns:m="http://schemas.openxmlformats.org/officeDocument/2006/math">
+                    <m:f>
+                      <m:fPr>
+                        <m:ctrlPr>
+                          <a:rPr lang="en-ID" i="1"/>
+                        </m:ctrlPr>
+                      </m:fPr>
+                      <m:num>
+                        <m:r>
+                          <a:rPr lang="en-US"/>
+                          <m:t>3</m:t>
+                        </m:r>
+                      </m:num>
+                      <m:den>
+                        <m:r>
+                          <a:rPr lang="en-US"/>
+                          <m:t>3+0</m:t>
+                        </m:r>
+                      </m:den>
+                    </m:f>
+                  </m:oMath>
+                </a14:m>
+                <a:r>
+                  <a:rPr lang="en-US" dirty="0"/>
+                  <a:t> = 1  = 100 %</a:t>
+                </a:r>
+              </a:p>
+              <a:p>
+                <a:endParaRPr lang="en-US" dirty="0"/>
+              </a:p>
+            </p:txBody>
+          </p:sp>
+        </mc:Choice>
+        <mc:Fallback>
+          <p:sp>
+            <p:nvSpPr>
+              <p:cNvPr id="4" name="Content Placeholder 2">
+                <a:extLst>
+                  <a:ext uri="{FF2B5EF4-FFF2-40B4-BE49-F238E27FC236}">
+                    <a16:creationId xmlns:a16="http://schemas.microsoft.com/office/drawing/2014/main" id="{7E298379-547F-4489-B9BC-E8A302A4FEB5}"/>
+                  </a:ext>
+                </a:extLst>
+              </p:cNvPr>
+              <p:cNvSpPr txBox="1">
+                <a:spLocks noRot="1" noChangeAspect="1" noMove="1" noResize="1" noEditPoints="1" noAdjustHandles="1" noChangeArrowheads="1" noChangeShapeType="1" noTextEdit="1"/>
+              </p:cNvSpPr>
+              <p:nvPr/>
+            </p:nvSpPr>
+            <p:spPr>
+              <a:xfrm>
+                <a:off x="838198" y="4695835"/>
+                <a:ext cx="7467600" cy="892696"/>
+              </a:xfrm>
+              <a:prstGeom prst="rect">
+                <a:avLst/>
+              </a:prstGeom>
+              <a:blipFill>
+                <a:blip r:embed="rId4"/>
+                <a:stretch>
+                  <a:fillRect l="-327"/>
+                </a:stretch>
+              </a:blipFill>
+            </p:spPr>
+            <p:txBody>
+              <a:bodyPr/>
+              <a:lstStyle/>
+              <a:p>
+                <a:r>
+                  <a:rPr lang="en-ID">
+                    <a:noFill/>
+                  </a:rPr>
+                  <a:t> </a:t>
+                </a:r>
+              </a:p>
+            </p:txBody>
+          </p:sp>
+        </mc:Fallback>
+      </mc:AlternateContent>
+      <p:graphicFrame>
+        <p:nvGraphicFramePr>
+          <p:cNvPr id="9" name="Table 12">
+            <a:extLst>
+              <a:ext uri="{FF2B5EF4-FFF2-40B4-BE49-F238E27FC236}">
+                <a16:creationId xmlns:a16="http://schemas.microsoft.com/office/drawing/2014/main" id="{F02643D3-5D80-462E-B9AB-BF54D07F1A07}"/>
+              </a:ext>
+            </a:extLst>
+          </p:cNvPr>
+          <p:cNvGraphicFramePr>
+            <a:graphicFrameLocks noGrp="1"/>
+          </p:cNvGraphicFramePr>
+          <p:nvPr>
+            <p:extLst>
+              <p:ext uri="{D42A27DB-BD31-4B8C-83A1-F6EECF244321}">
+                <p14:modId xmlns:p14="http://schemas.microsoft.com/office/powerpoint/2010/main" val="1224919547"/>
+              </p:ext>
+            </p:extLst>
+          </p:nvPr>
+        </p:nvGraphicFramePr>
+        <p:xfrm>
+          <a:off x="1208086" y="2184417"/>
+          <a:ext cx="7097712" cy="2324703"/>
+        </p:xfrm>
+        <a:graphic>
+          <a:graphicData uri="http://schemas.openxmlformats.org/drawingml/2006/table">
+            <a:tbl>
+              <a:tblPr firstRow="1" bandRow="1">
+                <a:tableStyleId>{5C22544A-7EE6-4342-B048-85BDC9FD1C3A}</a:tableStyleId>
+              </a:tblPr>
+              <a:tblGrid>
+                <a:gridCol w="1774428">
+                  <a:extLst>
+                    <a:ext uri="{9D8B030D-6E8A-4147-A177-3AD203B41FA5}">
+                      <a16:colId xmlns:a16="http://schemas.microsoft.com/office/drawing/2014/main" val="1648382495"/>
+                    </a:ext>
+                  </a:extLst>
+                </a:gridCol>
+                <a:gridCol w="1774428">
+                  <a:extLst>
+                    <a:ext uri="{9D8B030D-6E8A-4147-A177-3AD203B41FA5}">
+                      <a16:colId xmlns:a16="http://schemas.microsoft.com/office/drawing/2014/main" val="1876117030"/>
+                    </a:ext>
+                  </a:extLst>
+                </a:gridCol>
+                <a:gridCol w="1774428">
+                  <a:extLst>
+                    <a:ext uri="{9D8B030D-6E8A-4147-A177-3AD203B41FA5}">
+                      <a16:colId xmlns:a16="http://schemas.microsoft.com/office/drawing/2014/main" val="3179158020"/>
+                    </a:ext>
+                  </a:extLst>
+                </a:gridCol>
+                <a:gridCol w="1774428">
+                  <a:extLst>
+                    <a:ext uri="{9D8B030D-6E8A-4147-A177-3AD203B41FA5}">
+                      <a16:colId xmlns:a16="http://schemas.microsoft.com/office/drawing/2014/main" val="1539416216"/>
+                    </a:ext>
+                  </a:extLst>
+                </a:gridCol>
+              </a:tblGrid>
+              <a:tr h="575184">
+                <a:tc rowSpan="4">
+                  <a:txBody>
+                    <a:bodyPr/>
+                    <a:lstStyle/>
+                    <a:p>
+                      <a:pPr algn="ctr"/>
+                      <a:r>
+                        <a:rPr lang="en-US" dirty="0"/>
+                        <a:t>Hasil</a:t>
+                      </a:r>
+                    </a:p>
+                    <a:p>
+                      <a:pPr algn="ctr"/>
+                      <a:r>
+                        <a:rPr lang="en-US" dirty="0" err="1"/>
+                        <a:t>Aktual</a:t>
+                      </a:r>
+                      <a:endParaRPr lang="en-ID" dirty="0"/>
+                    </a:p>
+                  </a:txBody>
+                  <a:tcPr anchor="ctr">
+                    <a:solidFill>
+                      <a:schemeClr val="accent2"/>
+                    </a:solidFill>
+                  </a:tcPr>
+                </a:tc>
+                <a:tc gridSpan="3">
+                  <a:txBody>
+                    <a:bodyPr/>
+                    <a:lstStyle/>
+                    <a:p>
+                      <a:pPr algn="ctr"/>
+                      <a:r>
+                        <a:rPr lang="en-US" dirty="0"/>
+                        <a:t>Hasil </a:t>
+                      </a:r>
+                      <a:r>
+                        <a:rPr lang="en-US" dirty="0" err="1"/>
+                        <a:t>Klasifikasi</a:t>
+                      </a:r>
+                      <a:endParaRPr lang="en-ID" dirty="0"/>
+                    </a:p>
+                  </a:txBody>
+                  <a:tcPr>
+                    <a:solidFill>
+                      <a:schemeClr val="accent1"/>
+                    </a:solidFill>
+                  </a:tcPr>
+                </a:tc>
+                <a:tc hMerge="1">
+                  <a:txBody>
+                    <a:bodyPr/>
+                    <a:lstStyle/>
+                    <a:p>
+                      <a:endParaRPr lang="en-ID" dirty="0"/>
+                    </a:p>
+                  </a:txBody>
+                  <a:tcPr/>
+                </a:tc>
+                <a:tc hMerge="1">
+                  <a:txBody>
+                    <a:bodyPr/>
+                    <a:lstStyle/>
+                    <a:p>
+                      <a:endParaRPr lang="en-ID" dirty="0"/>
+                    </a:p>
+                  </a:txBody>
+                  <a:tcPr/>
+                </a:tc>
+                <a:extLst>
+                  <a:ext uri="{0D108BD9-81ED-4DB2-BD59-A6C34878D82A}">
+                    <a16:rowId xmlns:a16="http://schemas.microsoft.com/office/drawing/2014/main" val="675378631"/>
+                  </a:ext>
+                </a:extLst>
+              </a:tr>
+              <a:tr h="583173">
+                <a:tc vMerge="1">
+                  <a:txBody>
+                    <a:bodyPr/>
+                    <a:lstStyle/>
+                    <a:p>
+                      <a:endParaRPr lang="en-US" dirty="0"/>
+                    </a:p>
+                  </a:txBody>
+                  <a:tcPr>
+                    <a:solidFill>
+                      <a:schemeClr val="accent2"/>
+                    </a:solidFill>
+                  </a:tcPr>
+                </a:tc>
+                <a:tc>
+                  <a:txBody>
+                    <a:bodyPr/>
+                    <a:lstStyle/>
+                    <a:p>
+                      <a:endParaRPr lang="en-ID" dirty="0"/>
+                    </a:p>
+                  </a:txBody>
+                  <a:tcPr>
+                    <a:solidFill>
+                      <a:schemeClr val="accent1"/>
+                    </a:solidFill>
+                  </a:tcPr>
+                </a:tc>
+                <a:tc>
+                  <a:txBody>
+                    <a:bodyPr/>
+                    <a:lstStyle/>
+                    <a:p>
+                      <a:pPr algn="ctr"/>
+                      <a:r>
+                        <a:rPr lang="en-US" dirty="0" err="1"/>
+                        <a:t>Dapat</a:t>
+                      </a:r>
+                      <a:endParaRPr lang="en-ID" dirty="0"/>
+                    </a:p>
+                  </a:txBody>
+                  <a:tcPr/>
+                </a:tc>
+                <a:tc>
+                  <a:txBody>
+                    <a:bodyPr/>
+                    <a:lstStyle/>
+                    <a:p>
+                      <a:pPr algn="ctr"/>
+                      <a:r>
+                        <a:rPr lang="en-US" dirty="0" err="1"/>
+                        <a:t>Tidak</a:t>
+                      </a:r>
+                      <a:r>
+                        <a:rPr lang="en-US" dirty="0"/>
+                        <a:t> </a:t>
+                      </a:r>
+                      <a:r>
+                        <a:rPr lang="en-US" dirty="0" err="1"/>
+                        <a:t>Dapat</a:t>
+                      </a:r>
+                      <a:endParaRPr lang="en-ID" dirty="0"/>
+                    </a:p>
+                  </a:txBody>
+                  <a:tcPr/>
+                </a:tc>
+                <a:extLst>
+                  <a:ext uri="{0D108BD9-81ED-4DB2-BD59-A6C34878D82A}">
+                    <a16:rowId xmlns:a16="http://schemas.microsoft.com/office/drawing/2014/main" val="1687727162"/>
+                  </a:ext>
+                </a:extLst>
+              </a:tr>
+              <a:tr h="583173">
+                <a:tc vMerge="1">
+                  <a:txBody>
+                    <a:bodyPr/>
+                    <a:lstStyle/>
+                    <a:p>
+                      <a:endParaRPr lang="en-ID" dirty="0"/>
+                    </a:p>
+                  </a:txBody>
+                  <a:tcPr>
+                    <a:solidFill>
+                      <a:schemeClr val="accent2"/>
+                    </a:solidFill>
+                  </a:tcPr>
+                </a:tc>
+                <a:tc>
+                  <a:txBody>
+                    <a:bodyPr/>
+                    <a:lstStyle/>
+                    <a:p>
+                      <a:r>
+                        <a:rPr lang="en-US" dirty="0" err="1"/>
+                        <a:t>Dapat</a:t>
+                      </a:r>
+                      <a:endParaRPr lang="en-ID" dirty="0"/>
+                    </a:p>
+                  </a:txBody>
+                  <a:tcPr/>
+                </a:tc>
+                <a:tc>
+                  <a:txBody>
+                    <a:bodyPr/>
+                    <a:lstStyle/>
+                    <a:p>
+                      <a:pPr algn="ctr"/>
+                      <a:r>
+                        <a:rPr lang="en-US" dirty="0"/>
+                        <a:t>3</a:t>
+                      </a:r>
+                      <a:endParaRPr lang="en-ID" dirty="0"/>
+                    </a:p>
+                  </a:txBody>
+                  <a:tcPr/>
+                </a:tc>
+                <a:tc>
+                  <a:txBody>
+                    <a:bodyPr/>
+                    <a:lstStyle/>
+                    <a:p>
+                      <a:pPr algn="ctr"/>
+                      <a:r>
+                        <a:rPr lang="en-US" dirty="0"/>
+                        <a:t>0</a:t>
+                      </a:r>
+                      <a:endParaRPr lang="en-ID" dirty="0"/>
+                    </a:p>
+                  </a:txBody>
+                  <a:tcPr/>
+                </a:tc>
+                <a:extLst>
+                  <a:ext uri="{0D108BD9-81ED-4DB2-BD59-A6C34878D82A}">
+                    <a16:rowId xmlns:a16="http://schemas.microsoft.com/office/drawing/2014/main" val="2041915499"/>
+                  </a:ext>
+                </a:extLst>
+              </a:tr>
+              <a:tr h="583173">
+                <a:tc vMerge="1">
+                  <a:txBody>
+                    <a:bodyPr/>
+                    <a:lstStyle/>
+                    <a:p>
+                      <a:endParaRPr lang="en-ID" dirty="0"/>
+                    </a:p>
+                  </a:txBody>
+                  <a:tcPr>
+                    <a:solidFill>
+                      <a:schemeClr val="accent2"/>
+                    </a:solidFill>
+                  </a:tcPr>
+                </a:tc>
+                <a:tc>
+                  <a:txBody>
+                    <a:bodyPr/>
+                    <a:lstStyle/>
+                    <a:p>
+                      <a:r>
+                        <a:rPr lang="en-US" dirty="0" err="1"/>
+                        <a:t>Tidak</a:t>
+                      </a:r>
+                      <a:r>
+                        <a:rPr lang="en-US" dirty="0"/>
+                        <a:t> </a:t>
+                      </a:r>
+                      <a:r>
+                        <a:rPr lang="en-US" dirty="0" err="1"/>
+                        <a:t>Dapat</a:t>
+                      </a:r>
+                      <a:endParaRPr lang="en-ID" dirty="0"/>
+                    </a:p>
+                  </a:txBody>
+                  <a:tcPr/>
+                </a:tc>
+                <a:tc>
+                  <a:txBody>
+                    <a:bodyPr/>
+                    <a:lstStyle/>
+                    <a:p>
+                      <a:pPr algn="ctr"/>
+                      <a:r>
+                        <a:rPr lang="en-US" dirty="0"/>
+                        <a:t>0</a:t>
+                      </a:r>
+                      <a:endParaRPr lang="en-ID" dirty="0"/>
+                    </a:p>
+                  </a:txBody>
+                  <a:tcPr/>
+                </a:tc>
+                <a:tc>
+                  <a:txBody>
+                    <a:bodyPr/>
+                    <a:lstStyle/>
+                    <a:p>
+                      <a:pPr algn="ctr"/>
+                      <a:r>
+                        <a:rPr lang="en-US" dirty="0"/>
+                        <a:t>7</a:t>
+                      </a:r>
+                      <a:endParaRPr lang="en-ID" dirty="0"/>
+                    </a:p>
+                  </a:txBody>
+                  <a:tcPr/>
+                </a:tc>
+                <a:extLst>
+                  <a:ext uri="{0D108BD9-81ED-4DB2-BD59-A6C34878D82A}">
+                    <a16:rowId xmlns:a16="http://schemas.microsoft.com/office/drawing/2014/main" val="4162023378"/>
+                  </a:ext>
+                </a:extLst>
+              </a:tr>
+            </a:tbl>
+          </a:graphicData>
+        </a:graphic>
+      </p:graphicFrame>
+      <p:sp>
+        <p:nvSpPr>
+          <p:cNvPr id="14" name="TextBox 13">
+            <a:extLst>
+              <a:ext uri="{FF2B5EF4-FFF2-40B4-BE49-F238E27FC236}">
+                <a16:creationId xmlns:a16="http://schemas.microsoft.com/office/drawing/2014/main" id="{73AE7CD2-FC04-491D-8E96-96358B243B8B}"/>
+              </a:ext>
+            </a:extLst>
+          </p:cNvPr>
+          <p:cNvSpPr txBox="1"/>
+          <p:nvPr/>
+        </p:nvSpPr>
+        <p:spPr>
+          <a:xfrm>
+            <a:off x="6084168" y="3275692"/>
+            <a:ext cx="576064" cy="307777"/>
+          </a:xfrm>
+          <a:prstGeom prst="rect">
+            <a:avLst/>
+          </a:prstGeom>
+          <a:noFill/>
+        </p:spPr>
+        <p:txBody>
+          <a:bodyPr wrap="square" rtlCol="0">
+            <a:spAutoFit/>
+          </a:bodyPr>
+          <a:lstStyle/>
+          <a:p>
+            <a:r>
+              <a:rPr lang="en-US" sz="1400" dirty="0"/>
+              <a:t>TP</a:t>
+            </a:r>
+            <a:endParaRPr lang="en-ID" sz="1400" dirty="0"/>
+          </a:p>
+        </p:txBody>
+      </p:sp>
+      <p:sp>
+        <p:nvSpPr>
+          <p:cNvPr id="30" name="TextBox 29">
+            <a:extLst>
+              <a:ext uri="{FF2B5EF4-FFF2-40B4-BE49-F238E27FC236}">
+                <a16:creationId xmlns:a16="http://schemas.microsoft.com/office/drawing/2014/main" id="{26C554B2-E938-46AA-A55A-388F238AEBF1}"/>
+              </a:ext>
+            </a:extLst>
+          </p:cNvPr>
+          <p:cNvSpPr txBox="1"/>
+          <p:nvPr/>
+        </p:nvSpPr>
+        <p:spPr>
+          <a:xfrm>
+            <a:off x="7812360" y="3275692"/>
+            <a:ext cx="576064" cy="307777"/>
+          </a:xfrm>
+          <a:prstGeom prst="rect">
+            <a:avLst/>
+          </a:prstGeom>
+          <a:noFill/>
+        </p:spPr>
+        <p:txBody>
+          <a:bodyPr wrap="square" rtlCol="0">
+            <a:spAutoFit/>
+          </a:bodyPr>
+          <a:lstStyle/>
+          <a:p>
+            <a:r>
+              <a:rPr lang="en-US" sz="1400" dirty="0"/>
+              <a:t>FN</a:t>
+            </a:r>
+            <a:endParaRPr lang="en-ID" sz="1400" dirty="0"/>
+          </a:p>
+        </p:txBody>
+      </p:sp>
+      <p:sp>
+        <p:nvSpPr>
+          <p:cNvPr id="31" name="TextBox 30">
+            <a:extLst>
+              <a:ext uri="{FF2B5EF4-FFF2-40B4-BE49-F238E27FC236}">
+                <a16:creationId xmlns:a16="http://schemas.microsoft.com/office/drawing/2014/main" id="{9D855ECC-6462-410F-B720-D50FF6D46730}"/>
+              </a:ext>
+            </a:extLst>
+          </p:cNvPr>
+          <p:cNvSpPr txBox="1"/>
+          <p:nvPr/>
+        </p:nvSpPr>
+        <p:spPr>
+          <a:xfrm>
+            <a:off x="6084168" y="3892406"/>
+            <a:ext cx="576064" cy="307777"/>
+          </a:xfrm>
+          <a:prstGeom prst="rect">
+            <a:avLst/>
+          </a:prstGeom>
+          <a:noFill/>
+        </p:spPr>
+        <p:txBody>
+          <a:bodyPr wrap="square" rtlCol="0">
+            <a:spAutoFit/>
+          </a:bodyPr>
+          <a:lstStyle/>
+          <a:p>
+            <a:r>
+              <a:rPr lang="en-US" sz="1400" dirty="0"/>
+              <a:t>FP</a:t>
+            </a:r>
+            <a:endParaRPr lang="en-ID" sz="1400" dirty="0"/>
+          </a:p>
+        </p:txBody>
+      </p:sp>
+      <p:sp>
+        <p:nvSpPr>
+          <p:cNvPr id="32" name="TextBox 31">
+            <a:extLst>
+              <a:ext uri="{FF2B5EF4-FFF2-40B4-BE49-F238E27FC236}">
+                <a16:creationId xmlns:a16="http://schemas.microsoft.com/office/drawing/2014/main" id="{58D47063-CB04-4693-B640-5C5F65542F84}"/>
+              </a:ext>
+            </a:extLst>
+          </p:cNvPr>
+          <p:cNvSpPr txBox="1"/>
+          <p:nvPr/>
+        </p:nvSpPr>
+        <p:spPr>
+          <a:xfrm>
+            <a:off x="7812360" y="3861048"/>
+            <a:ext cx="576064" cy="307777"/>
+          </a:xfrm>
+          <a:prstGeom prst="rect">
+            <a:avLst/>
+          </a:prstGeom>
+          <a:noFill/>
+        </p:spPr>
+        <p:txBody>
+          <a:bodyPr wrap="square" rtlCol="0">
+            <a:spAutoFit/>
+          </a:bodyPr>
+          <a:lstStyle/>
+          <a:p>
+            <a:r>
+              <a:rPr lang="en-US" sz="1400" dirty="0"/>
+              <a:t>TN</a:t>
+            </a:r>
+            <a:endParaRPr lang="en-ID" sz="1400" dirty="0"/>
+          </a:p>
+        </p:txBody>
+      </p:sp>
+      <p:sp>
+        <p:nvSpPr>
+          <p:cNvPr id="33" name="Content Placeholder 2">
+            <a:extLst>
+              <a:ext uri="{FF2B5EF4-FFF2-40B4-BE49-F238E27FC236}">
+                <a16:creationId xmlns:a16="http://schemas.microsoft.com/office/drawing/2014/main" id="{1B937E8C-F71E-4D45-AB49-4F5EDB61B150}"/>
+              </a:ext>
+            </a:extLst>
+          </p:cNvPr>
+          <p:cNvSpPr txBox="1">
+            <a:spLocks/>
+          </p:cNvSpPr>
+          <p:nvPr/>
+        </p:nvSpPr>
+        <p:spPr>
+          <a:xfrm>
+            <a:off x="838198" y="5682153"/>
+            <a:ext cx="7467600" cy="892696"/>
+          </a:xfrm>
+          <a:prstGeom prst="rect">
+            <a:avLst/>
+          </a:prstGeom>
+        </p:spPr>
+        <p:txBody>
+          <a:bodyPr vert="horz">
+            <a:normAutofit/>
+          </a:bodyPr>
+          <a:lstStyle>
+            <a:lvl1pPr marL="274320" indent="-274320" algn="l" rtl="0" eaLnBrk="1" latinLnBrk="0" hangingPunct="1">
+              <a:spcBef>
+                <a:spcPts val="600"/>
+              </a:spcBef>
+              <a:buClr>
+                <a:schemeClr val="accent1"/>
+              </a:buClr>
+              <a:buSzPct val="70000"/>
+              <a:buFont typeface="Wingdings"/>
+              <a:buChar char=""/>
+              <a:defRPr kumimoji="0" sz="2400" kern="1200">
+                <a:solidFill>
+                  <a:schemeClr val="tx1"/>
+                </a:solidFill>
+                <a:latin typeface="+mn-lt"/>
+                <a:ea typeface="+mn-ea"/>
+                <a:cs typeface="+mn-cs"/>
+              </a:defRPr>
+            </a:lvl1pPr>
+            <a:lvl2pPr marL="640080" indent="-274320" algn="l" rtl="0" eaLnBrk="1" latinLnBrk="0" hangingPunct="1">
+              <a:spcBef>
+                <a:spcPct val="20000"/>
+              </a:spcBef>
+              <a:buClr>
+                <a:schemeClr val="accent1"/>
+              </a:buClr>
+              <a:buSzPct val="80000"/>
+              <a:buFont typeface="Wingdings 2"/>
+              <a:buChar char=""/>
+              <a:defRPr kumimoji="0" sz="2100" kern="1200">
+                <a:solidFill>
+                  <a:schemeClr val="tx1"/>
+                </a:solidFill>
+                <a:latin typeface="+mn-lt"/>
+                <a:ea typeface="+mn-ea"/>
+                <a:cs typeface="+mn-cs"/>
+              </a:defRPr>
+            </a:lvl2pPr>
+            <a:lvl3pPr marL="914400" indent="-182880" algn="l" rtl="0" eaLnBrk="1" latinLnBrk="0" hangingPunct="1">
+              <a:spcBef>
+                <a:spcPct val="20000"/>
+              </a:spcBef>
+              <a:buClr>
+                <a:schemeClr val="accent1">
+                  <a:shade val="75000"/>
+                </a:schemeClr>
+              </a:buClr>
+              <a:buSzPct val="60000"/>
+              <a:buFont typeface="Wingdings"/>
+              <a:buChar char=""/>
+              <a:defRPr kumimoji="0" sz="1800" kern="1200">
+                <a:solidFill>
+                  <a:schemeClr val="tx1"/>
+                </a:solidFill>
+                <a:latin typeface="+mn-lt"/>
+                <a:ea typeface="+mn-ea"/>
+                <a:cs typeface="+mn-cs"/>
+              </a:defRPr>
+            </a:lvl3pPr>
+            <a:lvl4pPr marL="1188720" indent="-182880" algn="l" rtl="0" eaLnBrk="1" latinLnBrk="0" hangingPunct="1">
+              <a:spcBef>
+                <a:spcPct val="20000"/>
+              </a:spcBef>
+              <a:buClr>
+                <a:schemeClr val="accent1">
+                  <a:tint val="60000"/>
+                </a:schemeClr>
+              </a:buClr>
+              <a:buSzPct val="60000"/>
+              <a:buFont typeface="Wingdings"/>
+              <a:buChar char=""/>
+              <a:defRPr kumimoji="0" sz="1800" kern="1200">
+                <a:solidFill>
+                  <a:schemeClr val="tx1"/>
+                </a:solidFill>
+                <a:latin typeface="+mn-lt"/>
+                <a:ea typeface="+mn-ea"/>
+                <a:cs typeface="+mn-cs"/>
+              </a:defRPr>
+            </a:lvl4pPr>
+            <a:lvl5pPr marL="1463040" indent="-182880" algn="l" rtl="0" eaLnBrk="1" latinLnBrk="0" hangingPunct="1">
+              <a:spcBef>
+                <a:spcPct val="20000"/>
+              </a:spcBef>
+              <a:buClr>
+                <a:schemeClr val="accent2">
+                  <a:tint val="60000"/>
+                </a:schemeClr>
+              </a:buClr>
+              <a:buSzPct val="68000"/>
+              <a:buFont typeface="Wingdings 2"/>
+              <a:buChar char=""/>
+              <a:defRPr kumimoji="0" sz="1600" kern="1200">
+                <a:solidFill>
+                  <a:schemeClr val="tx1"/>
+                </a:solidFill>
+                <a:latin typeface="+mn-lt"/>
+                <a:ea typeface="+mn-ea"/>
+                <a:cs typeface="+mn-cs"/>
+              </a:defRPr>
+            </a:lvl5pPr>
+            <a:lvl6pPr marL="1737360" indent="-182880" algn="l" rtl="0" eaLnBrk="1" latinLnBrk="0" hangingPunct="1">
+              <a:spcBef>
+                <a:spcPct val="20000"/>
+              </a:spcBef>
+              <a:buClr>
+                <a:schemeClr val="accent1"/>
+              </a:buClr>
+              <a:buChar char="•"/>
+              <a:defRPr kumimoji="0" sz="1600" kern="1200">
+                <a:solidFill>
+                  <a:schemeClr val="tx2"/>
+                </a:solidFill>
+                <a:latin typeface="+mn-lt"/>
+                <a:ea typeface="+mn-ea"/>
+                <a:cs typeface="+mn-cs"/>
+              </a:defRPr>
+            </a:lvl6pPr>
+            <a:lvl7pPr marL="2011680" indent="-182880" algn="l" rtl="0" eaLnBrk="1" latinLnBrk="0" hangingPunct="1">
+              <a:spcBef>
+                <a:spcPct val="20000"/>
+              </a:spcBef>
+              <a:buClr>
+                <a:schemeClr val="accent1">
+                  <a:tint val="60000"/>
+                </a:schemeClr>
+              </a:buClr>
+              <a:buSzPct val="60000"/>
+              <a:buFont typeface="Wingdings"/>
+              <a:buChar char=""/>
+              <a:defRPr kumimoji="0" sz="1400" kern="1200" baseline="0">
+                <a:solidFill>
+                  <a:schemeClr val="tx2"/>
+                </a:solidFill>
+                <a:latin typeface="+mn-lt"/>
+                <a:ea typeface="+mn-ea"/>
+                <a:cs typeface="+mn-cs"/>
+              </a:defRPr>
+            </a:lvl7pPr>
+            <a:lvl8pPr marL="2286000" indent="-182880" algn="l" rtl="0" eaLnBrk="1" latinLnBrk="0" hangingPunct="1">
+              <a:spcBef>
+                <a:spcPct val="20000"/>
+              </a:spcBef>
+              <a:buClr>
+                <a:schemeClr val="accent2"/>
+              </a:buClr>
+              <a:buChar char="•"/>
+              <a:defRPr kumimoji="0" sz="1400" kern="1200" cap="small" baseline="0">
+                <a:solidFill>
+                  <a:schemeClr val="tx2"/>
+                </a:solidFill>
+                <a:latin typeface="+mn-lt"/>
+                <a:ea typeface="+mn-ea"/>
+                <a:cs typeface="+mn-cs"/>
+              </a:defRPr>
+            </a:lvl8pPr>
+            <a:lvl9pPr marL="2560320" indent="-182880" algn="l" rtl="0" eaLnBrk="1" latinLnBrk="0" hangingPunct="1">
+              <a:spcBef>
+                <a:spcPct val="20000"/>
+              </a:spcBef>
+              <a:buClr>
+                <a:schemeClr val="accent1">
+                  <a:shade val="75000"/>
+                </a:schemeClr>
+              </a:buClr>
+              <a:buChar char="•"/>
+              <a:defRPr kumimoji="0" sz="1400" kern="1200" baseline="0">
+                <a:solidFill>
+                  <a:schemeClr val="tx2"/>
+                </a:solidFill>
+                <a:latin typeface="+mn-lt"/>
+                <a:ea typeface="+mn-ea"/>
+                <a:cs typeface="+mn-cs"/>
+              </a:defRPr>
+            </a:lvl9pPr>
+          </a:lstStyle>
+          <a:p>
+            <a:r>
+              <a:rPr lang="en-US" dirty="0" err="1"/>
+              <a:t>Jadi</a:t>
+            </a:r>
+            <a:r>
+              <a:rPr lang="en-US" dirty="0"/>
+              <a:t> </a:t>
+            </a:r>
+            <a:r>
+              <a:rPr lang="en-US" dirty="0" err="1"/>
+              <a:t>hasil</a:t>
+            </a:r>
+            <a:r>
+              <a:rPr lang="en-US" dirty="0"/>
+              <a:t> </a:t>
+            </a:r>
+            <a:r>
+              <a:rPr lang="en-US" dirty="0" err="1"/>
+              <a:t>Akurasi</a:t>
+            </a:r>
+            <a:r>
+              <a:rPr lang="en-US" dirty="0"/>
+              <a:t> yang di </a:t>
+            </a:r>
+            <a:r>
+              <a:rPr lang="en-US" dirty="0" err="1"/>
+              <a:t>dapat</a:t>
+            </a:r>
+            <a:r>
+              <a:rPr lang="en-US" dirty="0"/>
+              <a:t> </a:t>
+            </a:r>
+            <a:r>
+              <a:rPr lang="en-US" dirty="0" err="1"/>
+              <a:t>adalah</a:t>
+            </a:r>
+            <a:r>
+              <a:rPr lang="en-US" dirty="0"/>
+              <a:t> 100%</a:t>
+            </a:r>
+          </a:p>
+          <a:p>
+            <a:endParaRPr lang="en-US" dirty="0"/>
+          </a:p>
+        </p:txBody>
+      </p:sp>
+    </p:spTree>
+    <p:extLst>
+      <p:ext uri="{BB962C8B-B14F-4D97-AF65-F5344CB8AC3E}">
+        <p14:creationId xmlns:p14="http://schemas.microsoft.com/office/powerpoint/2010/main" val="1392416322"/>
+      </p:ext>
+    </p:extLst>
+  </p:cSld>
+  <p:clrMapOvr>
+    <a:masterClrMapping/>
+  </p:clrMapOvr>
+  <mc:AlternateContent xmlns:mc="http://schemas.openxmlformats.org/markup-compatibility/2006" xmlns:p14="http://schemas.microsoft.com/office/powerpoint/2010/main">
+    <mc:Choice Requires="p14">
+      <p:transition spd="slow" p14:dur="800">
+        <p:circle/>
+      </p:transition>
+    </mc:Choice>
+    <mc:Fallback xmlns="">
+      <p:transition spd="slow">
+        <p:circle/>
+      </p:transition>
+    </mc:Fallback>
+  </mc:AlternateContent>
+</p:sld>
+</file>
+
+<file path=ppt/slides/slide29.xml><?xml version="1.0" encoding="utf-8"?>
 <p:sld xmlns:a="http://schemas.openxmlformats.org/drawingml/2006/main" xmlns:r="http://schemas.openxmlformats.org/officeDocument/2006/relationships" xmlns:p="http://schemas.openxmlformats.org/presentationml/2006/main">
   <p:cSld>
     <p:bg>
@@ -12681,7 +16829,1003 @@
 </p:sld>
 </file>
 
-<file path=ppt/slides/slide27.xml><?xml version="1.0" encoding="utf-8"?>
+<file path=ppt/slides/slide3.xml><?xml version="1.0" encoding="utf-8"?>
+<p:sld xmlns:a="http://schemas.openxmlformats.org/drawingml/2006/main" xmlns:r="http://schemas.openxmlformats.org/officeDocument/2006/relationships" xmlns:p="http://schemas.openxmlformats.org/presentationml/2006/main">
+  <p:cSld>
+    <p:bg>
+      <p:bgPr>
+        <a:blipFill dpi="0" rotWithShape="1">
+          <a:blip r:embed="rId2">
+            <a:lum/>
+          </a:blip>
+          <a:srcRect/>
+          <a:stretch>
+            <a:fillRect/>
+          </a:stretch>
+        </a:blipFill>
+        <a:effectLst/>
+      </p:bgPr>
+    </p:bg>
+    <p:spTree>
+      <p:nvGrpSpPr>
+        <p:cNvPr id="1" name=""/>
+        <p:cNvGrpSpPr/>
+        <p:nvPr/>
+      </p:nvGrpSpPr>
+      <p:grpSpPr>
+        <a:xfrm>
+          <a:off x="0" y="0"/>
+          <a:ext cx="0" cy="0"/>
+          <a:chOff x="0" y="0"/>
+          <a:chExt cx="0" cy="0"/>
+        </a:xfrm>
+      </p:grpSpPr>
+      <p:sp>
+        <p:nvSpPr>
+          <p:cNvPr id="2" name="Title 1">
+            <a:extLst>
+              <a:ext uri="{FF2B5EF4-FFF2-40B4-BE49-F238E27FC236}">
+                <a16:creationId xmlns:a16="http://schemas.microsoft.com/office/drawing/2014/main" id="{A304A63C-2AB2-43E2-81C7-98E9A901DFBA}"/>
+              </a:ext>
+            </a:extLst>
+          </p:cNvPr>
+          <p:cNvSpPr>
+            <a:spLocks noGrp="1"/>
+          </p:cNvSpPr>
+          <p:nvPr>
+            <p:ph type="title"/>
+          </p:nvPr>
+        </p:nvSpPr>
+        <p:spPr>
+          <a:xfrm>
+            <a:off x="683568" y="57581"/>
+            <a:ext cx="7467600" cy="652934"/>
+          </a:xfrm>
+        </p:spPr>
+        <p:txBody>
+          <a:bodyPr>
+            <a:normAutofit/>
+          </a:bodyPr>
+          <a:lstStyle/>
+          <a:p>
+            <a:r>
+              <a:rPr lang="en-US" sz="3600" dirty="0" err="1">
+                <a:solidFill>
+                  <a:schemeClr val="tx1"/>
+                </a:solidFill>
+                <a:latin typeface="Times New Roman" panose="02020603050405020304" pitchFamily="18" charset="0"/>
+                <a:cs typeface="Times New Roman" panose="02020603050405020304" pitchFamily="18" charset="0"/>
+              </a:rPr>
+              <a:t>Latar</a:t>
+            </a:r>
+            <a:r>
+              <a:rPr lang="en-US" sz="3600" dirty="0">
+                <a:solidFill>
+                  <a:schemeClr val="tx1"/>
+                </a:solidFill>
+                <a:latin typeface="Times New Roman" panose="02020603050405020304" pitchFamily="18" charset="0"/>
+                <a:cs typeface="Times New Roman" panose="02020603050405020304" pitchFamily="18" charset="0"/>
+              </a:rPr>
+              <a:t> </a:t>
+            </a:r>
+            <a:r>
+              <a:rPr lang="en-US" sz="3600" dirty="0" err="1">
+                <a:solidFill>
+                  <a:schemeClr val="tx1"/>
+                </a:solidFill>
+                <a:latin typeface="Times New Roman" panose="02020603050405020304" pitchFamily="18" charset="0"/>
+                <a:cs typeface="Times New Roman" panose="02020603050405020304" pitchFamily="18" charset="0"/>
+              </a:rPr>
+              <a:t>Belakang</a:t>
+            </a:r>
+            <a:r>
+              <a:rPr lang="en-US" sz="3600" dirty="0">
+                <a:solidFill>
+                  <a:schemeClr val="tx1"/>
+                </a:solidFill>
+                <a:latin typeface="Times New Roman" panose="02020603050405020304" pitchFamily="18" charset="0"/>
+                <a:cs typeface="Times New Roman" panose="02020603050405020304" pitchFamily="18" charset="0"/>
+              </a:rPr>
+              <a:t> </a:t>
+            </a:r>
+            <a:r>
+              <a:rPr lang="en-US" sz="3600" dirty="0" err="1">
+                <a:solidFill>
+                  <a:schemeClr val="tx1"/>
+                </a:solidFill>
+                <a:latin typeface="Times New Roman" panose="02020603050405020304" pitchFamily="18" charset="0"/>
+                <a:cs typeface="Times New Roman" panose="02020603050405020304" pitchFamily="18" charset="0"/>
+              </a:rPr>
+              <a:t>Masalah</a:t>
+            </a:r>
+            <a:endParaRPr lang="en-US" sz="3600" dirty="0">
+              <a:solidFill>
+                <a:schemeClr val="tx1"/>
+              </a:solidFill>
+              <a:latin typeface="Times New Roman" panose="02020603050405020304" pitchFamily="18" charset="0"/>
+              <a:cs typeface="Times New Roman" panose="02020603050405020304" pitchFamily="18" charset="0"/>
+            </a:endParaRPr>
+          </a:p>
+        </p:txBody>
+      </p:sp>
+      <p:sp>
+        <p:nvSpPr>
+          <p:cNvPr id="3" name="Content Placeholder 2">
+            <a:extLst>
+              <a:ext uri="{FF2B5EF4-FFF2-40B4-BE49-F238E27FC236}">
+                <a16:creationId xmlns:a16="http://schemas.microsoft.com/office/drawing/2014/main" id="{4E1730CF-3E1D-4937-A06C-C4802EC6ED4A}"/>
+              </a:ext>
+            </a:extLst>
+          </p:cNvPr>
+          <p:cNvSpPr>
+            <a:spLocks noGrp="1"/>
+          </p:cNvSpPr>
+          <p:nvPr>
+            <p:ph sz="quarter" idx="1"/>
+          </p:nvPr>
+        </p:nvSpPr>
+        <p:spPr>
+          <a:xfrm>
+            <a:off x="683568" y="710515"/>
+            <a:ext cx="7467600" cy="3510573"/>
+          </a:xfrm>
+        </p:spPr>
+        <p:txBody>
+          <a:bodyPr>
+            <a:normAutofit/>
+          </a:bodyPr>
+          <a:lstStyle/>
+          <a:p>
+            <a:pPr marL="0" indent="0" algn="just">
+              <a:buNone/>
+            </a:pPr>
+            <a:endParaRPr lang="en-ID" dirty="0"/>
+          </a:p>
+          <a:p>
+            <a:pPr algn="just"/>
+            <a:r>
+              <a:rPr lang="en-US" dirty="0" err="1"/>
+              <a:t>Untuk</a:t>
+            </a:r>
+            <a:r>
+              <a:rPr lang="en-US" dirty="0"/>
+              <a:t> </a:t>
+            </a:r>
+            <a:r>
+              <a:rPr lang="en-US" dirty="0" err="1"/>
+              <a:t>mengetahui</a:t>
+            </a:r>
+            <a:r>
+              <a:rPr lang="en-US" dirty="0"/>
+              <a:t> </a:t>
+            </a:r>
+            <a:r>
+              <a:rPr lang="en-US" dirty="0" err="1"/>
+              <a:t>warga</a:t>
+            </a:r>
+            <a:r>
+              <a:rPr lang="en-US" dirty="0"/>
+              <a:t> </a:t>
+            </a:r>
+            <a:r>
+              <a:rPr lang="en-US" dirty="0" err="1"/>
+              <a:t>mendapatkan</a:t>
+            </a:r>
+            <a:r>
+              <a:rPr lang="en-US" dirty="0"/>
+              <a:t> </a:t>
+            </a:r>
+            <a:r>
+              <a:rPr lang="en-US" dirty="0" err="1"/>
+              <a:t>bantuan</a:t>
+            </a:r>
+            <a:r>
+              <a:rPr lang="en-US" dirty="0"/>
+              <a:t> </a:t>
+            </a:r>
+            <a:r>
+              <a:rPr lang="en-US" dirty="0" err="1"/>
+              <a:t>bedah</a:t>
+            </a:r>
+            <a:r>
+              <a:rPr lang="en-US" dirty="0"/>
+              <a:t> </a:t>
+            </a:r>
+            <a:r>
+              <a:rPr lang="en-US" dirty="0" err="1"/>
+              <a:t>rumah</a:t>
+            </a:r>
+            <a:r>
+              <a:rPr lang="en-US" dirty="0"/>
+              <a:t> </a:t>
+            </a:r>
+            <a:r>
+              <a:rPr lang="en-US" dirty="0" err="1"/>
+              <a:t>biasana</a:t>
+            </a:r>
+            <a:r>
+              <a:rPr lang="en-US" dirty="0"/>
+              <a:t> </a:t>
+            </a:r>
+            <a:r>
+              <a:rPr lang="en-US" dirty="0" err="1"/>
+              <a:t>diberitahu</a:t>
+            </a:r>
+            <a:r>
+              <a:rPr lang="en-US" dirty="0"/>
+              <a:t> oleh </a:t>
+            </a:r>
+            <a:r>
+              <a:rPr lang="en-US" dirty="0" err="1"/>
+              <a:t>Ketua</a:t>
+            </a:r>
+            <a:r>
+              <a:rPr lang="en-US" dirty="0"/>
+              <a:t> RT dan </a:t>
+            </a:r>
+            <a:r>
+              <a:rPr lang="en-US" dirty="0" err="1"/>
+              <a:t>untuk</a:t>
+            </a:r>
+            <a:r>
+              <a:rPr lang="en-US" dirty="0"/>
+              <a:t> </a:t>
+            </a:r>
+            <a:r>
+              <a:rPr lang="en-US" dirty="0" err="1"/>
+              <a:t>kejelasan</a:t>
+            </a:r>
+            <a:r>
+              <a:rPr lang="en-US" dirty="0"/>
+              <a:t> dana </a:t>
+            </a:r>
+            <a:r>
+              <a:rPr lang="en-US" dirty="0" err="1"/>
+              <a:t>akan</a:t>
+            </a:r>
+            <a:r>
+              <a:rPr lang="en-US" dirty="0"/>
+              <a:t> di </a:t>
+            </a:r>
+            <a:r>
+              <a:rPr lang="en-US" dirty="0" err="1"/>
+              <a:t>salurkan</a:t>
+            </a:r>
+            <a:r>
+              <a:rPr lang="en-US" dirty="0"/>
+              <a:t> dan </a:t>
+            </a:r>
+            <a:r>
+              <a:rPr lang="en-US" dirty="0" err="1"/>
+              <a:t>kapan</a:t>
+            </a:r>
+            <a:r>
+              <a:rPr lang="en-US" dirty="0"/>
+              <a:t> </a:t>
+            </a:r>
+            <a:r>
+              <a:rPr lang="en-US" dirty="0" err="1"/>
+              <a:t>rumah</a:t>
+            </a:r>
+            <a:r>
+              <a:rPr lang="en-US" dirty="0"/>
+              <a:t> </a:t>
+            </a:r>
+            <a:r>
+              <a:rPr lang="en-US" dirty="0" err="1"/>
+              <a:t>mulai</a:t>
+            </a:r>
+            <a:r>
+              <a:rPr lang="en-US" dirty="0"/>
+              <a:t> di </a:t>
+            </a:r>
+            <a:r>
+              <a:rPr lang="en-US" dirty="0" err="1"/>
+              <a:t>kerjakan</a:t>
+            </a:r>
+            <a:r>
+              <a:rPr lang="en-US" dirty="0"/>
+              <a:t> </a:t>
+            </a:r>
+            <a:r>
+              <a:rPr lang="en-US" dirty="0" err="1"/>
+              <a:t>renovasinya</a:t>
+            </a:r>
+            <a:r>
+              <a:rPr lang="en-US" dirty="0"/>
+              <a:t> </a:t>
+            </a:r>
+            <a:r>
+              <a:rPr lang="en-US" dirty="0" err="1"/>
+              <a:t>warga</a:t>
+            </a:r>
+            <a:r>
+              <a:rPr lang="en-US" dirty="0"/>
+              <a:t> </a:t>
+            </a:r>
+            <a:r>
+              <a:rPr lang="en-US" dirty="0" err="1"/>
+              <a:t>harus</a:t>
+            </a:r>
+            <a:r>
+              <a:rPr lang="en-US" dirty="0"/>
+              <a:t> </a:t>
+            </a:r>
+            <a:r>
+              <a:rPr lang="en-US" dirty="0" err="1"/>
+              <a:t>menunggu</a:t>
+            </a:r>
+            <a:r>
+              <a:rPr lang="en-US" dirty="0"/>
+              <a:t> </a:t>
+            </a:r>
+            <a:r>
+              <a:rPr lang="en-US" dirty="0" err="1"/>
+              <a:t>dari</a:t>
+            </a:r>
+            <a:r>
+              <a:rPr lang="en-US" dirty="0"/>
+              <a:t> DINSOS yang </a:t>
+            </a:r>
+            <a:r>
+              <a:rPr lang="en-US" dirty="0" err="1"/>
+              <a:t>tidak</a:t>
+            </a:r>
+            <a:r>
+              <a:rPr lang="en-US" dirty="0"/>
+              <a:t> </a:t>
+            </a:r>
+            <a:r>
+              <a:rPr lang="en-US" dirty="0" err="1"/>
+              <a:t>tahu</a:t>
+            </a:r>
+            <a:r>
+              <a:rPr lang="en-US" dirty="0"/>
+              <a:t> </a:t>
+            </a:r>
+            <a:r>
+              <a:rPr lang="en-US" dirty="0" err="1"/>
+              <a:t>kapan</a:t>
+            </a:r>
+            <a:r>
+              <a:rPr lang="en-US" dirty="0"/>
+              <a:t> </a:t>
+            </a:r>
+            <a:r>
+              <a:rPr lang="en-US" dirty="0" err="1"/>
+              <a:t>kepastianya</a:t>
+            </a:r>
+            <a:r>
+              <a:rPr lang="en-US" dirty="0"/>
+              <a:t>. </a:t>
+            </a:r>
+            <a:r>
+              <a:rPr lang="en-US" dirty="0" err="1"/>
+              <a:t>Menurut</a:t>
+            </a:r>
+            <a:r>
+              <a:rPr lang="en-US" dirty="0"/>
+              <a:t> </a:t>
+            </a:r>
+            <a:r>
+              <a:rPr lang="en-US" dirty="0" err="1"/>
+              <a:t>kasus</a:t>
+            </a:r>
+            <a:r>
+              <a:rPr lang="en-US" dirty="0"/>
+              <a:t> di </a:t>
+            </a:r>
+            <a:r>
+              <a:rPr lang="en-US" dirty="0" err="1"/>
+              <a:t>lapangan</a:t>
+            </a:r>
+            <a:r>
+              <a:rPr lang="en-US" dirty="0"/>
+              <a:t> </a:t>
+            </a:r>
+            <a:r>
+              <a:rPr lang="en-US" dirty="0" err="1"/>
+              <a:t>warga</a:t>
+            </a:r>
+            <a:r>
+              <a:rPr lang="en-US" dirty="0"/>
+              <a:t> </a:t>
+            </a:r>
+            <a:r>
+              <a:rPr lang="en-US" dirty="0" err="1"/>
+              <a:t>bisa</a:t>
+            </a:r>
+            <a:r>
+              <a:rPr lang="en-US" dirty="0"/>
+              <a:t> </a:t>
+            </a:r>
+            <a:r>
+              <a:rPr lang="en-US" dirty="0" err="1"/>
+              <a:t>menunggu</a:t>
+            </a:r>
+            <a:r>
+              <a:rPr lang="en-US" dirty="0"/>
+              <a:t> </a:t>
+            </a:r>
+            <a:r>
+              <a:rPr lang="en-US" dirty="0" err="1"/>
+              <a:t>beberapa</a:t>
+            </a:r>
+            <a:r>
+              <a:rPr lang="en-US" dirty="0"/>
+              <a:t> </a:t>
+            </a:r>
+            <a:r>
+              <a:rPr lang="en-US" dirty="0" err="1"/>
+              <a:t>bulan</a:t>
+            </a:r>
+            <a:r>
+              <a:rPr lang="en-US" dirty="0"/>
+              <a:t> </a:t>
+            </a:r>
+            <a:r>
+              <a:rPr lang="en-US" dirty="0" err="1"/>
+              <a:t>ada</a:t>
+            </a:r>
+            <a:r>
+              <a:rPr lang="en-US" dirty="0"/>
+              <a:t> juga </a:t>
+            </a:r>
+            <a:r>
+              <a:rPr lang="en-US" dirty="0" err="1"/>
+              <a:t>yg</a:t>
+            </a:r>
+            <a:r>
+              <a:rPr lang="en-US" dirty="0"/>
+              <a:t> </a:t>
+            </a:r>
+            <a:r>
+              <a:rPr lang="en-US" dirty="0" err="1"/>
+              <a:t>selama</a:t>
+            </a:r>
+            <a:r>
+              <a:rPr lang="en-US" dirty="0"/>
+              <a:t> 1 </a:t>
+            </a:r>
+            <a:r>
+              <a:rPr lang="en-US" dirty="0" err="1"/>
+              <a:t>tahun</a:t>
+            </a:r>
+            <a:r>
+              <a:rPr lang="en-US" dirty="0"/>
+              <a:t>.</a:t>
+            </a:r>
+            <a:endParaRPr lang="en-US" sz="2000" dirty="0"/>
+          </a:p>
+        </p:txBody>
+      </p:sp>
+      <p:sp>
+        <p:nvSpPr>
+          <p:cNvPr id="4" name="Content Placeholder 2">
+            <a:extLst>
+              <a:ext uri="{FF2B5EF4-FFF2-40B4-BE49-F238E27FC236}">
+                <a16:creationId xmlns:a16="http://schemas.microsoft.com/office/drawing/2014/main" id="{B0260381-BF6F-4A97-A594-1E07C7A22457}"/>
+              </a:ext>
+            </a:extLst>
+          </p:cNvPr>
+          <p:cNvSpPr txBox="1">
+            <a:spLocks/>
+          </p:cNvSpPr>
+          <p:nvPr/>
+        </p:nvSpPr>
+        <p:spPr>
+          <a:xfrm>
+            <a:off x="683568" y="710515"/>
+            <a:ext cx="7467600" cy="4734709"/>
+          </a:xfrm>
+          <a:prstGeom prst="rect">
+            <a:avLst/>
+          </a:prstGeom>
+        </p:spPr>
+        <p:txBody>
+          <a:bodyPr vert="horz">
+            <a:normAutofit/>
+          </a:bodyPr>
+          <a:lstStyle>
+            <a:lvl1pPr marL="274320" indent="-274320" algn="l" rtl="0" eaLnBrk="1" latinLnBrk="0" hangingPunct="1">
+              <a:spcBef>
+                <a:spcPts val="600"/>
+              </a:spcBef>
+              <a:buClr>
+                <a:schemeClr val="accent1"/>
+              </a:buClr>
+              <a:buSzPct val="70000"/>
+              <a:buFont typeface="Wingdings"/>
+              <a:buChar char=""/>
+              <a:defRPr kumimoji="0" sz="2400" kern="1200">
+                <a:solidFill>
+                  <a:schemeClr val="tx1"/>
+                </a:solidFill>
+                <a:latin typeface="+mn-lt"/>
+                <a:ea typeface="+mn-ea"/>
+                <a:cs typeface="+mn-cs"/>
+              </a:defRPr>
+            </a:lvl1pPr>
+            <a:lvl2pPr marL="640080" indent="-274320" algn="l" rtl="0" eaLnBrk="1" latinLnBrk="0" hangingPunct="1">
+              <a:spcBef>
+                <a:spcPct val="20000"/>
+              </a:spcBef>
+              <a:buClr>
+                <a:schemeClr val="accent1"/>
+              </a:buClr>
+              <a:buSzPct val="80000"/>
+              <a:buFont typeface="Wingdings 2"/>
+              <a:buChar char=""/>
+              <a:defRPr kumimoji="0" sz="2100" kern="1200">
+                <a:solidFill>
+                  <a:schemeClr val="tx1"/>
+                </a:solidFill>
+                <a:latin typeface="+mn-lt"/>
+                <a:ea typeface="+mn-ea"/>
+                <a:cs typeface="+mn-cs"/>
+              </a:defRPr>
+            </a:lvl2pPr>
+            <a:lvl3pPr marL="914400" indent="-182880" algn="l" rtl="0" eaLnBrk="1" latinLnBrk="0" hangingPunct="1">
+              <a:spcBef>
+                <a:spcPct val="20000"/>
+              </a:spcBef>
+              <a:buClr>
+                <a:schemeClr val="accent1">
+                  <a:shade val="75000"/>
+                </a:schemeClr>
+              </a:buClr>
+              <a:buSzPct val="60000"/>
+              <a:buFont typeface="Wingdings"/>
+              <a:buChar char=""/>
+              <a:defRPr kumimoji="0" sz="1800" kern="1200">
+                <a:solidFill>
+                  <a:schemeClr val="tx1"/>
+                </a:solidFill>
+                <a:latin typeface="+mn-lt"/>
+                <a:ea typeface="+mn-ea"/>
+                <a:cs typeface="+mn-cs"/>
+              </a:defRPr>
+            </a:lvl3pPr>
+            <a:lvl4pPr marL="1188720" indent="-182880" algn="l" rtl="0" eaLnBrk="1" latinLnBrk="0" hangingPunct="1">
+              <a:spcBef>
+                <a:spcPct val="20000"/>
+              </a:spcBef>
+              <a:buClr>
+                <a:schemeClr val="accent1">
+                  <a:tint val="60000"/>
+                </a:schemeClr>
+              </a:buClr>
+              <a:buSzPct val="60000"/>
+              <a:buFont typeface="Wingdings"/>
+              <a:buChar char=""/>
+              <a:defRPr kumimoji="0" sz="1800" kern="1200">
+                <a:solidFill>
+                  <a:schemeClr val="tx1"/>
+                </a:solidFill>
+                <a:latin typeface="+mn-lt"/>
+                <a:ea typeface="+mn-ea"/>
+                <a:cs typeface="+mn-cs"/>
+              </a:defRPr>
+            </a:lvl4pPr>
+            <a:lvl5pPr marL="1463040" indent="-182880" algn="l" rtl="0" eaLnBrk="1" latinLnBrk="0" hangingPunct="1">
+              <a:spcBef>
+                <a:spcPct val="20000"/>
+              </a:spcBef>
+              <a:buClr>
+                <a:schemeClr val="accent2">
+                  <a:tint val="60000"/>
+                </a:schemeClr>
+              </a:buClr>
+              <a:buSzPct val="68000"/>
+              <a:buFont typeface="Wingdings 2"/>
+              <a:buChar char=""/>
+              <a:defRPr kumimoji="0" sz="1600" kern="1200">
+                <a:solidFill>
+                  <a:schemeClr val="tx1"/>
+                </a:solidFill>
+                <a:latin typeface="+mn-lt"/>
+                <a:ea typeface="+mn-ea"/>
+                <a:cs typeface="+mn-cs"/>
+              </a:defRPr>
+            </a:lvl5pPr>
+            <a:lvl6pPr marL="1737360" indent="-182880" algn="l" rtl="0" eaLnBrk="1" latinLnBrk="0" hangingPunct="1">
+              <a:spcBef>
+                <a:spcPct val="20000"/>
+              </a:spcBef>
+              <a:buClr>
+                <a:schemeClr val="accent1"/>
+              </a:buClr>
+              <a:buChar char="•"/>
+              <a:defRPr kumimoji="0" sz="1600" kern="1200">
+                <a:solidFill>
+                  <a:schemeClr val="tx2"/>
+                </a:solidFill>
+                <a:latin typeface="+mn-lt"/>
+                <a:ea typeface="+mn-ea"/>
+                <a:cs typeface="+mn-cs"/>
+              </a:defRPr>
+            </a:lvl6pPr>
+            <a:lvl7pPr marL="2011680" indent="-182880" algn="l" rtl="0" eaLnBrk="1" latinLnBrk="0" hangingPunct="1">
+              <a:spcBef>
+                <a:spcPct val="20000"/>
+              </a:spcBef>
+              <a:buClr>
+                <a:schemeClr val="accent1">
+                  <a:tint val="60000"/>
+                </a:schemeClr>
+              </a:buClr>
+              <a:buSzPct val="60000"/>
+              <a:buFont typeface="Wingdings"/>
+              <a:buChar char=""/>
+              <a:defRPr kumimoji="0" sz="1400" kern="1200" baseline="0">
+                <a:solidFill>
+                  <a:schemeClr val="tx2"/>
+                </a:solidFill>
+                <a:latin typeface="+mn-lt"/>
+                <a:ea typeface="+mn-ea"/>
+                <a:cs typeface="+mn-cs"/>
+              </a:defRPr>
+            </a:lvl7pPr>
+            <a:lvl8pPr marL="2286000" indent="-182880" algn="l" rtl="0" eaLnBrk="1" latinLnBrk="0" hangingPunct="1">
+              <a:spcBef>
+                <a:spcPct val="20000"/>
+              </a:spcBef>
+              <a:buClr>
+                <a:schemeClr val="accent2"/>
+              </a:buClr>
+              <a:buChar char="•"/>
+              <a:defRPr kumimoji="0" sz="1400" kern="1200" cap="small" baseline="0">
+                <a:solidFill>
+                  <a:schemeClr val="tx2"/>
+                </a:solidFill>
+                <a:latin typeface="+mn-lt"/>
+                <a:ea typeface="+mn-ea"/>
+                <a:cs typeface="+mn-cs"/>
+              </a:defRPr>
+            </a:lvl8pPr>
+            <a:lvl9pPr marL="2560320" indent="-182880" algn="l" rtl="0" eaLnBrk="1" latinLnBrk="0" hangingPunct="1">
+              <a:spcBef>
+                <a:spcPct val="20000"/>
+              </a:spcBef>
+              <a:buClr>
+                <a:schemeClr val="accent1">
+                  <a:shade val="75000"/>
+                </a:schemeClr>
+              </a:buClr>
+              <a:buChar char="•"/>
+              <a:defRPr kumimoji="0" sz="1400" kern="1200" baseline="0">
+                <a:solidFill>
+                  <a:schemeClr val="tx2"/>
+                </a:solidFill>
+                <a:latin typeface="+mn-lt"/>
+                <a:ea typeface="+mn-ea"/>
+                <a:cs typeface="+mn-cs"/>
+              </a:defRPr>
+            </a:lvl9pPr>
+          </a:lstStyle>
+          <a:p>
+            <a:pPr marL="0" indent="0" algn="just">
+              <a:buFont typeface="Wingdings"/>
+              <a:buNone/>
+            </a:pPr>
+            <a:endParaRPr lang="en-ID" dirty="0"/>
+          </a:p>
+          <a:p>
+            <a:pPr algn="just"/>
+            <a:r>
+              <a:rPr lang="en-US" dirty="0"/>
+              <a:t>.</a:t>
+            </a:r>
+            <a:endParaRPr lang="en-US" sz="2000" dirty="0"/>
+          </a:p>
+        </p:txBody>
+      </p:sp>
+      <p:sp>
+        <p:nvSpPr>
+          <p:cNvPr id="5" name="Content Placeholder 2">
+            <a:extLst>
+              <a:ext uri="{FF2B5EF4-FFF2-40B4-BE49-F238E27FC236}">
+                <a16:creationId xmlns:a16="http://schemas.microsoft.com/office/drawing/2014/main" id="{9E8B56F5-A6E5-41AA-B513-D51394A83DDB}"/>
+              </a:ext>
+            </a:extLst>
+          </p:cNvPr>
+          <p:cNvSpPr txBox="1">
+            <a:spLocks/>
+          </p:cNvSpPr>
+          <p:nvPr/>
+        </p:nvSpPr>
+        <p:spPr>
+          <a:xfrm>
+            <a:off x="838200" y="4090029"/>
+            <a:ext cx="7467600" cy="2291299"/>
+          </a:xfrm>
+          <a:prstGeom prst="rect">
+            <a:avLst/>
+          </a:prstGeom>
+        </p:spPr>
+        <p:txBody>
+          <a:bodyPr vert="horz">
+            <a:normAutofit/>
+          </a:bodyPr>
+          <a:lstStyle>
+            <a:lvl1pPr marL="274320" indent="-274320" algn="l" rtl="0" eaLnBrk="1" latinLnBrk="0" hangingPunct="1">
+              <a:spcBef>
+                <a:spcPts val="600"/>
+              </a:spcBef>
+              <a:buClr>
+                <a:schemeClr val="accent1"/>
+              </a:buClr>
+              <a:buSzPct val="70000"/>
+              <a:buFont typeface="Wingdings"/>
+              <a:buChar char=""/>
+              <a:defRPr kumimoji="0" sz="2400" kern="1200">
+                <a:solidFill>
+                  <a:schemeClr val="tx1"/>
+                </a:solidFill>
+                <a:latin typeface="+mn-lt"/>
+                <a:ea typeface="+mn-ea"/>
+                <a:cs typeface="+mn-cs"/>
+              </a:defRPr>
+            </a:lvl1pPr>
+            <a:lvl2pPr marL="640080" indent="-274320" algn="l" rtl="0" eaLnBrk="1" latinLnBrk="0" hangingPunct="1">
+              <a:spcBef>
+                <a:spcPct val="20000"/>
+              </a:spcBef>
+              <a:buClr>
+                <a:schemeClr val="accent1"/>
+              </a:buClr>
+              <a:buSzPct val="80000"/>
+              <a:buFont typeface="Wingdings 2"/>
+              <a:buChar char=""/>
+              <a:defRPr kumimoji="0" sz="2100" kern="1200">
+                <a:solidFill>
+                  <a:schemeClr val="tx1"/>
+                </a:solidFill>
+                <a:latin typeface="+mn-lt"/>
+                <a:ea typeface="+mn-ea"/>
+                <a:cs typeface="+mn-cs"/>
+              </a:defRPr>
+            </a:lvl2pPr>
+            <a:lvl3pPr marL="914400" indent="-182880" algn="l" rtl="0" eaLnBrk="1" latinLnBrk="0" hangingPunct="1">
+              <a:spcBef>
+                <a:spcPct val="20000"/>
+              </a:spcBef>
+              <a:buClr>
+                <a:schemeClr val="accent1">
+                  <a:shade val="75000"/>
+                </a:schemeClr>
+              </a:buClr>
+              <a:buSzPct val="60000"/>
+              <a:buFont typeface="Wingdings"/>
+              <a:buChar char=""/>
+              <a:defRPr kumimoji="0" sz="1800" kern="1200">
+                <a:solidFill>
+                  <a:schemeClr val="tx1"/>
+                </a:solidFill>
+                <a:latin typeface="+mn-lt"/>
+                <a:ea typeface="+mn-ea"/>
+                <a:cs typeface="+mn-cs"/>
+              </a:defRPr>
+            </a:lvl3pPr>
+            <a:lvl4pPr marL="1188720" indent="-182880" algn="l" rtl="0" eaLnBrk="1" latinLnBrk="0" hangingPunct="1">
+              <a:spcBef>
+                <a:spcPct val="20000"/>
+              </a:spcBef>
+              <a:buClr>
+                <a:schemeClr val="accent1">
+                  <a:tint val="60000"/>
+                </a:schemeClr>
+              </a:buClr>
+              <a:buSzPct val="60000"/>
+              <a:buFont typeface="Wingdings"/>
+              <a:buChar char=""/>
+              <a:defRPr kumimoji="0" sz="1800" kern="1200">
+                <a:solidFill>
+                  <a:schemeClr val="tx1"/>
+                </a:solidFill>
+                <a:latin typeface="+mn-lt"/>
+                <a:ea typeface="+mn-ea"/>
+                <a:cs typeface="+mn-cs"/>
+              </a:defRPr>
+            </a:lvl4pPr>
+            <a:lvl5pPr marL="1463040" indent="-182880" algn="l" rtl="0" eaLnBrk="1" latinLnBrk="0" hangingPunct="1">
+              <a:spcBef>
+                <a:spcPct val="20000"/>
+              </a:spcBef>
+              <a:buClr>
+                <a:schemeClr val="accent2">
+                  <a:tint val="60000"/>
+                </a:schemeClr>
+              </a:buClr>
+              <a:buSzPct val="68000"/>
+              <a:buFont typeface="Wingdings 2"/>
+              <a:buChar char=""/>
+              <a:defRPr kumimoji="0" sz="1600" kern="1200">
+                <a:solidFill>
+                  <a:schemeClr val="tx1"/>
+                </a:solidFill>
+                <a:latin typeface="+mn-lt"/>
+                <a:ea typeface="+mn-ea"/>
+                <a:cs typeface="+mn-cs"/>
+              </a:defRPr>
+            </a:lvl5pPr>
+            <a:lvl6pPr marL="1737360" indent="-182880" algn="l" rtl="0" eaLnBrk="1" latinLnBrk="0" hangingPunct="1">
+              <a:spcBef>
+                <a:spcPct val="20000"/>
+              </a:spcBef>
+              <a:buClr>
+                <a:schemeClr val="accent1"/>
+              </a:buClr>
+              <a:buChar char="•"/>
+              <a:defRPr kumimoji="0" sz="1600" kern="1200">
+                <a:solidFill>
+                  <a:schemeClr val="tx2"/>
+                </a:solidFill>
+                <a:latin typeface="+mn-lt"/>
+                <a:ea typeface="+mn-ea"/>
+                <a:cs typeface="+mn-cs"/>
+              </a:defRPr>
+            </a:lvl6pPr>
+            <a:lvl7pPr marL="2011680" indent="-182880" algn="l" rtl="0" eaLnBrk="1" latinLnBrk="0" hangingPunct="1">
+              <a:spcBef>
+                <a:spcPct val="20000"/>
+              </a:spcBef>
+              <a:buClr>
+                <a:schemeClr val="accent1">
+                  <a:tint val="60000"/>
+                </a:schemeClr>
+              </a:buClr>
+              <a:buSzPct val="60000"/>
+              <a:buFont typeface="Wingdings"/>
+              <a:buChar char=""/>
+              <a:defRPr kumimoji="0" sz="1400" kern="1200" baseline="0">
+                <a:solidFill>
+                  <a:schemeClr val="tx2"/>
+                </a:solidFill>
+                <a:latin typeface="+mn-lt"/>
+                <a:ea typeface="+mn-ea"/>
+                <a:cs typeface="+mn-cs"/>
+              </a:defRPr>
+            </a:lvl7pPr>
+            <a:lvl8pPr marL="2286000" indent="-182880" algn="l" rtl="0" eaLnBrk="1" latinLnBrk="0" hangingPunct="1">
+              <a:spcBef>
+                <a:spcPct val="20000"/>
+              </a:spcBef>
+              <a:buClr>
+                <a:schemeClr val="accent2"/>
+              </a:buClr>
+              <a:buChar char="•"/>
+              <a:defRPr kumimoji="0" sz="1400" kern="1200" cap="small" baseline="0">
+                <a:solidFill>
+                  <a:schemeClr val="tx2"/>
+                </a:solidFill>
+                <a:latin typeface="+mn-lt"/>
+                <a:ea typeface="+mn-ea"/>
+                <a:cs typeface="+mn-cs"/>
+              </a:defRPr>
+            </a:lvl8pPr>
+            <a:lvl9pPr marL="2560320" indent="-182880" algn="l" rtl="0" eaLnBrk="1" latinLnBrk="0" hangingPunct="1">
+              <a:spcBef>
+                <a:spcPct val="20000"/>
+              </a:spcBef>
+              <a:buClr>
+                <a:schemeClr val="accent1">
+                  <a:shade val="75000"/>
+                </a:schemeClr>
+              </a:buClr>
+              <a:buChar char="•"/>
+              <a:defRPr kumimoji="0" sz="1400" kern="1200" baseline="0">
+                <a:solidFill>
+                  <a:schemeClr val="tx2"/>
+                </a:solidFill>
+                <a:latin typeface="+mn-lt"/>
+                <a:ea typeface="+mn-ea"/>
+                <a:cs typeface="+mn-cs"/>
+              </a:defRPr>
+            </a:lvl9pPr>
+          </a:lstStyle>
+          <a:p>
+            <a:pPr marL="0" indent="0" algn="just">
+              <a:buFont typeface="Wingdings"/>
+              <a:buNone/>
+            </a:pPr>
+            <a:endParaRPr lang="en-ID" dirty="0"/>
+          </a:p>
+          <a:p>
+            <a:pPr algn="just"/>
+            <a:r>
+              <a:rPr lang="en-US" dirty="0" err="1"/>
+              <a:t>Dengan</a:t>
+            </a:r>
+            <a:r>
+              <a:rPr lang="en-US" dirty="0"/>
+              <a:t> </a:t>
+            </a:r>
+            <a:r>
+              <a:rPr lang="en-US" dirty="0" err="1"/>
+              <a:t>adanya</a:t>
+            </a:r>
+            <a:r>
+              <a:rPr lang="en-US" dirty="0"/>
+              <a:t> </a:t>
+            </a:r>
+            <a:r>
+              <a:rPr lang="en-US" dirty="0" err="1"/>
+              <a:t>masalah</a:t>
+            </a:r>
+            <a:r>
+              <a:rPr lang="en-US" dirty="0"/>
+              <a:t> </a:t>
+            </a:r>
+            <a:r>
+              <a:rPr lang="en-US" dirty="0" err="1"/>
+              <a:t>tersebut</a:t>
+            </a:r>
+            <a:r>
+              <a:rPr lang="en-US" dirty="0"/>
+              <a:t> </a:t>
+            </a:r>
+            <a:r>
+              <a:rPr lang="en-US" dirty="0" err="1"/>
+              <a:t>maka</a:t>
+            </a:r>
+            <a:r>
+              <a:rPr lang="en-US" dirty="0"/>
+              <a:t> </a:t>
+            </a:r>
+            <a:r>
+              <a:rPr lang="en-US" dirty="0" err="1"/>
+              <a:t>dibuatlah</a:t>
+            </a:r>
+            <a:r>
+              <a:rPr lang="en-US" dirty="0"/>
+              <a:t> </a:t>
+            </a:r>
+            <a:r>
+              <a:rPr lang="en-US" dirty="0" err="1"/>
+              <a:t>sistem</a:t>
+            </a:r>
+            <a:r>
+              <a:rPr lang="en-US" dirty="0"/>
+              <a:t> </a:t>
+            </a:r>
+            <a:r>
+              <a:rPr lang="en-US" dirty="0" err="1"/>
+              <a:t>untuk</a:t>
+            </a:r>
+            <a:r>
+              <a:rPr lang="en-US" dirty="0"/>
+              <a:t> </a:t>
+            </a:r>
+            <a:r>
+              <a:rPr lang="en-US" dirty="0" err="1"/>
+              <a:t>menyelesaikannya</a:t>
+            </a:r>
+            <a:r>
+              <a:rPr lang="en-US" dirty="0"/>
+              <a:t>.</a:t>
+            </a:r>
+            <a:endParaRPr lang="en-US" sz="2000" dirty="0"/>
+          </a:p>
+        </p:txBody>
+      </p:sp>
+    </p:spTree>
+    <p:extLst>
+      <p:ext uri="{BB962C8B-B14F-4D97-AF65-F5344CB8AC3E}">
+        <p14:creationId xmlns:p14="http://schemas.microsoft.com/office/powerpoint/2010/main" val="949675119"/>
+      </p:ext>
+    </p:extLst>
+  </p:cSld>
+  <p:clrMapOvr>
+    <a:masterClrMapping/>
+  </p:clrMapOvr>
+  <p:transition spd="med">
+    <p:pull/>
+  </p:transition>
+</p:sld>
+</file>
+
+<file path=ppt/slides/slide30.xml><?xml version="1.0" encoding="utf-8"?>
 <p:sld xmlns:a="http://schemas.openxmlformats.org/drawingml/2006/main" xmlns:r="http://schemas.openxmlformats.org/officeDocument/2006/relationships" xmlns:p="http://schemas.openxmlformats.org/presentationml/2006/main">
   <p:cSld>
     <p:bg>
@@ -13288,7 +18432,7 @@
 </p:sld>
 </file>
 
-<file path=ppt/slides/slide28.xml><?xml version="1.0" encoding="utf-8"?>
+<file path=ppt/slides/slide31.xml><?xml version="1.0" encoding="utf-8"?>
 <p:sld xmlns:a="http://schemas.openxmlformats.org/drawingml/2006/main" xmlns:r="http://schemas.openxmlformats.org/officeDocument/2006/relationships" xmlns:p="http://schemas.openxmlformats.org/presentationml/2006/main">
   <p:cSld>
     <p:bg>
@@ -14072,7 +19216,7 @@
 </p:sld>
 </file>
 
-<file path=ppt/slides/slide29.xml><?xml version="1.0" encoding="utf-8"?>
+<file path=ppt/slides/slide32.xml><?xml version="1.0" encoding="utf-8"?>
 <p:sld xmlns:a="http://schemas.openxmlformats.org/drawingml/2006/main" xmlns:r="http://schemas.openxmlformats.org/officeDocument/2006/relationships" xmlns:p="http://schemas.openxmlformats.org/presentationml/2006/main">
   <p:cSld>
     <p:bg>
@@ -14161,1002 +19305,6 @@
   <p:clrMapOvr>
     <a:masterClrMapping/>
   </p:clrMapOvr>
-</p:sld>
-</file>
-
-<file path=ppt/slides/slide3.xml><?xml version="1.0" encoding="utf-8"?>
-<p:sld xmlns:a="http://schemas.openxmlformats.org/drawingml/2006/main" xmlns:r="http://schemas.openxmlformats.org/officeDocument/2006/relationships" xmlns:p="http://schemas.openxmlformats.org/presentationml/2006/main">
-  <p:cSld>
-    <p:bg>
-      <p:bgPr>
-        <a:blipFill dpi="0" rotWithShape="1">
-          <a:blip r:embed="rId2">
-            <a:lum/>
-          </a:blip>
-          <a:srcRect/>
-          <a:stretch>
-            <a:fillRect/>
-          </a:stretch>
-        </a:blipFill>
-        <a:effectLst/>
-      </p:bgPr>
-    </p:bg>
-    <p:spTree>
-      <p:nvGrpSpPr>
-        <p:cNvPr id="1" name=""/>
-        <p:cNvGrpSpPr/>
-        <p:nvPr/>
-      </p:nvGrpSpPr>
-      <p:grpSpPr>
-        <a:xfrm>
-          <a:off x="0" y="0"/>
-          <a:ext cx="0" cy="0"/>
-          <a:chOff x="0" y="0"/>
-          <a:chExt cx="0" cy="0"/>
-        </a:xfrm>
-      </p:grpSpPr>
-      <p:sp>
-        <p:nvSpPr>
-          <p:cNvPr id="2" name="Title 1">
-            <a:extLst>
-              <a:ext uri="{FF2B5EF4-FFF2-40B4-BE49-F238E27FC236}">
-                <a16:creationId xmlns:a16="http://schemas.microsoft.com/office/drawing/2014/main" id="{A304A63C-2AB2-43E2-81C7-98E9A901DFBA}"/>
-              </a:ext>
-            </a:extLst>
-          </p:cNvPr>
-          <p:cNvSpPr>
-            <a:spLocks noGrp="1"/>
-          </p:cNvSpPr>
-          <p:nvPr>
-            <p:ph type="title"/>
-          </p:nvPr>
-        </p:nvSpPr>
-        <p:spPr>
-          <a:xfrm>
-            <a:off x="683568" y="57581"/>
-            <a:ext cx="7467600" cy="652934"/>
-          </a:xfrm>
-        </p:spPr>
-        <p:txBody>
-          <a:bodyPr>
-            <a:normAutofit/>
-          </a:bodyPr>
-          <a:lstStyle/>
-          <a:p>
-            <a:r>
-              <a:rPr lang="en-US" sz="3600" dirty="0" err="1">
-                <a:solidFill>
-                  <a:schemeClr val="tx1"/>
-                </a:solidFill>
-                <a:latin typeface="Times New Roman" panose="02020603050405020304" pitchFamily="18" charset="0"/>
-                <a:cs typeface="Times New Roman" panose="02020603050405020304" pitchFamily="18" charset="0"/>
-              </a:rPr>
-              <a:t>Latar</a:t>
-            </a:r>
-            <a:r>
-              <a:rPr lang="en-US" sz="3600" dirty="0">
-                <a:solidFill>
-                  <a:schemeClr val="tx1"/>
-                </a:solidFill>
-                <a:latin typeface="Times New Roman" panose="02020603050405020304" pitchFamily="18" charset="0"/>
-                <a:cs typeface="Times New Roman" panose="02020603050405020304" pitchFamily="18" charset="0"/>
-              </a:rPr>
-              <a:t> </a:t>
-            </a:r>
-            <a:r>
-              <a:rPr lang="en-US" sz="3600" dirty="0" err="1">
-                <a:solidFill>
-                  <a:schemeClr val="tx1"/>
-                </a:solidFill>
-                <a:latin typeface="Times New Roman" panose="02020603050405020304" pitchFamily="18" charset="0"/>
-                <a:cs typeface="Times New Roman" panose="02020603050405020304" pitchFamily="18" charset="0"/>
-              </a:rPr>
-              <a:t>Belakang</a:t>
-            </a:r>
-            <a:r>
-              <a:rPr lang="en-US" sz="3600" dirty="0">
-                <a:solidFill>
-                  <a:schemeClr val="tx1"/>
-                </a:solidFill>
-                <a:latin typeface="Times New Roman" panose="02020603050405020304" pitchFamily="18" charset="0"/>
-                <a:cs typeface="Times New Roman" panose="02020603050405020304" pitchFamily="18" charset="0"/>
-              </a:rPr>
-              <a:t> </a:t>
-            </a:r>
-            <a:r>
-              <a:rPr lang="en-US" sz="3600" dirty="0" err="1">
-                <a:solidFill>
-                  <a:schemeClr val="tx1"/>
-                </a:solidFill>
-                <a:latin typeface="Times New Roman" panose="02020603050405020304" pitchFamily="18" charset="0"/>
-                <a:cs typeface="Times New Roman" panose="02020603050405020304" pitchFamily="18" charset="0"/>
-              </a:rPr>
-              <a:t>Masalah</a:t>
-            </a:r>
-            <a:endParaRPr lang="en-US" sz="3600" dirty="0">
-              <a:solidFill>
-                <a:schemeClr val="tx1"/>
-              </a:solidFill>
-              <a:latin typeface="Times New Roman" panose="02020603050405020304" pitchFamily="18" charset="0"/>
-              <a:cs typeface="Times New Roman" panose="02020603050405020304" pitchFamily="18" charset="0"/>
-            </a:endParaRPr>
-          </a:p>
-        </p:txBody>
-      </p:sp>
-      <p:sp>
-        <p:nvSpPr>
-          <p:cNvPr id="3" name="Content Placeholder 2">
-            <a:extLst>
-              <a:ext uri="{FF2B5EF4-FFF2-40B4-BE49-F238E27FC236}">
-                <a16:creationId xmlns:a16="http://schemas.microsoft.com/office/drawing/2014/main" id="{4E1730CF-3E1D-4937-A06C-C4802EC6ED4A}"/>
-              </a:ext>
-            </a:extLst>
-          </p:cNvPr>
-          <p:cNvSpPr>
-            <a:spLocks noGrp="1"/>
-          </p:cNvSpPr>
-          <p:nvPr>
-            <p:ph sz="quarter" idx="1"/>
-          </p:nvPr>
-        </p:nvSpPr>
-        <p:spPr>
-          <a:xfrm>
-            <a:off x="683568" y="710515"/>
-            <a:ext cx="7467600" cy="3510573"/>
-          </a:xfrm>
-        </p:spPr>
-        <p:txBody>
-          <a:bodyPr>
-            <a:normAutofit/>
-          </a:bodyPr>
-          <a:lstStyle/>
-          <a:p>
-            <a:pPr marL="0" indent="0" algn="just">
-              <a:buNone/>
-            </a:pPr>
-            <a:endParaRPr lang="en-ID" dirty="0"/>
-          </a:p>
-          <a:p>
-            <a:pPr algn="just"/>
-            <a:r>
-              <a:rPr lang="en-US" dirty="0" err="1"/>
-              <a:t>Untuk</a:t>
-            </a:r>
-            <a:r>
-              <a:rPr lang="en-US" dirty="0"/>
-              <a:t> </a:t>
-            </a:r>
-            <a:r>
-              <a:rPr lang="en-US" dirty="0" err="1"/>
-              <a:t>mengetahui</a:t>
-            </a:r>
-            <a:r>
-              <a:rPr lang="en-US" dirty="0"/>
-              <a:t> </a:t>
-            </a:r>
-            <a:r>
-              <a:rPr lang="en-US" dirty="0" err="1"/>
-              <a:t>warga</a:t>
-            </a:r>
-            <a:r>
-              <a:rPr lang="en-US" dirty="0"/>
-              <a:t> </a:t>
-            </a:r>
-            <a:r>
-              <a:rPr lang="en-US" dirty="0" err="1"/>
-              <a:t>mendapatkan</a:t>
-            </a:r>
-            <a:r>
-              <a:rPr lang="en-US" dirty="0"/>
-              <a:t> </a:t>
-            </a:r>
-            <a:r>
-              <a:rPr lang="en-US" dirty="0" err="1"/>
-              <a:t>bantuan</a:t>
-            </a:r>
-            <a:r>
-              <a:rPr lang="en-US" dirty="0"/>
-              <a:t> </a:t>
-            </a:r>
-            <a:r>
-              <a:rPr lang="en-US" dirty="0" err="1"/>
-              <a:t>bedah</a:t>
-            </a:r>
-            <a:r>
-              <a:rPr lang="en-US" dirty="0"/>
-              <a:t> </a:t>
-            </a:r>
-            <a:r>
-              <a:rPr lang="en-US" dirty="0" err="1"/>
-              <a:t>rumah</a:t>
-            </a:r>
-            <a:r>
-              <a:rPr lang="en-US" dirty="0"/>
-              <a:t> </a:t>
-            </a:r>
-            <a:r>
-              <a:rPr lang="en-US" dirty="0" err="1"/>
-              <a:t>biasana</a:t>
-            </a:r>
-            <a:r>
-              <a:rPr lang="en-US" dirty="0"/>
-              <a:t> </a:t>
-            </a:r>
-            <a:r>
-              <a:rPr lang="en-US" dirty="0" err="1"/>
-              <a:t>diberitahu</a:t>
-            </a:r>
-            <a:r>
-              <a:rPr lang="en-US" dirty="0"/>
-              <a:t> oleh </a:t>
-            </a:r>
-            <a:r>
-              <a:rPr lang="en-US" dirty="0" err="1"/>
-              <a:t>Ketua</a:t>
-            </a:r>
-            <a:r>
-              <a:rPr lang="en-US" dirty="0"/>
-              <a:t> RT dan </a:t>
-            </a:r>
-            <a:r>
-              <a:rPr lang="en-US" dirty="0" err="1"/>
-              <a:t>untuk</a:t>
-            </a:r>
-            <a:r>
-              <a:rPr lang="en-US" dirty="0"/>
-              <a:t> </a:t>
-            </a:r>
-            <a:r>
-              <a:rPr lang="en-US" dirty="0" err="1"/>
-              <a:t>kejelasan</a:t>
-            </a:r>
-            <a:r>
-              <a:rPr lang="en-US" dirty="0"/>
-              <a:t> dana </a:t>
-            </a:r>
-            <a:r>
-              <a:rPr lang="en-US" dirty="0" err="1"/>
-              <a:t>akan</a:t>
-            </a:r>
-            <a:r>
-              <a:rPr lang="en-US" dirty="0"/>
-              <a:t> di </a:t>
-            </a:r>
-            <a:r>
-              <a:rPr lang="en-US" dirty="0" err="1"/>
-              <a:t>salurkan</a:t>
-            </a:r>
-            <a:r>
-              <a:rPr lang="en-US" dirty="0"/>
-              <a:t> dan </a:t>
-            </a:r>
-            <a:r>
-              <a:rPr lang="en-US" dirty="0" err="1"/>
-              <a:t>kapan</a:t>
-            </a:r>
-            <a:r>
-              <a:rPr lang="en-US" dirty="0"/>
-              <a:t> </a:t>
-            </a:r>
-            <a:r>
-              <a:rPr lang="en-US" dirty="0" err="1"/>
-              <a:t>rumah</a:t>
-            </a:r>
-            <a:r>
-              <a:rPr lang="en-US" dirty="0"/>
-              <a:t> </a:t>
-            </a:r>
-            <a:r>
-              <a:rPr lang="en-US" dirty="0" err="1"/>
-              <a:t>mulai</a:t>
-            </a:r>
-            <a:r>
-              <a:rPr lang="en-US" dirty="0"/>
-              <a:t> di </a:t>
-            </a:r>
-            <a:r>
-              <a:rPr lang="en-US" dirty="0" err="1"/>
-              <a:t>kerjakan</a:t>
-            </a:r>
-            <a:r>
-              <a:rPr lang="en-US" dirty="0"/>
-              <a:t> </a:t>
-            </a:r>
-            <a:r>
-              <a:rPr lang="en-US" dirty="0" err="1"/>
-              <a:t>renovasinya</a:t>
-            </a:r>
-            <a:r>
-              <a:rPr lang="en-US" dirty="0"/>
-              <a:t> </a:t>
-            </a:r>
-            <a:r>
-              <a:rPr lang="en-US" dirty="0" err="1"/>
-              <a:t>warga</a:t>
-            </a:r>
-            <a:r>
-              <a:rPr lang="en-US" dirty="0"/>
-              <a:t> </a:t>
-            </a:r>
-            <a:r>
-              <a:rPr lang="en-US" dirty="0" err="1"/>
-              <a:t>harus</a:t>
-            </a:r>
-            <a:r>
-              <a:rPr lang="en-US" dirty="0"/>
-              <a:t> </a:t>
-            </a:r>
-            <a:r>
-              <a:rPr lang="en-US" dirty="0" err="1"/>
-              <a:t>menunggu</a:t>
-            </a:r>
-            <a:r>
-              <a:rPr lang="en-US" dirty="0"/>
-              <a:t> </a:t>
-            </a:r>
-            <a:r>
-              <a:rPr lang="en-US" dirty="0" err="1"/>
-              <a:t>dari</a:t>
-            </a:r>
-            <a:r>
-              <a:rPr lang="en-US" dirty="0"/>
-              <a:t> DINSOS yang </a:t>
-            </a:r>
-            <a:r>
-              <a:rPr lang="en-US" dirty="0" err="1"/>
-              <a:t>tidak</a:t>
-            </a:r>
-            <a:r>
-              <a:rPr lang="en-US" dirty="0"/>
-              <a:t> </a:t>
-            </a:r>
-            <a:r>
-              <a:rPr lang="en-US" dirty="0" err="1"/>
-              <a:t>tahu</a:t>
-            </a:r>
-            <a:r>
-              <a:rPr lang="en-US" dirty="0"/>
-              <a:t> </a:t>
-            </a:r>
-            <a:r>
-              <a:rPr lang="en-US" dirty="0" err="1"/>
-              <a:t>kapan</a:t>
-            </a:r>
-            <a:r>
-              <a:rPr lang="en-US" dirty="0"/>
-              <a:t> </a:t>
-            </a:r>
-            <a:r>
-              <a:rPr lang="en-US" dirty="0" err="1"/>
-              <a:t>kepastianya</a:t>
-            </a:r>
-            <a:r>
-              <a:rPr lang="en-US" dirty="0"/>
-              <a:t>. </a:t>
-            </a:r>
-            <a:r>
-              <a:rPr lang="en-US" dirty="0" err="1"/>
-              <a:t>Menurut</a:t>
-            </a:r>
-            <a:r>
-              <a:rPr lang="en-US" dirty="0"/>
-              <a:t> </a:t>
-            </a:r>
-            <a:r>
-              <a:rPr lang="en-US" dirty="0" err="1"/>
-              <a:t>kasus</a:t>
-            </a:r>
-            <a:r>
-              <a:rPr lang="en-US" dirty="0"/>
-              <a:t> di </a:t>
-            </a:r>
-            <a:r>
-              <a:rPr lang="en-US" dirty="0" err="1"/>
-              <a:t>lapangan</a:t>
-            </a:r>
-            <a:r>
-              <a:rPr lang="en-US" dirty="0"/>
-              <a:t> </a:t>
-            </a:r>
-            <a:r>
-              <a:rPr lang="en-US" dirty="0" err="1"/>
-              <a:t>warga</a:t>
-            </a:r>
-            <a:r>
-              <a:rPr lang="en-US" dirty="0"/>
-              <a:t> </a:t>
-            </a:r>
-            <a:r>
-              <a:rPr lang="en-US" dirty="0" err="1"/>
-              <a:t>bisa</a:t>
-            </a:r>
-            <a:r>
-              <a:rPr lang="en-US" dirty="0"/>
-              <a:t> </a:t>
-            </a:r>
-            <a:r>
-              <a:rPr lang="en-US" dirty="0" err="1"/>
-              <a:t>menunggu</a:t>
-            </a:r>
-            <a:r>
-              <a:rPr lang="en-US" dirty="0"/>
-              <a:t> </a:t>
-            </a:r>
-            <a:r>
-              <a:rPr lang="en-US" dirty="0" err="1"/>
-              <a:t>beberapa</a:t>
-            </a:r>
-            <a:r>
-              <a:rPr lang="en-US" dirty="0"/>
-              <a:t> </a:t>
-            </a:r>
-            <a:r>
-              <a:rPr lang="en-US" dirty="0" err="1"/>
-              <a:t>bulan</a:t>
-            </a:r>
-            <a:r>
-              <a:rPr lang="en-US" dirty="0"/>
-              <a:t> </a:t>
-            </a:r>
-            <a:r>
-              <a:rPr lang="en-US" dirty="0" err="1"/>
-              <a:t>ada</a:t>
-            </a:r>
-            <a:r>
-              <a:rPr lang="en-US" dirty="0"/>
-              <a:t> juga </a:t>
-            </a:r>
-            <a:r>
-              <a:rPr lang="en-US" dirty="0" err="1"/>
-              <a:t>yg</a:t>
-            </a:r>
-            <a:r>
-              <a:rPr lang="en-US" dirty="0"/>
-              <a:t> </a:t>
-            </a:r>
-            <a:r>
-              <a:rPr lang="en-US" dirty="0" err="1"/>
-              <a:t>selama</a:t>
-            </a:r>
-            <a:r>
-              <a:rPr lang="en-US" dirty="0"/>
-              <a:t> 1 </a:t>
-            </a:r>
-            <a:r>
-              <a:rPr lang="en-US" dirty="0" err="1"/>
-              <a:t>tahun</a:t>
-            </a:r>
-            <a:r>
-              <a:rPr lang="en-US" dirty="0"/>
-              <a:t>.</a:t>
-            </a:r>
-            <a:endParaRPr lang="en-US" sz="2000" dirty="0"/>
-          </a:p>
-        </p:txBody>
-      </p:sp>
-      <p:sp>
-        <p:nvSpPr>
-          <p:cNvPr id="4" name="Content Placeholder 2">
-            <a:extLst>
-              <a:ext uri="{FF2B5EF4-FFF2-40B4-BE49-F238E27FC236}">
-                <a16:creationId xmlns:a16="http://schemas.microsoft.com/office/drawing/2014/main" id="{B0260381-BF6F-4A97-A594-1E07C7A22457}"/>
-              </a:ext>
-            </a:extLst>
-          </p:cNvPr>
-          <p:cNvSpPr txBox="1">
-            <a:spLocks/>
-          </p:cNvSpPr>
-          <p:nvPr/>
-        </p:nvSpPr>
-        <p:spPr>
-          <a:xfrm>
-            <a:off x="683568" y="710515"/>
-            <a:ext cx="7467600" cy="4734709"/>
-          </a:xfrm>
-          <a:prstGeom prst="rect">
-            <a:avLst/>
-          </a:prstGeom>
-        </p:spPr>
-        <p:txBody>
-          <a:bodyPr vert="horz">
-            <a:normAutofit/>
-          </a:bodyPr>
-          <a:lstStyle>
-            <a:lvl1pPr marL="274320" indent="-274320" algn="l" rtl="0" eaLnBrk="1" latinLnBrk="0" hangingPunct="1">
-              <a:spcBef>
-                <a:spcPts val="600"/>
-              </a:spcBef>
-              <a:buClr>
-                <a:schemeClr val="accent1"/>
-              </a:buClr>
-              <a:buSzPct val="70000"/>
-              <a:buFont typeface="Wingdings"/>
-              <a:buChar char=""/>
-              <a:defRPr kumimoji="0" sz="2400" kern="1200">
-                <a:solidFill>
-                  <a:schemeClr val="tx1"/>
-                </a:solidFill>
-                <a:latin typeface="+mn-lt"/>
-                <a:ea typeface="+mn-ea"/>
-                <a:cs typeface="+mn-cs"/>
-              </a:defRPr>
-            </a:lvl1pPr>
-            <a:lvl2pPr marL="640080" indent="-274320" algn="l" rtl="0" eaLnBrk="1" latinLnBrk="0" hangingPunct="1">
-              <a:spcBef>
-                <a:spcPct val="20000"/>
-              </a:spcBef>
-              <a:buClr>
-                <a:schemeClr val="accent1"/>
-              </a:buClr>
-              <a:buSzPct val="80000"/>
-              <a:buFont typeface="Wingdings 2"/>
-              <a:buChar char=""/>
-              <a:defRPr kumimoji="0" sz="2100" kern="1200">
-                <a:solidFill>
-                  <a:schemeClr val="tx1"/>
-                </a:solidFill>
-                <a:latin typeface="+mn-lt"/>
-                <a:ea typeface="+mn-ea"/>
-                <a:cs typeface="+mn-cs"/>
-              </a:defRPr>
-            </a:lvl2pPr>
-            <a:lvl3pPr marL="914400" indent="-182880" algn="l" rtl="0" eaLnBrk="1" latinLnBrk="0" hangingPunct="1">
-              <a:spcBef>
-                <a:spcPct val="20000"/>
-              </a:spcBef>
-              <a:buClr>
-                <a:schemeClr val="accent1">
-                  <a:shade val="75000"/>
-                </a:schemeClr>
-              </a:buClr>
-              <a:buSzPct val="60000"/>
-              <a:buFont typeface="Wingdings"/>
-              <a:buChar char=""/>
-              <a:defRPr kumimoji="0" sz="1800" kern="1200">
-                <a:solidFill>
-                  <a:schemeClr val="tx1"/>
-                </a:solidFill>
-                <a:latin typeface="+mn-lt"/>
-                <a:ea typeface="+mn-ea"/>
-                <a:cs typeface="+mn-cs"/>
-              </a:defRPr>
-            </a:lvl3pPr>
-            <a:lvl4pPr marL="1188720" indent="-182880" algn="l" rtl="0" eaLnBrk="1" latinLnBrk="0" hangingPunct="1">
-              <a:spcBef>
-                <a:spcPct val="20000"/>
-              </a:spcBef>
-              <a:buClr>
-                <a:schemeClr val="accent1">
-                  <a:tint val="60000"/>
-                </a:schemeClr>
-              </a:buClr>
-              <a:buSzPct val="60000"/>
-              <a:buFont typeface="Wingdings"/>
-              <a:buChar char=""/>
-              <a:defRPr kumimoji="0" sz="1800" kern="1200">
-                <a:solidFill>
-                  <a:schemeClr val="tx1"/>
-                </a:solidFill>
-                <a:latin typeface="+mn-lt"/>
-                <a:ea typeface="+mn-ea"/>
-                <a:cs typeface="+mn-cs"/>
-              </a:defRPr>
-            </a:lvl4pPr>
-            <a:lvl5pPr marL="1463040" indent="-182880" algn="l" rtl="0" eaLnBrk="1" latinLnBrk="0" hangingPunct="1">
-              <a:spcBef>
-                <a:spcPct val="20000"/>
-              </a:spcBef>
-              <a:buClr>
-                <a:schemeClr val="accent2">
-                  <a:tint val="60000"/>
-                </a:schemeClr>
-              </a:buClr>
-              <a:buSzPct val="68000"/>
-              <a:buFont typeface="Wingdings 2"/>
-              <a:buChar char=""/>
-              <a:defRPr kumimoji="0" sz="1600" kern="1200">
-                <a:solidFill>
-                  <a:schemeClr val="tx1"/>
-                </a:solidFill>
-                <a:latin typeface="+mn-lt"/>
-                <a:ea typeface="+mn-ea"/>
-                <a:cs typeface="+mn-cs"/>
-              </a:defRPr>
-            </a:lvl5pPr>
-            <a:lvl6pPr marL="1737360" indent="-182880" algn="l" rtl="0" eaLnBrk="1" latinLnBrk="0" hangingPunct="1">
-              <a:spcBef>
-                <a:spcPct val="20000"/>
-              </a:spcBef>
-              <a:buClr>
-                <a:schemeClr val="accent1"/>
-              </a:buClr>
-              <a:buChar char="•"/>
-              <a:defRPr kumimoji="0" sz="1600" kern="1200">
-                <a:solidFill>
-                  <a:schemeClr val="tx2"/>
-                </a:solidFill>
-                <a:latin typeface="+mn-lt"/>
-                <a:ea typeface="+mn-ea"/>
-                <a:cs typeface="+mn-cs"/>
-              </a:defRPr>
-            </a:lvl6pPr>
-            <a:lvl7pPr marL="2011680" indent="-182880" algn="l" rtl="0" eaLnBrk="1" latinLnBrk="0" hangingPunct="1">
-              <a:spcBef>
-                <a:spcPct val="20000"/>
-              </a:spcBef>
-              <a:buClr>
-                <a:schemeClr val="accent1">
-                  <a:tint val="60000"/>
-                </a:schemeClr>
-              </a:buClr>
-              <a:buSzPct val="60000"/>
-              <a:buFont typeface="Wingdings"/>
-              <a:buChar char=""/>
-              <a:defRPr kumimoji="0" sz="1400" kern="1200" baseline="0">
-                <a:solidFill>
-                  <a:schemeClr val="tx2"/>
-                </a:solidFill>
-                <a:latin typeface="+mn-lt"/>
-                <a:ea typeface="+mn-ea"/>
-                <a:cs typeface="+mn-cs"/>
-              </a:defRPr>
-            </a:lvl7pPr>
-            <a:lvl8pPr marL="2286000" indent="-182880" algn="l" rtl="0" eaLnBrk="1" latinLnBrk="0" hangingPunct="1">
-              <a:spcBef>
-                <a:spcPct val="20000"/>
-              </a:spcBef>
-              <a:buClr>
-                <a:schemeClr val="accent2"/>
-              </a:buClr>
-              <a:buChar char="•"/>
-              <a:defRPr kumimoji="0" sz="1400" kern="1200" cap="small" baseline="0">
-                <a:solidFill>
-                  <a:schemeClr val="tx2"/>
-                </a:solidFill>
-                <a:latin typeface="+mn-lt"/>
-                <a:ea typeface="+mn-ea"/>
-                <a:cs typeface="+mn-cs"/>
-              </a:defRPr>
-            </a:lvl8pPr>
-            <a:lvl9pPr marL="2560320" indent="-182880" algn="l" rtl="0" eaLnBrk="1" latinLnBrk="0" hangingPunct="1">
-              <a:spcBef>
-                <a:spcPct val="20000"/>
-              </a:spcBef>
-              <a:buClr>
-                <a:schemeClr val="accent1">
-                  <a:shade val="75000"/>
-                </a:schemeClr>
-              </a:buClr>
-              <a:buChar char="•"/>
-              <a:defRPr kumimoji="0" sz="1400" kern="1200" baseline="0">
-                <a:solidFill>
-                  <a:schemeClr val="tx2"/>
-                </a:solidFill>
-                <a:latin typeface="+mn-lt"/>
-                <a:ea typeface="+mn-ea"/>
-                <a:cs typeface="+mn-cs"/>
-              </a:defRPr>
-            </a:lvl9pPr>
-          </a:lstStyle>
-          <a:p>
-            <a:pPr marL="0" indent="0" algn="just">
-              <a:buFont typeface="Wingdings"/>
-              <a:buNone/>
-            </a:pPr>
-            <a:endParaRPr lang="en-ID" dirty="0"/>
-          </a:p>
-          <a:p>
-            <a:pPr algn="just"/>
-            <a:r>
-              <a:rPr lang="en-US" dirty="0"/>
-              <a:t>.</a:t>
-            </a:r>
-            <a:endParaRPr lang="en-US" sz="2000" dirty="0"/>
-          </a:p>
-        </p:txBody>
-      </p:sp>
-      <p:sp>
-        <p:nvSpPr>
-          <p:cNvPr id="5" name="Content Placeholder 2">
-            <a:extLst>
-              <a:ext uri="{FF2B5EF4-FFF2-40B4-BE49-F238E27FC236}">
-                <a16:creationId xmlns:a16="http://schemas.microsoft.com/office/drawing/2014/main" id="{9E8B56F5-A6E5-41AA-B513-D51394A83DDB}"/>
-              </a:ext>
-            </a:extLst>
-          </p:cNvPr>
-          <p:cNvSpPr txBox="1">
-            <a:spLocks/>
-          </p:cNvSpPr>
-          <p:nvPr/>
-        </p:nvSpPr>
-        <p:spPr>
-          <a:xfrm>
-            <a:off x="838200" y="4090029"/>
-            <a:ext cx="7467600" cy="2291299"/>
-          </a:xfrm>
-          <a:prstGeom prst="rect">
-            <a:avLst/>
-          </a:prstGeom>
-        </p:spPr>
-        <p:txBody>
-          <a:bodyPr vert="horz">
-            <a:normAutofit/>
-          </a:bodyPr>
-          <a:lstStyle>
-            <a:lvl1pPr marL="274320" indent="-274320" algn="l" rtl="0" eaLnBrk="1" latinLnBrk="0" hangingPunct="1">
-              <a:spcBef>
-                <a:spcPts val="600"/>
-              </a:spcBef>
-              <a:buClr>
-                <a:schemeClr val="accent1"/>
-              </a:buClr>
-              <a:buSzPct val="70000"/>
-              <a:buFont typeface="Wingdings"/>
-              <a:buChar char=""/>
-              <a:defRPr kumimoji="0" sz="2400" kern="1200">
-                <a:solidFill>
-                  <a:schemeClr val="tx1"/>
-                </a:solidFill>
-                <a:latin typeface="+mn-lt"/>
-                <a:ea typeface="+mn-ea"/>
-                <a:cs typeface="+mn-cs"/>
-              </a:defRPr>
-            </a:lvl1pPr>
-            <a:lvl2pPr marL="640080" indent="-274320" algn="l" rtl="0" eaLnBrk="1" latinLnBrk="0" hangingPunct="1">
-              <a:spcBef>
-                <a:spcPct val="20000"/>
-              </a:spcBef>
-              <a:buClr>
-                <a:schemeClr val="accent1"/>
-              </a:buClr>
-              <a:buSzPct val="80000"/>
-              <a:buFont typeface="Wingdings 2"/>
-              <a:buChar char=""/>
-              <a:defRPr kumimoji="0" sz="2100" kern="1200">
-                <a:solidFill>
-                  <a:schemeClr val="tx1"/>
-                </a:solidFill>
-                <a:latin typeface="+mn-lt"/>
-                <a:ea typeface="+mn-ea"/>
-                <a:cs typeface="+mn-cs"/>
-              </a:defRPr>
-            </a:lvl2pPr>
-            <a:lvl3pPr marL="914400" indent="-182880" algn="l" rtl="0" eaLnBrk="1" latinLnBrk="0" hangingPunct="1">
-              <a:spcBef>
-                <a:spcPct val="20000"/>
-              </a:spcBef>
-              <a:buClr>
-                <a:schemeClr val="accent1">
-                  <a:shade val="75000"/>
-                </a:schemeClr>
-              </a:buClr>
-              <a:buSzPct val="60000"/>
-              <a:buFont typeface="Wingdings"/>
-              <a:buChar char=""/>
-              <a:defRPr kumimoji="0" sz="1800" kern="1200">
-                <a:solidFill>
-                  <a:schemeClr val="tx1"/>
-                </a:solidFill>
-                <a:latin typeface="+mn-lt"/>
-                <a:ea typeface="+mn-ea"/>
-                <a:cs typeface="+mn-cs"/>
-              </a:defRPr>
-            </a:lvl3pPr>
-            <a:lvl4pPr marL="1188720" indent="-182880" algn="l" rtl="0" eaLnBrk="1" latinLnBrk="0" hangingPunct="1">
-              <a:spcBef>
-                <a:spcPct val="20000"/>
-              </a:spcBef>
-              <a:buClr>
-                <a:schemeClr val="accent1">
-                  <a:tint val="60000"/>
-                </a:schemeClr>
-              </a:buClr>
-              <a:buSzPct val="60000"/>
-              <a:buFont typeface="Wingdings"/>
-              <a:buChar char=""/>
-              <a:defRPr kumimoji="0" sz="1800" kern="1200">
-                <a:solidFill>
-                  <a:schemeClr val="tx1"/>
-                </a:solidFill>
-                <a:latin typeface="+mn-lt"/>
-                <a:ea typeface="+mn-ea"/>
-                <a:cs typeface="+mn-cs"/>
-              </a:defRPr>
-            </a:lvl4pPr>
-            <a:lvl5pPr marL="1463040" indent="-182880" algn="l" rtl="0" eaLnBrk="1" latinLnBrk="0" hangingPunct="1">
-              <a:spcBef>
-                <a:spcPct val="20000"/>
-              </a:spcBef>
-              <a:buClr>
-                <a:schemeClr val="accent2">
-                  <a:tint val="60000"/>
-                </a:schemeClr>
-              </a:buClr>
-              <a:buSzPct val="68000"/>
-              <a:buFont typeface="Wingdings 2"/>
-              <a:buChar char=""/>
-              <a:defRPr kumimoji="0" sz="1600" kern="1200">
-                <a:solidFill>
-                  <a:schemeClr val="tx1"/>
-                </a:solidFill>
-                <a:latin typeface="+mn-lt"/>
-                <a:ea typeface="+mn-ea"/>
-                <a:cs typeface="+mn-cs"/>
-              </a:defRPr>
-            </a:lvl5pPr>
-            <a:lvl6pPr marL="1737360" indent="-182880" algn="l" rtl="0" eaLnBrk="1" latinLnBrk="0" hangingPunct="1">
-              <a:spcBef>
-                <a:spcPct val="20000"/>
-              </a:spcBef>
-              <a:buClr>
-                <a:schemeClr val="accent1"/>
-              </a:buClr>
-              <a:buChar char="•"/>
-              <a:defRPr kumimoji="0" sz="1600" kern="1200">
-                <a:solidFill>
-                  <a:schemeClr val="tx2"/>
-                </a:solidFill>
-                <a:latin typeface="+mn-lt"/>
-                <a:ea typeface="+mn-ea"/>
-                <a:cs typeface="+mn-cs"/>
-              </a:defRPr>
-            </a:lvl6pPr>
-            <a:lvl7pPr marL="2011680" indent="-182880" algn="l" rtl="0" eaLnBrk="1" latinLnBrk="0" hangingPunct="1">
-              <a:spcBef>
-                <a:spcPct val="20000"/>
-              </a:spcBef>
-              <a:buClr>
-                <a:schemeClr val="accent1">
-                  <a:tint val="60000"/>
-                </a:schemeClr>
-              </a:buClr>
-              <a:buSzPct val="60000"/>
-              <a:buFont typeface="Wingdings"/>
-              <a:buChar char=""/>
-              <a:defRPr kumimoji="0" sz="1400" kern="1200" baseline="0">
-                <a:solidFill>
-                  <a:schemeClr val="tx2"/>
-                </a:solidFill>
-                <a:latin typeface="+mn-lt"/>
-                <a:ea typeface="+mn-ea"/>
-                <a:cs typeface="+mn-cs"/>
-              </a:defRPr>
-            </a:lvl7pPr>
-            <a:lvl8pPr marL="2286000" indent="-182880" algn="l" rtl="0" eaLnBrk="1" latinLnBrk="0" hangingPunct="1">
-              <a:spcBef>
-                <a:spcPct val="20000"/>
-              </a:spcBef>
-              <a:buClr>
-                <a:schemeClr val="accent2"/>
-              </a:buClr>
-              <a:buChar char="•"/>
-              <a:defRPr kumimoji="0" sz="1400" kern="1200" cap="small" baseline="0">
-                <a:solidFill>
-                  <a:schemeClr val="tx2"/>
-                </a:solidFill>
-                <a:latin typeface="+mn-lt"/>
-                <a:ea typeface="+mn-ea"/>
-                <a:cs typeface="+mn-cs"/>
-              </a:defRPr>
-            </a:lvl8pPr>
-            <a:lvl9pPr marL="2560320" indent="-182880" algn="l" rtl="0" eaLnBrk="1" latinLnBrk="0" hangingPunct="1">
-              <a:spcBef>
-                <a:spcPct val="20000"/>
-              </a:spcBef>
-              <a:buClr>
-                <a:schemeClr val="accent1">
-                  <a:shade val="75000"/>
-                </a:schemeClr>
-              </a:buClr>
-              <a:buChar char="•"/>
-              <a:defRPr kumimoji="0" sz="1400" kern="1200" baseline="0">
-                <a:solidFill>
-                  <a:schemeClr val="tx2"/>
-                </a:solidFill>
-                <a:latin typeface="+mn-lt"/>
-                <a:ea typeface="+mn-ea"/>
-                <a:cs typeface="+mn-cs"/>
-              </a:defRPr>
-            </a:lvl9pPr>
-          </a:lstStyle>
-          <a:p>
-            <a:pPr marL="0" indent="0" algn="just">
-              <a:buFont typeface="Wingdings"/>
-              <a:buNone/>
-            </a:pPr>
-            <a:endParaRPr lang="en-ID" dirty="0"/>
-          </a:p>
-          <a:p>
-            <a:pPr algn="just"/>
-            <a:r>
-              <a:rPr lang="en-US" dirty="0" err="1"/>
-              <a:t>Dengan</a:t>
-            </a:r>
-            <a:r>
-              <a:rPr lang="en-US" dirty="0"/>
-              <a:t> </a:t>
-            </a:r>
-            <a:r>
-              <a:rPr lang="en-US" dirty="0" err="1"/>
-              <a:t>adanya</a:t>
-            </a:r>
-            <a:r>
-              <a:rPr lang="en-US" dirty="0"/>
-              <a:t> </a:t>
-            </a:r>
-            <a:r>
-              <a:rPr lang="en-US" dirty="0" err="1"/>
-              <a:t>masalah</a:t>
-            </a:r>
-            <a:r>
-              <a:rPr lang="en-US" dirty="0"/>
-              <a:t> </a:t>
-            </a:r>
-            <a:r>
-              <a:rPr lang="en-US" dirty="0" err="1"/>
-              <a:t>tersebut</a:t>
-            </a:r>
-            <a:r>
-              <a:rPr lang="en-US" dirty="0"/>
-              <a:t> </a:t>
-            </a:r>
-            <a:r>
-              <a:rPr lang="en-US" dirty="0" err="1"/>
-              <a:t>maka</a:t>
-            </a:r>
-            <a:r>
-              <a:rPr lang="en-US" dirty="0"/>
-              <a:t> </a:t>
-            </a:r>
-            <a:r>
-              <a:rPr lang="en-US" dirty="0" err="1"/>
-              <a:t>dibuatlah</a:t>
-            </a:r>
-            <a:r>
-              <a:rPr lang="en-US" dirty="0"/>
-              <a:t> </a:t>
-            </a:r>
-            <a:r>
-              <a:rPr lang="en-US" dirty="0" err="1"/>
-              <a:t>sistem</a:t>
-            </a:r>
-            <a:r>
-              <a:rPr lang="en-US" dirty="0"/>
-              <a:t> </a:t>
-            </a:r>
-            <a:r>
-              <a:rPr lang="en-US" dirty="0" err="1"/>
-              <a:t>untuk</a:t>
-            </a:r>
-            <a:r>
-              <a:rPr lang="en-US" dirty="0"/>
-              <a:t> </a:t>
-            </a:r>
-            <a:r>
-              <a:rPr lang="en-US" dirty="0" err="1"/>
-              <a:t>menyelesaikannya</a:t>
-            </a:r>
-            <a:r>
-              <a:rPr lang="en-US" dirty="0"/>
-              <a:t>.</a:t>
-            </a:r>
-            <a:endParaRPr lang="en-US" sz="2000" dirty="0"/>
-          </a:p>
-        </p:txBody>
-      </p:sp>
-    </p:spTree>
-    <p:extLst>
-      <p:ext uri="{BB962C8B-B14F-4D97-AF65-F5344CB8AC3E}">
-        <p14:creationId xmlns:p14="http://schemas.microsoft.com/office/powerpoint/2010/main" val="949675119"/>
-      </p:ext>
-    </p:extLst>
-  </p:cSld>
-  <p:clrMapOvr>
-    <a:masterClrMapping/>
-  </p:clrMapOvr>
-  <p:transition spd="med">
-    <p:pull/>
-  </p:transition>
 </p:sld>
 </file>
 

--- a/Presentation TA.pptx
+++ b/Presentation TA.pptx
@@ -279,7 +279,7 @@
           <a:p>
             <a:fld id="{C9A9459A-73FD-4618-8D50-BE417A3DC833}" type="datetimeFigureOut">
               <a:rPr lang="en-ID" smtClean="0"/>
-              <a:t>07/12/2019</a:t>
+              <a:t>09/01/2020</a:t>
             </a:fld>
             <a:endParaRPr lang="en-ID"/>
           </a:p>
@@ -766,7 +766,7 @@
           <a:p>
             <a:fld id="{0B107168-8A0E-4E76-A05C-29DFBBD8B549}" type="datetimeFigureOut">
               <a:rPr lang="id-ID" smtClean="0"/>
-              <a:t>07/12/2019</a:t>
+              <a:t>09/01/2020</a:t>
             </a:fld>
             <a:endParaRPr lang="id-ID"/>
           </a:p>
@@ -1634,7 +1634,7 @@
           <a:p>
             <a:fld id="{0B107168-8A0E-4E76-A05C-29DFBBD8B549}" type="datetimeFigureOut">
               <a:rPr lang="id-ID" smtClean="0"/>
-              <a:t>07/12/2019</a:t>
+              <a:t>09/01/2020</a:t>
             </a:fld>
             <a:endParaRPr lang="id-ID"/>
           </a:p>
@@ -1808,7 +1808,7 @@
           <a:p>
             <a:fld id="{0B107168-8A0E-4E76-A05C-29DFBBD8B549}" type="datetimeFigureOut">
               <a:rPr lang="id-ID" smtClean="0"/>
-              <a:t>07/12/2019</a:t>
+              <a:t>09/01/2020</a:t>
             </a:fld>
             <a:endParaRPr lang="id-ID"/>
           </a:p>
@@ -1977,7 +1977,7 @@
           <a:p>
             <a:fld id="{0B107168-8A0E-4E76-A05C-29DFBBD8B549}" type="datetimeFigureOut">
               <a:rPr lang="id-ID" smtClean="0"/>
-              <a:t>07/12/2019</a:t>
+              <a:t>09/01/2020</a:t>
             </a:fld>
             <a:endParaRPr lang="id-ID"/>
           </a:p>
@@ -2186,7 +2186,7 @@
           <a:p>
             <a:fld id="{0B107168-8A0E-4E76-A05C-29DFBBD8B549}" type="datetimeFigureOut">
               <a:rPr lang="id-ID" smtClean="0"/>
-              <a:t>07/12/2019</a:t>
+              <a:t>09/01/2020</a:t>
             </a:fld>
             <a:endParaRPr lang="id-ID"/>
           </a:p>
@@ -2999,7 +2999,7 @@
           <a:p>
             <a:fld id="{0B107168-8A0E-4E76-A05C-29DFBBD8B549}" type="datetimeFigureOut">
               <a:rPr lang="id-ID" smtClean="0"/>
-              <a:t>07/12/2019</a:t>
+              <a:t>09/01/2020</a:t>
             </a:fld>
             <a:endParaRPr lang="id-ID"/>
           </a:p>
@@ -3234,7 +3234,7 @@
           <a:p>
             <a:fld id="{0B107168-8A0E-4E76-A05C-29DFBBD8B549}" type="datetimeFigureOut">
               <a:rPr lang="id-ID" smtClean="0"/>
-              <a:t>07/12/2019</a:t>
+              <a:t>09/01/2020</a:t>
             </a:fld>
             <a:endParaRPr lang="id-ID"/>
           </a:p>
@@ -3556,7 +3556,7 @@
           <a:p>
             <a:fld id="{0B107168-8A0E-4E76-A05C-29DFBBD8B549}" type="datetimeFigureOut">
               <a:rPr lang="id-ID" smtClean="0"/>
-              <a:t>07/12/2019</a:t>
+              <a:t>09/01/2020</a:t>
             </a:fld>
             <a:endParaRPr lang="id-ID"/>
           </a:p>
@@ -3646,7 +3646,7 @@
           <a:p>
             <a:fld id="{0B107168-8A0E-4E76-A05C-29DFBBD8B549}" type="datetimeFigureOut">
               <a:rPr lang="id-ID" smtClean="0"/>
-              <a:t>07/12/2019</a:t>
+              <a:t>09/01/2020</a:t>
             </a:fld>
             <a:endParaRPr lang="id-ID"/>
           </a:p>
@@ -4162,7 +4162,7 @@
           <a:p>
             <a:fld id="{0B107168-8A0E-4E76-A05C-29DFBBD8B549}" type="datetimeFigureOut">
               <a:rPr lang="id-ID" smtClean="0"/>
-              <a:t>07/12/2019</a:t>
+              <a:t>09/01/2020</a:t>
             </a:fld>
             <a:endParaRPr lang="id-ID"/>
           </a:p>
@@ -4672,7 +4672,7 @@
           <a:p>
             <a:fld id="{0B107168-8A0E-4E76-A05C-29DFBBD8B549}" type="datetimeFigureOut">
               <a:rPr lang="id-ID" smtClean="0"/>
-              <a:t>07/12/2019</a:t>
+              <a:t>09/01/2020</a:t>
             </a:fld>
             <a:endParaRPr lang="id-ID"/>
           </a:p>
@@ -4915,7 +4915,7 @@
           <a:p>
             <a:fld id="{0B107168-8A0E-4E76-A05C-29DFBBD8B549}" type="datetimeFigureOut">
               <a:rPr lang="id-ID" smtClean="0"/>
-              <a:t>07/12/2019</a:t>
+              <a:t>09/01/2020</a:t>
             </a:fld>
             <a:endParaRPr lang="id-ID"/>
           </a:p>
@@ -9458,15 +9458,15 @@
               <a:t> </a:t>
             </a:r>
             <a:r>
+              <a:rPr lang="en-US" sz="2600" i="1" dirty="0" err="1"/>
+              <a:t>Cek</a:t>
+            </a:r>
+            <a:r>
               <a:rPr lang="en-US" sz="2600" i="1" dirty="0"/>
-              <a:t>Approve</a:t>
-            </a:r>
-            <a:r>
-              <a:rPr lang="en-US" sz="2600" dirty="0"/>
-              <a:t> </a:t>
-            </a:r>
-            <a:r>
-              <a:rPr lang="en-US" sz="2600" dirty="0" err="1"/>
+              <a:t> Status </a:t>
+            </a:r>
+            <a:r>
+              <a:rPr lang="en-US" sz="2600" i="1" dirty="0" err="1"/>
               <a:t>Bantuan</a:t>
             </a:r>
             <a:endParaRPr lang="en-US" sz="2600" dirty="0"/>
@@ -14702,7 +14702,7 @@
     <p:bg>
       <p:bgPr>
         <a:blipFill dpi="0" rotWithShape="1">
-          <a:blip r:embed="rId3">
+          <a:blip r:embed="rId2">
             <a:lum/>
           </a:blip>
           <a:srcRect/>
@@ -14840,8 +14840,8 @@
           </a:p>
         </p:txBody>
       </p:sp>
-      <mc:AlternateContent xmlns:mc="http://schemas.openxmlformats.org/markup-compatibility/2006">
-        <mc:Choice xmlns:a14="http://schemas.microsoft.com/office/drawing/2010/main" Requires="a14">
+      <mc:AlternateContent xmlns:mc="http://schemas.openxmlformats.org/markup-compatibility/2006" xmlns:a14="http://schemas.microsoft.com/office/drawing/2010/main">
+        <mc:Choice Requires="a14">
           <p:sp>
             <p:nvSpPr>
               <p:cNvPr id="4" name="Content Placeholder 2">
@@ -15060,7 +15060,9 @@
                     <m:f>
                       <m:fPr>
                         <m:ctrlPr>
-                          <a:rPr lang="en-ID" i="1"/>
+                          <a:rPr lang="en-ID" i="1">
+                            <a:latin typeface="Cambria Math" panose="02040503050406030204" pitchFamily="18" charset="0"/>
+                          </a:rPr>
                         </m:ctrlPr>
                       </m:fPr>
                       <m:num>
@@ -15068,7 +15070,9 @@
                           <m:rPr>
                             <m:sty m:val="p"/>
                           </m:rPr>
-                          <a:rPr lang="en-US"/>
+                          <a:rPr lang="en-US">
+                            <a:latin typeface="Cambria Math" panose="02040503050406030204" pitchFamily="18" charset="0"/>
+                          </a:rPr>
                           <m:t>TP</m:t>
                         </m:r>
                       </m:num>
@@ -15077,18 +15081,24 @@
                           <m:rPr>
                             <m:sty m:val="p"/>
                           </m:rPr>
-                          <a:rPr lang="en-US"/>
+                          <a:rPr lang="en-US">
+                            <a:latin typeface="Cambria Math" panose="02040503050406030204" pitchFamily="18" charset="0"/>
+                          </a:rPr>
                           <m:t>TP</m:t>
                         </m:r>
                         <m:r>
-                          <a:rPr lang="en-US"/>
+                          <a:rPr lang="en-US">
+                            <a:latin typeface="Cambria Math" panose="02040503050406030204" pitchFamily="18" charset="0"/>
+                          </a:rPr>
                           <m:t>+</m:t>
                         </m:r>
                         <m:r>
                           <m:rPr>
                             <m:sty m:val="p"/>
                           </m:rPr>
-                          <a:rPr lang="en-US"/>
+                          <a:rPr lang="en-US">
+                            <a:latin typeface="Cambria Math" panose="02040503050406030204" pitchFamily="18" charset="0"/>
+                          </a:rPr>
                           <m:t>FP</m:t>
                         </m:r>
                       </m:den>
@@ -15104,18 +15114,24 @@
                     <m:f>
                       <m:fPr>
                         <m:ctrlPr>
-                          <a:rPr lang="en-ID" i="1"/>
+                          <a:rPr lang="en-ID" i="1">
+                            <a:latin typeface="Cambria Math" panose="02040503050406030204" pitchFamily="18" charset="0"/>
+                          </a:rPr>
                         </m:ctrlPr>
                       </m:fPr>
                       <m:num>
                         <m:r>
-                          <a:rPr lang="en-US"/>
+                          <a:rPr lang="en-US">
+                            <a:latin typeface="Cambria Math" panose="02040503050406030204" pitchFamily="18" charset="0"/>
+                          </a:rPr>
                           <m:t>3</m:t>
                         </m:r>
                       </m:num>
                       <m:den>
                         <m:r>
-                          <a:rPr lang="en-US"/>
+                          <a:rPr lang="en-US">
+                            <a:latin typeface="Cambria Math" panose="02040503050406030204" pitchFamily="18" charset="0"/>
+                          </a:rPr>
                           <m:t>3+0</m:t>
                         </m:r>
                       </m:den>
@@ -15133,7 +15149,7 @@
             </p:txBody>
           </p:sp>
         </mc:Choice>
-        <mc:Fallback>
+        <mc:Fallback xmlns="">
           <p:sp>
             <p:nvSpPr>
               <p:cNvPr id="4" name="Content Placeholder 2">
@@ -15924,6 +15940,147 @@
           </a:p>
         </p:txBody>
       </p:sp>
+      <p:pic>
+        <p:nvPicPr>
+          <p:cNvPr id="2053" name="Picture 64">
+            <a:extLst>
+              <a:ext uri="{FF2B5EF4-FFF2-40B4-BE49-F238E27FC236}">
+                <a16:creationId xmlns:a16="http://schemas.microsoft.com/office/drawing/2014/main" id="{310DAAF8-C938-4092-B45D-0DD9AE7E3060}"/>
+              </a:ext>
+            </a:extLst>
+          </p:cNvPr>
+          <p:cNvPicPr>
+            <a:picLocks noChangeAspect="1" noChangeArrowheads="1"/>
+          </p:cNvPicPr>
+          <p:nvPr/>
+        </p:nvPicPr>
+        <p:blipFill>
+          <a:blip r:embed="rId5" cstate="print">
+            <a:extLst>
+              <a:ext uri="{28A0092B-C50C-407E-A947-70E740481C1C}">
+                <a14:useLocalDpi xmlns:a14="http://schemas.microsoft.com/office/drawing/2010/main" val="0"/>
+              </a:ext>
+            </a:extLst>
+          </a:blip>
+          <a:srcRect/>
+          <a:stretch>
+            <a:fillRect/>
+          </a:stretch>
+        </p:blipFill>
+        <p:spPr bwMode="auto">
+          <a:xfrm>
+            <a:off x="0" y="0"/>
+            <a:ext cx="180975" cy="133350"/>
+          </a:xfrm>
+          <a:prstGeom prst="rect">
+            <a:avLst/>
+          </a:prstGeom>
+          <a:noFill/>
+          <a:extLst>
+            <a:ext uri="{909E8E84-426E-40DD-AFC4-6F175D3DCCD1}">
+              <a14:hiddenFill xmlns:a14="http://schemas.microsoft.com/office/drawing/2010/main">
+                <a:solidFill>
+                  <a:srgbClr val="FFFFFF"/>
+                </a:solidFill>
+              </a14:hiddenFill>
+            </a:ext>
+          </a:extLst>
+        </p:spPr>
+      </p:pic>
+      <p:pic>
+        <p:nvPicPr>
+          <p:cNvPr id="2051" name="Picture 214">
+            <a:extLst>
+              <a:ext uri="{FF2B5EF4-FFF2-40B4-BE49-F238E27FC236}">
+                <a16:creationId xmlns:a16="http://schemas.microsoft.com/office/drawing/2014/main" id="{7F7F9DFA-FF26-4792-ACD9-B4C7398D0F27}"/>
+              </a:ext>
+            </a:extLst>
+          </p:cNvPr>
+          <p:cNvPicPr>
+            <a:picLocks noChangeAspect="1" noChangeArrowheads="1"/>
+          </p:cNvPicPr>
+          <p:nvPr/>
+        </p:nvPicPr>
+        <p:blipFill>
+          <a:blip r:embed="rId5" cstate="print">
+            <a:extLst>
+              <a:ext uri="{28A0092B-C50C-407E-A947-70E740481C1C}">
+                <a14:useLocalDpi xmlns:a14="http://schemas.microsoft.com/office/drawing/2010/main" val="0"/>
+              </a:ext>
+            </a:extLst>
+          </a:blip>
+          <a:srcRect/>
+          <a:stretch>
+            <a:fillRect/>
+          </a:stretch>
+        </p:blipFill>
+        <p:spPr bwMode="auto">
+          <a:xfrm>
+            <a:off x="0" y="0"/>
+            <a:ext cx="180975" cy="133350"/>
+          </a:xfrm>
+          <a:prstGeom prst="rect">
+            <a:avLst/>
+          </a:prstGeom>
+          <a:noFill/>
+          <a:extLst>
+            <a:ext uri="{909E8E84-426E-40DD-AFC4-6F175D3DCCD1}">
+              <a14:hiddenFill xmlns:a14="http://schemas.microsoft.com/office/drawing/2010/main">
+                <a:solidFill>
+                  <a:srgbClr val="FFFFFF"/>
+                </a:solidFill>
+              </a14:hiddenFill>
+            </a:ext>
+          </a:extLst>
+        </p:spPr>
+      </p:pic>
+      <p:pic>
+        <p:nvPicPr>
+          <p:cNvPr id="2049" name="Picture 215">
+            <a:extLst>
+              <a:ext uri="{FF2B5EF4-FFF2-40B4-BE49-F238E27FC236}">
+                <a16:creationId xmlns:a16="http://schemas.microsoft.com/office/drawing/2014/main" id="{FD011204-7504-4EFA-A4CF-7A1A5C5B41B5}"/>
+              </a:ext>
+            </a:extLst>
+          </p:cNvPr>
+          <p:cNvPicPr>
+            <a:picLocks noChangeAspect="1" noChangeArrowheads="1"/>
+          </p:cNvPicPr>
+          <p:nvPr/>
+        </p:nvPicPr>
+        <p:blipFill>
+          <a:blip r:embed="rId5" cstate="print">
+            <a:extLst>
+              <a:ext uri="{28A0092B-C50C-407E-A947-70E740481C1C}">
+                <a14:useLocalDpi xmlns:a14="http://schemas.microsoft.com/office/drawing/2010/main" val="0"/>
+              </a:ext>
+            </a:extLst>
+          </a:blip>
+          <a:srcRect/>
+          <a:stretch>
+            <a:fillRect/>
+          </a:stretch>
+        </p:blipFill>
+        <p:spPr bwMode="auto">
+          <a:xfrm>
+            <a:off x="0" y="0"/>
+            <a:ext cx="180975" cy="133350"/>
+          </a:xfrm>
+          <a:prstGeom prst="rect">
+            <a:avLst/>
+          </a:prstGeom>
+          <a:noFill/>
+          <a:extLst>
+            <a:ext uri="{909E8E84-426E-40DD-AFC4-6F175D3DCCD1}">
+              <a14:hiddenFill xmlns:a14="http://schemas.microsoft.com/office/drawing/2010/main">
+                <a:solidFill>
+                  <a:srgbClr val="FFFFFF"/>
+                </a:solidFill>
+              </a14:hiddenFill>
+            </a:ext>
+          </a:extLst>
+        </p:spPr>
+      </p:pic>
     </p:spTree>
     <p:extLst>
       <p:ext uri="{BB962C8B-B14F-4D97-AF65-F5344CB8AC3E}">

--- a/Presentation TA.pptx
+++ b/Presentation TA.pptx
@@ -10805,38 +10805,6 @@
           </a:p>
         </p:txBody>
       </p:sp>
-      <p:pic>
-        <p:nvPicPr>
-          <p:cNvPr id="8" name="Content Placeholder 7">
-            <a:extLst>
-              <a:ext uri="{FF2B5EF4-FFF2-40B4-BE49-F238E27FC236}">
-                <a16:creationId xmlns:a16="http://schemas.microsoft.com/office/drawing/2014/main" id="{5841FB6D-811E-4CEF-8638-C906CEC91EB7}"/>
-              </a:ext>
-            </a:extLst>
-          </p:cNvPr>
-          <p:cNvPicPr>
-            <a:picLocks noGrp="1" noChangeAspect="1"/>
-          </p:cNvPicPr>
-          <p:nvPr>
-            <p:ph sz="quarter" idx="2"/>
-          </p:nvPr>
-        </p:nvPicPr>
-        <p:blipFill>
-          <a:blip r:embed="rId4"/>
-          <a:stretch>
-            <a:fillRect/>
-          </a:stretch>
-        </p:blipFill>
-        <p:spPr>
-          <a:xfrm>
-            <a:off x="683568" y="1680477"/>
-            <a:ext cx="8064896" cy="1316475"/>
-          </a:xfrm>
-          <a:prstGeom prst="rect">
-            <a:avLst/>
-          </a:prstGeom>
-        </p:spPr>
-      </p:pic>
       <p:sp>
         <p:nvSpPr>
           <p:cNvPr id="20" name="Content Placeholder 2">
@@ -10853,8 +10821,8 @@
         </p:nvSpPr>
         <p:spPr>
           <a:xfrm>
-            <a:off x="548072" y="3536184"/>
-            <a:ext cx="8290050" cy="3205184"/>
+            <a:off x="539552" y="2888432"/>
+            <a:ext cx="8424936" cy="3852936"/>
           </a:xfrm>
           <a:prstGeom prst="rect">
             <a:avLst/>
@@ -10862,7 +10830,7 @@
         </p:spPr>
         <p:txBody>
           <a:bodyPr vert="horz">
-            <a:normAutofit/>
+            <a:normAutofit lnSpcReduction="10000"/>
           </a:bodyPr>
           <a:lstStyle>
             <a:lvl1pPr marL="274320" indent="-274320" algn="l" rtl="0" eaLnBrk="1" latinLnBrk="0" hangingPunct="1">
@@ -11048,7 +11016,7 @@
                 <a:latin typeface="Times New Roman" panose="02020603050405020304" pitchFamily="18" charset="0"/>
                 <a:cs typeface="Times New Roman" panose="02020603050405020304" pitchFamily="18" charset="0"/>
               </a:rPr>
-              <a:t>X	     = Data </a:t>
+              <a:t>E	     = Data </a:t>
             </a:r>
             <a:r>
               <a:rPr lang="en-US" sz="2200" dirty="0" err="1">
@@ -11202,7 +11170,7 @@
                 <a:latin typeface="Times New Roman" panose="02020603050405020304" pitchFamily="18" charset="0"/>
                 <a:cs typeface="Times New Roman" panose="02020603050405020304" pitchFamily="18" charset="0"/>
               </a:rPr>
-              <a:t>P(H|X    = </a:t>
+              <a:t>P(H|E)   = </a:t>
             </a:r>
             <a:r>
               <a:rPr lang="en-US" sz="2200" dirty="0" err="1">
@@ -11223,6 +11191,34 @@
                 <a:latin typeface="Times New Roman" panose="02020603050405020304" pitchFamily="18" charset="0"/>
                 <a:cs typeface="Times New Roman" panose="02020603050405020304" pitchFamily="18" charset="0"/>
               </a:rPr>
+              <a:t>akhir</a:t>
+            </a:r>
+            <a:r>
+              <a:rPr lang="en-US" sz="2200" dirty="0">
+                <a:latin typeface="Times New Roman" panose="02020603050405020304" pitchFamily="18" charset="0"/>
+                <a:cs typeface="Times New Roman" panose="02020603050405020304" pitchFamily="18" charset="0"/>
+              </a:rPr>
+              <a:t> </a:t>
+            </a:r>
+            <a:r>
+              <a:rPr lang="en-US" sz="2200" dirty="0" err="1">
+                <a:latin typeface="Times New Roman" panose="02020603050405020304" pitchFamily="18" charset="0"/>
+                <a:cs typeface="Times New Roman" panose="02020603050405020304" pitchFamily="18" charset="0"/>
+              </a:rPr>
+              <a:t>bersyaratsuatu</a:t>
+            </a:r>
+            <a:r>
+              <a:rPr lang="en-US" sz="2200" dirty="0">
+                <a:latin typeface="Times New Roman" panose="02020603050405020304" pitchFamily="18" charset="0"/>
+                <a:cs typeface="Times New Roman" panose="02020603050405020304" pitchFamily="18" charset="0"/>
+              </a:rPr>
+              <a:t> </a:t>
+            </a:r>
+            <a:r>
+              <a:rPr lang="en-US" sz="2200" dirty="0" err="1">
+                <a:latin typeface="Times New Roman" panose="02020603050405020304" pitchFamily="18" charset="0"/>
+                <a:cs typeface="Times New Roman" panose="02020603050405020304" pitchFamily="18" charset="0"/>
+              </a:rPr>
               <a:t>hipotesis</a:t>
             </a:r>
             <a:r>
@@ -11237,7 +11233,7 @@
                 <a:latin typeface="Times New Roman" panose="02020603050405020304" pitchFamily="18" charset="0"/>
                 <a:cs typeface="Times New Roman" panose="02020603050405020304" pitchFamily="18" charset="0"/>
               </a:rPr>
-              <a:t>berdasarkan</a:t>
+              <a:t>terjadi</a:t>
             </a:r>
             <a:r>
               <a:rPr lang="en-US" sz="2200" dirty="0">
@@ -11251,15 +11247,66 @@
                 <a:latin typeface="Times New Roman" panose="02020603050405020304" pitchFamily="18" charset="0"/>
                 <a:cs typeface="Times New Roman" panose="02020603050405020304" pitchFamily="18" charset="0"/>
               </a:rPr>
-              <a:t>kondisi</a:t>
+              <a:t>jika</a:t>
             </a:r>
             <a:r>
               <a:rPr lang="en-US" sz="2200" dirty="0">
                 <a:latin typeface="Times New Roman" panose="02020603050405020304" pitchFamily="18" charset="0"/>
                 <a:cs typeface="Times New Roman" panose="02020603050405020304" pitchFamily="18" charset="0"/>
               </a:rPr>
-              <a:t> X</a:t>
-            </a:r>
+              <a:t> di     </a:t>
+            </a:r>
+          </a:p>
+          <a:p>
+            <a:pPr marL="0" indent="0" algn="just">
+              <a:buNone/>
+            </a:pPr>
+            <a:r>
+              <a:rPr lang="en-US" sz="2200" dirty="0">
+                <a:latin typeface="Times New Roman" panose="02020603050405020304" pitchFamily="18" charset="0"/>
+                <a:cs typeface="Times New Roman" panose="02020603050405020304" pitchFamily="18" charset="0"/>
+              </a:rPr>
+              <a:t>                     </a:t>
+            </a:r>
+            <a:r>
+              <a:rPr lang="en-US" sz="2200" dirty="0" err="1">
+                <a:latin typeface="Times New Roman" panose="02020603050405020304" pitchFamily="18" charset="0"/>
+                <a:cs typeface="Times New Roman" panose="02020603050405020304" pitchFamily="18" charset="0"/>
+              </a:rPr>
+              <a:t>berikan</a:t>
+            </a:r>
+            <a:r>
+              <a:rPr lang="en-US" sz="2200" dirty="0">
+                <a:latin typeface="Times New Roman" panose="02020603050405020304" pitchFamily="18" charset="0"/>
+                <a:cs typeface="Times New Roman" panose="02020603050405020304" pitchFamily="18" charset="0"/>
+              </a:rPr>
+              <a:t> </a:t>
+            </a:r>
+            <a:r>
+              <a:rPr lang="en-US" sz="2200" dirty="0" err="1">
+                <a:latin typeface="Times New Roman" panose="02020603050405020304" pitchFamily="18" charset="0"/>
+                <a:cs typeface="Times New Roman" panose="02020603050405020304" pitchFamily="18" charset="0"/>
+              </a:rPr>
+              <a:t>bukti</a:t>
+            </a:r>
+            <a:r>
+              <a:rPr lang="en-US" sz="2200" dirty="0">
+                <a:latin typeface="Times New Roman" panose="02020603050405020304" pitchFamily="18" charset="0"/>
+                <a:cs typeface="Times New Roman" panose="02020603050405020304" pitchFamily="18" charset="0"/>
+              </a:rPr>
+              <a:t> (evidence) E </a:t>
+            </a:r>
+            <a:r>
+              <a:rPr lang="en-US" sz="2200" dirty="0" err="1">
+                <a:latin typeface="Times New Roman" panose="02020603050405020304" pitchFamily="18" charset="0"/>
+                <a:cs typeface="Times New Roman" panose="02020603050405020304" pitchFamily="18" charset="0"/>
+              </a:rPr>
+              <a:t>terjadi</a:t>
+            </a:r>
+            <a:endParaRPr lang="en-US" sz="2200" dirty="0">
+              <a:latin typeface="Times New Roman" panose="02020603050405020304" pitchFamily="18" charset="0"/>
+              <a:cs typeface="Times New Roman" panose="02020603050405020304" pitchFamily="18" charset="0"/>
+            </a:endParaRPr>
           </a:p>
           <a:p>
             <a:pPr algn="just"/>
@@ -11289,38 +11336,14 @@
                 <a:latin typeface="Times New Roman" panose="02020603050405020304" pitchFamily="18" charset="0"/>
                 <a:cs typeface="Times New Roman" panose="02020603050405020304" pitchFamily="18" charset="0"/>
               </a:rPr>
-              <a:t>hipotesis</a:t>
+              <a:t>awal</a:t>
             </a:r>
             <a:r>
               <a:rPr lang="en-US" sz="2200" dirty="0">
                 <a:latin typeface="Times New Roman" panose="02020603050405020304" pitchFamily="18" charset="0"/>
                 <a:cs typeface="Times New Roman" panose="02020603050405020304" pitchFamily="18" charset="0"/>
               </a:rPr>
-              <a:t> H</a:t>
-            </a:r>
-          </a:p>
-          <a:p>
-            <a:pPr algn="just"/>
-            <a:r>
-              <a:rPr lang="en-US" sz="2200" dirty="0">
-                <a:latin typeface="Times New Roman" panose="02020603050405020304" pitchFamily="18" charset="0"/>
-                <a:cs typeface="Times New Roman" panose="02020603050405020304" pitchFamily="18" charset="0"/>
-              </a:rPr>
-              <a:t>P(X|H    = </a:t>
-            </a:r>
-            <a:r>
-              <a:rPr lang="en-US" sz="2200" dirty="0" err="1">
-                <a:latin typeface="Times New Roman" panose="02020603050405020304" pitchFamily="18" charset="0"/>
-                <a:cs typeface="Times New Roman" panose="02020603050405020304" pitchFamily="18" charset="0"/>
-              </a:rPr>
-              <a:t>Probabilitas</a:t>
-            </a:r>
-            <a:r>
-              <a:rPr lang="en-US" sz="2200" dirty="0">
-                <a:latin typeface="Times New Roman" panose="02020603050405020304" pitchFamily="18" charset="0"/>
-                <a:cs typeface="Times New Roman" panose="02020603050405020304" pitchFamily="18" charset="0"/>
-              </a:rPr>
-              <a:t> </a:t>
+              <a:t> (priori) </a:t>
             </a:r>
             <a:r>
               <a:rPr lang="en-US" sz="2200" dirty="0" err="1">
@@ -11334,14 +11357,14 @@
                 <a:latin typeface="Times New Roman" panose="02020603050405020304" pitchFamily="18" charset="0"/>
                 <a:cs typeface="Times New Roman" panose="02020603050405020304" pitchFamily="18" charset="0"/>
               </a:rPr>
-              <a:t> X </a:t>
+              <a:t> H </a:t>
             </a:r>
             <a:r>
               <a:rPr lang="en-US" sz="2200" dirty="0" err="1">
                 <a:latin typeface="Times New Roman" panose="02020603050405020304" pitchFamily="18" charset="0"/>
                 <a:cs typeface="Times New Roman" panose="02020603050405020304" pitchFamily="18" charset="0"/>
               </a:rPr>
-              <a:t>berdasarkan</a:t>
+              <a:t>terjadi</a:t>
             </a:r>
             <a:r>
               <a:rPr lang="en-US" sz="2200" dirty="0">
@@ -11355,42 +11378,365 @@
                 <a:latin typeface="Times New Roman" panose="02020603050405020304" pitchFamily="18" charset="0"/>
                 <a:cs typeface="Times New Roman" panose="02020603050405020304" pitchFamily="18" charset="0"/>
               </a:rPr>
-              <a:t>kondisi</a:t>
+              <a:t>tanpa</a:t>
             </a:r>
             <a:r>
               <a:rPr lang="en-US" sz="2200" dirty="0">
                 <a:latin typeface="Times New Roman" panose="02020603050405020304" pitchFamily="18" charset="0"/>
                 <a:cs typeface="Times New Roman" panose="02020603050405020304" pitchFamily="18" charset="0"/>
               </a:rPr>
-              <a:t> H</a:t>
-            </a:r>
-          </a:p>
-          <a:p>
-            <a:pPr algn="just"/>
+              <a:t> </a:t>
+            </a:r>
+            <a:r>
+              <a:rPr lang="en-US" sz="2200" dirty="0" err="1">
+                <a:latin typeface="Times New Roman" panose="02020603050405020304" pitchFamily="18" charset="0"/>
+                <a:cs typeface="Times New Roman" panose="02020603050405020304" pitchFamily="18" charset="0"/>
+              </a:rPr>
+              <a:t>bukti</a:t>
+            </a:r>
             <a:r>
               <a:rPr lang="en-US" sz="2200" dirty="0">
                 <a:latin typeface="Times New Roman" panose="02020603050405020304" pitchFamily="18" charset="0"/>
                 <a:cs typeface="Times New Roman" panose="02020603050405020304" pitchFamily="18" charset="0"/>
               </a:rPr>
-              <a:t>P(X)      = </a:t>
+              <a:t> </a:t>
+            </a:r>
+          </a:p>
+          <a:p>
+            <a:pPr marL="0" indent="0" algn="just">
+              <a:buNone/>
+            </a:pPr>
+            <a:r>
+              <a:rPr lang="en-US" sz="2200" dirty="0">
+                <a:latin typeface="Times New Roman" panose="02020603050405020304" pitchFamily="18" charset="0"/>
+                <a:cs typeface="Times New Roman" panose="02020603050405020304" pitchFamily="18" charset="0"/>
+              </a:rPr>
+              <a:t>                     </a:t>
             </a:r>
             <a:r>
               <a:rPr lang="en-US" sz="2200" dirty="0" err="1">
                 <a:latin typeface="Times New Roman" panose="02020603050405020304" pitchFamily="18" charset="0"/>
                 <a:cs typeface="Times New Roman" panose="02020603050405020304" pitchFamily="18" charset="0"/>
               </a:rPr>
-              <a:t>Probabilitas</a:t>
-            </a:r>
+              <a:t>apapun</a:t>
+            </a:r>
+            <a:endParaRPr lang="en-US" sz="2200" dirty="0">
+              <a:latin typeface="Times New Roman" panose="02020603050405020304" pitchFamily="18" charset="0"/>
+              <a:cs typeface="Times New Roman" panose="02020603050405020304" pitchFamily="18" charset="0"/>
+            </a:endParaRPr>
+          </a:p>
+          <a:p>
+            <a:pPr algn="just"/>
             <a:r>
               <a:rPr lang="en-US" sz="2200" dirty="0">
                 <a:latin typeface="Times New Roman" panose="02020603050405020304" pitchFamily="18" charset="0"/>
                 <a:cs typeface="Times New Roman" panose="02020603050405020304" pitchFamily="18" charset="0"/>
               </a:rPr>
-              <a:t> X</a:t>
-            </a:r>
+              <a:t>P(E|H)   = </a:t>
+            </a:r>
+            <a:r>
+              <a:rPr lang="id-ID" sz="2200" dirty="0">
+                <a:latin typeface="Times New Roman" panose="02020603050405020304" pitchFamily="18" charset="0"/>
+                <a:cs typeface="Times New Roman" panose="02020603050405020304" pitchFamily="18" charset="0"/>
+              </a:rPr>
+              <a:t>Probabilitas sebuah bukti E terjadi akan pengaruh </a:t>
+            </a:r>
+            <a:endParaRPr lang="en-US" sz="2200" dirty="0">
+              <a:latin typeface="Times New Roman" panose="02020603050405020304" pitchFamily="18" charset="0"/>
+              <a:cs typeface="Times New Roman" panose="02020603050405020304" pitchFamily="18" charset="0"/>
+            </a:endParaRPr>
+          </a:p>
+          <a:p>
+            <a:pPr marL="0" indent="0" algn="just">
+              <a:buNone/>
+            </a:pPr>
+            <a:r>
+              <a:rPr lang="en-US" sz="2200" dirty="0">
+                <a:latin typeface="Times New Roman" panose="02020603050405020304" pitchFamily="18" charset="0"/>
+                <a:cs typeface="Times New Roman" panose="02020603050405020304" pitchFamily="18" charset="0"/>
+              </a:rPr>
+              <a:t>                     </a:t>
+            </a:r>
+            <a:r>
+              <a:rPr lang="id-ID" sz="2200" dirty="0">
+                <a:latin typeface="Times New Roman" panose="02020603050405020304" pitchFamily="18" charset="0"/>
+                <a:cs typeface="Times New Roman" panose="02020603050405020304" pitchFamily="18" charset="0"/>
+              </a:rPr>
+              <a:t>hipotesis H </a:t>
+            </a:r>
+            <a:endParaRPr lang="en-US" sz="2200" dirty="0">
+              <a:latin typeface="Times New Roman" panose="02020603050405020304" pitchFamily="18" charset="0"/>
+              <a:cs typeface="Times New Roman" panose="02020603050405020304" pitchFamily="18" charset="0"/>
+            </a:endParaRPr>
+          </a:p>
+          <a:p>
+            <a:pPr algn="just"/>
+            <a:r>
+              <a:rPr lang="en-US" sz="2200" dirty="0">
+                <a:latin typeface="Times New Roman" panose="02020603050405020304" pitchFamily="18" charset="0"/>
+                <a:cs typeface="Times New Roman" panose="02020603050405020304" pitchFamily="18" charset="0"/>
+              </a:rPr>
+              <a:t>P(E)      = </a:t>
+            </a:r>
+            <a:r>
+              <a:rPr lang="id-ID" sz="2200" dirty="0">
+                <a:latin typeface="Times New Roman" panose="02020603050405020304" pitchFamily="18" charset="0"/>
+                <a:cs typeface="Times New Roman" panose="02020603050405020304" pitchFamily="18" charset="0"/>
+              </a:rPr>
+              <a:t>Probabilitas awal (Priori) bukti E terjadi tanpa memandang </a:t>
+            </a:r>
+            <a:endParaRPr lang="en-US" sz="2200" dirty="0">
+              <a:latin typeface="Times New Roman" panose="02020603050405020304" pitchFamily="18" charset="0"/>
+              <a:cs typeface="Times New Roman" panose="02020603050405020304" pitchFamily="18" charset="0"/>
+            </a:endParaRPr>
+          </a:p>
+          <a:p>
+            <a:pPr marL="0" indent="0" algn="just">
+              <a:buNone/>
+            </a:pPr>
+            <a:r>
+              <a:rPr lang="en-US" sz="2200" dirty="0">
+                <a:latin typeface="Times New Roman" panose="02020603050405020304" pitchFamily="18" charset="0"/>
+                <a:cs typeface="Times New Roman" panose="02020603050405020304" pitchFamily="18" charset="0"/>
+              </a:rPr>
+              <a:t>                     </a:t>
+            </a:r>
+            <a:r>
+              <a:rPr lang="id-ID" sz="2200" dirty="0">
+                <a:latin typeface="Times New Roman" panose="02020603050405020304" pitchFamily="18" charset="0"/>
+                <a:cs typeface="Times New Roman" panose="02020603050405020304" pitchFamily="18" charset="0"/>
+              </a:rPr>
+              <a:t>hipotesis/bukti yang lain</a:t>
+            </a:r>
+            <a:endParaRPr lang="en-US" sz="2200" dirty="0">
+              <a:latin typeface="Times New Roman" panose="02020603050405020304" pitchFamily="18" charset="0"/>
+              <a:cs typeface="Times New Roman" panose="02020603050405020304" pitchFamily="18" charset="0"/>
+            </a:endParaRPr>
           </a:p>
         </p:txBody>
       </p:sp>
+      <mc:AlternateContent xmlns:mc="http://schemas.openxmlformats.org/markup-compatibility/2006">
+        <mc:Choice xmlns:a14="http://schemas.microsoft.com/office/drawing/2010/main" Requires="a14">
+          <p:sp>
+            <p:nvSpPr>
+              <p:cNvPr id="4" name="Content Placeholder 3">
+                <a:extLst>
+                  <a:ext uri="{FF2B5EF4-FFF2-40B4-BE49-F238E27FC236}">
+                    <a16:creationId xmlns:a16="http://schemas.microsoft.com/office/drawing/2014/main" id="{29177BC9-EB14-4A4E-BF05-6CAB49235175}"/>
+                  </a:ext>
+                </a:extLst>
+              </p:cNvPr>
+              <p:cNvSpPr>
+                <a:spLocks noGrp="1"/>
+              </p:cNvSpPr>
+              <p:nvPr>
+                <p:ph sz="quarter" idx="2"/>
+              </p:nvPr>
+            </p:nvSpPr>
+            <p:spPr>
+              <a:xfrm>
+                <a:off x="1475656" y="1287016"/>
+                <a:ext cx="6686128" cy="917848"/>
+              </a:xfrm>
+            </p:spPr>
+            <p:txBody>
+              <a:bodyPr>
+                <a:noAutofit/>
+              </a:bodyPr>
+              <a:lstStyle/>
+              <a:p>
+                <a:pPr marL="0" indent="0">
+                  <a:buNone/>
+                </a:pPr>
+                <a14:m>
+                  <m:oMathPara xmlns:m="http://schemas.openxmlformats.org/officeDocument/2006/math">
+                    <m:oMathParaPr>
+                      <m:jc m:val="centerGroup"/>
+                    </m:oMathParaPr>
+                    <m:oMath xmlns:m="http://schemas.openxmlformats.org/officeDocument/2006/math">
+                      <m:r>
+                        <m:rPr>
+                          <m:sty m:val="p"/>
+                        </m:rPr>
+                        <a:rPr lang="id-ID" sz="4000" smtClean="0"/>
+                        <m:t>P</m:t>
+                      </m:r>
+                      <m:d>
+                        <m:dPr>
+                          <m:ctrlPr>
+                            <a:rPr lang="en-ID" sz="4000" i="1"/>
+                          </m:ctrlPr>
+                        </m:dPr>
+                        <m:e>
+                          <m:r>
+                            <m:rPr>
+                              <m:sty m:val="p"/>
+                            </m:rPr>
+                            <a:rPr lang="id-ID" sz="4000"/>
+                            <m:t>H</m:t>
+                          </m:r>
+                        </m:e>
+                        <m:e>
+                          <m:r>
+                            <m:rPr>
+                              <m:sty m:val="p"/>
+                            </m:rPr>
+                            <a:rPr lang="id-ID" sz="4000"/>
+                            <m:t>E</m:t>
+                          </m:r>
+                        </m:e>
+                      </m:d>
+                      <m:r>
+                        <a:rPr lang="id-ID" sz="4000"/>
+                        <m:t>=</m:t>
+                      </m:r>
+                      <m:f>
+                        <m:fPr>
+                          <m:ctrlPr>
+                            <a:rPr lang="en-ID" sz="4000" i="1"/>
+                          </m:ctrlPr>
+                        </m:fPr>
+                        <m:num>
+                          <m:r>
+                            <m:rPr>
+                              <m:sty m:val="p"/>
+                            </m:rPr>
+                            <a:rPr lang="id-ID" sz="4000">
+                              <a:latin typeface="Cambria Math" panose="02040503050406030204" pitchFamily="18" charset="0"/>
+                            </a:rPr>
+                            <m:t>P</m:t>
+                          </m:r>
+                          <m:d>
+                            <m:dPr>
+                              <m:ctrlPr>
+                                <a:rPr lang="en-ID" sz="4000" i="1"/>
+                              </m:ctrlPr>
+                            </m:dPr>
+                            <m:e>
+                              <m:r>
+                                <m:rPr>
+                                  <m:sty m:val="p"/>
+                                </m:rPr>
+                                <a:rPr lang="id-ID" sz="4000"/>
+                                <m:t>E</m:t>
+                              </m:r>
+                            </m:e>
+                            <m:e>
+                              <m:r>
+                                <m:rPr>
+                                  <m:sty m:val="p"/>
+                                </m:rPr>
+                                <a:rPr lang="id-ID" sz="4000"/>
+                                <m:t>H</m:t>
+                              </m:r>
+                            </m:e>
+                          </m:d>
+                          <m:r>
+                            <a:rPr lang="id-ID" sz="4000" i="1"/>
+                            <m:t>𝑥</m:t>
+                          </m:r>
+                          <m:r>
+                            <m:rPr>
+                              <m:sty m:val="p"/>
+                            </m:rPr>
+                            <a:rPr lang="id-ID" sz="4000"/>
+                            <m:t>P</m:t>
+                          </m:r>
+                          <m:d>
+                            <m:dPr>
+                              <m:ctrlPr>
+                                <a:rPr lang="en-ID" sz="4000" i="1"/>
+                              </m:ctrlPr>
+                            </m:dPr>
+                            <m:e>
+                              <m:r>
+                                <m:rPr>
+                                  <m:sty m:val="p"/>
+                                </m:rPr>
+                                <a:rPr lang="id-ID" sz="4000"/>
+                                <m:t>H</m:t>
+                              </m:r>
+                            </m:e>
+                          </m:d>
+                        </m:num>
+                        <m:den>
+                          <m:r>
+                            <m:rPr>
+                              <m:sty m:val="p"/>
+                            </m:rPr>
+                            <a:rPr lang="id-ID" sz="4000"/>
+                            <m:t>P</m:t>
+                          </m:r>
+                          <m:d>
+                            <m:dPr>
+                              <m:ctrlPr>
+                                <a:rPr lang="en-ID" sz="4000" i="1"/>
+                              </m:ctrlPr>
+                            </m:dPr>
+                            <m:e>
+                              <m:r>
+                                <m:rPr>
+                                  <m:sty m:val="p"/>
+                                </m:rPr>
+                                <a:rPr lang="id-ID" sz="4000"/>
+                                <m:t>E</m:t>
+                              </m:r>
+                            </m:e>
+                          </m:d>
+                        </m:den>
+                      </m:f>
+                    </m:oMath>
+                  </m:oMathPara>
+                </a14:m>
+                <a:endParaRPr lang="en-ID" sz="4000" dirty="0"/>
+              </a:p>
+            </p:txBody>
+          </p:sp>
+        </mc:Choice>
+        <mc:Fallback>
+          <p:sp>
+            <p:nvSpPr>
+              <p:cNvPr id="4" name="Content Placeholder 3">
+                <a:extLst>
+                  <a:ext uri="{FF2B5EF4-FFF2-40B4-BE49-F238E27FC236}">
+                    <a16:creationId xmlns:a16="http://schemas.microsoft.com/office/drawing/2014/main" id="{29177BC9-EB14-4A4E-BF05-6CAB49235175}"/>
+                  </a:ext>
+                </a:extLst>
+              </p:cNvPr>
+              <p:cNvSpPr>
+                <a:spLocks noGrp="1" noRot="1" noChangeAspect="1" noMove="1" noResize="1" noEditPoints="1" noAdjustHandles="1" noChangeArrowheads="1" noChangeShapeType="1" noTextEdit="1"/>
+              </p:cNvSpPr>
+              <p:nvPr>
+                <p:ph sz="quarter" idx="2"/>
+              </p:nvPr>
+            </p:nvSpPr>
+            <p:spPr>
+              <a:xfrm>
+                <a:off x="1475656" y="1287016"/>
+                <a:ext cx="6686128" cy="917848"/>
+              </a:xfrm>
+              <a:blipFill>
+                <a:blip r:embed="rId4"/>
+                <a:stretch>
+                  <a:fillRect b="-43709"/>
+                </a:stretch>
+              </a:blipFill>
+            </p:spPr>
+            <p:txBody>
+              <a:bodyPr/>
+              <a:lstStyle/>
+              <a:p>
+                <a:r>
+                  <a:rPr lang="en-ID">
+                    <a:noFill/>
+                  </a:rPr>
+                  <a:t> </a:t>
+                </a:r>
+              </a:p>
+            </p:txBody>
+          </p:sp>
+        </mc:Fallback>
+      </mc:AlternateContent>
     </p:spTree>
     <p:extLst>
       <p:ext uri="{BB962C8B-B14F-4D97-AF65-F5344CB8AC3E}">
@@ -11535,7 +11881,7 @@
         </p:nvSpPr>
         <p:spPr>
           <a:xfrm>
-            <a:off x="838200" y="1456184"/>
+            <a:off x="827584" y="4725144"/>
             <a:ext cx="7467600" cy="892696"/>
           </a:xfrm>
         </p:spPr>
@@ -11547,7 +11893,7 @@
           <a:p>
             <a:r>
               <a:rPr lang="en-US" dirty="0"/>
-              <a:t>Administrator</a:t>
+              <a:t>Admin</a:t>
             </a:r>
           </a:p>
           <a:p>
@@ -11555,7 +11901,7 @@
               <a:rPr lang="en-ID" dirty="0">
                 <a:hlinkClick r:id="rId3"/>
               </a:rPr>
-              <a:t>http://localhost/DM_bantuan/</a:t>
+              <a:t>http://bantuan.hutangcat.dx.am/</a:t>
             </a:r>
             <a:endParaRPr lang="en-US" dirty="0"/>
           </a:p>
@@ -11577,7 +11923,7 @@
         </p:nvSpPr>
         <p:spPr>
           <a:xfrm>
-            <a:off x="838200" y="2824336"/>
+            <a:off x="838200" y="2968352"/>
             <a:ext cx="7467600" cy="892696"/>
           </a:xfrm>
           <a:prstGeom prst="rect">
@@ -11768,7 +12114,7 @@
           <a:p>
             <a:r>
               <a:rPr lang="en-US" dirty="0"/>
-              <a:t>Client</a:t>
+              <a:t>Administrator</a:t>
             </a:r>
           </a:p>
           <a:p>
@@ -11777,6 +12123,876 @@
                 <a:hlinkClick r:id="rId4"/>
               </a:rPr>
               <a:t>http://localhost/DM_bantuan/admin0065/</a:t>
+            </a:r>
+            <a:endParaRPr lang="en-US" dirty="0"/>
+          </a:p>
+        </p:txBody>
+      </p:sp>
+      <p:sp>
+        <p:nvSpPr>
+          <p:cNvPr id="5" name="Content Placeholder 2">
+            <a:extLst>
+              <a:ext uri="{FF2B5EF4-FFF2-40B4-BE49-F238E27FC236}">
+                <a16:creationId xmlns:a16="http://schemas.microsoft.com/office/drawing/2014/main" id="{73A0DC63-BEE8-4694-A64E-CB70FFA77128}"/>
+              </a:ext>
+            </a:extLst>
+          </p:cNvPr>
+          <p:cNvSpPr txBox="1">
+            <a:spLocks/>
+          </p:cNvSpPr>
+          <p:nvPr/>
+        </p:nvSpPr>
+        <p:spPr>
+          <a:xfrm>
+            <a:off x="848816" y="2156048"/>
+            <a:ext cx="7467600" cy="892696"/>
+          </a:xfrm>
+          <a:prstGeom prst="rect">
+            <a:avLst/>
+          </a:prstGeom>
+        </p:spPr>
+        <p:txBody>
+          <a:bodyPr vert="horz">
+            <a:normAutofit lnSpcReduction="10000"/>
+          </a:bodyPr>
+          <a:lstStyle>
+            <a:lvl1pPr marL="274320" indent="-274320" algn="l" rtl="0" eaLnBrk="1" latinLnBrk="0" hangingPunct="1">
+              <a:spcBef>
+                <a:spcPts val="600"/>
+              </a:spcBef>
+              <a:buClr>
+                <a:schemeClr val="accent1"/>
+              </a:buClr>
+              <a:buSzPct val="70000"/>
+              <a:buFont typeface="Wingdings"/>
+              <a:buChar char=""/>
+              <a:defRPr kumimoji="0" sz="2400" kern="1200">
+                <a:solidFill>
+                  <a:schemeClr val="tx1"/>
+                </a:solidFill>
+                <a:latin typeface="+mn-lt"/>
+                <a:ea typeface="+mn-ea"/>
+                <a:cs typeface="+mn-cs"/>
+              </a:defRPr>
+            </a:lvl1pPr>
+            <a:lvl2pPr marL="640080" indent="-274320" algn="l" rtl="0" eaLnBrk="1" latinLnBrk="0" hangingPunct="1">
+              <a:spcBef>
+                <a:spcPct val="20000"/>
+              </a:spcBef>
+              <a:buClr>
+                <a:schemeClr val="accent1"/>
+              </a:buClr>
+              <a:buSzPct val="80000"/>
+              <a:buFont typeface="Wingdings 2"/>
+              <a:buChar char=""/>
+              <a:defRPr kumimoji="0" sz="2100" kern="1200">
+                <a:solidFill>
+                  <a:schemeClr val="tx1"/>
+                </a:solidFill>
+                <a:latin typeface="+mn-lt"/>
+                <a:ea typeface="+mn-ea"/>
+                <a:cs typeface="+mn-cs"/>
+              </a:defRPr>
+            </a:lvl2pPr>
+            <a:lvl3pPr marL="914400" indent="-182880" algn="l" rtl="0" eaLnBrk="1" latinLnBrk="0" hangingPunct="1">
+              <a:spcBef>
+                <a:spcPct val="20000"/>
+              </a:spcBef>
+              <a:buClr>
+                <a:schemeClr val="accent1">
+                  <a:shade val="75000"/>
+                </a:schemeClr>
+              </a:buClr>
+              <a:buSzPct val="60000"/>
+              <a:buFont typeface="Wingdings"/>
+              <a:buChar char=""/>
+              <a:defRPr kumimoji="0" sz="1800" kern="1200">
+                <a:solidFill>
+                  <a:schemeClr val="tx1"/>
+                </a:solidFill>
+                <a:latin typeface="+mn-lt"/>
+                <a:ea typeface="+mn-ea"/>
+                <a:cs typeface="+mn-cs"/>
+              </a:defRPr>
+            </a:lvl3pPr>
+            <a:lvl4pPr marL="1188720" indent="-182880" algn="l" rtl="0" eaLnBrk="1" latinLnBrk="0" hangingPunct="1">
+              <a:spcBef>
+                <a:spcPct val="20000"/>
+              </a:spcBef>
+              <a:buClr>
+                <a:schemeClr val="accent1">
+                  <a:tint val="60000"/>
+                </a:schemeClr>
+              </a:buClr>
+              <a:buSzPct val="60000"/>
+              <a:buFont typeface="Wingdings"/>
+              <a:buChar char=""/>
+              <a:defRPr kumimoji="0" sz="1800" kern="1200">
+                <a:solidFill>
+                  <a:schemeClr val="tx1"/>
+                </a:solidFill>
+                <a:latin typeface="+mn-lt"/>
+                <a:ea typeface="+mn-ea"/>
+                <a:cs typeface="+mn-cs"/>
+              </a:defRPr>
+            </a:lvl4pPr>
+            <a:lvl5pPr marL="1463040" indent="-182880" algn="l" rtl="0" eaLnBrk="1" latinLnBrk="0" hangingPunct="1">
+              <a:spcBef>
+                <a:spcPct val="20000"/>
+              </a:spcBef>
+              <a:buClr>
+                <a:schemeClr val="accent2">
+                  <a:tint val="60000"/>
+                </a:schemeClr>
+              </a:buClr>
+              <a:buSzPct val="68000"/>
+              <a:buFont typeface="Wingdings 2"/>
+              <a:buChar char=""/>
+              <a:defRPr kumimoji="0" sz="1600" kern="1200">
+                <a:solidFill>
+                  <a:schemeClr val="tx1"/>
+                </a:solidFill>
+                <a:latin typeface="+mn-lt"/>
+                <a:ea typeface="+mn-ea"/>
+                <a:cs typeface="+mn-cs"/>
+              </a:defRPr>
+            </a:lvl5pPr>
+            <a:lvl6pPr marL="1737360" indent="-182880" algn="l" rtl="0" eaLnBrk="1" latinLnBrk="0" hangingPunct="1">
+              <a:spcBef>
+                <a:spcPct val="20000"/>
+              </a:spcBef>
+              <a:buClr>
+                <a:schemeClr val="accent1"/>
+              </a:buClr>
+              <a:buChar char="•"/>
+              <a:defRPr kumimoji="0" sz="1600" kern="1200">
+                <a:solidFill>
+                  <a:schemeClr val="tx2"/>
+                </a:solidFill>
+                <a:latin typeface="+mn-lt"/>
+                <a:ea typeface="+mn-ea"/>
+                <a:cs typeface="+mn-cs"/>
+              </a:defRPr>
+            </a:lvl6pPr>
+            <a:lvl7pPr marL="2011680" indent="-182880" algn="l" rtl="0" eaLnBrk="1" latinLnBrk="0" hangingPunct="1">
+              <a:spcBef>
+                <a:spcPct val="20000"/>
+              </a:spcBef>
+              <a:buClr>
+                <a:schemeClr val="accent1">
+                  <a:tint val="60000"/>
+                </a:schemeClr>
+              </a:buClr>
+              <a:buSzPct val="60000"/>
+              <a:buFont typeface="Wingdings"/>
+              <a:buChar char=""/>
+              <a:defRPr kumimoji="0" sz="1400" kern="1200" baseline="0">
+                <a:solidFill>
+                  <a:schemeClr val="tx2"/>
+                </a:solidFill>
+                <a:latin typeface="+mn-lt"/>
+                <a:ea typeface="+mn-ea"/>
+                <a:cs typeface="+mn-cs"/>
+              </a:defRPr>
+            </a:lvl7pPr>
+            <a:lvl8pPr marL="2286000" indent="-182880" algn="l" rtl="0" eaLnBrk="1" latinLnBrk="0" hangingPunct="1">
+              <a:spcBef>
+                <a:spcPct val="20000"/>
+              </a:spcBef>
+              <a:buClr>
+                <a:schemeClr val="accent2"/>
+              </a:buClr>
+              <a:buChar char="•"/>
+              <a:defRPr kumimoji="0" sz="1400" kern="1200" cap="small" baseline="0">
+                <a:solidFill>
+                  <a:schemeClr val="tx2"/>
+                </a:solidFill>
+                <a:latin typeface="+mn-lt"/>
+                <a:ea typeface="+mn-ea"/>
+                <a:cs typeface="+mn-cs"/>
+              </a:defRPr>
+            </a:lvl8pPr>
+            <a:lvl9pPr marL="2560320" indent="-182880" algn="l" rtl="0" eaLnBrk="1" latinLnBrk="0" hangingPunct="1">
+              <a:spcBef>
+                <a:spcPct val="20000"/>
+              </a:spcBef>
+              <a:buClr>
+                <a:schemeClr val="accent1">
+                  <a:shade val="75000"/>
+                </a:schemeClr>
+              </a:buClr>
+              <a:buChar char="•"/>
+              <a:defRPr kumimoji="0" sz="1400" kern="1200" baseline="0">
+                <a:solidFill>
+                  <a:schemeClr val="tx2"/>
+                </a:solidFill>
+                <a:latin typeface="+mn-lt"/>
+                <a:ea typeface="+mn-ea"/>
+                <a:cs typeface="+mn-cs"/>
+              </a:defRPr>
+            </a:lvl9pPr>
+          </a:lstStyle>
+          <a:p>
+            <a:r>
+              <a:rPr lang="en-US" dirty="0" err="1"/>
+              <a:t>Warga</a:t>
+            </a:r>
+            <a:endParaRPr lang="en-US" dirty="0"/>
+          </a:p>
+          <a:p>
+            <a:r>
+              <a:rPr lang="en-ID" dirty="0">
+                <a:hlinkClick r:id="rId5"/>
+              </a:rPr>
+              <a:t>http://localhost/DM_bantuan/</a:t>
+            </a:r>
+            <a:endParaRPr lang="en-US" dirty="0"/>
+          </a:p>
+        </p:txBody>
+      </p:sp>
+      <p:sp>
+        <p:nvSpPr>
+          <p:cNvPr id="7" name="Content Placeholder 2">
+            <a:extLst>
+              <a:ext uri="{FF2B5EF4-FFF2-40B4-BE49-F238E27FC236}">
+                <a16:creationId xmlns:a16="http://schemas.microsoft.com/office/drawing/2014/main" id="{0E7FC78E-F21B-40E8-BE65-C027AF697CD8}"/>
+              </a:ext>
+            </a:extLst>
+          </p:cNvPr>
+          <p:cNvSpPr txBox="1">
+            <a:spLocks/>
+          </p:cNvSpPr>
+          <p:nvPr/>
+        </p:nvSpPr>
+        <p:spPr>
+          <a:xfrm>
+            <a:off x="3644280" y="1471548"/>
+            <a:ext cx="1656184" cy="556697"/>
+          </a:xfrm>
+          <a:prstGeom prst="rect">
+            <a:avLst/>
+          </a:prstGeom>
+        </p:spPr>
+        <p:txBody>
+          <a:bodyPr vert="horz">
+            <a:normAutofit/>
+          </a:bodyPr>
+          <a:lstStyle>
+            <a:lvl1pPr marL="274320" indent="-274320" algn="l" rtl="0" eaLnBrk="1" latinLnBrk="0" hangingPunct="1">
+              <a:spcBef>
+                <a:spcPts val="600"/>
+              </a:spcBef>
+              <a:buClr>
+                <a:schemeClr val="accent1"/>
+              </a:buClr>
+              <a:buSzPct val="70000"/>
+              <a:buFont typeface="Wingdings"/>
+              <a:buChar char=""/>
+              <a:defRPr kumimoji="0" sz="2400" kern="1200">
+                <a:solidFill>
+                  <a:schemeClr val="tx1"/>
+                </a:solidFill>
+                <a:latin typeface="+mn-lt"/>
+                <a:ea typeface="+mn-ea"/>
+                <a:cs typeface="+mn-cs"/>
+              </a:defRPr>
+            </a:lvl1pPr>
+            <a:lvl2pPr marL="640080" indent="-274320" algn="l" rtl="0" eaLnBrk="1" latinLnBrk="0" hangingPunct="1">
+              <a:spcBef>
+                <a:spcPct val="20000"/>
+              </a:spcBef>
+              <a:buClr>
+                <a:schemeClr val="accent1"/>
+              </a:buClr>
+              <a:buSzPct val="80000"/>
+              <a:buFont typeface="Wingdings 2"/>
+              <a:buChar char=""/>
+              <a:defRPr kumimoji="0" sz="2100" kern="1200">
+                <a:solidFill>
+                  <a:schemeClr val="tx1"/>
+                </a:solidFill>
+                <a:latin typeface="+mn-lt"/>
+                <a:ea typeface="+mn-ea"/>
+                <a:cs typeface="+mn-cs"/>
+              </a:defRPr>
+            </a:lvl2pPr>
+            <a:lvl3pPr marL="914400" indent="-182880" algn="l" rtl="0" eaLnBrk="1" latinLnBrk="0" hangingPunct="1">
+              <a:spcBef>
+                <a:spcPct val="20000"/>
+              </a:spcBef>
+              <a:buClr>
+                <a:schemeClr val="accent1">
+                  <a:shade val="75000"/>
+                </a:schemeClr>
+              </a:buClr>
+              <a:buSzPct val="60000"/>
+              <a:buFont typeface="Wingdings"/>
+              <a:buChar char=""/>
+              <a:defRPr kumimoji="0" sz="1800" kern="1200">
+                <a:solidFill>
+                  <a:schemeClr val="tx1"/>
+                </a:solidFill>
+                <a:latin typeface="+mn-lt"/>
+                <a:ea typeface="+mn-ea"/>
+                <a:cs typeface="+mn-cs"/>
+              </a:defRPr>
+            </a:lvl3pPr>
+            <a:lvl4pPr marL="1188720" indent="-182880" algn="l" rtl="0" eaLnBrk="1" latinLnBrk="0" hangingPunct="1">
+              <a:spcBef>
+                <a:spcPct val="20000"/>
+              </a:spcBef>
+              <a:buClr>
+                <a:schemeClr val="accent1">
+                  <a:tint val="60000"/>
+                </a:schemeClr>
+              </a:buClr>
+              <a:buSzPct val="60000"/>
+              <a:buFont typeface="Wingdings"/>
+              <a:buChar char=""/>
+              <a:defRPr kumimoji="0" sz="1800" kern="1200">
+                <a:solidFill>
+                  <a:schemeClr val="tx1"/>
+                </a:solidFill>
+                <a:latin typeface="+mn-lt"/>
+                <a:ea typeface="+mn-ea"/>
+                <a:cs typeface="+mn-cs"/>
+              </a:defRPr>
+            </a:lvl4pPr>
+            <a:lvl5pPr marL="1463040" indent="-182880" algn="l" rtl="0" eaLnBrk="1" latinLnBrk="0" hangingPunct="1">
+              <a:spcBef>
+                <a:spcPct val="20000"/>
+              </a:spcBef>
+              <a:buClr>
+                <a:schemeClr val="accent2">
+                  <a:tint val="60000"/>
+                </a:schemeClr>
+              </a:buClr>
+              <a:buSzPct val="68000"/>
+              <a:buFont typeface="Wingdings 2"/>
+              <a:buChar char=""/>
+              <a:defRPr kumimoji="0" sz="1600" kern="1200">
+                <a:solidFill>
+                  <a:schemeClr val="tx1"/>
+                </a:solidFill>
+                <a:latin typeface="+mn-lt"/>
+                <a:ea typeface="+mn-ea"/>
+                <a:cs typeface="+mn-cs"/>
+              </a:defRPr>
+            </a:lvl5pPr>
+            <a:lvl6pPr marL="1737360" indent="-182880" algn="l" rtl="0" eaLnBrk="1" latinLnBrk="0" hangingPunct="1">
+              <a:spcBef>
+                <a:spcPct val="20000"/>
+              </a:spcBef>
+              <a:buClr>
+                <a:schemeClr val="accent1"/>
+              </a:buClr>
+              <a:buChar char="•"/>
+              <a:defRPr kumimoji="0" sz="1600" kern="1200">
+                <a:solidFill>
+                  <a:schemeClr val="tx2"/>
+                </a:solidFill>
+                <a:latin typeface="+mn-lt"/>
+                <a:ea typeface="+mn-ea"/>
+                <a:cs typeface="+mn-cs"/>
+              </a:defRPr>
+            </a:lvl6pPr>
+            <a:lvl7pPr marL="2011680" indent="-182880" algn="l" rtl="0" eaLnBrk="1" latinLnBrk="0" hangingPunct="1">
+              <a:spcBef>
+                <a:spcPct val="20000"/>
+              </a:spcBef>
+              <a:buClr>
+                <a:schemeClr val="accent1">
+                  <a:tint val="60000"/>
+                </a:schemeClr>
+              </a:buClr>
+              <a:buSzPct val="60000"/>
+              <a:buFont typeface="Wingdings"/>
+              <a:buChar char=""/>
+              <a:defRPr kumimoji="0" sz="1400" kern="1200" baseline="0">
+                <a:solidFill>
+                  <a:schemeClr val="tx2"/>
+                </a:solidFill>
+                <a:latin typeface="+mn-lt"/>
+                <a:ea typeface="+mn-ea"/>
+                <a:cs typeface="+mn-cs"/>
+              </a:defRPr>
+            </a:lvl7pPr>
+            <a:lvl8pPr marL="2286000" indent="-182880" algn="l" rtl="0" eaLnBrk="1" latinLnBrk="0" hangingPunct="1">
+              <a:spcBef>
+                <a:spcPct val="20000"/>
+              </a:spcBef>
+              <a:buClr>
+                <a:schemeClr val="accent2"/>
+              </a:buClr>
+              <a:buChar char="•"/>
+              <a:defRPr kumimoji="0" sz="1400" kern="1200" cap="small" baseline="0">
+                <a:solidFill>
+                  <a:schemeClr val="tx2"/>
+                </a:solidFill>
+                <a:latin typeface="+mn-lt"/>
+                <a:ea typeface="+mn-ea"/>
+                <a:cs typeface="+mn-cs"/>
+              </a:defRPr>
+            </a:lvl8pPr>
+            <a:lvl9pPr marL="2560320" indent="-182880" algn="l" rtl="0" eaLnBrk="1" latinLnBrk="0" hangingPunct="1">
+              <a:spcBef>
+                <a:spcPct val="20000"/>
+              </a:spcBef>
+              <a:buClr>
+                <a:schemeClr val="accent1">
+                  <a:shade val="75000"/>
+                </a:schemeClr>
+              </a:buClr>
+              <a:buChar char="•"/>
+              <a:defRPr kumimoji="0" sz="1400" kern="1200" baseline="0">
+                <a:solidFill>
+                  <a:schemeClr val="tx2"/>
+                </a:solidFill>
+                <a:latin typeface="+mn-lt"/>
+                <a:ea typeface="+mn-ea"/>
+                <a:cs typeface="+mn-cs"/>
+              </a:defRPr>
+            </a:lvl9pPr>
+          </a:lstStyle>
+          <a:p>
+            <a:pPr algn="ctr"/>
+            <a:r>
+              <a:rPr lang="en-US" dirty="0"/>
+              <a:t>Offline</a:t>
+            </a:r>
+          </a:p>
+        </p:txBody>
+      </p:sp>
+      <p:sp>
+        <p:nvSpPr>
+          <p:cNvPr id="8" name="Content Placeholder 2">
+            <a:extLst>
+              <a:ext uri="{FF2B5EF4-FFF2-40B4-BE49-F238E27FC236}">
+                <a16:creationId xmlns:a16="http://schemas.microsoft.com/office/drawing/2014/main" id="{5D61EBEA-17C7-444D-B2C6-F7867D9A3FA8}"/>
+              </a:ext>
+            </a:extLst>
+          </p:cNvPr>
+          <p:cNvSpPr txBox="1">
+            <a:spLocks/>
+          </p:cNvSpPr>
+          <p:nvPr/>
+        </p:nvSpPr>
+        <p:spPr>
+          <a:xfrm>
+            <a:off x="3644280" y="4277439"/>
+            <a:ext cx="1656184" cy="556697"/>
+          </a:xfrm>
+          <a:prstGeom prst="rect">
+            <a:avLst/>
+          </a:prstGeom>
+        </p:spPr>
+        <p:txBody>
+          <a:bodyPr vert="horz">
+            <a:normAutofit/>
+          </a:bodyPr>
+          <a:lstStyle>
+            <a:lvl1pPr marL="274320" indent="-274320" algn="l" rtl="0" eaLnBrk="1" latinLnBrk="0" hangingPunct="1">
+              <a:spcBef>
+                <a:spcPts val="600"/>
+              </a:spcBef>
+              <a:buClr>
+                <a:schemeClr val="accent1"/>
+              </a:buClr>
+              <a:buSzPct val="70000"/>
+              <a:buFont typeface="Wingdings"/>
+              <a:buChar char=""/>
+              <a:defRPr kumimoji="0" sz="2400" kern="1200">
+                <a:solidFill>
+                  <a:schemeClr val="tx1"/>
+                </a:solidFill>
+                <a:latin typeface="+mn-lt"/>
+                <a:ea typeface="+mn-ea"/>
+                <a:cs typeface="+mn-cs"/>
+              </a:defRPr>
+            </a:lvl1pPr>
+            <a:lvl2pPr marL="640080" indent="-274320" algn="l" rtl="0" eaLnBrk="1" latinLnBrk="0" hangingPunct="1">
+              <a:spcBef>
+                <a:spcPct val="20000"/>
+              </a:spcBef>
+              <a:buClr>
+                <a:schemeClr val="accent1"/>
+              </a:buClr>
+              <a:buSzPct val="80000"/>
+              <a:buFont typeface="Wingdings 2"/>
+              <a:buChar char=""/>
+              <a:defRPr kumimoji="0" sz="2100" kern="1200">
+                <a:solidFill>
+                  <a:schemeClr val="tx1"/>
+                </a:solidFill>
+                <a:latin typeface="+mn-lt"/>
+                <a:ea typeface="+mn-ea"/>
+                <a:cs typeface="+mn-cs"/>
+              </a:defRPr>
+            </a:lvl2pPr>
+            <a:lvl3pPr marL="914400" indent="-182880" algn="l" rtl="0" eaLnBrk="1" latinLnBrk="0" hangingPunct="1">
+              <a:spcBef>
+                <a:spcPct val="20000"/>
+              </a:spcBef>
+              <a:buClr>
+                <a:schemeClr val="accent1">
+                  <a:shade val="75000"/>
+                </a:schemeClr>
+              </a:buClr>
+              <a:buSzPct val="60000"/>
+              <a:buFont typeface="Wingdings"/>
+              <a:buChar char=""/>
+              <a:defRPr kumimoji="0" sz="1800" kern="1200">
+                <a:solidFill>
+                  <a:schemeClr val="tx1"/>
+                </a:solidFill>
+                <a:latin typeface="+mn-lt"/>
+                <a:ea typeface="+mn-ea"/>
+                <a:cs typeface="+mn-cs"/>
+              </a:defRPr>
+            </a:lvl3pPr>
+            <a:lvl4pPr marL="1188720" indent="-182880" algn="l" rtl="0" eaLnBrk="1" latinLnBrk="0" hangingPunct="1">
+              <a:spcBef>
+                <a:spcPct val="20000"/>
+              </a:spcBef>
+              <a:buClr>
+                <a:schemeClr val="accent1">
+                  <a:tint val="60000"/>
+                </a:schemeClr>
+              </a:buClr>
+              <a:buSzPct val="60000"/>
+              <a:buFont typeface="Wingdings"/>
+              <a:buChar char=""/>
+              <a:defRPr kumimoji="0" sz="1800" kern="1200">
+                <a:solidFill>
+                  <a:schemeClr val="tx1"/>
+                </a:solidFill>
+                <a:latin typeface="+mn-lt"/>
+                <a:ea typeface="+mn-ea"/>
+                <a:cs typeface="+mn-cs"/>
+              </a:defRPr>
+            </a:lvl4pPr>
+            <a:lvl5pPr marL="1463040" indent="-182880" algn="l" rtl="0" eaLnBrk="1" latinLnBrk="0" hangingPunct="1">
+              <a:spcBef>
+                <a:spcPct val="20000"/>
+              </a:spcBef>
+              <a:buClr>
+                <a:schemeClr val="accent2">
+                  <a:tint val="60000"/>
+                </a:schemeClr>
+              </a:buClr>
+              <a:buSzPct val="68000"/>
+              <a:buFont typeface="Wingdings 2"/>
+              <a:buChar char=""/>
+              <a:defRPr kumimoji="0" sz="1600" kern="1200">
+                <a:solidFill>
+                  <a:schemeClr val="tx1"/>
+                </a:solidFill>
+                <a:latin typeface="+mn-lt"/>
+                <a:ea typeface="+mn-ea"/>
+                <a:cs typeface="+mn-cs"/>
+              </a:defRPr>
+            </a:lvl5pPr>
+            <a:lvl6pPr marL="1737360" indent="-182880" algn="l" rtl="0" eaLnBrk="1" latinLnBrk="0" hangingPunct="1">
+              <a:spcBef>
+                <a:spcPct val="20000"/>
+              </a:spcBef>
+              <a:buClr>
+                <a:schemeClr val="accent1"/>
+              </a:buClr>
+              <a:buChar char="•"/>
+              <a:defRPr kumimoji="0" sz="1600" kern="1200">
+                <a:solidFill>
+                  <a:schemeClr val="tx2"/>
+                </a:solidFill>
+                <a:latin typeface="+mn-lt"/>
+                <a:ea typeface="+mn-ea"/>
+                <a:cs typeface="+mn-cs"/>
+              </a:defRPr>
+            </a:lvl6pPr>
+            <a:lvl7pPr marL="2011680" indent="-182880" algn="l" rtl="0" eaLnBrk="1" latinLnBrk="0" hangingPunct="1">
+              <a:spcBef>
+                <a:spcPct val="20000"/>
+              </a:spcBef>
+              <a:buClr>
+                <a:schemeClr val="accent1">
+                  <a:tint val="60000"/>
+                </a:schemeClr>
+              </a:buClr>
+              <a:buSzPct val="60000"/>
+              <a:buFont typeface="Wingdings"/>
+              <a:buChar char=""/>
+              <a:defRPr kumimoji="0" sz="1400" kern="1200" baseline="0">
+                <a:solidFill>
+                  <a:schemeClr val="tx2"/>
+                </a:solidFill>
+                <a:latin typeface="+mn-lt"/>
+                <a:ea typeface="+mn-ea"/>
+                <a:cs typeface="+mn-cs"/>
+              </a:defRPr>
+            </a:lvl7pPr>
+            <a:lvl8pPr marL="2286000" indent="-182880" algn="l" rtl="0" eaLnBrk="1" latinLnBrk="0" hangingPunct="1">
+              <a:spcBef>
+                <a:spcPct val="20000"/>
+              </a:spcBef>
+              <a:buClr>
+                <a:schemeClr val="accent2"/>
+              </a:buClr>
+              <a:buChar char="•"/>
+              <a:defRPr kumimoji="0" sz="1400" kern="1200" cap="small" baseline="0">
+                <a:solidFill>
+                  <a:schemeClr val="tx2"/>
+                </a:solidFill>
+                <a:latin typeface="+mn-lt"/>
+                <a:ea typeface="+mn-ea"/>
+                <a:cs typeface="+mn-cs"/>
+              </a:defRPr>
+            </a:lvl8pPr>
+            <a:lvl9pPr marL="2560320" indent="-182880" algn="l" rtl="0" eaLnBrk="1" latinLnBrk="0" hangingPunct="1">
+              <a:spcBef>
+                <a:spcPct val="20000"/>
+              </a:spcBef>
+              <a:buClr>
+                <a:schemeClr val="accent1">
+                  <a:shade val="75000"/>
+                </a:schemeClr>
+              </a:buClr>
+              <a:buChar char="•"/>
+              <a:defRPr kumimoji="0" sz="1400" kern="1200" baseline="0">
+                <a:solidFill>
+                  <a:schemeClr val="tx2"/>
+                </a:solidFill>
+                <a:latin typeface="+mn-lt"/>
+                <a:ea typeface="+mn-ea"/>
+                <a:cs typeface="+mn-cs"/>
+              </a:defRPr>
+            </a:lvl9pPr>
+          </a:lstStyle>
+          <a:p>
+            <a:pPr algn="ctr"/>
+            <a:r>
+              <a:rPr lang="en-US" dirty="0"/>
+              <a:t>Online</a:t>
+            </a:r>
+          </a:p>
+        </p:txBody>
+      </p:sp>
+      <p:sp>
+        <p:nvSpPr>
+          <p:cNvPr id="10" name="Content Placeholder 2">
+            <a:extLst>
+              <a:ext uri="{FF2B5EF4-FFF2-40B4-BE49-F238E27FC236}">
+                <a16:creationId xmlns:a16="http://schemas.microsoft.com/office/drawing/2014/main" id="{5BDB5030-B37E-4812-9070-A9FE114CA357}"/>
+              </a:ext>
+            </a:extLst>
+          </p:cNvPr>
+          <p:cNvSpPr txBox="1">
+            <a:spLocks/>
+          </p:cNvSpPr>
+          <p:nvPr/>
+        </p:nvSpPr>
+        <p:spPr>
+          <a:xfrm>
+            <a:off x="824270" y="5549552"/>
+            <a:ext cx="7467600" cy="892696"/>
+          </a:xfrm>
+          <a:prstGeom prst="rect">
+            <a:avLst/>
+          </a:prstGeom>
+        </p:spPr>
+        <p:txBody>
+          <a:bodyPr vert="horz">
+            <a:normAutofit lnSpcReduction="10000"/>
+          </a:bodyPr>
+          <a:lstStyle>
+            <a:lvl1pPr marL="274320" indent="-274320" algn="l" rtl="0" eaLnBrk="1" latinLnBrk="0" hangingPunct="1">
+              <a:spcBef>
+                <a:spcPts val="600"/>
+              </a:spcBef>
+              <a:buClr>
+                <a:schemeClr val="accent1"/>
+              </a:buClr>
+              <a:buSzPct val="70000"/>
+              <a:buFont typeface="Wingdings"/>
+              <a:buChar char=""/>
+              <a:defRPr kumimoji="0" sz="2400" kern="1200">
+                <a:solidFill>
+                  <a:schemeClr val="tx1"/>
+                </a:solidFill>
+                <a:latin typeface="+mn-lt"/>
+                <a:ea typeface="+mn-ea"/>
+                <a:cs typeface="+mn-cs"/>
+              </a:defRPr>
+            </a:lvl1pPr>
+            <a:lvl2pPr marL="640080" indent="-274320" algn="l" rtl="0" eaLnBrk="1" latinLnBrk="0" hangingPunct="1">
+              <a:spcBef>
+                <a:spcPct val="20000"/>
+              </a:spcBef>
+              <a:buClr>
+                <a:schemeClr val="accent1"/>
+              </a:buClr>
+              <a:buSzPct val="80000"/>
+              <a:buFont typeface="Wingdings 2"/>
+              <a:buChar char=""/>
+              <a:defRPr kumimoji="0" sz="2100" kern="1200">
+                <a:solidFill>
+                  <a:schemeClr val="tx1"/>
+                </a:solidFill>
+                <a:latin typeface="+mn-lt"/>
+                <a:ea typeface="+mn-ea"/>
+                <a:cs typeface="+mn-cs"/>
+              </a:defRPr>
+            </a:lvl2pPr>
+            <a:lvl3pPr marL="914400" indent="-182880" algn="l" rtl="0" eaLnBrk="1" latinLnBrk="0" hangingPunct="1">
+              <a:spcBef>
+                <a:spcPct val="20000"/>
+              </a:spcBef>
+              <a:buClr>
+                <a:schemeClr val="accent1">
+                  <a:shade val="75000"/>
+                </a:schemeClr>
+              </a:buClr>
+              <a:buSzPct val="60000"/>
+              <a:buFont typeface="Wingdings"/>
+              <a:buChar char=""/>
+              <a:defRPr kumimoji="0" sz="1800" kern="1200">
+                <a:solidFill>
+                  <a:schemeClr val="tx1"/>
+                </a:solidFill>
+                <a:latin typeface="+mn-lt"/>
+                <a:ea typeface="+mn-ea"/>
+                <a:cs typeface="+mn-cs"/>
+              </a:defRPr>
+            </a:lvl3pPr>
+            <a:lvl4pPr marL="1188720" indent="-182880" algn="l" rtl="0" eaLnBrk="1" latinLnBrk="0" hangingPunct="1">
+              <a:spcBef>
+                <a:spcPct val="20000"/>
+              </a:spcBef>
+              <a:buClr>
+                <a:schemeClr val="accent1">
+                  <a:tint val="60000"/>
+                </a:schemeClr>
+              </a:buClr>
+              <a:buSzPct val="60000"/>
+              <a:buFont typeface="Wingdings"/>
+              <a:buChar char=""/>
+              <a:defRPr kumimoji="0" sz="1800" kern="1200">
+                <a:solidFill>
+                  <a:schemeClr val="tx1"/>
+                </a:solidFill>
+                <a:latin typeface="+mn-lt"/>
+                <a:ea typeface="+mn-ea"/>
+                <a:cs typeface="+mn-cs"/>
+              </a:defRPr>
+            </a:lvl4pPr>
+            <a:lvl5pPr marL="1463040" indent="-182880" algn="l" rtl="0" eaLnBrk="1" latinLnBrk="0" hangingPunct="1">
+              <a:spcBef>
+                <a:spcPct val="20000"/>
+              </a:spcBef>
+              <a:buClr>
+                <a:schemeClr val="accent2">
+                  <a:tint val="60000"/>
+                </a:schemeClr>
+              </a:buClr>
+              <a:buSzPct val="68000"/>
+              <a:buFont typeface="Wingdings 2"/>
+              <a:buChar char=""/>
+              <a:defRPr kumimoji="0" sz="1600" kern="1200">
+                <a:solidFill>
+                  <a:schemeClr val="tx1"/>
+                </a:solidFill>
+                <a:latin typeface="+mn-lt"/>
+                <a:ea typeface="+mn-ea"/>
+                <a:cs typeface="+mn-cs"/>
+              </a:defRPr>
+            </a:lvl5pPr>
+            <a:lvl6pPr marL="1737360" indent="-182880" algn="l" rtl="0" eaLnBrk="1" latinLnBrk="0" hangingPunct="1">
+              <a:spcBef>
+                <a:spcPct val="20000"/>
+              </a:spcBef>
+              <a:buClr>
+                <a:schemeClr val="accent1"/>
+              </a:buClr>
+              <a:buChar char="•"/>
+              <a:defRPr kumimoji="0" sz="1600" kern="1200">
+                <a:solidFill>
+                  <a:schemeClr val="tx2"/>
+                </a:solidFill>
+                <a:latin typeface="+mn-lt"/>
+                <a:ea typeface="+mn-ea"/>
+                <a:cs typeface="+mn-cs"/>
+              </a:defRPr>
+            </a:lvl6pPr>
+            <a:lvl7pPr marL="2011680" indent="-182880" algn="l" rtl="0" eaLnBrk="1" latinLnBrk="0" hangingPunct="1">
+              <a:spcBef>
+                <a:spcPct val="20000"/>
+              </a:spcBef>
+              <a:buClr>
+                <a:schemeClr val="accent1">
+                  <a:tint val="60000"/>
+                </a:schemeClr>
+              </a:buClr>
+              <a:buSzPct val="60000"/>
+              <a:buFont typeface="Wingdings"/>
+              <a:buChar char=""/>
+              <a:defRPr kumimoji="0" sz="1400" kern="1200" baseline="0">
+                <a:solidFill>
+                  <a:schemeClr val="tx2"/>
+                </a:solidFill>
+                <a:latin typeface="+mn-lt"/>
+                <a:ea typeface="+mn-ea"/>
+                <a:cs typeface="+mn-cs"/>
+              </a:defRPr>
+            </a:lvl7pPr>
+            <a:lvl8pPr marL="2286000" indent="-182880" algn="l" rtl="0" eaLnBrk="1" latinLnBrk="0" hangingPunct="1">
+              <a:spcBef>
+                <a:spcPct val="20000"/>
+              </a:spcBef>
+              <a:buClr>
+                <a:schemeClr val="accent2"/>
+              </a:buClr>
+              <a:buChar char="•"/>
+              <a:defRPr kumimoji="0" sz="1400" kern="1200" cap="small" baseline="0">
+                <a:solidFill>
+                  <a:schemeClr val="tx2"/>
+                </a:solidFill>
+                <a:latin typeface="+mn-lt"/>
+                <a:ea typeface="+mn-ea"/>
+                <a:cs typeface="+mn-cs"/>
+              </a:defRPr>
+            </a:lvl8pPr>
+            <a:lvl9pPr marL="2560320" indent="-182880" algn="l" rtl="0" eaLnBrk="1" latinLnBrk="0" hangingPunct="1">
+              <a:spcBef>
+                <a:spcPct val="20000"/>
+              </a:spcBef>
+              <a:buClr>
+                <a:schemeClr val="accent1">
+                  <a:shade val="75000"/>
+                </a:schemeClr>
+              </a:buClr>
+              <a:buChar char="•"/>
+              <a:defRPr kumimoji="0" sz="1400" kern="1200" baseline="0">
+                <a:solidFill>
+                  <a:schemeClr val="tx2"/>
+                </a:solidFill>
+                <a:latin typeface="+mn-lt"/>
+                <a:ea typeface="+mn-ea"/>
+                <a:cs typeface="+mn-cs"/>
+              </a:defRPr>
+            </a:lvl9pPr>
+          </a:lstStyle>
+          <a:p>
+            <a:r>
+              <a:rPr lang="en-US" dirty="0" err="1"/>
+              <a:t>Warga</a:t>
+            </a:r>
+            <a:endParaRPr lang="en-US" dirty="0"/>
+          </a:p>
+          <a:p>
+            <a:r>
+              <a:rPr lang="en-ID">
+                <a:hlinkClick r:id="rId6"/>
+              </a:rPr>
+              <a:t>http://hutangcat.dx.am/</a:t>
             </a:r>
             <a:endParaRPr lang="en-US" dirty="0"/>
           </a:p>

--- a/Presentation TA.pptx
+++ b/Presentation TA.pptx
@@ -29387,7 +29387,7 @@
         </p:nvSpPr>
         <p:spPr>
           <a:xfrm>
-            <a:off x="827584" y="4725144"/>
+            <a:off x="827584" y="1932489"/>
             <a:ext cx="7467600" cy="892696"/>
           </a:xfrm>
         </p:spPr>
@@ -29429,7 +29429,7 @@
         </p:nvSpPr>
         <p:spPr>
           <a:xfrm>
-            <a:off x="838200" y="2968352"/>
+            <a:off x="738572" y="3649593"/>
             <a:ext cx="7467600" cy="892696"/>
           </a:xfrm>
           <a:prstGeom prst="rect">
@@ -29438,7 +29438,7 @@
         </p:spPr>
         <p:txBody>
           <a:bodyPr vert="horz">
-            <a:normAutofit lnSpcReduction="10000"/>
+            <a:normAutofit/>
           </a:bodyPr>
           <a:lstStyle>
             <a:lvl1pPr marL="274320" indent="-274320" algn="l" rtl="0" eaLnBrk="1" latinLnBrk="0" hangingPunct="1">
@@ -29618,28 +29618,19 @@
             </a:lvl9pPr>
           </a:lstStyle>
           <a:p>
-            <a:r>
-              <a:rPr lang="en-US" dirty="0"/>
-              <a:t>Administrator</a:t>
-            </a:r>
-          </a:p>
-          <a:p>
-            <a:r>
-              <a:rPr lang="en-ID" dirty="0">
-                <a:hlinkClick r:id="rId4"/>
-              </a:rPr>
-              <a:t>http://localhost/DM_bantuan/admin0065/</a:t>
-            </a:r>
+            <a:pPr marL="0" indent="0">
+              <a:buNone/>
+            </a:pPr>
             <a:endParaRPr lang="en-US" dirty="0"/>
           </a:p>
         </p:txBody>
       </p:sp>
       <p:sp>
         <p:nvSpPr>
-          <p:cNvPr id="5" name="Content Placeholder 2">
+          <p:cNvPr id="8" name="Content Placeholder 2">
             <a:extLst>
               <a:ext uri="{FF2B5EF4-FFF2-40B4-BE49-F238E27FC236}">
-                <a16:creationId xmlns:a16="http://schemas.microsoft.com/office/drawing/2014/main" id="{73A0DC63-BEE8-4694-A64E-CB70FFA77128}"/>
+                <a16:creationId xmlns:a16="http://schemas.microsoft.com/office/drawing/2014/main" id="{5D61EBEA-17C7-444D-B2C6-F7867D9A3FA8}"/>
               </a:ext>
             </a:extLst>
           </p:cNvPr>
@@ -29650,229 +29641,7 @@
         </p:nvSpPr>
         <p:spPr>
           <a:xfrm>
-            <a:off x="848816" y="2156048"/>
-            <a:ext cx="7467600" cy="892696"/>
-          </a:xfrm>
-          <a:prstGeom prst="rect">
-            <a:avLst/>
-          </a:prstGeom>
-        </p:spPr>
-        <p:txBody>
-          <a:bodyPr vert="horz">
-            <a:normAutofit lnSpcReduction="10000"/>
-          </a:bodyPr>
-          <a:lstStyle>
-            <a:lvl1pPr marL="274320" indent="-274320" algn="l" rtl="0" eaLnBrk="1" latinLnBrk="0" hangingPunct="1">
-              <a:spcBef>
-                <a:spcPts val="600"/>
-              </a:spcBef>
-              <a:buClr>
-                <a:schemeClr val="accent1"/>
-              </a:buClr>
-              <a:buSzPct val="70000"/>
-              <a:buFont typeface="Wingdings"/>
-              <a:buChar char=""/>
-              <a:defRPr kumimoji="0" sz="2400" kern="1200">
-                <a:solidFill>
-                  <a:schemeClr val="tx1"/>
-                </a:solidFill>
-                <a:latin typeface="+mn-lt"/>
-                <a:ea typeface="+mn-ea"/>
-                <a:cs typeface="+mn-cs"/>
-              </a:defRPr>
-            </a:lvl1pPr>
-            <a:lvl2pPr marL="640080" indent="-274320" algn="l" rtl="0" eaLnBrk="1" latinLnBrk="0" hangingPunct="1">
-              <a:spcBef>
-                <a:spcPct val="20000"/>
-              </a:spcBef>
-              <a:buClr>
-                <a:schemeClr val="accent1"/>
-              </a:buClr>
-              <a:buSzPct val="80000"/>
-              <a:buFont typeface="Wingdings 2"/>
-              <a:buChar char=""/>
-              <a:defRPr kumimoji="0" sz="2100" kern="1200">
-                <a:solidFill>
-                  <a:schemeClr val="tx1"/>
-                </a:solidFill>
-                <a:latin typeface="+mn-lt"/>
-                <a:ea typeface="+mn-ea"/>
-                <a:cs typeface="+mn-cs"/>
-              </a:defRPr>
-            </a:lvl2pPr>
-            <a:lvl3pPr marL="914400" indent="-182880" algn="l" rtl="0" eaLnBrk="1" latinLnBrk="0" hangingPunct="1">
-              <a:spcBef>
-                <a:spcPct val="20000"/>
-              </a:spcBef>
-              <a:buClr>
-                <a:schemeClr val="accent1">
-                  <a:shade val="75000"/>
-                </a:schemeClr>
-              </a:buClr>
-              <a:buSzPct val="60000"/>
-              <a:buFont typeface="Wingdings"/>
-              <a:buChar char=""/>
-              <a:defRPr kumimoji="0" sz="1800" kern="1200">
-                <a:solidFill>
-                  <a:schemeClr val="tx1"/>
-                </a:solidFill>
-                <a:latin typeface="+mn-lt"/>
-                <a:ea typeface="+mn-ea"/>
-                <a:cs typeface="+mn-cs"/>
-              </a:defRPr>
-            </a:lvl3pPr>
-            <a:lvl4pPr marL="1188720" indent="-182880" algn="l" rtl="0" eaLnBrk="1" latinLnBrk="0" hangingPunct="1">
-              <a:spcBef>
-                <a:spcPct val="20000"/>
-              </a:spcBef>
-              <a:buClr>
-                <a:schemeClr val="accent1">
-                  <a:tint val="60000"/>
-                </a:schemeClr>
-              </a:buClr>
-              <a:buSzPct val="60000"/>
-              <a:buFont typeface="Wingdings"/>
-              <a:buChar char=""/>
-              <a:defRPr kumimoji="0" sz="1800" kern="1200">
-                <a:solidFill>
-                  <a:schemeClr val="tx1"/>
-                </a:solidFill>
-                <a:latin typeface="+mn-lt"/>
-                <a:ea typeface="+mn-ea"/>
-                <a:cs typeface="+mn-cs"/>
-              </a:defRPr>
-            </a:lvl4pPr>
-            <a:lvl5pPr marL="1463040" indent="-182880" algn="l" rtl="0" eaLnBrk="1" latinLnBrk="0" hangingPunct="1">
-              <a:spcBef>
-                <a:spcPct val="20000"/>
-              </a:spcBef>
-              <a:buClr>
-                <a:schemeClr val="accent2">
-                  <a:tint val="60000"/>
-                </a:schemeClr>
-              </a:buClr>
-              <a:buSzPct val="68000"/>
-              <a:buFont typeface="Wingdings 2"/>
-              <a:buChar char=""/>
-              <a:defRPr kumimoji="0" sz="1600" kern="1200">
-                <a:solidFill>
-                  <a:schemeClr val="tx1"/>
-                </a:solidFill>
-                <a:latin typeface="+mn-lt"/>
-                <a:ea typeface="+mn-ea"/>
-                <a:cs typeface="+mn-cs"/>
-              </a:defRPr>
-            </a:lvl5pPr>
-            <a:lvl6pPr marL="1737360" indent="-182880" algn="l" rtl="0" eaLnBrk="1" latinLnBrk="0" hangingPunct="1">
-              <a:spcBef>
-                <a:spcPct val="20000"/>
-              </a:spcBef>
-              <a:buClr>
-                <a:schemeClr val="accent1"/>
-              </a:buClr>
-              <a:buChar char="•"/>
-              <a:defRPr kumimoji="0" sz="1600" kern="1200">
-                <a:solidFill>
-                  <a:schemeClr val="tx2"/>
-                </a:solidFill>
-                <a:latin typeface="+mn-lt"/>
-                <a:ea typeface="+mn-ea"/>
-                <a:cs typeface="+mn-cs"/>
-              </a:defRPr>
-            </a:lvl6pPr>
-            <a:lvl7pPr marL="2011680" indent="-182880" algn="l" rtl="0" eaLnBrk="1" latinLnBrk="0" hangingPunct="1">
-              <a:spcBef>
-                <a:spcPct val="20000"/>
-              </a:spcBef>
-              <a:buClr>
-                <a:schemeClr val="accent1">
-                  <a:tint val="60000"/>
-                </a:schemeClr>
-              </a:buClr>
-              <a:buSzPct val="60000"/>
-              <a:buFont typeface="Wingdings"/>
-              <a:buChar char=""/>
-              <a:defRPr kumimoji="0" sz="1400" kern="1200" baseline="0">
-                <a:solidFill>
-                  <a:schemeClr val="tx2"/>
-                </a:solidFill>
-                <a:latin typeface="+mn-lt"/>
-                <a:ea typeface="+mn-ea"/>
-                <a:cs typeface="+mn-cs"/>
-              </a:defRPr>
-            </a:lvl7pPr>
-            <a:lvl8pPr marL="2286000" indent="-182880" algn="l" rtl="0" eaLnBrk="1" latinLnBrk="0" hangingPunct="1">
-              <a:spcBef>
-                <a:spcPct val="20000"/>
-              </a:spcBef>
-              <a:buClr>
-                <a:schemeClr val="accent2"/>
-              </a:buClr>
-              <a:buChar char="•"/>
-              <a:defRPr kumimoji="0" sz="1400" kern="1200" cap="small" baseline="0">
-                <a:solidFill>
-                  <a:schemeClr val="tx2"/>
-                </a:solidFill>
-                <a:latin typeface="+mn-lt"/>
-                <a:ea typeface="+mn-ea"/>
-                <a:cs typeface="+mn-cs"/>
-              </a:defRPr>
-            </a:lvl8pPr>
-            <a:lvl9pPr marL="2560320" indent="-182880" algn="l" rtl="0" eaLnBrk="1" latinLnBrk="0" hangingPunct="1">
-              <a:spcBef>
-                <a:spcPct val="20000"/>
-              </a:spcBef>
-              <a:buClr>
-                <a:schemeClr val="accent1">
-                  <a:shade val="75000"/>
-                </a:schemeClr>
-              </a:buClr>
-              <a:buChar char="•"/>
-              <a:defRPr kumimoji="0" sz="1400" kern="1200" baseline="0">
-                <a:solidFill>
-                  <a:schemeClr val="tx2"/>
-                </a:solidFill>
-                <a:latin typeface="+mn-lt"/>
-                <a:ea typeface="+mn-ea"/>
-                <a:cs typeface="+mn-cs"/>
-              </a:defRPr>
-            </a:lvl9pPr>
-          </a:lstStyle>
-          <a:p>
-            <a:r>
-              <a:rPr lang="en-US" dirty="0" err="1"/>
-              <a:t>Warga</a:t>
-            </a:r>
-            <a:endParaRPr lang="en-US" dirty="0"/>
-          </a:p>
-          <a:p>
-            <a:r>
-              <a:rPr lang="en-ID" dirty="0">
-                <a:hlinkClick r:id="rId5"/>
-              </a:rPr>
-              <a:t>http://localhost/DM_bantuan/</a:t>
-            </a:r>
-            <a:endParaRPr lang="en-US" dirty="0"/>
-          </a:p>
-        </p:txBody>
-      </p:sp>
-      <p:sp>
-        <p:nvSpPr>
-          <p:cNvPr id="7" name="Content Placeholder 2">
-            <a:extLst>
-              <a:ext uri="{FF2B5EF4-FFF2-40B4-BE49-F238E27FC236}">
-                <a16:creationId xmlns:a16="http://schemas.microsoft.com/office/drawing/2014/main" id="{0E7FC78E-F21B-40E8-BE65-C027AF697CD8}"/>
-              </a:ext>
-            </a:extLst>
-          </p:cNvPr>
-          <p:cNvSpPr txBox="1">
-            <a:spLocks/>
-          </p:cNvSpPr>
-          <p:nvPr/>
-        </p:nvSpPr>
-        <p:spPr>
-          <a:xfrm>
-            <a:off x="3644280" y="1471548"/>
+            <a:off x="3644280" y="1484784"/>
             <a:ext cx="1656184" cy="556697"/>
           </a:xfrm>
           <a:prstGeom prst="rect">
@@ -30064,219 +29833,6 @@
             <a:pPr algn="ctr"/>
             <a:r>
               <a:rPr lang="en-US" dirty="0"/>
-              <a:t>Offline</a:t>
-            </a:r>
-          </a:p>
-        </p:txBody>
-      </p:sp>
-      <p:sp>
-        <p:nvSpPr>
-          <p:cNvPr id="8" name="Content Placeholder 2">
-            <a:extLst>
-              <a:ext uri="{FF2B5EF4-FFF2-40B4-BE49-F238E27FC236}">
-                <a16:creationId xmlns:a16="http://schemas.microsoft.com/office/drawing/2014/main" id="{5D61EBEA-17C7-444D-B2C6-F7867D9A3FA8}"/>
-              </a:ext>
-            </a:extLst>
-          </p:cNvPr>
-          <p:cNvSpPr txBox="1">
-            <a:spLocks/>
-          </p:cNvSpPr>
-          <p:nvPr/>
-        </p:nvSpPr>
-        <p:spPr>
-          <a:xfrm>
-            <a:off x="3644280" y="4277439"/>
-            <a:ext cx="1656184" cy="556697"/>
-          </a:xfrm>
-          <a:prstGeom prst="rect">
-            <a:avLst/>
-          </a:prstGeom>
-        </p:spPr>
-        <p:txBody>
-          <a:bodyPr vert="horz">
-            <a:normAutofit/>
-          </a:bodyPr>
-          <a:lstStyle>
-            <a:lvl1pPr marL="274320" indent="-274320" algn="l" rtl="0" eaLnBrk="1" latinLnBrk="0" hangingPunct="1">
-              <a:spcBef>
-                <a:spcPts val="600"/>
-              </a:spcBef>
-              <a:buClr>
-                <a:schemeClr val="accent1"/>
-              </a:buClr>
-              <a:buSzPct val="70000"/>
-              <a:buFont typeface="Wingdings"/>
-              <a:buChar char=""/>
-              <a:defRPr kumimoji="0" sz="2400" kern="1200">
-                <a:solidFill>
-                  <a:schemeClr val="tx1"/>
-                </a:solidFill>
-                <a:latin typeface="+mn-lt"/>
-                <a:ea typeface="+mn-ea"/>
-                <a:cs typeface="+mn-cs"/>
-              </a:defRPr>
-            </a:lvl1pPr>
-            <a:lvl2pPr marL="640080" indent="-274320" algn="l" rtl="0" eaLnBrk="1" latinLnBrk="0" hangingPunct="1">
-              <a:spcBef>
-                <a:spcPct val="20000"/>
-              </a:spcBef>
-              <a:buClr>
-                <a:schemeClr val="accent1"/>
-              </a:buClr>
-              <a:buSzPct val="80000"/>
-              <a:buFont typeface="Wingdings 2"/>
-              <a:buChar char=""/>
-              <a:defRPr kumimoji="0" sz="2100" kern="1200">
-                <a:solidFill>
-                  <a:schemeClr val="tx1"/>
-                </a:solidFill>
-                <a:latin typeface="+mn-lt"/>
-                <a:ea typeface="+mn-ea"/>
-                <a:cs typeface="+mn-cs"/>
-              </a:defRPr>
-            </a:lvl2pPr>
-            <a:lvl3pPr marL="914400" indent="-182880" algn="l" rtl="0" eaLnBrk="1" latinLnBrk="0" hangingPunct="1">
-              <a:spcBef>
-                <a:spcPct val="20000"/>
-              </a:spcBef>
-              <a:buClr>
-                <a:schemeClr val="accent1">
-                  <a:shade val="75000"/>
-                </a:schemeClr>
-              </a:buClr>
-              <a:buSzPct val="60000"/>
-              <a:buFont typeface="Wingdings"/>
-              <a:buChar char=""/>
-              <a:defRPr kumimoji="0" sz="1800" kern="1200">
-                <a:solidFill>
-                  <a:schemeClr val="tx1"/>
-                </a:solidFill>
-                <a:latin typeface="+mn-lt"/>
-                <a:ea typeface="+mn-ea"/>
-                <a:cs typeface="+mn-cs"/>
-              </a:defRPr>
-            </a:lvl3pPr>
-            <a:lvl4pPr marL="1188720" indent="-182880" algn="l" rtl="0" eaLnBrk="1" latinLnBrk="0" hangingPunct="1">
-              <a:spcBef>
-                <a:spcPct val="20000"/>
-              </a:spcBef>
-              <a:buClr>
-                <a:schemeClr val="accent1">
-                  <a:tint val="60000"/>
-                </a:schemeClr>
-              </a:buClr>
-              <a:buSzPct val="60000"/>
-              <a:buFont typeface="Wingdings"/>
-              <a:buChar char=""/>
-              <a:defRPr kumimoji="0" sz="1800" kern="1200">
-                <a:solidFill>
-                  <a:schemeClr val="tx1"/>
-                </a:solidFill>
-                <a:latin typeface="+mn-lt"/>
-                <a:ea typeface="+mn-ea"/>
-                <a:cs typeface="+mn-cs"/>
-              </a:defRPr>
-            </a:lvl4pPr>
-            <a:lvl5pPr marL="1463040" indent="-182880" algn="l" rtl="0" eaLnBrk="1" latinLnBrk="0" hangingPunct="1">
-              <a:spcBef>
-                <a:spcPct val="20000"/>
-              </a:spcBef>
-              <a:buClr>
-                <a:schemeClr val="accent2">
-                  <a:tint val="60000"/>
-                </a:schemeClr>
-              </a:buClr>
-              <a:buSzPct val="68000"/>
-              <a:buFont typeface="Wingdings 2"/>
-              <a:buChar char=""/>
-              <a:defRPr kumimoji="0" sz="1600" kern="1200">
-                <a:solidFill>
-                  <a:schemeClr val="tx1"/>
-                </a:solidFill>
-                <a:latin typeface="+mn-lt"/>
-                <a:ea typeface="+mn-ea"/>
-                <a:cs typeface="+mn-cs"/>
-              </a:defRPr>
-            </a:lvl5pPr>
-            <a:lvl6pPr marL="1737360" indent="-182880" algn="l" rtl="0" eaLnBrk="1" latinLnBrk="0" hangingPunct="1">
-              <a:spcBef>
-                <a:spcPct val="20000"/>
-              </a:spcBef>
-              <a:buClr>
-                <a:schemeClr val="accent1"/>
-              </a:buClr>
-              <a:buChar char="•"/>
-              <a:defRPr kumimoji="0" sz="1600" kern="1200">
-                <a:solidFill>
-                  <a:schemeClr val="tx2"/>
-                </a:solidFill>
-                <a:latin typeface="+mn-lt"/>
-                <a:ea typeface="+mn-ea"/>
-                <a:cs typeface="+mn-cs"/>
-              </a:defRPr>
-            </a:lvl6pPr>
-            <a:lvl7pPr marL="2011680" indent="-182880" algn="l" rtl="0" eaLnBrk="1" latinLnBrk="0" hangingPunct="1">
-              <a:spcBef>
-                <a:spcPct val="20000"/>
-              </a:spcBef>
-              <a:buClr>
-                <a:schemeClr val="accent1">
-                  <a:tint val="60000"/>
-                </a:schemeClr>
-              </a:buClr>
-              <a:buSzPct val="60000"/>
-              <a:buFont typeface="Wingdings"/>
-              <a:buChar char=""/>
-              <a:defRPr kumimoji="0" sz="1400" kern="1200" baseline="0">
-                <a:solidFill>
-                  <a:schemeClr val="tx2"/>
-                </a:solidFill>
-                <a:latin typeface="+mn-lt"/>
-                <a:ea typeface="+mn-ea"/>
-                <a:cs typeface="+mn-cs"/>
-              </a:defRPr>
-            </a:lvl7pPr>
-            <a:lvl8pPr marL="2286000" indent="-182880" algn="l" rtl="0" eaLnBrk="1" latinLnBrk="0" hangingPunct="1">
-              <a:spcBef>
-                <a:spcPct val="20000"/>
-              </a:spcBef>
-              <a:buClr>
-                <a:schemeClr val="accent2"/>
-              </a:buClr>
-              <a:buChar char="•"/>
-              <a:defRPr kumimoji="0" sz="1400" kern="1200" cap="small" baseline="0">
-                <a:solidFill>
-                  <a:schemeClr val="tx2"/>
-                </a:solidFill>
-                <a:latin typeface="+mn-lt"/>
-                <a:ea typeface="+mn-ea"/>
-                <a:cs typeface="+mn-cs"/>
-              </a:defRPr>
-            </a:lvl8pPr>
-            <a:lvl9pPr marL="2560320" indent="-182880" algn="l" rtl="0" eaLnBrk="1" latinLnBrk="0" hangingPunct="1">
-              <a:spcBef>
-                <a:spcPct val="20000"/>
-              </a:spcBef>
-              <a:buClr>
-                <a:schemeClr val="accent1">
-                  <a:shade val="75000"/>
-                </a:schemeClr>
-              </a:buClr>
-              <a:buChar char="•"/>
-              <a:defRPr kumimoji="0" sz="1400" kern="1200" baseline="0">
-                <a:solidFill>
-                  <a:schemeClr val="tx2"/>
-                </a:solidFill>
-                <a:latin typeface="+mn-lt"/>
-                <a:ea typeface="+mn-ea"/>
-                <a:cs typeface="+mn-cs"/>
-              </a:defRPr>
-            </a:lvl9pPr>
-          </a:lstStyle>
-          <a:p>
-            <a:pPr algn="ctr"/>
-            <a:r>
-              <a:rPr lang="en-US" dirty="0"/>
               <a:t>Online</a:t>
             </a:r>
           </a:p>
@@ -30298,7 +29854,7 @@
         </p:nvSpPr>
         <p:spPr>
           <a:xfrm>
-            <a:off x="824270" y="5549552"/>
+            <a:off x="827584" y="5279729"/>
             <a:ext cx="7467600" cy="892696"/>
           </a:xfrm>
           <a:prstGeom prst="rect">
@@ -30495,12 +30051,456 @@
           </a:p>
           <a:p>
             <a:r>
-              <a:rPr lang="en-ID">
-                <a:hlinkClick r:id="rId6"/>
+              <a:rPr lang="en-ID" dirty="0">
+                <a:hlinkClick r:id="rId4"/>
               </a:rPr>
               <a:t>http://hutangcat.dx.am/</a:t>
             </a:r>
             <a:endParaRPr lang="en-US" dirty="0"/>
+          </a:p>
+        </p:txBody>
+      </p:sp>
+      <p:sp>
+        <p:nvSpPr>
+          <p:cNvPr id="9" name="Content Placeholder 2">
+            <a:extLst>
+              <a:ext uri="{FF2B5EF4-FFF2-40B4-BE49-F238E27FC236}">
+                <a16:creationId xmlns:a16="http://schemas.microsoft.com/office/drawing/2014/main" id="{A8663389-367D-422B-9C3B-7C5D9C3E033D}"/>
+              </a:ext>
+            </a:extLst>
+          </p:cNvPr>
+          <p:cNvSpPr txBox="1">
+            <a:spLocks/>
+          </p:cNvSpPr>
+          <p:nvPr/>
+        </p:nvSpPr>
+        <p:spPr>
+          <a:xfrm>
+            <a:off x="863304" y="2770235"/>
+            <a:ext cx="7467600" cy="892696"/>
+          </a:xfrm>
+          <a:prstGeom prst="rect">
+            <a:avLst/>
+          </a:prstGeom>
+        </p:spPr>
+        <p:txBody>
+          <a:bodyPr vert="horz">
+            <a:normAutofit lnSpcReduction="10000"/>
+          </a:bodyPr>
+          <a:lstStyle>
+            <a:lvl1pPr marL="274320" indent="-274320" algn="l" rtl="0" eaLnBrk="1" latinLnBrk="0" hangingPunct="1">
+              <a:spcBef>
+                <a:spcPts val="600"/>
+              </a:spcBef>
+              <a:buClr>
+                <a:schemeClr val="accent1"/>
+              </a:buClr>
+              <a:buSzPct val="70000"/>
+              <a:buFont typeface="Wingdings"/>
+              <a:buChar char=""/>
+              <a:defRPr kumimoji="0" sz="2400" kern="1200">
+                <a:solidFill>
+                  <a:schemeClr val="tx1"/>
+                </a:solidFill>
+                <a:latin typeface="+mn-lt"/>
+                <a:ea typeface="+mn-ea"/>
+                <a:cs typeface="+mn-cs"/>
+              </a:defRPr>
+            </a:lvl1pPr>
+            <a:lvl2pPr marL="640080" indent="-274320" algn="l" rtl="0" eaLnBrk="1" latinLnBrk="0" hangingPunct="1">
+              <a:spcBef>
+                <a:spcPct val="20000"/>
+              </a:spcBef>
+              <a:buClr>
+                <a:schemeClr val="accent1"/>
+              </a:buClr>
+              <a:buSzPct val="80000"/>
+              <a:buFont typeface="Wingdings 2"/>
+              <a:buChar char=""/>
+              <a:defRPr kumimoji="0" sz="2100" kern="1200">
+                <a:solidFill>
+                  <a:schemeClr val="tx1"/>
+                </a:solidFill>
+                <a:latin typeface="+mn-lt"/>
+                <a:ea typeface="+mn-ea"/>
+                <a:cs typeface="+mn-cs"/>
+              </a:defRPr>
+            </a:lvl2pPr>
+            <a:lvl3pPr marL="914400" indent="-182880" algn="l" rtl="0" eaLnBrk="1" latinLnBrk="0" hangingPunct="1">
+              <a:spcBef>
+                <a:spcPct val="20000"/>
+              </a:spcBef>
+              <a:buClr>
+                <a:schemeClr val="accent1">
+                  <a:shade val="75000"/>
+                </a:schemeClr>
+              </a:buClr>
+              <a:buSzPct val="60000"/>
+              <a:buFont typeface="Wingdings"/>
+              <a:buChar char=""/>
+              <a:defRPr kumimoji="0" sz="1800" kern="1200">
+                <a:solidFill>
+                  <a:schemeClr val="tx1"/>
+                </a:solidFill>
+                <a:latin typeface="+mn-lt"/>
+                <a:ea typeface="+mn-ea"/>
+                <a:cs typeface="+mn-cs"/>
+              </a:defRPr>
+            </a:lvl3pPr>
+            <a:lvl4pPr marL="1188720" indent="-182880" algn="l" rtl="0" eaLnBrk="1" latinLnBrk="0" hangingPunct="1">
+              <a:spcBef>
+                <a:spcPct val="20000"/>
+              </a:spcBef>
+              <a:buClr>
+                <a:schemeClr val="accent1">
+                  <a:tint val="60000"/>
+                </a:schemeClr>
+              </a:buClr>
+              <a:buSzPct val="60000"/>
+              <a:buFont typeface="Wingdings"/>
+              <a:buChar char=""/>
+              <a:defRPr kumimoji="0" sz="1800" kern="1200">
+                <a:solidFill>
+                  <a:schemeClr val="tx1"/>
+                </a:solidFill>
+                <a:latin typeface="+mn-lt"/>
+                <a:ea typeface="+mn-ea"/>
+                <a:cs typeface="+mn-cs"/>
+              </a:defRPr>
+            </a:lvl4pPr>
+            <a:lvl5pPr marL="1463040" indent="-182880" algn="l" rtl="0" eaLnBrk="1" latinLnBrk="0" hangingPunct="1">
+              <a:spcBef>
+                <a:spcPct val="20000"/>
+              </a:spcBef>
+              <a:buClr>
+                <a:schemeClr val="accent2">
+                  <a:tint val="60000"/>
+                </a:schemeClr>
+              </a:buClr>
+              <a:buSzPct val="68000"/>
+              <a:buFont typeface="Wingdings 2"/>
+              <a:buChar char=""/>
+              <a:defRPr kumimoji="0" sz="1600" kern="1200">
+                <a:solidFill>
+                  <a:schemeClr val="tx1"/>
+                </a:solidFill>
+                <a:latin typeface="+mn-lt"/>
+                <a:ea typeface="+mn-ea"/>
+                <a:cs typeface="+mn-cs"/>
+              </a:defRPr>
+            </a:lvl5pPr>
+            <a:lvl6pPr marL="1737360" indent="-182880" algn="l" rtl="0" eaLnBrk="1" latinLnBrk="0" hangingPunct="1">
+              <a:spcBef>
+                <a:spcPct val="20000"/>
+              </a:spcBef>
+              <a:buClr>
+                <a:schemeClr val="accent1"/>
+              </a:buClr>
+              <a:buChar char="•"/>
+              <a:defRPr kumimoji="0" sz="1600" kern="1200">
+                <a:solidFill>
+                  <a:schemeClr val="tx2"/>
+                </a:solidFill>
+                <a:latin typeface="+mn-lt"/>
+                <a:ea typeface="+mn-ea"/>
+                <a:cs typeface="+mn-cs"/>
+              </a:defRPr>
+            </a:lvl6pPr>
+            <a:lvl7pPr marL="2011680" indent="-182880" algn="l" rtl="0" eaLnBrk="1" latinLnBrk="0" hangingPunct="1">
+              <a:spcBef>
+                <a:spcPct val="20000"/>
+              </a:spcBef>
+              <a:buClr>
+                <a:schemeClr val="accent1">
+                  <a:tint val="60000"/>
+                </a:schemeClr>
+              </a:buClr>
+              <a:buSzPct val="60000"/>
+              <a:buFont typeface="Wingdings"/>
+              <a:buChar char=""/>
+              <a:defRPr kumimoji="0" sz="1400" kern="1200" baseline="0">
+                <a:solidFill>
+                  <a:schemeClr val="tx2"/>
+                </a:solidFill>
+                <a:latin typeface="+mn-lt"/>
+                <a:ea typeface="+mn-ea"/>
+                <a:cs typeface="+mn-cs"/>
+              </a:defRPr>
+            </a:lvl7pPr>
+            <a:lvl8pPr marL="2286000" indent="-182880" algn="l" rtl="0" eaLnBrk="1" latinLnBrk="0" hangingPunct="1">
+              <a:spcBef>
+                <a:spcPct val="20000"/>
+              </a:spcBef>
+              <a:buClr>
+                <a:schemeClr val="accent2"/>
+              </a:buClr>
+              <a:buChar char="•"/>
+              <a:defRPr kumimoji="0" sz="1400" kern="1200" cap="small" baseline="0">
+                <a:solidFill>
+                  <a:schemeClr val="tx2"/>
+                </a:solidFill>
+                <a:latin typeface="+mn-lt"/>
+                <a:ea typeface="+mn-ea"/>
+                <a:cs typeface="+mn-cs"/>
+              </a:defRPr>
+            </a:lvl8pPr>
+            <a:lvl9pPr marL="2560320" indent="-182880" algn="l" rtl="0" eaLnBrk="1" latinLnBrk="0" hangingPunct="1">
+              <a:spcBef>
+                <a:spcPct val="20000"/>
+              </a:spcBef>
+              <a:buClr>
+                <a:schemeClr val="accent1">
+                  <a:shade val="75000"/>
+                </a:schemeClr>
+              </a:buClr>
+              <a:buChar char="•"/>
+              <a:defRPr kumimoji="0" sz="1400" kern="1200" baseline="0">
+                <a:solidFill>
+                  <a:schemeClr val="tx2"/>
+                </a:solidFill>
+                <a:latin typeface="+mn-lt"/>
+                <a:ea typeface="+mn-ea"/>
+                <a:cs typeface="+mn-cs"/>
+              </a:defRPr>
+            </a:lvl9pPr>
+          </a:lstStyle>
+          <a:p>
+            <a:r>
+              <a:rPr lang="en-US" dirty="0"/>
+              <a:t>Username: Kelurahan </a:t>
+            </a:r>
+          </a:p>
+          <a:p>
+            <a:r>
+              <a:rPr lang="en-US" dirty="0"/>
+              <a:t>Pass: admin</a:t>
+            </a:r>
+          </a:p>
+        </p:txBody>
+      </p:sp>
+      <p:sp>
+        <p:nvSpPr>
+          <p:cNvPr id="11" name="Content Placeholder 2">
+            <a:extLst>
+              <a:ext uri="{FF2B5EF4-FFF2-40B4-BE49-F238E27FC236}">
+                <a16:creationId xmlns:a16="http://schemas.microsoft.com/office/drawing/2014/main" id="{497C2658-2E0A-4565-B6F3-04F3EAAAEDAC}"/>
+              </a:ext>
+            </a:extLst>
+          </p:cNvPr>
+          <p:cNvSpPr txBox="1">
+            <a:spLocks/>
+          </p:cNvSpPr>
+          <p:nvPr/>
+        </p:nvSpPr>
+        <p:spPr>
+          <a:xfrm>
+            <a:off x="873468" y="3614760"/>
+            <a:ext cx="7467600" cy="892696"/>
+          </a:xfrm>
+          <a:prstGeom prst="rect">
+            <a:avLst/>
+          </a:prstGeom>
+        </p:spPr>
+        <p:txBody>
+          <a:bodyPr vert="horz">
+            <a:normAutofit lnSpcReduction="10000"/>
+          </a:bodyPr>
+          <a:lstStyle>
+            <a:lvl1pPr marL="274320" indent="-274320" algn="l" rtl="0" eaLnBrk="1" latinLnBrk="0" hangingPunct="1">
+              <a:spcBef>
+                <a:spcPts val="600"/>
+              </a:spcBef>
+              <a:buClr>
+                <a:schemeClr val="accent1"/>
+              </a:buClr>
+              <a:buSzPct val="70000"/>
+              <a:buFont typeface="Wingdings"/>
+              <a:buChar char=""/>
+              <a:defRPr kumimoji="0" sz="2400" kern="1200">
+                <a:solidFill>
+                  <a:schemeClr val="tx1"/>
+                </a:solidFill>
+                <a:latin typeface="+mn-lt"/>
+                <a:ea typeface="+mn-ea"/>
+                <a:cs typeface="+mn-cs"/>
+              </a:defRPr>
+            </a:lvl1pPr>
+            <a:lvl2pPr marL="640080" indent="-274320" algn="l" rtl="0" eaLnBrk="1" latinLnBrk="0" hangingPunct="1">
+              <a:spcBef>
+                <a:spcPct val="20000"/>
+              </a:spcBef>
+              <a:buClr>
+                <a:schemeClr val="accent1"/>
+              </a:buClr>
+              <a:buSzPct val="80000"/>
+              <a:buFont typeface="Wingdings 2"/>
+              <a:buChar char=""/>
+              <a:defRPr kumimoji="0" sz="2100" kern="1200">
+                <a:solidFill>
+                  <a:schemeClr val="tx1"/>
+                </a:solidFill>
+                <a:latin typeface="+mn-lt"/>
+                <a:ea typeface="+mn-ea"/>
+                <a:cs typeface="+mn-cs"/>
+              </a:defRPr>
+            </a:lvl2pPr>
+            <a:lvl3pPr marL="914400" indent="-182880" algn="l" rtl="0" eaLnBrk="1" latinLnBrk="0" hangingPunct="1">
+              <a:spcBef>
+                <a:spcPct val="20000"/>
+              </a:spcBef>
+              <a:buClr>
+                <a:schemeClr val="accent1">
+                  <a:shade val="75000"/>
+                </a:schemeClr>
+              </a:buClr>
+              <a:buSzPct val="60000"/>
+              <a:buFont typeface="Wingdings"/>
+              <a:buChar char=""/>
+              <a:defRPr kumimoji="0" sz="1800" kern="1200">
+                <a:solidFill>
+                  <a:schemeClr val="tx1"/>
+                </a:solidFill>
+                <a:latin typeface="+mn-lt"/>
+                <a:ea typeface="+mn-ea"/>
+                <a:cs typeface="+mn-cs"/>
+              </a:defRPr>
+            </a:lvl3pPr>
+            <a:lvl4pPr marL="1188720" indent="-182880" algn="l" rtl="0" eaLnBrk="1" latinLnBrk="0" hangingPunct="1">
+              <a:spcBef>
+                <a:spcPct val="20000"/>
+              </a:spcBef>
+              <a:buClr>
+                <a:schemeClr val="accent1">
+                  <a:tint val="60000"/>
+                </a:schemeClr>
+              </a:buClr>
+              <a:buSzPct val="60000"/>
+              <a:buFont typeface="Wingdings"/>
+              <a:buChar char=""/>
+              <a:defRPr kumimoji="0" sz="1800" kern="1200">
+                <a:solidFill>
+                  <a:schemeClr val="tx1"/>
+                </a:solidFill>
+                <a:latin typeface="+mn-lt"/>
+                <a:ea typeface="+mn-ea"/>
+                <a:cs typeface="+mn-cs"/>
+              </a:defRPr>
+            </a:lvl4pPr>
+            <a:lvl5pPr marL="1463040" indent="-182880" algn="l" rtl="0" eaLnBrk="1" latinLnBrk="0" hangingPunct="1">
+              <a:spcBef>
+                <a:spcPct val="20000"/>
+              </a:spcBef>
+              <a:buClr>
+                <a:schemeClr val="accent2">
+                  <a:tint val="60000"/>
+                </a:schemeClr>
+              </a:buClr>
+              <a:buSzPct val="68000"/>
+              <a:buFont typeface="Wingdings 2"/>
+              <a:buChar char=""/>
+              <a:defRPr kumimoji="0" sz="1600" kern="1200">
+                <a:solidFill>
+                  <a:schemeClr val="tx1"/>
+                </a:solidFill>
+                <a:latin typeface="+mn-lt"/>
+                <a:ea typeface="+mn-ea"/>
+                <a:cs typeface="+mn-cs"/>
+              </a:defRPr>
+            </a:lvl5pPr>
+            <a:lvl6pPr marL="1737360" indent="-182880" algn="l" rtl="0" eaLnBrk="1" latinLnBrk="0" hangingPunct="1">
+              <a:spcBef>
+                <a:spcPct val="20000"/>
+              </a:spcBef>
+              <a:buClr>
+                <a:schemeClr val="accent1"/>
+              </a:buClr>
+              <a:buChar char="•"/>
+              <a:defRPr kumimoji="0" sz="1600" kern="1200">
+                <a:solidFill>
+                  <a:schemeClr val="tx2"/>
+                </a:solidFill>
+                <a:latin typeface="+mn-lt"/>
+                <a:ea typeface="+mn-ea"/>
+                <a:cs typeface="+mn-cs"/>
+              </a:defRPr>
+            </a:lvl6pPr>
+            <a:lvl7pPr marL="2011680" indent="-182880" algn="l" rtl="0" eaLnBrk="1" latinLnBrk="0" hangingPunct="1">
+              <a:spcBef>
+                <a:spcPct val="20000"/>
+              </a:spcBef>
+              <a:buClr>
+                <a:schemeClr val="accent1">
+                  <a:tint val="60000"/>
+                </a:schemeClr>
+              </a:buClr>
+              <a:buSzPct val="60000"/>
+              <a:buFont typeface="Wingdings"/>
+              <a:buChar char=""/>
+              <a:defRPr kumimoji="0" sz="1400" kern="1200" baseline="0">
+                <a:solidFill>
+                  <a:schemeClr val="tx2"/>
+                </a:solidFill>
+                <a:latin typeface="+mn-lt"/>
+                <a:ea typeface="+mn-ea"/>
+                <a:cs typeface="+mn-cs"/>
+              </a:defRPr>
+            </a:lvl7pPr>
+            <a:lvl8pPr marL="2286000" indent="-182880" algn="l" rtl="0" eaLnBrk="1" latinLnBrk="0" hangingPunct="1">
+              <a:spcBef>
+                <a:spcPct val="20000"/>
+              </a:spcBef>
+              <a:buClr>
+                <a:schemeClr val="accent2"/>
+              </a:buClr>
+              <a:buChar char="•"/>
+              <a:defRPr kumimoji="0" sz="1400" kern="1200" cap="small" baseline="0">
+                <a:solidFill>
+                  <a:schemeClr val="tx2"/>
+                </a:solidFill>
+                <a:latin typeface="+mn-lt"/>
+                <a:ea typeface="+mn-ea"/>
+                <a:cs typeface="+mn-cs"/>
+              </a:defRPr>
+            </a:lvl8pPr>
+            <a:lvl9pPr marL="2560320" indent="-182880" algn="l" rtl="0" eaLnBrk="1" latinLnBrk="0" hangingPunct="1">
+              <a:spcBef>
+                <a:spcPct val="20000"/>
+              </a:spcBef>
+              <a:buClr>
+                <a:schemeClr val="accent1">
+                  <a:shade val="75000"/>
+                </a:schemeClr>
+              </a:buClr>
+              <a:buChar char="•"/>
+              <a:defRPr kumimoji="0" sz="1400" kern="1200" baseline="0">
+                <a:solidFill>
+                  <a:schemeClr val="tx2"/>
+                </a:solidFill>
+                <a:latin typeface="+mn-lt"/>
+                <a:ea typeface="+mn-ea"/>
+                <a:cs typeface="+mn-cs"/>
+              </a:defRPr>
+            </a:lvl9pPr>
+          </a:lstStyle>
+          <a:p>
+            <a:r>
+              <a:rPr lang="en-US" dirty="0"/>
+              <a:t>Username: </a:t>
+            </a:r>
+            <a:r>
+              <a:rPr lang="en-US" dirty="0" err="1"/>
+              <a:t>dinsos</a:t>
+            </a:r>
+            <a:r>
+              <a:rPr lang="en-US" dirty="0"/>
+              <a:t> </a:t>
+            </a:r>
+          </a:p>
+          <a:p>
+            <a:r>
+              <a:rPr lang="en-US" dirty="0"/>
+              <a:t>Pass: admin</a:t>
+            </a:r>
           </a:p>
         </p:txBody>
       </p:sp>
